--- a/others/share/learning-go/【第一期】Go-Micro框架设计.pptx
+++ b/others/share/learning-go/【第一期】Go-Micro框架设计.pptx
@@ -235,7 +235,7 @@
           <a:p>
             <a:fld id="{E96EEE2A-3678-C74D-A61E-FA7E6F6E9903}" type="datetimeFigureOut">
               <a:rPr lang="en-US" smtClean="0"/>
-              <a:t>9/1/19</a:t>
+              <a:t>9/3/19</a:t>
             </a:fld>
             <a:endParaRPr lang="en-US"/>
           </a:p>
@@ -1623,7 +1623,7 @@
           <a:p>
             <a:fld id="{1D8BD707-D9CF-40AE-B4C6-C98DA3205C09}" type="datetimeFigureOut">
               <a:rPr lang="en-US"/>
-              <a:t>9/1/19</a:t>
+              <a:t>9/3/19</a:t>
             </a:fld>
             <a:endParaRPr lang="en-US"/>
           </a:p>
@@ -1800,7 +1800,7 @@
           <a:p>
             <a:fld id="{1D8BD707-D9CF-40AE-B4C6-C98DA3205C09}" type="datetimeFigureOut">
               <a:rPr lang="en-US"/>
-              <a:t>9/1/19</a:t>
+              <a:t>9/3/19</a:t>
             </a:fld>
             <a:endParaRPr lang="en-US"/>
           </a:p>
@@ -2164,7 +2164,7 @@
           <a:p>
             <a:fld id="{1D8BD707-D9CF-40AE-B4C6-C98DA3205C09}" type="datetimeFigureOut">
               <a:rPr lang="en-US"/>
-              <a:t>9/1/19</a:t>
+              <a:t>9/3/19</a:t>
             </a:fld>
             <a:endParaRPr lang="en-US"/>
           </a:p>
@@ -2370,7 +2370,7 @@
           <a:p>
             <a:fld id="{1D8BD707-D9CF-40AE-B4C6-C98DA3205C09}" type="datetimeFigureOut">
               <a:rPr lang="en-US"/>
-              <a:t>9/1/19</a:t>
+              <a:t>9/3/19</a:t>
             </a:fld>
             <a:endParaRPr lang="en-US"/>
           </a:p>
@@ -2497,7 +2497,7 @@
           <a:p>
             <a:fld id="{1D8BD707-D9CF-40AE-B4C6-C98DA3205C09}" type="datetimeFigureOut">
               <a:rPr lang="en-US"/>
-              <a:t>9/1/19</a:t>
+              <a:t>9/3/19</a:t>
             </a:fld>
             <a:endParaRPr lang="en-US"/>
           </a:p>
@@ -2764,7 +2764,7 @@
           <a:p>
             <a:fld id="{1D8BD707-D9CF-40AE-B4C6-C98DA3205C09}" type="datetimeFigureOut">
               <a:rPr lang="en-US"/>
-              <a:t>9/1/19</a:t>
+              <a:t>9/3/19</a:t>
             </a:fld>
             <a:endParaRPr lang="en-US"/>
           </a:p>
@@ -3356,10 +3356,245 @@
       </p:sp>
       <p:sp>
         <p:nvSpPr>
-          <p:cNvPr id="5" name="object 3">
+          <p:cNvPr id="3" name="TextBox 2">
             <a:extLst>
               <a:ext uri="{FF2B5EF4-FFF2-40B4-BE49-F238E27FC236}">
-                <a16:creationId xmlns:a16="http://schemas.microsoft.com/office/drawing/2014/main" id="{14728260-58C4-2F4F-B7CB-6B4427B32BC1}"/>
+                <a16:creationId xmlns:a16="http://schemas.microsoft.com/office/drawing/2014/main" id="{24C283A3-C337-CB4E-95FC-E9B8A299EB12}"/>
+              </a:ext>
+            </a:extLst>
+          </p:cNvPr>
+          <p:cNvSpPr txBox="1"/>
+          <p:nvPr/>
+        </p:nvSpPr>
+        <p:spPr>
+          <a:xfrm>
+            <a:off x="390041" y="1504950"/>
+            <a:ext cx="4241867" cy="2031325"/>
+          </a:xfrm>
+          <a:prstGeom prst="rect">
+            <a:avLst/>
+          </a:prstGeom>
+          <a:noFill/>
+        </p:spPr>
+        <p:txBody>
+          <a:bodyPr wrap="none" rtlCol="0">
+            <a:spAutoFit/>
+          </a:bodyPr>
+          <a:lstStyle/>
+          <a:p>
+            <a:r>
+              <a:rPr lang="en-US" dirty="0">
+                <a:solidFill>
+                  <a:schemeClr val="bg1">
+                    <a:lumMod val="50000"/>
+                  </a:schemeClr>
+                </a:solidFill>
+              </a:rPr>
+              <a:t>type Registry interface {</a:t>
+            </a:r>
+            <a:br>
+              <a:rPr lang="en-US" dirty="0">
+                <a:solidFill>
+                  <a:schemeClr val="bg1">
+                    <a:lumMod val="50000"/>
+                  </a:schemeClr>
+                </a:solidFill>
+              </a:rPr>
+            </a:br>
+            <a:r>
+              <a:rPr lang="en-US" dirty="0">
+                <a:solidFill>
+                  <a:schemeClr val="bg1">
+                    <a:lumMod val="50000"/>
+                  </a:schemeClr>
+                </a:solidFill>
+              </a:rPr>
+              <a:t>   Register(*Service, ...</a:t>
+            </a:r>
+            <a:r>
+              <a:rPr lang="en-US" dirty="0" err="1">
+                <a:solidFill>
+                  <a:schemeClr val="bg1">
+                    <a:lumMod val="50000"/>
+                  </a:schemeClr>
+                </a:solidFill>
+              </a:rPr>
+              <a:t>RegisterOption</a:t>
+            </a:r>
+            <a:r>
+              <a:rPr lang="en-US" dirty="0">
+                <a:solidFill>
+                  <a:schemeClr val="bg1">
+                    <a:lumMod val="50000"/>
+                  </a:schemeClr>
+                </a:solidFill>
+              </a:rPr>
+              <a:t>) error</a:t>
+            </a:r>
+            <a:br>
+              <a:rPr lang="en-US" dirty="0">
+                <a:solidFill>
+                  <a:schemeClr val="bg1">
+                    <a:lumMod val="50000"/>
+                  </a:schemeClr>
+                </a:solidFill>
+              </a:rPr>
+            </a:br>
+            <a:r>
+              <a:rPr lang="en-US" dirty="0">
+                <a:solidFill>
+                  <a:schemeClr val="bg1">
+                    <a:lumMod val="50000"/>
+                  </a:schemeClr>
+                </a:solidFill>
+              </a:rPr>
+              <a:t>   Deregister(*Service) error</a:t>
+            </a:r>
+            <a:br>
+              <a:rPr lang="en-US" dirty="0">
+                <a:solidFill>
+                  <a:schemeClr val="bg1">
+                    <a:lumMod val="50000"/>
+                  </a:schemeClr>
+                </a:solidFill>
+              </a:rPr>
+            </a:br>
+            <a:r>
+              <a:rPr lang="en-US" dirty="0">
+                <a:solidFill>
+                  <a:schemeClr val="bg1">
+                    <a:lumMod val="50000"/>
+                  </a:schemeClr>
+                </a:solidFill>
+              </a:rPr>
+              <a:t>   </a:t>
+            </a:r>
+            <a:r>
+              <a:rPr lang="en-US" dirty="0" err="1">
+                <a:solidFill>
+                  <a:schemeClr val="bg1">
+                    <a:lumMod val="50000"/>
+                  </a:schemeClr>
+                </a:solidFill>
+              </a:rPr>
+              <a:t>GetService</a:t>
+            </a:r>
+            <a:r>
+              <a:rPr lang="en-US" dirty="0">
+                <a:solidFill>
+                  <a:schemeClr val="bg1">
+                    <a:lumMod val="50000"/>
+                  </a:schemeClr>
+                </a:solidFill>
+              </a:rPr>
+              <a:t>(string) ([]*Service, error)</a:t>
+            </a:r>
+            <a:br>
+              <a:rPr lang="en-US" dirty="0">
+                <a:solidFill>
+                  <a:schemeClr val="bg1">
+                    <a:lumMod val="50000"/>
+                  </a:schemeClr>
+                </a:solidFill>
+              </a:rPr>
+            </a:br>
+            <a:r>
+              <a:rPr lang="en-US" dirty="0">
+                <a:solidFill>
+                  <a:schemeClr val="bg1">
+                    <a:lumMod val="50000"/>
+                  </a:schemeClr>
+                </a:solidFill>
+              </a:rPr>
+              <a:t>   </a:t>
+            </a:r>
+            <a:r>
+              <a:rPr lang="en-US" dirty="0" err="1">
+                <a:solidFill>
+                  <a:schemeClr val="bg1">
+                    <a:lumMod val="50000"/>
+                  </a:schemeClr>
+                </a:solidFill>
+              </a:rPr>
+              <a:t>ListServices</a:t>
+            </a:r>
+            <a:r>
+              <a:rPr lang="en-US" dirty="0">
+                <a:solidFill>
+                  <a:schemeClr val="bg1">
+                    <a:lumMod val="50000"/>
+                  </a:schemeClr>
+                </a:solidFill>
+              </a:rPr>
+              <a:t>() ([]*Service, error)</a:t>
+            </a:r>
+            <a:br>
+              <a:rPr lang="en-US" dirty="0">
+                <a:solidFill>
+                  <a:schemeClr val="bg1">
+                    <a:lumMod val="50000"/>
+                  </a:schemeClr>
+                </a:solidFill>
+              </a:rPr>
+            </a:br>
+            <a:r>
+              <a:rPr lang="en-US" dirty="0">
+                <a:solidFill>
+                  <a:schemeClr val="bg1">
+                    <a:lumMod val="50000"/>
+                  </a:schemeClr>
+                </a:solidFill>
+              </a:rPr>
+              <a:t>   Watch(...</a:t>
+            </a:r>
+            <a:r>
+              <a:rPr lang="en-US" dirty="0" err="1">
+                <a:solidFill>
+                  <a:schemeClr val="bg1">
+                    <a:lumMod val="50000"/>
+                  </a:schemeClr>
+                </a:solidFill>
+              </a:rPr>
+              <a:t>WatchOption</a:t>
+            </a:r>
+            <a:r>
+              <a:rPr lang="en-US" dirty="0">
+                <a:solidFill>
+                  <a:schemeClr val="bg1">
+                    <a:lumMod val="50000"/>
+                  </a:schemeClr>
+                </a:solidFill>
+              </a:rPr>
+              <a:t>) (Watcher, error)</a:t>
+            </a:r>
+            <a:br>
+              <a:rPr lang="en-US" dirty="0">
+                <a:solidFill>
+                  <a:schemeClr val="bg1">
+                    <a:lumMod val="50000"/>
+                  </a:schemeClr>
+                </a:solidFill>
+              </a:rPr>
+            </a:br>
+            <a:r>
+              <a:rPr lang="en-US" dirty="0">
+                <a:solidFill>
+                  <a:schemeClr val="bg1">
+                    <a:lumMod val="50000"/>
+                  </a:schemeClr>
+                </a:solidFill>
+              </a:rPr>
+              <a:t>}</a:t>
+            </a:r>
+          </a:p>
+        </p:txBody>
+      </p:sp>
+      <p:sp>
+        <p:nvSpPr>
+          <p:cNvPr id="29" name="Rectangle 28">
+            <a:extLst>
+              <a:ext uri="{FF2B5EF4-FFF2-40B4-BE49-F238E27FC236}">
+                <a16:creationId xmlns:a16="http://schemas.microsoft.com/office/drawing/2014/main" id="{A2713747-4F3C-A246-9CFE-049E8AF5B01C}"/>
               </a:ext>
             </a:extLst>
           </p:cNvPr>
@@ -3368,24 +3603,769 @@
         </p:nvSpPr>
         <p:spPr>
           <a:xfrm>
-            <a:off x="3429000" y="1809750"/>
-            <a:ext cx="5011239" cy="943275"/>
+            <a:off x="6019800" y="2665720"/>
+            <a:ext cx="1295400" cy="1010158"/>
           </a:xfrm>
           <a:prstGeom prst="rect">
             <a:avLst/>
           </a:prstGeom>
-          <a:blipFill>
-            <a:blip r:embed="rId2" cstate="print"/>
-            <a:stretch>
-              <a:fillRect/>
-            </a:stretch>
-          </a:blipFill>
-        </p:spPr>
-        <p:txBody>
-          <a:bodyPr wrap="square" lIns="0" tIns="0" rIns="0" bIns="0" rtlCol="0"/>
-          <a:lstStyle/>
-          <a:p>
-            <a:endParaRPr/>
+          <a:solidFill>
+            <a:schemeClr val="bg1"/>
+          </a:solidFill>
+          <a:ln w="12700">
+            <a:solidFill>
+              <a:srgbClr val="FF0000"/>
+            </a:solidFill>
+            <a:prstDash val="sysDot"/>
+          </a:ln>
+        </p:spPr>
+        <p:style>
+          <a:lnRef idx="2">
+            <a:schemeClr val="accent1">
+              <a:shade val="50000"/>
+            </a:schemeClr>
+          </a:lnRef>
+          <a:fillRef idx="1">
+            <a:schemeClr val="accent1"/>
+          </a:fillRef>
+          <a:effectRef idx="0">
+            <a:schemeClr val="accent1"/>
+          </a:effectRef>
+          <a:fontRef idx="minor">
+            <a:schemeClr val="lt1"/>
+          </a:fontRef>
+        </p:style>
+        <p:txBody>
+          <a:bodyPr rtlCol="0" anchor="ctr"/>
+          <a:lstStyle/>
+          <a:p>
+            <a:pPr algn="ctr"/>
+            <a:endParaRPr lang="en-US"/>
+          </a:p>
+        </p:txBody>
+      </p:sp>
+      <p:sp>
+        <p:nvSpPr>
+          <p:cNvPr id="30" name="Rectangle 29">
+            <a:extLst>
+              <a:ext uri="{FF2B5EF4-FFF2-40B4-BE49-F238E27FC236}">
+                <a16:creationId xmlns:a16="http://schemas.microsoft.com/office/drawing/2014/main" id="{3EAFB1DA-6ED5-124E-91B1-B7081592BBB4}"/>
+              </a:ext>
+            </a:extLst>
+          </p:cNvPr>
+          <p:cNvSpPr/>
+          <p:nvPr/>
+        </p:nvSpPr>
+        <p:spPr>
+          <a:xfrm>
+            <a:off x="6179820" y="2795618"/>
+            <a:ext cx="1009048" cy="328999"/>
+          </a:xfrm>
+          <a:prstGeom prst="rect">
+            <a:avLst/>
+          </a:prstGeom>
+        </p:spPr>
+        <p:style>
+          <a:lnRef idx="2">
+            <a:schemeClr val="accent1">
+              <a:shade val="50000"/>
+            </a:schemeClr>
+          </a:lnRef>
+          <a:fillRef idx="1">
+            <a:schemeClr val="accent1"/>
+          </a:fillRef>
+          <a:effectRef idx="0">
+            <a:schemeClr val="accent1"/>
+          </a:effectRef>
+          <a:fontRef idx="minor">
+            <a:schemeClr val="lt1"/>
+          </a:fontRef>
+        </p:style>
+        <p:txBody>
+          <a:bodyPr rtlCol="0" anchor="ctr"/>
+          <a:lstStyle/>
+          <a:p>
+            <a:pPr algn="ctr"/>
+            <a:r>
+              <a:rPr lang="en-US" altLang="zh-CN" sz="1200" dirty="0"/>
+              <a:t>Consul</a:t>
+            </a:r>
+            <a:r>
+              <a:rPr lang="zh-CN" altLang="en-US" sz="1200" dirty="0"/>
+              <a:t>、</a:t>
+            </a:r>
+            <a:r>
+              <a:rPr lang="en-US" altLang="zh-CN" sz="1200" dirty="0"/>
+              <a:t>ZK</a:t>
+            </a:r>
+            <a:r>
+              <a:rPr lang="zh-CN" altLang="en-US" sz="1200" dirty="0"/>
+              <a:t>、</a:t>
+            </a:r>
+            <a:r>
+              <a:rPr lang="en-US" altLang="zh-CN" sz="1200" dirty="0" err="1"/>
+              <a:t>Etcd</a:t>
+            </a:r>
+            <a:r>
+              <a:rPr lang="en-US" altLang="zh-CN" sz="1200" dirty="0"/>
+              <a:t>…</a:t>
+            </a:r>
+            <a:endParaRPr lang="en-US" sz="1400" dirty="0"/>
+          </a:p>
+        </p:txBody>
+      </p:sp>
+      <p:sp>
+        <p:nvSpPr>
+          <p:cNvPr id="31" name="Rectangle 30">
+            <a:extLst>
+              <a:ext uri="{FF2B5EF4-FFF2-40B4-BE49-F238E27FC236}">
+                <a16:creationId xmlns:a16="http://schemas.microsoft.com/office/drawing/2014/main" id="{FD647E33-8786-D146-B23E-E44543AEB61C}"/>
+              </a:ext>
+            </a:extLst>
+          </p:cNvPr>
+          <p:cNvSpPr/>
+          <p:nvPr/>
+        </p:nvSpPr>
+        <p:spPr>
+          <a:xfrm>
+            <a:off x="6185463" y="3218586"/>
+            <a:ext cx="1009048" cy="283366"/>
+          </a:xfrm>
+          <a:prstGeom prst="rect">
+            <a:avLst/>
+          </a:prstGeom>
+        </p:spPr>
+        <p:style>
+          <a:lnRef idx="2">
+            <a:schemeClr val="accent1">
+              <a:shade val="50000"/>
+            </a:schemeClr>
+          </a:lnRef>
+          <a:fillRef idx="1">
+            <a:schemeClr val="accent1"/>
+          </a:fillRef>
+          <a:effectRef idx="0">
+            <a:schemeClr val="accent1"/>
+          </a:effectRef>
+          <a:fontRef idx="minor">
+            <a:schemeClr val="lt1"/>
+          </a:fontRef>
+        </p:style>
+        <p:txBody>
+          <a:bodyPr rtlCol="0" anchor="ctr"/>
+          <a:lstStyle/>
+          <a:p>
+            <a:pPr algn="ctr"/>
+            <a:r>
+              <a:rPr lang="en-US" altLang="zh-CN" sz="900" dirty="0"/>
+              <a:t>MDNS</a:t>
+            </a:r>
+            <a:r>
+              <a:rPr lang="zh-CN" altLang="en-US" sz="900" dirty="0"/>
+              <a:t>、</a:t>
+            </a:r>
+            <a:r>
+              <a:rPr lang="en-US" altLang="zh-CN" sz="900" dirty="0"/>
+              <a:t>NATs…</a:t>
+            </a:r>
+            <a:endParaRPr lang="en-US" sz="1200" dirty="0"/>
+          </a:p>
+        </p:txBody>
+      </p:sp>
+      <p:sp>
+        <p:nvSpPr>
+          <p:cNvPr id="32" name="Rounded Rectangle 31">
+            <a:extLst>
+              <a:ext uri="{FF2B5EF4-FFF2-40B4-BE49-F238E27FC236}">
+                <a16:creationId xmlns:a16="http://schemas.microsoft.com/office/drawing/2014/main" id="{65D17D87-5916-8741-ABF4-53E07B186A89}"/>
+              </a:ext>
+            </a:extLst>
+          </p:cNvPr>
+          <p:cNvSpPr/>
+          <p:nvPr/>
+        </p:nvSpPr>
+        <p:spPr>
+          <a:xfrm>
+            <a:off x="4864677" y="4147893"/>
+            <a:ext cx="914400" cy="343185"/>
+          </a:xfrm>
+          <a:prstGeom prst="roundRect">
+            <a:avLst/>
+          </a:prstGeom>
+          <a:ln w="9525"/>
+        </p:spPr>
+        <p:style>
+          <a:lnRef idx="2">
+            <a:schemeClr val="accent1">
+              <a:shade val="50000"/>
+            </a:schemeClr>
+          </a:lnRef>
+          <a:fillRef idx="1">
+            <a:schemeClr val="accent1"/>
+          </a:fillRef>
+          <a:effectRef idx="0">
+            <a:schemeClr val="accent1"/>
+          </a:effectRef>
+          <a:fontRef idx="minor">
+            <a:schemeClr val="lt1"/>
+          </a:fontRef>
+        </p:style>
+        <p:txBody>
+          <a:bodyPr rtlCol="0" anchor="ctr"/>
+          <a:lstStyle/>
+          <a:p>
+            <a:pPr algn="ctr"/>
+            <a:r>
+              <a:rPr lang="en-US" sz="1400" dirty="0"/>
+              <a:t>Service</a:t>
+            </a:r>
+            <a:r>
+              <a:rPr lang="zh-CN" altLang="en-US" sz="1400" dirty="0"/>
+              <a:t> </a:t>
+            </a:r>
+            <a:r>
+              <a:rPr lang="en-US" altLang="zh-CN" sz="1400" dirty="0"/>
+              <a:t>A</a:t>
+            </a:r>
+            <a:endParaRPr lang="en-US" sz="1400" dirty="0"/>
+          </a:p>
+        </p:txBody>
+      </p:sp>
+      <p:sp>
+        <p:nvSpPr>
+          <p:cNvPr id="33" name="Rounded Rectangle 32">
+            <a:extLst>
+              <a:ext uri="{FF2B5EF4-FFF2-40B4-BE49-F238E27FC236}">
+                <a16:creationId xmlns:a16="http://schemas.microsoft.com/office/drawing/2014/main" id="{9E3A43E2-5F47-9A4C-A4B8-FD9A6775DB0D}"/>
+              </a:ext>
+            </a:extLst>
+          </p:cNvPr>
+          <p:cNvSpPr/>
+          <p:nvPr/>
+        </p:nvSpPr>
+        <p:spPr>
+          <a:xfrm>
+            <a:off x="5321876" y="4069451"/>
+            <a:ext cx="680749" cy="156879"/>
+          </a:xfrm>
+          <a:prstGeom prst="roundRect">
+            <a:avLst/>
+          </a:prstGeom>
+          <a:solidFill>
+            <a:schemeClr val="bg1"/>
+          </a:solidFill>
+          <a:ln w="9525"/>
+        </p:spPr>
+        <p:style>
+          <a:lnRef idx="2">
+            <a:schemeClr val="accent1">
+              <a:shade val="50000"/>
+            </a:schemeClr>
+          </a:lnRef>
+          <a:fillRef idx="1">
+            <a:schemeClr val="accent1"/>
+          </a:fillRef>
+          <a:effectRef idx="0">
+            <a:schemeClr val="accent1"/>
+          </a:effectRef>
+          <a:fontRef idx="minor">
+            <a:schemeClr val="lt1"/>
+          </a:fontRef>
+        </p:style>
+        <p:txBody>
+          <a:bodyPr rtlCol="0" anchor="ctr"/>
+          <a:lstStyle/>
+          <a:p>
+            <a:pPr algn="ctr"/>
+            <a:r>
+              <a:rPr lang="en-US" altLang="zh-CN" sz="1000" dirty="0">
+                <a:solidFill>
+                  <a:schemeClr val="tx1"/>
+                </a:solidFill>
+              </a:rPr>
+              <a:t>Registry</a:t>
+            </a:r>
+            <a:endParaRPr lang="en-US" sz="1000" dirty="0">
+              <a:solidFill>
+                <a:schemeClr val="tx1"/>
+              </a:solidFill>
+            </a:endParaRPr>
+          </a:p>
+        </p:txBody>
+      </p:sp>
+      <p:sp>
+        <p:nvSpPr>
+          <p:cNvPr id="39" name="Rounded Rectangle 38">
+            <a:extLst>
+              <a:ext uri="{FF2B5EF4-FFF2-40B4-BE49-F238E27FC236}">
+                <a16:creationId xmlns:a16="http://schemas.microsoft.com/office/drawing/2014/main" id="{5CF169C0-79F5-4F46-AD20-B2DFC3EB2441}"/>
+              </a:ext>
+            </a:extLst>
+          </p:cNvPr>
+          <p:cNvSpPr/>
+          <p:nvPr/>
+        </p:nvSpPr>
+        <p:spPr>
+          <a:xfrm>
+            <a:off x="7536180" y="1803569"/>
+            <a:ext cx="914400" cy="361467"/>
+          </a:xfrm>
+          <a:prstGeom prst="roundRect">
+            <a:avLst/>
+          </a:prstGeom>
+          <a:ln w="9525"/>
+        </p:spPr>
+        <p:style>
+          <a:lnRef idx="2">
+            <a:schemeClr val="accent1">
+              <a:shade val="50000"/>
+            </a:schemeClr>
+          </a:lnRef>
+          <a:fillRef idx="1">
+            <a:schemeClr val="accent1"/>
+          </a:fillRef>
+          <a:effectRef idx="0">
+            <a:schemeClr val="accent1"/>
+          </a:effectRef>
+          <a:fontRef idx="minor">
+            <a:schemeClr val="lt1"/>
+          </a:fontRef>
+        </p:style>
+        <p:txBody>
+          <a:bodyPr rtlCol="0" anchor="ctr"/>
+          <a:lstStyle/>
+          <a:p>
+            <a:pPr algn="ctr"/>
+            <a:r>
+              <a:rPr lang="en-US" sz="1400" dirty="0"/>
+              <a:t>Service</a:t>
+            </a:r>
+            <a:r>
+              <a:rPr lang="zh-CN" altLang="en-US" sz="1400" dirty="0"/>
+              <a:t> </a:t>
+            </a:r>
+            <a:r>
+              <a:rPr lang="en-US" altLang="zh-CN" sz="1400" dirty="0"/>
+              <a:t>B</a:t>
+            </a:r>
+            <a:endParaRPr lang="en-US" sz="1400" dirty="0"/>
+          </a:p>
+        </p:txBody>
+      </p:sp>
+      <p:sp>
+        <p:nvSpPr>
+          <p:cNvPr id="40" name="Rounded Rectangle 39">
+            <a:extLst>
+              <a:ext uri="{FF2B5EF4-FFF2-40B4-BE49-F238E27FC236}">
+                <a16:creationId xmlns:a16="http://schemas.microsoft.com/office/drawing/2014/main" id="{5D2D891A-F216-F945-BB0D-C75EFABDCF73}"/>
+              </a:ext>
+            </a:extLst>
+          </p:cNvPr>
+          <p:cNvSpPr/>
+          <p:nvPr/>
+        </p:nvSpPr>
+        <p:spPr>
+          <a:xfrm>
+            <a:off x="7993380" y="1726884"/>
+            <a:ext cx="693420" cy="162632"/>
+          </a:xfrm>
+          <a:prstGeom prst="roundRect">
+            <a:avLst/>
+          </a:prstGeom>
+          <a:solidFill>
+            <a:schemeClr val="bg1"/>
+          </a:solidFill>
+          <a:ln w="9525"/>
+        </p:spPr>
+        <p:style>
+          <a:lnRef idx="2">
+            <a:schemeClr val="accent1">
+              <a:shade val="50000"/>
+            </a:schemeClr>
+          </a:lnRef>
+          <a:fillRef idx="1">
+            <a:schemeClr val="accent1"/>
+          </a:fillRef>
+          <a:effectRef idx="0">
+            <a:schemeClr val="accent1"/>
+          </a:effectRef>
+          <a:fontRef idx="minor">
+            <a:schemeClr val="lt1"/>
+          </a:fontRef>
+        </p:style>
+        <p:txBody>
+          <a:bodyPr rtlCol="0" anchor="ctr"/>
+          <a:lstStyle/>
+          <a:p>
+            <a:pPr algn="ctr"/>
+            <a:r>
+              <a:rPr lang="en-US" altLang="zh-CN" sz="1000" dirty="0">
+                <a:solidFill>
+                  <a:schemeClr val="tx1"/>
+                </a:solidFill>
+              </a:rPr>
+              <a:t>Registry</a:t>
+            </a:r>
+            <a:endParaRPr lang="en-US" sz="1000" dirty="0">
+              <a:solidFill>
+                <a:schemeClr val="tx1"/>
+              </a:solidFill>
+            </a:endParaRPr>
+          </a:p>
+        </p:txBody>
+      </p:sp>
+      <p:sp>
+        <p:nvSpPr>
+          <p:cNvPr id="43" name="Rounded Rectangle 42">
+            <a:extLst>
+              <a:ext uri="{FF2B5EF4-FFF2-40B4-BE49-F238E27FC236}">
+                <a16:creationId xmlns:a16="http://schemas.microsoft.com/office/drawing/2014/main" id="{F93658E1-C0B3-8D45-91EF-E79E58C9D3F0}"/>
+              </a:ext>
+            </a:extLst>
+          </p:cNvPr>
+          <p:cNvSpPr/>
+          <p:nvPr/>
+        </p:nvSpPr>
+        <p:spPr>
+          <a:xfrm>
+            <a:off x="6362699" y="2571750"/>
+            <a:ext cx="609600" cy="160544"/>
+          </a:xfrm>
+          <a:prstGeom prst="roundRect">
+            <a:avLst/>
+          </a:prstGeom>
+          <a:solidFill>
+            <a:schemeClr val="bg1"/>
+          </a:solidFill>
+          <a:ln w="9525"/>
+        </p:spPr>
+        <p:style>
+          <a:lnRef idx="2">
+            <a:schemeClr val="accent1">
+              <a:shade val="50000"/>
+            </a:schemeClr>
+          </a:lnRef>
+          <a:fillRef idx="1">
+            <a:schemeClr val="accent1"/>
+          </a:fillRef>
+          <a:effectRef idx="0">
+            <a:schemeClr val="accent1"/>
+          </a:effectRef>
+          <a:fontRef idx="minor">
+            <a:schemeClr val="lt1"/>
+          </a:fontRef>
+        </p:style>
+        <p:txBody>
+          <a:bodyPr rtlCol="0" anchor="ctr"/>
+          <a:lstStyle/>
+          <a:p>
+            <a:pPr algn="ctr"/>
+            <a:r>
+              <a:rPr lang="zh-CN" altLang="en-US" sz="1000" dirty="0">
+                <a:solidFill>
+                  <a:schemeClr val="tx1"/>
+                </a:solidFill>
+              </a:rPr>
+              <a:t>中间件</a:t>
+            </a:r>
+            <a:endParaRPr lang="en-US" sz="1000" dirty="0">
+              <a:solidFill>
+                <a:schemeClr val="tx1"/>
+              </a:solidFill>
+            </a:endParaRPr>
+          </a:p>
+        </p:txBody>
+      </p:sp>
+      <p:cxnSp>
+        <p:nvCxnSpPr>
+          <p:cNvPr id="44" name="Elbow Connector 43">
+            <a:extLst>
+              <a:ext uri="{FF2B5EF4-FFF2-40B4-BE49-F238E27FC236}">
+                <a16:creationId xmlns:a16="http://schemas.microsoft.com/office/drawing/2014/main" id="{6E6C15FF-C432-A045-9378-FF357E14F532}"/>
+              </a:ext>
+            </a:extLst>
+          </p:cNvPr>
+          <p:cNvCxnSpPr>
+            <a:cxnSpLocks/>
+            <a:stCxn id="39" idx="2"/>
+            <a:endCxn id="43" idx="0"/>
+          </p:cNvCxnSpPr>
+          <p:nvPr/>
+        </p:nvCxnSpPr>
+        <p:spPr>
+          <a:xfrm rot="5400000">
+            <a:off x="7127083" y="1705453"/>
+            <a:ext cx="406714" cy="1325881"/>
+          </a:xfrm>
+          <a:prstGeom prst="bentConnector3">
+            <a:avLst>
+              <a:gd name="adj1" fmla="val 50000"/>
+            </a:avLst>
+          </a:prstGeom>
+          <a:ln>
+            <a:tailEnd type="triangle"/>
+          </a:ln>
+        </p:spPr>
+        <p:style>
+          <a:lnRef idx="1">
+            <a:schemeClr val="accent1"/>
+          </a:lnRef>
+          <a:fillRef idx="0">
+            <a:schemeClr val="accent1"/>
+          </a:fillRef>
+          <a:effectRef idx="0">
+            <a:schemeClr val="accent1"/>
+          </a:effectRef>
+          <a:fontRef idx="minor">
+            <a:schemeClr val="tx1"/>
+          </a:fontRef>
+        </p:style>
+      </p:cxnSp>
+      <p:cxnSp>
+        <p:nvCxnSpPr>
+          <p:cNvPr id="53" name="Elbow Connector 52">
+            <a:extLst>
+              <a:ext uri="{FF2B5EF4-FFF2-40B4-BE49-F238E27FC236}">
+                <a16:creationId xmlns:a16="http://schemas.microsoft.com/office/drawing/2014/main" id="{322A6531-3E47-E64D-8154-58199B7F53B6}"/>
+              </a:ext>
+            </a:extLst>
+          </p:cNvPr>
+          <p:cNvCxnSpPr>
+            <a:cxnSpLocks/>
+            <a:stCxn id="33" idx="1"/>
+            <a:endCxn id="29" idx="1"/>
+          </p:cNvCxnSpPr>
+          <p:nvPr/>
+        </p:nvCxnSpPr>
+        <p:spPr>
+          <a:xfrm rot="10800000" flipH="1">
+            <a:off x="5321876" y="3170799"/>
+            <a:ext cx="697924" cy="977092"/>
+          </a:xfrm>
+          <a:prstGeom prst="bentConnector3">
+            <a:avLst>
+              <a:gd name="adj1" fmla="val -32754"/>
+            </a:avLst>
+          </a:prstGeom>
+          <a:ln>
+            <a:tailEnd type="triangle"/>
+          </a:ln>
+        </p:spPr>
+        <p:style>
+          <a:lnRef idx="1">
+            <a:schemeClr val="accent1"/>
+          </a:lnRef>
+          <a:fillRef idx="0">
+            <a:schemeClr val="accent1"/>
+          </a:fillRef>
+          <a:effectRef idx="0">
+            <a:schemeClr val="accent1"/>
+          </a:effectRef>
+          <a:fontRef idx="minor">
+            <a:schemeClr val="tx1"/>
+          </a:fontRef>
+        </p:style>
+      </p:cxnSp>
+      <p:sp>
+        <p:nvSpPr>
+          <p:cNvPr id="60" name="TextBox 59">
+            <a:extLst>
+              <a:ext uri="{FF2B5EF4-FFF2-40B4-BE49-F238E27FC236}">
+                <a16:creationId xmlns:a16="http://schemas.microsoft.com/office/drawing/2014/main" id="{E0B54E01-7B63-A04D-865F-0AAD432FF431}"/>
+              </a:ext>
+            </a:extLst>
+          </p:cNvPr>
+          <p:cNvSpPr txBox="1"/>
+          <p:nvPr/>
+        </p:nvSpPr>
+        <p:spPr>
+          <a:xfrm>
+            <a:off x="4859976" y="2911790"/>
+            <a:ext cx="1131272" cy="338554"/>
+          </a:xfrm>
+          <a:prstGeom prst="rect">
+            <a:avLst/>
+          </a:prstGeom>
+          <a:noFill/>
+        </p:spPr>
+        <p:txBody>
+          <a:bodyPr wrap="none" rtlCol="0">
+            <a:spAutoFit/>
+          </a:bodyPr>
+          <a:lstStyle/>
+          <a:p>
+            <a:r>
+              <a:rPr lang="en-US" sz="1600" dirty="0"/>
+              <a:t>Get</a:t>
+            </a:r>
+            <a:r>
+              <a:rPr lang="zh-CN" altLang="en-US" sz="1600" dirty="0"/>
+              <a:t> </a:t>
+            </a:r>
+            <a:r>
+              <a:rPr lang="en-US" altLang="zh-CN" sz="1600" dirty="0"/>
+              <a:t>Service</a:t>
+            </a:r>
+            <a:endParaRPr lang="en-US" sz="1600" dirty="0"/>
+          </a:p>
+        </p:txBody>
+      </p:sp>
+      <p:sp>
+        <p:nvSpPr>
+          <p:cNvPr id="62" name="TextBox 61">
+            <a:extLst>
+              <a:ext uri="{FF2B5EF4-FFF2-40B4-BE49-F238E27FC236}">
+                <a16:creationId xmlns:a16="http://schemas.microsoft.com/office/drawing/2014/main" id="{72D954A0-4D6A-8440-883C-64E8D11F7909}"/>
+              </a:ext>
+            </a:extLst>
+          </p:cNvPr>
+          <p:cNvSpPr txBox="1"/>
+          <p:nvPr/>
+        </p:nvSpPr>
+        <p:spPr>
+          <a:xfrm>
+            <a:off x="7010400" y="2108516"/>
+            <a:ext cx="857864" cy="338554"/>
+          </a:xfrm>
+          <a:prstGeom prst="rect">
+            <a:avLst/>
+          </a:prstGeom>
+          <a:noFill/>
+        </p:spPr>
+        <p:txBody>
+          <a:bodyPr wrap="none" rtlCol="0">
+            <a:spAutoFit/>
+          </a:bodyPr>
+          <a:lstStyle/>
+          <a:p>
+            <a:r>
+              <a:rPr lang="en-US" altLang="zh-CN" sz="1600" dirty="0"/>
+              <a:t>Register</a:t>
+            </a:r>
+            <a:endParaRPr lang="en-US" sz="1600" dirty="0"/>
+          </a:p>
+        </p:txBody>
+      </p:sp>
+      <p:cxnSp>
+        <p:nvCxnSpPr>
+          <p:cNvPr id="63" name="Elbow Connector 62">
+            <a:extLst>
+              <a:ext uri="{FF2B5EF4-FFF2-40B4-BE49-F238E27FC236}">
+                <a16:creationId xmlns:a16="http://schemas.microsoft.com/office/drawing/2014/main" id="{31F752FA-E3EC-134B-947E-2423B15A03C8}"/>
+              </a:ext>
+            </a:extLst>
+          </p:cNvPr>
+          <p:cNvCxnSpPr>
+            <a:cxnSpLocks/>
+            <a:stCxn id="29" idx="2"/>
+            <a:endCxn id="32" idx="3"/>
+          </p:cNvCxnSpPr>
+          <p:nvPr/>
+        </p:nvCxnSpPr>
+        <p:spPr>
+          <a:xfrm rot="5400000">
+            <a:off x="5901485" y="3553471"/>
+            <a:ext cx="643608" cy="888423"/>
+          </a:xfrm>
+          <a:prstGeom prst="bentConnector2">
+            <a:avLst/>
+          </a:prstGeom>
+          <a:ln w="38100" cmpd="tri">
+            <a:solidFill>
+              <a:srgbClr val="00B050"/>
+            </a:solidFill>
+            <a:tailEnd type="triangle"/>
+          </a:ln>
+        </p:spPr>
+        <p:style>
+          <a:lnRef idx="1">
+            <a:schemeClr val="accent1"/>
+          </a:lnRef>
+          <a:fillRef idx="0">
+            <a:schemeClr val="accent1"/>
+          </a:fillRef>
+          <a:effectRef idx="0">
+            <a:schemeClr val="accent1"/>
+          </a:effectRef>
+          <a:fontRef idx="minor">
+            <a:schemeClr val="tx1"/>
+          </a:fontRef>
+        </p:style>
+      </p:cxnSp>
+      <p:sp>
+        <p:nvSpPr>
+          <p:cNvPr id="70" name="TextBox 69">
+            <a:extLst>
+              <a:ext uri="{FF2B5EF4-FFF2-40B4-BE49-F238E27FC236}">
+                <a16:creationId xmlns:a16="http://schemas.microsoft.com/office/drawing/2014/main" id="{86CCECDB-125F-1347-A67A-409CB59890EC}"/>
+              </a:ext>
+            </a:extLst>
+          </p:cNvPr>
+          <p:cNvSpPr txBox="1"/>
+          <p:nvPr/>
+        </p:nvSpPr>
+        <p:spPr>
+          <a:xfrm>
+            <a:off x="6723713" y="3826403"/>
+            <a:ext cx="1045094" cy="646331"/>
+          </a:xfrm>
+          <a:prstGeom prst="rect">
+            <a:avLst/>
+          </a:prstGeom>
+          <a:noFill/>
+          <a:ln w="9525">
+            <a:solidFill>
+              <a:srgbClr val="00B050"/>
+            </a:solidFill>
+          </a:ln>
+        </p:spPr>
+        <p:txBody>
+          <a:bodyPr wrap="none" rtlCol="0">
+            <a:spAutoFit/>
+          </a:bodyPr>
+          <a:lstStyle/>
+          <a:p>
+            <a:r>
+              <a:rPr lang="en-US" altLang="zh-CN" sz="1200" dirty="0"/>
+              <a:t>Service</a:t>
+            </a:r>
+            <a:r>
+              <a:rPr lang="zh-CN" altLang="en-US" sz="1200" dirty="0"/>
+              <a:t> </a:t>
+            </a:r>
+            <a:r>
+              <a:rPr lang="en-US" altLang="zh-CN" sz="1200" dirty="0"/>
+              <a:t>B</a:t>
+            </a:r>
+          </a:p>
+          <a:p>
+            <a:r>
+              <a:rPr lang="en-US" sz="1200" dirty="0"/>
+              <a:t>Version</a:t>
+            </a:r>
+            <a:r>
+              <a:rPr lang="zh-CN" altLang="en-US" sz="1200" dirty="0"/>
+              <a:t> </a:t>
+            </a:r>
+            <a:r>
+              <a:rPr lang="en-US" altLang="zh-CN" sz="1200" dirty="0"/>
+              <a:t>1.0.0</a:t>
+            </a:r>
+          </a:p>
+          <a:p>
+            <a:r>
+              <a:rPr lang="en-US" altLang="zh-CN" sz="1200" dirty="0"/>
+              <a:t>Instances</a:t>
+            </a:r>
+            <a:r>
+              <a:rPr lang="zh-CN" altLang="en-US" sz="1200" dirty="0"/>
+              <a:t> </a:t>
+            </a:r>
+            <a:r>
+              <a:rPr lang="en-US" altLang="zh-CN" sz="1200" dirty="0"/>
+              <a:t>{…}</a:t>
+            </a:r>
+            <a:endParaRPr lang="en-US" sz="1200" dirty="0"/>
           </a:p>
         </p:txBody>
       </p:sp>
@@ -3524,8 +4504,8 @@
         </p:nvSpPr>
         <p:spPr>
           <a:xfrm>
-            <a:off x="384724" y="535134"/>
-            <a:ext cx="8316595" cy="482600"/>
+            <a:off x="384725" y="535134"/>
+            <a:ext cx="4339676" cy="482600"/>
           </a:xfrm>
           <a:prstGeom prst="rect">
             <a:avLst/>
@@ -3572,6 +4552,269 @@
               <a:latin typeface="Arial"/>
               <a:cs typeface="Arial"/>
             </a:endParaRPr>
+          </a:p>
+        </p:txBody>
+      </p:sp>
+      <p:pic>
+        <p:nvPicPr>
+          <p:cNvPr id="3" name="Picture 2">
+            <a:extLst>
+              <a:ext uri="{FF2B5EF4-FFF2-40B4-BE49-F238E27FC236}">
+                <a16:creationId xmlns:a16="http://schemas.microsoft.com/office/drawing/2014/main" id="{F85195A1-BD64-1840-ABF6-EDF705D674E3}"/>
+              </a:ext>
+            </a:extLst>
+          </p:cNvPr>
+          <p:cNvPicPr>
+            <a:picLocks noChangeAspect="1"/>
+          </p:cNvPicPr>
+          <p:nvPr/>
+        </p:nvPicPr>
+        <p:blipFill>
+          <a:blip r:embed="rId2"/>
+          <a:stretch>
+            <a:fillRect/>
+          </a:stretch>
+        </p:blipFill>
+        <p:spPr>
+          <a:xfrm>
+            <a:off x="4495800" y="2343150"/>
+            <a:ext cx="4158228" cy="1637532"/>
+          </a:xfrm>
+          <a:prstGeom prst="rect">
+            <a:avLst/>
+          </a:prstGeom>
+        </p:spPr>
+      </p:pic>
+      <p:sp>
+        <p:nvSpPr>
+          <p:cNvPr id="7" name="Rectangle 6">
+            <a:extLst>
+              <a:ext uri="{FF2B5EF4-FFF2-40B4-BE49-F238E27FC236}">
+                <a16:creationId xmlns:a16="http://schemas.microsoft.com/office/drawing/2014/main" id="{00B1F292-B399-674E-B381-A56A26DB9B0F}"/>
+              </a:ext>
+            </a:extLst>
+          </p:cNvPr>
+          <p:cNvSpPr/>
+          <p:nvPr/>
+        </p:nvSpPr>
+        <p:spPr>
+          <a:xfrm>
+            <a:off x="7467600" y="648402"/>
+            <a:ext cx="1338828" cy="369332"/>
+          </a:xfrm>
+          <a:prstGeom prst="rect">
+            <a:avLst/>
+          </a:prstGeom>
+        </p:spPr>
+        <p:txBody>
+          <a:bodyPr wrap="none">
+            <a:spAutoFit/>
+          </a:bodyPr>
+          <a:lstStyle/>
+          <a:p>
+            <a:r>
+              <a:rPr lang="zh-CN" altLang="en-US" dirty="0"/>
+              <a:t>请求与响应</a:t>
+            </a:r>
+            <a:endParaRPr lang="en-US" dirty="0"/>
+          </a:p>
+        </p:txBody>
+      </p:sp>
+      <p:sp>
+        <p:nvSpPr>
+          <p:cNvPr id="8" name="TextBox 7">
+            <a:extLst>
+              <a:ext uri="{FF2B5EF4-FFF2-40B4-BE49-F238E27FC236}">
+                <a16:creationId xmlns:a16="http://schemas.microsoft.com/office/drawing/2014/main" id="{29C9E074-B1AA-894B-A0BE-CCD70060BC64}"/>
+              </a:ext>
+            </a:extLst>
+          </p:cNvPr>
+          <p:cNvSpPr txBox="1"/>
+          <p:nvPr/>
+        </p:nvSpPr>
+        <p:spPr>
+          <a:xfrm>
+            <a:off x="380412" y="1581150"/>
+            <a:ext cx="5550815" cy="1200329"/>
+          </a:xfrm>
+          <a:prstGeom prst="rect">
+            <a:avLst/>
+          </a:prstGeom>
+          <a:noFill/>
+        </p:spPr>
+        <p:txBody>
+          <a:bodyPr wrap="none" rtlCol="0">
+            <a:spAutoFit/>
+          </a:bodyPr>
+          <a:lstStyle/>
+          <a:p>
+            <a:r>
+              <a:rPr lang="en-US" dirty="0">
+                <a:solidFill>
+                  <a:schemeClr val="bg1">
+                    <a:lumMod val="50000"/>
+                  </a:schemeClr>
+                </a:solidFill>
+              </a:rPr>
+              <a:t>type Registry interface {</a:t>
+            </a:r>
+            <a:br>
+              <a:rPr lang="en-US" dirty="0">
+                <a:solidFill>
+                  <a:schemeClr val="bg1">
+                    <a:lumMod val="50000"/>
+                  </a:schemeClr>
+                </a:solidFill>
+              </a:rPr>
+            </a:br>
+            <a:r>
+              <a:rPr lang="zh-CN" altLang="en-US" dirty="0">
+                <a:solidFill>
+                  <a:schemeClr val="bg1">
+                    <a:lumMod val="50000"/>
+                  </a:schemeClr>
+                </a:solidFill>
+              </a:rPr>
+              <a:t>    </a:t>
+            </a:r>
+            <a:r>
+              <a:rPr lang="en-US" dirty="0">
+                <a:solidFill>
+                  <a:schemeClr val="bg1">
+                    <a:lumMod val="50000"/>
+                  </a:schemeClr>
+                </a:solidFill>
+              </a:rPr>
+              <a:t>Dial(</a:t>
+            </a:r>
+            <a:r>
+              <a:rPr lang="en-US" dirty="0" err="1">
+                <a:solidFill>
+                  <a:schemeClr val="bg1">
+                    <a:lumMod val="50000"/>
+                  </a:schemeClr>
+                </a:solidFill>
+              </a:rPr>
+              <a:t>addr</a:t>
+            </a:r>
+            <a:r>
+              <a:rPr lang="en-US" dirty="0">
+                <a:solidFill>
+                  <a:schemeClr val="bg1">
+                    <a:lumMod val="50000"/>
+                  </a:schemeClr>
+                </a:solidFill>
+              </a:rPr>
+              <a:t> string, opts ...</a:t>
+            </a:r>
+            <a:r>
+              <a:rPr lang="en-US" dirty="0" err="1">
+                <a:solidFill>
+                  <a:schemeClr val="bg1">
+                    <a:lumMod val="50000"/>
+                  </a:schemeClr>
+                </a:solidFill>
+              </a:rPr>
+              <a:t>DialOption</a:t>
+            </a:r>
+            <a:r>
+              <a:rPr lang="en-US" dirty="0">
+                <a:solidFill>
+                  <a:schemeClr val="bg1">
+                    <a:lumMod val="50000"/>
+                  </a:schemeClr>
+                </a:solidFill>
+              </a:rPr>
+              <a:t>) (Client, error)</a:t>
+            </a:r>
+            <a:br>
+              <a:rPr lang="en-US" dirty="0">
+                <a:solidFill>
+                  <a:schemeClr val="bg1">
+                    <a:lumMod val="50000"/>
+                  </a:schemeClr>
+                </a:solidFill>
+              </a:rPr>
+            </a:br>
+            <a:r>
+              <a:rPr lang="zh-CN" altLang="en-US" dirty="0">
+                <a:solidFill>
+                  <a:schemeClr val="bg1">
+                    <a:lumMod val="50000"/>
+                  </a:schemeClr>
+                </a:solidFill>
+              </a:rPr>
+              <a:t>    </a:t>
+            </a:r>
+            <a:r>
+              <a:rPr lang="en-US" dirty="0">
+                <a:solidFill>
+                  <a:schemeClr val="bg1">
+                    <a:lumMod val="50000"/>
+                  </a:schemeClr>
+                </a:solidFill>
+              </a:rPr>
+              <a:t>Listen(</a:t>
+            </a:r>
+            <a:r>
+              <a:rPr lang="en-US" dirty="0" err="1">
+                <a:solidFill>
+                  <a:schemeClr val="bg1">
+                    <a:lumMod val="50000"/>
+                  </a:schemeClr>
+                </a:solidFill>
+              </a:rPr>
+              <a:t>addr</a:t>
+            </a:r>
+            <a:r>
+              <a:rPr lang="en-US" dirty="0">
+                <a:solidFill>
+                  <a:schemeClr val="bg1">
+                    <a:lumMod val="50000"/>
+                  </a:schemeClr>
+                </a:solidFill>
+              </a:rPr>
+              <a:t> string, opts ...</a:t>
+            </a:r>
+            <a:r>
+              <a:rPr lang="en-US" dirty="0" err="1">
+                <a:solidFill>
+                  <a:schemeClr val="bg1">
+                    <a:lumMod val="50000"/>
+                  </a:schemeClr>
+                </a:solidFill>
+              </a:rPr>
+              <a:t>ListenOption</a:t>
+            </a:r>
+            <a:r>
+              <a:rPr lang="en-US" dirty="0">
+                <a:solidFill>
+                  <a:schemeClr val="bg1">
+                    <a:lumMod val="50000"/>
+                  </a:schemeClr>
+                </a:solidFill>
+              </a:rPr>
+              <a:t>) (Listener, error)</a:t>
+            </a:r>
+            <a:br>
+              <a:rPr lang="en-US" dirty="0">
+                <a:solidFill>
+                  <a:schemeClr val="bg1">
+                    <a:lumMod val="50000"/>
+                  </a:schemeClr>
+                </a:solidFill>
+              </a:rPr>
+            </a:br>
+            <a:r>
+              <a:rPr lang="en-US" dirty="0">
+                <a:solidFill>
+                  <a:schemeClr val="bg1">
+                    <a:lumMod val="50000"/>
+                  </a:schemeClr>
+                </a:solidFill>
+              </a:rPr>
+              <a:t>}</a:t>
+            </a:r>
           </a:p>
         </p:txBody>
       </p:sp>

--- a/others/share/learning-go/【第一期】Go-Micro框架设计.pptx
+++ b/others/share/learning-go/【第一期】Go-Micro框架设计.pptx
@@ -1298,6 +1298,182 @@
           <a:bodyPr/>
           <a:lstStyle/>
           <a:p>
+            <a:endParaRPr lang="en-US" dirty="0"/>
+          </a:p>
+        </p:txBody>
+      </p:sp>
+      <p:sp>
+        <p:nvSpPr>
+          <p:cNvPr id="4" name="Slide Number Placeholder 3"/>
+          <p:cNvSpPr>
+            <a:spLocks noGrp="1"/>
+          </p:cNvSpPr>
+          <p:nvPr>
+            <p:ph type="sldNum" sz="quarter" idx="5"/>
+          </p:nvPr>
+        </p:nvSpPr>
+        <p:spPr/>
+        <p:txBody>
+          <a:bodyPr/>
+          <a:lstStyle/>
+          <a:p>
+            <a:fld id="{28D00669-DCC9-3147-8F33-81E21A71CBE7}" type="slidenum">
+              <a:rPr lang="en-US" smtClean="0"/>
+              <a:t>11</a:t>
+            </a:fld>
+            <a:endParaRPr lang="en-US"/>
+          </a:p>
+        </p:txBody>
+      </p:sp>
+    </p:spTree>
+    <p:extLst>
+      <p:ext uri="{BB962C8B-B14F-4D97-AF65-F5344CB8AC3E}">
+        <p14:creationId xmlns:p14="http://schemas.microsoft.com/office/powerpoint/2010/main" val="4173782444"/>
+      </p:ext>
+    </p:extLst>
+  </p:cSld>
+  <p:clrMapOvr>
+    <a:masterClrMapping/>
+  </p:clrMapOvr>
+</p:notes>
+</file>
+
+<file path=ppt/notesSlides/notesSlide7.xml><?xml version="1.0" encoding="utf-8"?>
+<p:notes xmlns:a="http://schemas.openxmlformats.org/drawingml/2006/main" xmlns:r="http://schemas.openxmlformats.org/officeDocument/2006/relationships" xmlns:p="http://schemas.openxmlformats.org/presentationml/2006/main">
+  <p:cSld>
+    <p:spTree>
+      <p:nvGrpSpPr>
+        <p:cNvPr id="1" name=""/>
+        <p:cNvGrpSpPr/>
+        <p:nvPr/>
+      </p:nvGrpSpPr>
+      <p:grpSpPr>
+        <a:xfrm>
+          <a:off x="0" y="0"/>
+          <a:ext cx="0" cy="0"/>
+          <a:chOff x="0" y="0"/>
+          <a:chExt cx="0" cy="0"/>
+        </a:xfrm>
+      </p:grpSpPr>
+      <p:sp>
+        <p:nvSpPr>
+          <p:cNvPr id="2" name="Slide Image Placeholder 1"/>
+          <p:cNvSpPr>
+            <a:spLocks noGrp="1" noRot="1" noChangeAspect="1"/>
+          </p:cNvSpPr>
+          <p:nvPr>
+            <p:ph type="sldImg"/>
+          </p:nvPr>
+        </p:nvSpPr>
+        <p:spPr/>
+      </p:sp>
+      <p:sp>
+        <p:nvSpPr>
+          <p:cNvPr id="3" name="Notes Placeholder 2"/>
+          <p:cNvSpPr>
+            <a:spLocks noGrp="1"/>
+          </p:cNvSpPr>
+          <p:nvPr>
+            <p:ph type="body" idx="1"/>
+          </p:nvPr>
+        </p:nvSpPr>
+        <p:spPr/>
+        <p:txBody>
+          <a:bodyPr/>
+          <a:lstStyle/>
+          <a:p>
+            <a:r>
+              <a:rPr lang="zh-CN" altLang="en-US" dirty="0"/>
+              <a:t>同步组件比较复杂，里面嵌套</a:t>
+            </a:r>
+            <a:r>
+              <a:rPr lang="zh-CN" altLang="en-US"/>
+              <a:t>拨号、侦听</a:t>
+            </a:r>
+            <a:endParaRPr lang="en-US"/>
+          </a:p>
+        </p:txBody>
+      </p:sp>
+      <p:sp>
+        <p:nvSpPr>
+          <p:cNvPr id="4" name="Slide Number Placeholder 3"/>
+          <p:cNvSpPr>
+            <a:spLocks noGrp="1"/>
+          </p:cNvSpPr>
+          <p:nvPr>
+            <p:ph type="sldNum" sz="quarter" idx="5"/>
+          </p:nvPr>
+        </p:nvSpPr>
+        <p:spPr/>
+        <p:txBody>
+          <a:bodyPr/>
+          <a:lstStyle/>
+          <a:p>
+            <a:fld id="{28D00669-DCC9-3147-8F33-81E21A71CBE7}" type="slidenum">
+              <a:rPr lang="en-US" smtClean="0"/>
+              <a:t>12</a:t>
+            </a:fld>
+            <a:endParaRPr lang="en-US"/>
+          </a:p>
+        </p:txBody>
+      </p:sp>
+    </p:spTree>
+    <p:extLst>
+      <p:ext uri="{BB962C8B-B14F-4D97-AF65-F5344CB8AC3E}">
+        <p14:creationId xmlns:p14="http://schemas.microsoft.com/office/powerpoint/2010/main" val="3490213749"/>
+      </p:ext>
+    </p:extLst>
+  </p:cSld>
+  <p:clrMapOvr>
+    <a:masterClrMapping/>
+  </p:clrMapOvr>
+</p:notes>
+</file>
+
+<file path=ppt/notesSlides/notesSlide8.xml><?xml version="1.0" encoding="utf-8"?>
+<p:notes xmlns:a="http://schemas.openxmlformats.org/drawingml/2006/main" xmlns:r="http://schemas.openxmlformats.org/officeDocument/2006/relationships" xmlns:p="http://schemas.openxmlformats.org/presentationml/2006/main">
+  <p:cSld>
+    <p:spTree>
+      <p:nvGrpSpPr>
+        <p:cNvPr id="1" name=""/>
+        <p:cNvGrpSpPr/>
+        <p:nvPr/>
+      </p:nvGrpSpPr>
+      <p:grpSpPr>
+        <a:xfrm>
+          <a:off x="0" y="0"/>
+          <a:ext cx="0" cy="0"/>
+          <a:chOff x="0" y="0"/>
+          <a:chExt cx="0" cy="0"/>
+        </a:xfrm>
+      </p:grpSpPr>
+      <p:sp>
+        <p:nvSpPr>
+          <p:cNvPr id="2" name="Slide Image Placeholder 1"/>
+          <p:cNvSpPr>
+            <a:spLocks noGrp="1" noRot="1" noChangeAspect="1"/>
+          </p:cNvSpPr>
+          <p:nvPr>
+            <p:ph type="sldImg"/>
+          </p:nvPr>
+        </p:nvSpPr>
+        <p:spPr/>
+      </p:sp>
+      <p:sp>
+        <p:nvSpPr>
+          <p:cNvPr id="3" name="Notes Placeholder 2"/>
+          <p:cNvSpPr>
+            <a:spLocks noGrp="1"/>
+          </p:cNvSpPr>
+          <p:nvPr>
+            <p:ph type="body" idx="1"/>
+          </p:nvPr>
+        </p:nvSpPr>
+        <p:spPr/>
+        <p:txBody>
+          <a:bodyPr/>
+          <a:lstStyle/>
+          <a:p>
             <a:r>
               <a:rPr lang="zh-CN" altLang="en-US" dirty="0"/>
               <a:t>服务启动时会做下面列出来的主要几件事：</a:t>
@@ -1392,7 +1568,7 @@
 </p:notes>
 </file>
 
-<file path=ppt/notesSlides/notesSlide7.xml><?xml version="1.0" encoding="utf-8"?>
+<file path=ppt/notesSlides/notesSlide9.xml><?xml version="1.0" encoding="utf-8"?>
 <p:notes xmlns:a="http://schemas.openxmlformats.org/drawingml/2006/main" xmlns:r="http://schemas.openxmlformats.org/officeDocument/2006/relationships" xmlns:p="http://schemas.openxmlformats.org/presentationml/2006/main">
   <p:cSld>
     <p:spTree>
@@ -4570,7 +4746,7 @@
           <p:nvPr/>
         </p:nvPicPr>
         <p:blipFill>
-          <a:blip r:embed="rId2"/>
+          <a:blip r:embed="rId3"/>
           <a:stretch>
             <a:fillRect/>
           </a:stretch>

--- a/others/share/learning-go/【第一期】Go-Micro框架设计.pptx
+++ b/others/share/learning-go/【第一期】Go-Micro框架设计.pptx
@@ -5,7 +5,7 @@
     <p:sldMasterId id="2147483648" r:id="rId1"/>
   </p:sldMasterIdLst>
   <p:notesMasterIdLst>
-    <p:notesMasterId r:id="rId30"/>
+    <p:notesMasterId r:id="rId35"/>
   </p:notesMasterIdLst>
   <p:sldIdLst>
     <p:sldId id="256" r:id="rId2"/>
@@ -20,22 +20,27 @@
     <p:sldId id="329" r:id="rId11"/>
     <p:sldId id="330" r:id="rId12"/>
     <p:sldId id="331" r:id="rId13"/>
-    <p:sldId id="287" r:id="rId14"/>
-    <p:sldId id="293" r:id="rId15"/>
-    <p:sldId id="294" r:id="rId16"/>
-    <p:sldId id="295" r:id="rId17"/>
-    <p:sldId id="296" r:id="rId18"/>
-    <p:sldId id="297" r:id="rId19"/>
-    <p:sldId id="299" r:id="rId20"/>
-    <p:sldId id="300" r:id="rId21"/>
-    <p:sldId id="301" r:id="rId22"/>
-    <p:sldId id="302" r:id="rId23"/>
-    <p:sldId id="303" r:id="rId24"/>
-    <p:sldId id="304" r:id="rId25"/>
-    <p:sldId id="305" r:id="rId26"/>
-    <p:sldId id="306" r:id="rId27"/>
-    <p:sldId id="320" r:id="rId28"/>
-    <p:sldId id="322" r:id="rId29"/>
+    <p:sldId id="273" r:id="rId14"/>
+    <p:sldId id="334" r:id="rId15"/>
+    <p:sldId id="335" r:id="rId16"/>
+    <p:sldId id="287" r:id="rId17"/>
+    <p:sldId id="333" r:id="rId18"/>
+    <p:sldId id="332" r:id="rId19"/>
+    <p:sldId id="293" r:id="rId20"/>
+    <p:sldId id="294" r:id="rId21"/>
+    <p:sldId id="295" r:id="rId22"/>
+    <p:sldId id="296" r:id="rId23"/>
+    <p:sldId id="297" r:id="rId24"/>
+    <p:sldId id="299" r:id="rId25"/>
+    <p:sldId id="300" r:id="rId26"/>
+    <p:sldId id="301" r:id="rId27"/>
+    <p:sldId id="302" r:id="rId28"/>
+    <p:sldId id="303" r:id="rId29"/>
+    <p:sldId id="304" r:id="rId30"/>
+    <p:sldId id="305" r:id="rId31"/>
+    <p:sldId id="306" r:id="rId32"/>
+    <p:sldId id="320" r:id="rId33"/>
+    <p:sldId id="322" r:id="rId34"/>
   </p:sldIdLst>
   <p:sldSz cx="9144000" cy="5143500" type="screen16x9"/>
   <p:notesSz cx="9144000" cy="5143500"/>
@@ -235,7 +240,7 @@
           <a:p>
             <a:fld id="{E96EEE2A-3678-C74D-A61E-FA7E6F6E9903}" type="datetimeFigureOut">
               <a:rPr lang="en-US" smtClean="0"/>
-              <a:t>9/3/19</a:t>
+              <a:t>9/7/19</a:t>
             </a:fld>
             <a:endParaRPr lang="en-US"/>
           </a:p>
@@ -606,6 +611,232 @@
 </p:notes>
 </file>
 
+<file path=ppt/notesSlides/notesSlide10.xml><?xml version="1.0" encoding="utf-8"?>
+<p:notes xmlns:a="http://schemas.openxmlformats.org/drawingml/2006/main" xmlns:r="http://schemas.openxmlformats.org/officeDocument/2006/relationships" xmlns:p="http://schemas.openxmlformats.org/presentationml/2006/main">
+  <p:cSld>
+    <p:spTree>
+      <p:nvGrpSpPr>
+        <p:cNvPr id="1" name=""/>
+        <p:cNvGrpSpPr/>
+        <p:nvPr/>
+      </p:nvGrpSpPr>
+      <p:grpSpPr>
+        <a:xfrm>
+          <a:off x="0" y="0"/>
+          <a:ext cx="0" cy="0"/>
+          <a:chOff x="0" y="0"/>
+          <a:chExt cx="0" cy="0"/>
+        </a:xfrm>
+      </p:grpSpPr>
+      <p:sp>
+        <p:nvSpPr>
+          <p:cNvPr id="2" name="Slide Image Placeholder 1"/>
+          <p:cNvSpPr>
+            <a:spLocks noGrp="1" noRot="1" noChangeAspect="1"/>
+          </p:cNvSpPr>
+          <p:nvPr>
+            <p:ph type="sldImg"/>
+          </p:nvPr>
+        </p:nvSpPr>
+        <p:spPr/>
+      </p:sp>
+      <p:sp>
+        <p:nvSpPr>
+          <p:cNvPr id="3" name="Notes Placeholder 2"/>
+          <p:cNvSpPr>
+            <a:spLocks noGrp="1"/>
+          </p:cNvSpPr>
+          <p:nvPr>
+            <p:ph type="body" idx="1"/>
+          </p:nvPr>
+        </p:nvSpPr>
+        <p:spPr/>
+        <p:txBody>
+          <a:bodyPr/>
+          <a:lstStyle/>
+          <a:p>
+            <a:r>
+              <a:rPr lang="zh-CN" altLang="en-US" dirty="0"/>
+              <a:t>服务启动时会做下面列出来的主要几件事：</a:t>
+            </a:r>
+            <a:endParaRPr lang="en-US" altLang="zh-CN" dirty="0"/>
+          </a:p>
+          <a:p>
+            <a:pPr marL="228600" indent="-228600">
+              <a:buAutoNum type="arabicPeriod"/>
+            </a:pPr>
+            <a:r>
+              <a:rPr lang="zh-CN" altLang="en-US" dirty="0"/>
+              <a:t>生成服务的定义，比如服务名、版本号、地址等</a:t>
+            </a:r>
+            <a:endParaRPr lang="en-US" altLang="zh-CN" dirty="0"/>
+          </a:p>
+          <a:p>
+            <a:pPr marL="228600" indent="-228600">
+              <a:buAutoNum type="arabicPeriod"/>
+            </a:pPr>
+            <a:r>
+              <a:rPr lang="zh-CN" altLang="en-US" dirty="0"/>
+              <a:t>向注册中心注册服务</a:t>
+            </a:r>
+            <a:endParaRPr lang="en-US" altLang="zh-CN" dirty="0"/>
+          </a:p>
+          <a:p>
+            <a:pPr marL="228600" indent="-228600">
+              <a:buAutoNum type="arabicPeriod"/>
+            </a:pPr>
+            <a:r>
+              <a:rPr lang="zh-CN" altLang="en-US" dirty="0"/>
+              <a:t>打开侦听端口并接收请求</a:t>
+            </a:r>
+            <a:endParaRPr lang="en-US" altLang="zh-CN" dirty="0"/>
+          </a:p>
+          <a:p>
+            <a:pPr marL="228600" indent="-228600">
+              <a:buAutoNum type="arabicPeriod"/>
+            </a:pPr>
+            <a:r>
+              <a:rPr lang="zh-CN" altLang="en-US" dirty="0"/>
+              <a:t>解码与处理请求</a:t>
+            </a:r>
+            <a:endParaRPr lang="en-US" altLang="zh-CN" dirty="0"/>
+          </a:p>
+          <a:p>
+            <a:pPr marL="228600" indent="-228600">
+              <a:buAutoNum type="arabicPeriod"/>
+            </a:pPr>
+            <a:r>
+              <a:rPr lang="zh-CN" altLang="en-US" dirty="0"/>
+              <a:t>可根据配置是否向注册中心声明心跳，用于需要有容灾、高可用的情形</a:t>
+            </a:r>
+            <a:endParaRPr lang="en-US" dirty="0"/>
+          </a:p>
+        </p:txBody>
+      </p:sp>
+      <p:sp>
+        <p:nvSpPr>
+          <p:cNvPr id="4" name="Slide Number Placeholder 3"/>
+          <p:cNvSpPr>
+            <a:spLocks noGrp="1"/>
+          </p:cNvSpPr>
+          <p:nvPr>
+            <p:ph type="sldNum" sz="quarter" idx="5"/>
+          </p:nvPr>
+        </p:nvSpPr>
+        <p:spPr/>
+        <p:txBody>
+          <a:bodyPr/>
+          <a:lstStyle/>
+          <a:p>
+            <a:fld id="{28D00669-DCC9-3147-8F33-81E21A71CBE7}" type="slidenum">
+              <a:rPr lang="en-US" smtClean="0"/>
+              <a:t>24</a:t>
+            </a:fld>
+            <a:endParaRPr lang="en-US"/>
+          </a:p>
+        </p:txBody>
+      </p:sp>
+    </p:spTree>
+    <p:extLst>
+      <p:ext uri="{BB962C8B-B14F-4D97-AF65-F5344CB8AC3E}">
+        <p14:creationId xmlns:p14="http://schemas.microsoft.com/office/powerpoint/2010/main" val="2717195444"/>
+      </p:ext>
+    </p:extLst>
+  </p:cSld>
+  <p:clrMapOvr>
+    <a:masterClrMapping/>
+  </p:clrMapOvr>
+</p:notes>
+</file>
+
+<file path=ppt/notesSlides/notesSlide11.xml><?xml version="1.0" encoding="utf-8"?>
+<p:notes xmlns:a="http://schemas.openxmlformats.org/drawingml/2006/main" xmlns:r="http://schemas.openxmlformats.org/officeDocument/2006/relationships" xmlns:p="http://schemas.openxmlformats.org/presentationml/2006/main">
+  <p:cSld>
+    <p:spTree>
+      <p:nvGrpSpPr>
+        <p:cNvPr id="1" name=""/>
+        <p:cNvGrpSpPr/>
+        <p:nvPr/>
+      </p:nvGrpSpPr>
+      <p:grpSpPr>
+        <a:xfrm>
+          <a:off x="0" y="0"/>
+          <a:ext cx="0" cy="0"/>
+          <a:chOff x="0" y="0"/>
+          <a:chExt cx="0" cy="0"/>
+        </a:xfrm>
+      </p:grpSpPr>
+      <p:sp>
+        <p:nvSpPr>
+          <p:cNvPr id="2" name="Slide Image Placeholder 1"/>
+          <p:cNvSpPr>
+            <a:spLocks noGrp="1" noRot="1" noChangeAspect="1"/>
+          </p:cNvSpPr>
+          <p:nvPr>
+            <p:ph type="sldImg"/>
+          </p:nvPr>
+        </p:nvSpPr>
+        <p:spPr/>
+      </p:sp>
+      <p:sp>
+        <p:nvSpPr>
+          <p:cNvPr id="3" name="Notes Placeholder 2"/>
+          <p:cNvSpPr>
+            <a:spLocks noGrp="1"/>
+          </p:cNvSpPr>
+          <p:nvPr>
+            <p:ph type="body" idx="1"/>
+          </p:nvPr>
+        </p:nvSpPr>
+        <p:spPr/>
+        <p:txBody>
+          <a:bodyPr/>
+          <a:lstStyle/>
+          <a:p>
+            <a:r>
+              <a:rPr lang="zh-CN" altLang="en-US" dirty="0"/>
+              <a:t>装饰器模式，一种设计模式，它允许不同的包装器对同一对象增加不同的行为，但是对包装器之间彼此不影响各自的增加的行为。</a:t>
+            </a:r>
+            <a:endParaRPr lang="en-US" dirty="0"/>
+          </a:p>
+        </p:txBody>
+      </p:sp>
+      <p:sp>
+        <p:nvSpPr>
+          <p:cNvPr id="4" name="Slide Number Placeholder 3"/>
+          <p:cNvSpPr>
+            <a:spLocks noGrp="1"/>
+          </p:cNvSpPr>
+          <p:nvPr>
+            <p:ph type="sldNum" sz="quarter" idx="5"/>
+          </p:nvPr>
+        </p:nvSpPr>
+        <p:spPr/>
+        <p:txBody>
+          <a:bodyPr/>
+          <a:lstStyle/>
+          <a:p>
+            <a:fld id="{28D00669-DCC9-3147-8F33-81E21A71CBE7}" type="slidenum">
+              <a:rPr lang="en-US" smtClean="0"/>
+              <a:t>28</a:t>
+            </a:fld>
+            <a:endParaRPr lang="en-US"/>
+          </a:p>
+        </p:txBody>
+      </p:sp>
+    </p:spTree>
+    <p:extLst>
+      <p:ext uri="{BB962C8B-B14F-4D97-AF65-F5344CB8AC3E}">
+        <p14:creationId xmlns:p14="http://schemas.microsoft.com/office/powerpoint/2010/main" val="734335181"/>
+      </p:ext>
+    </p:extLst>
+  </p:cSld>
+  <p:clrMapOvr>
+    <a:masterClrMapping/>
+  </p:clrMapOvr>
+</p:notes>
+</file>
+
 <file path=ppt/notesSlides/notesSlide2.xml><?xml version="1.0" encoding="utf-8"?>
 <p:notes xmlns:a="http://schemas.openxmlformats.org/drawingml/2006/main" xmlns:r="http://schemas.openxmlformats.org/officeDocument/2006/relationships" xmlns:p="http://schemas.openxmlformats.org/presentationml/2006/main">
   <p:cSld>
@@ -1384,13 +1615,9 @@
           <a:p>
             <a:r>
               <a:rPr lang="zh-CN" altLang="en-US" dirty="0"/>
-              <a:t>同步组件比较复杂，里面嵌套</a:t>
-            </a:r>
-            <a:r>
-              <a:rPr lang="zh-CN" altLang="en-US"/>
-              <a:t>拨号、侦听</a:t>
-            </a:r>
-            <a:endParaRPr lang="en-US"/>
+              <a:t>同步组件比较复杂，里面嵌套拨号、侦听</a:t>
+            </a:r>
+            <a:endParaRPr lang="en-US" dirty="0"/>
           </a:p>
         </p:txBody>
       </p:sp>
@@ -1476,57 +1703,145 @@
           <a:p>
             <a:r>
               <a:rPr lang="zh-CN" altLang="en-US" dirty="0"/>
-              <a:t>服务启动时会做下面列出来的主要几件事：</a:t>
+              <a:t>简化了一些结构，比如</a:t>
+            </a:r>
+            <a:r>
+              <a:rPr lang="en-US" altLang="zh-CN" dirty="0"/>
+              <a:t>Client</a:t>
+            </a:r>
+            <a:r>
+              <a:rPr lang="zh-CN" altLang="en-US" dirty="0"/>
+              <a:t>是通过</a:t>
+            </a:r>
+            <a:r>
+              <a:rPr lang="en-US" altLang="zh-CN" dirty="0"/>
+              <a:t>Stream</a:t>
+            </a:r>
+            <a:r>
+              <a:rPr lang="zh-CN" altLang="en-US" dirty="0"/>
+              <a:t>调用的</a:t>
+            </a:r>
+            <a:r>
+              <a:rPr lang="en-US" altLang="zh-CN" dirty="0"/>
+              <a:t>Transport</a:t>
+            </a:r>
+            <a:r>
+              <a:rPr lang="zh-CN" altLang="en-US" dirty="0"/>
+              <a:t>。</a:t>
             </a:r>
             <a:endParaRPr lang="en-US" altLang="zh-CN" dirty="0"/>
           </a:p>
           <a:p>
-            <a:pPr marL="228600" indent="-228600">
-              <a:buAutoNum type="arabicPeriod"/>
-            </a:pPr>
             <a:r>
               <a:rPr lang="zh-CN" altLang="en-US" dirty="0"/>
-              <a:t>生成服务的定义，比如服务名、版本号、地址等</a:t>
-            </a:r>
-            <a:endParaRPr lang="en-US" altLang="zh-CN" dirty="0"/>
-          </a:p>
-          <a:p>
-            <a:pPr marL="228600" indent="-228600">
-              <a:buAutoNum type="arabicPeriod"/>
-            </a:pPr>
+              <a:t>刚我们说到</a:t>
+            </a:r>
+            <a:r>
+              <a:rPr lang="en-US" altLang="zh-CN" dirty="0"/>
+              <a:t>Transport</a:t>
+            </a:r>
             <a:r>
               <a:rPr lang="zh-CN" altLang="en-US" dirty="0"/>
-              <a:t>向注册中心注册服务</a:t>
-            </a:r>
-            <a:endParaRPr lang="en-US" altLang="zh-CN" dirty="0"/>
-          </a:p>
-          <a:p>
-            <a:pPr marL="228600" indent="-228600">
-              <a:buAutoNum type="arabicPeriod"/>
-            </a:pPr>
+              <a:t>有两个重要的接口：</a:t>
+            </a:r>
+            <a:r>
+              <a:rPr lang="en-US" altLang="zh-CN" dirty="0"/>
+              <a:t>Dial</a:t>
+            </a:r>
             <a:r>
               <a:rPr lang="zh-CN" altLang="en-US" dirty="0"/>
-              <a:t>打开侦听端口并接收请求</a:t>
-            </a:r>
-            <a:endParaRPr lang="en-US" altLang="zh-CN" dirty="0"/>
-          </a:p>
-          <a:p>
-            <a:pPr marL="228600" indent="-228600">
-              <a:buAutoNum type="arabicPeriod"/>
-            </a:pPr>
+              <a:t>和</a:t>
+            </a:r>
+            <a:r>
+              <a:rPr lang="en-US" altLang="zh-CN" dirty="0"/>
+              <a:t>Listen</a:t>
+            </a:r>
             <a:r>
               <a:rPr lang="zh-CN" altLang="en-US" dirty="0"/>
-              <a:t>解码与处理请求</a:t>
-            </a:r>
-            <a:endParaRPr lang="en-US" altLang="zh-CN" dirty="0"/>
-          </a:p>
-          <a:p>
-            <a:pPr marL="228600" indent="-228600">
-              <a:buAutoNum type="arabicPeriod"/>
-            </a:pPr>
+              <a:t>，</a:t>
+            </a:r>
+            <a:r>
+              <a:rPr lang="en-US" altLang="zh-CN" dirty="0"/>
+              <a:t>Dial</a:t>
+            </a:r>
             <a:r>
               <a:rPr lang="zh-CN" altLang="en-US" dirty="0"/>
-              <a:t>可根据配置是否向注册中心声明心跳，用于需要有容灾、高可用的情形</a:t>
+              <a:t>就是客户端在发起请求前先要拨号，也就是左边的部分。那</a:t>
+            </a:r>
+            <a:r>
+              <a:rPr lang="en-US" altLang="zh-CN" dirty="0"/>
+              <a:t>Listen</a:t>
+            </a:r>
+            <a:r>
+              <a:rPr lang="zh-CN" altLang="en-US" dirty="0"/>
+              <a:t>方法呢？是这样子的，</a:t>
+            </a:r>
+            <a:r>
+              <a:rPr lang="en-US" altLang="zh-CN" dirty="0"/>
+              <a:t>Listen</a:t>
+            </a:r>
+            <a:r>
+              <a:rPr lang="zh-CN" altLang="en-US" dirty="0"/>
+              <a:t>调用是在服务初始化时，它会生成一个</a:t>
+            </a:r>
+            <a:r>
+              <a:rPr lang="en-US" dirty="0">
+                <a:solidFill>
+                  <a:schemeClr val="bg1">
+                    <a:lumMod val="50000"/>
+                  </a:schemeClr>
+                </a:solidFill>
+              </a:rPr>
+              <a:t>Listener</a:t>
+            </a:r>
+            <a:r>
+              <a:rPr lang="zh-CN" altLang="en-US" dirty="0">
+                <a:solidFill>
+                  <a:schemeClr val="bg1">
+                    <a:lumMod val="50000"/>
+                  </a:schemeClr>
+                </a:solidFill>
+              </a:rPr>
+              <a:t>，它负责侦听对服务整个异步请求。</a:t>
+            </a:r>
+            <a:endParaRPr lang="en-US" altLang="zh-CN" dirty="0">
+              <a:solidFill>
+                <a:schemeClr val="bg1">
+                  <a:lumMod val="50000"/>
+                </a:schemeClr>
+              </a:solidFill>
+            </a:endParaRPr>
+          </a:p>
+          <a:p>
+            <a:r>
+              <a:rPr lang="zh-CN" altLang="en-US" dirty="0">
+                <a:solidFill>
+                  <a:schemeClr val="bg1">
+                    <a:lumMod val="50000"/>
+                  </a:schemeClr>
+                </a:solidFill>
+              </a:rPr>
+              <a:t>头中的流程是默认的</a:t>
+            </a:r>
+            <a:r>
+              <a:rPr lang="en-US" altLang="zh-CN" dirty="0">
+                <a:solidFill>
+                  <a:schemeClr val="bg1">
+                    <a:lumMod val="50000"/>
+                  </a:schemeClr>
+                </a:solidFill>
+              </a:rPr>
+              <a:t>HttpTransport</a:t>
+            </a:r>
+            <a:r>
+              <a:rPr lang="zh-CN" altLang="en-US" dirty="0">
+                <a:solidFill>
+                  <a:schemeClr val="bg1">
+                    <a:lumMod val="50000"/>
+                  </a:schemeClr>
+                </a:solidFill>
+              </a:rPr>
+              <a:t>请求模型，翻页</a:t>
             </a:r>
             <a:endParaRPr lang="en-US" dirty="0"/>
           </a:p>
@@ -1547,9 +1862,9 @@
           <a:bodyPr/>
           <a:lstStyle/>
           <a:p>
-            <a:fld id="{28D00669-DCC9-3147-8F33-81E21A71CBE7}" type="slidenum">
+            <a:fld id="{C6300BD4-3AE5-1B42-8BC5-55FDF59C6F50}" type="slidenum">
               <a:rPr lang="en-US" smtClean="0"/>
-              <a:t>19</a:t>
+              <a:t>13</a:t>
             </a:fld>
             <a:endParaRPr lang="en-US"/>
           </a:p>
@@ -1558,7 +1873,7 @@
     </p:spTree>
     <p:extLst>
       <p:ext uri="{BB962C8B-B14F-4D97-AF65-F5344CB8AC3E}">
-        <p14:creationId xmlns:p14="http://schemas.microsoft.com/office/powerpoint/2010/main" val="2717195444"/>
+        <p14:creationId xmlns:p14="http://schemas.microsoft.com/office/powerpoint/2010/main" val="1612541807"/>
       </p:ext>
     </p:extLst>
   </p:cSld>
@@ -1613,10 +1928,226 @@
           <a:lstStyle/>
           <a:p>
             <a:r>
-              <a:rPr lang="zh-CN" altLang="en-US" dirty="0"/>
-              <a:t>装饰器模式，一种设计模式，它允许不同的包装器对同一对象增加不同的行为，但是对包装器之间彼此不影响各自的增加的行为。</a:t>
-            </a:r>
-            <a:endParaRPr lang="en-US" dirty="0"/>
+              <a:rPr lang="en-US" altLang="zh-CN" dirty="0">
+                <a:solidFill>
+                  <a:schemeClr val="bg1">
+                    <a:lumMod val="50000"/>
+                  </a:schemeClr>
+                </a:solidFill>
+              </a:rPr>
+              <a:t>Go-Micro</a:t>
+            </a:r>
+            <a:r>
+              <a:rPr lang="zh-CN" altLang="en-US" dirty="0">
+                <a:solidFill>
+                  <a:schemeClr val="bg1">
+                    <a:lumMod val="50000"/>
+                  </a:schemeClr>
+                </a:solidFill>
+              </a:rPr>
+              <a:t>目前支持的协议有</a:t>
+            </a:r>
+            <a:r>
+              <a:rPr lang="en-US" altLang="zh-CN" dirty="0">
+                <a:solidFill>
+                  <a:schemeClr val="bg1">
+                    <a:lumMod val="50000"/>
+                  </a:schemeClr>
+                </a:solidFill>
+              </a:rPr>
+              <a:t>http</a:t>
+            </a:r>
+            <a:r>
+              <a:rPr lang="zh-CN" altLang="en-US" dirty="0">
+                <a:solidFill>
+                  <a:schemeClr val="bg1">
+                    <a:lumMod val="50000"/>
+                  </a:schemeClr>
+                </a:solidFill>
+              </a:rPr>
+              <a:t>、</a:t>
+            </a:r>
+            <a:r>
+              <a:rPr lang="en-US" altLang="zh-CN" dirty="0">
+                <a:solidFill>
+                  <a:schemeClr val="bg1">
+                    <a:lumMod val="50000"/>
+                  </a:schemeClr>
+                </a:solidFill>
+              </a:rPr>
+              <a:t>grpc</a:t>
+            </a:r>
+            <a:r>
+              <a:rPr lang="zh-CN" altLang="en-US" dirty="0">
+                <a:solidFill>
+                  <a:schemeClr val="bg1">
+                    <a:lumMod val="50000"/>
+                  </a:schemeClr>
+                </a:solidFill>
+              </a:rPr>
+              <a:t>、</a:t>
+            </a:r>
+            <a:r>
+              <a:rPr lang="en-US" altLang="zh-CN" dirty="0">
+                <a:solidFill>
+                  <a:schemeClr val="bg1">
+                    <a:lumMod val="50000"/>
+                  </a:schemeClr>
+                </a:solidFill>
+              </a:rPr>
+              <a:t>udp</a:t>
+            </a:r>
+            <a:r>
+              <a:rPr lang="zh-CN" altLang="en-US" dirty="0">
+                <a:solidFill>
+                  <a:schemeClr val="bg1">
+                    <a:lumMod val="50000"/>
+                  </a:schemeClr>
+                </a:solidFill>
+              </a:rPr>
+              <a:t>（</a:t>
+            </a:r>
+            <a:r>
+              <a:rPr lang="en-US" altLang="zh-CN" dirty="0">
+                <a:solidFill>
+                  <a:schemeClr val="bg1">
+                    <a:lumMod val="50000"/>
+                  </a:schemeClr>
+                </a:solidFill>
+              </a:rPr>
+              <a:t>quic</a:t>
+            </a:r>
+            <a:r>
+              <a:rPr lang="zh-CN" altLang="en-US" dirty="0">
+                <a:solidFill>
+                  <a:schemeClr val="bg1">
+                    <a:lumMod val="50000"/>
+                  </a:schemeClr>
+                </a:solidFill>
+              </a:rPr>
+              <a:t>、</a:t>
+            </a:r>
+            <a:r>
+              <a:rPr lang="en-US" altLang="zh-CN" dirty="0">
+                <a:solidFill>
+                  <a:schemeClr val="bg1">
+                    <a:lumMod val="50000"/>
+                  </a:schemeClr>
+                </a:solidFill>
+              </a:rPr>
+              <a:t>utp</a:t>
+            </a:r>
+            <a:r>
+              <a:rPr lang="zh-CN" altLang="en-US" dirty="0">
+                <a:solidFill>
+                  <a:schemeClr val="bg1">
+                    <a:lumMod val="50000"/>
+                  </a:schemeClr>
+                </a:solidFill>
+              </a:rPr>
+              <a:t>）、</a:t>
+            </a:r>
+            <a:r>
+              <a:rPr lang="en-US" altLang="zh-CN" dirty="0">
+                <a:solidFill>
+                  <a:schemeClr val="bg1">
+                    <a:lumMod val="50000"/>
+                  </a:schemeClr>
+                </a:solidFill>
+              </a:rPr>
+              <a:t>nats</a:t>
+            </a:r>
+            <a:r>
+              <a:rPr lang="zh-CN" altLang="en-US" dirty="0">
+                <a:solidFill>
+                  <a:schemeClr val="bg1">
+                    <a:lumMod val="50000"/>
+                  </a:schemeClr>
+                </a:solidFill>
+              </a:rPr>
+              <a:t>、</a:t>
+            </a:r>
+            <a:r>
+              <a:rPr lang="en-US" altLang="zh-CN" dirty="0">
+                <a:solidFill>
+                  <a:schemeClr val="bg1">
+                    <a:lumMod val="50000"/>
+                  </a:schemeClr>
+                </a:solidFill>
+              </a:rPr>
+              <a:t>rabbitmq</a:t>
+            </a:r>
+            <a:r>
+              <a:rPr lang="zh-CN" altLang="en-US" dirty="0">
+                <a:solidFill>
+                  <a:schemeClr val="bg1">
+                    <a:lumMod val="50000"/>
+                  </a:schemeClr>
+                </a:solidFill>
+              </a:rPr>
+              <a:t>。但是它们内部请求模型都是差不多的，都封装在</a:t>
+            </a:r>
+            <a:r>
+              <a:rPr lang="en-US" altLang="zh-CN" dirty="0">
+                <a:solidFill>
+                  <a:schemeClr val="bg1">
+                    <a:lumMod val="50000"/>
+                  </a:schemeClr>
+                </a:solidFill>
+              </a:rPr>
+              <a:t>Transport</a:t>
+            </a:r>
+            <a:r>
+              <a:rPr lang="zh-CN" altLang="en-US" dirty="0">
+                <a:solidFill>
+                  <a:schemeClr val="bg1">
+                    <a:lumMod val="50000"/>
+                  </a:schemeClr>
+                </a:solidFill>
+              </a:rPr>
+              <a:t>的两个增口</a:t>
+            </a:r>
+            <a:r>
+              <a:rPr lang="en-US" altLang="zh-CN" dirty="0">
+                <a:solidFill>
+                  <a:schemeClr val="bg1">
+                    <a:lumMod val="50000"/>
+                  </a:schemeClr>
+                </a:solidFill>
+              </a:rPr>
+              <a:t>Dial</a:t>
+            </a:r>
+            <a:r>
+              <a:rPr lang="zh-CN" altLang="en-US" dirty="0">
+                <a:solidFill>
+                  <a:schemeClr val="bg1">
+                    <a:lumMod val="50000"/>
+                  </a:schemeClr>
+                </a:solidFill>
+              </a:rPr>
+              <a:t>和</a:t>
+            </a:r>
+            <a:r>
+              <a:rPr lang="en-US" altLang="zh-CN" dirty="0">
+                <a:solidFill>
+                  <a:schemeClr val="bg1">
+                    <a:lumMod val="50000"/>
+                  </a:schemeClr>
+                </a:solidFill>
+              </a:rPr>
+              <a:t>Listen</a:t>
+            </a:r>
+            <a:r>
+              <a:rPr lang="zh-CN" altLang="en-US" dirty="0">
+                <a:solidFill>
+                  <a:schemeClr val="bg1">
+                    <a:lumMod val="50000"/>
+                  </a:schemeClr>
+                </a:solidFill>
+              </a:rPr>
+              <a:t>中</a:t>
+            </a:r>
+            <a:endParaRPr lang="en-US"/>
           </a:p>
         </p:txBody>
       </p:sp>
@@ -1637,7 +2168,7 @@
           <a:p>
             <a:fld id="{28D00669-DCC9-3147-8F33-81E21A71CBE7}" type="slidenum">
               <a:rPr lang="en-US" smtClean="0"/>
-              <a:t>23</a:t>
+              <a:t>14</a:t>
             </a:fld>
             <a:endParaRPr lang="en-US"/>
           </a:p>
@@ -1646,7 +2177,7 @@
     </p:spTree>
     <p:extLst>
       <p:ext uri="{BB962C8B-B14F-4D97-AF65-F5344CB8AC3E}">
-        <p14:creationId xmlns:p14="http://schemas.microsoft.com/office/powerpoint/2010/main" val="734335181"/>
+        <p14:creationId xmlns:p14="http://schemas.microsoft.com/office/powerpoint/2010/main" val="4006277651"/>
       </p:ext>
     </p:extLst>
   </p:cSld>
@@ -1799,7 +2330,7 @@
           <a:p>
             <a:fld id="{1D8BD707-D9CF-40AE-B4C6-C98DA3205C09}" type="datetimeFigureOut">
               <a:rPr lang="en-US"/>
-              <a:t>9/3/19</a:t>
+              <a:t>9/7/19</a:t>
             </a:fld>
             <a:endParaRPr lang="en-US"/>
           </a:p>
@@ -1976,7 +2507,7 @@
           <a:p>
             <a:fld id="{1D8BD707-D9CF-40AE-B4C6-C98DA3205C09}" type="datetimeFigureOut">
               <a:rPr lang="en-US"/>
-              <a:t>9/3/19</a:t>
+              <a:t>9/7/19</a:t>
             </a:fld>
             <a:endParaRPr lang="en-US"/>
           </a:p>
@@ -2340,7 +2871,7 @@
           <a:p>
             <a:fld id="{1D8BD707-D9CF-40AE-B4C6-C98DA3205C09}" type="datetimeFigureOut">
               <a:rPr lang="en-US"/>
-              <a:t>9/3/19</a:t>
+              <a:t>9/7/19</a:t>
             </a:fld>
             <a:endParaRPr lang="en-US"/>
           </a:p>
@@ -2546,7 +3077,7 @@
           <a:p>
             <a:fld id="{1D8BD707-D9CF-40AE-B4C6-C98DA3205C09}" type="datetimeFigureOut">
               <a:rPr lang="en-US"/>
-              <a:t>9/3/19</a:t>
+              <a:t>9/7/19</a:t>
             </a:fld>
             <a:endParaRPr lang="en-US"/>
           </a:p>
@@ -2673,7 +3204,7 @@
           <a:p>
             <a:fld id="{1D8BD707-D9CF-40AE-B4C6-C98DA3205C09}" type="datetimeFigureOut">
               <a:rPr lang="en-US"/>
-              <a:t>9/3/19</a:t>
+              <a:t>9/7/19</a:t>
             </a:fld>
             <a:endParaRPr lang="en-US"/>
           </a:p>
@@ -2940,7 +3471,7 @@
           <a:p>
             <a:fld id="{1D8BD707-D9CF-40AE-B4C6-C98DA3205C09}" type="datetimeFigureOut">
               <a:rPr lang="en-US"/>
-              <a:t>9/3/19</a:t>
+              <a:t>9/7/19</a:t>
             </a:fld>
             <a:endParaRPr lang="en-US"/>
           </a:p>
@@ -4832,7 +5363,7 @@
                   </a:schemeClr>
                 </a:solidFill>
               </a:rPr>
-              <a:t>type Registry interface {</a:t>
+              <a:t>type Transport interface {</a:t>
             </a:r>
             <a:br>
               <a:rPr lang="en-US" dirty="0">
@@ -5026,39 +5557,1985 @@
       </p:grpSpPr>
       <p:sp>
         <p:nvSpPr>
-          <p:cNvPr id="4" name="Title 3">
+          <p:cNvPr id="2" name="Rectangle 1">
             <a:extLst>
               <a:ext uri="{FF2B5EF4-FFF2-40B4-BE49-F238E27FC236}">
-                <a16:creationId xmlns:a16="http://schemas.microsoft.com/office/drawing/2014/main" id="{9D8B0409-D0B9-EB4F-99FB-E0A96EAD36AC}"/>
+                <a16:creationId xmlns:a16="http://schemas.microsoft.com/office/drawing/2014/main" id="{786A2334-0933-C44D-8F3D-0E54D1FCEE23}"/>
               </a:ext>
             </a:extLst>
           </p:cNvPr>
-          <p:cNvSpPr>
-            <a:spLocks noGrp="1"/>
-          </p:cNvSpPr>
-          <p:nvPr>
-            <p:ph type="title"/>
-          </p:nvPr>
-        </p:nvSpPr>
-        <p:spPr>
-          <a:xfrm>
-            <a:off x="3657600" y="2343150"/>
-            <a:ext cx="1524001" cy="553998"/>
-          </a:xfrm>
-        </p:spPr>
-        <p:txBody>
-          <a:bodyPr/>
-          <a:lstStyle/>
-          <a:p>
-            <a:r>
-              <a:rPr lang="zh-CN" altLang="en-US" sz="3600" dirty="0"/>
-              <a:t>插件化</a:t>
-            </a:r>
-            <a:endParaRPr lang="en-US" sz="3600" dirty="0"/>
-          </a:p>
-        </p:txBody>
-      </p:sp>
+          <p:cNvSpPr/>
+          <p:nvPr/>
+        </p:nvSpPr>
+        <p:spPr>
+          <a:xfrm>
+            <a:off x="1267239" y="899536"/>
+            <a:ext cx="1853015" cy="2872364"/>
+          </a:xfrm>
+          <a:prstGeom prst="rect">
+            <a:avLst/>
+          </a:prstGeom>
+          <a:solidFill>
+            <a:schemeClr val="bg1"/>
+          </a:solidFill>
+        </p:spPr>
+        <p:style>
+          <a:lnRef idx="2">
+            <a:schemeClr val="accent1">
+              <a:shade val="50000"/>
+            </a:schemeClr>
+          </a:lnRef>
+          <a:fillRef idx="1">
+            <a:schemeClr val="accent1"/>
+          </a:fillRef>
+          <a:effectRef idx="0">
+            <a:schemeClr val="accent1"/>
+          </a:effectRef>
+          <a:fontRef idx="minor">
+            <a:schemeClr val="lt1"/>
+          </a:fontRef>
+        </p:style>
+        <p:txBody>
+          <a:bodyPr rot="0" spcFirstLastPara="0" vertOverflow="overflow" horzOverflow="overflow" vert="horz" wrap="square" lIns="68580" tIns="34290" rIns="68580" bIns="34290" numCol="1" spcCol="0" rtlCol="0" fromWordArt="0" anchor="ctr" anchorCtr="0" forceAA="0" compatLnSpc="1">
+            <a:prstTxWarp prst="textNoShape">
+              <a:avLst/>
+            </a:prstTxWarp>
+            <a:noAutofit/>
+          </a:bodyPr>
+          <a:lstStyle/>
+          <a:p>
+            <a:pPr algn="ctr"/>
+            <a:endParaRPr lang="en-US" sz="1350" dirty="0"/>
+          </a:p>
+        </p:txBody>
+      </p:sp>
+      <p:sp>
+        <p:nvSpPr>
+          <p:cNvPr id="27" name="Rectangle 26">
+            <a:extLst>
+              <a:ext uri="{FF2B5EF4-FFF2-40B4-BE49-F238E27FC236}">
+                <a16:creationId xmlns:a16="http://schemas.microsoft.com/office/drawing/2014/main" id="{0E8AAFF0-FF05-074C-906C-2A4F2ACDBCD0}"/>
+              </a:ext>
+            </a:extLst>
+          </p:cNvPr>
+          <p:cNvSpPr/>
+          <p:nvPr/>
+        </p:nvSpPr>
+        <p:spPr>
+          <a:xfrm>
+            <a:off x="3525827" y="899536"/>
+            <a:ext cx="1699467" cy="2872364"/>
+          </a:xfrm>
+          <a:prstGeom prst="rect">
+            <a:avLst/>
+          </a:prstGeom>
+          <a:solidFill>
+            <a:schemeClr val="bg1"/>
+          </a:solidFill>
+        </p:spPr>
+        <p:style>
+          <a:lnRef idx="2">
+            <a:schemeClr val="accent1">
+              <a:shade val="50000"/>
+            </a:schemeClr>
+          </a:lnRef>
+          <a:fillRef idx="1">
+            <a:schemeClr val="accent1"/>
+          </a:fillRef>
+          <a:effectRef idx="0">
+            <a:schemeClr val="accent1"/>
+          </a:effectRef>
+          <a:fontRef idx="minor">
+            <a:schemeClr val="lt1"/>
+          </a:fontRef>
+        </p:style>
+        <p:txBody>
+          <a:bodyPr rot="0" spcFirstLastPara="0" vertOverflow="overflow" horzOverflow="overflow" vert="horz" wrap="square" lIns="68580" tIns="34290" rIns="68580" bIns="34290" numCol="1" spcCol="0" rtlCol="0" fromWordArt="0" anchor="ctr" anchorCtr="0" forceAA="0" compatLnSpc="1">
+            <a:prstTxWarp prst="textNoShape">
+              <a:avLst/>
+            </a:prstTxWarp>
+            <a:noAutofit/>
+          </a:bodyPr>
+          <a:lstStyle/>
+          <a:p>
+            <a:pPr algn="ctr"/>
+            <a:endParaRPr lang="en-US" sz="1350"/>
+          </a:p>
+        </p:txBody>
+      </p:sp>
+      <p:sp>
+        <p:nvSpPr>
+          <p:cNvPr id="3" name="TextBox 2">
+            <a:extLst>
+              <a:ext uri="{FF2B5EF4-FFF2-40B4-BE49-F238E27FC236}">
+                <a16:creationId xmlns:a16="http://schemas.microsoft.com/office/drawing/2014/main" id="{79F7CCE3-FB7F-DA40-88FF-C72A9DFE5AFB}"/>
+              </a:ext>
+            </a:extLst>
+          </p:cNvPr>
+          <p:cNvSpPr txBox="1"/>
+          <p:nvPr/>
+        </p:nvSpPr>
+        <p:spPr>
+          <a:xfrm>
+            <a:off x="1628285" y="637735"/>
+            <a:ext cx="591829" cy="300082"/>
+          </a:xfrm>
+          <a:prstGeom prst="rect">
+            <a:avLst/>
+          </a:prstGeom>
+          <a:noFill/>
+        </p:spPr>
+        <p:txBody>
+          <a:bodyPr wrap="none" rtlCol="0">
+            <a:spAutoFit/>
+          </a:bodyPr>
+          <a:lstStyle/>
+          <a:p>
+            <a:r>
+              <a:rPr lang="en-US" altLang="zh-CN" sz="1350" dirty="0"/>
+              <a:t>Client</a:t>
+            </a:r>
+            <a:endParaRPr lang="en-US" sz="1350" dirty="0"/>
+          </a:p>
+        </p:txBody>
+      </p:sp>
+      <p:sp>
+        <p:nvSpPr>
+          <p:cNvPr id="29" name="TextBox 28">
+            <a:extLst>
+              <a:ext uri="{FF2B5EF4-FFF2-40B4-BE49-F238E27FC236}">
+                <a16:creationId xmlns:a16="http://schemas.microsoft.com/office/drawing/2014/main" id="{CA86254E-04A3-8B4F-A38A-B98795BE1C64}"/>
+              </a:ext>
+            </a:extLst>
+          </p:cNvPr>
+          <p:cNvSpPr txBox="1"/>
+          <p:nvPr/>
+        </p:nvSpPr>
+        <p:spPr>
+          <a:xfrm>
+            <a:off x="3882477" y="592526"/>
+            <a:ext cx="638252" cy="300082"/>
+          </a:xfrm>
+          <a:prstGeom prst="rect">
+            <a:avLst/>
+          </a:prstGeom>
+          <a:noFill/>
+        </p:spPr>
+        <p:txBody>
+          <a:bodyPr wrap="none" rtlCol="0">
+            <a:spAutoFit/>
+          </a:bodyPr>
+          <a:lstStyle/>
+          <a:p>
+            <a:r>
+              <a:rPr lang="en-US" altLang="zh-CN" sz="1350" dirty="0"/>
+              <a:t>Server</a:t>
+            </a:r>
+            <a:endParaRPr lang="en-US" sz="1350" dirty="0"/>
+          </a:p>
+        </p:txBody>
+      </p:sp>
+      <p:sp>
+        <p:nvSpPr>
+          <p:cNvPr id="37" name="Rectangle 36">
+            <a:extLst>
+              <a:ext uri="{FF2B5EF4-FFF2-40B4-BE49-F238E27FC236}">
+                <a16:creationId xmlns:a16="http://schemas.microsoft.com/office/drawing/2014/main" id="{D6B3F8A2-A2B4-844B-8299-37CFC501B08B}"/>
+              </a:ext>
+            </a:extLst>
+          </p:cNvPr>
+          <p:cNvSpPr/>
+          <p:nvPr/>
+        </p:nvSpPr>
+        <p:spPr>
+          <a:xfrm>
+            <a:off x="3693505" y="1095415"/>
+            <a:ext cx="1353224" cy="205199"/>
+          </a:xfrm>
+          <a:prstGeom prst="rect">
+            <a:avLst/>
+          </a:prstGeom>
+          <a:solidFill>
+            <a:schemeClr val="bg1"/>
+          </a:solidFill>
+        </p:spPr>
+        <p:style>
+          <a:lnRef idx="2">
+            <a:schemeClr val="accent1">
+              <a:shade val="50000"/>
+            </a:schemeClr>
+          </a:lnRef>
+          <a:fillRef idx="1">
+            <a:schemeClr val="accent1"/>
+          </a:fillRef>
+          <a:effectRef idx="0">
+            <a:schemeClr val="accent1"/>
+          </a:effectRef>
+          <a:fontRef idx="minor">
+            <a:schemeClr val="lt1"/>
+          </a:fontRef>
+        </p:style>
+        <p:txBody>
+          <a:bodyPr rot="0" spcFirstLastPara="0" vertOverflow="overflow" horzOverflow="overflow" vert="horz" wrap="square" lIns="68580" tIns="34290" rIns="68580" bIns="34290" numCol="1" spcCol="0" rtlCol="0" fromWordArt="0" anchor="ctr" anchorCtr="0" forceAA="0" compatLnSpc="1">
+            <a:prstTxWarp prst="textNoShape">
+              <a:avLst/>
+            </a:prstTxWarp>
+            <a:noAutofit/>
+          </a:bodyPr>
+          <a:lstStyle/>
+          <a:p>
+            <a:pPr algn="ctr"/>
+            <a:r>
+              <a:rPr lang="en-US" sz="1350" dirty="0">
+                <a:solidFill>
+                  <a:schemeClr val="tx1"/>
+                </a:solidFill>
+              </a:rPr>
+              <a:t>Handler</a:t>
+            </a:r>
+          </a:p>
+        </p:txBody>
+      </p:sp>
+      <p:sp>
+        <p:nvSpPr>
+          <p:cNvPr id="4" name="TextBox 3">
+            <a:extLst>
+              <a:ext uri="{FF2B5EF4-FFF2-40B4-BE49-F238E27FC236}">
+                <a16:creationId xmlns:a16="http://schemas.microsoft.com/office/drawing/2014/main" id="{18252EF2-3053-A540-BB34-73D16D35E3FD}"/>
+              </a:ext>
+            </a:extLst>
+          </p:cNvPr>
+          <p:cNvSpPr txBox="1"/>
+          <p:nvPr/>
+        </p:nvSpPr>
+        <p:spPr>
+          <a:xfrm>
+            <a:off x="617387" y="4764882"/>
+            <a:ext cx="5641288" cy="300082"/>
+          </a:xfrm>
+          <a:prstGeom prst="rect">
+            <a:avLst/>
+          </a:prstGeom>
+          <a:noFill/>
+        </p:spPr>
+        <p:txBody>
+          <a:bodyPr wrap="none" rtlCol="0">
+            <a:spAutoFit/>
+          </a:bodyPr>
+          <a:lstStyle/>
+          <a:p>
+            <a:r>
+              <a:rPr lang="zh-CN" altLang="en-US" sz="1350" dirty="0">
+                <a:solidFill>
+                  <a:srgbClr val="FF0000"/>
+                </a:solidFill>
+              </a:rPr>
+              <a:t>注：为了简化，忽略了</a:t>
+            </a:r>
+            <a:r>
+              <a:rPr lang="en-US" altLang="zh-CN" sz="1350" dirty="0">
+                <a:solidFill>
+                  <a:srgbClr val="FF0000"/>
+                </a:solidFill>
+              </a:rPr>
+              <a:t>Codec</a:t>
+            </a:r>
+            <a:r>
+              <a:rPr lang="zh-CN" altLang="en-US" sz="1350" dirty="0">
+                <a:solidFill>
+                  <a:srgbClr val="FF0000"/>
+                </a:solidFill>
+              </a:rPr>
+              <a:t>模块。箭头所指为逻辑调用，并非直接调用</a:t>
+            </a:r>
+            <a:endParaRPr lang="en-US" sz="1350" dirty="0">
+              <a:solidFill>
+                <a:srgbClr val="FF0000"/>
+              </a:solidFill>
+            </a:endParaRPr>
+          </a:p>
+        </p:txBody>
+      </p:sp>
+      <p:sp>
+        <p:nvSpPr>
+          <p:cNvPr id="64" name="Rectangle 63">
+            <a:extLst>
+              <a:ext uri="{FF2B5EF4-FFF2-40B4-BE49-F238E27FC236}">
+                <a16:creationId xmlns:a16="http://schemas.microsoft.com/office/drawing/2014/main" id="{865B17DC-0D33-C84E-9BF8-A84C8C3EBE61}"/>
+              </a:ext>
+            </a:extLst>
+          </p:cNvPr>
+          <p:cNvSpPr/>
+          <p:nvPr/>
+        </p:nvSpPr>
+        <p:spPr>
+          <a:xfrm>
+            <a:off x="1446144" y="1407315"/>
+            <a:ext cx="1535482" cy="2230408"/>
+          </a:xfrm>
+          <a:prstGeom prst="rect">
+            <a:avLst/>
+          </a:prstGeom>
+          <a:solidFill>
+            <a:schemeClr val="bg1"/>
+          </a:solidFill>
+        </p:spPr>
+        <p:style>
+          <a:lnRef idx="2">
+            <a:schemeClr val="accent1">
+              <a:shade val="50000"/>
+            </a:schemeClr>
+          </a:lnRef>
+          <a:fillRef idx="1">
+            <a:schemeClr val="accent1"/>
+          </a:fillRef>
+          <a:effectRef idx="0">
+            <a:schemeClr val="accent1"/>
+          </a:effectRef>
+          <a:fontRef idx="minor">
+            <a:schemeClr val="lt1"/>
+          </a:fontRef>
+        </p:style>
+        <p:txBody>
+          <a:bodyPr rot="0" spcFirstLastPara="0" vertOverflow="overflow" horzOverflow="overflow" vert="horz" wrap="square" lIns="68580" tIns="34290" rIns="68580" bIns="34290" numCol="1" spcCol="0" rtlCol="0" fromWordArt="0" anchor="ctr" anchorCtr="0" forceAA="0" compatLnSpc="1">
+            <a:prstTxWarp prst="textNoShape">
+              <a:avLst/>
+            </a:prstTxWarp>
+            <a:noAutofit/>
+          </a:bodyPr>
+          <a:lstStyle/>
+          <a:p>
+            <a:pPr algn="ctr"/>
+            <a:endParaRPr lang="en-US" sz="1350" dirty="0"/>
+          </a:p>
+        </p:txBody>
+      </p:sp>
+      <p:sp>
+        <p:nvSpPr>
+          <p:cNvPr id="66" name="Rectangle 65">
+            <a:extLst>
+              <a:ext uri="{FF2B5EF4-FFF2-40B4-BE49-F238E27FC236}">
+                <a16:creationId xmlns:a16="http://schemas.microsoft.com/office/drawing/2014/main" id="{77628AAA-4BFB-134A-9AB4-B14968377A8A}"/>
+              </a:ext>
+            </a:extLst>
+          </p:cNvPr>
+          <p:cNvSpPr/>
+          <p:nvPr/>
+        </p:nvSpPr>
+        <p:spPr>
+          <a:xfrm>
+            <a:off x="1628284" y="1657345"/>
+            <a:ext cx="1163303" cy="1832645"/>
+          </a:xfrm>
+          <a:prstGeom prst="rect">
+            <a:avLst/>
+          </a:prstGeom>
+          <a:solidFill>
+            <a:schemeClr val="bg1"/>
+          </a:solidFill>
+        </p:spPr>
+        <p:style>
+          <a:lnRef idx="2">
+            <a:schemeClr val="accent1">
+              <a:shade val="50000"/>
+            </a:schemeClr>
+          </a:lnRef>
+          <a:fillRef idx="1">
+            <a:schemeClr val="accent1"/>
+          </a:fillRef>
+          <a:effectRef idx="0">
+            <a:schemeClr val="accent1"/>
+          </a:effectRef>
+          <a:fontRef idx="minor">
+            <a:schemeClr val="lt1"/>
+          </a:fontRef>
+        </p:style>
+        <p:txBody>
+          <a:bodyPr rot="0" spcFirstLastPara="0" vertOverflow="overflow" horzOverflow="overflow" vert="horz" wrap="square" lIns="68580" tIns="34290" rIns="68580" bIns="34290" numCol="1" spcCol="0" rtlCol="0" fromWordArt="0" anchor="ctr" anchorCtr="0" forceAA="0" compatLnSpc="1">
+            <a:prstTxWarp prst="textNoShape">
+              <a:avLst/>
+            </a:prstTxWarp>
+            <a:noAutofit/>
+          </a:bodyPr>
+          <a:lstStyle/>
+          <a:p>
+            <a:pPr algn="ctr"/>
+            <a:endParaRPr lang="en-US" sz="1350" dirty="0"/>
+          </a:p>
+        </p:txBody>
+      </p:sp>
+      <p:sp>
+        <p:nvSpPr>
+          <p:cNvPr id="67" name="TextBox 66">
+            <a:extLst>
+              <a:ext uri="{FF2B5EF4-FFF2-40B4-BE49-F238E27FC236}">
+                <a16:creationId xmlns:a16="http://schemas.microsoft.com/office/drawing/2014/main" id="{DDD1C875-F86E-E642-9220-9E49B7576792}"/>
+              </a:ext>
+            </a:extLst>
+          </p:cNvPr>
+          <p:cNvSpPr txBox="1"/>
+          <p:nvPr/>
+        </p:nvSpPr>
+        <p:spPr>
+          <a:xfrm>
+            <a:off x="1657475" y="1631849"/>
+            <a:ext cx="535724" cy="230832"/>
+          </a:xfrm>
+          <a:prstGeom prst="rect">
+            <a:avLst/>
+          </a:prstGeom>
+          <a:noFill/>
+        </p:spPr>
+        <p:txBody>
+          <a:bodyPr wrap="none" rtlCol="0">
+            <a:spAutoFit/>
+          </a:bodyPr>
+          <a:lstStyle/>
+          <a:p>
+            <a:r>
+              <a:rPr lang="en-US" altLang="zh-CN" sz="900" dirty="0" err="1"/>
+              <a:t>trClient</a:t>
+            </a:r>
+            <a:endParaRPr lang="en-US" sz="1350" dirty="0"/>
+          </a:p>
+        </p:txBody>
+      </p:sp>
+      <p:sp>
+        <p:nvSpPr>
+          <p:cNvPr id="78" name="Rectangle 77">
+            <a:extLst>
+              <a:ext uri="{FF2B5EF4-FFF2-40B4-BE49-F238E27FC236}">
+                <a16:creationId xmlns:a16="http://schemas.microsoft.com/office/drawing/2014/main" id="{9E00C288-5381-AC42-B735-79647CEA9981}"/>
+              </a:ext>
+            </a:extLst>
+          </p:cNvPr>
+          <p:cNvSpPr/>
+          <p:nvPr/>
+        </p:nvSpPr>
+        <p:spPr>
+          <a:xfrm>
+            <a:off x="1439027" y="1095466"/>
+            <a:ext cx="1544067" cy="196751"/>
+          </a:xfrm>
+          <a:prstGeom prst="rect">
+            <a:avLst/>
+          </a:prstGeom>
+          <a:solidFill>
+            <a:schemeClr val="bg1"/>
+          </a:solidFill>
+        </p:spPr>
+        <p:style>
+          <a:lnRef idx="2">
+            <a:schemeClr val="accent1">
+              <a:shade val="50000"/>
+            </a:schemeClr>
+          </a:lnRef>
+          <a:fillRef idx="1">
+            <a:schemeClr val="accent1"/>
+          </a:fillRef>
+          <a:effectRef idx="0">
+            <a:schemeClr val="accent1"/>
+          </a:effectRef>
+          <a:fontRef idx="minor">
+            <a:schemeClr val="lt1"/>
+          </a:fontRef>
+        </p:style>
+        <p:txBody>
+          <a:bodyPr rot="0" spcFirstLastPara="0" vertOverflow="overflow" horzOverflow="overflow" vert="horz" wrap="square" lIns="68580" tIns="34290" rIns="68580" bIns="34290" numCol="1" spcCol="0" rtlCol="0" fromWordArt="0" anchor="ctr" anchorCtr="0" forceAA="0" compatLnSpc="1">
+            <a:prstTxWarp prst="textNoShape">
+              <a:avLst/>
+            </a:prstTxWarp>
+            <a:noAutofit/>
+          </a:bodyPr>
+          <a:lstStyle/>
+          <a:p>
+            <a:pPr algn="ctr"/>
+            <a:r>
+              <a:rPr lang="en-US" altLang="zh-CN" sz="1350" dirty="0">
+                <a:solidFill>
+                  <a:schemeClr val="tx1"/>
+                </a:solidFill>
+              </a:rPr>
+              <a:t>Call</a:t>
+            </a:r>
+            <a:endParaRPr lang="en-US" sz="1350" dirty="0">
+              <a:solidFill>
+                <a:schemeClr val="tx1"/>
+              </a:solidFill>
+            </a:endParaRPr>
+          </a:p>
+        </p:txBody>
+      </p:sp>
+      <p:cxnSp>
+        <p:nvCxnSpPr>
+          <p:cNvPr id="6" name="Straight Arrow Connector 5">
+            <a:extLst>
+              <a:ext uri="{FF2B5EF4-FFF2-40B4-BE49-F238E27FC236}">
+                <a16:creationId xmlns:a16="http://schemas.microsoft.com/office/drawing/2014/main" id="{CEE69471-AEF7-2245-846C-AF003B1DA2F7}"/>
+              </a:ext>
+            </a:extLst>
+          </p:cNvPr>
+          <p:cNvCxnSpPr>
+            <a:cxnSpLocks/>
+            <a:stCxn id="78" idx="3"/>
+            <a:endCxn id="37" idx="1"/>
+          </p:cNvCxnSpPr>
+          <p:nvPr/>
+        </p:nvCxnSpPr>
+        <p:spPr>
+          <a:xfrm>
+            <a:off x="2983095" y="1193841"/>
+            <a:ext cx="710410" cy="4173"/>
+          </a:xfrm>
+          <a:prstGeom prst="straightConnector1">
+            <a:avLst/>
+          </a:prstGeom>
+          <a:ln>
+            <a:tailEnd type="triangle"/>
+          </a:ln>
+        </p:spPr>
+        <p:style>
+          <a:lnRef idx="1">
+            <a:schemeClr val="accent1"/>
+          </a:lnRef>
+          <a:fillRef idx="0">
+            <a:schemeClr val="accent1"/>
+          </a:fillRef>
+          <a:effectRef idx="0">
+            <a:schemeClr val="accent1"/>
+          </a:effectRef>
+          <a:fontRef idx="minor">
+            <a:schemeClr val="tx1"/>
+          </a:fontRef>
+        </p:style>
+      </p:cxnSp>
+      <p:sp>
+        <p:nvSpPr>
+          <p:cNvPr id="84" name="Rectangle 83">
+            <a:extLst>
+              <a:ext uri="{FF2B5EF4-FFF2-40B4-BE49-F238E27FC236}">
+                <a16:creationId xmlns:a16="http://schemas.microsoft.com/office/drawing/2014/main" id="{2FE87F5E-571B-9D40-8DF4-58A3AD753351}"/>
+              </a:ext>
+            </a:extLst>
+          </p:cNvPr>
+          <p:cNvSpPr/>
+          <p:nvPr/>
+        </p:nvSpPr>
+        <p:spPr>
+          <a:xfrm>
+            <a:off x="3693503" y="1407315"/>
+            <a:ext cx="1353225" cy="2230407"/>
+          </a:xfrm>
+          <a:prstGeom prst="rect">
+            <a:avLst/>
+          </a:prstGeom>
+          <a:solidFill>
+            <a:schemeClr val="bg1"/>
+          </a:solidFill>
+        </p:spPr>
+        <p:style>
+          <a:lnRef idx="2">
+            <a:schemeClr val="accent1">
+              <a:shade val="50000"/>
+            </a:schemeClr>
+          </a:lnRef>
+          <a:fillRef idx="1">
+            <a:schemeClr val="accent1"/>
+          </a:fillRef>
+          <a:effectRef idx="0">
+            <a:schemeClr val="accent1"/>
+          </a:effectRef>
+          <a:fontRef idx="minor">
+            <a:schemeClr val="lt1"/>
+          </a:fontRef>
+        </p:style>
+        <p:txBody>
+          <a:bodyPr rot="0" spcFirstLastPara="0" vertOverflow="overflow" horzOverflow="overflow" vert="horz" wrap="square" lIns="68580" tIns="34290" rIns="68580" bIns="34290" numCol="1" spcCol="0" rtlCol="0" fromWordArt="0" anchor="ctr" anchorCtr="0" forceAA="0" compatLnSpc="1">
+            <a:prstTxWarp prst="textNoShape">
+              <a:avLst/>
+            </a:prstTxWarp>
+            <a:noAutofit/>
+          </a:bodyPr>
+          <a:lstStyle/>
+          <a:p>
+            <a:pPr algn="ctr"/>
+            <a:endParaRPr lang="en-US" sz="1350" dirty="0">
+              <a:solidFill>
+                <a:schemeClr val="tx1"/>
+              </a:solidFill>
+            </a:endParaRPr>
+          </a:p>
+        </p:txBody>
+      </p:sp>
+      <p:sp>
+        <p:nvSpPr>
+          <p:cNvPr id="89" name="Rectangle 88">
+            <a:extLst>
+              <a:ext uri="{FF2B5EF4-FFF2-40B4-BE49-F238E27FC236}">
+                <a16:creationId xmlns:a16="http://schemas.microsoft.com/office/drawing/2014/main" id="{D55666B1-6905-0046-9F88-9646B3F79624}"/>
+              </a:ext>
+            </a:extLst>
+          </p:cNvPr>
+          <p:cNvSpPr/>
+          <p:nvPr/>
+        </p:nvSpPr>
+        <p:spPr>
+          <a:xfrm>
+            <a:off x="3791189" y="1672529"/>
+            <a:ext cx="1139576" cy="1817461"/>
+          </a:xfrm>
+          <a:prstGeom prst="rect">
+            <a:avLst/>
+          </a:prstGeom>
+          <a:solidFill>
+            <a:schemeClr val="bg1"/>
+          </a:solidFill>
+        </p:spPr>
+        <p:style>
+          <a:lnRef idx="2">
+            <a:schemeClr val="accent1">
+              <a:shade val="50000"/>
+            </a:schemeClr>
+          </a:lnRef>
+          <a:fillRef idx="1">
+            <a:schemeClr val="accent1"/>
+          </a:fillRef>
+          <a:effectRef idx="0">
+            <a:schemeClr val="accent1"/>
+          </a:effectRef>
+          <a:fontRef idx="minor">
+            <a:schemeClr val="lt1"/>
+          </a:fontRef>
+        </p:style>
+        <p:txBody>
+          <a:bodyPr rot="0" spcFirstLastPara="0" vertOverflow="overflow" horzOverflow="overflow" vert="horz" wrap="square" lIns="68580" tIns="34290" rIns="68580" bIns="34290" numCol="1" spcCol="0" rtlCol="0" fromWordArt="0" anchor="ctr" anchorCtr="0" forceAA="0" compatLnSpc="1">
+            <a:prstTxWarp prst="textNoShape">
+              <a:avLst/>
+            </a:prstTxWarp>
+            <a:noAutofit/>
+          </a:bodyPr>
+          <a:lstStyle/>
+          <a:p>
+            <a:pPr algn="ctr"/>
+            <a:endParaRPr lang="en-US" sz="1350" dirty="0"/>
+          </a:p>
+        </p:txBody>
+      </p:sp>
+      <p:sp>
+        <p:nvSpPr>
+          <p:cNvPr id="99" name="TextBox 98">
+            <a:extLst>
+              <a:ext uri="{FF2B5EF4-FFF2-40B4-BE49-F238E27FC236}">
+                <a16:creationId xmlns:a16="http://schemas.microsoft.com/office/drawing/2014/main" id="{0D1AB70A-D0D1-B147-8942-AFFFA6BC7473}"/>
+              </a:ext>
+            </a:extLst>
+          </p:cNvPr>
+          <p:cNvSpPr txBox="1"/>
+          <p:nvPr/>
+        </p:nvSpPr>
+        <p:spPr>
+          <a:xfrm>
+            <a:off x="3802637" y="1657345"/>
+            <a:ext cx="559769" cy="230832"/>
+          </a:xfrm>
+          <a:prstGeom prst="rect">
+            <a:avLst/>
+          </a:prstGeom>
+          <a:noFill/>
+        </p:spPr>
+        <p:txBody>
+          <a:bodyPr wrap="none" rtlCol="0">
+            <a:spAutoFit/>
+          </a:bodyPr>
+          <a:lstStyle/>
+          <a:p>
+            <a:r>
+              <a:rPr lang="en-US" altLang="zh-CN" sz="900" dirty="0"/>
+              <a:t>Listener</a:t>
+            </a:r>
+            <a:endParaRPr lang="en-US" sz="1350" dirty="0"/>
+          </a:p>
+        </p:txBody>
+      </p:sp>
+      <p:sp>
+        <p:nvSpPr>
+          <p:cNvPr id="101" name="Rectangle 100">
+            <a:extLst>
+              <a:ext uri="{FF2B5EF4-FFF2-40B4-BE49-F238E27FC236}">
+                <a16:creationId xmlns:a16="http://schemas.microsoft.com/office/drawing/2014/main" id="{CF05D0F7-978E-BE45-A414-7031C1D468DA}"/>
+              </a:ext>
+            </a:extLst>
+          </p:cNvPr>
+          <p:cNvSpPr/>
+          <p:nvPr/>
+        </p:nvSpPr>
+        <p:spPr>
+          <a:xfrm>
+            <a:off x="3899457" y="1834810"/>
+            <a:ext cx="929062" cy="196751"/>
+          </a:xfrm>
+          <a:prstGeom prst="rect">
+            <a:avLst/>
+          </a:prstGeom>
+          <a:solidFill>
+            <a:schemeClr val="bg1"/>
+          </a:solidFill>
+        </p:spPr>
+        <p:style>
+          <a:lnRef idx="2">
+            <a:schemeClr val="accent1">
+              <a:shade val="50000"/>
+            </a:schemeClr>
+          </a:lnRef>
+          <a:fillRef idx="1">
+            <a:schemeClr val="accent1"/>
+          </a:fillRef>
+          <a:effectRef idx="0">
+            <a:schemeClr val="accent1"/>
+          </a:effectRef>
+          <a:fontRef idx="minor">
+            <a:schemeClr val="lt1"/>
+          </a:fontRef>
+        </p:style>
+        <p:txBody>
+          <a:bodyPr rot="0" spcFirstLastPara="0" vertOverflow="overflow" horzOverflow="overflow" vert="horz" wrap="square" lIns="68580" tIns="34290" rIns="68580" bIns="34290" numCol="1" spcCol="0" rtlCol="0" fromWordArt="0" anchor="ctr" anchorCtr="0" forceAA="0" compatLnSpc="1">
+            <a:prstTxWarp prst="textNoShape">
+              <a:avLst/>
+            </a:prstTxWarp>
+            <a:noAutofit/>
+          </a:bodyPr>
+          <a:lstStyle/>
+          <a:p>
+            <a:pPr algn="ctr"/>
+            <a:r>
+              <a:rPr lang="en-US" altLang="zh-CN" sz="1350" dirty="0">
+                <a:solidFill>
+                  <a:schemeClr val="tx1"/>
+                </a:solidFill>
+              </a:rPr>
+              <a:t>Accept</a:t>
+            </a:r>
+            <a:endParaRPr lang="en-US" sz="1350" dirty="0">
+              <a:solidFill>
+                <a:schemeClr val="tx1"/>
+              </a:solidFill>
+            </a:endParaRPr>
+          </a:p>
+        </p:txBody>
+      </p:sp>
+      <p:sp>
+        <p:nvSpPr>
+          <p:cNvPr id="102" name="Rectangle 101">
+            <a:extLst>
+              <a:ext uri="{FF2B5EF4-FFF2-40B4-BE49-F238E27FC236}">
+                <a16:creationId xmlns:a16="http://schemas.microsoft.com/office/drawing/2014/main" id="{204FB341-D7EB-234E-98FB-FC2A8BC18503}"/>
+              </a:ext>
+            </a:extLst>
+          </p:cNvPr>
+          <p:cNvSpPr/>
+          <p:nvPr/>
+        </p:nvSpPr>
+        <p:spPr>
+          <a:xfrm>
+            <a:off x="3899457" y="2138262"/>
+            <a:ext cx="929063" cy="1207846"/>
+          </a:xfrm>
+          <a:prstGeom prst="rect">
+            <a:avLst/>
+          </a:prstGeom>
+          <a:solidFill>
+            <a:schemeClr val="bg1"/>
+          </a:solidFill>
+        </p:spPr>
+        <p:style>
+          <a:lnRef idx="2">
+            <a:schemeClr val="accent1">
+              <a:shade val="50000"/>
+            </a:schemeClr>
+          </a:lnRef>
+          <a:fillRef idx="1">
+            <a:schemeClr val="accent1"/>
+          </a:fillRef>
+          <a:effectRef idx="0">
+            <a:schemeClr val="accent1"/>
+          </a:effectRef>
+          <a:fontRef idx="minor">
+            <a:schemeClr val="lt1"/>
+          </a:fontRef>
+        </p:style>
+        <p:txBody>
+          <a:bodyPr rot="0" spcFirstLastPara="0" vertOverflow="overflow" horzOverflow="overflow" vert="horz" wrap="square" lIns="68580" tIns="34290" rIns="68580" bIns="34290" numCol="1" spcCol="0" rtlCol="0" fromWordArt="0" anchor="ctr" anchorCtr="0" forceAA="0" compatLnSpc="1">
+            <a:prstTxWarp prst="textNoShape">
+              <a:avLst/>
+            </a:prstTxWarp>
+            <a:noAutofit/>
+          </a:bodyPr>
+          <a:lstStyle/>
+          <a:p>
+            <a:pPr algn="ctr"/>
+            <a:endParaRPr lang="en-US" sz="1350" dirty="0"/>
+          </a:p>
+        </p:txBody>
+      </p:sp>
+      <p:sp>
+        <p:nvSpPr>
+          <p:cNvPr id="104" name="TextBox 103">
+            <a:extLst>
+              <a:ext uri="{FF2B5EF4-FFF2-40B4-BE49-F238E27FC236}">
+                <a16:creationId xmlns:a16="http://schemas.microsoft.com/office/drawing/2014/main" id="{C478F801-952B-1049-B2F2-60AA2026410E}"/>
+              </a:ext>
+            </a:extLst>
+          </p:cNvPr>
+          <p:cNvSpPr txBox="1"/>
+          <p:nvPr/>
+        </p:nvSpPr>
+        <p:spPr>
+          <a:xfrm>
+            <a:off x="3914649" y="2175608"/>
+            <a:ext cx="574196" cy="230832"/>
+          </a:xfrm>
+          <a:prstGeom prst="rect">
+            <a:avLst/>
+          </a:prstGeom>
+          <a:noFill/>
+        </p:spPr>
+        <p:txBody>
+          <a:bodyPr wrap="none" rtlCol="0">
+            <a:spAutoFit/>
+          </a:bodyPr>
+          <a:lstStyle/>
+          <a:p>
+            <a:r>
+              <a:rPr lang="en-US" altLang="zh-CN" sz="900" dirty="0" err="1"/>
+              <a:t>trSocket</a:t>
+            </a:r>
+            <a:endParaRPr lang="en-US" sz="1350" dirty="0"/>
+          </a:p>
+        </p:txBody>
+      </p:sp>
+      <p:sp>
+        <p:nvSpPr>
+          <p:cNvPr id="105" name="Rectangle 104">
+            <a:extLst>
+              <a:ext uri="{FF2B5EF4-FFF2-40B4-BE49-F238E27FC236}">
+                <a16:creationId xmlns:a16="http://schemas.microsoft.com/office/drawing/2014/main" id="{72B3AEAD-3337-464A-A08C-B5C617CE3443}"/>
+              </a:ext>
+            </a:extLst>
+          </p:cNvPr>
+          <p:cNvSpPr/>
+          <p:nvPr/>
+        </p:nvSpPr>
+        <p:spPr>
+          <a:xfrm>
+            <a:off x="4030243" y="2663605"/>
+            <a:ext cx="631877" cy="196751"/>
+          </a:xfrm>
+          <a:prstGeom prst="rect">
+            <a:avLst/>
+          </a:prstGeom>
+          <a:solidFill>
+            <a:schemeClr val="bg1"/>
+          </a:solidFill>
+        </p:spPr>
+        <p:style>
+          <a:lnRef idx="2">
+            <a:schemeClr val="accent1">
+              <a:shade val="50000"/>
+            </a:schemeClr>
+          </a:lnRef>
+          <a:fillRef idx="1">
+            <a:schemeClr val="accent1"/>
+          </a:fillRef>
+          <a:effectRef idx="0">
+            <a:schemeClr val="accent1"/>
+          </a:effectRef>
+          <a:fontRef idx="minor">
+            <a:schemeClr val="lt1"/>
+          </a:fontRef>
+        </p:style>
+        <p:txBody>
+          <a:bodyPr rot="0" spcFirstLastPara="0" vertOverflow="overflow" horzOverflow="overflow" vert="horz" wrap="square" lIns="68580" tIns="34290" rIns="68580" bIns="34290" numCol="1" spcCol="0" rtlCol="0" fromWordArt="0" anchor="ctr" anchorCtr="0" forceAA="0" compatLnSpc="1">
+            <a:prstTxWarp prst="textNoShape">
+              <a:avLst/>
+            </a:prstTxWarp>
+            <a:noAutofit/>
+          </a:bodyPr>
+          <a:lstStyle/>
+          <a:p>
+            <a:pPr algn="ctr"/>
+            <a:r>
+              <a:rPr lang="en-US" altLang="zh-CN" sz="1350" dirty="0" err="1">
+                <a:solidFill>
+                  <a:schemeClr val="tx1"/>
+                </a:solidFill>
+              </a:rPr>
+              <a:t>Rcv</a:t>
+            </a:r>
+            <a:endParaRPr lang="en-US" sz="1350" dirty="0">
+              <a:solidFill>
+                <a:schemeClr val="tx1"/>
+              </a:solidFill>
+            </a:endParaRPr>
+          </a:p>
+        </p:txBody>
+      </p:sp>
+      <p:sp>
+        <p:nvSpPr>
+          <p:cNvPr id="106" name="Rectangle 105">
+            <a:extLst>
+              <a:ext uri="{FF2B5EF4-FFF2-40B4-BE49-F238E27FC236}">
+                <a16:creationId xmlns:a16="http://schemas.microsoft.com/office/drawing/2014/main" id="{89826042-D246-0B44-AE55-6B5D8FFBF579}"/>
+              </a:ext>
+            </a:extLst>
+          </p:cNvPr>
+          <p:cNvSpPr/>
+          <p:nvPr/>
+        </p:nvSpPr>
+        <p:spPr>
+          <a:xfrm>
+            <a:off x="4022583" y="2948041"/>
+            <a:ext cx="631877" cy="196751"/>
+          </a:xfrm>
+          <a:prstGeom prst="rect">
+            <a:avLst/>
+          </a:prstGeom>
+          <a:solidFill>
+            <a:schemeClr val="bg1"/>
+          </a:solidFill>
+        </p:spPr>
+        <p:style>
+          <a:lnRef idx="2">
+            <a:schemeClr val="accent1">
+              <a:shade val="50000"/>
+            </a:schemeClr>
+          </a:lnRef>
+          <a:fillRef idx="1">
+            <a:schemeClr val="accent1"/>
+          </a:fillRef>
+          <a:effectRef idx="0">
+            <a:schemeClr val="accent1"/>
+          </a:effectRef>
+          <a:fontRef idx="minor">
+            <a:schemeClr val="lt1"/>
+          </a:fontRef>
+        </p:style>
+        <p:txBody>
+          <a:bodyPr rot="0" spcFirstLastPara="0" vertOverflow="overflow" horzOverflow="overflow" vert="horz" wrap="square" lIns="68580" tIns="34290" rIns="68580" bIns="34290" numCol="1" spcCol="0" rtlCol="0" fromWordArt="0" anchor="ctr" anchorCtr="0" forceAA="0" compatLnSpc="1">
+            <a:prstTxWarp prst="textNoShape">
+              <a:avLst/>
+            </a:prstTxWarp>
+            <a:noAutofit/>
+          </a:bodyPr>
+          <a:lstStyle/>
+          <a:p>
+            <a:pPr algn="ctr"/>
+            <a:r>
+              <a:rPr lang="en-US" altLang="zh-CN" sz="1350" dirty="0">
+                <a:solidFill>
+                  <a:schemeClr val="tx1"/>
+                </a:solidFill>
+              </a:rPr>
+              <a:t>Send</a:t>
+            </a:r>
+            <a:endParaRPr lang="en-US" sz="1350" dirty="0">
+              <a:solidFill>
+                <a:schemeClr val="tx1"/>
+              </a:solidFill>
+            </a:endParaRPr>
+          </a:p>
+        </p:txBody>
+      </p:sp>
+      <p:sp>
+        <p:nvSpPr>
+          <p:cNvPr id="18" name="Rectangle 17">
+            <a:extLst>
+              <a:ext uri="{FF2B5EF4-FFF2-40B4-BE49-F238E27FC236}">
+                <a16:creationId xmlns:a16="http://schemas.microsoft.com/office/drawing/2014/main" id="{AEC0BD5E-93F0-4745-968D-F88BE74B3B6E}"/>
+              </a:ext>
+            </a:extLst>
+          </p:cNvPr>
+          <p:cNvSpPr/>
+          <p:nvPr/>
+        </p:nvSpPr>
+        <p:spPr>
+          <a:xfrm>
+            <a:off x="3664363" y="1351042"/>
+            <a:ext cx="859723" cy="300082"/>
+          </a:xfrm>
+          <a:prstGeom prst="rect">
+            <a:avLst/>
+          </a:prstGeom>
+        </p:spPr>
+        <p:txBody>
+          <a:bodyPr wrap="none">
+            <a:spAutoFit/>
+          </a:bodyPr>
+          <a:lstStyle/>
+          <a:p>
+            <a:r>
+              <a:rPr lang="en-US" altLang="zh-CN" sz="1350" dirty="0"/>
+              <a:t>Transport</a:t>
+            </a:r>
+            <a:endParaRPr lang="en-US" sz="1350" dirty="0"/>
+          </a:p>
+        </p:txBody>
+      </p:sp>
+      <p:cxnSp>
+        <p:nvCxnSpPr>
+          <p:cNvPr id="117" name="Straight Arrow Connector 116">
+            <a:extLst>
+              <a:ext uri="{FF2B5EF4-FFF2-40B4-BE49-F238E27FC236}">
+                <a16:creationId xmlns:a16="http://schemas.microsoft.com/office/drawing/2014/main" id="{5D4EB225-E8C8-1D4C-AA65-BF3AEBBDB932}"/>
+              </a:ext>
+            </a:extLst>
+          </p:cNvPr>
+          <p:cNvCxnSpPr>
+            <a:cxnSpLocks/>
+            <a:stCxn id="131" idx="3"/>
+            <a:endCxn id="101" idx="1"/>
+          </p:cNvCxnSpPr>
+          <p:nvPr/>
+        </p:nvCxnSpPr>
+        <p:spPr>
+          <a:xfrm flipV="1">
+            <a:off x="2735637" y="1933186"/>
+            <a:ext cx="1163821" cy="3181"/>
+          </a:xfrm>
+          <a:prstGeom prst="straightConnector1">
+            <a:avLst/>
+          </a:prstGeom>
+          <a:ln>
+            <a:tailEnd type="triangle"/>
+          </a:ln>
+        </p:spPr>
+        <p:style>
+          <a:lnRef idx="1">
+            <a:schemeClr val="accent1"/>
+          </a:lnRef>
+          <a:fillRef idx="0">
+            <a:schemeClr val="accent1"/>
+          </a:fillRef>
+          <a:effectRef idx="0">
+            <a:schemeClr val="accent1"/>
+          </a:effectRef>
+          <a:fontRef idx="minor">
+            <a:schemeClr val="tx1"/>
+          </a:fontRef>
+        </p:style>
+      </p:cxnSp>
+      <p:sp>
+        <p:nvSpPr>
+          <p:cNvPr id="131" name="Rectangle 130">
+            <a:extLst>
+              <a:ext uri="{FF2B5EF4-FFF2-40B4-BE49-F238E27FC236}">
+                <a16:creationId xmlns:a16="http://schemas.microsoft.com/office/drawing/2014/main" id="{5E4A0799-1B92-3B44-9DD3-E4DB7C56C06A}"/>
+              </a:ext>
+            </a:extLst>
+          </p:cNvPr>
+          <p:cNvSpPr/>
+          <p:nvPr/>
+        </p:nvSpPr>
+        <p:spPr>
+          <a:xfrm>
+            <a:off x="1727627" y="1837991"/>
+            <a:ext cx="1008009" cy="196751"/>
+          </a:xfrm>
+          <a:prstGeom prst="rect">
+            <a:avLst/>
+          </a:prstGeom>
+          <a:solidFill>
+            <a:schemeClr val="bg1"/>
+          </a:solidFill>
+        </p:spPr>
+        <p:style>
+          <a:lnRef idx="2">
+            <a:schemeClr val="accent1">
+              <a:shade val="50000"/>
+            </a:schemeClr>
+          </a:lnRef>
+          <a:fillRef idx="1">
+            <a:schemeClr val="accent1"/>
+          </a:fillRef>
+          <a:effectRef idx="0">
+            <a:schemeClr val="accent1"/>
+          </a:effectRef>
+          <a:fontRef idx="minor">
+            <a:schemeClr val="lt1"/>
+          </a:fontRef>
+        </p:style>
+        <p:txBody>
+          <a:bodyPr rot="0" spcFirstLastPara="0" vertOverflow="overflow" horzOverflow="overflow" vert="horz" wrap="square" lIns="68580" tIns="34290" rIns="68580" bIns="34290" numCol="1" spcCol="0" rtlCol="0" fromWordArt="0" anchor="ctr" anchorCtr="0" forceAA="0" compatLnSpc="1">
+            <a:prstTxWarp prst="textNoShape">
+              <a:avLst/>
+            </a:prstTxWarp>
+            <a:noAutofit/>
+          </a:bodyPr>
+          <a:lstStyle/>
+          <a:p>
+            <a:pPr algn="ctr"/>
+            <a:r>
+              <a:rPr lang="en-US" altLang="zh-CN" sz="1350" dirty="0">
+                <a:solidFill>
+                  <a:schemeClr val="tx1"/>
+                </a:solidFill>
+              </a:rPr>
+              <a:t>Dial</a:t>
+            </a:r>
+            <a:endParaRPr lang="en-US" sz="1350" dirty="0">
+              <a:solidFill>
+                <a:schemeClr val="tx1"/>
+              </a:solidFill>
+            </a:endParaRPr>
+          </a:p>
+        </p:txBody>
+      </p:sp>
+      <p:sp>
+        <p:nvSpPr>
+          <p:cNvPr id="132" name="Rectangle 131">
+            <a:extLst>
+              <a:ext uri="{FF2B5EF4-FFF2-40B4-BE49-F238E27FC236}">
+                <a16:creationId xmlns:a16="http://schemas.microsoft.com/office/drawing/2014/main" id="{538B332A-AE00-4C49-B9A3-8DB919F6E37E}"/>
+              </a:ext>
+            </a:extLst>
+          </p:cNvPr>
+          <p:cNvSpPr/>
+          <p:nvPr/>
+        </p:nvSpPr>
+        <p:spPr>
+          <a:xfrm>
+            <a:off x="1439028" y="1371223"/>
+            <a:ext cx="859723" cy="300082"/>
+          </a:xfrm>
+          <a:prstGeom prst="rect">
+            <a:avLst/>
+          </a:prstGeom>
+        </p:spPr>
+        <p:txBody>
+          <a:bodyPr wrap="none">
+            <a:spAutoFit/>
+          </a:bodyPr>
+          <a:lstStyle/>
+          <a:p>
+            <a:r>
+              <a:rPr lang="en-US" altLang="zh-CN" sz="1350" dirty="0"/>
+              <a:t>Transport</a:t>
+            </a:r>
+            <a:endParaRPr lang="en-US" sz="1350" dirty="0"/>
+          </a:p>
+        </p:txBody>
+      </p:sp>
+      <p:sp>
+        <p:nvSpPr>
+          <p:cNvPr id="139" name="TextBox 138">
+            <a:extLst>
+              <a:ext uri="{FF2B5EF4-FFF2-40B4-BE49-F238E27FC236}">
+                <a16:creationId xmlns:a16="http://schemas.microsoft.com/office/drawing/2014/main" id="{AA97E7AC-C35C-B343-91BB-479956EABB1F}"/>
+              </a:ext>
+            </a:extLst>
+          </p:cNvPr>
+          <p:cNvSpPr txBox="1"/>
+          <p:nvPr/>
+        </p:nvSpPr>
+        <p:spPr>
+          <a:xfrm>
+            <a:off x="5926207" y="731026"/>
+            <a:ext cx="1263423" cy="1338828"/>
+          </a:xfrm>
+          <a:prstGeom prst="rect">
+            <a:avLst/>
+          </a:prstGeom>
+          <a:noFill/>
+        </p:spPr>
+        <p:txBody>
+          <a:bodyPr wrap="none" rtlCol="0">
+            <a:spAutoFit/>
+          </a:bodyPr>
+          <a:lstStyle/>
+          <a:p>
+            <a:r>
+              <a:rPr lang="en-US" sz="1350" dirty="0"/>
+              <a:t>client </a:t>
+            </a:r>
+            <a:r>
+              <a:rPr lang="en-US" altLang="zh-CN" sz="1350" dirty="0"/>
+              <a:t>=&gt;</a:t>
+            </a:r>
+            <a:r>
+              <a:rPr lang="zh-CN" altLang="en-US" sz="1350" dirty="0"/>
+              <a:t> </a:t>
+            </a:r>
+            <a:r>
+              <a:rPr lang="en-US" sz="1350" dirty="0"/>
+              <a:t>server</a:t>
+            </a:r>
+          </a:p>
+          <a:p>
+            <a:endParaRPr lang="en-US" sz="1350" dirty="0"/>
+          </a:p>
+          <a:p>
+            <a:endParaRPr lang="en-US" sz="1350" dirty="0"/>
+          </a:p>
+          <a:p>
+            <a:endParaRPr lang="en-US" sz="1350" dirty="0"/>
+          </a:p>
+          <a:p>
+            <a:endParaRPr lang="en-US" sz="1350" dirty="0"/>
+          </a:p>
+          <a:p>
+            <a:endParaRPr lang="en-US" sz="1350" dirty="0"/>
+          </a:p>
+        </p:txBody>
+      </p:sp>
+      <p:sp>
+        <p:nvSpPr>
+          <p:cNvPr id="140" name="TextBox 139">
+            <a:extLst>
+              <a:ext uri="{FF2B5EF4-FFF2-40B4-BE49-F238E27FC236}">
+                <a16:creationId xmlns:a16="http://schemas.microsoft.com/office/drawing/2014/main" id="{5CCCAA32-4A1F-A544-BFC1-F8C8D3A991A0}"/>
+              </a:ext>
+            </a:extLst>
+          </p:cNvPr>
+          <p:cNvSpPr txBox="1"/>
+          <p:nvPr/>
+        </p:nvSpPr>
+        <p:spPr>
+          <a:xfrm>
+            <a:off x="5926207" y="1143294"/>
+            <a:ext cx="2385391" cy="507831"/>
+          </a:xfrm>
+          <a:prstGeom prst="rect">
+            <a:avLst/>
+          </a:prstGeom>
+          <a:noFill/>
+        </p:spPr>
+        <p:txBody>
+          <a:bodyPr wrap="square" rtlCol="0">
+            <a:spAutoFit/>
+          </a:bodyPr>
+          <a:lstStyle/>
+          <a:p>
+            <a:r>
+              <a:rPr lang="en-US" sz="1350" dirty="0" err="1"/>
+              <a:t>client.Call</a:t>
+            </a:r>
+            <a:r>
+              <a:rPr lang="en-US" sz="1350" dirty="0"/>
+              <a:t> =&gt; </a:t>
+            </a:r>
+            <a:r>
+              <a:rPr lang="en-US" sz="1350" dirty="0" err="1"/>
+              <a:t>server.Handler</a:t>
+            </a:r>
+            <a:endParaRPr lang="en-US" sz="1350" dirty="0"/>
+          </a:p>
+          <a:p>
+            <a:endParaRPr lang="en-US" sz="1350" dirty="0"/>
+          </a:p>
+        </p:txBody>
+      </p:sp>
+      <p:sp>
+        <p:nvSpPr>
+          <p:cNvPr id="141" name="TextBox 140">
+            <a:extLst>
+              <a:ext uri="{FF2B5EF4-FFF2-40B4-BE49-F238E27FC236}">
+                <a16:creationId xmlns:a16="http://schemas.microsoft.com/office/drawing/2014/main" id="{EC718016-C7F4-5141-9227-E99252370886}"/>
+              </a:ext>
+            </a:extLst>
+          </p:cNvPr>
+          <p:cNvSpPr txBox="1"/>
+          <p:nvPr/>
+        </p:nvSpPr>
+        <p:spPr>
+          <a:xfrm>
+            <a:off x="5937846" y="1571986"/>
+            <a:ext cx="2753061" cy="507831"/>
+          </a:xfrm>
+          <a:prstGeom prst="rect">
+            <a:avLst/>
+          </a:prstGeom>
+          <a:noFill/>
+        </p:spPr>
+        <p:txBody>
+          <a:bodyPr wrap="none" rtlCol="0">
+            <a:spAutoFit/>
+          </a:bodyPr>
+          <a:lstStyle/>
+          <a:p>
+            <a:r>
+              <a:rPr lang="en-US" sz="1350" dirty="0" err="1"/>
+              <a:t>transport</a:t>
+            </a:r>
+            <a:r>
+              <a:rPr lang="en-US" altLang="zh-CN" sz="1350" dirty="0" err="1"/>
+              <a:t>.</a:t>
+            </a:r>
+            <a:r>
+              <a:rPr lang="en-US" sz="1350" dirty="0" err="1"/>
+              <a:t>client</a:t>
+            </a:r>
+            <a:r>
+              <a:rPr lang="en-US" sz="1350" dirty="0"/>
+              <a:t> </a:t>
+            </a:r>
+            <a:r>
+              <a:rPr lang="en-US" altLang="zh-CN" sz="1350" dirty="0"/>
+              <a:t>=&gt;</a:t>
+            </a:r>
+            <a:r>
+              <a:rPr lang="en-US" sz="1350" dirty="0"/>
+              <a:t> </a:t>
+            </a:r>
+            <a:r>
+              <a:rPr lang="en-US" sz="1350" dirty="0" err="1"/>
+              <a:t>transport</a:t>
+            </a:r>
+            <a:r>
+              <a:rPr lang="en-US" altLang="zh-CN" sz="1350" dirty="0" err="1"/>
+              <a:t>.</a:t>
+            </a:r>
+            <a:r>
+              <a:rPr lang="en-US" sz="1350" dirty="0" err="1"/>
+              <a:t>listener</a:t>
+            </a:r>
+            <a:endParaRPr lang="en-US" sz="1350" dirty="0"/>
+          </a:p>
+          <a:p>
+            <a:endParaRPr lang="en-US" sz="1350" dirty="0"/>
+          </a:p>
+        </p:txBody>
+      </p:sp>
+      <p:sp>
+        <p:nvSpPr>
+          <p:cNvPr id="142" name="Rectangle 141">
+            <a:extLst>
+              <a:ext uri="{FF2B5EF4-FFF2-40B4-BE49-F238E27FC236}">
+                <a16:creationId xmlns:a16="http://schemas.microsoft.com/office/drawing/2014/main" id="{BA2EBCAA-C3FF-EE46-B441-73851D753367}"/>
+              </a:ext>
+            </a:extLst>
+          </p:cNvPr>
+          <p:cNvSpPr/>
+          <p:nvPr/>
+        </p:nvSpPr>
+        <p:spPr>
+          <a:xfrm>
+            <a:off x="5958276" y="2072381"/>
+            <a:ext cx="2590389" cy="300082"/>
+          </a:xfrm>
+          <a:prstGeom prst="rect">
+            <a:avLst/>
+          </a:prstGeom>
+        </p:spPr>
+        <p:txBody>
+          <a:bodyPr wrap="none">
+            <a:spAutoFit/>
+          </a:bodyPr>
+          <a:lstStyle/>
+          <a:p>
+            <a:r>
+              <a:rPr lang="en-US" sz="1350" dirty="0" err="1"/>
+              <a:t>transport.Dial</a:t>
+            </a:r>
+            <a:r>
+              <a:rPr lang="en-US" sz="1350" dirty="0"/>
+              <a:t> =&gt; </a:t>
+            </a:r>
+            <a:r>
+              <a:rPr lang="en-US" sz="1350" dirty="0" err="1"/>
+              <a:t>transport.Accept</a:t>
+            </a:r>
+            <a:endParaRPr lang="en-US" sz="1350" dirty="0"/>
+          </a:p>
+        </p:txBody>
+      </p:sp>
+      <p:sp>
+        <p:nvSpPr>
+          <p:cNvPr id="143" name="Down Arrow 142">
+            <a:extLst>
+              <a:ext uri="{FF2B5EF4-FFF2-40B4-BE49-F238E27FC236}">
+                <a16:creationId xmlns:a16="http://schemas.microsoft.com/office/drawing/2014/main" id="{FEC5C503-3CEA-6D4F-B372-5117C8A299EA}"/>
+              </a:ext>
+            </a:extLst>
+          </p:cNvPr>
+          <p:cNvSpPr/>
+          <p:nvPr/>
+        </p:nvSpPr>
+        <p:spPr>
+          <a:xfrm>
+            <a:off x="6534426" y="914735"/>
+            <a:ext cx="144670" cy="279106"/>
+          </a:xfrm>
+          <a:prstGeom prst="downArrow">
+            <a:avLst/>
+          </a:prstGeom>
+        </p:spPr>
+        <p:style>
+          <a:lnRef idx="2">
+            <a:schemeClr val="accent1">
+              <a:shade val="50000"/>
+            </a:schemeClr>
+          </a:lnRef>
+          <a:fillRef idx="1">
+            <a:schemeClr val="accent1"/>
+          </a:fillRef>
+          <a:effectRef idx="0">
+            <a:schemeClr val="accent1"/>
+          </a:effectRef>
+          <a:fontRef idx="minor">
+            <a:schemeClr val="lt1"/>
+          </a:fontRef>
+        </p:style>
+        <p:txBody>
+          <a:bodyPr rot="0" spcFirstLastPara="0" vertOverflow="overflow" horzOverflow="overflow" vert="horz" wrap="square" lIns="68580" tIns="34290" rIns="68580" bIns="34290" numCol="1" spcCol="0" rtlCol="0" fromWordArt="0" anchor="ctr" anchorCtr="0" forceAA="0" compatLnSpc="1">
+            <a:prstTxWarp prst="textNoShape">
+              <a:avLst/>
+            </a:prstTxWarp>
+            <a:noAutofit/>
+          </a:bodyPr>
+          <a:lstStyle/>
+          <a:p>
+            <a:pPr algn="ctr"/>
+            <a:endParaRPr lang="en-US" sz="1350"/>
+          </a:p>
+        </p:txBody>
+      </p:sp>
+      <p:sp>
+        <p:nvSpPr>
+          <p:cNvPr id="144" name="Down Arrow 143">
+            <a:extLst>
+              <a:ext uri="{FF2B5EF4-FFF2-40B4-BE49-F238E27FC236}">
+                <a16:creationId xmlns:a16="http://schemas.microsoft.com/office/drawing/2014/main" id="{9CE66FF5-90C4-804E-92F3-C9A6D123F5E9}"/>
+              </a:ext>
+            </a:extLst>
+          </p:cNvPr>
+          <p:cNvSpPr/>
+          <p:nvPr/>
+        </p:nvSpPr>
+        <p:spPr>
+          <a:xfrm>
+            <a:off x="6534426" y="1371223"/>
+            <a:ext cx="144670" cy="279106"/>
+          </a:xfrm>
+          <a:prstGeom prst="downArrow">
+            <a:avLst/>
+          </a:prstGeom>
+        </p:spPr>
+        <p:style>
+          <a:lnRef idx="2">
+            <a:schemeClr val="accent1">
+              <a:shade val="50000"/>
+            </a:schemeClr>
+          </a:lnRef>
+          <a:fillRef idx="1">
+            <a:schemeClr val="accent1"/>
+          </a:fillRef>
+          <a:effectRef idx="0">
+            <a:schemeClr val="accent1"/>
+          </a:effectRef>
+          <a:fontRef idx="minor">
+            <a:schemeClr val="lt1"/>
+          </a:fontRef>
+        </p:style>
+        <p:txBody>
+          <a:bodyPr rot="0" spcFirstLastPara="0" vertOverflow="overflow" horzOverflow="overflow" vert="horz" wrap="square" lIns="68580" tIns="34290" rIns="68580" bIns="34290" numCol="1" spcCol="0" rtlCol="0" fromWordArt="0" anchor="ctr" anchorCtr="0" forceAA="0" compatLnSpc="1">
+            <a:prstTxWarp prst="textNoShape">
+              <a:avLst/>
+            </a:prstTxWarp>
+            <a:noAutofit/>
+          </a:bodyPr>
+          <a:lstStyle/>
+          <a:p>
+            <a:pPr algn="ctr"/>
+            <a:endParaRPr lang="en-US" sz="1350"/>
+          </a:p>
+        </p:txBody>
+      </p:sp>
+      <p:sp>
+        <p:nvSpPr>
+          <p:cNvPr id="145" name="Down Arrow 144">
+            <a:extLst>
+              <a:ext uri="{FF2B5EF4-FFF2-40B4-BE49-F238E27FC236}">
+                <a16:creationId xmlns:a16="http://schemas.microsoft.com/office/drawing/2014/main" id="{1FBC0E60-AD2C-CF4B-A95B-E8F9D91710E3}"/>
+              </a:ext>
+            </a:extLst>
+          </p:cNvPr>
+          <p:cNvSpPr/>
+          <p:nvPr/>
+        </p:nvSpPr>
+        <p:spPr>
+          <a:xfrm>
+            <a:off x="6534426" y="1851091"/>
+            <a:ext cx="144670" cy="279106"/>
+          </a:xfrm>
+          <a:prstGeom prst="downArrow">
+            <a:avLst/>
+          </a:prstGeom>
+        </p:spPr>
+        <p:style>
+          <a:lnRef idx="2">
+            <a:schemeClr val="accent1">
+              <a:shade val="50000"/>
+            </a:schemeClr>
+          </a:lnRef>
+          <a:fillRef idx="1">
+            <a:schemeClr val="accent1"/>
+          </a:fillRef>
+          <a:effectRef idx="0">
+            <a:schemeClr val="accent1"/>
+          </a:effectRef>
+          <a:fontRef idx="minor">
+            <a:schemeClr val="lt1"/>
+          </a:fontRef>
+        </p:style>
+        <p:txBody>
+          <a:bodyPr rot="0" spcFirstLastPara="0" vertOverflow="overflow" horzOverflow="overflow" vert="horz" wrap="square" lIns="68580" tIns="34290" rIns="68580" bIns="34290" numCol="1" spcCol="0" rtlCol="0" fromWordArt="0" anchor="ctr" anchorCtr="0" forceAA="0" compatLnSpc="1">
+            <a:prstTxWarp prst="textNoShape">
+              <a:avLst/>
+            </a:prstTxWarp>
+            <a:noAutofit/>
+          </a:bodyPr>
+          <a:lstStyle/>
+          <a:p>
+            <a:pPr algn="ctr"/>
+            <a:endParaRPr lang="en-US" sz="1350"/>
+          </a:p>
+        </p:txBody>
+      </p:sp>
+      <p:sp>
+        <p:nvSpPr>
+          <p:cNvPr id="147" name="Rectangle 146">
+            <a:extLst>
+              <a:ext uri="{FF2B5EF4-FFF2-40B4-BE49-F238E27FC236}">
+                <a16:creationId xmlns:a16="http://schemas.microsoft.com/office/drawing/2014/main" id="{6CD3B03C-BACA-924D-9681-BD5F5670435E}"/>
+              </a:ext>
+            </a:extLst>
+          </p:cNvPr>
+          <p:cNvSpPr/>
+          <p:nvPr/>
+        </p:nvSpPr>
+        <p:spPr>
+          <a:xfrm>
+            <a:off x="1727627" y="2129937"/>
+            <a:ext cx="1008009" cy="1236751"/>
+          </a:xfrm>
+          <a:prstGeom prst="rect">
+            <a:avLst/>
+          </a:prstGeom>
+          <a:solidFill>
+            <a:schemeClr val="bg1"/>
+          </a:solidFill>
+        </p:spPr>
+        <p:style>
+          <a:lnRef idx="2">
+            <a:schemeClr val="accent1">
+              <a:shade val="50000"/>
+            </a:schemeClr>
+          </a:lnRef>
+          <a:fillRef idx="1">
+            <a:schemeClr val="accent1"/>
+          </a:fillRef>
+          <a:effectRef idx="0">
+            <a:schemeClr val="accent1"/>
+          </a:effectRef>
+          <a:fontRef idx="minor">
+            <a:schemeClr val="lt1"/>
+          </a:fontRef>
+        </p:style>
+        <p:txBody>
+          <a:bodyPr rot="0" spcFirstLastPara="0" vertOverflow="overflow" horzOverflow="overflow" vert="horz" wrap="square" lIns="68580" tIns="34290" rIns="68580" bIns="34290" numCol="1" spcCol="0" rtlCol="0" fromWordArt="0" anchor="ctr" anchorCtr="0" forceAA="0" compatLnSpc="1">
+            <a:prstTxWarp prst="textNoShape">
+              <a:avLst/>
+            </a:prstTxWarp>
+            <a:noAutofit/>
+          </a:bodyPr>
+          <a:lstStyle/>
+          <a:p>
+            <a:pPr algn="ctr"/>
+            <a:endParaRPr lang="en-US" sz="1350" dirty="0">
+              <a:solidFill>
+                <a:schemeClr val="tx1"/>
+              </a:solidFill>
+            </a:endParaRPr>
+          </a:p>
+        </p:txBody>
+      </p:sp>
+      <p:sp>
+        <p:nvSpPr>
+          <p:cNvPr id="148" name="Rectangle 147">
+            <a:extLst>
+              <a:ext uri="{FF2B5EF4-FFF2-40B4-BE49-F238E27FC236}">
+                <a16:creationId xmlns:a16="http://schemas.microsoft.com/office/drawing/2014/main" id="{3C7FE441-77F8-3A4E-A903-D4872C1C0B92}"/>
+              </a:ext>
+            </a:extLst>
+          </p:cNvPr>
+          <p:cNvSpPr/>
+          <p:nvPr/>
+        </p:nvSpPr>
+        <p:spPr>
+          <a:xfrm>
+            <a:off x="1871332" y="2648711"/>
+            <a:ext cx="631877" cy="196751"/>
+          </a:xfrm>
+          <a:prstGeom prst="rect">
+            <a:avLst/>
+          </a:prstGeom>
+          <a:solidFill>
+            <a:schemeClr val="bg1"/>
+          </a:solidFill>
+        </p:spPr>
+        <p:style>
+          <a:lnRef idx="2">
+            <a:schemeClr val="accent1">
+              <a:shade val="50000"/>
+            </a:schemeClr>
+          </a:lnRef>
+          <a:fillRef idx="1">
+            <a:schemeClr val="accent1"/>
+          </a:fillRef>
+          <a:effectRef idx="0">
+            <a:schemeClr val="accent1"/>
+          </a:effectRef>
+          <a:fontRef idx="minor">
+            <a:schemeClr val="lt1"/>
+          </a:fontRef>
+        </p:style>
+        <p:txBody>
+          <a:bodyPr rot="0" spcFirstLastPara="0" vertOverflow="overflow" horzOverflow="overflow" vert="horz" wrap="square" lIns="68580" tIns="34290" rIns="68580" bIns="34290" numCol="1" spcCol="0" rtlCol="0" fromWordArt="0" anchor="ctr" anchorCtr="0" forceAA="0" compatLnSpc="1">
+            <a:prstTxWarp prst="textNoShape">
+              <a:avLst/>
+            </a:prstTxWarp>
+            <a:noAutofit/>
+          </a:bodyPr>
+          <a:lstStyle/>
+          <a:p>
+            <a:pPr algn="ctr"/>
+            <a:r>
+              <a:rPr lang="en-US" altLang="zh-CN" sz="1350" dirty="0">
+                <a:solidFill>
+                  <a:schemeClr val="tx1"/>
+                </a:solidFill>
+              </a:rPr>
+              <a:t>Send</a:t>
+            </a:r>
+            <a:endParaRPr lang="en-US" sz="1350" dirty="0">
+              <a:solidFill>
+                <a:schemeClr val="tx1"/>
+              </a:solidFill>
+            </a:endParaRPr>
+          </a:p>
+        </p:txBody>
+      </p:sp>
+      <p:sp>
+        <p:nvSpPr>
+          <p:cNvPr id="149" name="Rectangle 148">
+            <a:extLst>
+              <a:ext uri="{FF2B5EF4-FFF2-40B4-BE49-F238E27FC236}">
+                <a16:creationId xmlns:a16="http://schemas.microsoft.com/office/drawing/2014/main" id="{A82DEF60-0250-2845-B92B-521003FFBC71}"/>
+              </a:ext>
+            </a:extLst>
+          </p:cNvPr>
+          <p:cNvSpPr/>
+          <p:nvPr/>
+        </p:nvSpPr>
+        <p:spPr>
+          <a:xfrm>
+            <a:off x="1871332" y="2945337"/>
+            <a:ext cx="631877" cy="196751"/>
+          </a:xfrm>
+          <a:prstGeom prst="rect">
+            <a:avLst/>
+          </a:prstGeom>
+          <a:solidFill>
+            <a:schemeClr val="bg1"/>
+          </a:solidFill>
+        </p:spPr>
+        <p:style>
+          <a:lnRef idx="2">
+            <a:schemeClr val="accent1">
+              <a:shade val="50000"/>
+            </a:schemeClr>
+          </a:lnRef>
+          <a:fillRef idx="1">
+            <a:schemeClr val="accent1"/>
+          </a:fillRef>
+          <a:effectRef idx="0">
+            <a:schemeClr val="accent1"/>
+          </a:effectRef>
+          <a:fontRef idx="minor">
+            <a:schemeClr val="lt1"/>
+          </a:fontRef>
+        </p:style>
+        <p:txBody>
+          <a:bodyPr rot="0" spcFirstLastPara="0" vertOverflow="overflow" horzOverflow="overflow" vert="horz" wrap="square" lIns="68580" tIns="34290" rIns="68580" bIns="34290" numCol="1" spcCol="0" rtlCol="0" fromWordArt="0" anchor="ctr" anchorCtr="0" forceAA="0" compatLnSpc="1">
+            <a:prstTxWarp prst="textNoShape">
+              <a:avLst/>
+            </a:prstTxWarp>
+            <a:noAutofit/>
+          </a:bodyPr>
+          <a:lstStyle/>
+          <a:p>
+            <a:pPr algn="ctr"/>
+            <a:r>
+              <a:rPr lang="en-US" altLang="zh-CN" sz="1350" dirty="0" err="1">
+                <a:solidFill>
+                  <a:schemeClr val="tx1"/>
+                </a:solidFill>
+              </a:rPr>
+              <a:t>Rcv</a:t>
+            </a:r>
+            <a:endParaRPr lang="en-US" sz="1350" dirty="0">
+              <a:solidFill>
+                <a:schemeClr val="tx1"/>
+              </a:solidFill>
+            </a:endParaRPr>
+          </a:p>
+        </p:txBody>
+      </p:sp>
+      <p:sp>
+        <p:nvSpPr>
+          <p:cNvPr id="150" name="TextBox 149">
+            <a:extLst>
+              <a:ext uri="{FF2B5EF4-FFF2-40B4-BE49-F238E27FC236}">
+                <a16:creationId xmlns:a16="http://schemas.microsoft.com/office/drawing/2014/main" id="{46A80FCB-CCB3-044A-98E8-9B4E7098D0C9}"/>
+              </a:ext>
+            </a:extLst>
+          </p:cNvPr>
+          <p:cNvSpPr txBox="1"/>
+          <p:nvPr/>
+        </p:nvSpPr>
+        <p:spPr>
+          <a:xfrm>
+            <a:off x="1724826" y="2161793"/>
+            <a:ext cx="508473" cy="230832"/>
+          </a:xfrm>
+          <a:prstGeom prst="rect">
+            <a:avLst/>
+          </a:prstGeom>
+          <a:noFill/>
+        </p:spPr>
+        <p:txBody>
+          <a:bodyPr wrap="none" rtlCol="0">
+            <a:spAutoFit/>
+          </a:bodyPr>
+          <a:lstStyle/>
+          <a:p>
+            <a:r>
+              <a:rPr lang="en-US" altLang="zh-CN" sz="900" i="1" dirty="0"/>
+              <a:t>http[1]</a:t>
+            </a:r>
+            <a:endParaRPr lang="en-US" sz="1350" i="1" dirty="0"/>
+          </a:p>
+        </p:txBody>
+      </p:sp>
+      <p:sp>
+        <p:nvSpPr>
+          <p:cNvPr id="151" name="TextBox 150">
+            <a:extLst>
+              <a:ext uri="{FF2B5EF4-FFF2-40B4-BE49-F238E27FC236}">
+                <a16:creationId xmlns:a16="http://schemas.microsoft.com/office/drawing/2014/main" id="{2D4B3A0D-F946-9F4A-A548-A1C5C96B4E93}"/>
+              </a:ext>
+            </a:extLst>
+          </p:cNvPr>
+          <p:cNvSpPr txBox="1"/>
+          <p:nvPr/>
+        </p:nvSpPr>
+        <p:spPr>
+          <a:xfrm>
+            <a:off x="6120020" y="3294822"/>
+            <a:ext cx="1393587" cy="300082"/>
+          </a:xfrm>
+          <a:prstGeom prst="rect">
+            <a:avLst/>
+          </a:prstGeom>
+          <a:noFill/>
+        </p:spPr>
+        <p:txBody>
+          <a:bodyPr wrap="none" rtlCol="0">
+            <a:spAutoFit/>
+          </a:bodyPr>
+          <a:lstStyle/>
+          <a:p>
+            <a:r>
+              <a:rPr lang="en-US" altLang="zh-CN" sz="1350" i="1" dirty="0"/>
+              <a:t>http[1]:</a:t>
+            </a:r>
+            <a:r>
+              <a:rPr lang="zh-CN" altLang="en-US" sz="1350" i="1" dirty="0"/>
+              <a:t> 原生</a:t>
+            </a:r>
+            <a:r>
+              <a:rPr lang="en-US" altLang="zh-CN" sz="1350" i="1" dirty="0"/>
+              <a:t>http</a:t>
+            </a:r>
+            <a:endParaRPr lang="en-US" sz="1350" dirty="0"/>
+          </a:p>
+        </p:txBody>
+      </p:sp>
+      <p:sp>
+        <p:nvSpPr>
+          <p:cNvPr id="152" name="TextBox 151">
+            <a:extLst>
+              <a:ext uri="{FF2B5EF4-FFF2-40B4-BE49-F238E27FC236}">
+                <a16:creationId xmlns:a16="http://schemas.microsoft.com/office/drawing/2014/main" id="{0BD2BE86-D638-1142-913C-3C24FCC687EC}"/>
+              </a:ext>
+            </a:extLst>
+          </p:cNvPr>
+          <p:cNvSpPr txBox="1"/>
+          <p:nvPr/>
+        </p:nvSpPr>
+        <p:spPr>
+          <a:xfrm>
+            <a:off x="2143570" y="3933724"/>
+            <a:ext cx="2497207" cy="300082"/>
+          </a:xfrm>
+          <a:prstGeom prst="rect">
+            <a:avLst/>
+          </a:prstGeom>
+          <a:noFill/>
+        </p:spPr>
+        <p:txBody>
+          <a:bodyPr wrap="square" rtlCol="0">
+            <a:spAutoFit/>
+          </a:bodyPr>
+          <a:lstStyle/>
+          <a:p>
+            <a:r>
+              <a:rPr lang="zh-CN" altLang="en-US" sz="1350" dirty="0"/>
+              <a:t>默认的</a:t>
+            </a:r>
+            <a:r>
+              <a:rPr lang="en-US" altLang="zh-CN" sz="1350" dirty="0" err="1"/>
+              <a:t>HttpTransport</a:t>
+            </a:r>
+            <a:r>
+              <a:rPr lang="zh-CN" altLang="en-US" sz="1350" dirty="0"/>
+              <a:t>请求模型</a:t>
+            </a:r>
+            <a:endParaRPr lang="en-US" sz="1350" dirty="0"/>
+          </a:p>
+        </p:txBody>
+      </p:sp>
+      <p:cxnSp>
+        <p:nvCxnSpPr>
+          <p:cNvPr id="40" name="Straight Arrow Connector 39">
+            <a:extLst>
+              <a:ext uri="{FF2B5EF4-FFF2-40B4-BE49-F238E27FC236}">
+                <a16:creationId xmlns:a16="http://schemas.microsoft.com/office/drawing/2014/main" id="{C152E739-B309-4A46-9E57-37E1DADD15B6}"/>
+              </a:ext>
+            </a:extLst>
+          </p:cNvPr>
+          <p:cNvCxnSpPr>
+            <a:cxnSpLocks/>
+            <a:stCxn id="106" idx="1"/>
+            <a:endCxn id="149" idx="3"/>
+          </p:cNvCxnSpPr>
+          <p:nvPr/>
+        </p:nvCxnSpPr>
+        <p:spPr>
+          <a:xfrm flipH="1" flipV="1">
+            <a:off x="2503209" y="3043713"/>
+            <a:ext cx="1519374" cy="2704"/>
+          </a:xfrm>
+          <a:prstGeom prst="straightConnector1">
+            <a:avLst/>
+          </a:prstGeom>
+          <a:ln>
+            <a:tailEnd type="triangle"/>
+          </a:ln>
+        </p:spPr>
+        <p:style>
+          <a:lnRef idx="1">
+            <a:schemeClr val="accent1"/>
+          </a:lnRef>
+          <a:fillRef idx="0">
+            <a:schemeClr val="accent1"/>
+          </a:fillRef>
+          <a:effectRef idx="0">
+            <a:schemeClr val="accent1"/>
+          </a:effectRef>
+          <a:fontRef idx="minor">
+            <a:schemeClr val="tx1"/>
+          </a:fontRef>
+        </p:style>
+      </p:cxnSp>
+      <p:cxnSp>
+        <p:nvCxnSpPr>
+          <p:cNvPr id="43" name="Straight Arrow Connector 42">
+            <a:extLst>
+              <a:ext uri="{FF2B5EF4-FFF2-40B4-BE49-F238E27FC236}">
+                <a16:creationId xmlns:a16="http://schemas.microsoft.com/office/drawing/2014/main" id="{0477C555-A4DA-8C47-AEB5-D35AEE71122E}"/>
+              </a:ext>
+            </a:extLst>
+          </p:cNvPr>
+          <p:cNvCxnSpPr>
+            <a:cxnSpLocks/>
+            <a:stCxn id="148" idx="3"/>
+            <a:endCxn id="105" idx="1"/>
+          </p:cNvCxnSpPr>
+          <p:nvPr/>
+        </p:nvCxnSpPr>
+        <p:spPr>
+          <a:xfrm>
+            <a:off x="2503209" y="2747087"/>
+            <a:ext cx="1527034" cy="14894"/>
+          </a:xfrm>
+          <a:prstGeom prst="straightConnector1">
+            <a:avLst/>
+          </a:prstGeom>
+          <a:ln>
+            <a:tailEnd type="triangle"/>
+          </a:ln>
+        </p:spPr>
+        <p:style>
+          <a:lnRef idx="1">
+            <a:schemeClr val="accent1"/>
+          </a:lnRef>
+          <a:fillRef idx="0">
+            <a:schemeClr val="accent1"/>
+          </a:fillRef>
+          <a:effectRef idx="0">
+            <a:schemeClr val="accent1"/>
+          </a:effectRef>
+          <a:fontRef idx="minor">
+            <a:schemeClr val="tx1"/>
+          </a:fontRef>
+        </p:style>
+      </p:cxnSp>
+      <p:pic>
+        <p:nvPicPr>
+          <p:cNvPr id="5" name="Picture 4">
+            <a:extLst>
+              <a:ext uri="{FF2B5EF4-FFF2-40B4-BE49-F238E27FC236}">
+                <a16:creationId xmlns:a16="http://schemas.microsoft.com/office/drawing/2014/main" id="{CF8799C1-E24F-E644-A706-EEC445D0E722}"/>
+              </a:ext>
+            </a:extLst>
+          </p:cNvPr>
+          <p:cNvPicPr>
+            <a:picLocks noChangeAspect="1"/>
+          </p:cNvPicPr>
+          <p:nvPr/>
+        </p:nvPicPr>
+        <p:blipFill>
+          <a:blip r:embed="rId3"/>
+          <a:stretch>
+            <a:fillRect/>
+          </a:stretch>
+        </p:blipFill>
+        <p:spPr>
+          <a:xfrm>
+            <a:off x="0" y="976392"/>
+            <a:ext cx="1205324" cy="749300"/>
+          </a:xfrm>
+          <a:prstGeom prst="rect">
+            <a:avLst/>
+          </a:prstGeom>
+        </p:spPr>
+      </p:pic>
     </p:spTree>
+    <p:extLst>
+      <p:ext uri="{BB962C8B-B14F-4D97-AF65-F5344CB8AC3E}">
+        <p14:creationId xmlns:p14="http://schemas.microsoft.com/office/powerpoint/2010/main" val="1560500487"/>
+      </p:ext>
+    </p:extLst>
   </p:cSld>
   <p:clrMapOvr>
     <a:masterClrMapping/>
@@ -5085,6 +7562,906 @@
       </p:grpSpPr>
       <p:sp>
         <p:nvSpPr>
+          <p:cNvPr id="5" name="TextBox 4">
+            <a:extLst>
+              <a:ext uri="{FF2B5EF4-FFF2-40B4-BE49-F238E27FC236}">
+                <a16:creationId xmlns:a16="http://schemas.microsoft.com/office/drawing/2014/main" id="{48D888AF-43EF-7543-87AB-A59B8C1FADDE}"/>
+              </a:ext>
+            </a:extLst>
+          </p:cNvPr>
+          <p:cNvSpPr txBox="1"/>
+          <p:nvPr/>
+        </p:nvSpPr>
+        <p:spPr>
+          <a:xfrm>
+            <a:off x="762000" y="1013460"/>
+            <a:ext cx="184731" cy="369332"/>
+          </a:xfrm>
+          <a:prstGeom prst="rect">
+            <a:avLst/>
+          </a:prstGeom>
+          <a:noFill/>
+        </p:spPr>
+        <p:txBody>
+          <a:bodyPr wrap="none" rtlCol="0">
+            <a:spAutoFit/>
+          </a:bodyPr>
+          <a:lstStyle/>
+          <a:p>
+            <a:endParaRPr lang="en-US"/>
+          </a:p>
+        </p:txBody>
+      </p:sp>
+      <p:sp>
+        <p:nvSpPr>
+          <p:cNvPr id="7" name="object 2">
+            <a:extLst>
+              <a:ext uri="{FF2B5EF4-FFF2-40B4-BE49-F238E27FC236}">
+                <a16:creationId xmlns:a16="http://schemas.microsoft.com/office/drawing/2014/main" id="{E5719FE4-BF63-9D43-866E-DE23CC48C387}"/>
+              </a:ext>
+            </a:extLst>
+          </p:cNvPr>
+          <p:cNvSpPr txBox="1">
+            <a:spLocks noGrp="1"/>
+          </p:cNvSpPr>
+          <p:nvPr>
+            <p:ph type="title"/>
+          </p:nvPr>
+        </p:nvSpPr>
+        <p:spPr>
+          <a:xfrm>
+            <a:off x="384725" y="535134"/>
+            <a:ext cx="4339676" cy="482600"/>
+          </a:xfrm>
+          <a:prstGeom prst="rect">
+            <a:avLst/>
+          </a:prstGeom>
+        </p:spPr>
+        <p:txBody>
+          <a:bodyPr vert="horz" wrap="square" lIns="0" tIns="12700" rIns="0" bIns="0" rtlCol="0">
+            <a:spAutoFit/>
+          </a:bodyPr>
+          <a:lstStyle/>
+          <a:p>
+            <a:pPr marL="12700">
+              <a:lnSpc>
+                <a:spcPct val="100000"/>
+              </a:lnSpc>
+              <a:spcBef>
+                <a:spcPts val="100"/>
+              </a:spcBef>
+              <a:tabLst>
+                <a:tab pos="4126865" algn="l"/>
+              </a:tabLst>
+            </a:pPr>
+            <a:r>
+              <a:rPr lang="en-US" altLang="zh-CN" sz="3000" b="1" dirty="0">
+                <a:solidFill>
+                  <a:srgbClr val="424242"/>
+                </a:solidFill>
+                <a:latin typeface="Arial"/>
+                <a:cs typeface="Arial"/>
+              </a:rPr>
+              <a:t>Transport</a:t>
+            </a:r>
+            <a:r>
+              <a:rPr lang="zh-CN" altLang="en-US" sz="3000" b="1" dirty="0">
+                <a:solidFill>
+                  <a:srgbClr val="424242"/>
+                </a:solidFill>
+                <a:latin typeface="Arial"/>
+                <a:cs typeface="Arial"/>
+              </a:rPr>
+              <a:t> 的分类</a:t>
+            </a:r>
+            <a:endParaRPr sz="3000" dirty="0">
+              <a:latin typeface="Arial"/>
+              <a:cs typeface="Arial"/>
+            </a:endParaRPr>
+          </a:p>
+        </p:txBody>
+      </p:sp>
+      <p:pic>
+        <p:nvPicPr>
+          <p:cNvPr id="13" name="Picture 12">
+            <a:extLst>
+              <a:ext uri="{FF2B5EF4-FFF2-40B4-BE49-F238E27FC236}">
+                <a16:creationId xmlns:a16="http://schemas.microsoft.com/office/drawing/2014/main" id="{28020BB4-9CF6-564C-86A5-AD649AB8742E}"/>
+              </a:ext>
+            </a:extLst>
+          </p:cNvPr>
+          <p:cNvPicPr>
+            <a:picLocks noChangeAspect="1"/>
+          </p:cNvPicPr>
+          <p:nvPr/>
+        </p:nvPicPr>
+        <p:blipFill>
+          <a:blip r:embed="rId3"/>
+          <a:stretch>
+            <a:fillRect/>
+          </a:stretch>
+        </p:blipFill>
+        <p:spPr>
+          <a:xfrm>
+            <a:off x="579666" y="1382792"/>
+            <a:ext cx="4144735" cy="3223683"/>
+          </a:xfrm>
+          <a:prstGeom prst="rect">
+            <a:avLst/>
+          </a:prstGeom>
+        </p:spPr>
+      </p:pic>
+    </p:spTree>
+    <p:extLst>
+      <p:ext uri="{BB962C8B-B14F-4D97-AF65-F5344CB8AC3E}">
+        <p14:creationId xmlns:p14="http://schemas.microsoft.com/office/powerpoint/2010/main" val="1007403222"/>
+      </p:ext>
+    </p:extLst>
+  </p:cSld>
+  <p:clrMapOvr>
+    <a:masterClrMapping/>
+  </p:clrMapOvr>
+</p:sld>
+</file>
+
+<file path=ppt/slides/slide15.xml><?xml version="1.0" encoding="utf-8"?>
+<p:sld xmlns:a="http://schemas.openxmlformats.org/drawingml/2006/main" xmlns:r="http://schemas.openxmlformats.org/officeDocument/2006/relationships" xmlns:p="http://schemas.openxmlformats.org/presentationml/2006/main">
+  <p:cSld>
+    <p:spTree>
+      <p:nvGrpSpPr>
+        <p:cNvPr id="1" name=""/>
+        <p:cNvGrpSpPr/>
+        <p:nvPr/>
+      </p:nvGrpSpPr>
+      <p:grpSpPr>
+        <a:xfrm>
+          <a:off x="0" y="0"/>
+          <a:ext cx="0" cy="0"/>
+          <a:chOff x="0" y="0"/>
+          <a:chExt cx="0" cy="0"/>
+        </a:xfrm>
+      </p:grpSpPr>
+      <p:sp>
+        <p:nvSpPr>
+          <p:cNvPr id="5" name="object 2">
+            <a:extLst>
+              <a:ext uri="{FF2B5EF4-FFF2-40B4-BE49-F238E27FC236}">
+                <a16:creationId xmlns:a16="http://schemas.microsoft.com/office/drawing/2014/main" id="{A561E414-8A41-5E48-A989-217A1E228B7C}"/>
+              </a:ext>
+            </a:extLst>
+          </p:cNvPr>
+          <p:cNvSpPr txBox="1">
+            <a:spLocks/>
+          </p:cNvSpPr>
+          <p:nvPr/>
+        </p:nvSpPr>
+        <p:spPr>
+          <a:xfrm>
+            <a:off x="384725" y="535134"/>
+            <a:ext cx="4339676" cy="482600"/>
+          </a:xfrm>
+          <a:prstGeom prst="rect">
+            <a:avLst/>
+          </a:prstGeom>
+        </p:spPr>
+        <p:txBody>
+          <a:bodyPr vert="horz" wrap="square" lIns="0" tIns="12700" rIns="0" bIns="0" rtlCol="0">
+            <a:spAutoFit/>
+          </a:bodyPr>
+          <a:lstStyle>
+            <a:lvl1pPr>
+              <a:defRPr sz="5400" b="0" i="0">
+                <a:solidFill>
+                  <a:schemeClr val="bg1"/>
+                </a:solidFill>
+                <a:latin typeface="Arial Black"/>
+                <a:ea typeface="+mj-ea"/>
+                <a:cs typeface="Arial Black"/>
+              </a:defRPr>
+            </a:lvl1pPr>
+          </a:lstStyle>
+          <a:p>
+            <a:pPr marL="12700">
+              <a:spcBef>
+                <a:spcPts val="100"/>
+              </a:spcBef>
+              <a:tabLst>
+                <a:tab pos="4126865" algn="l"/>
+              </a:tabLst>
+            </a:pPr>
+            <a:r>
+              <a:rPr lang="en-US" altLang="zh-CN" sz="3000" b="1" kern="0" dirty="0">
+                <a:solidFill>
+                  <a:srgbClr val="424242"/>
+                </a:solidFill>
+                <a:latin typeface="Arial"/>
+                <a:cs typeface="Arial"/>
+              </a:rPr>
+              <a:t>Transport </a:t>
+            </a:r>
+            <a:r>
+              <a:rPr lang="zh-CN" altLang="en-US" sz="3000" b="1" kern="0" dirty="0">
+                <a:solidFill>
+                  <a:srgbClr val="424242"/>
+                </a:solidFill>
+                <a:latin typeface="Arial"/>
+                <a:cs typeface="Arial"/>
+              </a:rPr>
+              <a:t>的分类</a:t>
+            </a:r>
+            <a:endParaRPr lang="zh-CN" altLang="en-US" sz="3000" kern="0" dirty="0">
+              <a:latin typeface="Arial"/>
+              <a:cs typeface="Arial"/>
+            </a:endParaRPr>
+          </a:p>
+        </p:txBody>
+      </p:sp>
+    </p:spTree>
+    <p:extLst>
+      <p:ext uri="{BB962C8B-B14F-4D97-AF65-F5344CB8AC3E}">
+        <p14:creationId xmlns:p14="http://schemas.microsoft.com/office/powerpoint/2010/main" val="360434727"/>
+      </p:ext>
+    </p:extLst>
+  </p:cSld>
+  <p:clrMapOvr>
+    <a:masterClrMapping/>
+  </p:clrMapOvr>
+</p:sld>
+</file>
+
+<file path=ppt/slides/slide16.xml><?xml version="1.0" encoding="utf-8"?>
+<p:sld xmlns:a="http://schemas.openxmlformats.org/drawingml/2006/main" xmlns:r="http://schemas.openxmlformats.org/officeDocument/2006/relationships" xmlns:p="http://schemas.openxmlformats.org/presentationml/2006/main">
+  <p:cSld>
+    <p:spTree>
+      <p:nvGrpSpPr>
+        <p:cNvPr id="1" name=""/>
+        <p:cNvGrpSpPr/>
+        <p:nvPr/>
+      </p:nvGrpSpPr>
+      <p:grpSpPr>
+        <a:xfrm>
+          <a:off x="0" y="0"/>
+          <a:ext cx="0" cy="0"/>
+          <a:chOff x="0" y="0"/>
+          <a:chExt cx="0" cy="0"/>
+        </a:xfrm>
+      </p:grpSpPr>
+      <p:sp>
+        <p:nvSpPr>
+          <p:cNvPr id="4" name="Title 3">
+            <a:extLst>
+              <a:ext uri="{FF2B5EF4-FFF2-40B4-BE49-F238E27FC236}">
+                <a16:creationId xmlns:a16="http://schemas.microsoft.com/office/drawing/2014/main" id="{9D8B0409-D0B9-EB4F-99FB-E0A96EAD36AC}"/>
+              </a:ext>
+            </a:extLst>
+          </p:cNvPr>
+          <p:cNvSpPr>
+            <a:spLocks noGrp="1"/>
+          </p:cNvSpPr>
+          <p:nvPr>
+            <p:ph type="title"/>
+          </p:nvPr>
+        </p:nvSpPr>
+        <p:spPr>
+          <a:xfrm>
+            <a:off x="3657600" y="2343150"/>
+            <a:ext cx="1524001" cy="553998"/>
+          </a:xfrm>
+        </p:spPr>
+        <p:txBody>
+          <a:bodyPr/>
+          <a:lstStyle/>
+          <a:p>
+            <a:r>
+              <a:rPr lang="zh-CN" altLang="en-US" sz="3600" dirty="0"/>
+              <a:t>插件化</a:t>
+            </a:r>
+            <a:endParaRPr lang="en-US" sz="3600" dirty="0"/>
+          </a:p>
+        </p:txBody>
+      </p:sp>
+    </p:spTree>
+  </p:cSld>
+  <p:clrMapOvr>
+    <a:masterClrMapping/>
+  </p:clrMapOvr>
+</p:sld>
+</file>
+
+<file path=ppt/slides/slide17.xml><?xml version="1.0" encoding="utf-8"?>
+<p:sld xmlns:a="http://schemas.openxmlformats.org/drawingml/2006/main" xmlns:r="http://schemas.openxmlformats.org/officeDocument/2006/relationships" xmlns:p="http://schemas.openxmlformats.org/presentationml/2006/main">
+  <p:cSld>
+    <p:spTree>
+      <p:nvGrpSpPr>
+        <p:cNvPr id="1" name=""/>
+        <p:cNvGrpSpPr/>
+        <p:nvPr/>
+      </p:nvGrpSpPr>
+      <p:grpSpPr>
+        <a:xfrm>
+          <a:off x="0" y="0"/>
+          <a:ext cx="0" cy="0"/>
+          <a:chOff x="0" y="0"/>
+          <a:chExt cx="0" cy="0"/>
+        </a:xfrm>
+      </p:grpSpPr>
+      <p:sp>
+        <p:nvSpPr>
+          <p:cNvPr id="5" name="object 6">
+            <a:extLst>
+              <a:ext uri="{FF2B5EF4-FFF2-40B4-BE49-F238E27FC236}">
+                <a16:creationId xmlns:a16="http://schemas.microsoft.com/office/drawing/2014/main" id="{657AE653-8EDB-4948-9540-2923EE7FF349}"/>
+              </a:ext>
+            </a:extLst>
+          </p:cNvPr>
+          <p:cNvSpPr/>
+          <p:nvPr/>
+        </p:nvSpPr>
+        <p:spPr>
+          <a:xfrm>
+            <a:off x="2221300" y="1333694"/>
+            <a:ext cx="4711700" cy="1691639"/>
+          </a:xfrm>
+          <a:custGeom>
+            <a:avLst/>
+            <a:gdLst/>
+            <a:ahLst/>
+            <a:cxnLst/>
+            <a:rect l="l" t="t" r="r" b="b"/>
+            <a:pathLst>
+              <a:path w="4711700" h="1691639">
+                <a:moveTo>
+                  <a:pt x="0" y="0"/>
+                </a:moveTo>
+                <a:lnTo>
+                  <a:pt x="4711190" y="0"/>
+                </a:lnTo>
+                <a:lnTo>
+                  <a:pt x="4711190" y="1691396"/>
+                </a:lnTo>
+                <a:lnTo>
+                  <a:pt x="0" y="1691396"/>
+                </a:lnTo>
+                <a:lnTo>
+                  <a:pt x="0" y="0"/>
+                </a:lnTo>
+                <a:close/>
+              </a:path>
+            </a:pathLst>
+          </a:custGeom>
+          <a:ln w="9524">
+            <a:solidFill>
+              <a:srgbClr val="424242"/>
+            </a:solidFill>
+          </a:ln>
+        </p:spPr>
+        <p:txBody>
+          <a:bodyPr wrap="square" lIns="0" tIns="0" rIns="0" bIns="0" rtlCol="0"/>
+          <a:lstStyle/>
+          <a:p>
+            <a:endParaRPr/>
+          </a:p>
+        </p:txBody>
+      </p:sp>
+      <p:sp>
+        <p:nvSpPr>
+          <p:cNvPr id="6" name="object 7">
+            <a:extLst>
+              <a:ext uri="{FF2B5EF4-FFF2-40B4-BE49-F238E27FC236}">
+                <a16:creationId xmlns:a16="http://schemas.microsoft.com/office/drawing/2014/main" id="{138A166C-9229-AE44-B325-308E59B38B6A}"/>
+              </a:ext>
+            </a:extLst>
+          </p:cNvPr>
+          <p:cNvSpPr txBox="1"/>
+          <p:nvPr/>
+        </p:nvSpPr>
+        <p:spPr>
+          <a:xfrm>
+            <a:off x="2286000" y="1422869"/>
+            <a:ext cx="4572000" cy="416559"/>
+          </a:xfrm>
+          <a:prstGeom prst="rect">
+            <a:avLst/>
+          </a:prstGeom>
+          <a:ln w="9524">
+            <a:solidFill>
+              <a:srgbClr val="424242"/>
+            </a:solidFill>
+          </a:ln>
+        </p:spPr>
+        <p:txBody>
+          <a:bodyPr vert="horz" wrap="square" lIns="0" tIns="111125" rIns="0" bIns="0" rtlCol="0">
+            <a:spAutoFit/>
+          </a:bodyPr>
+          <a:lstStyle/>
+          <a:p>
+            <a:pPr algn="ctr">
+              <a:lnSpc>
+                <a:spcPct val="100000"/>
+              </a:lnSpc>
+              <a:spcBef>
+                <a:spcPts val="875"/>
+              </a:spcBef>
+            </a:pPr>
+            <a:r>
+              <a:rPr sz="1200" spc="-5" dirty="0">
+                <a:latin typeface="Arial"/>
+                <a:cs typeface="Arial"/>
+              </a:rPr>
+              <a:t>Service</a:t>
+            </a:r>
+            <a:endParaRPr sz="1200">
+              <a:latin typeface="Arial"/>
+              <a:cs typeface="Arial"/>
+            </a:endParaRPr>
+          </a:p>
+        </p:txBody>
+      </p:sp>
+      <p:sp>
+        <p:nvSpPr>
+          <p:cNvPr id="7" name="object 8">
+            <a:extLst>
+              <a:ext uri="{FF2B5EF4-FFF2-40B4-BE49-F238E27FC236}">
+                <a16:creationId xmlns:a16="http://schemas.microsoft.com/office/drawing/2014/main" id="{B70D2A35-4801-3A4E-9CA6-FB8610553836}"/>
+              </a:ext>
+            </a:extLst>
+          </p:cNvPr>
+          <p:cNvSpPr txBox="1"/>
+          <p:nvPr/>
+        </p:nvSpPr>
+        <p:spPr>
+          <a:xfrm>
+            <a:off x="2286000" y="1967743"/>
+            <a:ext cx="2264410" cy="416559"/>
+          </a:xfrm>
+          <a:prstGeom prst="rect">
+            <a:avLst/>
+          </a:prstGeom>
+          <a:ln w="9524">
+            <a:solidFill>
+              <a:srgbClr val="424242"/>
+            </a:solidFill>
+          </a:ln>
+        </p:spPr>
+        <p:txBody>
+          <a:bodyPr vert="horz" wrap="square" lIns="0" tIns="111125" rIns="0" bIns="0" rtlCol="0">
+            <a:spAutoFit/>
+          </a:bodyPr>
+          <a:lstStyle/>
+          <a:p>
+            <a:pPr algn="ctr">
+              <a:lnSpc>
+                <a:spcPct val="100000"/>
+              </a:lnSpc>
+              <a:spcBef>
+                <a:spcPts val="875"/>
+              </a:spcBef>
+            </a:pPr>
+            <a:r>
+              <a:rPr sz="1200" spc="-5" dirty="0">
+                <a:latin typeface="Arial"/>
+                <a:cs typeface="Arial"/>
+              </a:rPr>
+              <a:t>Client</a:t>
+            </a:r>
+            <a:endParaRPr sz="1200" dirty="0">
+              <a:latin typeface="Arial"/>
+              <a:cs typeface="Arial"/>
+            </a:endParaRPr>
+          </a:p>
+        </p:txBody>
+      </p:sp>
+      <p:sp>
+        <p:nvSpPr>
+          <p:cNvPr id="8" name="object 9">
+            <a:extLst>
+              <a:ext uri="{FF2B5EF4-FFF2-40B4-BE49-F238E27FC236}">
+                <a16:creationId xmlns:a16="http://schemas.microsoft.com/office/drawing/2014/main" id="{153B5B69-1AD0-AD4A-8E1D-A4AD236813CA}"/>
+              </a:ext>
+            </a:extLst>
+          </p:cNvPr>
+          <p:cNvSpPr txBox="1"/>
+          <p:nvPr/>
+        </p:nvSpPr>
+        <p:spPr>
+          <a:xfrm>
+            <a:off x="4618745" y="1967743"/>
+            <a:ext cx="2239645" cy="416559"/>
+          </a:xfrm>
+          <a:prstGeom prst="rect">
+            <a:avLst/>
+          </a:prstGeom>
+          <a:ln w="9524">
+            <a:solidFill>
+              <a:srgbClr val="424242"/>
+            </a:solidFill>
+          </a:ln>
+        </p:spPr>
+        <p:txBody>
+          <a:bodyPr vert="horz" wrap="square" lIns="0" tIns="111125" rIns="0" bIns="0" rtlCol="0">
+            <a:spAutoFit/>
+          </a:bodyPr>
+          <a:lstStyle/>
+          <a:p>
+            <a:pPr algn="ctr">
+              <a:lnSpc>
+                <a:spcPct val="100000"/>
+              </a:lnSpc>
+              <a:spcBef>
+                <a:spcPts val="875"/>
+              </a:spcBef>
+            </a:pPr>
+            <a:r>
+              <a:rPr sz="1200" spc="-5" dirty="0">
+                <a:latin typeface="Arial"/>
+                <a:cs typeface="Arial"/>
+              </a:rPr>
+              <a:t>Server</a:t>
+            </a:r>
+            <a:endParaRPr sz="1200">
+              <a:latin typeface="Arial"/>
+              <a:cs typeface="Arial"/>
+            </a:endParaRPr>
+          </a:p>
+        </p:txBody>
+      </p:sp>
+      <p:sp>
+        <p:nvSpPr>
+          <p:cNvPr id="9" name="object 10">
+            <a:extLst>
+              <a:ext uri="{FF2B5EF4-FFF2-40B4-BE49-F238E27FC236}">
+                <a16:creationId xmlns:a16="http://schemas.microsoft.com/office/drawing/2014/main" id="{4FCFAF97-392D-B040-8E6F-3FA47225A941}"/>
+              </a:ext>
+            </a:extLst>
+          </p:cNvPr>
+          <p:cNvSpPr txBox="1"/>
+          <p:nvPr/>
+        </p:nvSpPr>
+        <p:spPr>
+          <a:xfrm>
+            <a:off x="5995792" y="2512592"/>
+            <a:ext cx="862965" cy="416559"/>
+          </a:xfrm>
+          <a:prstGeom prst="rect">
+            <a:avLst/>
+          </a:prstGeom>
+          <a:ln w="9524">
+            <a:solidFill>
+              <a:srgbClr val="424242"/>
+            </a:solidFill>
+          </a:ln>
+        </p:spPr>
+        <p:txBody>
+          <a:bodyPr vert="horz" wrap="square" lIns="0" tIns="111125" rIns="0" bIns="0" rtlCol="0">
+            <a:spAutoFit/>
+          </a:bodyPr>
+          <a:lstStyle/>
+          <a:p>
+            <a:pPr marL="104775">
+              <a:lnSpc>
+                <a:spcPct val="100000"/>
+              </a:lnSpc>
+              <a:spcBef>
+                <a:spcPts val="875"/>
+              </a:spcBef>
+            </a:pPr>
+            <a:r>
+              <a:rPr sz="1200" spc="-5" dirty="0">
+                <a:latin typeface="Arial"/>
+                <a:cs typeface="Arial"/>
+              </a:rPr>
+              <a:t>Transport</a:t>
+            </a:r>
+            <a:endParaRPr sz="1200">
+              <a:latin typeface="Arial"/>
+              <a:cs typeface="Arial"/>
+            </a:endParaRPr>
+          </a:p>
+        </p:txBody>
+      </p:sp>
+      <p:sp>
+        <p:nvSpPr>
+          <p:cNvPr id="10" name="object 11">
+            <a:extLst>
+              <a:ext uri="{FF2B5EF4-FFF2-40B4-BE49-F238E27FC236}">
+                <a16:creationId xmlns:a16="http://schemas.microsoft.com/office/drawing/2014/main" id="{D5FA6C2D-F21F-A04E-908D-6D6DF5258125}"/>
+              </a:ext>
+            </a:extLst>
+          </p:cNvPr>
+          <p:cNvSpPr txBox="1"/>
+          <p:nvPr/>
+        </p:nvSpPr>
+        <p:spPr>
+          <a:xfrm>
+            <a:off x="5068344" y="2512617"/>
+            <a:ext cx="862965" cy="416559"/>
+          </a:xfrm>
+          <a:prstGeom prst="rect">
+            <a:avLst/>
+          </a:prstGeom>
+          <a:ln w="9524">
+            <a:solidFill>
+              <a:srgbClr val="424242"/>
+            </a:solidFill>
+          </a:ln>
+        </p:spPr>
+        <p:txBody>
+          <a:bodyPr vert="horz" wrap="square" lIns="0" tIns="111125" rIns="0" bIns="0" rtlCol="0">
+            <a:spAutoFit/>
+          </a:bodyPr>
+          <a:lstStyle/>
+          <a:p>
+            <a:pPr marL="151130">
+              <a:lnSpc>
+                <a:spcPct val="100000"/>
+              </a:lnSpc>
+              <a:spcBef>
+                <a:spcPts val="875"/>
+              </a:spcBef>
+            </a:pPr>
+            <a:r>
+              <a:rPr sz="1200" spc="-5" dirty="0">
+                <a:latin typeface="Arial"/>
+                <a:cs typeface="Arial"/>
+              </a:rPr>
+              <a:t>Selector</a:t>
+            </a:r>
+            <a:endParaRPr sz="1200">
+              <a:latin typeface="Arial"/>
+              <a:cs typeface="Arial"/>
+            </a:endParaRPr>
+          </a:p>
+        </p:txBody>
+      </p:sp>
+      <p:sp>
+        <p:nvSpPr>
+          <p:cNvPr id="11" name="object 12">
+            <a:extLst>
+              <a:ext uri="{FF2B5EF4-FFF2-40B4-BE49-F238E27FC236}">
+                <a16:creationId xmlns:a16="http://schemas.microsoft.com/office/drawing/2014/main" id="{79ABA3D5-4048-324E-A0A0-17B18099295B}"/>
+              </a:ext>
+            </a:extLst>
+          </p:cNvPr>
+          <p:cNvSpPr txBox="1"/>
+          <p:nvPr/>
+        </p:nvSpPr>
+        <p:spPr>
+          <a:xfrm>
+            <a:off x="4140896" y="2512617"/>
+            <a:ext cx="862965" cy="416559"/>
+          </a:xfrm>
+          <a:prstGeom prst="rect">
+            <a:avLst/>
+          </a:prstGeom>
+          <a:ln w="9524">
+            <a:solidFill>
+              <a:srgbClr val="424242"/>
+            </a:solidFill>
+          </a:ln>
+        </p:spPr>
+        <p:txBody>
+          <a:bodyPr vert="horz" wrap="square" lIns="0" tIns="111125" rIns="0" bIns="0" rtlCol="0">
+            <a:spAutoFit/>
+          </a:bodyPr>
+          <a:lstStyle/>
+          <a:p>
+            <a:pPr marL="151765">
+              <a:lnSpc>
+                <a:spcPct val="100000"/>
+              </a:lnSpc>
+              <a:spcBef>
+                <a:spcPts val="875"/>
+              </a:spcBef>
+            </a:pPr>
+            <a:r>
+              <a:rPr sz="1200" spc="-5" dirty="0">
+                <a:latin typeface="Arial"/>
+                <a:cs typeface="Arial"/>
+              </a:rPr>
+              <a:t>Registry</a:t>
+            </a:r>
+            <a:endParaRPr sz="1200">
+              <a:latin typeface="Arial"/>
+              <a:cs typeface="Arial"/>
+            </a:endParaRPr>
+          </a:p>
+        </p:txBody>
+      </p:sp>
+      <p:sp>
+        <p:nvSpPr>
+          <p:cNvPr id="12" name="object 13">
+            <a:extLst>
+              <a:ext uri="{FF2B5EF4-FFF2-40B4-BE49-F238E27FC236}">
+                <a16:creationId xmlns:a16="http://schemas.microsoft.com/office/drawing/2014/main" id="{73F719D0-20F3-1D47-BA0C-CAD899D08049}"/>
+              </a:ext>
+            </a:extLst>
+          </p:cNvPr>
+          <p:cNvSpPr txBox="1"/>
+          <p:nvPr/>
+        </p:nvSpPr>
+        <p:spPr>
+          <a:xfrm>
+            <a:off x="3213448" y="2512617"/>
+            <a:ext cx="862965" cy="416559"/>
+          </a:xfrm>
+          <a:prstGeom prst="rect">
+            <a:avLst/>
+          </a:prstGeom>
+          <a:ln w="9524">
+            <a:solidFill>
+              <a:srgbClr val="424242"/>
+            </a:solidFill>
+          </a:ln>
+        </p:spPr>
+        <p:txBody>
+          <a:bodyPr vert="horz" wrap="square" lIns="0" tIns="111125" rIns="0" bIns="0" rtlCol="0">
+            <a:spAutoFit/>
+          </a:bodyPr>
+          <a:lstStyle/>
+          <a:p>
+            <a:pPr marL="210820">
+              <a:lnSpc>
+                <a:spcPct val="100000"/>
+              </a:lnSpc>
+              <a:spcBef>
+                <a:spcPts val="875"/>
+              </a:spcBef>
+            </a:pPr>
+            <a:r>
+              <a:rPr sz="1200" spc="-5" dirty="0">
+                <a:latin typeface="Arial"/>
+                <a:cs typeface="Arial"/>
+              </a:rPr>
+              <a:t>Codec</a:t>
+            </a:r>
+            <a:endParaRPr sz="1200" dirty="0">
+              <a:latin typeface="Arial"/>
+              <a:cs typeface="Arial"/>
+            </a:endParaRPr>
+          </a:p>
+        </p:txBody>
+      </p:sp>
+      <p:sp>
+        <p:nvSpPr>
+          <p:cNvPr id="13" name="object 14">
+            <a:extLst>
+              <a:ext uri="{FF2B5EF4-FFF2-40B4-BE49-F238E27FC236}">
+                <a16:creationId xmlns:a16="http://schemas.microsoft.com/office/drawing/2014/main" id="{1B466B2B-46AC-D44C-9D3A-FD621BB65CFD}"/>
+              </a:ext>
+            </a:extLst>
+          </p:cNvPr>
+          <p:cNvSpPr txBox="1"/>
+          <p:nvPr/>
+        </p:nvSpPr>
+        <p:spPr>
+          <a:xfrm>
+            <a:off x="2286000" y="2512617"/>
+            <a:ext cx="862965" cy="416559"/>
+          </a:xfrm>
+          <a:prstGeom prst="rect">
+            <a:avLst/>
+          </a:prstGeom>
+          <a:ln w="9524">
+            <a:solidFill>
+              <a:srgbClr val="424242"/>
+            </a:solidFill>
+          </a:ln>
+        </p:spPr>
+        <p:txBody>
+          <a:bodyPr vert="horz" wrap="square" lIns="0" tIns="111125" rIns="0" bIns="0" rtlCol="0">
+            <a:spAutoFit/>
+          </a:bodyPr>
+          <a:lstStyle/>
+          <a:p>
+            <a:pPr marL="206375">
+              <a:lnSpc>
+                <a:spcPct val="100000"/>
+              </a:lnSpc>
+              <a:spcBef>
+                <a:spcPts val="875"/>
+              </a:spcBef>
+            </a:pPr>
+            <a:r>
+              <a:rPr sz="1200" spc="-5" dirty="0">
+                <a:latin typeface="Arial"/>
+                <a:cs typeface="Arial"/>
+              </a:rPr>
+              <a:t>Broker</a:t>
+            </a:r>
+            <a:endParaRPr sz="1200">
+              <a:latin typeface="Arial"/>
+              <a:cs typeface="Arial"/>
+            </a:endParaRPr>
+          </a:p>
+        </p:txBody>
+      </p:sp>
+    </p:spTree>
+    <p:extLst>
+      <p:ext uri="{BB962C8B-B14F-4D97-AF65-F5344CB8AC3E}">
+        <p14:creationId xmlns:p14="http://schemas.microsoft.com/office/powerpoint/2010/main" val="1447876703"/>
+      </p:ext>
+    </p:extLst>
+  </p:cSld>
+  <p:clrMapOvr>
+    <a:masterClrMapping/>
+  </p:clrMapOvr>
+</p:sld>
+</file>
+
+<file path=ppt/slides/slide18.xml><?xml version="1.0" encoding="utf-8"?>
+<p:sld xmlns:a="http://schemas.openxmlformats.org/drawingml/2006/main" xmlns:r="http://schemas.openxmlformats.org/officeDocument/2006/relationships" xmlns:p="http://schemas.openxmlformats.org/presentationml/2006/main">
+  <p:cSld>
+    <p:spTree>
+      <p:nvGrpSpPr>
+        <p:cNvPr id="1" name=""/>
+        <p:cNvGrpSpPr/>
+        <p:nvPr/>
+      </p:nvGrpSpPr>
+      <p:grpSpPr>
+        <a:xfrm>
+          <a:off x="0" y="0"/>
+          <a:ext cx="0" cy="0"/>
+          <a:chOff x="0" y="0"/>
+          <a:chExt cx="0" cy="0"/>
+        </a:xfrm>
+      </p:grpSpPr>
+      <p:sp>
+        <p:nvSpPr>
+          <p:cNvPr id="2" name="Title 1">
+            <a:extLst>
+              <a:ext uri="{FF2B5EF4-FFF2-40B4-BE49-F238E27FC236}">
+                <a16:creationId xmlns:a16="http://schemas.microsoft.com/office/drawing/2014/main" id="{90ACF2C0-EF2A-6648-9D3C-D83690E7051F}"/>
+              </a:ext>
+            </a:extLst>
+          </p:cNvPr>
+          <p:cNvSpPr>
+            <a:spLocks noGrp="1"/>
+          </p:cNvSpPr>
+          <p:nvPr>
+            <p:ph type="title"/>
+          </p:nvPr>
+        </p:nvSpPr>
+        <p:spPr/>
+        <p:txBody>
+          <a:bodyPr/>
+          <a:lstStyle/>
+          <a:p>
+            <a:endParaRPr lang="en-US" dirty="0"/>
+          </a:p>
+        </p:txBody>
+      </p:sp>
+    </p:spTree>
+    <p:extLst>
+      <p:ext uri="{BB962C8B-B14F-4D97-AF65-F5344CB8AC3E}">
+        <p14:creationId xmlns:p14="http://schemas.microsoft.com/office/powerpoint/2010/main" val="1602018558"/>
+      </p:ext>
+    </p:extLst>
+  </p:cSld>
+  <p:clrMapOvr>
+    <a:masterClrMapping/>
+  </p:clrMapOvr>
+</p:sld>
+</file>
+
+<file path=ppt/slides/slide19.xml><?xml version="1.0" encoding="utf-8"?>
+<p:sld xmlns:a="http://schemas.openxmlformats.org/drawingml/2006/main" xmlns:r="http://schemas.openxmlformats.org/officeDocument/2006/relationships" xmlns:p="http://schemas.openxmlformats.org/presentationml/2006/main">
+  <p:cSld>
+    <p:spTree>
+      <p:nvGrpSpPr>
+        <p:cNvPr id="1" name=""/>
+        <p:cNvGrpSpPr/>
+        <p:nvPr/>
+      </p:nvGrpSpPr>
+      <p:grpSpPr>
+        <a:xfrm>
+          <a:off x="0" y="0"/>
+          <a:ext cx="0" cy="0"/>
+          <a:chOff x="0" y="0"/>
+          <a:chExt cx="0" cy="0"/>
+        </a:xfrm>
+      </p:grpSpPr>
+      <p:sp>
+        <p:nvSpPr>
           <p:cNvPr id="2" name="object 2"/>
           <p:cNvSpPr txBox="1">
             <a:spLocks noGrp="1"/>
@@ -5132,7 +8509,570 @@
 </p:sld>
 </file>
 
-<file path=ppt/slides/slide15.xml><?xml version="1.0" encoding="utf-8"?>
+<file path=ppt/slides/slide2.xml><?xml version="1.0" encoding="utf-8"?>
+<p:sld xmlns:a="http://schemas.openxmlformats.org/drawingml/2006/main" xmlns:r="http://schemas.openxmlformats.org/officeDocument/2006/relationships" xmlns:p="http://schemas.openxmlformats.org/presentationml/2006/main">
+  <p:cSld>
+    <p:spTree>
+      <p:nvGrpSpPr>
+        <p:cNvPr id="1" name=""/>
+        <p:cNvGrpSpPr/>
+        <p:nvPr/>
+      </p:nvGrpSpPr>
+      <p:grpSpPr>
+        <a:xfrm>
+          <a:off x="0" y="0"/>
+          <a:ext cx="0" cy="0"/>
+          <a:chOff x="0" y="0"/>
+          <a:chExt cx="0" cy="0"/>
+        </a:xfrm>
+      </p:grpSpPr>
+      <p:sp>
+        <p:nvSpPr>
+          <p:cNvPr id="2" name="object 2"/>
+          <p:cNvSpPr txBox="1">
+            <a:spLocks noGrp="1"/>
+          </p:cNvSpPr>
+          <p:nvPr>
+            <p:ph type="title"/>
+          </p:nvPr>
+        </p:nvSpPr>
+        <p:spPr>
+          <a:xfrm>
+            <a:off x="384724" y="535134"/>
+            <a:ext cx="1520276" cy="474489"/>
+          </a:xfrm>
+          <a:prstGeom prst="rect">
+            <a:avLst/>
+          </a:prstGeom>
+        </p:spPr>
+        <p:txBody>
+          <a:bodyPr vert="horz" wrap="square" lIns="0" tIns="12700" rIns="0" bIns="0" rtlCol="0">
+            <a:spAutoFit/>
+          </a:bodyPr>
+          <a:lstStyle/>
+          <a:p>
+            <a:pPr marL="12700">
+              <a:lnSpc>
+                <a:spcPct val="100000"/>
+              </a:lnSpc>
+              <a:spcBef>
+                <a:spcPts val="100"/>
+              </a:spcBef>
+            </a:pPr>
+            <a:r>
+              <a:rPr lang="zh-CN" altLang="en-US" sz="3000" b="1" spc="-330" dirty="0">
+                <a:solidFill>
+                  <a:srgbClr val="424242"/>
+                </a:solidFill>
+                <a:latin typeface="Arial"/>
+                <a:cs typeface="Arial"/>
+              </a:rPr>
+              <a:t>个人背景</a:t>
+            </a:r>
+            <a:endParaRPr sz="3000" dirty="0">
+              <a:latin typeface="Arial"/>
+              <a:cs typeface="Arial"/>
+            </a:endParaRPr>
+          </a:p>
+        </p:txBody>
+      </p:sp>
+      <p:sp>
+        <p:nvSpPr>
+          <p:cNvPr id="4" name="object 4"/>
+          <p:cNvSpPr txBox="1"/>
+          <p:nvPr/>
+        </p:nvSpPr>
+        <p:spPr>
+          <a:xfrm>
+            <a:off x="384724" y="1532699"/>
+            <a:ext cx="3042920" cy="566822"/>
+          </a:xfrm>
+          <a:prstGeom prst="rect">
+            <a:avLst/>
+          </a:prstGeom>
+        </p:spPr>
+        <p:txBody>
+          <a:bodyPr vert="horz" wrap="square" lIns="0" tIns="12700" rIns="0" bIns="0" rtlCol="0">
+            <a:spAutoFit/>
+          </a:bodyPr>
+          <a:lstStyle/>
+          <a:p>
+            <a:pPr marL="12700">
+              <a:lnSpc>
+                <a:spcPct val="100000"/>
+              </a:lnSpc>
+              <a:spcBef>
+                <a:spcPts val="100"/>
+              </a:spcBef>
+            </a:pPr>
+            <a:r>
+              <a:rPr lang="zh-CN" altLang="en-US" sz="1800" spc="-5" dirty="0">
+                <a:solidFill>
+                  <a:srgbClr val="424242"/>
+                </a:solidFill>
+                <a:latin typeface="Courier New"/>
+                <a:cs typeface="Courier New"/>
+              </a:rPr>
+              <a:t>中南大学，喜欢微服务，但是更多是</a:t>
+            </a:r>
+            <a:r>
+              <a:rPr lang="en-US" altLang="zh-CN" sz="1800" spc="-5" dirty="0">
+                <a:solidFill>
+                  <a:srgbClr val="424242"/>
+                </a:solidFill>
+                <a:latin typeface="Courier New"/>
+                <a:cs typeface="Courier New"/>
+              </a:rPr>
+              <a:t>CRUD</a:t>
+            </a:r>
+            <a:r>
+              <a:rPr lang="zh-CN" altLang="en-US" sz="1800" spc="-5" dirty="0">
+                <a:solidFill>
+                  <a:srgbClr val="424242"/>
+                </a:solidFill>
+                <a:latin typeface="Courier New"/>
+                <a:cs typeface="Courier New"/>
+              </a:rPr>
+              <a:t>。</a:t>
+            </a:r>
+            <a:endParaRPr sz="1800" dirty="0">
+              <a:latin typeface="Courier New"/>
+              <a:cs typeface="Courier New"/>
+            </a:endParaRPr>
+          </a:p>
+        </p:txBody>
+      </p:sp>
+      <p:sp>
+        <p:nvSpPr>
+          <p:cNvPr id="5" name="object 5"/>
+          <p:cNvSpPr txBox="1"/>
+          <p:nvPr/>
+        </p:nvSpPr>
+        <p:spPr>
+          <a:xfrm>
+            <a:off x="5444434" y="1387524"/>
+            <a:ext cx="1184966" cy="2312043"/>
+          </a:xfrm>
+          <a:prstGeom prst="rect">
+            <a:avLst/>
+          </a:prstGeom>
+        </p:spPr>
+        <p:txBody>
+          <a:bodyPr vert="horz" wrap="square" lIns="0" tIns="12700" rIns="0" bIns="0" rtlCol="0">
+            <a:spAutoFit/>
+          </a:bodyPr>
+          <a:lstStyle/>
+          <a:p>
+            <a:pPr marL="12700">
+              <a:lnSpc>
+                <a:spcPct val="100000"/>
+              </a:lnSpc>
+              <a:spcBef>
+                <a:spcPts val="100"/>
+              </a:spcBef>
+            </a:pPr>
+            <a:r>
+              <a:rPr lang="en-US" sz="1800" spc="-5" dirty="0">
+                <a:solidFill>
+                  <a:srgbClr val="424242"/>
+                </a:solidFill>
+                <a:latin typeface="Courier New"/>
+                <a:cs typeface="Courier New"/>
+              </a:rPr>
+              <a:t>OPPO</a:t>
+            </a:r>
+            <a:endParaRPr sz="1800" dirty="0">
+              <a:latin typeface="Courier New"/>
+              <a:cs typeface="Courier New"/>
+            </a:endParaRPr>
+          </a:p>
+          <a:p>
+            <a:pPr marL="12700" marR="5080">
+              <a:lnSpc>
+                <a:spcPct val="187500"/>
+              </a:lnSpc>
+            </a:pPr>
+            <a:r>
+              <a:rPr lang="en-US" sz="1800" spc="-5" dirty="0" err="1">
+                <a:solidFill>
+                  <a:srgbClr val="424242"/>
+                </a:solidFill>
+                <a:latin typeface="Courier New"/>
+                <a:cs typeface="Courier New"/>
+              </a:rPr>
+              <a:t>Huize</a:t>
+            </a:r>
+            <a:endParaRPr lang="en-US" sz="1800" spc="-5" dirty="0">
+              <a:solidFill>
+                <a:srgbClr val="424242"/>
+              </a:solidFill>
+              <a:latin typeface="Courier New"/>
+              <a:cs typeface="Courier New"/>
+            </a:endParaRPr>
+          </a:p>
+          <a:p>
+            <a:pPr marL="12700" marR="5080">
+              <a:lnSpc>
+                <a:spcPct val="187500"/>
+              </a:lnSpc>
+            </a:pPr>
+            <a:r>
+              <a:rPr lang="en-US" spc="-5" dirty="0">
+                <a:solidFill>
+                  <a:srgbClr val="424242"/>
+                </a:solidFill>
+                <a:latin typeface="Courier New"/>
+                <a:cs typeface="Courier New"/>
+              </a:rPr>
+              <a:t>KLOOK</a:t>
+            </a:r>
+          </a:p>
+          <a:p>
+            <a:pPr marL="12700" marR="5080">
+              <a:lnSpc>
+                <a:spcPct val="187500"/>
+              </a:lnSpc>
+            </a:pPr>
+            <a:r>
+              <a:rPr lang="en-US" sz="1800" spc="-5" dirty="0" err="1">
+                <a:solidFill>
+                  <a:srgbClr val="424242"/>
+                </a:solidFill>
+                <a:latin typeface="Courier New"/>
+                <a:cs typeface="Courier New"/>
+              </a:rPr>
+              <a:t>Kingdee</a:t>
+            </a:r>
+            <a:endParaRPr lang="en-US" sz="1800" spc="-5" dirty="0">
+              <a:solidFill>
+                <a:srgbClr val="424242"/>
+              </a:solidFill>
+              <a:latin typeface="Courier New"/>
+              <a:cs typeface="Courier New"/>
+            </a:endParaRPr>
+          </a:p>
+          <a:p>
+            <a:pPr marL="12700" marR="5080">
+              <a:lnSpc>
+                <a:spcPct val="187500"/>
+              </a:lnSpc>
+            </a:pPr>
+            <a:endParaRPr sz="1800" dirty="0">
+              <a:latin typeface="Courier New"/>
+              <a:cs typeface="Courier New"/>
+            </a:endParaRPr>
+          </a:p>
+        </p:txBody>
+      </p:sp>
+      <p:sp>
+        <p:nvSpPr>
+          <p:cNvPr id="6" name="object 6"/>
+          <p:cNvSpPr txBox="1"/>
+          <p:nvPr/>
+        </p:nvSpPr>
+        <p:spPr>
+          <a:xfrm>
+            <a:off x="384724" y="3590095"/>
+            <a:ext cx="3120476" cy="289823"/>
+          </a:xfrm>
+          <a:prstGeom prst="rect">
+            <a:avLst/>
+          </a:prstGeom>
+        </p:spPr>
+        <p:txBody>
+          <a:bodyPr vert="horz" wrap="square" lIns="0" tIns="12700" rIns="0" bIns="0" rtlCol="0">
+            <a:spAutoFit/>
+          </a:bodyPr>
+          <a:lstStyle/>
+          <a:p>
+            <a:pPr marL="12700">
+              <a:lnSpc>
+                <a:spcPct val="100000"/>
+              </a:lnSpc>
+              <a:spcBef>
+                <a:spcPts val="100"/>
+              </a:spcBef>
+            </a:pPr>
+            <a:r>
+              <a:rPr lang="en-US" altLang="zh-CN" u="sng" spc="-5" dirty="0" err="1">
+                <a:solidFill>
+                  <a:srgbClr val="01AED1"/>
+                </a:solidFill>
+                <a:uFill>
+                  <a:solidFill>
+                    <a:srgbClr val="01AED1"/>
+                  </a:solidFill>
+                </a:uFill>
+                <a:latin typeface="Courier New"/>
+                <a:cs typeface="Courier New"/>
+              </a:rPr>
+              <a:t>github.com</a:t>
+            </a:r>
+            <a:r>
+              <a:rPr lang="en-US" altLang="zh-CN" u="sng" spc="-5" dirty="0">
+                <a:solidFill>
+                  <a:srgbClr val="01AED1"/>
+                </a:solidFill>
+                <a:uFill>
+                  <a:solidFill>
+                    <a:srgbClr val="01AED1"/>
+                  </a:solidFill>
+                </a:uFill>
+                <a:latin typeface="Courier New"/>
+                <a:cs typeface="Courier New"/>
+              </a:rPr>
+              <a:t>/</a:t>
+            </a:r>
+            <a:r>
+              <a:rPr lang="en-US" sz="1800" u="sng" spc="-5" dirty="0" err="1">
+                <a:solidFill>
+                  <a:srgbClr val="01AED1"/>
+                </a:solidFill>
+                <a:uFill>
+                  <a:solidFill>
+                    <a:srgbClr val="01AED1"/>
+                  </a:solidFill>
+                </a:uFill>
+                <a:latin typeface="Courier New"/>
+                <a:cs typeface="Courier New"/>
+              </a:rPr>
+              <a:t>prin</a:t>
+            </a:r>
+            <a:r>
+              <a:rPr lang="en-US" altLang="zh-CN" sz="1800" u="sng" spc="-5" dirty="0" err="1">
+                <a:solidFill>
+                  <a:srgbClr val="01AED1"/>
+                </a:solidFill>
+                <a:uFill>
+                  <a:solidFill>
+                    <a:srgbClr val="01AED1"/>
+                  </a:solidFill>
+                </a:uFill>
+                <a:latin typeface="Courier New"/>
+                <a:cs typeface="Courier New"/>
+              </a:rPr>
+              <a:t>tfcoder</a:t>
+            </a:r>
+            <a:endParaRPr sz="1800" dirty="0">
+              <a:latin typeface="Courier New"/>
+              <a:cs typeface="Courier New"/>
+            </a:endParaRPr>
+          </a:p>
+        </p:txBody>
+      </p:sp>
+      <p:pic>
+        <p:nvPicPr>
+          <p:cNvPr id="10" name="Picture 9">
+            <a:extLst>
+              <a:ext uri="{FF2B5EF4-FFF2-40B4-BE49-F238E27FC236}">
+                <a16:creationId xmlns:a16="http://schemas.microsoft.com/office/drawing/2014/main" id="{843235AA-CCAD-3044-A637-6285708C20A7}"/>
+              </a:ext>
+            </a:extLst>
+          </p:cNvPr>
+          <p:cNvPicPr>
+            <a:picLocks noChangeAspect="1"/>
+          </p:cNvPicPr>
+          <p:nvPr/>
+        </p:nvPicPr>
+        <p:blipFill>
+          <a:blip r:embed="rId3"/>
+          <a:stretch>
+            <a:fillRect/>
+          </a:stretch>
+        </p:blipFill>
+        <p:spPr>
+          <a:xfrm>
+            <a:off x="4419432" y="1357572"/>
+            <a:ext cx="817257" cy="350253"/>
+          </a:xfrm>
+          <a:prstGeom prst="rect">
+            <a:avLst/>
+          </a:prstGeom>
+        </p:spPr>
+      </p:pic>
+      <p:pic>
+        <p:nvPicPr>
+          <p:cNvPr id="12" name="Picture 11">
+            <a:extLst>
+              <a:ext uri="{FF2B5EF4-FFF2-40B4-BE49-F238E27FC236}">
+                <a16:creationId xmlns:a16="http://schemas.microsoft.com/office/drawing/2014/main" id="{A6AB931D-1D7E-7346-8ED6-F0F007F8D6C4}"/>
+              </a:ext>
+            </a:extLst>
+          </p:cNvPr>
+          <p:cNvPicPr>
+            <a:picLocks noChangeAspect="1"/>
+          </p:cNvPicPr>
+          <p:nvPr/>
+        </p:nvPicPr>
+        <p:blipFill>
+          <a:blip r:embed="rId4"/>
+          <a:stretch>
+            <a:fillRect/>
+          </a:stretch>
+        </p:blipFill>
+        <p:spPr>
+          <a:xfrm>
+            <a:off x="4517814" y="2366390"/>
+            <a:ext cx="368019" cy="366192"/>
+          </a:xfrm>
+          <a:prstGeom prst="rect">
+            <a:avLst/>
+          </a:prstGeom>
+        </p:spPr>
+      </p:pic>
+      <p:pic>
+        <p:nvPicPr>
+          <p:cNvPr id="13" name="Picture 12">
+            <a:extLst>
+              <a:ext uri="{FF2B5EF4-FFF2-40B4-BE49-F238E27FC236}">
+                <a16:creationId xmlns:a16="http://schemas.microsoft.com/office/drawing/2014/main" id="{9734176C-2924-FA4B-8C40-61BD7CD71460}"/>
+              </a:ext>
+            </a:extLst>
+          </p:cNvPr>
+          <p:cNvPicPr>
+            <a:picLocks noChangeAspect="1"/>
+          </p:cNvPicPr>
+          <p:nvPr/>
+        </p:nvPicPr>
+        <p:blipFill>
+          <a:blip r:embed="rId5"/>
+          <a:stretch>
+            <a:fillRect/>
+          </a:stretch>
+        </p:blipFill>
+        <p:spPr>
+          <a:xfrm>
+            <a:off x="4499516" y="1752835"/>
+            <a:ext cx="323569" cy="489299"/>
+          </a:xfrm>
+          <a:prstGeom prst="rect">
+            <a:avLst/>
+          </a:prstGeom>
+        </p:spPr>
+      </p:pic>
+      <p:pic>
+        <p:nvPicPr>
+          <p:cNvPr id="15" name="Picture 14">
+            <a:extLst>
+              <a:ext uri="{FF2B5EF4-FFF2-40B4-BE49-F238E27FC236}">
+                <a16:creationId xmlns:a16="http://schemas.microsoft.com/office/drawing/2014/main" id="{C0892CBA-EDEE-2540-A5C7-808C80A19C47}"/>
+              </a:ext>
+            </a:extLst>
+          </p:cNvPr>
+          <p:cNvPicPr>
+            <a:picLocks noChangeAspect="1"/>
+          </p:cNvPicPr>
+          <p:nvPr/>
+        </p:nvPicPr>
+        <p:blipFill>
+          <a:blip r:embed="rId6"/>
+          <a:stretch>
+            <a:fillRect/>
+          </a:stretch>
+        </p:blipFill>
+        <p:spPr>
+          <a:xfrm>
+            <a:off x="4517814" y="2952750"/>
+            <a:ext cx="792480" cy="228600"/>
+          </a:xfrm>
+          <a:prstGeom prst="rect">
+            <a:avLst/>
+          </a:prstGeom>
+        </p:spPr>
+      </p:pic>
+      <p:sp>
+        <p:nvSpPr>
+          <p:cNvPr id="16" name="TextBox 15">
+            <a:extLst>
+              <a:ext uri="{FF2B5EF4-FFF2-40B4-BE49-F238E27FC236}">
+                <a16:creationId xmlns:a16="http://schemas.microsoft.com/office/drawing/2014/main" id="{FD9E8AE0-9408-3543-BFDD-1176207D005F}"/>
+              </a:ext>
+            </a:extLst>
+          </p:cNvPr>
+          <p:cNvSpPr txBox="1"/>
+          <p:nvPr/>
+        </p:nvSpPr>
+        <p:spPr>
+          <a:xfrm>
+            <a:off x="4451676" y="3110449"/>
+            <a:ext cx="682084" cy="369332"/>
+          </a:xfrm>
+          <a:prstGeom prst="rect">
+            <a:avLst/>
+          </a:prstGeom>
+          <a:noFill/>
+        </p:spPr>
+        <p:txBody>
+          <a:bodyPr wrap="square" rtlCol="0">
+            <a:spAutoFit/>
+          </a:bodyPr>
+          <a:lstStyle/>
+          <a:p>
+            <a:r>
+              <a:rPr lang="en-US" altLang="zh-CN" dirty="0"/>
+              <a:t>…</a:t>
+            </a:r>
+            <a:endParaRPr lang="en-US" dirty="0"/>
+          </a:p>
+        </p:txBody>
+      </p:sp>
+      <p:sp>
+        <p:nvSpPr>
+          <p:cNvPr id="18" name="TextBox 17">
+            <a:extLst>
+              <a:ext uri="{FF2B5EF4-FFF2-40B4-BE49-F238E27FC236}">
+                <a16:creationId xmlns:a16="http://schemas.microsoft.com/office/drawing/2014/main" id="{1DE2425B-F5D7-D742-A01B-CF9F4E0B6665}"/>
+              </a:ext>
+            </a:extLst>
+          </p:cNvPr>
+          <p:cNvSpPr txBox="1"/>
+          <p:nvPr/>
+        </p:nvSpPr>
+        <p:spPr>
+          <a:xfrm>
+            <a:off x="4451676" y="535134"/>
+            <a:ext cx="2177724" cy="369332"/>
+          </a:xfrm>
+          <a:prstGeom prst="rect">
+            <a:avLst/>
+          </a:prstGeom>
+          <a:noFill/>
+        </p:spPr>
+        <p:txBody>
+          <a:bodyPr wrap="square" rtlCol="0">
+            <a:spAutoFit/>
+          </a:bodyPr>
+          <a:lstStyle/>
+          <a:p>
+            <a:r>
+              <a:rPr lang="en-US" dirty="0" err="1"/>
+              <a:t>Printfcoder</a:t>
+            </a:r>
+            <a:r>
+              <a:rPr lang="en-US" altLang="zh-CN" sz="1400" dirty="0"/>
+              <a:t>(</a:t>
+            </a:r>
+            <a:r>
+              <a:rPr lang="en-US" altLang="zh-CN" sz="1400" dirty="0" err="1"/>
+              <a:t>ShuXian</a:t>
+            </a:r>
+            <a:r>
+              <a:rPr lang="en-US" altLang="zh-CN" sz="1400" dirty="0"/>
+              <a:t>)</a:t>
+            </a:r>
+            <a:endParaRPr lang="en-US" dirty="0"/>
+          </a:p>
+        </p:txBody>
+      </p:sp>
+    </p:spTree>
+  </p:cSld>
+  <p:clrMapOvr>
+    <a:masterClrMapping/>
+  </p:clrMapOvr>
+</p:sld>
+</file>
+
+<file path=ppt/slides/slide20.xml><?xml version="1.0" encoding="utf-8"?>
 <p:sld xmlns:a="http://schemas.openxmlformats.org/drawingml/2006/main" xmlns:r="http://schemas.openxmlformats.org/officeDocument/2006/relationships" xmlns:p="http://schemas.openxmlformats.org/presentationml/2006/main">
   <p:cSld>
     <p:spTree>
@@ -5818,7 +9758,7 @@
 </p:sld>
 </file>
 
-<file path=ppt/slides/slide16.xml><?xml version="1.0" encoding="utf-8"?>
+<file path=ppt/slides/slide21.xml><?xml version="1.0" encoding="utf-8"?>
 <p:sld xmlns:a="http://schemas.openxmlformats.org/drawingml/2006/main" xmlns:r="http://schemas.openxmlformats.org/officeDocument/2006/relationships" xmlns:p="http://schemas.openxmlformats.org/presentationml/2006/main">
   <p:cSld>
     <p:spTree>
@@ -6690,7 +10630,7 @@
 </p:sld>
 </file>
 
-<file path=ppt/slides/slide17.xml><?xml version="1.0" encoding="utf-8"?>
+<file path=ppt/slides/slide22.xml><?xml version="1.0" encoding="utf-8"?>
 <p:sld xmlns:a="http://schemas.openxmlformats.org/drawingml/2006/main" xmlns:r="http://schemas.openxmlformats.org/officeDocument/2006/relationships" xmlns:p="http://schemas.openxmlformats.org/presentationml/2006/main">
   <p:cSld>
     <p:spTree>
@@ -7361,7 +11301,7 @@
 </p:sld>
 </file>
 
-<file path=ppt/slides/slide18.xml><?xml version="1.0" encoding="utf-8"?>
+<file path=ppt/slides/slide23.xml><?xml version="1.0" encoding="utf-8"?>
 <p:sld xmlns:a="http://schemas.openxmlformats.org/drawingml/2006/main" xmlns:r="http://schemas.openxmlformats.org/officeDocument/2006/relationships" xmlns:p="http://schemas.openxmlformats.org/presentationml/2006/main">
   <p:cSld>
     <p:spTree>
@@ -8096,7 +12036,7 @@
 </p:sld>
 </file>
 
-<file path=ppt/slides/slide19.xml><?xml version="1.0" encoding="utf-8"?>
+<file path=ppt/slides/slide24.xml><?xml version="1.0" encoding="utf-8"?>
 <p:sld xmlns:a="http://schemas.openxmlformats.org/drawingml/2006/main" xmlns:r="http://schemas.openxmlformats.org/officeDocument/2006/relationships" xmlns:p="http://schemas.openxmlformats.org/presentationml/2006/main">
   <p:cSld>
     <p:spTree>
@@ -8432,7 +12372,7 @@
 </p:sld>
 </file>
 
-<file path=ppt/slides/slide2.xml><?xml version="1.0" encoding="utf-8"?>
+<file path=ppt/slides/slide25.xml><?xml version="1.0" encoding="utf-8"?>
 <p:sld xmlns:a="http://schemas.openxmlformats.org/drawingml/2006/main" xmlns:r="http://schemas.openxmlformats.org/officeDocument/2006/relationships" xmlns:p="http://schemas.openxmlformats.org/presentationml/2006/main">
   <p:cSld>
     <p:spTree>
@@ -8462,7 +12402,7 @@
         <p:spPr>
           <a:xfrm>
             <a:off x="384724" y="535134"/>
-            <a:ext cx="1520276" cy="474489"/>
+            <a:ext cx="1748876" cy="474489"/>
           </a:xfrm>
           <a:prstGeom prst="rect">
             <a:avLst/>
@@ -8483,14 +12423,14 @@
               </a:spcBef>
             </a:pPr>
             <a:r>
-              <a:rPr lang="zh-CN" altLang="en-US" sz="3000" b="1" spc="-330" dirty="0">
+              <a:rPr sz="3000" b="1" dirty="0">
                 <a:solidFill>
                   <a:srgbClr val="424242"/>
                 </a:solidFill>
                 <a:latin typeface="Arial"/>
                 <a:cs typeface="Arial"/>
               </a:rPr>
-              <a:t>个人背景</a:t>
+              <a:t>go-micro</a:t>
             </a:r>
             <a:endParaRPr sz="3000" dirty="0">
               <a:latin typeface="Arial"/>
@@ -8501,14 +12441,14 @@
       </p:sp>
       <p:sp>
         <p:nvSpPr>
-          <p:cNvPr id="4" name="object 4"/>
+          <p:cNvPr id="3" name="object 3"/>
           <p:cNvSpPr txBox="1"/>
           <p:nvPr/>
         </p:nvSpPr>
         <p:spPr>
           <a:xfrm>
-            <a:off x="384724" y="1532699"/>
-            <a:ext cx="3042920" cy="566822"/>
+            <a:off x="5413914" y="535134"/>
+            <a:ext cx="3272154" cy="482600"/>
           </a:xfrm>
           <a:prstGeom prst="rect">
             <a:avLst/>
@@ -8529,52 +12469,32 @@
               </a:spcBef>
             </a:pPr>
             <a:r>
-              <a:rPr lang="zh-CN" altLang="en-US" sz="1800" spc="-5" dirty="0">
+              <a:rPr sz="3000" b="1" spc="-185" dirty="0">
                 <a:solidFill>
                   <a:srgbClr val="424242"/>
                 </a:solidFill>
-                <a:latin typeface="Courier New"/>
-                <a:cs typeface="Courier New"/>
-              </a:rPr>
-              <a:t>中南大学，喜欢微服务，但是更多是</a:t>
-            </a:r>
-            <a:r>
-              <a:rPr lang="en-US" altLang="zh-CN" sz="1800" spc="-5" dirty="0">
-                <a:solidFill>
-                  <a:srgbClr val="424242"/>
-                </a:solidFill>
-                <a:latin typeface="Courier New"/>
-                <a:cs typeface="Courier New"/>
-              </a:rPr>
-              <a:t>CRUD</a:t>
-            </a:r>
-            <a:r>
-              <a:rPr lang="zh-CN" altLang="en-US" sz="1800" spc="-5" dirty="0">
-                <a:solidFill>
-                  <a:srgbClr val="424242"/>
-                </a:solidFill>
-                <a:latin typeface="Courier New"/>
-                <a:cs typeface="Courier New"/>
-              </a:rPr>
-              <a:t>。</a:t>
-            </a:r>
-            <a:endParaRPr sz="1800" dirty="0">
-              <a:latin typeface="Courier New"/>
-              <a:cs typeface="Courier New"/>
+                <a:latin typeface="Arial"/>
+                <a:cs typeface="Arial"/>
+              </a:rPr>
+              <a:t>client.Call(“service”)</a:t>
+            </a:r>
+            <a:endParaRPr sz="3000" dirty="0">
+              <a:latin typeface="Arial"/>
+              <a:cs typeface="Arial"/>
             </a:endParaRPr>
           </a:p>
         </p:txBody>
       </p:sp>
       <p:sp>
         <p:nvSpPr>
-          <p:cNvPr id="5" name="object 5"/>
+          <p:cNvPr id="4" name="object 4"/>
           <p:cNvSpPr txBox="1"/>
           <p:nvPr/>
         </p:nvSpPr>
         <p:spPr>
           <a:xfrm>
-            <a:off x="5444434" y="1387524"/>
-            <a:ext cx="1184966" cy="2312043"/>
+            <a:off x="384724" y="1456499"/>
+            <a:ext cx="3591560" cy="2871470"/>
           </a:xfrm>
           <a:prstGeom prst="rect">
             <a:avLst/>
@@ -8595,14 +12515,75 @@
               </a:spcBef>
             </a:pPr>
             <a:r>
-              <a:rPr lang="en-US" sz="1800" spc="-5" dirty="0">
+              <a:rPr sz="1800" spc="-5" dirty="0">
                 <a:solidFill>
                   <a:srgbClr val="424242"/>
                 </a:solidFill>
                 <a:latin typeface="Courier New"/>
                 <a:cs typeface="Courier New"/>
               </a:rPr>
-              <a:t>OPPO</a:t>
+              <a:t>Request</a:t>
+            </a:r>
+            <a:r>
+              <a:rPr sz="1800" spc="-10" dirty="0">
+                <a:solidFill>
+                  <a:srgbClr val="424242"/>
+                </a:solidFill>
+                <a:latin typeface="Courier New"/>
+                <a:cs typeface="Courier New"/>
+              </a:rPr>
+              <a:t> </a:t>
+            </a:r>
+            <a:r>
+              <a:rPr sz="1800" spc="-5" dirty="0">
+                <a:solidFill>
+                  <a:srgbClr val="424242"/>
+                </a:solidFill>
+                <a:latin typeface="Courier New"/>
+                <a:cs typeface="Courier New"/>
+              </a:rPr>
+              <a:t>encoding</a:t>
+            </a:r>
+            <a:endParaRPr sz="1800" dirty="0">
+              <a:latin typeface="Courier New"/>
+              <a:cs typeface="Courier New"/>
+            </a:endParaRPr>
+          </a:p>
+          <a:p>
+            <a:pPr marL="12700" marR="1102995">
+              <a:lnSpc>
+                <a:spcPct val="187500"/>
+              </a:lnSpc>
+            </a:pPr>
+            <a:r>
+              <a:rPr sz="1800" spc="-5" dirty="0">
+                <a:solidFill>
+                  <a:srgbClr val="424242"/>
+                </a:solidFill>
+                <a:latin typeface="Courier New"/>
+                <a:cs typeface="Courier New"/>
+              </a:rPr>
+              <a:t>Service lookup  Node selection  Connection</a:t>
+            </a:r>
+            <a:r>
+              <a:rPr sz="1800" spc="-25" dirty="0">
+                <a:solidFill>
+                  <a:srgbClr val="424242"/>
+                </a:solidFill>
+                <a:latin typeface="Courier New"/>
+                <a:cs typeface="Courier New"/>
+              </a:rPr>
+              <a:t> </a:t>
+            </a:r>
+            <a:r>
+              <a:rPr sz="1800" spc="-5" dirty="0">
+                <a:solidFill>
+                  <a:srgbClr val="424242"/>
+                </a:solidFill>
+                <a:latin typeface="Courier New"/>
+                <a:cs typeface="Courier New"/>
+              </a:rPr>
+              <a:t>pooling</a:t>
             </a:r>
             <a:endParaRPr sz="1800" dirty="0">
               <a:latin typeface="Courier New"/>
@@ -8616,374 +12597,19 @@
               </a:lnSpc>
             </a:pPr>
             <a:r>
-              <a:rPr lang="en-US" sz="1800" spc="-5" dirty="0" err="1">
+              <a:rPr sz="1800" spc="-5" dirty="0">
                 <a:solidFill>
                   <a:srgbClr val="424242"/>
                 </a:solidFill>
                 <a:latin typeface="Courier New"/>
                 <a:cs typeface="Courier New"/>
               </a:rPr>
-              <a:t>Huize</a:t>
-            </a:r>
-            <a:endParaRPr lang="en-US" sz="1800" spc="-5" dirty="0">
-              <a:solidFill>
-                <a:srgbClr val="424242"/>
-              </a:solidFill>
-              <a:latin typeface="Courier New"/>
-              <a:cs typeface="Courier New"/>
-            </a:endParaRPr>
-          </a:p>
-          <a:p>
-            <a:pPr marL="12700" marR="5080">
-              <a:lnSpc>
-                <a:spcPct val="187500"/>
-              </a:lnSpc>
-            </a:pPr>
-            <a:r>
-              <a:rPr lang="en-US" spc="-5" dirty="0">
-                <a:solidFill>
-                  <a:srgbClr val="424242"/>
-                </a:solidFill>
-                <a:latin typeface="Courier New"/>
-                <a:cs typeface="Courier New"/>
-              </a:rPr>
-              <a:t>KLOOK</a:t>
-            </a:r>
-          </a:p>
-          <a:p>
-            <a:pPr marL="12700" marR="5080">
-              <a:lnSpc>
-                <a:spcPct val="187500"/>
-              </a:lnSpc>
-            </a:pPr>
-            <a:r>
-              <a:rPr lang="en-US" sz="1800" spc="-5" dirty="0" err="1">
-                <a:solidFill>
-                  <a:srgbClr val="424242"/>
-                </a:solidFill>
-                <a:latin typeface="Courier New"/>
-                <a:cs typeface="Courier New"/>
-              </a:rPr>
-              <a:t>Kingdee</a:t>
-            </a:r>
-            <a:endParaRPr lang="en-US" sz="1800" spc="-5" dirty="0">
-              <a:solidFill>
-                <a:srgbClr val="424242"/>
-              </a:solidFill>
-              <a:latin typeface="Courier New"/>
-              <a:cs typeface="Courier New"/>
-            </a:endParaRPr>
-          </a:p>
-          <a:p>
-            <a:pPr marL="12700" marR="5080">
-              <a:lnSpc>
-                <a:spcPct val="187500"/>
-              </a:lnSpc>
-            </a:pPr>
+              <a:t>Retries, timeouts, backoff  Oh and making the request</a:t>
+            </a:r>
             <a:endParaRPr sz="1800" dirty="0">
               <a:latin typeface="Courier New"/>
               <a:cs typeface="Courier New"/>
             </a:endParaRPr>
-          </a:p>
-        </p:txBody>
-      </p:sp>
-      <p:sp>
-        <p:nvSpPr>
-          <p:cNvPr id="6" name="object 6"/>
-          <p:cNvSpPr txBox="1"/>
-          <p:nvPr/>
-        </p:nvSpPr>
-        <p:spPr>
-          <a:xfrm>
-            <a:off x="384724" y="3590095"/>
-            <a:ext cx="3120476" cy="289823"/>
-          </a:xfrm>
-          <a:prstGeom prst="rect">
-            <a:avLst/>
-          </a:prstGeom>
-        </p:spPr>
-        <p:txBody>
-          <a:bodyPr vert="horz" wrap="square" lIns="0" tIns="12700" rIns="0" bIns="0" rtlCol="0">
-            <a:spAutoFit/>
-          </a:bodyPr>
-          <a:lstStyle/>
-          <a:p>
-            <a:pPr marL="12700">
-              <a:lnSpc>
-                <a:spcPct val="100000"/>
-              </a:lnSpc>
-              <a:spcBef>
-                <a:spcPts val="100"/>
-              </a:spcBef>
-            </a:pPr>
-            <a:r>
-              <a:rPr lang="en-US" altLang="zh-CN" u="sng" spc="-5" dirty="0" err="1">
-                <a:solidFill>
-                  <a:srgbClr val="01AED1"/>
-                </a:solidFill>
-                <a:uFill>
-                  <a:solidFill>
-                    <a:srgbClr val="01AED1"/>
-                  </a:solidFill>
-                </a:uFill>
-                <a:latin typeface="Courier New"/>
-                <a:cs typeface="Courier New"/>
-              </a:rPr>
-              <a:t>github.com</a:t>
-            </a:r>
-            <a:r>
-              <a:rPr lang="en-US" altLang="zh-CN" u="sng" spc="-5" dirty="0">
-                <a:solidFill>
-                  <a:srgbClr val="01AED1"/>
-                </a:solidFill>
-                <a:uFill>
-                  <a:solidFill>
-                    <a:srgbClr val="01AED1"/>
-                  </a:solidFill>
-                </a:uFill>
-                <a:latin typeface="Courier New"/>
-                <a:cs typeface="Courier New"/>
-              </a:rPr>
-              <a:t>/</a:t>
-            </a:r>
-            <a:r>
-              <a:rPr lang="en-US" sz="1800" u="sng" spc="-5" dirty="0" err="1">
-                <a:solidFill>
-                  <a:srgbClr val="01AED1"/>
-                </a:solidFill>
-                <a:uFill>
-                  <a:solidFill>
-                    <a:srgbClr val="01AED1"/>
-                  </a:solidFill>
-                </a:uFill>
-                <a:latin typeface="Courier New"/>
-                <a:cs typeface="Courier New"/>
-              </a:rPr>
-              <a:t>prin</a:t>
-            </a:r>
-            <a:r>
-              <a:rPr lang="en-US" altLang="zh-CN" sz="1800" u="sng" spc="-5" dirty="0" err="1">
-                <a:solidFill>
-                  <a:srgbClr val="01AED1"/>
-                </a:solidFill>
-                <a:uFill>
-                  <a:solidFill>
-                    <a:srgbClr val="01AED1"/>
-                  </a:solidFill>
-                </a:uFill>
-                <a:latin typeface="Courier New"/>
-                <a:cs typeface="Courier New"/>
-              </a:rPr>
-              <a:t>tfcoder</a:t>
-            </a:r>
-            <a:endParaRPr sz="1800" dirty="0">
-              <a:latin typeface="Courier New"/>
-              <a:cs typeface="Courier New"/>
-            </a:endParaRPr>
-          </a:p>
-        </p:txBody>
-      </p:sp>
-      <p:pic>
-        <p:nvPicPr>
-          <p:cNvPr id="10" name="Picture 9">
-            <a:extLst>
-              <a:ext uri="{FF2B5EF4-FFF2-40B4-BE49-F238E27FC236}">
-                <a16:creationId xmlns:a16="http://schemas.microsoft.com/office/drawing/2014/main" id="{843235AA-CCAD-3044-A637-6285708C20A7}"/>
-              </a:ext>
-            </a:extLst>
-          </p:cNvPr>
-          <p:cNvPicPr>
-            <a:picLocks noChangeAspect="1"/>
-          </p:cNvPicPr>
-          <p:nvPr/>
-        </p:nvPicPr>
-        <p:blipFill>
-          <a:blip r:embed="rId3"/>
-          <a:stretch>
-            <a:fillRect/>
-          </a:stretch>
-        </p:blipFill>
-        <p:spPr>
-          <a:xfrm>
-            <a:off x="4419432" y="1357572"/>
-            <a:ext cx="817257" cy="350253"/>
-          </a:xfrm>
-          <a:prstGeom prst="rect">
-            <a:avLst/>
-          </a:prstGeom>
-        </p:spPr>
-      </p:pic>
-      <p:pic>
-        <p:nvPicPr>
-          <p:cNvPr id="12" name="Picture 11">
-            <a:extLst>
-              <a:ext uri="{FF2B5EF4-FFF2-40B4-BE49-F238E27FC236}">
-                <a16:creationId xmlns:a16="http://schemas.microsoft.com/office/drawing/2014/main" id="{A6AB931D-1D7E-7346-8ED6-F0F007F8D6C4}"/>
-              </a:ext>
-            </a:extLst>
-          </p:cNvPr>
-          <p:cNvPicPr>
-            <a:picLocks noChangeAspect="1"/>
-          </p:cNvPicPr>
-          <p:nvPr/>
-        </p:nvPicPr>
-        <p:blipFill>
-          <a:blip r:embed="rId4"/>
-          <a:stretch>
-            <a:fillRect/>
-          </a:stretch>
-        </p:blipFill>
-        <p:spPr>
-          <a:xfrm>
-            <a:off x="4517814" y="2366390"/>
-            <a:ext cx="368019" cy="366192"/>
-          </a:xfrm>
-          <a:prstGeom prst="rect">
-            <a:avLst/>
-          </a:prstGeom>
-        </p:spPr>
-      </p:pic>
-      <p:pic>
-        <p:nvPicPr>
-          <p:cNvPr id="13" name="Picture 12">
-            <a:extLst>
-              <a:ext uri="{FF2B5EF4-FFF2-40B4-BE49-F238E27FC236}">
-                <a16:creationId xmlns:a16="http://schemas.microsoft.com/office/drawing/2014/main" id="{9734176C-2924-FA4B-8C40-61BD7CD71460}"/>
-              </a:ext>
-            </a:extLst>
-          </p:cNvPr>
-          <p:cNvPicPr>
-            <a:picLocks noChangeAspect="1"/>
-          </p:cNvPicPr>
-          <p:nvPr/>
-        </p:nvPicPr>
-        <p:blipFill>
-          <a:blip r:embed="rId5"/>
-          <a:stretch>
-            <a:fillRect/>
-          </a:stretch>
-        </p:blipFill>
-        <p:spPr>
-          <a:xfrm>
-            <a:off x="4499516" y="1752835"/>
-            <a:ext cx="323569" cy="489299"/>
-          </a:xfrm>
-          <a:prstGeom prst="rect">
-            <a:avLst/>
-          </a:prstGeom>
-        </p:spPr>
-      </p:pic>
-      <p:pic>
-        <p:nvPicPr>
-          <p:cNvPr id="15" name="Picture 14">
-            <a:extLst>
-              <a:ext uri="{FF2B5EF4-FFF2-40B4-BE49-F238E27FC236}">
-                <a16:creationId xmlns:a16="http://schemas.microsoft.com/office/drawing/2014/main" id="{C0892CBA-EDEE-2540-A5C7-808C80A19C47}"/>
-              </a:ext>
-            </a:extLst>
-          </p:cNvPr>
-          <p:cNvPicPr>
-            <a:picLocks noChangeAspect="1"/>
-          </p:cNvPicPr>
-          <p:nvPr/>
-        </p:nvPicPr>
-        <p:blipFill>
-          <a:blip r:embed="rId6"/>
-          <a:stretch>
-            <a:fillRect/>
-          </a:stretch>
-        </p:blipFill>
-        <p:spPr>
-          <a:xfrm>
-            <a:off x="4517814" y="2952750"/>
-            <a:ext cx="792480" cy="228600"/>
-          </a:xfrm>
-          <a:prstGeom prst="rect">
-            <a:avLst/>
-          </a:prstGeom>
-        </p:spPr>
-      </p:pic>
-      <p:sp>
-        <p:nvSpPr>
-          <p:cNvPr id="16" name="TextBox 15">
-            <a:extLst>
-              <a:ext uri="{FF2B5EF4-FFF2-40B4-BE49-F238E27FC236}">
-                <a16:creationId xmlns:a16="http://schemas.microsoft.com/office/drawing/2014/main" id="{FD9E8AE0-9408-3543-BFDD-1176207D005F}"/>
-              </a:ext>
-            </a:extLst>
-          </p:cNvPr>
-          <p:cNvSpPr txBox="1"/>
-          <p:nvPr/>
-        </p:nvSpPr>
-        <p:spPr>
-          <a:xfrm>
-            <a:off x="4451676" y="3110449"/>
-            <a:ext cx="682084" cy="369332"/>
-          </a:xfrm>
-          <a:prstGeom prst="rect">
-            <a:avLst/>
-          </a:prstGeom>
-          <a:noFill/>
-        </p:spPr>
-        <p:txBody>
-          <a:bodyPr wrap="square" rtlCol="0">
-            <a:spAutoFit/>
-          </a:bodyPr>
-          <a:lstStyle/>
-          <a:p>
-            <a:r>
-              <a:rPr lang="en-US" altLang="zh-CN" dirty="0"/>
-              <a:t>…</a:t>
-            </a:r>
-            <a:endParaRPr lang="en-US" dirty="0"/>
-          </a:p>
-        </p:txBody>
-      </p:sp>
-      <p:sp>
-        <p:nvSpPr>
-          <p:cNvPr id="18" name="TextBox 17">
-            <a:extLst>
-              <a:ext uri="{FF2B5EF4-FFF2-40B4-BE49-F238E27FC236}">
-                <a16:creationId xmlns:a16="http://schemas.microsoft.com/office/drawing/2014/main" id="{1DE2425B-F5D7-D742-A01B-CF9F4E0B6665}"/>
-              </a:ext>
-            </a:extLst>
-          </p:cNvPr>
-          <p:cNvSpPr txBox="1"/>
-          <p:nvPr/>
-        </p:nvSpPr>
-        <p:spPr>
-          <a:xfrm>
-            <a:off x="4451676" y="535134"/>
-            <a:ext cx="2177724" cy="369332"/>
-          </a:xfrm>
-          <a:prstGeom prst="rect">
-            <a:avLst/>
-          </a:prstGeom>
-          <a:noFill/>
-        </p:spPr>
-        <p:txBody>
-          <a:bodyPr wrap="square" rtlCol="0">
-            <a:spAutoFit/>
-          </a:bodyPr>
-          <a:lstStyle/>
-          <a:p>
-            <a:r>
-              <a:rPr lang="en-US" dirty="0" err="1"/>
-              <a:t>Printfcoder</a:t>
-            </a:r>
-            <a:r>
-              <a:rPr lang="en-US" altLang="zh-CN" sz="1400" dirty="0"/>
-              <a:t>(</a:t>
-            </a:r>
-            <a:r>
-              <a:rPr lang="en-US" altLang="zh-CN" sz="1400" dirty="0" err="1"/>
-              <a:t>ShuXian</a:t>
-            </a:r>
-            <a:r>
-              <a:rPr lang="en-US" altLang="zh-CN" sz="1400" dirty="0"/>
-              <a:t>)</a:t>
-            </a:r>
-            <a:endParaRPr lang="en-US" dirty="0"/>
           </a:p>
         </p:txBody>
       </p:sp>
@@ -8995,256 +12621,7 @@
 </p:sld>
 </file>
 
-<file path=ppt/slides/slide20.xml><?xml version="1.0" encoding="utf-8"?>
-<p:sld xmlns:a="http://schemas.openxmlformats.org/drawingml/2006/main" xmlns:r="http://schemas.openxmlformats.org/officeDocument/2006/relationships" xmlns:p="http://schemas.openxmlformats.org/presentationml/2006/main">
-  <p:cSld>
-    <p:spTree>
-      <p:nvGrpSpPr>
-        <p:cNvPr id="1" name=""/>
-        <p:cNvGrpSpPr/>
-        <p:nvPr/>
-      </p:nvGrpSpPr>
-      <p:grpSpPr>
-        <a:xfrm>
-          <a:off x="0" y="0"/>
-          <a:ext cx="0" cy="0"/>
-          <a:chOff x="0" y="0"/>
-          <a:chExt cx="0" cy="0"/>
-        </a:xfrm>
-      </p:grpSpPr>
-      <p:sp>
-        <p:nvSpPr>
-          <p:cNvPr id="2" name="object 2"/>
-          <p:cNvSpPr txBox="1">
-            <a:spLocks noGrp="1"/>
-          </p:cNvSpPr>
-          <p:nvPr>
-            <p:ph type="title"/>
-          </p:nvPr>
-        </p:nvSpPr>
-        <p:spPr>
-          <a:xfrm>
-            <a:off x="384724" y="535134"/>
-            <a:ext cx="1748876" cy="474489"/>
-          </a:xfrm>
-          <a:prstGeom prst="rect">
-            <a:avLst/>
-          </a:prstGeom>
-        </p:spPr>
-        <p:txBody>
-          <a:bodyPr vert="horz" wrap="square" lIns="0" tIns="12700" rIns="0" bIns="0" rtlCol="0">
-            <a:spAutoFit/>
-          </a:bodyPr>
-          <a:lstStyle/>
-          <a:p>
-            <a:pPr marL="12700">
-              <a:lnSpc>
-                <a:spcPct val="100000"/>
-              </a:lnSpc>
-              <a:spcBef>
-                <a:spcPts val="100"/>
-              </a:spcBef>
-            </a:pPr>
-            <a:r>
-              <a:rPr sz="3000" b="1" dirty="0">
-                <a:solidFill>
-                  <a:srgbClr val="424242"/>
-                </a:solidFill>
-                <a:latin typeface="Arial"/>
-                <a:cs typeface="Arial"/>
-              </a:rPr>
-              <a:t>go-micro</a:t>
-            </a:r>
-            <a:endParaRPr sz="3000" dirty="0">
-              <a:latin typeface="Arial"/>
-              <a:cs typeface="Arial"/>
-            </a:endParaRPr>
-          </a:p>
-        </p:txBody>
-      </p:sp>
-      <p:sp>
-        <p:nvSpPr>
-          <p:cNvPr id="3" name="object 3"/>
-          <p:cNvSpPr txBox="1"/>
-          <p:nvPr/>
-        </p:nvSpPr>
-        <p:spPr>
-          <a:xfrm>
-            <a:off x="5413914" y="535134"/>
-            <a:ext cx="3272154" cy="482600"/>
-          </a:xfrm>
-          <a:prstGeom prst="rect">
-            <a:avLst/>
-          </a:prstGeom>
-        </p:spPr>
-        <p:txBody>
-          <a:bodyPr vert="horz" wrap="square" lIns="0" tIns="12700" rIns="0" bIns="0" rtlCol="0">
-            <a:spAutoFit/>
-          </a:bodyPr>
-          <a:lstStyle/>
-          <a:p>
-            <a:pPr marL="12700">
-              <a:lnSpc>
-                <a:spcPct val="100000"/>
-              </a:lnSpc>
-              <a:spcBef>
-                <a:spcPts val="100"/>
-              </a:spcBef>
-            </a:pPr>
-            <a:r>
-              <a:rPr sz="3000" b="1" spc="-185" dirty="0">
-                <a:solidFill>
-                  <a:srgbClr val="424242"/>
-                </a:solidFill>
-                <a:latin typeface="Arial"/>
-                <a:cs typeface="Arial"/>
-              </a:rPr>
-              <a:t>client.Call(“service”)</a:t>
-            </a:r>
-            <a:endParaRPr sz="3000" dirty="0">
-              <a:latin typeface="Arial"/>
-              <a:cs typeface="Arial"/>
-            </a:endParaRPr>
-          </a:p>
-        </p:txBody>
-      </p:sp>
-      <p:sp>
-        <p:nvSpPr>
-          <p:cNvPr id="4" name="object 4"/>
-          <p:cNvSpPr txBox="1"/>
-          <p:nvPr/>
-        </p:nvSpPr>
-        <p:spPr>
-          <a:xfrm>
-            <a:off x="384724" y="1456499"/>
-            <a:ext cx="3591560" cy="2871470"/>
-          </a:xfrm>
-          <a:prstGeom prst="rect">
-            <a:avLst/>
-          </a:prstGeom>
-        </p:spPr>
-        <p:txBody>
-          <a:bodyPr vert="horz" wrap="square" lIns="0" tIns="12700" rIns="0" bIns="0" rtlCol="0">
-            <a:spAutoFit/>
-          </a:bodyPr>
-          <a:lstStyle/>
-          <a:p>
-            <a:pPr marL="12700">
-              <a:lnSpc>
-                <a:spcPct val="100000"/>
-              </a:lnSpc>
-              <a:spcBef>
-                <a:spcPts val="100"/>
-              </a:spcBef>
-            </a:pPr>
-            <a:r>
-              <a:rPr sz="1800" spc="-5" dirty="0">
-                <a:solidFill>
-                  <a:srgbClr val="424242"/>
-                </a:solidFill>
-                <a:latin typeface="Courier New"/>
-                <a:cs typeface="Courier New"/>
-              </a:rPr>
-              <a:t>Request</a:t>
-            </a:r>
-            <a:r>
-              <a:rPr sz="1800" spc="-10" dirty="0">
-                <a:solidFill>
-                  <a:srgbClr val="424242"/>
-                </a:solidFill>
-                <a:latin typeface="Courier New"/>
-                <a:cs typeface="Courier New"/>
-              </a:rPr>
-              <a:t> </a:t>
-            </a:r>
-            <a:r>
-              <a:rPr sz="1800" spc="-5" dirty="0">
-                <a:solidFill>
-                  <a:srgbClr val="424242"/>
-                </a:solidFill>
-                <a:latin typeface="Courier New"/>
-                <a:cs typeface="Courier New"/>
-              </a:rPr>
-              <a:t>encoding</a:t>
-            </a:r>
-            <a:endParaRPr sz="1800" dirty="0">
-              <a:latin typeface="Courier New"/>
-              <a:cs typeface="Courier New"/>
-            </a:endParaRPr>
-          </a:p>
-          <a:p>
-            <a:pPr marL="12700" marR="1102995">
-              <a:lnSpc>
-                <a:spcPct val="187500"/>
-              </a:lnSpc>
-            </a:pPr>
-            <a:r>
-              <a:rPr sz="1800" spc="-5" dirty="0">
-                <a:solidFill>
-                  <a:srgbClr val="424242"/>
-                </a:solidFill>
-                <a:latin typeface="Courier New"/>
-                <a:cs typeface="Courier New"/>
-              </a:rPr>
-              <a:t>Service lookup  Node selection  Connection</a:t>
-            </a:r>
-            <a:r>
-              <a:rPr sz="1800" spc="-25" dirty="0">
-                <a:solidFill>
-                  <a:srgbClr val="424242"/>
-                </a:solidFill>
-                <a:latin typeface="Courier New"/>
-                <a:cs typeface="Courier New"/>
-              </a:rPr>
-              <a:t> </a:t>
-            </a:r>
-            <a:r>
-              <a:rPr sz="1800" spc="-5" dirty="0">
-                <a:solidFill>
-                  <a:srgbClr val="424242"/>
-                </a:solidFill>
-                <a:latin typeface="Courier New"/>
-                <a:cs typeface="Courier New"/>
-              </a:rPr>
-              <a:t>pooling</a:t>
-            </a:r>
-            <a:endParaRPr sz="1800" dirty="0">
-              <a:latin typeface="Courier New"/>
-              <a:cs typeface="Courier New"/>
-            </a:endParaRPr>
-          </a:p>
-          <a:p>
-            <a:pPr marL="12700" marR="5080">
-              <a:lnSpc>
-                <a:spcPct val="187500"/>
-              </a:lnSpc>
-            </a:pPr>
-            <a:r>
-              <a:rPr sz="1800" spc="-5" dirty="0">
-                <a:solidFill>
-                  <a:srgbClr val="424242"/>
-                </a:solidFill>
-                <a:latin typeface="Courier New"/>
-                <a:cs typeface="Courier New"/>
-              </a:rPr>
-              <a:t>Retries, timeouts, backoff  Oh and making the request</a:t>
-            </a:r>
-            <a:endParaRPr sz="1800" dirty="0">
-              <a:latin typeface="Courier New"/>
-              <a:cs typeface="Courier New"/>
-            </a:endParaRPr>
-          </a:p>
-        </p:txBody>
-      </p:sp>
-    </p:spTree>
-  </p:cSld>
-  <p:clrMapOvr>
-    <a:masterClrMapping/>
-  </p:clrMapOvr>
-</p:sld>
-</file>
-
-<file path=ppt/slides/slide21.xml><?xml version="1.0" encoding="utf-8"?>
+<file path=ppt/slides/slide26.xml><?xml version="1.0" encoding="utf-8"?>
 <p:sld xmlns:a="http://schemas.openxmlformats.org/drawingml/2006/main" xmlns:r="http://schemas.openxmlformats.org/officeDocument/2006/relationships" xmlns:p="http://schemas.openxmlformats.org/presentationml/2006/main" showMasterSp="0">
   <p:cSld>
     <p:spTree>
@@ -9364,7 +12741,7 @@
 </p:sld>
 </file>
 
-<file path=ppt/slides/slide22.xml><?xml version="1.0" encoding="utf-8"?>
+<file path=ppt/slides/slide27.xml><?xml version="1.0" encoding="utf-8"?>
 <p:sld xmlns:a="http://schemas.openxmlformats.org/drawingml/2006/main" xmlns:r="http://schemas.openxmlformats.org/officeDocument/2006/relationships" xmlns:p="http://schemas.openxmlformats.org/presentationml/2006/main">
   <p:cSld>
     <p:spTree>
@@ -9430,7 +12807,7 @@
 </p:sld>
 </file>
 
-<file path=ppt/slides/slide23.xml><?xml version="1.0" encoding="utf-8"?>
+<file path=ppt/slides/slide28.xml><?xml version="1.0" encoding="utf-8"?>
 <p:sld xmlns:a="http://schemas.openxmlformats.org/drawingml/2006/main" xmlns:r="http://schemas.openxmlformats.org/officeDocument/2006/relationships" xmlns:p="http://schemas.openxmlformats.org/presentationml/2006/main" showMasterSp="0">
   <p:cSld>
     <p:spTree>
@@ -9594,7 +12971,7 @@
 </p:sld>
 </file>
 
-<file path=ppt/slides/slide24.xml><?xml version="1.0" encoding="utf-8"?>
+<file path=ppt/slides/slide29.xml><?xml version="1.0" encoding="utf-8"?>
 <p:sld xmlns:a="http://schemas.openxmlformats.org/drawingml/2006/main" xmlns:r="http://schemas.openxmlformats.org/officeDocument/2006/relationships" xmlns:p="http://schemas.openxmlformats.org/presentationml/2006/main" showMasterSp="0">
   <p:cSld>
     <p:spTree>
@@ -10020,7 +13397,301 @@
 </p:sld>
 </file>
 
-<file path=ppt/slides/slide25.xml><?xml version="1.0" encoding="utf-8"?>
+<file path=ppt/slides/slide3.xml><?xml version="1.0" encoding="utf-8"?>
+<p:sld xmlns:a="http://schemas.openxmlformats.org/drawingml/2006/main" xmlns:r="http://schemas.openxmlformats.org/officeDocument/2006/relationships" xmlns:p="http://schemas.openxmlformats.org/presentationml/2006/main">
+  <p:cSld>
+    <p:spTree>
+      <p:nvGrpSpPr>
+        <p:cNvPr id="1" name=""/>
+        <p:cNvGrpSpPr/>
+        <p:nvPr/>
+      </p:nvGrpSpPr>
+      <p:grpSpPr>
+        <a:xfrm>
+          <a:off x="0" y="0"/>
+          <a:ext cx="0" cy="0"/>
+          <a:chOff x="0" y="0"/>
+          <a:chExt cx="0" cy="0"/>
+        </a:xfrm>
+      </p:grpSpPr>
+      <p:sp>
+        <p:nvSpPr>
+          <p:cNvPr id="2" name="object 2"/>
+          <p:cNvSpPr txBox="1">
+            <a:spLocks noGrp="1"/>
+          </p:cNvSpPr>
+          <p:nvPr>
+            <p:ph type="title"/>
+          </p:nvPr>
+        </p:nvSpPr>
+        <p:spPr>
+          <a:xfrm>
+            <a:off x="384724" y="535134"/>
+            <a:ext cx="4034876" cy="474489"/>
+          </a:xfrm>
+          <a:prstGeom prst="rect">
+            <a:avLst/>
+          </a:prstGeom>
+        </p:spPr>
+        <p:txBody>
+          <a:bodyPr vert="horz" wrap="square" lIns="0" tIns="12700" rIns="0" bIns="0" rtlCol="0">
+            <a:spAutoFit/>
+          </a:bodyPr>
+          <a:lstStyle/>
+          <a:p>
+            <a:pPr marL="12700">
+              <a:lnSpc>
+                <a:spcPct val="100000"/>
+              </a:lnSpc>
+              <a:spcBef>
+                <a:spcPts val="100"/>
+              </a:spcBef>
+            </a:pPr>
+            <a:r>
+              <a:rPr lang="zh-CN" altLang="en-US" sz="3000" dirty="0">
+                <a:solidFill>
+                  <a:schemeClr val="tx1"/>
+                </a:solidFill>
+                <a:latin typeface="Arial"/>
+                <a:cs typeface="Arial"/>
+              </a:rPr>
+              <a:t>本次分享主题</a:t>
+            </a:r>
+            <a:endParaRPr sz="3000" dirty="0">
+              <a:solidFill>
+                <a:schemeClr val="tx1"/>
+              </a:solidFill>
+              <a:latin typeface="Arial"/>
+              <a:cs typeface="Arial"/>
+            </a:endParaRPr>
+          </a:p>
+        </p:txBody>
+      </p:sp>
+      <p:sp>
+        <p:nvSpPr>
+          <p:cNvPr id="6" name="object 3">
+            <a:extLst>
+              <a:ext uri="{FF2B5EF4-FFF2-40B4-BE49-F238E27FC236}">
+                <a16:creationId xmlns:a16="http://schemas.microsoft.com/office/drawing/2014/main" id="{0ADAEFCC-1562-B447-B883-336945762139}"/>
+              </a:ext>
+            </a:extLst>
+          </p:cNvPr>
+          <p:cNvSpPr txBox="1"/>
+          <p:nvPr/>
+        </p:nvSpPr>
+        <p:spPr>
+          <a:xfrm>
+            <a:off x="384724" y="1796520"/>
+            <a:ext cx="6609080" cy="289823"/>
+          </a:xfrm>
+          <a:prstGeom prst="rect">
+            <a:avLst/>
+          </a:prstGeom>
+        </p:spPr>
+        <p:txBody>
+          <a:bodyPr vert="horz" wrap="square" lIns="0" tIns="12700" rIns="0" bIns="0" rtlCol="0">
+            <a:spAutoFit/>
+          </a:bodyPr>
+          <a:lstStyle/>
+          <a:p>
+            <a:pPr marL="12700">
+              <a:lnSpc>
+                <a:spcPct val="100000"/>
+              </a:lnSpc>
+              <a:spcBef>
+                <a:spcPts val="100"/>
+              </a:spcBef>
+            </a:pPr>
+            <a:r>
+              <a:rPr lang="en-US" altLang="zh-CN" spc="-5" dirty="0">
+                <a:solidFill>
+                  <a:srgbClr val="424242"/>
+                </a:solidFill>
+                <a:latin typeface="Courier New"/>
+                <a:cs typeface="Courier New"/>
+              </a:rPr>
+              <a:t>Go-Micro</a:t>
+            </a:r>
+            <a:r>
+              <a:rPr lang="zh-CN" altLang="en-US" spc="-5" dirty="0">
+                <a:solidFill>
+                  <a:srgbClr val="424242"/>
+                </a:solidFill>
+                <a:latin typeface="Courier New"/>
+                <a:cs typeface="Courier New"/>
+              </a:rPr>
+              <a:t>框架的设计</a:t>
+            </a:r>
+            <a:endParaRPr lang="en-US" altLang="zh-CN" spc="-5" dirty="0">
+              <a:solidFill>
+                <a:srgbClr val="424242"/>
+              </a:solidFill>
+              <a:latin typeface="Courier New"/>
+              <a:cs typeface="Courier New"/>
+            </a:endParaRPr>
+          </a:p>
+        </p:txBody>
+      </p:sp>
+      <p:sp>
+        <p:nvSpPr>
+          <p:cNvPr id="4" name="Rectangle 3">
+            <a:extLst>
+              <a:ext uri="{FF2B5EF4-FFF2-40B4-BE49-F238E27FC236}">
+                <a16:creationId xmlns:a16="http://schemas.microsoft.com/office/drawing/2014/main" id="{261CE6DC-055A-C342-B0D5-C9AF1B832B40}"/>
+              </a:ext>
+            </a:extLst>
+          </p:cNvPr>
+          <p:cNvSpPr/>
+          <p:nvPr/>
+        </p:nvSpPr>
+        <p:spPr>
+          <a:xfrm>
+            <a:off x="304800" y="2150214"/>
+            <a:ext cx="1335622" cy="369332"/>
+          </a:xfrm>
+          <a:prstGeom prst="rect">
+            <a:avLst/>
+          </a:prstGeom>
+        </p:spPr>
+        <p:txBody>
+          <a:bodyPr wrap="none">
+            <a:spAutoFit/>
+          </a:bodyPr>
+          <a:lstStyle/>
+          <a:p>
+            <a:r>
+              <a:rPr lang="zh-CN" altLang="en-US" spc="-5" dirty="0">
+                <a:solidFill>
+                  <a:srgbClr val="424242"/>
+                </a:solidFill>
+                <a:latin typeface="Courier New"/>
+                <a:cs typeface="Courier New"/>
+              </a:rPr>
+              <a:t>主要的组件</a:t>
+            </a:r>
+            <a:endParaRPr lang="en-US" b="1" spc="-5" dirty="0">
+              <a:solidFill>
+                <a:srgbClr val="424242"/>
+              </a:solidFill>
+              <a:latin typeface="Courier New"/>
+              <a:cs typeface="Courier New"/>
+            </a:endParaRPr>
+          </a:p>
+        </p:txBody>
+      </p:sp>
+      <p:sp>
+        <p:nvSpPr>
+          <p:cNvPr id="3" name="TextBox 2">
+            <a:extLst>
+              <a:ext uri="{FF2B5EF4-FFF2-40B4-BE49-F238E27FC236}">
+                <a16:creationId xmlns:a16="http://schemas.microsoft.com/office/drawing/2014/main" id="{1582F996-6131-0240-8315-F3F68AE48033}"/>
+              </a:ext>
+            </a:extLst>
+          </p:cNvPr>
+          <p:cNvSpPr txBox="1"/>
+          <p:nvPr/>
+        </p:nvSpPr>
+        <p:spPr>
+          <a:xfrm>
+            <a:off x="304800" y="2583418"/>
+            <a:ext cx="2262158" cy="369332"/>
+          </a:xfrm>
+          <a:prstGeom prst="rect">
+            <a:avLst/>
+          </a:prstGeom>
+          <a:noFill/>
+        </p:spPr>
+        <p:txBody>
+          <a:bodyPr wrap="none" rtlCol="0">
+            <a:spAutoFit/>
+          </a:bodyPr>
+          <a:lstStyle/>
+          <a:p>
+            <a:r>
+              <a:rPr lang="zh-CN" altLang="en-US" spc="-5" dirty="0">
+                <a:solidFill>
+                  <a:srgbClr val="424242"/>
+                </a:solidFill>
+                <a:latin typeface="Courier New"/>
+                <a:cs typeface="Courier New"/>
+              </a:rPr>
+              <a:t>插件化是如何实现的</a:t>
+            </a:r>
+          </a:p>
+        </p:txBody>
+      </p:sp>
+      <p:sp>
+        <p:nvSpPr>
+          <p:cNvPr id="8" name="object 3">
+            <a:extLst>
+              <a:ext uri="{FF2B5EF4-FFF2-40B4-BE49-F238E27FC236}">
+                <a16:creationId xmlns:a16="http://schemas.microsoft.com/office/drawing/2014/main" id="{A7AD6CB1-8D17-514E-A62A-60BBEB2F9A16}"/>
+              </a:ext>
+            </a:extLst>
+          </p:cNvPr>
+          <p:cNvSpPr txBox="1"/>
+          <p:nvPr/>
+        </p:nvSpPr>
+        <p:spPr>
+          <a:xfrm>
+            <a:off x="384724" y="1466943"/>
+            <a:ext cx="6609080" cy="289823"/>
+          </a:xfrm>
+          <a:prstGeom prst="rect">
+            <a:avLst/>
+          </a:prstGeom>
+        </p:spPr>
+        <p:txBody>
+          <a:bodyPr vert="horz" wrap="square" lIns="0" tIns="12700" rIns="0" bIns="0" rtlCol="0">
+            <a:spAutoFit/>
+          </a:bodyPr>
+          <a:lstStyle/>
+          <a:p>
+            <a:pPr marL="12700">
+              <a:lnSpc>
+                <a:spcPct val="100000"/>
+              </a:lnSpc>
+              <a:spcBef>
+                <a:spcPts val="100"/>
+              </a:spcBef>
+            </a:pPr>
+            <a:r>
+              <a:rPr lang="zh-CN" altLang="en-US" spc="-5" dirty="0">
+                <a:solidFill>
+                  <a:srgbClr val="424242"/>
+                </a:solidFill>
+                <a:latin typeface="Courier New"/>
+                <a:cs typeface="Courier New"/>
+              </a:rPr>
+              <a:t>什么是</a:t>
+            </a:r>
+            <a:r>
+              <a:rPr lang="en-US" altLang="zh-CN" spc="-5" dirty="0">
+                <a:solidFill>
+                  <a:srgbClr val="424242"/>
+                </a:solidFill>
+                <a:latin typeface="Courier New"/>
+                <a:cs typeface="Courier New"/>
+              </a:rPr>
+              <a:t>Micro</a:t>
+            </a:r>
+          </a:p>
+        </p:txBody>
+      </p:sp>
+    </p:spTree>
+    <p:extLst>
+      <p:ext uri="{BB962C8B-B14F-4D97-AF65-F5344CB8AC3E}">
+        <p14:creationId xmlns:p14="http://schemas.microsoft.com/office/powerpoint/2010/main" val="2795750387"/>
+      </p:ext>
+    </p:extLst>
+  </p:cSld>
+  <p:clrMapOvr>
+    <a:masterClrMapping/>
+  </p:clrMapOvr>
+</p:sld>
+</file>
+
+<file path=ppt/slides/slide30.xml><?xml version="1.0" encoding="utf-8"?>
 <p:sld xmlns:a="http://schemas.openxmlformats.org/drawingml/2006/main" xmlns:r="http://schemas.openxmlformats.org/officeDocument/2006/relationships" xmlns:p="http://schemas.openxmlformats.org/presentationml/2006/main">
   <p:cSld>
     <p:spTree>
@@ -10766,7 +14437,7 @@
 </p:sld>
 </file>
 
-<file path=ppt/slides/slide26.xml><?xml version="1.0" encoding="utf-8"?>
+<file path=ppt/slides/slide31.xml><?xml version="1.0" encoding="utf-8"?>
 <p:sld xmlns:a="http://schemas.openxmlformats.org/drawingml/2006/main" xmlns:r="http://schemas.openxmlformats.org/officeDocument/2006/relationships" xmlns:p="http://schemas.openxmlformats.org/presentationml/2006/main">
   <p:cSld>
     <p:spTree>
@@ -11897,7 +15568,7 @@
 </p:sld>
 </file>
 
-<file path=ppt/slides/slide27.xml><?xml version="1.0" encoding="utf-8"?>
+<file path=ppt/slides/slide32.xml><?xml version="1.0" encoding="utf-8"?>
 <p:sld xmlns:a="http://schemas.openxmlformats.org/drawingml/2006/main" xmlns:r="http://schemas.openxmlformats.org/officeDocument/2006/relationships" xmlns:p="http://schemas.openxmlformats.org/presentationml/2006/main">
   <p:cSld>
     <p:spTree>
@@ -12239,7 +15910,7 @@
 </p:sld>
 </file>
 
-<file path=ppt/slides/slide28.xml><?xml version="1.0" encoding="utf-8"?>
+<file path=ppt/slides/slide33.xml><?xml version="1.0" encoding="utf-8"?>
 <p:sld xmlns:a="http://schemas.openxmlformats.org/drawingml/2006/main" xmlns:r="http://schemas.openxmlformats.org/officeDocument/2006/relationships" xmlns:p="http://schemas.openxmlformats.org/presentationml/2006/main">
   <p:cSld>
     <p:spTree>
@@ -12697,300 +16368,6 @@
         </p:txBody>
       </p:sp>
     </p:spTree>
-  </p:cSld>
-  <p:clrMapOvr>
-    <a:masterClrMapping/>
-  </p:clrMapOvr>
-</p:sld>
-</file>
-
-<file path=ppt/slides/slide3.xml><?xml version="1.0" encoding="utf-8"?>
-<p:sld xmlns:a="http://schemas.openxmlformats.org/drawingml/2006/main" xmlns:r="http://schemas.openxmlformats.org/officeDocument/2006/relationships" xmlns:p="http://schemas.openxmlformats.org/presentationml/2006/main">
-  <p:cSld>
-    <p:spTree>
-      <p:nvGrpSpPr>
-        <p:cNvPr id="1" name=""/>
-        <p:cNvGrpSpPr/>
-        <p:nvPr/>
-      </p:nvGrpSpPr>
-      <p:grpSpPr>
-        <a:xfrm>
-          <a:off x="0" y="0"/>
-          <a:ext cx="0" cy="0"/>
-          <a:chOff x="0" y="0"/>
-          <a:chExt cx="0" cy="0"/>
-        </a:xfrm>
-      </p:grpSpPr>
-      <p:sp>
-        <p:nvSpPr>
-          <p:cNvPr id="2" name="object 2"/>
-          <p:cNvSpPr txBox="1">
-            <a:spLocks noGrp="1"/>
-          </p:cNvSpPr>
-          <p:nvPr>
-            <p:ph type="title"/>
-          </p:nvPr>
-        </p:nvSpPr>
-        <p:spPr>
-          <a:xfrm>
-            <a:off x="384724" y="535134"/>
-            <a:ext cx="4034876" cy="474489"/>
-          </a:xfrm>
-          <a:prstGeom prst="rect">
-            <a:avLst/>
-          </a:prstGeom>
-        </p:spPr>
-        <p:txBody>
-          <a:bodyPr vert="horz" wrap="square" lIns="0" tIns="12700" rIns="0" bIns="0" rtlCol="0">
-            <a:spAutoFit/>
-          </a:bodyPr>
-          <a:lstStyle/>
-          <a:p>
-            <a:pPr marL="12700">
-              <a:lnSpc>
-                <a:spcPct val="100000"/>
-              </a:lnSpc>
-              <a:spcBef>
-                <a:spcPts val="100"/>
-              </a:spcBef>
-            </a:pPr>
-            <a:r>
-              <a:rPr lang="zh-CN" altLang="en-US" sz="3000" dirty="0">
-                <a:solidFill>
-                  <a:schemeClr val="tx1"/>
-                </a:solidFill>
-                <a:latin typeface="Arial"/>
-                <a:cs typeface="Arial"/>
-              </a:rPr>
-              <a:t>本次分享主题</a:t>
-            </a:r>
-            <a:endParaRPr sz="3000" dirty="0">
-              <a:solidFill>
-                <a:schemeClr val="tx1"/>
-              </a:solidFill>
-              <a:latin typeface="Arial"/>
-              <a:cs typeface="Arial"/>
-            </a:endParaRPr>
-          </a:p>
-        </p:txBody>
-      </p:sp>
-      <p:sp>
-        <p:nvSpPr>
-          <p:cNvPr id="6" name="object 3">
-            <a:extLst>
-              <a:ext uri="{FF2B5EF4-FFF2-40B4-BE49-F238E27FC236}">
-                <a16:creationId xmlns:a16="http://schemas.microsoft.com/office/drawing/2014/main" id="{0ADAEFCC-1562-B447-B883-336945762139}"/>
-              </a:ext>
-            </a:extLst>
-          </p:cNvPr>
-          <p:cNvSpPr txBox="1"/>
-          <p:nvPr/>
-        </p:nvSpPr>
-        <p:spPr>
-          <a:xfrm>
-            <a:off x="384724" y="1796520"/>
-            <a:ext cx="6609080" cy="289823"/>
-          </a:xfrm>
-          <a:prstGeom prst="rect">
-            <a:avLst/>
-          </a:prstGeom>
-        </p:spPr>
-        <p:txBody>
-          <a:bodyPr vert="horz" wrap="square" lIns="0" tIns="12700" rIns="0" bIns="0" rtlCol="0">
-            <a:spAutoFit/>
-          </a:bodyPr>
-          <a:lstStyle/>
-          <a:p>
-            <a:pPr marL="12700">
-              <a:lnSpc>
-                <a:spcPct val="100000"/>
-              </a:lnSpc>
-              <a:spcBef>
-                <a:spcPts val="100"/>
-              </a:spcBef>
-            </a:pPr>
-            <a:r>
-              <a:rPr lang="en-US" altLang="zh-CN" spc="-5" dirty="0">
-                <a:solidFill>
-                  <a:srgbClr val="424242"/>
-                </a:solidFill>
-                <a:latin typeface="Courier New"/>
-                <a:cs typeface="Courier New"/>
-              </a:rPr>
-              <a:t>Go-Micro</a:t>
-            </a:r>
-            <a:r>
-              <a:rPr lang="zh-CN" altLang="en-US" spc="-5" dirty="0">
-                <a:solidFill>
-                  <a:srgbClr val="424242"/>
-                </a:solidFill>
-                <a:latin typeface="Courier New"/>
-                <a:cs typeface="Courier New"/>
-              </a:rPr>
-              <a:t>框架的设计</a:t>
-            </a:r>
-            <a:endParaRPr lang="en-US" altLang="zh-CN" spc="-5" dirty="0">
-              <a:solidFill>
-                <a:srgbClr val="424242"/>
-              </a:solidFill>
-              <a:latin typeface="Courier New"/>
-              <a:cs typeface="Courier New"/>
-            </a:endParaRPr>
-          </a:p>
-        </p:txBody>
-      </p:sp>
-      <p:sp>
-        <p:nvSpPr>
-          <p:cNvPr id="4" name="Rectangle 3">
-            <a:extLst>
-              <a:ext uri="{FF2B5EF4-FFF2-40B4-BE49-F238E27FC236}">
-                <a16:creationId xmlns:a16="http://schemas.microsoft.com/office/drawing/2014/main" id="{261CE6DC-055A-C342-B0D5-C9AF1B832B40}"/>
-              </a:ext>
-            </a:extLst>
-          </p:cNvPr>
-          <p:cNvSpPr/>
-          <p:nvPr/>
-        </p:nvSpPr>
-        <p:spPr>
-          <a:xfrm>
-            <a:off x="304800" y="2150214"/>
-            <a:ext cx="1335622" cy="369332"/>
-          </a:xfrm>
-          <a:prstGeom prst="rect">
-            <a:avLst/>
-          </a:prstGeom>
-        </p:spPr>
-        <p:txBody>
-          <a:bodyPr wrap="none">
-            <a:spAutoFit/>
-          </a:bodyPr>
-          <a:lstStyle/>
-          <a:p>
-            <a:r>
-              <a:rPr lang="zh-CN" altLang="en-US" spc="-5" dirty="0">
-                <a:solidFill>
-                  <a:srgbClr val="424242"/>
-                </a:solidFill>
-                <a:latin typeface="Courier New"/>
-                <a:cs typeface="Courier New"/>
-              </a:rPr>
-              <a:t>主要的组件</a:t>
-            </a:r>
-            <a:endParaRPr lang="en-US" b="1" spc="-5" dirty="0">
-              <a:solidFill>
-                <a:srgbClr val="424242"/>
-              </a:solidFill>
-              <a:latin typeface="Courier New"/>
-              <a:cs typeface="Courier New"/>
-            </a:endParaRPr>
-          </a:p>
-        </p:txBody>
-      </p:sp>
-      <p:sp>
-        <p:nvSpPr>
-          <p:cNvPr id="3" name="TextBox 2">
-            <a:extLst>
-              <a:ext uri="{FF2B5EF4-FFF2-40B4-BE49-F238E27FC236}">
-                <a16:creationId xmlns:a16="http://schemas.microsoft.com/office/drawing/2014/main" id="{1582F996-6131-0240-8315-F3F68AE48033}"/>
-              </a:ext>
-            </a:extLst>
-          </p:cNvPr>
-          <p:cNvSpPr txBox="1"/>
-          <p:nvPr/>
-        </p:nvSpPr>
-        <p:spPr>
-          <a:xfrm>
-            <a:off x="304800" y="2583418"/>
-            <a:ext cx="2262158" cy="369332"/>
-          </a:xfrm>
-          <a:prstGeom prst="rect">
-            <a:avLst/>
-          </a:prstGeom>
-          <a:noFill/>
-        </p:spPr>
-        <p:txBody>
-          <a:bodyPr wrap="none" rtlCol="0">
-            <a:spAutoFit/>
-          </a:bodyPr>
-          <a:lstStyle/>
-          <a:p>
-            <a:r>
-              <a:rPr lang="zh-CN" altLang="en-US" spc="-5" dirty="0">
-                <a:solidFill>
-                  <a:srgbClr val="424242"/>
-                </a:solidFill>
-                <a:latin typeface="Courier New"/>
-                <a:cs typeface="Courier New"/>
-              </a:rPr>
-              <a:t>插件化是如何实现的</a:t>
-            </a:r>
-          </a:p>
-        </p:txBody>
-      </p:sp>
-      <p:sp>
-        <p:nvSpPr>
-          <p:cNvPr id="8" name="object 3">
-            <a:extLst>
-              <a:ext uri="{FF2B5EF4-FFF2-40B4-BE49-F238E27FC236}">
-                <a16:creationId xmlns:a16="http://schemas.microsoft.com/office/drawing/2014/main" id="{A7AD6CB1-8D17-514E-A62A-60BBEB2F9A16}"/>
-              </a:ext>
-            </a:extLst>
-          </p:cNvPr>
-          <p:cNvSpPr txBox="1"/>
-          <p:nvPr/>
-        </p:nvSpPr>
-        <p:spPr>
-          <a:xfrm>
-            <a:off x="384724" y="1466943"/>
-            <a:ext cx="6609080" cy="289823"/>
-          </a:xfrm>
-          <a:prstGeom prst="rect">
-            <a:avLst/>
-          </a:prstGeom>
-        </p:spPr>
-        <p:txBody>
-          <a:bodyPr vert="horz" wrap="square" lIns="0" tIns="12700" rIns="0" bIns="0" rtlCol="0">
-            <a:spAutoFit/>
-          </a:bodyPr>
-          <a:lstStyle/>
-          <a:p>
-            <a:pPr marL="12700">
-              <a:lnSpc>
-                <a:spcPct val="100000"/>
-              </a:lnSpc>
-              <a:spcBef>
-                <a:spcPts val="100"/>
-              </a:spcBef>
-            </a:pPr>
-            <a:r>
-              <a:rPr lang="zh-CN" altLang="en-US" spc="-5" dirty="0">
-                <a:solidFill>
-                  <a:srgbClr val="424242"/>
-                </a:solidFill>
-                <a:latin typeface="Courier New"/>
-                <a:cs typeface="Courier New"/>
-              </a:rPr>
-              <a:t>什么是</a:t>
-            </a:r>
-            <a:r>
-              <a:rPr lang="en-US" altLang="zh-CN" spc="-5" dirty="0">
-                <a:solidFill>
-                  <a:srgbClr val="424242"/>
-                </a:solidFill>
-                <a:latin typeface="Courier New"/>
-                <a:cs typeface="Courier New"/>
-              </a:rPr>
-              <a:t>Micro</a:t>
-            </a:r>
-          </a:p>
-        </p:txBody>
-      </p:sp>
-    </p:spTree>
-    <p:extLst>
-      <p:ext uri="{BB962C8B-B14F-4D97-AF65-F5344CB8AC3E}">
-        <p14:creationId xmlns:p14="http://schemas.microsoft.com/office/powerpoint/2010/main" val="2795750387"/>
-      </p:ext>
-    </p:extLst>
   </p:cSld>
   <p:clrMapOvr>
     <a:masterClrMapping/>

--- a/others/share/learning-go/【第一期】Go-Micro框架设计.pptx
+++ b/others/share/learning-go/【第一期】Go-Micro框架设计.pptx
@@ -5,7 +5,7 @@
     <p:sldMasterId id="2147483648" r:id="rId1"/>
   </p:sldMasterIdLst>
   <p:notesMasterIdLst>
-    <p:notesMasterId r:id="rId35"/>
+    <p:notesMasterId r:id="rId29"/>
   </p:notesMasterIdLst>
   <p:sldIdLst>
     <p:sldId id="256" r:id="rId2"/>
@@ -22,25 +22,19 @@
     <p:sldId id="331" r:id="rId13"/>
     <p:sldId id="273" r:id="rId14"/>
     <p:sldId id="334" r:id="rId15"/>
-    <p:sldId id="335" r:id="rId16"/>
-    <p:sldId id="287" r:id="rId17"/>
-    <p:sldId id="333" r:id="rId18"/>
-    <p:sldId id="332" r:id="rId19"/>
-    <p:sldId id="293" r:id="rId20"/>
-    <p:sldId id="294" r:id="rId21"/>
-    <p:sldId id="295" r:id="rId22"/>
-    <p:sldId id="296" r:id="rId23"/>
-    <p:sldId id="297" r:id="rId24"/>
-    <p:sldId id="299" r:id="rId25"/>
-    <p:sldId id="300" r:id="rId26"/>
-    <p:sldId id="301" r:id="rId27"/>
-    <p:sldId id="302" r:id="rId28"/>
-    <p:sldId id="303" r:id="rId29"/>
-    <p:sldId id="304" r:id="rId30"/>
-    <p:sldId id="305" r:id="rId31"/>
-    <p:sldId id="306" r:id="rId32"/>
-    <p:sldId id="320" r:id="rId33"/>
-    <p:sldId id="322" r:id="rId34"/>
+    <p:sldId id="287" r:id="rId16"/>
+    <p:sldId id="333" r:id="rId17"/>
+    <p:sldId id="335" r:id="rId18"/>
+    <p:sldId id="336" r:id="rId19"/>
+    <p:sldId id="337" r:id="rId20"/>
+    <p:sldId id="301" r:id="rId21"/>
+    <p:sldId id="302" r:id="rId22"/>
+    <p:sldId id="303" r:id="rId23"/>
+    <p:sldId id="304" r:id="rId24"/>
+    <p:sldId id="305" r:id="rId25"/>
+    <p:sldId id="306" r:id="rId26"/>
+    <p:sldId id="320" r:id="rId27"/>
+    <p:sldId id="322" r:id="rId28"/>
   </p:sldIdLst>
   <p:sldSz cx="9144000" cy="5143500" type="screen16x9"/>
   <p:notesSz cx="9144000" cy="5143500"/>
@@ -551,27 +545,7 @@
           <a:bodyPr/>
           <a:lstStyle/>
           <a:p>
-            <a:r>
-              <a:rPr lang="zh-CN" altLang="en-US" dirty="0"/>
-              <a:t>在</a:t>
-            </a:r>
-            <a:r>
-              <a:rPr lang="en-US" altLang="zh-CN" dirty="0"/>
-              <a:t>Micro</a:t>
-            </a:r>
-            <a:r>
-              <a:rPr lang="zh-CN" altLang="en-US" dirty="0"/>
-              <a:t>团队中主要负责中文社区搭建，以及</a:t>
-            </a:r>
-            <a:r>
-              <a:rPr lang="en-US" altLang="zh-CN" dirty="0"/>
-              <a:t>Micro</a:t>
-            </a:r>
-            <a:r>
-              <a:rPr lang="zh-CN" altLang="en-US" dirty="0"/>
-              <a:t>运行时工具集开发</a:t>
-            </a:r>
-            <a:endParaRPr lang="en-US" dirty="0"/>
+            <a:endParaRPr lang="en-US"/>
           </a:p>
         </p:txBody>
       </p:sp>
@@ -592,7 +566,7 @@
           <a:p>
             <a:fld id="{28D00669-DCC9-3147-8F33-81E21A71CBE7}" type="slidenum">
               <a:rPr lang="en-US" smtClean="0"/>
-              <a:t>2</a:t>
+              <a:t>1</a:t>
             </a:fld>
             <a:endParaRPr lang="en-US"/>
           </a:p>
@@ -601,7 +575,7 @@
     </p:spTree>
     <p:extLst>
       <p:ext uri="{BB962C8B-B14F-4D97-AF65-F5344CB8AC3E}">
-        <p14:creationId xmlns:p14="http://schemas.microsoft.com/office/powerpoint/2010/main" val="2719340070"/>
+        <p14:creationId xmlns:p14="http://schemas.microsoft.com/office/powerpoint/2010/main" val="2941572317"/>
       </p:ext>
     </p:extLst>
   </p:cSld>
@@ -656,60 +630,226 @@
           <a:lstStyle/>
           <a:p>
             <a:r>
-              <a:rPr lang="zh-CN" altLang="en-US" dirty="0"/>
-              <a:t>服务启动时会做下面列出来的主要几件事：</a:t>
-            </a:r>
-            <a:endParaRPr lang="en-US" altLang="zh-CN" dirty="0"/>
-          </a:p>
-          <a:p>
-            <a:pPr marL="228600" indent="-228600">
-              <a:buAutoNum type="arabicPeriod"/>
-            </a:pPr>
-            <a:r>
-              <a:rPr lang="zh-CN" altLang="en-US" dirty="0"/>
-              <a:t>生成服务的定义，比如服务名、版本号、地址等</a:t>
-            </a:r>
-            <a:endParaRPr lang="en-US" altLang="zh-CN" dirty="0"/>
-          </a:p>
-          <a:p>
-            <a:pPr marL="228600" indent="-228600">
-              <a:buAutoNum type="arabicPeriod"/>
-            </a:pPr>
-            <a:r>
-              <a:rPr lang="zh-CN" altLang="en-US" dirty="0"/>
-              <a:t>向注册中心注册服务</a:t>
-            </a:r>
-            <a:endParaRPr lang="en-US" altLang="zh-CN" dirty="0"/>
-          </a:p>
-          <a:p>
-            <a:pPr marL="228600" indent="-228600">
-              <a:buAutoNum type="arabicPeriod"/>
-            </a:pPr>
-            <a:r>
-              <a:rPr lang="zh-CN" altLang="en-US" dirty="0"/>
-              <a:t>打开侦听端口并接收请求</a:t>
-            </a:r>
-            <a:endParaRPr lang="en-US" altLang="zh-CN" dirty="0"/>
-          </a:p>
-          <a:p>
-            <a:pPr marL="228600" indent="-228600">
-              <a:buAutoNum type="arabicPeriod"/>
-            </a:pPr>
-            <a:r>
-              <a:rPr lang="zh-CN" altLang="en-US" dirty="0"/>
-              <a:t>解码与处理请求</a:t>
-            </a:r>
-            <a:endParaRPr lang="en-US" altLang="zh-CN" dirty="0"/>
-          </a:p>
-          <a:p>
-            <a:pPr marL="228600" indent="-228600">
-              <a:buAutoNum type="arabicPeriod"/>
-            </a:pPr>
-            <a:r>
-              <a:rPr lang="zh-CN" altLang="en-US" dirty="0"/>
-              <a:t>可根据配置是否向注册中心声明心跳，用于需要有容灾、高可用的情形</a:t>
-            </a:r>
-            <a:endParaRPr lang="en-US" dirty="0"/>
+              <a:rPr lang="en-US" altLang="zh-CN" dirty="0">
+                <a:solidFill>
+                  <a:schemeClr val="bg1">
+                    <a:lumMod val="50000"/>
+                  </a:schemeClr>
+                </a:solidFill>
+              </a:rPr>
+              <a:t>Go-Micro</a:t>
+            </a:r>
+            <a:r>
+              <a:rPr lang="zh-CN" altLang="en-US" dirty="0">
+                <a:solidFill>
+                  <a:schemeClr val="bg1">
+                    <a:lumMod val="50000"/>
+                  </a:schemeClr>
+                </a:solidFill>
+              </a:rPr>
+              <a:t>目前支持的协议有</a:t>
+            </a:r>
+            <a:r>
+              <a:rPr lang="en-US" altLang="zh-CN" dirty="0">
+                <a:solidFill>
+                  <a:schemeClr val="bg1">
+                    <a:lumMod val="50000"/>
+                  </a:schemeClr>
+                </a:solidFill>
+              </a:rPr>
+              <a:t>http</a:t>
+            </a:r>
+            <a:r>
+              <a:rPr lang="zh-CN" altLang="en-US" dirty="0">
+                <a:solidFill>
+                  <a:schemeClr val="bg1">
+                    <a:lumMod val="50000"/>
+                  </a:schemeClr>
+                </a:solidFill>
+              </a:rPr>
+              <a:t>、</a:t>
+            </a:r>
+            <a:r>
+              <a:rPr lang="en-US" altLang="zh-CN" dirty="0">
+                <a:solidFill>
+                  <a:schemeClr val="bg1">
+                    <a:lumMod val="50000"/>
+                  </a:schemeClr>
+                </a:solidFill>
+              </a:rPr>
+              <a:t>grpc</a:t>
+            </a:r>
+            <a:r>
+              <a:rPr lang="zh-CN" altLang="en-US" dirty="0">
+                <a:solidFill>
+                  <a:schemeClr val="bg1">
+                    <a:lumMod val="50000"/>
+                  </a:schemeClr>
+                </a:solidFill>
+              </a:rPr>
+              <a:t>、</a:t>
+            </a:r>
+            <a:r>
+              <a:rPr lang="en-US" altLang="zh-CN" dirty="0">
+                <a:solidFill>
+                  <a:schemeClr val="bg1">
+                    <a:lumMod val="50000"/>
+                  </a:schemeClr>
+                </a:solidFill>
+              </a:rPr>
+              <a:t>udp</a:t>
+            </a:r>
+            <a:r>
+              <a:rPr lang="zh-CN" altLang="en-US" dirty="0">
+                <a:solidFill>
+                  <a:schemeClr val="bg1">
+                    <a:lumMod val="50000"/>
+                  </a:schemeClr>
+                </a:solidFill>
+              </a:rPr>
+              <a:t>（</a:t>
+            </a:r>
+            <a:r>
+              <a:rPr lang="en-US" altLang="zh-CN" dirty="0">
+                <a:solidFill>
+                  <a:schemeClr val="bg1">
+                    <a:lumMod val="50000"/>
+                  </a:schemeClr>
+                </a:solidFill>
+              </a:rPr>
+              <a:t>quic</a:t>
+            </a:r>
+            <a:r>
+              <a:rPr lang="zh-CN" altLang="en-US" dirty="0">
+                <a:solidFill>
+                  <a:schemeClr val="bg1">
+                    <a:lumMod val="50000"/>
+                  </a:schemeClr>
+                </a:solidFill>
+              </a:rPr>
+              <a:t>、</a:t>
+            </a:r>
+            <a:r>
+              <a:rPr lang="en-US" altLang="zh-CN" dirty="0">
+                <a:solidFill>
+                  <a:schemeClr val="bg1">
+                    <a:lumMod val="50000"/>
+                  </a:schemeClr>
+                </a:solidFill>
+              </a:rPr>
+              <a:t>utp</a:t>
+            </a:r>
+            <a:r>
+              <a:rPr lang="zh-CN" altLang="en-US" dirty="0">
+                <a:solidFill>
+                  <a:schemeClr val="bg1">
+                    <a:lumMod val="50000"/>
+                  </a:schemeClr>
+                </a:solidFill>
+              </a:rPr>
+              <a:t>）、</a:t>
+            </a:r>
+            <a:r>
+              <a:rPr lang="en-US" altLang="zh-CN" dirty="0">
+                <a:solidFill>
+                  <a:schemeClr val="bg1">
+                    <a:lumMod val="50000"/>
+                  </a:schemeClr>
+                </a:solidFill>
+              </a:rPr>
+              <a:t>nats</a:t>
+            </a:r>
+            <a:r>
+              <a:rPr lang="zh-CN" altLang="en-US" dirty="0">
+                <a:solidFill>
+                  <a:schemeClr val="bg1">
+                    <a:lumMod val="50000"/>
+                  </a:schemeClr>
+                </a:solidFill>
+              </a:rPr>
+              <a:t>、</a:t>
+            </a:r>
+            <a:r>
+              <a:rPr lang="en-US" altLang="zh-CN" dirty="0">
+                <a:solidFill>
+                  <a:schemeClr val="bg1">
+                    <a:lumMod val="50000"/>
+                  </a:schemeClr>
+                </a:solidFill>
+              </a:rPr>
+              <a:t>rabbitmq</a:t>
+            </a:r>
+            <a:r>
+              <a:rPr lang="zh-CN" altLang="en-US" dirty="0">
+                <a:solidFill>
+                  <a:schemeClr val="bg1">
+                    <a:lumMod val="50000"/>
+                  </a:schemeClr>
+                </a:solidFill>
+              </a:rPr>
+              <a:t>。但是它们内部请求模型都是差不多的，都封装在</a:t>
+            </a:r>
+            <a:r>
+              <a:rPr lang="en-US" altLang="zh-CN" dirty="0">
+                <a:solidFill>
+                  <a:schemeClr val="bg1">
+                    <a:lumMod val="50000"/>
+                  </a:schemeClr>
+                </a:solidFill>
+              </a:rPr>
+              <a:t>Transport</a:t>
+            </a:r>
+            <a:r>
+              <a:rPr lang="zh-CN" altLang="en-US" dirty="0">
+                <a:solidFill>
+                  <a:schemeClr val="bg1">
+                    <a:lumMod val="50000"/>
+                  </a:schemeClr>
+                </a:solidFill>
+              </a:rPr>
+              <a:t>的两个增口</a:t>
+            </a:r>
+            <a:r>
+              <a:rPr lang="en-US" altLang="zh-CN" dirty="0">
+                <a:solidFill>
+                  <a:schemeClr val="bg1">
+                    <a:lumMod val="50000"/>
+                  </a:schemeClr>
+                </a:solidFill>
+              </a:rPr>
+              <a:t>Dial</a:t>
+            </a:r>
+            <a:r>
+              <a:rPr lang="zh-CN" altLang="en-US" dirty="0">
+                <a:solidFill>
+                  <a:schemeClr val="bg1">
+                    <a:lumMod val="50000"/>
+                  </a:schemeClr>
+                </a:solidFill>
+              </a:rPr>
+              <a:t>和</a:t>
+            </a:r>
+            <a:r>
+              <a:rPr lang="en-US" altLang="zh-CN" dirty="0">
+                <a:solidFill>
+                  <a:schemeClr val="bg1">
+                    <a:lumMod val="50000"/>
+                  </a:schemeClr>
+                </a:solidFill>
+              </a:rPr>
+              <a:t>Listen</a:t>
+            </a:r>
+            <a:r>
+              <a:rPr lang="zh-CN" altLang="en-US" dirty="0">
+                <a:solidFill>
+                  <a:schemeClr val="bg1">
+                    <a:lumMod val="50000"/>
+                  </a:schemeClr>
+                </a:solidFill>
+              </a:rPr>
+              <a:t>中</a:t>
+            </a:r>
+            <a:endParaRPr lang="en-US"/>
           </a:p>
         </p:txBody>
       </p:sp>
@@ -730,7 +870,7 @@
           <a:p>
             <a:fld id="{28D00669-DCC9-3147-8F33-81E21A71CBE7}" type="slidenum">
               <a:rPr lang="en-US" smtClean="0"/>
-              <a:t>24</a:t>
+              <a:t>14</a:t>
             </a:fld>
             <a:endParaRPr lang="en-US"/>
           </a:p>
@@ -739,7 +879,7 @@
     </p:spTree>
     <p:extLst>
       <p:ext uri="{BB962C8B-B14F-4D97-AF65-F5344CB8AC3E}">
-        <p14:creationId xmlns:p14="http://schemas.microsoft.com/office/powerpoint/2010/main" val="2717195444"/>
+        <p14:creationId xmlns:p14="http://schemas.microsoft.com/office/powerpoint/2010/main" val="4006277651"/>
       </p:ext>
     </p:extLst>
   </p:cSld>
@@ -794,10 +934,25 @@
           <a:lstStyle/>
           <a:p>
             <a:r>
-              <a:rPr lang="zh-CN" altLang="en-US" dirty="0"/>
-              <a:t>装饰器模式，一种设计模式，它允许不同的包装器对同一对象增加不同的行为，但是对包装器之间彼此不影响各自的增加的行为。</a:t>
-            </a:r>
-            <a:endParaRPr lang="en-US" dirty="0"/>
+              <a:rPr lang="zh-CN" altLang="en-US"/>
+              <a:t>回顾一下刚给大家分享的</a:t>
+            </a:r>
+            <a:r>
+              <a:rPr lang="en-US" altLang="zh-CN"/>
+              <a:t>Go-Micro</a:t>
+            </a:r>
+            <a:r>
+              <a:rPr lang="zh-CN" altLang="en-US"/>
+              <a:t>的框架模块图，用颜色标识出来的组件，都是可插拔的，可以根据自己需要的技术，组装自己的服务体系。</a:t>
+            </a:r>
+            <a:endParaRPr lang="en-US" altLang="zh-CN"/>
+          </a:p>
+          <a:p>
+            <a:r>
+              <a:rPr lang="zh-CN" altLang="en-US"/>
+              <a:t>我们通过几个例子来给大家说明</a:t>
+            </a:r>
+            <a:endParaRPr lang="en-US"/>
           </a:p>
         </p:txBody>
       </p:sp>
@@ -818,7 +973,471 @@
           <a:p>
             <a:fld id="{28D00669-DCC9-3147-8F33-81E21A71CBE7}" type="slidenum">
               <a:rPr lang="en-US" smtClean="0"/>
-              <a:t>28</a:t>
+              <a:t>16</a:t>
+            </a:fld>
+            <a:endParaRPr lang="en-US"/>
+          </a:p>
+        </p:txBody>
+      </p:sp>
+    </p:spTree>
+    <p:extLst>
+      <p:ext uri="{BB962C8B-B14F-4D97-AF65-F5344CB8AC3E}">
+        <p14:creationId xmlns:p14="http://schemas.microsoft.com/office/powerpoint/2010/main" val="931875394"/>
+      </p:ext>
+    </p:extLst>
+  </p:cSld>
+  <p:clrMapOvr>
+    <a:masterClrMapping/>
+  </p:clrMapOvr>
+</p:notes>
+</file>
+
+<file path=ppt/notesSlides/notesSlide12.xml><?xml version="1.0" encoding="utf-8"?>
+<p:notes xmlns:a="http://schemas.openxmlformats.org/drawingml/2006/main" xmlns:r="http://schemas.openxmlformats.org/officeDocument/2006/relationships" xmlns:p="http://schemas.openxmlformats.org/presentationml/2006/main">
+  <p:cSld>
+    <p:spTree>
+      <p:nvGrpSpPr>
+        <p:cNvPr id="1" name=""/>
+        <p:cNvGrpSpPr/>
+        <p:nvPr/>
+      </p:nvGrpSpPr>
+      <p:grpSpPr>
+        <a:xfrm>
+          <a:off x="0" y="0"/>
+          <a:ext cx="0" cy="0"/>
+          <a:chOff x="0" y="0"/>
+          <a:chExt cx="0" cy="0"/>
+        </a:xfrm>
+      </p:grpSpPr>
+      <p:sp>
+        <p:nvSpPr>
+          <p:cNvPr id="2" name="Slide Image Placeholder 1"/>
+          <p:cNvSpPr>
+            <a:spLocks noGrp="1" noRot="1" noChangeAspect="1"/>
+          </p:cNvSpPr>
+          <p:nvPr>
+            <p:ph type="sldImg"/>
+          </p:nvPr>
+        </p:nvSpPr>
+        <p:spPr/>
+      </p:sp>
+      <p:sp>
+        <p:nvSpPr>
+          <p:cNvPr id="3" name="Notes Placeholder 2"/>
+          <p:cNvSpPr>
+            <a:spLocks noGrp="1"/>
+          </p:cNvSpPr>
+          <p:nvPr>
+            <p:ph type="body" idx="1"/>
+          </p:nvPr>
+        </p:nvSpPr>
+        <p:spPr/>
+        <p:txBody>
+          <a:bodyPr/>
+          <a:lstStyle/>
+          <a:p>
+            <a:r>
+              <a:rPr lang="zh-CN" altLang="en-US"/>
+              <a:t>我们演示构建一个服务的代码，让大家对插件化是什么有个认识。我们就定义简单一点，就演示两个插件：</a:t>
+            </a:r>
+            <a:r>
+              <a:rPr lang="en-US" altLang="zh-CN"/>
+              <a:t>Registry</a:t>
+            </a:r>
+            <a:r>
+              <a:rPr lang="zh-CN" altLang="en-US"/>
+              <a:t>与</a:t>
+            </a:r>
+            <a:r>
+              <a:rPr lang="en-US" altLang="zh-CN"/>
+              <a:t>Broker</a:t>
+            </a:r>
+            <a:r>
+              <a:rPr lang="zh-CN" altLang="en-US"/>
+              <a:t>。</a:t>
+            </a:r>
+            <a:endParaRPr lang="en-US" altLang="zh-CN"/>
+          </a:p>
+        </p:txBody>
+      </p:sp>
+      <p:sp>
+        <p:nvSpPr>
+          <p:cNvPr id="4" name="Slide Number Placeholder 3"/>
+          <p:cNvSpPr>
+            <a:spLocks noGrp="1"/>
+          </p:cNvSpPr>
+          <p:nvPr>
+            <p:ph type="sldNum" sz="quarter" idx="5"/>
+          </p:nvPr>
+        </p:nvSpPr>
+        <p:spPr/>
+        <p:txBody>
+          <a:bodyPr/>
+          <a:lstStyle/>
+          <a:p>
+            <a:fld id="{28D00669-DCC9-3147-8F33-81E21A71CBE7}" type="slidenum">
+              <a:rPr lang="en-US" smtClean="0"/>
+              <a:t>17</a:t>
+            </a:fld>
+            <a:endParaRPr lang="en-US"/>
+          </a:p>
+        </p:txBody>
+      </p:sp>
+    </p:spTree>
+    <p:extLst>
+      <p:ext uri="{BB962C8B-B14F-4D97-AF65-F5344CB8AC3E}">
+        <p14:creationId xmlns:p14="http://schemas.microsoft.com/office/powerpoint/2010/main" val="2787120298"/>
+      </p:ext>
+    </p:extLst>
+  </p:cSld>
+  <p:clrMapOvr>
+    <a:masterClrMapping/>
+  </p:clrMapOvr>
+</p:notes>
+</file>
+
+<file path=ppt/notesSlides/notesSlide13.xml><?xml version="1.0" encoding="utf-8"?>
+<p:notes xmlns:a="http://schemas.openxmlformats.org/drawingml/2006/main" xmlns:r="http://schemas.openxmlformats.org/officeDocument/2006/relationships" xmlns:p="http://schemas.openxmlformats.org/presentationml/2006/main">
+  <p:cSld>
+    <p:spTree>
+      <p:nvGrpSpPr>
+        <p:cNvPr id="1" name=""/>
+        <p:cNvGrpSpPr/>
+        <p:nvPr/>
+      </p:nvGrpSpPr>
+      <p:grpSpPr>
+        <a:xfrm>
+          <a:off x="0" y="0"/>
+          <a:ext cx="0" cy="0"/>
+          <a:chOff x="0" y="0"/>
+          <a:chExt cx="0" cy="0"/>
+        </a:xfrm>
+      </p:grpSpPr>
+      <p:sp>
+        <p:nvSpPr>
+          <p:cNvPr id="2" name="Slide Image Placeholder 1"/>
+          <p:cNvSpPr>
+            <a:spLocks noGrp="1" noRot="1" noChangeAspect="1"/>
+          </p:cNvSpPr>
+          <p:nvPr>
+            <p:ph type="sldImg"/>
+          </p:nvPr>
+        </p:nvSpPr>
+        <p:spPr/>
+      </p:sp>
+      <p:sp>
+        <p:nvSpPr>
+          <p:cNvPr id="3" name="Notes Placeholder 2"/>
+          <p:cNvSpPr>
+            <a:spLocks noGrp="1"/>
+          </p:cNvSpPr>
+          <p:nvPr>
+            <p:ph type="body" idx="1"/>
+          </p:nvPr>
+        </p:nvSpPr>
+        <p:spPr/>
+        <p:txBody>
+          <a:bodyPr/>
+          <a:lstStyle/>
+          <a:p>
+            <a:r>
+              <a:rPr lang="zh-CN" altLang="en-US"/>
+              <a:t>无侵入就即是说不需要接口的实现者不需要显式声明它所实现的接口。所以我们可以在任何地方实现自己的插件，使用者注入即可。</a:t>
+            </a:r>
+            <a:endParaRPr lang="en-US"/>
+          </a:p>
+        </p:txBody>
+      </p:sp>
+      <p:sp>
+        <p:nvSpPr>
+          <p:cNvPr id="4" name="Slide Number Placeholder 3"/>
+          <p:cNvSpPr>
+            <a:spLocks noGrp="1"/>
+          </p:cNvSpPr>
+          <p:nvPr>
+            <p:ph type="sldNum" sz="quarter" idx="5"/>
+          </p:nvPr>
+        </p:nvSpPr>
+        <p:spPr/>
+        <p:txBody>
+          <a:bodyPr/>
+          <a:lstStyle/>
+          <a:p>
+            <a:fld id="{28D00669-DCC9-3147-8F33-81E21A71CBE7}" type="slidenum">
+              <a:rPr lang="en-US" smtClean="0"/>
+              <a:t>18</a:t>
+            </a:fld>
+            <a:endParaRPr lang="en-US"/>
+          </a:p>
+        </p:txBody>
+      </p:sp>
+    </p:spTree>
+    <p:extLst>
+      <p:ext uri="{BB962C8B-B14F-4D97-AF65-F5344CB8AC3E}">
+        <p14:creationId xmlns:p14="http://schemas.microsoft.com/office/powerpoint/2010/main" val="2589446189"/>
+      </p:ext>
+    </p:extLst>
+  </p:cSld>
+  <p:clrMapOvr>
+    <a:masterClrMapping/>
+  </p:clrMapOvr>
+</p:notes>
+</file>
+
+<file path=ppt/notesSlides/notesSlide14.xml><?xml version="1.0" encoding="utf-8"?>
+<p:notes xmlns:a="http://schemas.openxmlformats.org/drawingml/2006/main" xmlns:r="http://schemas.openxmlformats.org/officeDocument/2006/relationships" xmlns:p="http://schemas.openxmlformats.org/presentationml/2006/main">
+  <p:cSld>
+    <p:spTree>
+      <p:nvGrpSpPr>
+        <p:cNvPr id="1" name=""/>
+        <p:cNvGrpSpPr/>
+        <p:nvPr/>
+      </p:nvGrpSpPr>
+      <p:grpSpPr>
+        <a:xfrm>
+          <a:off x="0" y="0"/>
+          <a:ext cx="0" cy="0"/>
+          <a:chOff x="0" y="0"/>
+          <a:chExt cx="0" cy="0"/>
+        </a:xfrm>
+      </p:grpSpPr>
+      <p:sp>
+        <p:nvSpPr>
+          <p:cNvPr id="2" name="Slide Image Placeholder 1"/>
+          <p:cNvSpPr>
+            <a:spLocks noGrp="1" noRot="1" noChangeAspect="1"/>
+          </p:cNvSpPr>
+          <p:nvPr>
+            <p:ph type="sldImg"/>
+          </p:nvPr>
+        </p:nvSpPr>
+        <p:spPr/>
+      </p:sp>
+      <p:sp>
+        <p:nvSpPr>
+          <p:cNvPr id="3" name="Notes Placeholder 2"/>
+          <p:cNvSpPr>
+            <a:spLocks noGrp="1"/>
+          </p:cNvSpPr>
+          <p:nvPr>
+            <p:ph type="body" idx="1"/>
+          </p:nvPr>
+        </p:nvSpPr>
+        <p:spPr/>
+        <p:txBody>
+          <a:bodyPr/>
+          <a:lstStyle/>
+          <a:p>
+            <a:r>
+              <a:rPr lang="zh-CN" altLang="en-US"/>
+              <a:t>解释插件化注册中心</a:t>
+            </a:r>
+            <a:endParaRPr lang="en-US"/>
+          </a:p>
+        </p:txBody>
+      </p:sp>
+      <p:sp>
+        <p:nvSpPr>
+          <p:cNvPr id="4" name="Slide Number Placeholder 3"/>
+          <p:cNvSpPr>
+            <a:spLocks noGrp="1"/>
+          </p:cNvSpPr>
+          <p:nvPr>
+            <p:ph type="sldNum" sz="quarter" idx="5"/>
+          </p:nvPr>
+        </p:nvSpPr>
+        <p:spPr/>
+        <p:txBody>
+          <a:bodyPr/>
+          <a:lstStyle/>
+          <a:p>
+            <a:fld id="{28D00669-DCC9-3147-8F33-81E21A71CBE7}" type="slidenum">
+              <a:rPr lang="en-US" smtClean="0"/>
+              <a:t>19</a:t>
+            </a:fld>
+            <a:endParaRPr lang="en-US"/>
+          </a:p>
+        </p:txBody>
+      </p:sp>
+    </p:spTree>
+    <p:extLst>
+      <p:ext uri="{BB962C8B-B14F-4D97-AF65-F5344CB8AC3E}">
+        <p14:creationId xmlns:p14="http://schemas.microsoft.com/office/powerpoint/2010/main" val="938072475"/>
+      </p:ext>
+    </p:extLst>
+  </p:cSld>
+  <p:clrMapOvr>
+    <a:masterClrMapping/>
+  </p:clrMapOvr>
+</p:notes>
+</file>
+
+<file path=ppt/notesSlides/notesSlide15.xml><?xml version="1.0" encoding="utf-8"?>
+<p:notes xmlns:a="http://schemas.openxmlformats.org/drawingml/2006/main" xmlns:r="http://schemas.openxmlformats.org/officeDocument/2006/relationships" xmlns:p="http://schemas.openxmlformats.org/presentationml/2006/main">
+  <p:cSld>
+    <p:spTree>
+      <p:nvGrpSpPr>
+        <p:cNvPr id="1" name=""/>
+        <p:cNvGrpSpPr/>
+        <p:nvPr/>
+      </p:nvGrpSpPr>
+      <p:grpSpPr>
+        <a:xfrm>
+          <a:off x="0" y="0"/>
+          <a:ext cx="0" cy="0"/>
+          <a:chOff x="0" y="0"/>
+          <a:chExt cx="0" cy="0"/>
+        </a:xfrm>
+      </p:grpSpPr>
+      <p:sp>
+        <p:nvSpPr>
+          <p:cNvPr id="2" name="Slide Image Placeholder 1"/>
+          <p:cNvSpPr>
+            <a:spLocks noGrp="1" noRot="1" noChangeAspect="1"/>
+          </p:cNvSpPr>
+          <p:nvPr>
+            <p:ph type="sldImg"/>
+          </p:nvPr>
+        </p:nvSpPr>
+        <p:spPr/>
+      </p:sp>
+      <p:sp>
+        <p:nvSpPr>
+          <p:cNvPr id="3" name="Notes Placeholder 2"/>
+          <p:cNvSpPr>
+            <a:spLocks noGrp="1"/>
+          </p:cNvSpPr>
+          <p:nvPr>
+            <p:ph type="body" idx="1"/>
+          </p:nvPr>
+        </p:nvSpPr>
+        <p:spPr/>
+        <p:txBody>
+          <a:bodyPr/>
+          <a:lstStyle/>
+          <a:p>
+            <a:r>
+              <a:rPr lang="zh-CN" altLang="en-US"/>
+              <a:t>在</a:t>
+            </a:r>
+            <a:r>
+              <a:rPr lang="en-US" altLang="zh-CN"/>
+              <a:t>Micro</a:t>
+            </a:r>
+            <a:r>
+              <a:rPr lang="zh-CN" altLang="en-US"/>
+              <a:t>中，如何完成限流、中断、认证等等操作</a:t>
+            </a:r>
+            <a:endParaRPr lang="en-US"/>
+          </a:p>
+        </p:txBody>
+      </p:sp>
+      <p:sp>
+        <p:nvSpPr>
+          <p:cNvPr id="4" name="Slide Number Placeholder 3"/>
+          <p:cNvSpPr>
+            <a:spLocks noGrp="1"/>
+          </p:cNvSpPr>
+          <p:nvPr>
+            <p:ph type="sldNum" sz="quarter" idx="5"/>
+          </p:nvPr>
+        </p:nvSpPr>
+        <p:spPr/>
+        <p:txBody>
+          <a:bodyPr/>
+          <a:lstStyle/>
+          <a:p>
+            <a:fld id="{28D00669-DCC9-3147-8F33-81E21A71CBE7}" type="slidenum">
+              <a:rPr lang="en-US" smtClean="0"/>
+              <a:t>20</a:t>
+            </a:fld>
+            <a:endParaRPr lang="en-US"/>
+          </a:p>
+        </p:txBody>
+      </p:sp>
+    </p:spTree>
+    <p:extLst>
+      <p:ext uri="{BB962C8B-B14F-4D97-AF65-F5344CB8AC3E}">
+        <p14:creationId xmlns:p14="http://schemas.microsoft.com/office/powerpoint/2010/main" val="4111841093"/>
+      </p:ext>
+    </p:extLst>
+  </p:cSld>
+  <p:clrMapOvr>
+    <a:masterClrMapping/>
+  </p:clrMapOvr>
+</p:notes>
+</file>
+
+<file path=ppt/notesSlides/notesSlide16.xml><?xml version="1.0" encoding="utf-8"?>
+<p:notes xmlns:a="http://schemas.openxmlformats.org/drawingml/2006/main" xmlns:r="http://schemas.openxmlformats.org/officeDocument/2006/relationships" xmlns:p="http://schemas.openxmlformats.org/presentationml/2006/main">
+  <p:cSld>
+    <p:spTree>
+      <p:nvGrpSpPr>
+        <p:cNvPr id="1" name=""/>
+        <p:cNvGrpSpPr/>
+        <p:nvPr/>
+      </p:nvGrpSpPr>
+      <p:grpSpPr>
+        <a:xfrm>
+          <a:off x="0" y="0"/>
+          <a:ext cx="0" cy="0"/>
+          <a:chOff x="0" y="0"/>
+          <a:chExt cx="0" cy="0"/>
+        </a:xfrm>
+      </p:grpSpPr>
+      <p:sp>
+        <p:nvSpPr>
+          <p:cNvPr id="2" name="Slide Image Placeholder 1"/>
+          <p:cNvSpPr>
+            <a:spLocks noGrp="1" noRot="1" noChangeAspect="1"/>
+          </p:cNvSpPr>
+          <p:nvPr>
+            <p:ph type="sldImg"/>
+          </p:nvPr>
+        </p:nvSpPr>
+        <p:spPr/>
+      </p:sp>
+      <p:sp>
+        <p:nvSpPr>
+          <p:cNvPr id="3" name="Notes Placeholder 2"/>
+          <p:cNvSpPr>
+            <a:spLocks noGrp="1"/>
+          </p:cNvSpPr>
+          <p:nvPr>
+            <p:ph type="body" idx="1"/>
+          </p:nvPr>
+        </p:nvSpPr>
+        <p:spPr/>
+        <p:txBody>
+          <a:bodyPr/>
+          <a:lstStyle/>
+          <a:p>
+            <a:r>
+              <a:rPr lang="zh-CN" altLang="en-US" dirty="0"/>
+              <a:t>装饰器模式，一种设计模式，它允许不同的包装器对同一对象增加不同的行为，但是对包装器之间彼此不影响各自的增加的行为。</a:t>
+            </a:r>
+            <a:endParaRPr lang="en-US" dirty="0"/>
+          </a:p>
+        </p:txBody>
+      </p:sp>
+      <p:sp>
+        <p:nvSpPr>
+          <p:cNvPr id="4" name="Slide Number Placeholder 3"/>
+          <p:cNvSpPr>
+            <a:spLocks noGrp="1"/>
+          </p:cNvSpPr>
+          <p:nvPr>
+            <p:ph type="sldNum" sz="quarter" idx="5"/>
+          </p:nvPr>
+        </p:nvSpPr>
+        <p:spPr/>
+        <p:txBody>
+          <a:bodyPr/>
+          <a:lstStyle/>
+          <a:p>
+            <a:fld id="{28D00669-DCC9-3147-8F33-81E21A71CBE7}" type="slidenum">
+              <a:rPr lang="en-US" smtClean="0"/>
+              <a:t>22</a:t>
             </a:fld>
             <a:endParaRPr lang="en-US"/>
           </a:p>
@@ -883,7 +1502,7 @@
           <a:p>
             <a:r>
               <a:rPr lang="zh-CN" altLang="en-US" dirty="0"/>
-              <a:t>我们先给大家介绍</a:t>
+              <a:t>在</a:t>
             </a:r>
             <a:r>
               <a:rPr lang="en-US" altLang="zh-CN" dirty="0"/>
@@ -891,7 +1510,7 @@
             </a:r>
             <a:r>
               <a:rPr lang="zh-CN" altLang="en-US" dirty="0"/>
-              <a:t>体系，先让各位对</a:t>
+              <a:t>团队中主要负责中文社区搭建，以及</a:t>
             </a:r>
             <a:r>
               <a:rPr lang="en-US" altLang="zh-CN" dirty="0"/>
@@ -899,31 +1518,7 @@
             </a:r>
             <a:r>
               <a:rPr lang="zh-CN" altLang="en-US" dirty="0"/>
-              <a:t>有一定的认知，尔后我们再介绍</a:t>
-            </a:r>
-            <a:r>
-              <a:rPr lang="en-US" altLang="zh-CN" dirty="0"/>
-              <a:t>Go-Micro</a:t>
-            </a:r>
-            <a:r>
-              <a:rPr lang="zh-CN" altLang="en-US" dirty="0"/>
-              <a:t>框架。这个时候可能有朋友就会有疑问了，</a:t>
-            </a:r>
-            <a:r>
-              <a:rPr lang="en-US" altLang="zh-CN" dirty="0"/>
-              <a:t>Micro</a:t>
-            </a:r>
-            <a:r>
-              <a:rPr lang="zh-CN" altLang="en-US" dirty="0"/>
-              <a:t>与</a:t>
-            </a:r>
-            <a:r>
-              <a:rPr lang="en-US" altLang="zh-CN" dirty="0"/>
-              <a:t>Go-Micro</a:t>
-            </a:r>
-            <a:r>
-              <a:rPr lang="zh-CN" altLang="en-US" dirty="0"/>
-              <a:t>的关系是什么，这个疑问我曾经也有过，我接下来就给大家解释。</a:t>
+              <a:t>运行时工具集开发</a:t>
             </a:r>
             <a:endParaRPr lang="en-US" dirty="0"/>
           </a:p>
@@ -946,7 +1541,7 @@
           <a:p>
             <a:fld id="{28D00669-DCC9-3147-8F33-81E21A71CBE7}" type="slidenum">
               <a:rPr lang="en-US" smtClean="0"/>
-              <a:t>3</a:t>
+              <a:t>2</a:t>
             </a:fld>
             <a:endParaRPr lang="en-US"/>
           </a:p>
@@ -955,7 +1550,7 @@
     </p:spTree>
     <p:extLst>
       <p:ext uri="{BB962C8B-B14F-4D97-AF65-F5344CB8AC3E}">
-        <p14:creationId xmlns:p14="http://schemas.microsoft.com/office/powerpoint/2010/main" val="4065572595"/>
+        <p14:creationId xmlns:p14="http://schemas.microsoft.com/office/powerpoint/2010/main" val="2719340070"/>
       </p:ext>
     </p:extLst>
   </p:cSld>
@@ -1010,12 +1605,24 @@
           <a:lstStyle/>
           <a:p>
             <a:r>
-              <a:rPr lang="en-US" dirty="0"/>
+              <a:rPr lang="zh-CN" altLang="en-US" dirty="0"/>
+              <a:t>我们先给大家介绍</a:t>
+            </a:r>
+            <a:r>
+              <a:rPr lang="en-US" altLang="zh-CN" dirty="0"/>
               <a:t>Micro</a:t>
             </a:r>
             <a:r>
               <a:rPr lang="zh-CN" altLang="en-US" dirty="0"/>
-              <a:t>包含了很多东西，首先从我们最关心的代码技术层面来说，她包含了框架</a:t>
+              <a:t>体系，先让各位对</a:t>
+            </a:r>
+            <a:r>
+              <a:rPr lang="en-US" altLang="zh-CN" dirty="0"/>
+              <a:t>Micro</a:t>
+            </a:r>
+            <a:r>
+              <a:rPr lang="zh-CN" altLang="en-US" dirty="0"/>
+              <a:t>有一定的认知，尔后我们再介绍</a:t>
             </a:r>
             <a:r>
               <a:rPr lang="en-US" altLang="zh-CN" dirty="0"/>
@@ -1023,7 +1630,7 @@
             </a:r>
             <a:r>
               <a:rPr lang="zh-CN" altLang="en-US" dirty="0"/>
-              <a:t>与其运行时工具</a:t>
+              <a:t>框架。这个时候可能有朋友就会有疑问了，</a:t>
             </a:r>
             <a:r>
               <a:rPr lang="en-US" altLang="zh-CN" dirty="0"/>
@@ -1031,23 +1638,7 @@
             </a:r>
             <a:r>
               <a:rPr lang="zh-CN" altLang="en-US" dirty="0"/>
-              <a:t>，这也向大家解释了刚刚的问题，</a:t>
-            </a:r>
-            <a:r>
-              <a:rPr lang="en-US" altLang="zh-CN" dirty="0"/>
-              <a:t>Go-micro</a:t>
-            </a:r>
-            <a:r>
-              <a:rPr lang="zh-CN" altLang="en-US" dirty="0"/>
               <a:t>与</a:t>
-            </a:r>
-            <a:r>
-              <a:rPr lang="en-US" altLang="zh-CN" dirty="0"/>
-              <a:t>Micro</a:t>
-            </a:r>
-            <a:r>
-              <a:rPr lang="zh-CN" altLang="en-US" dirty="0"/>
-              <a:t>的关系，它们之间不是包含关系，</a:t>
             </a:r>
             <a:r>
               <a:rPr lang="en-US" altLang="zh-CN" dirty="0"/>
@@ -1055,141 +1646,8 @@
             </a:r>
             <a:r>
               <a:rPr lang="zh-CN" altLang="en-US" dirty="0"/>
-              <a:t>框架或叫做库，</a:t>
-            </a:r>
-            <a:r>
-              <a:rPr lang="en-US" altLang="zh-CN" dirty="0"/>
-              <a:t>Micro</a:t>
-            </a:r>
-            <a:r>
-              <a:rPr lang="zh-CN" altLang="en-US" dirty="0"/>
-              <a:t>工具集基于</a:t>
-            </a:r>
-            <a:r>
-              <a:rPr lang="en-US" altLang="zh-CN" dirty="0"/>
-              <a:t>Go-Micro</a:t>
-            </a:r>
-            <a:r>
-              <a:rPr lang="zh-CN" altLang="en-US" dirty="0"/>
-              <a:t>构建，并管理</a:t>
-            </a:r>
-            <a:r>
-              <a:rPr lang="en-US" altLang="zh-CN" dirty="0"/>
-              <a:t>Go-Micro</a:t>
-            </a:r>
-            <a:r>
-              <a:rPr lang="zh-CN" altLang="en-US" dirty="0"/>
-              <a:t>框架所构建的服务。</a:t>
-            </a:r>
-            <a:endParaRPr lang="en-US" altLang="zh-CN" dirty="0"/>
-          </a:p>
-          <a:p>
-            <a:r>
-              <a:rPr lang="zh-CN" altLang="en-US" dirty="0"/>
-              <a:t>她还有社区</a:t>
-            </a:r>
-            <a:r>
-              <a:rPr lang="en-US" altLang="zh-CN" dirty="0"/>
-              <a:t>slack</a:t>
-            </a:r>
-            <a:r>
-              <a:rPr lang="zh-CN" altLang="en-US" dirty="0"/>
-              <a:t>，可以在</a:t>
-            </a:r>
-            <a:r>
-              <a:rPr lang="en-US" altLang="zh-CN" dirty="0"/>
-              <a:t>Slack</a:t>
-            </a:r>
-            <a:r>
-              <a:rPr lang="zh-CN" altLang="en-US" dirty="0"/>
-              <a:t>交流问题，提出需求并讨论可行性，我们是开放的团队，只要是合理的，一定会实现。</a:t>
-            </a:r>
-            <a:endParaRPr lang="en-US" altLang="zh-CN" dirty="0"/>
-          </a:p>
-          <a:p>
-            <a:r>
-              <a:rPr lang="zh-CN" altLang="en-US" dirty="0"/>
-              <a:t>她的目标是构建一个生态系统，包括框架、相关的网络产品等等。</a:t>
-            </a:r>
-            <a:endParaRPr lang="en-US" altLang="zh-CN" dirty="0"/>
-          </a:p>
-          <a:p>
-            <a:r>
-              <a:rPr lang="zh-CN" altLang="en-US" dirty="0"/>
-              <a:t>更重要的是</a:t>
-            </a:r>
-            <a:r>
-              <a:rPr lang="en-US" altLang="zh-CN" dirty="0"/>
-              <a:t>Micro</a:t>
-            </a:r>
-            <a:r>
-              <a:rPr lang="zh-CN" altLang="en-US" dirty="0"/>
-              <a:t>也是一个公司，这可以从政策的角度出发，向大家保证</a:t>
-            </a:r>
-            <a:r>
-              <a:rPr lang="en-US" altLang="zh-CN" dirty="0"/>
-              <a:t>Micro</a:t>
-            </a:r>
-            <a:r>
-              <a:rPr lang="zh-CN" altLang="en-US" dirty="0"/>
-              <a:t>的可持续发展，她的总部在</a:t>
-            </a:r>
-            <a:r>
-              <a:rPr lang="en-US" altLang="zh-CN" dirty="0"/>
-              <a:t>London</a:t>
-            </a:r>
-            <a:r>
-              <a:rPr lang="zh-CN" altLang="en-US" dirty="0"/>
-              <a:t>，目前拿到硅谷的投资，也有意向在中国创建团队，不过还在研究方案阶段。</a:t>
-            </a:r>
-            <a:endParaRPr lang="en-US" altLang="zh-CN" dirty="0"/>
-          </a:p>
-          <a:p>
-            <a:r>
-              <a:rPr lang="zh-CN" altLang="en-US" dirty="0"/>
-              <a:t>不过，今天的重心，我们在放在介绍</a:t>
-            </a:r>
-            <a:r>
-              <a:rPr lang="en-US" altLang="zh-CN" dirty="0"/>
-              <a:t>Micro</a:t>
-            </a:r>
-            <a:r>
-              <a:rPr lang="zh-CN" altLang="en-US" dirty="0"/>
-              <a:t>的框架与工具集：</a:t>
-            </a:r>
-            <a:r>
-              <a:rPr lang="en-US" altLang="zh-CN" spc="-5" dirty="0">
-                <a:solidFill>
-                  <a:srgbClr val="FF0000"/>
-                </a:solidFill>
-                <a:latin typeface="Courier New"/>
-                <a:cs typeface="Courier New"/>
-              </a:rPr>
-              <a:t>Go-Micro</a:t>
-            </a:r>
-            <a:r>
-              <a:rPr lang="zh-CN" altLang="en-US" spc="-5" dirty="0">
-                <a:solidFill>
-                  <a:srgbClr val="FF0000"/>
-                </a:solidFill>
-                <a:latin typeface="Courier New"/>
-                <a:cs typeface="Courier New"/>
-              </a:rPr>
-              <a:t>、</a:t>
-            </a:r>
-            <a:r>
-              <a:rPr lang="en-US" altLang="zh-CN" spc="-5" dirty="0">
-                <a:solidFill>
-                  <a:srgbClr val="FF0000"/>
-                </a:solidFill>
-                <a:latin typeface="Courier New"/>
-                <a:cs typeface="Courier New"/>
-              </a:rPr>
-              <a:t>Micro</a:t>
-            </a:r>
-            <a:endParaRPr lang="en-US" altLang="zh-CN" dirty="0"/>
-          </a:p>
-          <a:p>
+              <a:t>的关系是什么，这个疑问我曾经也有过，我接下来就给大家解释。</a:t>
+            </a:r>
             <a:endParaRPr lang="en-US" dirty="0"/>
           </a:p>
         </p:txBody>
@@ -1211,7 +1669,7 @@
           <a:p>
             <a:fld id="{28D00669-DCC9-3147-8F33-81E21A71CBE7}" type="slidenum">
               <a:rPr lang="en-US" smtClean="0"/>
-              <a:t>5</a:t>
+              <a:t>3</a:t>
             </a:fld>
             <a:endParaRPr lang="en-US"/>
           </a:p>
@@ -1220,7 +1678,7 @@
     </p:spTree>
     <p:extLst>
       <p:ext uri="{BB962C8B-B14F-4D97-AF65-F5344CB8AC3E}">
-        <p14:creationId xmlns:p14="http://schemas.microsoft.com/office/powerpoint/2010/main" val="3657014737"/>
+        <p14:creationId xmlns:p14="http://schemas.microsoft.com/office/powerpoint/2010/main" val="4065572595"/>
       </p:ext>
     </p:extLst>
   </p:cSld>
@@ -1275,8 +1733,12 @@
           <a:lstStyle/>
           <a:p>
             <a:r>
+              <a:rPr lang="en-US" dirty="0"/>
+              <a:t>Micro</a:t>
+            </a:r>
+            <a:r>
               <a:rPr lang="zh-CN" altLang="en-US" dirty="0"/>
-              <a:t>这是基于</a:t>
+              <a:t>包含了很多东西，首先从我们最关心的代码技术层面来说，她包含了框架</a:t>
             </a:r>
             <a:r>
               <a:rPr lang="en-US" altLang="zh-CN" dirty="0"/>
@@ -1284,14 +1746,7 @@
             </a:r>
             <a:r>
               <a:rPr lang="zh-CN" altLang="en-US" dirty="0"/>
-              <a:t>框架构建的微服务架构模型，我们只用关心红色圈与紫色圈中的那部分，基建部分不用关心。</a:t>
-            </a:r>
-            <a:endParaRPr lang="en-US" altLang="zh-CN" dirty="0"/>
-          </a:p>
-          <a:p>
-            <a:r>
-              <a:rPr lang="zh-CN" altLang="en-US" dirty="0"/>
-              <a:t>前面我们说过，</a:t>
+              <a:t>与其运行时工具</a:t>
             </a:r>
             <a:r>
               <a:rPr lang="en-US" altLang="zh-CN" dirty="0"/>
@@ -1299,7 +1754,23 @@
             </a:r>
             <a:r>
               <a:rPr lang="zh-CN" altLang="en-US" dirty="0"/>
-              <a:t>本身也是由</a:t>
+              <a:t>，这也向大家解释了刚刚的问题，</a:t>
+            </a:r>
+            <a:r>
+              <a:rPr lang="en-US" altLang="zh-CN" dirty="0"/>
+              <a:t>Go-micro</a:t>
+            </a:r>
+            <a:r>
+              <a:rPr lang="zh-CN" altLang="en-US" dirty="0"/>
+              <a:t>与</a:t>
+            </a:r>
+            <a:r>
+              <a:rPr lang="en-US" altLang="zh-CN" dirty="0"/>
+              <a:t>Micro</a:t>
+            </a:r>
+            <a:r>
+              <a:rPr lang="zh-CN" altLang="en-US" dirty="0"/>
+              <a:t>的关系，它们之间不是包含关系，</a:t>
             </a:r>
             <a:r>
               <a:rPr lang="en-US" altLang="zh-CN" dirty="0"/>
@@ -1307,7 +1778,7 @@
             </a:r>
             <a:r>
               <a:rPr lang="zh-CN" altLang="en-US" dirty="0"/>
-              <a:t>编写，故而</a:t>
+              <a:t>框架或叫做库，</a:t>
             </a:r>
             <a:r>
               <a:rPr lang="en-US" altLang="zh-CN" dirty="0"/>
@@ -1315,8 +1786,133 @@
             </a:r>
             <a:r>
               <a:rPr lang="zh-CN" altLang="en-US" dirty="0"/>
-              <a:t>自身也是一个服务。</a:t>
-            </a:r>
+              <a:t>工具集基于</a:t>
+            </a:r>
+            <a:r>
+              <a:rPr lang="en-US" altLang="zh-CN" dirty="0"/>
+              <a:t>Go-Micro</a:t>
+            </a:r>
+            <a:r>
+              <a:rPr lang="zh-CN" altLang="en-US" dirty="0"/>
+              <a:t>构建，并管理</a:t>
+            </a:r>
+            <a:r>
+              <a:rPr lang="en-US" altLang="zh-CN" dirty="0"/>
+              <a:t>Go-Micro</a:t>
+            </a:r>
+            <a:r>
+              <a:rPr lang="zh-CN" altLang="en-US" dirty="0"/>
+              <a:t>框架所构建的服务。</a:t>
+            </a:r>
+            <a:endParaRPr lang="en-US" altLang="zh-CN" dirty="0"/>
+          </a:p>
+          <a:p>
+            <a:r>
+              <a:rPr lang="zh-CN" altLang="en-US" dirty="0"/>
+              <a:t>她还有社区</a:t>
+            </a:r>
+            <a:r>
+              <a:rPr lang="en-US" altLang="zh-CN" dirty="0"/>
+              <a:t>slack</a:t>
+            </a:r>
+            <a:r>
+              <a:rPr lang="zh-CN" altLang="en-US" dirty="0"/>
+              <a:t>，可以在</a:t>
+            </a:r>
+            <a:r>
+              <a:rPr lang="en-US" altLang="zh-CN" dirty="0"/>
+              <a:t>Slack</a:t>
+            </a:r>
+            <a:r>
+              <a:rPr lang="zh-CN" altLang="en-US" dirty="0"/>
+              <a:t>交流问题，提出需求并讨论可行性，我们是开放的团队，只要是合理的，一定会实现。</a:t>
+            </a:r>
+            <a:endParaRPr lang="en-US" altLang="zh-CN" dirty="0"/>
+          </a:p>
+          <a:p>
+            <a:r>
+              <a:rPr lang="zh-CN" altLang="en-US" dirty="0"/>
+              <a:t>她的目标是构建一个生态系统，包括框架、相关的网络产品等等。</a:t>
+            </a:r>
+            <a:endParaRPr lang="en-US" altLang="zh-CN" dirty="0"/>
+          </a:p>
+          <a:p>
+            <a:r>
+              <a:rPr lang="zh-CN" altLang="en-US" dirty="0"/>
+              <a:t>更重要的是</a:t>
+            </a:r>
+            <a:r>
+              <a:rPr lang="en-US" altLang="zh-CN" dirty="0"/>
+              <a:t>Micro</a:t>
+            </a:r>
+            <a:r>
+              <a:rPr lang="zh-CN" altLang="en-US" dirty="0"/>
+              <a:t>也是一个公司，这可以从政策的角度出发，向大家保证</a:t>
+            </a:r>
+            <a:r>
+              <a:rPr lang="en-US" altLang="zh-CN" dirty="0"/>
+              <a:t>Micro</a:t>
+            </a:r>
+            <a:r>
+              <a:rPr lang="zh-CN" altLang="en-US" dirty="0"/>
+              <a:t>的可持续发展，她的总部在</a:t>
+            </a:r>
+            <a:r>
+              <a:rPr lang="en-US" altLang="zh-CN" dirty="0"/>
+              <a:t>London</a:t>
+            </a:r>
+            <a:r>
+              <a:rPr lang="zh-CN" altLang="en-US" dirty="0"/>
+              <a:t>，目前拿到硅谷的投资，也有意向在中国创建团队，不过还在研究方案阶段。</a:t>
+            </a:r>
+            <a:endParaRPr lang="en-US" altLang="zh-CN" dirty="0"/>
+          </a:p>
+          <a:p>
+            <a:r>
+              <a:rPr lang="zh-CN" altLang="en-US" dirty="0"/>
+              <a:t>不过，今天的重心，我们在放在介绍</a:t>
+            </a:r>
+            <a:r>
+              <a:rPr lang="en-US" altLang="zh-CN" dirty="0"/>
+              <a:t>Micro</a:t>
+            </a:r>
+            <a:r>
+              <a:rPr lang="zh-CN" altLang="en-US" dirty="0"/>
+              <a:t>的框架与工具集：</a:t>
+            </a:r>
+            <a:r>
+              <a:rPr lang="en-US" altLang="zh-CN" spc="-5" dirty="0">
+                <a:solidFill>
+                  <a:srgbClr val="FF0000"/>
+                </a:solidFill>
+                <a:latin typeface="Courier New"/>
+                <a:cs typeface="Courier New"/>
+              </a:rPr>
+              <a:t>Go-Micro</a:t>
+            </a:r>
+            <a:r>
+              <a:rPr lang="zh-CN" altLang="en-US" spc="-5" dirty="0">
+                <a:solidFill>
+                  <a:srgbClr val="FF0000"/>
+                </a:solidFill>
+                <a:latin typeface="Courier New"/>
+                <a:cs typeface="Courier New"/>
+              </a:rPr>
+              <a:t>、</a:t>
+            </a:r>
+            <a:r>
+              <a:rPr lang="en-US" altLang="zh-CN" spc="-5" dirty="0">
+                <a:solidFill>
+                  <a:srgbClr val="FF0000"/>
+                </a:solidFill>
+                <a:latin typeface="Courier New"/>
+                <a:cs typeface="Courier New"/>
+              </a:rPr>
+              <a:t>Micro</a:t>
+            </a:r>
+            <a:endParaRPr lang="en-US" altLang="zh-CN" dirty="0"/>
+          </a:p>
+          <a:p>
             <a:endParaRPr lang="en-US" dirty="0"/>
           </a:p>
         </p:txBody>
@@ -1338,7 +1934,7 @@
           <a:p>
             <a:fld id="{28D00669-DCC9-3147-8F33-81E21A71CBE7}" type="slidenum">
               <a:rPr lang="en-US" smtClean="0"/>
-              <a:t>6</a:t>
+              <a:t>5</a:t>
             </a:fld>
             <a:endParaRPr lang="en-US"/>
           </a:p>
@@ -1347,7 +1943,7 @@
     </p:spTree>
     <p:extLst>
       <p:ext uri="{BB962C8B-B14F-4D97-AF65-F5344CB8AC3E}">
-        <p14:creationId xmlns:p14="http://schemas.microsoft.com/office/powerpoint/2010/main" val="3391014867"/>
+        <p14:creationId xmlns:p14="http://schemas.microsoft.com/office/powerpoint/2010/main" val="3657014737"/>
       </p:ext>
     </p:extLst>
   </p:cSld>
@@ -1403,47 +1999,46 @@
           <a:p>
             <a:r>
               <a:rPr lang="zh-CN" altLang="en-US" dirty="0"/>
-              <a:t>我们今天会分别讲</a:t>
+              <a:t>这是基于</a:t>
             </a:r>
             <a:r>
               <a:rPr lang="en-US" altLang="zh-CN" dirty="0"/>
-              <a:t>Broker</a:t>
+              <a:t>Go-Micro</a:t>
             </a:r>
             <a:r>
               <a:rPr lang="zh-CN" altLang="en-US" dirty="0"/>
-              <a:t>、</a:t>
+              <a:t>框架构建的微服务架构模型，我们只用关心红色圈与紫色圈中的那部分，基建部分不用关心。</a:t>
+            </a:r>
+            <a:endParaRPr lang="en-US" altLang="zh-CN" dirty="0"/>
+          </a:p>
+          <a:p>
+            <a:r>
+              <a:rPr lang="zh-CN" altLang="en-US" dirty="0"/>
+              <a:t>前面我们说过，</a:t>
             </a:r>
             <a:r>
               <a:rPr lang="en-US" altLang="zh-CN" dirty="0"/>
-              <a:t>Register</a:t>
+              <a:t>Micro</a:t>
             </a:r>
             <a:r>
               <a:rPr lang="zh-CN" altLang="en-US" dirty="0"/>
-              <a:t>、</a:t>
+              <a:t>本身也是由</a:t>
             </a:r>
             <a:r>
               <a:rPr lang="en-US" altLang="zh-CN" dirty="0"/>
-              <a:t>Selector</a:t>
+              <a:t>Go-Micro</a:t>
             </a:r>
             <a:r>
               <a:rPr lang="zh-CN" altLang="en-US" dirty="0"/>
-              <a:t>、</a:t>
+              <a:t>编写，故而</a:t>
             </a:r>
             <a:r>
               <a:rPr lang="en-US" altLang="zh-CN" dirty="0"/>
-              <a:t>Transport</a:t>
+              <a:t>Micro</a:t>
             </a:r>
             <a:r>
               <a:rPr lang="zh-CN" altLang="en-US" dirty="0"/>
-              <a:t>。</a:t>
-            </a:r>
-            <a:r>
-              <a:rPr lang="en-US" altLang="zh-CN" dirty="0"/>
-              <a:t>Codec</a:t>
-            </a:r>
-            <a:r>
-              <a:rPr lang="zh-CN" altLang="en-US" dirty="0"/>
-              <a:t>不讲，主要是因为也没什么好讲的，就是不同协议的编码器</a:t>
+              <a:t>自身也是一个服务。</a:t>
             </a:r>
             <a:endParaRPr lang="en-US" dirty="0"/>
           </a:p>
@@ -1466,7 +2061,7 @@
           <a:p>
             <a:fld id="{28D00669-DCC9-3147-8F33-81E21A71CBE7}" type="slidenum">
               <a:rPr lang="en-US" smtClean="0"/>
-              <a:t>8</a:t>
+              <a:t>6</a:t>
             </a:fld>
             <a:endParaRPr lang="en-US"/>
           </a:p>
@@ -1475,7 +2070,7 @@
     </p:spTree>
     <p:extLst>
       <p:ext uri="{BB962C8B-B14F-4D97-AF65-F5344CB8AC3E}">
-        <p14:creationId xmlns:p14="http://schemas.microsoft.com/office/powerpoint/2010/main" val="3284406391"/>
+        <p14:creationId xmlns:p14="http://schemas.microsoft.com/office/powerpoint/2010/main" val="3391014867"/>
       </p:ext>
     </p:extLst>
   </p:cSld>
@@ -1529,6 +2124,50 @@
           <a:bodyPr/>
           <a:lstStyle/>
           <a:p>
+            <a:r>
+              <a:rPr lang="zh-CN" altLang="en-US" dirty="0"/>
+              <a:t>我们今天会分别讲</a:t>
+            </a:r>
+            <a:r>
+              <a:rPr lang="en-US" altLang="zh-CN" dirty="0"/>
+              <a:t>Broker</a:t>
+            </a:r>
+            <a:r>
+              <a:rPr lang="zh-CN" altLang="en-US" dirty="0"/>
+              <a:t>、</a:t>
+            </a:r>
+            <a:r>
+              <a:rPr lang="en-US" altLang="zh-CN" dirty="0"/>
+              <a:t>Register</a:t>
+            </a:r>
+            <a:r>
+              <a:rPr lang="zh-CN" altLang="en-US" dirty="0"/>
+              <a:t>、</a:t>
+            </a:r>
+            <a:r>
+              <a:rPr lang="en-US" altLang="zh-CN" dirty="0"/>
+              <a:t>Selector</a:t>
+            </a:r>
+            <a:r>
+              <a:rPr lang="zh-CN" altLang="en-US" dirty="0"/>
+              <a:t>、</a:t>
+            </a:r>
+            <a:r>
+              <a:rPr lang="en-US" altLang="zh-CN" dirty="0"/>
+              <a:t>Transport</a:t>
+            </a:r>
+            <a:r>
+              <a:rPr lang="zh-CN" altLang="en-US" dirty="0"/>
+              <a:t>。</a:t>
+            </a:r>
+            <a:r>
+              <a:rPr lang="en-US" altLang="zh-CN" dirty="0"/>
+              <a:t>Codec</a:t>
+            </a:r>
+            <a:r>
+              <a:rPr lang="zh-CN" altLang="en-US" dirty="0"/>
+              <a:t>不讲，主要是因为也没什么好讲的，就是不同协议的编码器</a:t>
+            </a:r>
             <a:endParaRPr lang="en-US" dirty="0"/>
           </a:p>
         </p:txBody>
@@ -1550,7 +2189,7 @@
           <a:p>
             <a:fld id="{28D00669-DCC9-3147-8F33-81E21A71CBE7}" type="slidenum">
               <a:rPr lang="en-US" smtClean="0"/>
-              <a:t>11</a:t>
+              <a:t>8</a:t>
             </a:fld>
             <a:endParaRPr lang="en-US"/>
           </a:p>
@@ -1559,7 +2198,7 @@
     </p:spTree>
     <p:extLst>
       <p:ext uri="{BB962C8B-B14F-4D97-AF65-F5344CB8AC3E}">
-        <p14:creationId xmlns:p14="http://schemas.microsoft.com/office/powerpoint/2010/main" val="4173782444"/>
+        <p14:creationId xmlns:p14="http://schemas.microsoft.com/office/powerpoint/2010/main" val="3284406391"/>
       </p:ext>
     </p:extLst>
   </p:cSld>
@@ -1613,10 +2252,6 @@
           <a:bodyPr/>
           <a:lstStyle/>
           <a:p>
-            <a:r>
-              <a:rPr lang="zh-CN" altLang="en-US" dirty="0"/>
-              <a:t>同步组件比较复杂，里面嵌套拨号、侦听</a:t>
-            </a:r>
             <a:endParaRPr lang="en-US" dirty="0"/>
           </a:p>
         </p:txBody>
@@ -1638,7 +2273,7 @@
           <a:p>
             <a:fld id="{28D00669-DCC9-3147-8F33-81E21A71CBE7}" type="slidenum">
               <a:rPr lang="en-US" smtClean="0"/>
-              <a:t>12</a:t>
+              <a:t>11</a:t>
             </a:fld>
             <a:endParaRPr lang="en-US"/>
           </a:p>
@@ -1647,7 +2282,7 @@
     </p:spTree>
     <p:extLst>
       <p:ext uri="{BB962C8B-B14F-4D97-AF65-F5344CB8AC3E}">
-        <p14:creationId xmlns:p14="http://schemas.microsoft.com/office/powerpoint/2010/main" val="3490213749"/>
+        <p14:creationId xmlns:p14="http://schemas.microsoft.com/office/powerpoint/2010/main" val="4173782444"/>
       </p:ext>
     </p:extLst>
   </p:cSld>
@@ -1703,145 +2338,7 @@
           <a:p>
             <a:r>
               <a:rPr lang="zh-CN" altLang="en-US" dirty="0"/>
-              <a:t>简化了一些结构，比如</a:t>
-            </a:r>
-            <a:r>
-              <a:rPr lang="en-US" altLang="zh-CN" dirty="0"/>
-              <a:t>Client</a:t>
-            </a:r>
-            <a:r>
-              <a:rPr lang="zh-CN" altLang="en-US" dirty="0"/>
-              <a:t>是通过</a:t>
-            </a:r>
-            <a:r>
-              <a:rPr lang="en-US" altLang="zh-CN" dirty="0"/>
-              <a:t>Stream</a:t>
-            </a:r>
-            <a:r>
-              <a:rPr lang="zh-CN" altLang="en-US" dirty="0"/>
-              <a:t>调用的</a:t>
-            </a:r>
-            <a:r>
-              <a:rPr lang="en-US" altLang="zh-CN" dirty="0"/>
-              <a:t>Transport</a:t>
-            </a:r>
-            <a:r>
-              <a:rPr lang="zh-CN" altLang="en-US" dirty="0"/>
-              <a:t>。</a:t>
-            </a:r>
-            <a:endParaRPr lang="en-US" altLang="zh-CN" dirty="0"/>
-          </a:p>
-          <a:p>
-            <a:r>
-              <a:rPr lang="zh-CN" altLang="en-US" dirty="0"/>
-              <a:t>刚我们说到</a:t>
-            </a:r>
-            <a:r>
-              <a:rPr lang="en-US" altLang="zh-CN" dirty="0"/>
-              <a:t>Transport</a:t>
-            </a:r>
-            <a:r>
-              <a:rPr lang="zh-CN" altLang="en-US" dirty="0"/>
-              <a:t>有两个重要的接口：</a:t>
-            </a:r>
-            <a:r>
-              <a:rPr lang="en-US" altLang="zh-CN" dirty="0"/>
-              <a:t>Dial</a:t>
-            </a:r>
-            <a:r>
-              <a:rPr lang="zh-CN" altLang="en-US" dirty="0"/>
-              <a:t>和</a:t>
-            </a:r>
-            <a:r>
-              <a:rPr lang="en-US" altLang="zh-CN" dirty="0"/>
-              <a:t>Listen</a:t>
-            </a:r>
-            <a:r>
-              <a:rPr lang="zh-CN" altLang="en-US" dirty="0"/>
-              <a:t>，</a:t>
-            </a:r>
-            <a:r>
-              <a:rPr lang="en-US" altLang="zh-CN" dirty="0"/>
-              <a:t>Dial</a:t>
-            </a:r>
-            <a:r>
-              <a:rPr lang="zh-CN" altLang="en-US" dirty="0"/>
-              <a:t>就是客户端在发起请求前先要拨号，也就是左边的部分。那</a:t>
-            </a:r>
-            <a:r>
-              <a:rPr lang="en-US" altLang="zh-CN" dirty="0"/>
-              <a:t>Listen</a:t>
-            </a:r>
-            <a:r>
-              <a:rPr lang="zh-CN" altLang="en-US" dirty="0"/>
-              <a:t>方法呢？是这样子的，</a:t>
-            </a:r>
-            <a:r>
-              <a:rPr lang="en-US" altLang="zh-CN" dirty="0"/>
-              <a:t>Listen</a:t>
-            </a:r>
-            <a:r>
-              <a:rPr lang="zh-CN" altLang="en-US" dirty="0"/>
-              <a:t>调用是在服务初始化时，它会生成一个</a:t>
-            </a:r>
-            <a:r>
-              <a:rPr lang="en-US" dirty="0">
-                <a:solidFill>
-                  <a:schemeClr val="bg1">
-                    <a:lumMod val="50000"/>
-                  </a:schemeClr>
-                </a:solidFill>
-              </a:rPr>
-              <a:t>Listener</a:t>
-            </a:r>
-            <a:r>
-              <a:rPr lang="zh-CN" altLang="en-US" dirty="0">
-                <a:solidFill>
-                  <a:schemeClr val="bg1">
-                    <a:lumMod val="50000"/>
-                  </a:schemeClr>
-                </a:solidFill>
-              </a:rPr>
-              <a:t>，它负责侦听对服务整个异步请求。</a:t>
-            </a:r>
-            <a:endParaRPr lang="en-US" altLang="zh-CN" dirty="0">
-              <a:solidFill>
-                <a:schemeClr val="bg1">
-                  <a:lumMod val="50000"/>
-                </a:schemeClr>
-              </a:solidFill>
-            </a:endParaRPr>
-          </a:p>
-          <a:p>
-            <a:r>
-              <a:rPr lang="zh-CN" altLang="en-US" dirty="0">
-                <a:solidFill>
-                  <a:schemeClr val="bg1">
-                    <a:lumMod val="50000"/>
-                  </a:schemeClr>
-                </a:solidFill>
-              </a:rPr>
-              <a:t>头中的流程是默认的</a:t>
-            </a:r>
-            <a:r>
-              <a:rPr lang="en-US" altLang="zh-CN" dirty="0">
-                <a:solidFill>
-                  <a:schemeClr val="bg1">
-                    <a:lumMod val="50000"/>
-                  </a:schemeClr>
-                </a:solidFill>
-              </a:rPr>
-              <a:t>HttpTransport</a:t>
-            </a:r>
-            <a:r>
-              <a:rPr lang="zh-CN" altLang="en-US" dirty="0">
-                <a:solidFill>
-                  <a:schemeClr val="bg1">
-                    <a:lumMod val="50000"/>
-                  </a:schemeClr>
-                </a:solidFill>
-              </a:rPr>
-              <a:t>请求模型，翻页</a:t>
+              <a:t>同步组件比较复杂，里面嵌套拨号、侦听</a:t>
             </a:r>
             <a:endParaRPr lang="en-US" dirty="0"/>
           </a:p>
@@ -1862,9 +2359,9 @@
           <a:bodyPr/>
           <a:lstStyle/>
           <a:p>
-            <a:fld id="{C6300BD4-3AE5-1B42-8BC5-55FDF59C6F50}" type="slidenum">
+            <a:fld id="{28D00669-DCC9-3147-8F33-81E21A71CBE7}" type="slidenum">
               <a:rPr lang="en-US" smtClean="0"/>
-              <a:t>13</a:t>
+              <a:t>12</a:t>
             </a:fld>
             <a:endParaRPr lang="en-US"/>
           </a:p>
@@ -1873,7 +2370,7 @@
     </p:spTree>
     <p:extLst>
       <p:ext uri="{BB962C8B-B14F-4D97-AF65-F5344CB8AC3E}">
-        <p14:creationId xmlns:p14="http://schemas.microsoft.com/office/powerpoint/2010/main" val="1612541807"/>
+        <p14:creationId xmlns:p14="http://schemas.microsoft.com/office/powerpoint/2010/main" val="3490213749"/>
       </p:ext>
     </p:extLst>
   </p:cSld>
@@ -1928,14 +2425,97 @@
           <a:lstStyle/>
           <a:p>
             <a:r>
-              <a:rPr lang="en-US" altLang="zh-CN" dirty="0">
+              <a:rPr lang="zh-CN" altLang="en-US" dirty="0"/>
+              <a:t>简化了一些结构，比如</a:t>
+            </a:r>
+            <a:r>
+              <a:rPr lang="en-US" altLang="zh-CN" dirty="0"/>
+              <a:t>Client</a:t>
+            </a:r>
+            <a:r>
+              <a:rPr lang="zh-CN" altLang="en-US" dirty="0"/>
+              <a:t>是通过</a:t>
+            </a:r>
+            <a:r>
+              <a:rPr lang="en-US" altLang="zh-CN" dirty="0"/>
+              <a:t>Stream</a:t>
+            </a:r>
+            <a:r>
+              <a:rPr lang="zh-CN" altLang="en-US" dirty="0"/>
+              <a:t>调用的</a:t>
+            </a:r>
+            <a:r>
+              <a:rPr lang="en-US" altLang="zh-CN" dirty="0"/>
+              <a:t>Transport</a:t>
+            </a:r>
+            <a:r>
+              <a:rPr lang="zh-CN" altLang="en-US" dirty="0"/>
+              <a:t>。</a:t>
+            </a:r>
+            <a:endParaRPr lang="en-US" altLang="zh-CN" dirty="0"/>
+          </a:p>
+          <a:p>
+            <a:r>
+              <a:rPr lang="zh-CN" altLang="en-US" dirty="0"/>
+              <a:t>刚我们说到</a:t>
+            </a:r>
+            <a:r>
+              <a:rPr lang="en-US" altLang="zh-CN" dirty="0"/>
+              <a:t>Transport</a:t>
+            </a:r>
+            <a:r>
+              <a:rPr lang="zh-CN" altLang="en-US" dirty="0"/>
+              <a:t>有两个重要的接口：</a:t>
+            </a:r>
+            <a:r>
+              <a:rPr lang="en-US" altLang="zh-CN" dirty="0"/>
+              <a:t>Dial</a:t>
+            </a:r>
+            <a:r>
+              <a:rPr lang="zh-CN" altLang="en-US" dirty="0"/>
+              <a:t>和</a:t>
+            </a:r>
+            <a:r>
+              <a:rPr lang="en-US" altLang="zh-CN" dirty="0"/>
+              <a:t>Listen</a:t>
+            </a:r>
+            <a:r>
+              <a:rPr lang="zh-CN" altLang="en-US" dirty="0"/>
+              <a:t>，</a:t>
+            </a:r>
+            <a:r>
+              <a:rPr lang="en-US" altLang="zh-CN" dirty="0"/>
+              <a:t>Dial</a:t>
+            </a:r>
+            <a:r>
+              <a:rPr lang="zh-CN" altLang="en-US" dirty="0"/>
+              <a:t>就是客户端在发起请求前先要拨号，也就是左边的部分。那</a:t>
+            </a:r>
+            <a:r>
+              <a:rPr lang="en-US" altLang="zh-CN" dirty="0"/>
+              <a:t>Listen</a:t>
+            </a:r>
+            <a:r>
+              <a:rPr lang="zh-CN" altLang="en-US" dirty="0"/>
+              <a:t>方法呢？是这样子的，</a:t>
+            </a:r>
+            <a:r>
+              <a:rPr lang="en-US" altLang="zh-CN" dirty="0"/>
+              <a:t>Listen</a:t>
+            </a:r>
+            <a:r>
+              <a:rPr lang="zh-CN" altLang="en-US" dirty="0"/>
+              <a:t>调用是在服务初始化时，它会生成一个</a:t>
+            </a:r>
+            <a:r>
+              <a:rPr lang="en-US" dirty="0">
                 <a:solidFill>
                   <a:schemeClr val="bg1">
                     <a:lumMod val="50000"/>
                   </a:schemeClr>
                 </a:solidFill>
               </a:rPr>
-              <a:t>Go-Micro</a:t>
+              <a:t>Listener</a:t>
             </a:r>
             <a:r>
               <a:rPr lang="zh-CN" altLang="en-US" dirty="0">
@@ -1945,209 +2525,48 @@
                   </a:schemeClr>
                 </a:solidFill>
               </a:rPr>
-              <a:t>目前支持的协议有</a:t>
-            </a:r>
-            <a:r>
-              <a:rPr lang="en-US" altLang="zh-CN" dirty="0">
+              <a:t>，它负责侦听对服务整个异步请求。</a:t>
+            </a:r>
+            <a:endParaRPr lang="en-US" altLang="zh-CN" dirty="0">
+              <a:solidFill>
+                <a:schemeClr val="bg1">
+                  <a:lumMod val="50000"/>
+                </a:schemeClr>
+              </a:solidFill>
+            </a:endParaRPr>
+          </a:p>
+          <a:p>
+            <a:r>
+              <a:rPr lang="zh-CN" altLang="en-US" dirty="0">
                 <a:solidFill>
                   <a:schemeClr val="bg1">
                     <a:lumMod val="50000"/>
                   </a:schemeClr>
                 </a:solidFill>
               </a:rPr>
-              <a:t>http</a:t>
-            </a:r>
-            <a:r>
-              <a:rPr lang="zh-CN" altLang="en-US" dirty="0">
+              <a:t>头中的流程是默认的</a:t>
+            </a:r>
+            <a:r>
+              <a:rPr lang="en-US" altLang="zh-CN" dirty="0">
                 <a:solidFill>
                   <a:schemeClr val="bg1">
                     <a:lumMod val="50000"/>
                   </a:schemeClr>
                 </a:solidFill>
               </a:rPr>
-              <a:t>、</a:t>
-            </a:r>
-            <a:r>
-              <a:rPr lang="en-US" altLang="zh-CN" dirty="0">
+              <a:t>HttpTransport</a:t>
+            </a:r>
+            <a:r>
+              <a:rPr lang="zh-CN" altLang="en-US" dirty="0">
                 <a:solidFill>
                   <a:schemeClr val="bg1">
                     <a:lumMod val="50000"/>
                   </a:schemeClr>
                 </a:solidFill>
               </a:rPr>
-              <a:t>grpc</a:t>
-            </a:r>
-            <a:r>
-              <a:rPr lang="zh-CN" altLang="en-US" dirty="0">
-                <a:solidFill>
-                  <a:schemeClr val="bg1">
-                    <a:lumMod val="50000"/>
-                  </a:schemeClr>
-                </a:solidFill>
-              </a:rPr>
-              <a:t>、</a:t>
-            </a:r>
-            <a:r>
-              <a:rPr lang="en-US" altLang="zh-CN" dirty="0">
-                <a:solidFill>
-                  <a:schemeClr val="bg1">
-                    <a:lumMod val="50000"/>
-                  </a:schemeClr>
-                </a:solidFill>
-              </a:rPr>
-              <a:t>udp</a:t>
-            </a:r>
-            <a:r>
-              <a:rPr lang="zh-CN" altLang="en-US" dirty="0">
-                <a:solidFill>
-                  <a:schemeClr val="bg1">
-                    <a:lumMod val="50000"/>
-                  </a:schemeClr>
-                </a:solidFill>
-              </a:rPr>
-              <a:t>（</a:t>
-            </a:r>
-            <a:r>
-              <a:rPr lang="en-US" altLang="zh-CN" dirty="0">
-                <a:solidFill>
-                  <a:schemeClr val="bg1">
-                    <a:lumMod val="50000"/>
-                  </a:schemeClr>
-                </a:solidFill>
-              </a:rPr>
-              <a:t>quic</a:t>
-            </a:r>
-            <a:r>
-              <a:rPr lang="zh-CN" altLang="en-US" dirty="0">
-                <a:solidFill>
-                  <a:schemeClr val="bg1">
-                    <a:lumMod val="50000"/>
-                  </a:schemeClr>
-                </a:solidFill>
-              </a:rPr>
-              <a:t>、</a:t>
-            </a:r>
-            <a:r>
-              <a:rPr lang="en-US" altLang="zh-CN" dirty="0">
-                <a:solidFill>
-                  <a:schemeClr val="bg1">
-                    <a:lumMod val="50000"/>
-                  </a:schemeClr>
-                </a:solidFill>
-              </a:rPr>
-              <a:t>utp</a:t>
-            </a:r>
-            <a:r>
-              <a:rPr lang="zh-CN" altLang="en-US" dirty="0">
-                <a:solidFill>
-                  <a:schemeClr val="bg1">
-                    <a:lumMod val="50000"/>
-                  </a:schemeClr>
-                </a:solidFill>
-              </a:rPr>
-              <a:t>）、</a:t>
-            </a:r>
-            <a:r>
-              <a:rPr lang="en-US" altLang="zh-CN" dirty="0">
-                <a:solidFill>
-                  <a:schemeClr val="bg1">
-                    <a:lumMod val="50000"/>
-                  </a:schemeClr>
-                </a:solidFill>
-              </a:rPr>
-              <a:t>nats</a:t>
-            </a:r>
-            <a:r>
-              <a:rPr lang="zh-CN" altLang="en-US" dirty="0">
-                <a:solidFill>
-                  <a:schemeClr val="bg1">
-                    <a:lumMod val="50000"/>
-                  </a:schemeClr>
-                </a:solidFill>
-              </a:rPr>
-              <a:t>、</a:t>
-            </a:r>
-            <a:r>
-              <a:rPr lang="en-US" altLang="zh-CN" dirty="0">
-                <a:solidFill>
-                  <a:schemeClr val="bg1">
-                    <a:lumMod val="50000"/>
-                  </a:schemeClr>
-                </a:solidFill>
-              </a:rPr>
-              <a:t>rabbitmq</a:t>
-            </a:r>
-            <a:r>
-              <a:rPr lang="zh-CN" altLang="en-US" dirty="0">
-                <a:solidFill>
-                  <a:schemeClr val="bg1">
-                    <a:lumMod val="50000"/>
-                  </a:schemeClr>
-                </a:solidFill>
-              </a:rPr>
-              <a:t>。但是它们内部请求模型都是差不多的，都封装在</a:t>
-            </a:r>
-            <a:r>
-              <a:rPr lang="en-US" altLang="zh-CN" dirty="0">
-                <a:solidFill>
-                  <a:schemeClr val="bg1">
-                    <a:lumMod val="50000"/>
-                  </a:schemeClr>
-                </a:solidFill>
-              </a:rPr>
-              <a:t>Transport</a:t>
-            </a:r>
-            <a:r>
-              <a:rPr lang="zh-CN" altLang="en-US" dirty="0">
-                <a:solidFill>
-                  <a:schemeClr val="bg1">
-                    <a:lumMod val="50000"/>
-                  </a:schemeClr>
-                </a:solidFill>
-              </a:rPr>
-              <a:t>的两个增口</a:t>
-            </a:r>
-            <a:r>
-              <a:rPr lang="en-US" altLang="zh-CN" dirty="0">
-                <a:solidFill>
-                  <a:schemeClr val="bg1">
-                    <a:lumMod val="50000"/>
-                  </a:schemeClr>
-                </a:solidFill>
-              </a:rPr>
-              <a:t>Dial</a:t>
-            </a:r>
-            <a:r>
-              <a:rPr lang="zh-CN" altLang="en-US" dirty="0">
-                <a:solidFill>
-                  <a:schemeClr val="bg1">
-                    <a:lumMod val="50000"/>
-                  </a:schemeClr>
-                </a:solidFill>
-              </a:rPr>
-              <a:t>和</a:t>
-            </a:r>
-            <a:r>
-              <a:rPr lang="en-US" altLang="zh-CN" dirty="0">
-                <a:solidFill>
-                  <a:schemeClr val="bg1">
-                    <a:lumMod val="50000"/>
-                  </a:schemeClr>
-                </a:solidFill>
-              </a:rPr>
-              <a:t>Listen</a:t>
-            </a:r>
-            <a:r>
-              <a:rPr lang="zh-CN" altLang="en-US" dirty="0">
-                <a:solidFill>
-                  <a:schemeClr val="bg1">
-                    <a:lumMod val="50000"/>
-                  </a:schemeClr>
-                </a:solidFill>
-              </a:rPr>
-              <a:t>中</a:t>
-            </a:r>
-            <a:endParaRPr lang="en-US"/>
+              <a:t>请求模型，翻页</a:t>
+            </a:r>
+            <a:endParaRPr lang="en-US" dirty="0"/>
           </a:p>
         </p:txBody>
       </p:sp>
@@ -2166,9 +2585,9 @@
           <a:bodyPr/>
           <a:lstStyle/>
           <a:p>
-            <a:fld id="{28D00669-DCC9-3147-8F33-81E21A71CBE7}" type="slidenum">
+            <a:fld id="{C6300BD4-3AE5-1B42-8BC5-55FDF59C6F50}" type="slidenum">
               <a:rPr lang="en-US" smtClean="0"/>
-              <a:t>14</a:t>
+              <a:t>13</a:t>
             </a:fld>
             <a:endParaRPr lang="en-US"/>
           </a:p>
@@ -2177,7 +2596,7 @@
     </p:spTree>
     <p:extLst>
       <p:ext uri="{BB962C8B-B14F-4D97-AF65-F5344CB8AC3E}">
-        <p14:creationId xmlns:p14="http://schemas.microsoft.com/office/powerpoint/2010/main" val="4006277651"/>
+        <p14:creationId xmlns:p14="http://schemas.microsoft.com/office/powerpoint/2010/main" val="1612541807"/>
       </p:ext>
     </p:extLst>
   </p:cSld>
@@ -3894,7 +4313,7 @@
             <a:avLst/>
           </a:prstGeom>
           <a:blipFill>
-            <a:blip r:embed="rId2" cstate="print"/>
+            <a:blip r:embed="rId3" cstate="print"/>
             <a:stretch>
               <a:fillRect/>
             </a:stretch>
@@ -7723,85 +8142,39 @@
       </p:grpSpPr>
       <p:sp>
         <p:nvSpPr>
-          <p:cNvPr id="5" name="object 2">
+          <p:cNvPr id="4" name="Title 3">
             <a:extLst>
               <a:ext uri="{FF2B5EF4-FFF2-40B4-BE49-F238E27FC236}">
-                <a16:creationId xmlns:a16="http://schemas.microsoft.com/office/drawing/2014/main" id="{A561E414-8A41-5E48-A989-217A1E228B7C}"/>
+                <a16:creationId xmlns:a16="http://schemas.microsoft.com/office/drawing/2014/main" id="{9D8B0409-D0B9-EB4F-99FB-E0A96EAD36AC}"/>
               </a:ext>
             </a:extLst>
           </p:cNvPr>
-          <p:cNvSpPr txBox="1">
-            <a:spLocks/>
+          <p:cNvSpPr>
+            <a:spLocks noGrp="1"/>
           </p:cNvSpPr>
-          <p:nvPr/>
-        </p:nvSpPr>
-        <p:spPr>
-          <a:xfrm>
-            <a:off x="384725" y="535134"/>
-            <a:ext cx="4339676" cy="482600"/>
-          </a:xfrm>
-          <a:prstGeom prst="rect">
-            <a:avLst/>
-          </a:prstGeom>
-        </p:spPr>
-        <p:txBody>
-          <a:bodyPr vert="horz" wrap="square" lIns="0" tIns="12700" rIns="0" bIns="0" rtlCol="0">
-            <a:spAutoFit/>
-          </a:bodyPr>
-          <a:lstStyle>
-            <a:lvl1pPr>
-              <a:defRPr sz="5400" b="0" i="0">
-                <a:solidFill>
-                  <a:schemeClr val="bg1"/>
-                </a:solidFill>
-                <a:latin typeface="Arial Black"/>
-                <a:ea typeface="+mj-ea"/>
-                <a:cs typeface="Arial Black"/>
-              </a:defRPr>
-            </a:lvl1pPr>
-          </a:lstStyle>
-          <a:p>
-            <a:pPr marL="12700">
-              <a:spcBef>
-                <a:spcPts val="100"/>
-              </a:spcBef>
-              <a:tabLst>
-                <a:tab pos="4126865" algn="l"/>
-              </a:tabLst>
-            </a:pPr>
-            <a:r>
-              <a:rPr lang="en-US" altLang="zh-CN" sz="3000" b="1" kern="0" dirty="0">
-                <a:solidFill>
-                  <a:srgbClr val="424242"/>
-                </a:solidFill>
-                <a:latin typeface="Arial"/>
-                <a:cs typeface="Arial"/>
-              </a:rPr>
-              <a:t>Transport </a:t>
-            </a:r>
-            <a:r>
-              <a:rPr lang="zh-CN" altLang="en-US" sz="3000" b="1" kern="0" dirty="0">
-                <a:solidFill>
-                  <a:srgbClr val="424242"/>
-                </a:solidFill>
-                <a:latin typeface="Arial"/>
-                <a:cs typeface="Arial"/>
-              </a:rPr>
-              <a:t>的分类</a:t>
-            </a:r>
-            <a:endParaRPr lang="zh-CN" altLang="en-US" sz="3000" kern="0" dirty="0">
-              <a:latin typeface="Arial"/>
-              <a:cs typeface="Arial"/>
-            </a:endParaRPr>
+          <p:nvPr>
+            <p:ph type="title"/>
+          </p:nvPr>
+        </p:nvSpPr>
+        <p:spPr>
+          <a:xfrm>
+            <a:off x="3657600" y="2343150"/>
+            <a:ext cx="1524001" cy="553998"/>
+          </a:xfrm>
+        </p:spPr>
+        <p:txBody>
+          <a:bodyPr/>
+          <a:lstStyle/>
+          <a:p>
+            <a:r>
+              <a:rPr lang="zh-CN" altLang="en-US" sz="3600" dirty="0"/>
+              <a:t>插件化</a:t>
+            </a:r>
+            <a:endParaRPr lang="en-US" sz="3600" dirty="0"/>
           </a:p>
         </p:txBody>
       </p:sp>
     </p:spTree>
-    <p:extLst>
-      <p:ext uri="{BB962C8B-B14F-4D97-AF65-F5344CB8AC3E}">
-        <p14:creationId xmlns:p14="http://schemas.microsoft.com/office/powerpoint/2010/main" val="360434727"/>
-      </p:ext>
-    </p:extLst>
   </p:cSld>
   <p:clrMapOvr>
     <a:masterClrMapping/>
@@ -7828,65 +8201,6 @@
       </p:grpSpPr>
       <p:sp>
         <p:nvSpPr>
-          <p:cNvPr id="4" name="Title 3">
-            <a:extLst>
-              <a:ext uri="{FF2B5EF4-FFF2-40B4-BE49-F238E27FC236}">
-                <a16:creationId xmlns:a16="http://schemas.microsoft.com/office/drawing/2014/main" id="{9D8B0409-D0B9-EB4F-99FB-E0A96EAD36AC}"/>
-              </a:ext>
-            </a:extLst>
-          </p:cNvPr>
-          <p:cNvSpPr>
-            <a:spLocks noGrp="1"/>
-          </p:cNvSpPr>
-          <p:nvPr>
-            <p:ph type="title"/>
-          </p:nvPr>
-        </p:nvSpPr>
-        <p:spPr>
-          <a:xfrm>
-            <a:off x="3657600" y="2343150"/>
-            <a:ext cx="1524001" cy="553998"/>
-          </a:xfrm>
-        </p:spPr>
-        <p:txBody>
-          <a:bodyPr/>
-          <a:lstStyle/>
-          <a:p>
-            <a:r>
-              <a:rPr lang="zh-CN" altLang="en-US" sz="3600" dirty="0"/>
-              <a:t>插件化</a:t>
-            </a:r>
-            <a:endParaRPr lang="en-US" sz="3600" dirty="0"/>
-          </a:p>
-        </p:txBody>
-      </p:sp>
-    </p:spTree>
-  </p:cSld>
-  <p:clrMapOvr>
-    <a:masterClrMapping/>
-  </p:clrMapOvr>
-</p:sld>
-</file>
-
-<file path=ppt/slides/slide17.xml><?xml version="1.0" encoding="utf-8"?>
-<p:sld xmlns:a="http://schemas.openxmlformats.org/drawingml/2006/main" xmlns:r="http://schemas.openxmlformats.org/officeDocument/2006/relationships" xmlns:p="http://schemas.openxmlformats.org/presentationml/2006/main">
-  <p:cSld>
-    <p:spTree>
-      <p:nvGrpSpPr>
-        <p:cNvPr id="1" name=""/>
-        <p:cNvGrpSpPr/>
-        <p:nvPr/>
-      </p:nvGrpSpPr>
-      <p:grpSpPr>
-        <a:xfrm>
-          <a:off x="0" y="0"/>
-          <a:ext cx="0" cy="0"/>
-          <a:chOff x="0" y="0"/>
-          <a:chExt cx="0" cy="0"/>
-        </a:xfrm>
-      </p:grpSpPr>
-      <p:sp>
-        <p:nvSpPr>
           <p:cNvPr id="5" name="object 6">
             <a:extLst>
               <a:ext uri="{FF2B5EF4-FFF2-40B4-BE49-F238E27FC236}">
@@ -7899,7 +8213,7 @@
         </p:nvSpPr>
         <p:spPr>
           <a:xfrm>
-            <a:off x="2221300" y="1333694"/>
+            <a:off x="2057400" y="1794511"/>
             <a:ext cx="4711700" cy="1691639"/>
           </a:xfrm>
           <a:custGeom>
@@ -7957,7 +8271,7 @@
         </p:nvSpPr>
         <p:spPr>
           <a:xfrm>
-            <a:off x="2286000" y="1422869"/>
+            <a:off x="2122100" y="1883686"/>
             <a:ext cx="4572000" cy="416559"/>
           </a:xfrm>
           <a:prstGeom prst="rect">
@@ -8011,7 +8325,7 @@
         </p:nvSpPr>
         <p:spPr>
           <a:xfrm>
-            <a:off x="2286000" y="1967743"/>
+            <a:off x="2122100" y="2428560"/>
             <a:ext cx="2264410" cy="416559"/>
           </a:xfrm>
           <a:prstGeom prst="rect">
@@ -8019,7 +8333,7 @@
           </a:prstGeom>
           <a:ln w="9524">
             <a:solidFill>
-              <a:srgbClr val="424242"/>
+              <a:srgbClr val="FF0000"/>
             </a:solidFill>
           </a:ln>
         </p:spPr>
@@ -8065,7 +8379,7 @@
         </p:nvSpPr>
         <p:spPr>
           <a:xfrm>
-            <a:off x="4618745" y="1967743"/>
+            <a:off x="4454845" y="2428560"/>
             <a:ext cx="2239645" cy="416559"/>
           </a:xfrm>
           <a:prstGeom prst="rect">
@@ -8073,7 +8387,7 @@
           </a:prstGeom>
           <a:ln w="9524">
             <a:solidFill>
-              <a:srgbClr val="424242"/>
+              <a:srgbClr val="FF0000"/>
             </a:solidFill>
           </a:ln>
         </p:spPr>
@@ -8119,7 +8433,7 @@
         </p:nvSpPr>
         <p:spPr>
           <a:xfrm>
-            <a:off x="5995792" y="2512592"/>
+            <a:off x="5831892" y="2973409"/>
             <a:ext cx="862965" cy="416559"/>
           </a:xfrm>
           <a:prstGeom prst="rect">
@@ -8127,7 +8441,7 @@
           </a:prstGeom>
           <a:ln w="9524">
             <a:solidFill>
-              <a:srgbClr val="424242"/>
+              <a:srgbClr val="0070C0"/>
             </a:solidFill>
           </a:ln>
         </p:spPr>
@@ -8173,7 +8487,7 @@
         </p:nvSpPr>
         <p:spPr>
           <a:xfrm>
-            <a:off x="5068344" y="2512617"/>
+            <a:off x="4904444" y="2973434"/>
             <a:ext cx="862965" cy="416559"/>
           </a:xfrm>
           <a:prstGeom prst="rect">
@@ -8181,7 +8495,7 @@
           </a:prstGeom>
           <a:ln w="9524">
             <a:solidFill>
-              <a:srgbClr val="424242"/>
+              <a:srgbClr val="0070C0"/>
             </a:solidFill>
           </a:ln>
         </p:spPr>
@@ -8227,7 +8541,7 @@
         </p:nvSpPr>
         <p:spPr>
           <a:xfrm>
-            <a:off x="4140896" y="2512617"/>
+            <a:off x="3976996" y="2973434"/>
             <a:ext cx="862965" cy="416559"/>
           </a:xfrm>
           <a:prstGeom prst="rect">
@@ -8235,7 +8549,7 @@
           </a:prstGeom>
           <a:ln w="9524">
             <a:solidFill>
-              <a:srgbClr val="424242"/>
+              <a:srgbClr val="0070C0"/>
             </a:solidFill>
           </a:ln>
         </p:spPr>
@@ -8281,7 +8595,7 @@
         </p:nvSpPr>
         <p:spPr>
           <a:xfrm>
-            <a:off x="3213448" y="2512617"/>
+            <a:off x="3049548" y="2973434"/>
             <a:ext cx="862965" cy="416559"/>
           </a:xfrm>
           <a:prstGeom prst="rect">
@@ -8289,7 +8603,7 @@
           </a:prstGeom>
           <a:ln w="9524">
             <a:solidFill>
-              <a:srgbClr val="424242"/>
+              <a:srgbClr val="0070C0"/>
             </a:solidFill>
           </a:ln>
         </p:spPr>
@@ -8335,7 +8649,7 @@
         </p:nvSpPr>
         <p:spPr>
           <a:xfrm>
-            <a:off x="2286000" y="2512617"/>
+            <a:off x="2122100" y="2973434"/>
             <a:ext cx="862965" cy="416559"/>
           </a:xfrm>
           <a:prstGeom prst="rect">
@@ -8343,7 +8657,7 @@
           </a:prstGeom>
           <a:ln w="9524">
             <a:solidFill>
-              <a:srgbClr val="424242"/>
+              <a:srgbClr val="0070C0"/>
             </a:solidFill>
           </a:ln>
         </p:spPr>
@@ -8375,10 +8689,717 @@
           </a:p>
         </p:txBody>
       </p:sp>
+      <p:sp>
+        <p:nvSpPr>
+          <p:cNvPr id="14" name="object 2">
+            <a:extLst>
+              <a:ext uri="{FF2B5EF4-FFF2-40B4-BE49-F238E27FC236}">
+                <a16:creationId xmlns:a16="http://schemas.microsoft.com/office/drawing/2014/main" id="{1B72EA80-B0C8-0044-ACAA-BB1B030AE473}"/>
+              </a:ext>
+            </a:extLst>
+          </p:cNvPr>
+          <p:cNvSpPr txBox="1">
+            <a:spLocks noGrp="1"/>
+          </p:cNvSpPr>
+          <p:nvPr>
+            <p:ph type="title"/>
+          </p:nvPr>
+        </p:nvSpPr>
+        <p:spPr>
+          <a:xfrm>
+            <a:off x="384725" y="535134"/>
+            <a:ext cx="4339676" cy="482600"/>
+          </a:xfrm>
+          <a:prstGeom prst="rect">
+            <a:avLst/>
+          </a:prstGeom>
+        </p:spPr>
+        <p:txBody>
+          <a:bodyPr vert="horz" wrap="square" lIns="0" tIns="12700" rIns="0" bIns="0" rtlCol="0">
+            <a:spAutoFit/>
+          </a:bodyPr>
+          <a:lstStyle/>
+          <a:p>
+            <a:pPr marL="12700">
+              <a:lnSpc>
+                <a:spcPct val="100000"/>
+              </a:lnSpc>
+              <a:spcBef>
+                <a:spcPts val="100"/>
+              </a:spcBef>
+              <a:tabLst>
+                <a:tab pos="4126865" algn="l"/>
+              </a:tabLst>
+            </a:pPr>
+            <a:r>
+              <a:rPr lang="zh-CN" altLang="en-US" sz="3000" b="1" dirty="0">
+                <a:solidFill>
+                  <a:srgbClr val="424242"/>
+                </a:solidFill>
+                <a:latin typeface="Arial"/>
+                <a:cs typeface="Arial"/>
+              </a:rPr>
+              <a:t>回顾框架</a:t>
+            </a:r>
+            <a:endParaRPr sz="3000" dirty="0">
+              <a:latin typeface="Arial"/>
+              <a:cs typeface="Arial"/>
+            </a:endParaRPr>
+          </a:p>
+        </p:txBody>
+      </p:sp>
     </p:spTree>
     <p:extLst>
       <p:ext uri="{BB962C8B-B14F-4D97-AF65-F5344CB8AC3E}">
         <p14:creationId xmlns:p14="http://schemas.microsoft.com/office/powerpoint/2010/main" val="1447876703"/>
+      </p:ext>
+    </p:extLst>
+  </p:cSld>
+  <p:clrMapOvr>
+    <a:masterClrMapping/>
+  </p:clrMapOvr>
+</p:sld>
+</file>
+
+<file path=ppt/slides/slide17.xml><?xml version="1.0" encoding="utf-8"?>
+<p:sld xmlns:a="http://schemas.openxmlformats.org/drawingml/2006/main" xmlns:r="http://schemas.openxmlformats.org/officeDocument/2006/relationships" xmlns:p="http://schemas.openxmlformats.org/presentationml/2006/main">
+  <p:cSld>
+    <p:spTree>
+      <p:nvGrpSpPr>
+        <p:cNvPr id="1" name=""/>
+        <p:cNvGrpSpPr/>
+        <p:nvPr/>
+      </p:nvGrpSpPr>
+      <p:grpSpPr>
+        <a:xfrm>
+          <a:off x="0" y="0"/>
+          <a:ext cx="0" cy="0"/>
+          <a:chOff x="0" y="0"/>
+          <a:chExt cx="0" cy="0"/>
+        </a:xfrm>
+      </p:grpSpPr>
+      <p:sp>
+        <p:nvSpPr>
+          <p:cNvPr id="6" name="object 2">
+            <a:extLst>
+              <a:ext uri="{FF2B5EF4-FFF2-40B4-BE49-F238E27FC236}">
+                <a16:creationId xmlns:a16="http://schemas.microsoft.com/office/drawing/2014/main" id="{200EBB32-0BFA-5F49-8BA9-A327C6BB8BDF}"/>
+              </a:ext>
+            </a:extLst>
+          </p:cNvPr>
+          <p:cNvSpPr txBox="1">
+            <a:spLocks/>
+          </p:cNvSpPr>
+          <p:nvPr/>
+        </p:nvSpPr>
+        <p:spPr>
+          <a:xfrm>
+            <a:off x="384725" y="535134"/>
+            <a:ext cx="2739475" cy="482600"/>
+          </a:xfrm>
+          <a:prstGeom prst="rect">
+            <a:avLst/>
+          </a:prstGeom>
+        </p:spPr>
+        <p:txBody>
+          <a:bodyPr vert="horz" wrap="square" lIns="0" tIns="12700" rIns="0" bIns="0" rtlCol="0">
+            <a:spAutoFit/>
+          </a:bodyPr>
+          <a:lstStyle>
+            <a:lvl1pPr>
+              <a:defRPr sz="5400" b="0" i="0">
+                <a:solidFill>
+                  <a:schemeClr val="bg1"/>
+                </a:solidFill>
+                <a:latin typeface="Arial Black"/>
+                <a:ea typeface="+mj-ea"/>
+                <a:cs typeface="Arial Black"/>
+              </a:defRPr>
+            </a:lvl1pPr>
+          </a:lstStyle>
+          <a:p>
+            <a:pPr marL="12700">
+              <a:spcBef>
+                <a:spcPts val="100"/>
+              </a:spcBef>
+              <a:tabLst>
+                <a:tab pos="4126865" algn="l"/>
+              </a:tabLst>
+            </a:pPr>
+            <a:r>
+              <a:rPr lang="zh-CN" altLang="en-US" sz="3000" b="1" kern="0" dirty="0">
+                <a:solidFill>
+                  <a:srgbClr val="424242"/>
+                </a:solidFill>
+                <a:latin typeface="Arial"/>
+                <a:cs typeface="Arial"/>
+              </a:rPr>
+              <a:t>插件化代码演示</a:t>
+            </a:r>
+            <a:endParaRPr lang="zh-CN" altLang="en-US" sz="3000" kern="0" dirty="0">
+              <a:latin typeface="Arial"/>
+              <a:cs typeface="Arial"/>
+            </a:endParaRPr>
+          </a:p>
+        </p:txBody>
+      </p:sp>
+      <p:sp>
+        <p:nvSpPr>
+          <p:cNvPr id="7" name="Rectangle 6">
+            <a:extLst>
+              <a:ext uri="{FF2B5EF4-FFF2-40B4-BE49-F238E27FC236}">
+                <a16:creationId xmlns:a16="http://schemas.microsoft.com/office/drawing/2014/main" id="{DB25F112-5452-E941-8D75-D80D8DC3DA77}"/>
+              </a:ext>
+            </a:extLst>
+          </p:cNvPr>
+          <p:cNvSpPr/>
+          <p:nvPr/>
+        </p:nvSpPr>
+        <p:spPr>
+          <a:xfrm>
+            <a:off x="457200" y="1657350"/>
+            <a:ext cx="2360133" cy="715581"/>
+          </a:xfrm>
+          <a:prstGeom prst="rect">
+            <a:avLst/>
+          </a:prstGeom>
+        </p:spPr>
+        <p:txBody>
+          <a:bodyPr wrap="square">
+            <a:spAutoFit/>
+          </a:bodyPr>
+          <a:lstStyle/>
+          <a:p>
+            <a:pPr marL="342900" indent="-342900">
+              <a:buAutoNum type="arabicPeriod"/>
+            </a:pPr>
+            <a:r>
+              <a:rPr lang="zh-CN" altLang="en-US" sz="1350" dirty="0"/>
+              <a:t>实例化一个</a:t>
+            </a:r>
+            <a:r>
+              <a:rPr lang="en-US" altLang="zh-CN" sz="1350" dirty="0"/>
+              <a:t>Rpc</a:t>
+            </a:r>
+            <a:r>
+              <a:rPr lang="zh-CN" altLang="en-US" sz="1350" dirty="0"/>
+              <a:t>服务</a:t>
+            </a:r>
+            <a:endParaRPr lang="en-US" altLang="zh-CN" sz="1350" dirty="0"/>
+          </a:p>
+          <a:p>
+            <a:pPr marL="342900" indent="-342900">
+              <a:buAutoNum type="arabicPeriod"/>
+            </a:pPr>
+            <a:r>
+              <a:rPr lang="en-US" altLang="zh-CN" sz="1350" dirty="0"/>
+              <a:t>Registry</a:t>
+            </a:r>
+            <a:r>
+              <a:rPr lang="zh-CN" altLang="en-US" sz="1350" dirty="0"/>
+              <a:t>注册使用</a:t>
+            </a:r>
+            <a:r>
+              <a:rPr lang="en-US" altLang="zh-CN" sz="1350" dirty="0"/>
+              <a:t>MDNS</a:t>
+            </a:r>
+          </a:p>
+          <a:p>
+            <a:pPr marL="342900" indent="-342900">
+              <a:buAutoNum type="arabicPeriod"/>
+            </a:pPr>
+            <a:r>
+              <a:rPr lang="zh-CN" altLang="en-US" sz="1350" dirty="0"/>
+              <a:t>异步消息使用</a:t>
+            </a:r>
+            <a:r>
+              <a:rPr lang="en-US" altLang="zh-CN" sz="1350" dirty="0"/>
+              <a:t>HttpBroker</a:t>
+            </a:r>
+          </a:p>
+        </p:txBody>
+      </p:sp>
+      <p:sp>
+        <p:nvSpPr>
+          <p:cNvPr id="8" name="Rectangle 7">
+            <a:extLst>
+              <a:ext uri="{FF2B5EF4-FFF2-40B4-BE49-F238E27FC236}">
+                <a16:creationId xmlns:a16="http://schemas.microsoft.com/office/drawing/2014/main" id="{9A8CD80D-1A67-3E40-A57E-035697D02152}"/>
+              </a:ext>
+            </a:extLst>
+          </p:cNvPr>
+          <p:cNvSpPr/>
+          <p:nvPr/>
+        </p:nvSpPr>
+        <p:spPr>
+          <a:xfrm>
+            <a:off x="5181600" y="1657350"/>
+            <a:ext cx="2360133" cy="923330"/>
+          </a:xfrm>
+          <a:prstGeom prst="rect">
+            <a:avLst/>
+          </a:prstGeom>
+        </p:spPr>
+        <p:txBody>
+          <a:bodyPr wrap="square">
+            <a:spAutoFit/>
+          </a:bodyPr>
+          <a:lstStyle/>
+          <a:p>
+            <a:pPr marL="342900" indent="-342900">
+              <a:buAutoNum type="arabicPeriod"/>
+            </a:pPr>
+            <a:r>
+              <a:rPr lang="zh-CN" altLang="en-US" sz="1350" dirty="0"/>
+              <a:t>实例化一个</a:t>
+            </a:r>
+            <a:r>
+              <a:rPr lang="en-US" altLang="zh-CN" sz="1350" dirty="0"/>
+              <a:t>Rpc</a:t>
+            </a:r>
+            <a:r>
+              <a:rPr lang="zh-CN" altLang="en-US" sz="1350" dirty="0"/>
+              <a:t>服务</a:t>
+            </a:r>
+            <a:endParaRPr lang="en-US" altLang="zh-CN" sz="1350" dirty="0"/>
+          </a:p>
+          <a:p>
+            <a:pPr marL="342900" indent="-342900">
+              <a:buAutoNum type="arabicPeriod"/>
+            </a:pPr>
+            <a:r>
+              <a:rPr lang="zh-CN" altLang="en-US" sz="1350" dirty="0"/>
+              <a:t>注册中心使用</a:t>
+            </a:r>
+            <a:r>
+              <a:rPr lang="en-US" altLang="zh-CN" sz="1350" dirty="0"/>
+              <a:t>Consul</a:t>
+            </a:r>
+          </a:p>
+          <a:p>
+            <a:pPr marL="342900" indent="-342900">
+              <a:buAutoNum type="arabicPeriod"/>
+            </a:pPr>
+            <a:r>
+              <a:rPr lang="zh-CN" altLang="en-US" sz="1350" dirty="0"/>
+              <a:t>异步消息使用</a:t>
+            </a:r>
+            <a:r>
+              <a:rPr lang="en-US" altLang="zh-CN" sz="1350" dirty="0"/>
+              <a:t>RabbitMQ</a:t>
+            </a:r>
+          </a:p>
+          <a:p>
+            <a:pPr marL="342900" indent="-342900">
+              <a:buAutoNum type="arabicPeriod"/>
+            </a:pPr>
+            <a:endParaRPr lang="en-US" sz="1350" dirty="0"/>
+          </a:p>
+        </p:txBody>
+      </p:sp>
+      <p:sp>
+        <p:nvSpPr>
+          <p:cNvPr id="9" name="TextBox 8">
+            <a:extLst>
+              <a:ext uri="{FF2B5EF4-FFF2-40B4-BE49-F238E27FC236}">
+                <a16:creationId xmlns:a16="http://schemas.microsoft.com/office/drawing/2014/main" id="{3BE5901C-7A36-094A-8C95-485B25251EDB}"/>
+              </a:ext>
+            </a:extLst>
+          </p:cNvPr>
+          <p:cNvSpPr txBox="1"/>
+          <p:nvPr/>
+        </p:nvSpPr>
+        <p:spPr>
+          <a:xfrm>
+            <a:off x="1431296" y="1288018"/>
+            <a:ext cx="646331" cy="369332"/>
+          </a:xfrm>
+          <a:prstGeom prst="rect">
+            <a:avLst/>
+          </a:prstGeom>
+          <a:noFill/>
+        </p:spPr>
+        <p:txBody>
+          <a:bodyPr wrap="none" rtlCol="0">
+            <a:spAutoFit/>
+          </a:bodyPr>
+          <a:lstStyle/>
+          <a:p>
+            <a:r>
+              <a:rPr lang="zh-CN" altLang="en-US"/>
+              <a:t>默认</a:t>
+            </a:r>
+            <a:endParaRPr lang="en-US"/>
+          </a:p>
+        </p:txBody>
+      </p:sp>
+      <p:sp>
+        <p:nvSpPr>
+          <p:cNvPr id="10" name="TextBox 9">
+            <a:extLst>
+              <a:ext uri="{FF2B5EF4-FFF2-40B4-BE49-F238E27FC236}">
+                <a16:creationId xmlns:a16="http://schemas.microsoft.com/office/drawing/2014/main" id="{37C2D380-1791-FE40-B079-4933D98EC435}"/>
+              </a:ext>
+            </a:extLst>
+          </p:cNvPr>
+          <p:cNvSpPr txBox="1"/>
+          <p:nvPr/>
+        </p:nvSpPr>
+        <p:spPr>
+          <a:xfrm>
+            <a:off x="5867400" y="1288018"/>
+            <a:ext cx="877163" cy="369332"/>
+          </a:xfrm>
+          <a:prstGeom prst="rect">
+            <a:avLst/>
+          </a:prstGeom>
+          <a:noFill/>
+        </p:spPr>
+        <p:txBody>
+          <a:bodyPr wrap="none" rtlCol="0">
+            <a:spAutoFit/>
+          </a:bodyPr>
+          <a:lstStyle/>
+          <a:p>
+            <a:r>
+              <a:rPr lang="zh-CN" altLang="en-US"/>
+              <a:t>自定义</a:t>
+            </a:r>
+            <a:endParaRPr lang="en-US"/>
+          </a:p>
+        </p:txBody>
+      </p:sp>
+      <p:sp>
+        <p:nvSpPr>
+          <p:cNvPr id="11" name="TextBox 10">
+            <a:extLst>
+              <a:ext uri="{FF2B5EF4-FFF2-40B4-BE49-F238E27FC236}">
+                <a16:creationId xmlns:a16="http://schemas.microsoft.com/office/drawing/2014/main" id="{BCCBF117-CAB8-D84E-A3BA-F57771D65128}"/>
+              </a:ext>
+            </a:extLst>
+          </p:cNvPr>
+          <p:cNvSpPr txBox="1"/>
+          <p:nvPr/>
+        </p:nvSpPr>
+        <p:spPr>
+          <a:xfrm>
+            <a:off x="462516" y="3012547"/>
+            <a:ext cx="2960426" cy="369332"/>
+          </a:xfrm>
+          <a:prstGeom prst="rect">
+            <a:avLst/>
+          </a:prstGeom>
+          <a:noFill/>
+        </p:spPr>
+        <p:txBody>
+          <a:bodyPr wrap="none" rtlCol="0">
+            <a:spAutoFit/>
+          </a:bodyPr>
+          <a:lstStyle/>
+          <a:p>
+            <a:r>
+              <a:rPr lang="en-US"/>
+              <a:t>service := micro.NewService()</a:t>
+            </a:r>
+          </a:p>
+        </p:txBody>
+      </p:sp>
+      <p:sp>
+        <p:nvSpPr>
+          <p:cNvPr id="12" name="TextBox 11">
+            <a:extLst>
+              <a:ext uri="{FF2B5EF4-FFF2-40B4-BE49-F238E27FC236}">
+                <a16:creationId xmlns:a16="http://schemas.microsoft.com/office/drawing/2014/main" id="{9044FA03-F145-2F4C-BCB4-455785CC7201}"/>
+              </a:ext>
+            </a:extLst>
+          </p:cNvPr>
+          <p:cNvSpPr txBox="1"/>
+          <p:nvPr/>
+        </p:nvSpPr>
+        <p:spPr>
+          <a:xfrm>
+            <a:off x="1431295" y="2580680"/>
+            <a:ext cx="646331" cy="369332"/>
+          </a:xfrm>
+          <a:prstGeom prst="rect">
+            <a:avLst/>
+          </a:prstGeom>
+          <a:noFill/>
+        </p:spPr>
+        <p:txBody>
+          <a:bodyPr wrap="none" rtlCol="0">
+            <a:spAutoFit/>
+          </a:bodyPr>
+          <a:lstStyle/>
+          <a:p>
+            <a:r>
+              <a:rPr lang="zh-CN" altLang="en-US"/>
+              <a:t>代码</a:t>
+            </a:r>
+            <a:endParaRPr lang="en-US"/>
+          </a:p>
+        </p:txBody>
+      </p:sp>
+      <p:sp>
+        <p:nvSpPr>
+          <p:cNvPr id="13" name="TextBox 12">
+            <a:extLst>
+              <a:ext uri="{FF2B5EF4-FFF2-40B4-BE49-F238E27FC236}">
+                <a16:creationId xmlns:a16="http://schemas.microsoft.com/office/drawing/2014/main" id="{118CE96E-861B-A44F-81A0-B0745367F3E9}"/>
+              </a:ext>
+            </a:extLst>
+          </p:cNvPr>
+          <p:cNvSpPr txBox="1"/>
+          <p:nvPr/>
+        </p:nvSpPr>
+        <p:spPr>
+          <a:xfrm>
+            <a:off x="5982815" y="2589937"/>
+            <a:ext cx="646331" cy="369332"/>
+          </a:xfrm>
+          <a:prstGeom prst="rect">
+            <a:avLst/>
+          </a:prstGeom>
+          <a:noFill/>
+        </p:spPr>
+        <p:txBody>
+          <a:bodyPr wrap="none" rtlCol="0">
+            <a:spAutoFit/>
+          </a:bodyPr>
+          <a:lstStyle/>
+          <a:p>
+            <a:r>
+              <a:rPr lang="zh-CN" altLang="en-US"/>
+              <a:t>代码</a:t>
+            </a:r>
+            <a:endParaRPr lang="en-US"/>
+          </a:p>
+        </p:txBody>
+      </p:sp>
+      <p:sp>
+        <p:nvSpPr>
+          <p:cNvPr id="14" name="TextBox 13">
+            <a:extLst>
+              <a:ext uri="{FF2B5EF4-FFF2-40B4-BE49-F238E27FC236}">
+                <a16:creationId xmlns:a16="http://schemas.microsoft.com/office/drawing/2014/main" id="{456C0F5A-2D4E-4F40-AE41-5210177F8AB0}"/>
+              </a:ext>
+            </a:extLst>
+          </p:cNvPr>
+          <p:cNvSpPr txBox="1"/>
+          <p:nvPr/>
+        </p:nvSpPr>
+        <p:spPr>
+          <a:xfrm rot="966097">
+            <a:off x="7594402" y="981267"/>
+            <a:ext cx="932628" cy="369332"/>
+          </a:xfrm>
+          <a:prstGeom prst="rect">
+            <a:avLst/>
+          </a:prstGeom>
+          <a:noFill/>
+          <a:ln w="19050">
+            <a:solidFill>
+              <a:srgbClr val="FF0000"/>
+            </a:solidFill>
+          </a:ln>
+        </p:spPr>
+        <p:txBody>
+          <a:bodyPr wrap="none" rtlCol="0">
+            <a:spAutoFit/>
+          </a:bodyPr>
+          <a:lstStyle/>
+          <a:p>
+            <a:r>
+              <a:rPr lang="en-US">
+                <a:solidFill>
+                  <a:srgbClr val="FF0000"/>
+                </a:solidFill>
+              </a:rPr>
+              <a:t>Registry</a:t>
+            </a:r>
+          </a:p>
+        </p:txBody>
+      </p:sp>
+      <p:sp>
+        <p:nvSpPr>
+          <p:cNvPr id="15" name="TextBox 14">
+            <a:extLst>
+              <a:ext uri="{FF2B5EF4-FFF2-40B4-BE49-F238E27FC236}">
+                <a16:creationId xmlns:a16="http://schemas.microsoft.com/office/drawing/2014/main" id="{F8A3D30C-7C00-6A40-98BB-C42CFBAB08C9}"/>
+              </a:ext>
+            </a:extLst>
+          </p:cNvPr>
+          <p:cNvSpPr txBox="1"/>
+          <p:nvPr/>
+        </p:nvSpPr>
+        <p:spPr>
+          <a:xfrm rot="923857">
+            <a:off x="7460716" y="1471521"/>
+            <a:ext cx="932628" cy="369332"/>
+          </a:xfrm>
+          <a:prstGeom prst="rect">
+            <a:avLst/>
+          </a:prstGeom>
+          <a:noFill/>
+          <a:ln w="19050">
+            <a:solidFill>
+              <a:srgbClr val="0070C0"/>
+            </a:solidFill>
+          </a:ln>
+        </p:spPr>
+        <p:txBody>
+          <a:bodyPr wrap="square" rtlCol="0">
+            <a:spAutoFit/>
+          </a:bodyPr>
+          <a:lstStyle/>
+          <a:p>
+            <a:r>
+              <a:rPr lang="en-US">
+                <a:solidFill>
+                  <a:srgbClr val="0070C0"/>
+                </a:solidFill>
+              </a:rPr>
+              <a:t>Broker</a:t>
+            </a:r>
+          </a:p>
+        </p:txBody>
+      </p:sp>
+      <p:sp>
+        <p:nvSpPr>
+          <p:cNvPr id="17" name="TextBox 16">
+            <a:extLst>
+              <a:ext uri="{FF2B5EF4-FFF2-40B4-BE49-F238E27FC236}">
+                <a16:creationId xmlns:a16="http://schemas.microsoft.com/office/drawing/2014/main" id="{AAFFB1C3-372F-8547-89DC-7034AF81B446}"/>
+              </a:ext>
+            </a:extLst>
+          </p:cNvPr>
+          <p:cNvSpPr txBox="1"/>
+          <p:nvPr/>
+        </p:nvSpPr>
+        <p:spPr>
+          <a:xfrm>
+            <a:off x="4953000" y="2968526"/>
+            <a:ext cx="4271426" cy="1569660"/>
+          </a:xfrm>
+          <a:prstGeom prst="rect">
+            <a:avLst/>
+          </a:prstGeom>
+          <a:noFill/>
+        </p:spPr>
+        <p:txBody>
+          <a:bodyPr wrap="none" rtlCol="0">
+            <a:spAutoFit/>
+          </a:bodyPr>
+          <a:lstStyle/>
+          <a:p>
+            <a:r>
+              <a:rPr lang="en-US" sz="1200"/>
+              <a:t>service := micro.NewService(</a:t>
+            </a:r>
+            <a:br>
+              <a:rPr lang="en-US" sz="1200"/>
+            </a:br>
+            <a:r>
+              <a:rPr lang="en-US" sz="1200"/>
+              <a:t>   </a:t>
+            </a:r>
+            <a:r>
+              <a:rPr lang="en-US" sz="1200">
+                <a:solidFill>
+                  <a:srgbClr val="FF0000"/>
+                </a:solidFill>
+              </a:rPr>
+              <a:t>micro.Registry(consul.NewRegistry(func(ops *registry.Options) {</a:t>
+            </a:r>
+            <a:br>
+              <a:rPr lang="en-US" sz="1200">
+                <a:solidFill>
+                  <a:srgbClr val="FF0000"/>
+                </a:solidFill>
+              </a:rPr>
+            </a:br>
+            <a:r>
+              <a:rPr lang="en-US" sz="1200">
+                <a:solidFill>
+                  <a:srgbClr val="FF0000"/>
+                </a:solidFill>
+              </a:rPr>
+              <a:t>      ops.Addrs = []string{"127.0.0.1:8500"}</a:t>
+            </a:r>
+            <a:br>
+              <a:rPr lang="en-US" sz="1200">
+                <a:solidFill>
+                  <a:srgbClr val="FF0000"/>
+                </a:solidFill>
+              </a:rPr>
+            </a:br>
+            <a:r>
+              <a:rPr lang="en-US" sz="1200">
+                <a:solidFill>
+                  <a:srgbClr val="FF0000"/>
+                </a:solidFill>
+              </a:rPr>
+              <a:t>   })),</a:t>
+            </a:r>
+            <a:br>
+              <a:rPr lang="en-US" sz="1200"/>
+            </a:br>
+            <a:r>
+              <a:rPr lang="en-US" sz="1200"/>
+              <a:t>   </a:t>
+            </a:r>
+            <a:r>
+              <a:rPr lang="en-US" sz="1200">
+                <a:solidFill>
+                  <a:srgbClr val="0070C0"/>
+                </a:solidFill>
+              </a:rPr>
+              <a:t>micro.Broker(rabbitmq.NewBroker(</a:t>
+            </a:r>
+            <a:br>
+              <a:rPr lang="en-US" sz="1200">
+                <a:solidFill>
+                  <a:srgbClr val="0070C0"/>
+                </a:solidFill>
+              </a:rPr>
+            </a:br>
+            <a:r>
+              <a:rPr lang="en-US" sz="1200">
+                <a:solidFill>
+                  <a:srgbClr val="0070C0"/>
+                </a:solidFill>
+              </a:rPr>
+              <a:t>      broker.Addrs([]string{"127.0.0.1:5672"}...),</a:t>
+            </a:r>
+            <a:br>
+              <a:rPr lang="en-US" sz="1200">
+                <a:solidFill>
+                  <a:srgbClr val="0070C0"/>
+                </a:solidFill>
+              </a:rPr>
+            </a:br>
+            <a:r>
+              <a:rPr lang="en-US" sz="1200">
+                <a:solidFill>
+                  <a:srgbClr val="0070C0"/>
+                </a:solidFill>
+              </a:rPr>
+              <a:t>   )),</a:t>
+            </a:r>
+            <a:br>
+              <a:rPr lang="en-US" sz="1200"/>
+            </a:br>
+            <a:r>
+              <a:rPr lang="en-US" sz="1200"/>
+              <a:t>)</a:t>
+            </a:r>
+          </a:p>
+        </p:txBody>
+      </p:sp>
+    </p:spTree>
+    <p:extLst>
+      <p:ext uri="{BB962C8B-B14F-4D97-AF65-F5344CB8AC3E}">
+        <p14:creationId xmlns:p14="http://schemas.microsoft.com/office/powerpoint/2010/main" val="4036063079"/>
       </p:ext>
     </p:extLst>
   </p:cSld>
@@ -8407,33 +9428,140 @@
       </p:grpSpPr>
       <p:sp>
         <p:nvSpPr>
-          <p:cNvPr id="2" name="Title 1">
+          <p:cNvPr id="5" name="object 2">
             <a:extLst>
               <a:ext uri="{FF2B5EF4-FFF2-40B4-BE49-F238E27FC236}">
-                <a16:creationId xmlns:a16="http://schemas.microsoft.com/office/drawing/2014/main" id="{90ACF2C0-EF2A-6648-9D3C-D83690E7051F}"/>
+                <a16:creationId xmlns:a16="http://schemas.microsoft.com/office/drawing/2014/main" id="{DE832DAB-0A0C-184C-A96A-667D3C6395D7}"/>
               </a:ext>
             </a:extLst>
           </p:cNvPr>
-          <p:cNvSpPr>
-            <a:spLocks noGrp="1"/>
+          <p:cNvSpPr txBox="1">
+            <a:spLocks/>
           </p:cNvSpPr>
-          <p:nvPr>
-            <p:ph type="title"/>
-          </p:nvPr>
-        </p:nvSpPr>
-        <p:spPr/>
-        <p:txBody>
-          <a:bodyPr/>
-          <a:lstStyle/>
-          <a:p>
-            <a:endParaRPr lang="en-US" dirty="0"/>
+          <p:nvPr/>
+        </p:nvSpPr>
+        <p:spPr>
+          <a:xfrm>
+            <a:off x="384725" y="535134"/>
+            <a:ext cx="2739475" cy="482600"/>
+          </a:xfrm>
+          <a:prstGeom prst="rect">
+            <a:avLst/>
+          </a:prstGeom>
+        </p:spPr>
+        <p:txBody>
+          <a:bodyPr vert="horz" wrap="square" lIns="0" tIns="12700" rIns="0" bIns="0" rtlCol="0">
+            <a:spAutoFit/>
+          </a:bodyPr>
+          <a:lstStyle>
+            <a:lvl1pPr>
+              <a:defRPr sz="5400" b="0" i="0">
+                <a:solidFill>
+                  <a:schemeClr val="bg1"/>
+                </a:solidFill>
+                <a:latin typeface="Arial Black"/>
+                <a:ea typeface="+mj-ea"/>
+                <a:cs typeface="Arial Black"/>
+              </a:defRPr>
+            </a:lvl1pPr>
+          </a:lstStyle>
+          <a:p>
+            <a:pPr marL="12700">
+              <a:spcBef>
+                <a:spcPts val="100"/>
+              </a:spcBef>
+              <a:tabLst>
+                <a:tab pos="4126865" algn="l"/>
+              </a:tabLst>
+            </a:pPr>
+            <a:r>
+              <a:rPr lang="zh-CN" altLang="en-US" sz="3000" b="1" kern="0" dirty="0">
+                <a:solidFill>
+                  <a:srgbClr val="424242"/>
+                </a:solidFill>
+                <a:latin typeface="Arial"/>
+                <a:cs typeface="Arial"/>
+              </a:rPr>
+              <a:t>插件化原理</a:t>
+            </a:r>
+            <a:endParaRPr lang="zh-CN" altLang="en-US" sz="3000" kern="0" dirty="0">
+              <a:latin typeface="Arial"/>
+              <a:cs typeface="Arial"/>
+            </a:endParaRPr>
+          </a:p>
+        </p:txBody>
+      </p:sp>
+      <p:sp>
+        <p:nvSpPr>
+          <p:cNvPr id="6" name="TextBox 5">
+            <a:extLst>
+              <a:ext uri="{FF2B5EF4-FFF2-40B4-BE49-F238E27FC236}">
+                <a16:creationId xmlns:a16="http://schemas.microsoft.com/office/drawing/2014/main" id="{8C13B48C-7A40-654D-AF68-D53BD490E4C1}"/>
+              </a:ext>
+            </a:extLst>
+          </p:cNvPr>
+          <p:cNvSpPr txBox="1"/>
+          <p:nvPr/>
+        </p:nvSpPr>
+        <p:spPr>
+          <a:xfrm>
+            <a:off x="533400" y="1428750"/>
+            <a:ext cx="8121134" cy="646331"/>
+          </a:xfrm>
+          <a:prstGeom prst="rect">
+            <a:avLst/>
+          </a:prstGeom>
+          <a:noFill/>
+        </p:spPr>
+        <p:txBody>
+          <a:bodyPr wrap="none" rtlCol="0">
+            <a:spAutoFit/>
+          </a:bodyPr>
+          <a:lstStyle/>
+          <a:p>
+            <a:r>
+              <a:rPr lang="zh-CN" altLang="en-US"/>
+              <a:t>基于</a:t>
+            </a:r>
+            <a:r>
+              <a:rPr lang="en-US" altLang="zh-CN"/>
+              <a:t>Go</a:t>
+            </a:r>
+            <a:r>
+              <a:rPr lang="zh-CN" altLang="en-US"/>
+              <a:t> </a:t>
+            </a:r>
+            <a:r>
+              <a:rPr lang="en-US" altLang="zh-CN"/>
+              <a:t>Interface</a:t>
+            </a:r>
+            <a:r>
+              <a:rPr lang="zh-CN" altLang="en-US"/>
+              <a:t>的无侵入特性，</a:t>
+            </a:r>
+            <a:r>
+              <a:rPr lang="en-US" altLang="zh-CN"/>
+              <a:t>Micro</a:t>
+            </a:r>
+            <a:r>
+              <a:rPr lang="zh-CN" altLang="en-US"/>
+              <a:t>定义各组件功能的接口，再依托多种多样</a:t>
+            </a:r>
+            <a:endParaRPr lang="en-US" altLang="zh-CN"/>
+          </a:p>
+          <a:p>
+            <a:r>
+              <a:rPr lang="zh-CN" altLang="en-US"/>
+              <a:t>技术栈实现各自的插件</a:t>
+            </a:r>
+            <a:endParaRPr lang="en-US"/>
           </a:p>
         </p:txBody>
       </p:sp>
     </p:spTree>
     <p:extLst>
       <p:ext uri="{BB962C8B-B14F-4D97-AF65-F5344CB8AC3E}">
-        <p14:creationId xmlns:p14="http://schemas.microsoft.com/office/powerpoint/2010/main" val="1602018558"/>
+        <p14:creationId xmlns:p14="http://schemas.microsoft.com/office/powerpoint/2010/main" val="1449334863"/>
       </p:ext>
     </p:extLst>
   </p:cSld>
@@ -8462,18 +9590,22 @@
       </p:grpSpPr>
       <p:sp>
         <p:nvSpPr>
-          <p:cNvPr id="2" name="object 2"/>
+          <p:cNvPr id="5" name="object 2">
+            <a:extLst>
+              <a:ext uri="{FF2B5EF4-FFF2-40B4-BE49-F238E27FC236}">
+                <a16:creationId xmlns:a16="http://schemas.microsoft.com/office/drawing/2014/main" id="{CA0524D5-0ACC-F546-A06E-4E6A5CCD2101}"/>
+              </a:ext>
+            </a:extLst>
+          </p:cNvPr>
           <p:cNvSpPr txBox="1">
-            <a:spLocks noGrp="1"/>
+            <a:spLocks/>
           </p:cNvSpPr>
-          <p:nvPr>
-            <p:ph type="title"/>
-          </p:nvPr>
-        </p:nvSpPr>
-        <p:spPr>
-          <a:xfrm>
-            <a:off x="3200400" y="2343150"/>
-            <a:ext cx="3001010" cy="574040"/>
+          <p:nvPr/>
+        </p:nvSpPr>
+        <p:spPr>
+          <a:xfrm>
+            <a:off x="384725" y="535134"/>
+            <a:ext cx="1291675" cy="482600"/>
           </a:xfrm>
           <a:prstGeom prst="rect">
             <a:avLst/>
@@ -8483,25 +9615,85 @@
           <a:bodyPr vert="horz" wrap="square" lIns="0" tIns="12700" rIns="0" bIns="0" rtlCol="0">
             <a:spAutoFit/>
           </a:bodyPr>
-          <a:lstStyle/>
+          <a:lstStyle>
+            <a:lvl1pPr>
+              <a:defRPr sz="5400" b="0" i="0">
+                <a:solidFill>
+                  <a:schemeClr val="bg1"/>
+                </a:solidFill>
+                <a:latin typeface="Arial Black"/>
+                <a:ea typeface="+mj-ea"/>
+                <a:cs typeface="Arial Black"/>
+              </a:defRPr>
+            </a:lvl1pPr>
+          </a:lstStyle>
           <a:p>
             <a:pPr marL="12700">
-              <a:lnSpc>
-                <a:spcPct val="100000"/>
-              </a:lnSpc>
               <a:spcBef>
                 <a:spcPts val="100"/>
               </a:spcBef>
+              <a:tabLst>
+                <a:tab pos="4126865" algn="l"/>
+              </a:tabLst>
             </a:pPr>
             <a:r>
-              <a:rPr lang="zh-CN" altLang="en-US" sz="3600" dirty="0"/>
-              <a:t>编写服务</a:t>
-            </a:r>
-            <a:endParaRPr sz="3600" dirty="0"/>
+              <a:rPr lang="zh-CN" altLang="en-US" sz="3000" b="1" kern="0" dirty="0">
+                <a:solidFill>
+                  <a:srgbClr val="424242"/>
+                </a:solidFill>
+                <a:latin typeface="Arial"/>
+                <a:cs typeface="Arial"/>
+              </a:rPr>
+              <a:t>插件化</a:t>
+            </a:r>
+            <a:endParaRPr lang="zh-CN" altLang="en-US" sz="3000" kern="0" dirty="0">
+              <a:latin typeface="Arial"/>
+              <a:cs typeface="Arial"/>
+            </a:endParaRPr>
+          </a:p>
+        </p:txBody>
+      </p:sp>
+      <p:sp>
+        <p:nvSpPr>
+          <p:cNvPr id="8" name="Rectangle 7">
+            <a:extLst>
+              <a:ext uri="{FF2B5EF4-FFF2-40B4-BE49-F238E27FC236}">
+                <a16:creationId xmlns:a16="http://schemas.microsoft.com/office/drawing/2014/main" id="{6455619D-F09A-8D44-A86A-DA9E4E70259E}"/>
+              </a:ext>
+            </a:extLst>
+          </p:cNvPr>
+          <p:cNvSpPr/>
+          <p:nvPr/>
+        </p:nvSpPr>
+        <p:spPr>
+          <a:xfrm>
+            <a:off x="7467600" y="648402"/>
+            <a:ext cx="1107996" cy="369332"/>
+          </a:xfrm>
+          <a:prstGeom prst="rect">
+            <a:avLst/>
+          </a:prstGeom>
+        </p:spPr>
+        <p:txBody>
+          <a:bodyPr wrap="none">
+            <a:spAutoFit/>
+          </a:bodyPr>
+          <a:lstStyle/>
+          <a:p>
+            <a:r>
+              <a:rPr lang="zh-CN" altLang="en-US" dirty="0"/>
+              <a:t>注册中心</a:t>
+            </a:r>
+            <a:endParaRPr lang="en-US" dirty="0"/>
           </a:p>
         </p:txBody>
       </p:sp>
     </p:spTree>
+    <p:extLst>
+      <p:ext uri="{BB962C8B-B14F-4D97-AF65-F5344CB8AC3E}">
+        <p14:creationId xmlns:p14="http://schemas.microsoft.com/office/powerpoint/2010/main" val="3992989643"/>
+      </p:ext>
+    </p:extLst>
   </p:cSld>
   <p:clrMapOvr>
     <a:masterClrMapping/>
@@ -8585,7 +9777,7 @@
         <p:spPr>
           <a:xfrm>
             <a:off x="384724" y="1532699"/>
-            <a:ext cx="3042920" cy="566822"/>
+            <a:ext cx="3042920" cy="289823"/>
           </a:xfrm>
           <a:prstGeom prst="rect">
             <a:avLst/>
@@ -8613,27 +9805,7 @@
                 <a:latin typeface="Courier New"/>
                 <a:cs typeface="Courier New"/>
               </a:rPr>
-              <a:t>中南大学，喜欢微服务，但是更多是</a:t>
-            </a:r>
-            <a:r>
-              <a:rPr lang="en-US" altLang="zh-CN" sz="1800" spc="-5" dirty="0">
-                <a:solidFill>
-                  <a:srgbClr val="424242"/>
-                </a:solidFill>
-                <a:latin typeface="Courier New"/>
-                <a:cs typeface="Courier New"/>
-              </a:rPr>
-              <a:t>CRUD</a:t>
-            </a:r>
-            <a:r>
-              <a:rPr lang="zh-CN" altLang="en-US" sz="1800" spc="-5" dirty="0">
-                <a:solidFill>
-                  <a:srgbClr val="424242"/>
-                </a:solidFill>
-                <a:latin typeface="Courier New"/>
-                <a:cs typeface="Courier New"/>
-              </a:rPr>
-              <a:t>。</a:t>
+              <a:t>喜欢微服务</a:t>
             </a:r>
             <a:endParaRPr sz="1800" dirty="0">
               <a:latin typeface="Courier New"/>
@@ -9073,7 +10245,7 @@
 </file>
 
 <file path=ppt/slides/slide20.xml><?xml version="1.0" encoding="utf-8"?>
-<p:sld xmlns:a="http://schemas.openxmlformats.org/drawingml/2006/main" xmlns:r="http://schemas.openxmlformats.org/officeDocument/2006/relationships" xmlns:p="http://schemas.openxmlformats.org/presentationml/2006/main">
+<p:sld xmlns:a="http://schemas.openxmlformats.org/drawingml/2006/main" xmlns:r="http://schemas.openxmlformats.org/officeDocument/2006/relationships" xmlns:p="http://schemas.openxmlformats.org/presentationml/2006/main" showMasterSp="0">
   <p:cSld>
     <p:spTree>
       <p:nvGrpSpPr>
@@ -9092,129 +10264,13 @@
       <p:sp>
         <p:nvSpPr>
           <p:cNvPr id="2" name="object 2"/>
-          <p:cNvSpPr txBox="1">
-            <a:spLocks noGrp="1"/>
-          </p:cNvSpPr>
-          <p:nvPr>
-            <p:ph type="title"/>
-          </p:nvPr>
-        </p:nvSpPr>
-        <p:spPr>
-          <a:xfrm>
-            <a:off x="384724" y="535134"/>
-            <a:ext cx="1825076" cy="474489"/>
-          </a:xfrm>
-          <a:prstGeom prst="rect">
-            <a:avLst/>
-          </a:prstGeom>
-        </p:spPr>
-        <p:txBody>
-          <a:bodyPr vert="horz" wrap="square" lIns="0" tIns="12700" rIns="0" bIns="0" rtlCol="0">
-            <a:spAutoFit/>
-          </a:bodyPr>
-          <a:lstStyle/>
-          <a:p>
-            <a:pPr marL="12700">
-              <a:lnSpc>
-                <a:spcPct val="100000"/>
-              </a:lnSpc>
-              <a:spcBef>
-                <a:spcPts val="100"/>
-              </a:spcBef>
-            </a:pPr>
-            <a:r>
-              <a:rPr sz="3000" b="1" dirty="0">
-                <a:solidFill>
-                  <a:srgbClr val="424242"/>
-                </a:solidFill>
-                <a:latin typeface="Arial"/>
-                <a:cs typeface="Arial"/>
-              </a:rPr>
-              <a:t>go-micro</a:t>
-            </a:r>
-            <a:endParaRPr sz="3000" dirty="0">
-              <a:latin typeface="Arial"/>
-              <a:cs typeface="Arial"/>
-            </a:endParaRPr>
-          </a:p>
-        </p:txBody>
-      </p:sp>
-      <p:sp>
-        <p:nvSpPr>
-          <p:cNvPr id="3" name="object 3"/>
-          <p:cNvSpPr txBox="1"/>
-          <p:nvPr/>
-        </p:nvSpPr>
-        <p:spPr>
-          <a:xfrm>
-            <a:off x="6785511" y="535134"/>
-            <a:ext cx="1544320" cy="482600"/>
-          </a:xfrm>
-          <a:prstGeom prst="rect">
-            <a:avLst/>
-          </a:prstGeom>
-        </p:spPr>
-        <p:txBody>
-          <a:bodyPr vert="horz" wrap="square" lIns="0" tIns="12700" rIns="0" bIns="0" rtlCol="0">
-            <a:spAutoFit/>
-          </a:bodyPr>
-          <a:lstStyle/>
-          <a:p>
-            <a:pPr marL="12700">
-              <a:lnSpc>
-                <a:spcPct val="100000"/>
-              </a:lnSpc>
-              <a:spcBef>
-                <a:spcPts val="100"/>
-              </a:spcBef>
-            </a:pPr>
-            <a:r>
-              <a:rPr lang="zh-CN" altLang="en-US" sz="3000" b="1" spc="-245" dirty="0">
-                <a:solidFill>
-                  <a:srgbClr val="424242"/>
-                </a:solidFill>
-                <a:latin typeface="Arial"/>
-                <a:cs typeface="Arial"/>
-              </a:rPr>
-              <a:t>定义</a:t>
-            </a:r>
-            <a:r>
-              <a:rPr sz="3000" b="1" spc="-295" dirty="0">
-                <a:solidFill>
-                  <a:srgbClr val="424242"/>
-                </a:solidFill>
-                <a:latin typeface="Arial"/>
-                <a:cs typeface="Arial"/>
-              </a:rPr>
-              <a:t> </a:t>
-            </a:r>
-            <a:r>
-              <a:rPr sz="3000" b="1" dirty="0">
-                <a:solidFill>
-                  <a:srgbClr val="424242"/>
-                </a:solidFill>
-                <a:latin typeface="Arial"/>
-                <a:cs typeface="Arial"/>
-              </a:rPr>
-              <a:t>API</a:t>
-            </a:r>
-            <a:endParaRPr sz="3000" dirty="0">
-              <a:latin typeface="Arial"/>
-              <a:cs typeface="Arial"/>
-            </a:endParaRPr>
-          </a:p>
-        </p:txBody>
-      </p:sp>
-      <p:sp>
-        <p:nvSpPr>
-          <p:cNvPr id="4" name="object 4"/>
           <p:cNvSpPr/>
           <p:nvPr/>
         </p:nvSpPr>
         <p:spPr>
           <a:xfrm>
-            <a:off x="311699" y="1468822"/>
-            <a:ext cx="8521065" cy="3316604"/>
+            <a:off x="0" y="-1678"/>
+            <a:ext cx="9144000" cy="5164228"/>
           </a:xfrm>
           <a:custGeom>
             <a:avLst/>
@@ -9223,18 +10279,18 @@
             <a:cxnLst/>
             <a:rect l="l" t="t" r="r" b="b"/>
             <a:pathLst>
-              <a:path w="8521065" h="3316604">
+              <a:path w="9144000" h="5143500">
                 <a:moveTo>
                   <a:pt x="0" y="0"/>
                 </a:moveTo>
                 <a:lnTo>
-                  <a:pt x="8520583" y="0"/>
+                  <a:pt x="9143981" y="0"/>
                 </a:lnTo>
                 <a:lnTo>
-                  <a:pt x="8520583" y="3316193"/>
+                  <a:pt x="9143981" y="5143489"/>
                 </a:lnTo>
                 <a:lnTo>
-                  <a:pt x="0" y="3316193"/>
+                  <a:pt x="0" y="5143489"/>
                 </a:lnTo>
                 <a:lnTo>
                   <a:pt x="0" y="0"/>
@@ -9244,7 +10300,7 @@
             </a:pathLst>
           </a:custGeom>
           <a:solidFill>
-            <a:srgbClr val="F2F2F2"/>
+            <a:srgbClr val="999999"/>
           </a:solidFill>
         </p:spPr>
         <p:txBody>
@@ -9257,496 +10313,46 @@
       </p:sp>
       <p:sp>
         <p:nvSpPr>
-          <p:cNvPr id="5" name="object 5"/>
-          <p:cNvSpPr txBox="1"/>
-          <p:nvPr/>
-        </p:nvSpPr>
-        <p:spPr>
-          <a:xfrm>
-            <a:off x="384724" y="1534223"/>
-            <a:ext cx="4660900" cy="2997200"/>
-          </a:xfrm>
-          <a:prstGeom prst="rect">
-            <a:avLst/>
-          </a:prstGeom>
-        </p:spPr>
-        <p:txBody>
-          <a:bodyPr vert="horz" wrap="square" lIns="0" tIns="12700" rIns="0" bIns="0" rtlCol="0">
+          <p:cNvPr id="3" name="object 3"/>
+          <p:cNvSpPr txBox="1">
+            <a:spLocks noGrp="1"/>
+          </p:cNvSpPr>
+          <p:nvPr>
+            <p:ph type="title"/>
+          </p:nvPr>
+        </p:nvSpPr>
+        <p:spPr>
+          <a:xfrm>
+            <a:off x="563273" y="1712460"/>
+            <a:ext cx="8017452" cy="838562"/>
+          </a:xfrm>
+          <a:prstGeom prst="rect">
+            <a:avLst/>
+          </a:prstGeom>
+        </p:spPr>
+        <p:txBody>
+          <a:bodyPr vert="horz" wrap="square" lIns="0" tIns="98932" rIns="0" bIns="0" rtlCol="0">
             <a:spAutoFit/>
           </a:bodyPr>
           <a:lstStyle/>
           <a:p>
-            <a:pPr marL="12700">
+            <a:pPr marL="12700" marR="5080">
               <a:lnSpc>
-                <a:spcPct val="100000"/>
+                <a:spcPct val="100299"/>
               </a:lnSpc>
               <a:spcBef>
-                <a:spcPts val="100"/>
+                <a:spcPts val="80"/>
               </a:spcBef>
             </a:pPr>
             <a:r>
-              <a:rPr sz="1500" spc="95" dirty="0">
-                <a:solidFill>
-                  <a:srgbClr val="333333"/>
-                </a:solidFill>
-                <a:latin typeface="Arial"/>
-                <a:cs typeface="Arial"/>
-              </a:rPr>
-              <a:t>syntax </a:t>
-            </a:r>
-            <a:r>
-              <a:rPr sz="1500" spc="-55" dirty="0">
-                <a:solidFill>
-                  <a:srgbClr val="333333"/>
-                </a:solidFill>
-                <a:latin typeface="Arial"/>
-                <a:cs typeface="Arial"/>
-              </a:rPr>
-              <a:t>=</a:t>
-            </a:r>
-            <a:r>
-              <a:rPr sz="1500" spc="190" dirty="0">
-                <a:solidFill>
-                  <a:srgbClr val="333333"/>
-                </a:solidFill>
-                <a:latin typeface="Arial"/>
-                <a:cs typeface="Arial"/>
-              </a:rPr>
-              <a:t> </a:t>
-            </a:r>
-            <a:r>
-              <a:rPr sz="1500" spc="180" dirty="0">
-                <a:solidFill>
-                  <a:srgbClr val="333333"/>
-                </a:solidFill>
-                <a:latin typeface="Arial"/>
-                <a:cs typeface="Arial"/>
-              </a:rPr>
-              <a:t>"proto3";</a:t>
-            </a:r>
-            <a:endParaRPr sz="1500" dirty="0">
-              <a:latin typeface="Arial"/>
-              <a:cs typeface="Arial"/>
-            </a:endParaRPr>
-          </a:p>
-          <a:p>
-            <a:pPr>
-              <a:lnSpc>
-                <a:spcPct val="100000"/>
-              </a:lnSpc>
-              <a:spcBef>
-                <a:spcPts val="15"/>
-              </a:spcBef>
-            </a:pPr>
-            <a:endParaRPr sz="1550" dirty="0">
-              <a:latin typeface="Times New Roman"/>
-              <a:cs typeface="Times New Roman"/>
-            </a:endParaRPr>
-          </a:p>
-          <a:p>
-            <a:pPr marL="12700">
-              <a:lnSpc>
-                <a:spcPct val="100000"/>
-              </a:lnSpc>
-            </a:pPr>
-            <a:r>
-              <a:rPr sz="1500" spc="140" dirty="0">
-                <a:solidFill>
-                  <a:srgbClr val="A71C5D"/>
-                </a:solidFill>
-                <a:latin typeface="Arial"/>
-                <a:cs typeface="Arial"/>
-              </a:rPr>
-              <a:t>service </a:t>
-            </a:r>
-            <a:r>
-              <a:rPr sz="1500" spc="90" dirty="0">
-                <a:solidFill>
-                  <a:srgbClr val="795DA3"/>
-                </a:solidFill>
-                <a:latin typeface="Arial"/>
-                <a:cs typeface="Arial"/>
-              </a:rPr>
-              <a:t>Greeter</a:t>
-            </a:r>
-            <a:r>
-              <a:rPr sz="1500" spc="120" dirty="0">
-                <a:solidFill>
-                  <a:srgbClr val="795DA3"/>
-                </a:solidFill>
-                <a:latin typeface="Arial"/>
-                <a:cs typeface="Arial"/>
-              </a:rPr>
-              <a:t> </a:t>
-            </a:r>
-            <a:r>
-              <a:rPr sz="1500" spc="320" dirty="0">
-                <a:solidFill>
-                  <a:srgbClr val="333333"/>
-                </a:solidFill>
-                <a:latin typeface="Arial"/>
-                <a:cs typeface="Arial"/>
-              </a:rPr>
-              <a:t>{</a:t>
-            </a:r>
-            <a:endParaRPr sz="1500" dirty="0">
-              <a:latin typeface="Arial"/>
-              <a:cs typeface="Arial"/>
-            </a:endParaRPr>
-          </a:p>
-          <a:p>
-            <a:pPr marL="469265">
-              <a:lnSpc>
-                <a:spcPct val="100000"/>
-              </a:lnSpc>
-            </a:pPr>
-            <a:r>
-              <a:rPr sz="1500" spc="125" dirty="0">
-                <a:solidFill>
-                  <a:srgbClr val="333333"/>
-                </a:solidFill>
-                <a:latin typeface="Arial"/>
-                <a:cs typeface="Arial"/>
-              </a:rPr>
-              <a:t>rpc </a:t>
-            </a:r>
-            <a:r>
-              <a:rPr sz="1500" spc="105" dirty="0">
-                <a:solidFill>
-                  <a:srgbClr val="333333"/>
-                </a:solidFill>
-                <a:latin typeface="Arial"/>
-                <a:cs typeface="Arial"/>
-              </a:rPr>
-              <a:t>Hello(Request) </a:t>
-            </a:r>
-            <a:r>
-              <a:rPr sz="1500" spc="150" dirty="0">
-                <a:solidFill>
-                  <a:srgbClr val="333333"/>
-                </a:solidFill>
-                <a:latin typeface="Arial"/>
-                <a:cs typeface="Arial"/>
-              </a:rPr>
-              <a:t>returns </a:t>
-            </a:r>
-            <a:r>
-              <a:rPr sz="1500" spc="40" dirty="0">
-                <a:solidFill>
-                  <a:srgbClr val="333333"/>
-                </a:solidFill>
-                <a:latin typeface="Arial"/>
-                <a:cs typeface="Arial"/>
-              </a:rPr>
-              <a:t>(Response)</a:t>
-            </a:r>
-            <a:r>
-              <a:rPr sz="1500" spc="240" dirty="0">
-                <a:solidFill>
-                  <a:srgbClr val="333333"/>
-                </a:solidFill>
-                <a:latin typeface="Arial"/>
-                <a:cs typeface="Arial"/>
-              </a:rPr>
-              <a:t> </a:t>
-            </a:r>
-            <a:r>
-              <a:rPr sz="1500" spc="315" dirty="0">
-                <a:solidFill>
-                  <a:srgbClr val="333333"/>
-                </a:solidFill>
-                <a:latin typeface="Arial"/>
-                <a:cs typeface="Arial"/>
-              </a:rPr>
-              <a:t>{}</a:t>
-            </a:r>
-            <a:endParaRPr sz="1500" dirty="0">
-              <a:latin typeface="Arial"/>
-              <a:cs typeface="Arial"/>
-            </a:endParaRPr>
-          </a:p>
-          <a:p>
-            <a:pPr marL="12700">
-              <a:lnSpc>
-                <a:spcPct val="100000"/>
-              </a:lnSpc>
-            </a:pPr>
-            <a:r>
-              <a:rPr sz="1500" spc="320" dirty="0">
-                <a:solidFill>
-                  <a:srgbClr val="333333"/>
-                </a:solidFill>
-                <a:latin typeface="Arial"/>
-                <a:cs typeface="Arial"/>
-              </a:rPr>
-              <a:t>}</a:t>
-            </a:r>
-            <a:endParaRPr sz="1500" dirty="0">
-              <a:latin typeface="Arial"/>
-              <a:cs typeface="Arial"/>
-            </a:endParaRPr>
-          </a:p>
-          <a:p>
-            <a:pPr>
-              <a:lnSpc>
-                <a:spcPct val="100000"/>
-              </a:lnSpc>
-              <a:spcBef>
-                <a:spcPts val="20"/>
-              </a:spcBef>
-            </a:pPr>
-            <a:endParaRPr sz="1550" dirty="0">
-              <a:latin typeface="Times New Roman"/>
-              <a:cs typeface="Times New Roman"/>
-            </a:endParaRPr>
-          </a:p>
-          <a:p>
-            <a:pPr marL="469265" marR="2511425" indent="-457200">
-              <a:lnSpc>
-                <a:spcPct val="100000"/>
-              </a:lnSpc>
-            </a:pPr>
-            <a:r>
-              <a:rPr sz="1500" spc="-50" dirty="0">
-                <a:solidFill>
-                  <a:srgbClr val="A71C5D"/>
-                </a:solidFill>
-                <a:latin typeface="Arial"/>
-                <a:cs typeface="Arial"/>
-              </a:rPr>
-              <a:t>message </a:t>
-            </a:r>
-            <a:r>
-              <a:rPr sz="1500" spc="20" dirty="0">
-                <a:solidFill>
-                  <a:srgbClr val="795DA3"/>
-                </a:solidFill>
-                <a:latin typeface="Arial"/>
-                <a:cs typeface="Arial"/>
-              </a:rPr>
-              <a:t>Request </a:t>
-            </a:r>
-            <a:r>
-              <a:rPr sz="1500" spc="320" dirty="0">
-                <a:solidFill>
-                  <a:srgbClr val="333333"/>
-                </a:solidFill>
-                <a:latin typeface="Arial"/>
-                <a:cs typeface="Arial"/>
-              </a:rPr>
-              <a:t>{  </a:t>
-            </a:r>
-            <a:r>
-              <a:rPr sz="1500" spc="204" dirty="0">
-                <a:solidFill>
-                  <a:srgbClr val="333333"/>
-                </a:solidFill>
-                <a:latin typeface="Arial"/>
-                <a:cs typeface="Arial"/>
-              </a:rPr>
-              <a:t>string </a:t>
-            </a:r>
-            <a:r>
-              <a:rPr sz="1500" spc="-120" dirty="0">
-                <a:solidFill>
-                  <a:srgbClr val="333333"/>
-                </a:solidFill>
-                <a:latin typeface="Arial"/>
-                <a:cs typeface="Arial"/>
-              </a:rPr>
-              <a:t>name</a:t>
-            </a:r>
-            <a:r>
-              <a:rPr sz="1500" spc="175" dirty="0">
-                <a:solidFill>
-                  <a:srgbClr val="333333"/>
-                </a:solidFill>
-                <a:latin typeface="Arial"/>
-                <a:cs typeface="Arial"/>
-              </a:rPr>
-              <a:t> </a:t>
-            </a:r>
-            <a:r>
-              <a:rPr sz="1500" spc="-55" dirty="0">
-                <a:solidFill>
-                  <a:srgbClr val="333333"/>
-                </a:solidFill>
-                <a:latin typeface="Arial"/>
-                <a:cs typeface="Arial"/>
-              </a:rPr>
-              <a:t>=</a:t>
-            </a:r>
-            <a:r>
-              <a:rPr sz="1500" spc="114" dirty="0">
-                <a:solidFill>
-                  <a:srgbClr val="333333"/>
-                </a:solidFill>
-                <a:latin typeface="Arial"/>
-                <a:cs typeface="Arial"/>
-              </a:rPr>
-              <a:t> </a:t>
-            </a:r>
-            <a:r>
-              <a:rPr sz="1500" spc="190" dirty="0">
-                <a:solidFill>
-                  <a:srgbClr val="333333"/>
-                </a:solidFill>
-                <a:latin typeface="Arial"/>
-                <a:cs typeface="Arial"/>
-              </a:rPr>
-              <a:t>1;</a:t>
-            </a:r>
-            <a:endParaRPr sz="1500" dirty="0">
-              <a:latin typeface="Arial"/>
-              <a:cs typeface="Arial"/>
-            </a:endParaRPr>
-          </a:p>
-          <a:p>
-            <a:pPr marL="12700">
-              <a:lnSpc>
-                <a:spcPct val="100000"/>
-              </a:lnSpc>
-            </a:pPr>
-            <a:r>
-              <a:rPr sz="1500" spc="320" dirty="0">
-                <a:solidFill>
-                  <a:srgbClr val="333333"/>
-                </a:solidFill>
-                <a:latin typeface="Arial"/>
-                <a:cs typeface="Arial"/>
-              </a:rPr>
-              <a:t>}</a:t>
-            </a:r>
-            <a:endParaRPr sz="1500" dirty="0">
-              <a:latin typeface="Arial"/>
-              <a:cs typeface="Arial"/>
-            </a:endParaRPr>
-          </a:p>
-          <a:p>
-            <a:pPr>
-              <a:lnSpc>
-                <a:spcPct val="100000"/>
-              </a:lnSpc>
-              <a:spcBef>
-                <a:spcPts val="15"/>
-              </a:spcBef>
-            </a:pPr>
-            <a:endParaRPr sz="1550" dirty="0">
-              <a:latin typeface="Times New Roman"/>
-              <a:cs typeface="Times New Roman"/>
-            </a:endParaRPr>
-          </a:p>
-          <a:p>
-            <a:pPr marL="469265" marR="2093595" indent="-457200">
-              <a:lnSpc>
-                <a:spcPct val="100000"/>
-              </a:lnSpc>
-            </a:pPr>
-            <a:r>
-              <a:rPr sz="1500" spc="-50" dirty="0">
-                <a:solidFill>
-                  <a:srgbClr val="A71C5D"/>
-                </a:solidFill>
-                <a:latin typeface="Arial"/>
-                <a:cs typeface="Arial"/>
-              </a:rPr>
-              <a:t>message </a:t>
-            </a:r>
-            <a:r>
-              <a:rPr sz="1500" spc="-25" dirty="0">
-                <a:solidFill>
-                  <a:srgbClr val="795DA3"/>
-                </a:solidFill>
-                <a:latin typeface="Arial"/>
-                <a:cs typeface="Arial"/>
-              </a:rPr>
-              <a:t>Response </a:t>
-            </a:r>
-            <a:r>
-              <a:rPr sz="1500" spc="320" dirty="0">
-                <a:solidFill>
-                  <a:srgbClr val="333333"/>
-                </a:solidFill>
-                <a:latin typeface="Arial"/>
-                <a:cs typeface="Arial"/>
-              </a:rPr>
-              <a:t>{  </a:t>
-            </a:r>
-            <a:r>
-              <a:rPr sz="1500" spc="204" dirty="0">
-                <a:solidFill>
-                  <a:srgbClr val="333333"/>
-                </a:solidFill>
-                <a:latin typeface="Arial"/>
-                <a:cs typeface="Arial"/>
-              </a:rPr>
-              <a:t>string </a:t>
-            </a:r>
-            <a:r>
-              <a:rPr sz="1500" spc="140" dirty="0">
-                <a:solidFill>
-                  <a:srgbClr val="333333"/>
-                </a:solidFill>
-                <a:latin typeface="Arial"/>
-                <a:cs typeface="Arial"/>
-              </a:rPr>
-              <a:t>greeting </a:t>
-            </a:r>
-            <a:r>
-              <a:rPr sz="1500" spc="-55" dirty="0">
-                <a:solidFill>
-                  <a:srgbClr val="333333"/>
-                </a:solidFill>
-                <a:latin typeface="Arial"/>
-                <a:cs typeface="Arial"/>
-              </a:rPr>
-              <a:t>=</a:t>
-            </a:r>
-            <a:r>
-              <a:rPr sz="1500" spc="260" dirty="0">
-                <a:solidFill>
-                  <a:srgbClr val="333333"/>
-                </a:solidFill>
-                <a:latin typeface="Arial"/>
-                <a:cs typeface="Arial"/>
-              </a:rPr>
-              <a:t> </a:t>
-            </a:r>
-            <a:r>
-              <a:rPr sz="1500" spc="190" dirty="0">
-                <a:solidFill>
-                  <a:srgbClr val="333333"/>
-                </a:solidFill>
-                <a:latin typeface="Arial"/>
-                <a:cs typeface="Arial"/>
-              </a:rPr>
-              <a:t>1;</a:t>
-            </a:r>
-            <a:endParaRPr sz="1500" dirty="0">
-              <a:latin typeface="Arial"/>
-              <a:cs typeface="Arial"/>
-            </a:endParaRPr>
-          </a:p>
-          <a:p>
-            <a:pPr marL="12700">
-              <a:lnSpc>
-                <a:spcPct val="100000"/>
-              </a:lnSpc>
-            </a:pPr>
-            <a:r>
-              <a:rPr sz="1500" spc="320" dirty="0">
-                <a:solidFill>
-                  <a:srgbClr val="333333"/>
-                </a:solidFill>
-                <a:latin typeface="Arial"/>
-                <a:cs typeface="Arial"/>
-              </a:rPr>
-              <a:t>}</a:t>
-            </a:r>
-            <a:endParaRPr sz="1500" dirty="0">
-              <a:latin typeface="Arial"/>
-              <a:cs typeface="Arial"/>
-            </a:endParaRPr>
+              <a:rPr lang="zh-CN" altLang="en-US" sz="4800" dirty="0"/>
+              <a:t>限流、链路中断、认证</a:t>
+            </a:r>
+            <a:r>
+              <a:rPr lang="en-US" altLang="zh-CN" sz="4800" dirty="0"/>
+              <a:t>…</a:t>
+            </a:r>
+            <a:endParaRPr sz="4800" dirty="0"/>
           </a:p>
         </p:txBody>
       </p:sp>
@@ -9787,8 +10393,8 @@
         </p:nvSpPr>
         <p:spPr>
           <a:xfrm>
-            <a:off x="384724" y="535134"/>
-            <a:ext cx="1672676" cy="474489"/>
+            <a:off x="3657600" y="2343150"/>
+            <a:ext cx="3352799" cy="566822"/>
           </a:xfrm>
           <a:prstGeom prst="rect">
             <a:avLst/>
@@ -9809,88 +10415,60 @@
               </a:spcBef>
             </a:pPr>
             <a:r>
-              <a:rPr sz="3000" b="1" dirty="0">
-                <a:solidFill>
-                  <a:srgbClr val="424242"/>
-                </a:solidFill>
-                <a:latin typeface="Arial"/>
-                <a:cs typeface="Arial"/>
-              </a:rPr>
-              <a:t>go-micro</a:t>
-            </a:r>
-            <a:endParaRPr sz="3000" dirty="0">
-              <a:latin typeface="Arial"/>
-              <a:cs typeface="Arial"/>
-            </a:endParaRPr>
-          </a:p>
-        </p:txBody>
-      </p:sp>
-      <p:sp>
-        <p:nvSpPr>
-          <p:cNvPr id="3" name="object 3"/>
-          <p:cNvSpPr txBox="1"/>
-          <p:nvPr/>
-        </p:nvSpPr>
-        <p:spPr>
-          <a:xfrm>
-            <a:off x="6477000" y="535134"/>
-            <a:ext cx="2667000" cy="474489"/>
-          </a:xfrm>
-          <a:prstGeom prst="rect">
-            <a:avLst/>
-          </a:prstGeom>
-        </p:spPr>
-        <p:txBody>
-          <a:bodyPr vert="horz" wrap="square" lIns="0" tIns="12700" rIns="0" bIns="0" rtlCol="0">
-            <a:spAutoFit/>
-          </a:bodyPr>
-          <a:lstStyle/>
-          <a:p>
-            <a:pPr marL="12700">
-              <a:lnSpc>
-                <a:spcPct val="100000"/>
-              </a:lnSpc>
-              <a:spcBef>
-                <a:spcPts val="100"/>
-              </a:spcBef>
-            </a:pPr>
-            <a:r>
-              <a:rPr lang="zh-CN" altLang="en-US" sz="3000" b="1" dirty="0">
-                <a:solidFill>
-                  <a:srgbClr val="424242"/>
-                </a:solidFill>
-                <a:latin typeface="Arial"/>
-                <a:cs typeface="Arial"/>
-              </a:rPr>
-              <a:t>定义 </a:t>
-            </a:r>
-            <a:r>
-              <a:rPr sz="3000" b="1" dirty="0">
-                <a:solidFill>
-                  <a:srgbClr val="424242"/>
-                </a:solidFill>
-                <a:latin typeface="Arial"/>
-                <a:cs typeface="Arial"/>
-              </a:rPr>
-              <a:t>handler</a:t>
-            </a:r>
-            <a:endParaRPr sz="3000" dirty="0">
-              <a:latin typeface="Arial"/>
-              <a:cs typeface="Arial"/>
-            </a:endParaRPr>
-          </a:p>
-        </p:txBody>
-      </p:sp>
-      <p:sp>
-        <p:nvSpPr>
-          <p:cNvPr id="4" name="object 4"/>
+              <a:rPr lang="zh-CN" altLang="en-US" sz="3600" dirty="0"/>
+              <a:t>包装器</a:t>
+            </a:r>
+            <a:r>
+              <a:rPr lang="en-US" altLang="zh-CN" sz="1400" dirty="0"/>
+              <a:t>:</a:t>
+            </a:r>
+            <a:r>
+              <a:rPr lang="zh-CN" altLang="en-US" sz="1400" dirty="0"/>
+              <a:t> </a:t>
+            </a:r>
+            <a:r>
+              <a:rPr lang="en-US" altLang="zh-CN" sz="1800" dirty="0"/>
+              <a:t>Wrapper</a:t>
+            </a:r>
+            <a:endParaRPr sz="3600" dirty="0"/>
+          </a:p>
+        </p:txBody>
+      </p:sp>
+    </p:spTree>
+  </p:cSld>
+  <p:clrMapOvr>
+    <a:masterClrMapping/>
+  </p:clrMapOvr>
+</p:sld>
+</file>
+
+<file path=ppt/slides/slide22.xml><?xml version="1.0" encoding="utf-8"?>
+<p:sld xmlns:a="http://schemas.openxmlformats.org/drawingml/2006/main" xmlns:r="http://schemas.openxmlformats.org/officeDocument/2006/relationships" xmlns:p="http://schemas.openxmlformats.org/presentationml/2006/main" showMasterSp="0">
+  <p:cSld>
+    <p:spTree>
+      <p:nvGrpSpPr>
+        <p:cNvPr id="1" name=""/>
+        <p:cNvGrpSpPr/>
+        <p:nvPr/>
+      </p:nvGrpSpPr>
+      <p:grpSpPr>
+        <a:xfrm>
+          <a:off x="0" y="0"/>
+          <a:ext cx="0" cy="0"/>
+          <a:chOff x="0" y="0"/>
+          <a:chExt cx="0" cy="0"/>
+        </a:xfrm>
+      </p:grpSpPr>
+      <p:sp>
+        <p:nvSpPr>
+          <p:cNvPr id="2" name="object 2"/>
           <p:cNvSpPr/>
           <p:nvPr/>
         </p:nvSpPr>
         <p:spPr>
           <a:xfrm>
-            <a:off x="311699" y="1468822"/>
-            <a:ext cx="8567420" cy="3197860"/>
+            <a:off x="0" y="0"/>
+            <a:ext cx="9144000" cy="5200650"/>
           </a:xfrm>
           <a:custGeom>
             <a:avLst/>
@@ -9899,18 +10477,18 @@
             <a:cxnLst/>
             <a:rect l="l" t="t" r="r" b="b"/>
             <a:pathLst>
-              <a:path w="8567420" h="3197860">
+              <a:path w="9144000" h="5143500">
                 <a:moveTo>
                   <a:pt x="0" y="0"/>
                 </a:moveTo>
                 <a:lnTo>
-                  <a:pt x="8567082" y="0"/>
+                  <a:pt x="9143981" y="0"/>
                 </a:lnTo>
                 <a:lnTo>
-                  <a:pt x="8567082" y="3197393"/>
+                  <a:pt x="9143981" y="5143489"/>
                 </a:lnTo>
                 <a:lnTo>
-                  <a:pt x="0" y="3197393"/>
+                  <a:pt x="0" y="5143489"/>
                 </a:lnTo>
                 <a:lnTo>
                   <a:pt x="0" y="0"/>
@@ -9920,7 +10498,7 @@
             </a:pathLst>
           </a:custGeom>
           <a:solidFill>
-            <a:srgbClr val="F2F2F2"/>
+            <a:srgbClr val="999999"/>
           </a:solidFill>
         </p:spPr>
         <p:txBody>
@@ -9933,14 +10511,18 @@
       </p:sp>
       <p:sp>
         <p:nvSpPr>
-          <p:cNvPr id="5" name="object 5"/>
-          <p:cNvSpPr txBox="1"/>
-          <p:nvPr/>
-        </p:nvSpPr>
-        <p:spPr>
-          <a:xfrm>
-            <a:off x="384724" y="1534223"/>
-            <a:ext cx="3202305" cy="1654175"/>
+          <p:cNvPr id="3" name="object 3"/>
+          <p:cNvSpPr txBox="1">
+            <a:spLocks noGrp="1"/>
+          </p:cNvSpPr>
+          <p:nvPr>
+            <p:ph type="title"/>
+          </p:nvPr>
+        </p:nvSpPr>
+        <p:spPr>
+          <a:xfrm>
+            <a:off x="563273" y="1293361"/>
+            <a:ext cx="6447127" cy="843821"/>
           </a:xfrm>
           <a:prstGeom prst="rect">
             <a:avLst/>
@@ -9961,193 +10543,221 @@
               </a:spcBef>
             </a:pPr>
             <a:r>
-              <a:rPr sz="1500" spc="125" dirty="0">
-                <a:solidFill>
-                  <a:srgbClr val="A71C5D"/>
-                </a:solidFill>
+              <a:rPr lang="zh-CN" altLang="en-US" b="1" dirty="0">
                 <a:latin typeface="Arial"/>
                 <a:cs typeface="Arial"/>
               </a:rPr>
-              <a:t>import</a:t>
-            </a:r>
-            <a:r>
-              <a:rPr sz="1500" spc="405" dirty="0">
-                <a:solidFill>
-                  <a:srgbClr val="A71C5D"/>
-                </a:solidFill>
-                <a:latin typeface="Arial"/>
-                <a:cs typeface="Arial"/>
-              </a:rPr>
-              <a:t> </a:t>
-            </a:r>
-            <a:r>
-              <a:rPr sz="1500" spc="325" dirty="0">
-                <a:solidFill>
-                  <a:srgbClr val="333333"/>
-                </a:solidFill>
-                <a:latin typeface="Arial"/>
-                <a:cs typeface="Arial"/>
-              </a:rPr>
-              <a:t>(</a:t>
-            </a:r>
-            <a:endParaRPr sz="1500">
+              <a:t>装饰器模式</a:t>
+            </a:r>
+            <a:endParaRPr b="1" dirty="0">
               <a:latin typeface="Arial"/>
               <a:cs typeface="Arial"/>
             </a:endParaRPr>
           </a:p>
-          <a:p>
-            <a:pPr marL="469265" marR="5080">
+        </p:txBody>
+      </p:sp>
+      <p:sp>
+        <p:nvSpPr>
+          <p:cNvPr id="4" name="object 4"/>
+          <p:cNvSpPr/>
+          <p:nvPr/>
+        </p:nvSpPr>
+        <p:spPr>
+          <a:xfrm>
+            <a:off x="575973" y="2146164"/>
+            <a:ext cx="4839970" cy="0"/>
+          </a:xfrm>
+          <a:custGeom>
+            <a:avLst/>
+            <a:gdLst/>
+            <a:ahLst/>
+            <a:cxnLst/>
+            <a:rect l="l" t="t" r="r" b="b"/>
+            <a:pathLst>
+              <a:path w="4839970">
+                <a:moveTo>
+                  <a:pt x="0" y="0"/>
+                </a:moveTo>
+                <a:lnTo>
+                  <a:pt x="4839766" y="0"/>
+                </a:lnTo>
+              </a:path>
+            </a:pathLst>
+          </a:custGeom>
+          <a:ln w="54863">
+            <a:solidFill>
+              <a:srgbClr val="FFFFFF"/>
+            </a:solidFill>
+          </a:ln>
+        </p:spPr>
+        <p:txBody>
+          <a:bodyPr wrap="square" lIns="0" tIns="0" rIns="0" bIns="0" rtlCol="0"/>
+          <a:lstStyle/>
+          <a:p>
+            <a:endParaRPr/>
+          </a:p>
+        </p:txBody>
+      </p:sp>
+    </p:spTree>
+  </p:cSld>
+  <p:clrMapOvr>
+    <a:masterClrMapping/>
+  </p:clrMapOvr>
+</p:sld>
+</file>
+
+<file path=ppt/slides/slide23.xml><?xml version="1.0" encoding="utf-8"?>
+<p:sld xmlns:a="http://schemas.openxmlformats.org/drawingml/2006/main" xmlns:r="http://schemas.openxmlformats.org/officeDocument/2006/relationships" xmlns:p="http://schemas.openxmlformats.org/presentationml/2006/main" showMasterSp="0">
+  <p:cSld>
+    <p:spTree>
+      <p:nvGrpSpPr>
+        <p:cNvPr id="1" name=""/>
+        <p:cNvGrpSpPr/>
+        <p:nvPr/>
+      </p:nvGrpSpPr>
+      <p:grpSpPr>
+        <a:xfrm>
+          <a:off x="0" y="0"/>
+          <a:ext cx="0" cy="0"/>
+          <a:chOff x="0" y="0"/>
+          <a:chExt cx="0" cy="0"/>
+        </a:xfrm>
+      </p:grpSpPr>
+      <p:sp>
+        <p:nvSpPr>
+          <p:cNvPr id="2" name="object 2"/>
+          <p:cNvSpPr/>
+          <p:nvPr/>
+        </p:nvSpPr>
+        <p:spPr>
+          <a:xfrm>
+            <a:off x="3317630" y="383061"/>
+            <a:ext cx="4727315" cy="4376916"/>
+          </a:xfrm>
+          <a:prstGeom prst="rect">
+            <a:avLst/>
+          </a:prstGeom>
+          <a:blipFill>
+            <a:blip r:embed="rId2" cstate="print"/>
+            <a:stretch>
+              <a:fillRect/>
+            </a:stretch>
+          </a:blipFill>
+        </p:spPr>
+        <p:txBody>
+          <a:bodyPr wrap="square" lIns="0" tIns="0" rIns="0" bIns="0" rtlCol="0"/>
+          <a:lstStyle/>
+          <a:p>
+            <a:endParaRPr/>
+          </a:p>
+        </p:txBody>
+      </p:sp>
+      <p:sp>
+        <p:nvSpPr>
+          <p:cNvPr id="3" name="object 3"/>
+          <p:cNvSpPr txBox="1"/>
+          <p:nvPr/>
+        </p:nvSpPr>
+        <p:spPr>
+          <a:xfrm>
+            <a:off x="5188534" y="2135339"/>
+            <a:ext cx="985519" cy="852169"/>
+          </a:xfrm>
+          <a:prstGeom prst="rect">
+            <a:avLst/>
+          </a:prstGeom>
+        </p:spPr>
+        <p:txBody>
+          <a:bodyPr vert="horz" wrap="square" lIns="0" tIns="10795" rIns="0" bIns="0" rtlCol="0">
+            <a:spAutoFit/>
+          </a:bodyPr>
+          <a:lstStyle/>
+          <a:p>
+            <a:pPr marL="12700" marR="5080" algn="ctr">
               <a:lnSpc>
-                <a:spcPct val="100000"/>
+                <a:spcPct val="100699"/>
               </a:lnSpc>
+              <a:spcBef>
+                <a:spcPts val="85"/>
+              </a:spcBef>
             </a:pPr>
             <a:r>
-              <a:rPr sz="1500" spc="155" dirty="0">
-                <a:solidFill>
-                  <a:srgbClr val="173691"/>
-                </a:solidFill>
-                <a:latin typeface="Arial"/>
-                <a:cs typeface="Arial"/>
-              </a:rPr>
-              <a:t>"github.com/path/to/proto"  </a:t>
-            </a:r>
-            <a:r>
-              <a:rPr sz="1500" spc="160" dirty="0">
-                <a:solidFill>
-                  <a:srgbClr val="173691"/>
-                </a:solidFill>
-                <a:latin typeface="Arial"/>
-                <a:cs typeface="Arial"/>
-              </a:rPr>
-              <a:t>"golang.org/x/net/context"</a:t>
-            </a:r>
-            <a:endParaRPr sz="1500">
-              <a:latin typeface="Arial"/>
-              <a:cs typeface="Arial"/>
+              <a:rPr sz="1800" spc="-5" dirty="0">
+                <a:solidFill>
+                  <a:srgbClr val="FFFFFF"/>
+                </a:solidFill>
+                <a:latin typeface="Courier New"/>
+                <a:cs typeface="Courier New"/>
+              </a:rPr>
+              <a:t>Client  or  Handler</a:t>
+            </a:r>
+            <a:endParaRPr sz="1800" dirty="0">
+              <a:latin typeface="Courier New"/>
+              <a:cs typeface="Courier New"/>
             </a:endParaRPr>
           </a:p>
-          <a:p>
-            <a:pPr marL="12700">
+        </p:txBody>
+      </p:sp>
+      <p:sp>
+        <p:nvSpPr>
+          <p:cNvPr id="4" name="object 4"/>
+          <p:cNvSpPr txBox="1">
+            <a:spLocks noGrp="1"/>
+          </p:cNvSpPr>
+          <p:nvPr>
+            <p:ph type="title"/>
+          </p:nvPr>
+        </p:nvSpPr>
+        <p:spPr>
+          <a:xfrm>
+            <a:off x="364224" y="964895"/>
+            <a:ext cx="1732280" cy="269240"/>
+          </a:xfrm>
+          <a:prstGeom prst="rect">
+            <a:avLst/>
+          </a:prstGeom>
+        </p:spPr>
+        <p:txBody>
+          <a:bodyPr vert="horz" wrap="square" lIns="0" tIns="12700" rIns="0" bIns="0" rtlCol="0">
+            <a:spAutoFit/>
+          </a:bodyPr>
+          <a:lstStyle/>
+          <a:p>
+            <a:pPr marL="12700" algn="l">
               <a:lnSpc>
                 <a:spcPct val="100000"/>
               </a:lnSpc>
               <a:spcBef>
-                <a:spcPts val="750"/>
+                <a:spcPts val="100"/>
               </a:spcBef>
             </a:pPr>
             <a:r>
-              <a:rPr sz="1500" spc="325" dirty="0">
-                <a:solidFill>
-                  <a:srgbClr val="333333"/>
-                </a:solidFill>
-                <a:latin typeface="Arial"/>
-                <a:cs typeface="Arial"/>
-              </a:rPr>
-              <a:t>)</a:t>
-            </a:r>
-            <a:endParaRPr sz="1500">
-              <a:latin typeface="Arial"/>
-              <a:cs typeface="Arial"/>
+              <a:rPr lang="zh-CN" altLang="en-US" sz="1600" spc="-5" dirty="0">
+                <a:solidFill>
+                  <a:srgbClr val="000000"/>
+                </a:solidFill>
+                <a:latin typeface="Courier New"/>
+                <a:cs typeface="Courier New"/>
+              </a:rPr>
+              <a:t>认证</a:t>
+            </a:r>
+            <a:endParaRPr sz="1600" dirty="0">
+              <a:latin typeface="Courier New"/>
+              <a:cs typeface="Courier New"/>
             </a:endParaRPr>
           </a:p>
-          <a:p>
-            <a:pPr>
-              <a:lnSpc>
-                <a:spcPct val="100000"/>
-              </a:lnSpc>
-            </a:pPr>
-            <a:endParaRPr sz="1500">
-              <a:latin typeface="Times New Roman"/>
-              <a:cs typeface="Times New Roman"/>
-            </a:endParaRPr>
-          </a:p>
-          <a:p>
-            <a:pPr>
-              <a:lnSpc>
-                <a:spcPct val="100000"/>
-              </a:lnSpc>
-              <a:spcBef>
-                <a:spcPts val="25"/>
-              </a:spcBef>
-            </a:pPr>
-            <a:endParaRPr sz="1150">
-              <a:latin typeface="Times New Roman"/>
-              <a:cs typeface="Times New Roman"/>
-            </a:endParaRPr>
-          </a:p>
-          <a:p>
-            <a:pPr marL="12700">
-              <a:lnSpc>
-                <a:spcPct val="100000"/>
-              </a:lnSpc>
-            </a:pPr>
-            <a:r>
-              <a:rPr sz="1500" spc="110" dirty="0">
-                <a:solidFill>
-                  <a:srgbClr val="A71C5D"/>
-                </a:solidFill>
-                <a:latin typeface="Arial"/>
-                <a:cs typeface="Arial"/>
-              </a:rPr>
-              <a:t>type </a:t>
-            </a:r>
-            <a:r>
-              <a:rPr sz="1500" spc="90" dirty="0">
-                <a:solidFill>
-                  <a:srgbClr val="ED6942"/>
-                </a:solidFill>
-                <a:latin typeface="Arial"/>
-                <a:cs typeface="Arial"/>
-              </a:rPr>
-              <a:t>Greeter</a:t>
-            </a:r>
-            <a:r>
-              <a:rPr sz="1500" spc="170" dirty="0">
-                <a:solidFill>
-                  <a:srgbClr val="ED6942"/>
-                </a:solidFill>
-                <a:latin typeface="Arial"/>
-                <a:cs typeface="Arial"/>
-              </a:rPr>
-              <a:t> </a:t>
-            </a:r>
-            <a:r>
-              <a:rPr sz="1500" spc="235" dirty="0">
-                <a:solidFill>
-                  <a:srgbClr val="A71C5D"/>
-                </a:solidFill>
-                <a:latin typeface="Arial"/>
-                <a:cs typeface="Arial"/>
-              </a:rPr>
-              <a:t>struct</a:t>
-            </a:r>
-            <a:r>
-              <a:rPr sz="1500" spc="235" dirty="0">
-                <a:solidFill>
-                  <a:srgbClr val="333333"/>
-                </a:solidFill>
-                <a:latin typeface="Arial"/>
-                <a:cs typeface="Arial"/>
-              </a:rPr>
-              <a:t>{}</a:t>
-            </a:r>
-            <a:endParaRPr sz="1500">
-              <a:latin typeface="Arial"/>
-              <a:cs typeface="Arial"/>
-            </a:endParaRPr>
-          </a:p>
-        </p:txBody>
-      </p:sp>
-      <p:sp>
-        <p:nvSpPr>
-          <p:cNvPr id="6" name="object 6"/>
+        </p:txBody>
+      </p:sp>
+      <p:sp>
+        <p:nvSpPr>
+          <p:cNvPr id="5" name="object 5"/>
           <p:cNvSpPr txBox="1"/>
           <p:nvPr/>
         </p:nvSpPr>
         <p:spPr>
           <a:xfrm>
-            <a:off x="8135305" y="3391594"/>
-            <a:ext cx="654050" cy="254000"/>
+            <a:off x="357921" y="1365548"/>
+            <a:ext cx="1976120" cy="259045"/>
           </a:xfrm>
           <a:prstGeom prst="rect">
             <a:avLst/>
@@ -10168,52 +10778,29 @@
               </a:spcBef>
             </a:pPr>
             <a:r>
-              <a:rPr sz="1200" spc="145" dirty="0">
-                <a:solidFill>
-                  <a:srgbClr val="ED6942"/>
-                </a:solidFill>
-                <a:latin typeface="Arial"/>
-                <a:cs typeface="Arial"/>
-              </a:rPr>
-              <a:t>error</a:t>
-            </a:r>
-            <a:r>
-              <a:rPr sz="1200" spc="425" dirty="0">
-                <a:solidFill>
-                  <a:srgbClr val="ED6942"/>
-                </a:solidFill>
-                <a:latin typeface="Arial"/>
-                <a:cs typeface="Arial"/>
-              </a:rPr>
-              <a:t> </a:t>
-            </a:r>
-            <a:r>
-              <a:rPr sz="1500" spc="320" dirty="0">
-                <a:solidFill>
-                  <a:srgbClr val="333333"/>
-                </a:solidFill>
-                <a:latin typeface="Arial"/>
-                <a:cs typeface="Arial"/>
-              </a:rPr>
-              <a:t>{</a:t>
-            </a:r>
-            <a:endParaRPr sz="1500">
-              <a:latin typeface="Arial"/>
-              <a:cs typeface="Arial"/>
+              <a:rPr lang="zh-CN" altLang="en-US" sz="1600" spc="-5" dirty="0">
+                <a:latin typeface="Courier New"/>
+                <a:cs typeface="Courier New"/>
+              </a:rPr>
+              <a:t>链路中断与限流</a:t>
+            </a:r>
+            <a:endParaRPr sz="1700" dirty="0">
+              <a:latin typeface="Times New Roman"/>
+              <a:cs typeface="Times New Roman"/>
             </a:endParaRPr>
           </a:p>
         </p:txBody>
       </p:sp>
       <p:sp>
         <p:nvSpPr>
-          <p:cNvPr id="7" name="object 7"/>
+          <p:cNvPr id="6" name="object 6"/>
           <p:cNvSpPr txBox="1"/>
           <p:nvPr/>
         </p:nvSpPr>
         <p:spPr>
           <a:xfrm>
-            <a:off x="384724" y="3391594"/>
-            <a:ext cx="7671434" cy="939800"/>
+            <a:off x="357921" y="1758727"/>
+            <a:ext cx="878840" cy="269240"/>
           </a:xfrm>
           <a:prstGeom prst="rect">
             <a:avLst/>
@@ -10225,7 +10812,7 @@
           </a:bodyPr>
           <a:lstStyle/>
           <a:p>
-            <a:pPr marL="469265" marR="5080" indent="-457200">
+            <a:pPr marL="12700">
               <a:lnSpc>
                 <a:spcPct val="100000"/>
               </a:lnSpc>
@@ -10234,390 +10821,205 @@
               </a:spcBef>
             </a:pPr>
             <a:r>
-              <a:rPr sz="1500" spc="110" dirty="0">
-                <a:solidFill>
-                  <a:srgbClr val="A71C5D"/>
-                </a:solidFill>
-                <a:latin typeface="Arial"/>
-                <a:cs typeface="Arial"/>
-              </a:rPr>
-              <a:t>func </a:t>
-            </a:r>
-            <a:r>
-              <a:rPr sz="1500" spc="155" dirty="0">
-                <a:solidFill>
-                  <a:srgbClr val="795DA3"/>
-                </a:solidFill>
-                <a:latin typeface="Arial"/>
-                <a:cs typeface="Arial"/>
-              </a:rPr>
-              <a:t>(</a:t>
-            </a:r>
-            <a:r>
-              <a:rPr sz="1500" spc="155" dirty="0">
-                <a:solidFill>
-                  <a:srgbClr val="ED6942"/>
-                </a:solidFill>
-                <a:latin typeface="Arial"/>
-                <a:cs typeface="Arial"/>
-              </a:rPr>
-              <a:t>g </a:t>
-            </a:r>
-            <a:r>
-              <a:rPr sz="1500" spc="135" dirty="0">
-                <a:solidFill>
-                  <a:srgbClr val="795DA3"/>
-                </a:solidFill>
-                <a:latin typeface="Arial"/>
-                <a:cs typeface="Arial"/>
-              </a:rPr>
-              <a:t>*</a:t>
-            </a:r>
-            <a:r>
-              <a:rPr sz="1500" spc="135" dirty="0">
-                <a:solidFill>
-                  <a:srgbClr val="ED6942"/>
-                </a:solidFill>
-                <a:latin typeface="Arial"/>
-                <a:cs typeface="Arial"/>
-              </a:rPr>
-              <a:t>Greeter</a:t>
-            </a:r>
-            <a:r>
-              <a:rPr sz="1500" spc="135" dirty="0">
-                <a:solidFill>
-                  <a:srgbClr val="795DA3"/>
-                </a:solidFill>
-                <a:latin typeface="Arial"/>
-                <a:cs typeface="Arial"/>
-              </a:rPr>
-              <a:t>) </a:t>
-            </a:r>
-            <a:r>
-              <a:rPr sz="1500" spc="160" dirty="0">
-                <a:solidFill>
-                  <a:srgbClr val="795DA3"/>
-                </a:solidFill>
-                <a:latin typeface="Arial"/>
-                <a:cs typeface="Arial"/>
-              </a:rPr>
-              <a:t>Hello</a:t>
-            </a:r>
-            <a:r>
-              <a:rPr sz="1500" spc="160" dirty="0">
-                <a:solidFill>
-                  <a:srgbClr val="333333"/>
-                </a:solidFill>
-                <a:latin typeface="Arial"/>
-                <a:cs typeface="Arial"/>
-              </a:rPr>
-              <a:t>(</a:t>
-            </a:r>
-            <a:r>
-              <a:rPr sz="1200" spc="160" dirty="0">
-                <a:solidFill>
-                  <a:srgbClr val="ED6942"/>
-                </a:solidFill>
-                <a:latin typeface="Arial"/>
-                <a:cs typeface="Arial"/>
-              </a:rPr>
-              <a:t>ctx </a:t>
-            </a:r>
-            <a:r>
-              <a:rPr sz="1200" spc="110" dirty="0">
-                <a:solidFill>
-                  <a:srgbClr val="ED6942"/>
-                </a:solidFill>
-                <a:latin typeface="Arial"/>
-                <a:cs typeface="Arial"/>
-              </a:rPr>
-              <a:t>context</a:t>
-            </a:r>
-            <a:r>
-              <a:rPr sz="1200" spc="110" dirty="0">
-                <a:solidFill>
-                  <a:srgbClr val="333333"/>
-                </a:solidFill>
-                <a:latin typeface="Arial"/>
-                <a:cs typeface="Arial"/>
-              </a:rPr>
-              <a:t>.</a:t>
-            </a:r>
-            <a:r>
-              <a:rPr sz="1200" spc="110" dirty="0">
-                <a:solidFill>
-                  <a:srgbClr val="ED6942"/>
-                </a:solidFill>
-                <a:latin typeface="Arial"/>
-                <a:cs typeface="Arial"/>
-              </a:rPr>
-              <a:t>Context</a:t>
-            </a:r>
-            <a:r>
-              <a:rPr sz="1200" spc="110" dirty="0">
-                <a:solidFill>
-                  <a:srgbClr val="333333"/>
-                </a:solidFill>
-                <a:latin typeface="Arial"/>
-                <a:cs typeface="Arial"/>
-              </a:rPr>
-              <a:t>, </a:t>
-            </a:r>
-            <a:r>
-              <a:rPr sz="1200" spc="75" dirty="0">
-                <a:solidFill>
-                  <a:srgbClr val="ED6942"/>
-                </a:solidFill>
-                <a:latin typeface="Arial"/>
-                <a:cs typeface="Arial"/>
-              </a:rPr>
-              <a:t>req </a:t>
-            </a:r>
-            <a:r>
-              <a:rPr sz="1200" spc="100" dirty="0">
-                <a:solidFill>
-                  <a:srgbClr val="333333"/>
-                </a:solidFill>
-                <a:latin typeface="Arial"/>
-                <a:cs typeface="Arial"/>
-              </a:rPr>
-              <a:t>*</a:t>
-            </a:r>
-            <a:r>
-              <a:rPr sz="1200" spc="100" dirty="0">
-                <a:solidFill>
-                  <a:srgbClr val="ED6942"/>
-                </a:solidFill>
-                <a:latin typeface="Arial"/>
-                <a:cs typeface="Arial"/>
-              </a:rPr>
-              <a:t>proto</a:t>
-            </a:r>
-            <a:r>
-              <a:rPr sz="1200" spc="100" dirty="0">
-                <a:solidFill>
-                  <a:srgbClr val="333333"/>
-                </a:solidFill>
-                <a:latin typeface="Arial"/>
-                <a:cs typeface="Arial"/>
-              </a:rPr>
-              <a:t>.</a:t>
-            </a:r>
-            <a:r>
-              <a:rPr sz="1200" spc="100" dirty="0">
-                <a:solidFill>
-                  <a:srgbClr val="ED6942"/>
-                </a:solidFill>
-                <a:latin typeface="Arial"/>
-                <a:cs typeface="Arial"/>
-              </a:rPr>
-              <a:t>Request</a:t>
-            </a:r>
-            <a:r>
-              <a:rPr sz="1200" spc="100" dirty="0">
-                <a:solidFill>
-                  <a:srgbClr val="333333"/>
-                </a:solidFill>
-                <a:latin typeface="Arial"/>
-                <a:cs typeface="Arial"/>
-              </a:rPr>
-              <a:t>, </a:t>
-            </a:r>
-            <a:r>
-              <a:rPr sz="1200" spc="100" dirty="0">
-                <a:solidFill>
-                  <a:srgbClr val="ED6942"/>
-                </a:solidFill>
-                <a:latin typeface="Arial"/>
-                <a:cs typeface="Arial"/>
-              </a:rPr>
-              <a:t>rsp </a:t>
-            </a:r>
-            <a:r>
-              <a:rPr sz="1200" spc="75" dirty="0">
-                <a:solidFill>
-                  <a:srgbClr val="333333"/>
-                </a:solidFill>
-                <a:latin typeface="Arial"/>
-                <a:cs typeface="Arial"/>
-              </a:rPr>
-              <a:t>*</a:t>
-            </a:r>
-            <a:r>
-              <a:rPr sz="1200" spc="75" dirty="0">
-                <a:solidFill>
-                  <a:srgbClr val="ED6942"/>
-                </a:solidFill>
-                <a:latin typeface="Arial"/>
-                <a:cs typeface="Arial"/>
-              </a:rPr>
-              <a:t>proto</a:t>
-            </a:r>
-            <a:r>
-              <a:rPr sz="1200" spc="75" dirty="0">
-                <a:solidFill>
-                  <a:srgbClr val="333333"/>
-                </a:solidFill>
-                <a:latin typeface="Arial"/>
-                <a:cs typeface="Arial"/>
-              </a:rPr>
-              <a:t>.</a:t>
-            </a:r>
-            <a:r>
-              <a:rPr sz="1200" spc="75" dirty="0">
-                <a:solidFill>
-                  <a:srgbClr val="ED6942"/>
-                </a:solidFill>
-                <a:latin typeface="Arial"/>
-                <a:cs typeface="Arial"/>
-              </a:rPr>
-              <a:t>Response</a:t>
-            </a:r>
-            <a:r>
-              <a:rPr sz="1500" spc="75" dirty="0">
-                <a:solidFill>
-                  <a:srgbClr val="333333"/>
-                </a:solidFill>
-                <a:latin typeface="Arial"/>
-                <a:cs typeface="Arial"/>
-              </a:rPr>
-              <a:t>)  </a:t>
-            </a:r>
-            <a:r>
-              <a:rPr sz="1500" spc="130" dirty="0">
-                <a:solidFill>
-                  <a:srgbClr val="333333"/>
-                </a:solidFill>
-                <a:latin typeface="Arial"/>
-                <a:cs typeface="Arial"/>
-              </a:rPr>
-              <a:t>rsp.Greeting </a:t>
-            </a:r>
-            <a:r>
-              <a:rPr sz="1500" spc="-55" dirty="0">
-                <a:solidFill>
-                  <a:srgbClr val="333333"/>
-                </a:solidFill>
-                <a:latin typeface="Arial"/>
-                <a:cs typeface="Arial"/>
-              </a:rPr>
-              <a:t>= </a:t>
-            </a:r>
-            <a:r>
-              <a:rPr sz="1500" spc="160" dirty="0">
-                <a:solidFill>
-                  <a:srgbClr val="173691"/>
-                </a:solidFill>
-                <a:latin typeface="Arial"/>
-                <a:cs typeface="Arial"/>
-              </a:rPr>
-              <a:t>"Hello </a:t>
-            </a:r>
-            <a:r>
-              <a:rPr sz="1500" spc="290" dirty="0">
-                <a:solidFill>
-                  <a:srgbClr val="173691"/>
-                </a:solidFill>
-                <a:latin typeface="Arial"/>
-                <a:cs typeface="Arial"/>
-              </a:rPr>
-              <a:t>" </a:t>
-            </a:r>
-            <a:r>
-              <a:rPr sz="1500" spc="-55" dirty="0">
-                <a:solidFill>
-                  <a:srgbClr val="333333"/>
-                </a:solidFill>
-                <a:latin typeface="Arial"/>
-                <a:cs typeface="Arial"/>
-              </a:rPr>
-              <a:t>+</a:t>
-            </a:r>
-            <a:r>
-              <a:rPr sz="1500" spc="45" dirty="0">
-                <a:solidFill>
-                  <a:srgbClr val="333333"/>
-                </a:solidFill>
-                <a:latin typeface="Arial"/>
-                <a:cs typeface="Arial"/>
-              </a:rPr>
-              <a:t> </a:t>
-            </a:r>
-            <a:r>
-              <a:rPr sz="1500" spc="-5" dirty="0">
-                <a:solidFill>
-                  <a:srgbClr val="333333"/>
-                </a:solidFill>
-                <a:latin typeface="Arial"/>
-                <a:cs typeface="Arial"/>
-              </a:rPr>
-              <a:t>req.Name</a:t>
-            </a:r>
-            <a:endParaRPr sz="1500">
-              <a:latin typeface="Arial"/>
-              <a:cs typeface="Arial"/>
+              <a:rPr lang="zh-CN" altLang="en-US" sz="1600" spc="-5" dirty="0">
+                <a:latin typeface="Courier New"/>
+                <a:cs typeface="Courier New"/>
+              </a:rPr>
+              <a:t>日志</a:t>
+            </a:r>
+            <a:endParaRPr sz="1600" dirty="0">
+              <a:latin typeface="Courier New"/>
+              <a:cs typeface="Courier New"/>
             </a:endParaRPr>
           </a:p>
-          <a:p>
-            <a:pPr marL="469265">
-              <a:lnSpc>
-                <a:spcPct val="100000"/>
-              </a:lnSpc>
-            </a:pPr>
-            <a:r>
-              <a:rPr sz="1500" spc="165" dirty="0">
-                <a:solidFill>
-                  <a:srgbClr val="A71C5D"/>
-                </a:solidFill>
-                <a:latin typeface="Arial"/>
-                <a:cs typeface="Arial"/>
-              </a:rPr>
-              <a:t>return</a:t>
-            </a:r>
-            <a:r>
-              <a:rPr sz="1500" spc="409" dirty="0">
-                <a:solidFill>
-                  <a:srgbClr val="A71C5D"/>
-                </a:solidFill>
-                <a:latin typeface="Arial"/>
-                <a:cs typeface="Arial"/>
-              </a:rPr>
-              <a:t> </a:t>
-            </a:r>
-            <a:r>
-              <a:rPr sz="1500" spc="315" dirty="0">
-                <a:solidFill>
-                  <a:srgbClr val="0085B3"/>
-                </a:solidFill>
-                <a:latin typeface="Arial"/>
-                <a:cs typeface="Arial"/>
-              </a:rPr>
-              <a:t>nil</a:t>
-            </a:r>
-            <a:endParaRPr sz="1500">
-              <a:latin typeface="Arial"/>
-              <a:cs typeface="Arial"/>
-            </a:endParaRPr>
-          </a:p>
+        </p:txBody>
+      </p:sp>
+      <p:sp>
+        <p:nvSpPr>
+          <p:cNvPr id="7" name="object 7"/>
+          <p:cNvSpPr txBox="1"/>
+          <p:nvPr/>
+        </p:nvSpPr>
+        <p:spPr>
+          <a:xfrm>
+            <a:off x="349900" y="2948459"/>
+            <a:ext cx="2341880" cy="259045"/>
+          </a:xfrm>
+          <a:prstGeom prst="rect">
+            <a:avLst/>
+          </a:prstGeom>
+        </p:spPr>
+        <p:txBody>
+          <a:bodyPr vert="horz" wrap="square" lIns="0" tIns="12700" rIns="0" bIns="0" rtlCol="0">
+            <a:spAutoFit/>
+          </a:bodyPr>
+          <a:lstStyle/>
           <a:p>
             <a:pPr marL="12700">
               <a:lnSpc>
                 <a:spcPct val="100000"/>
               </a:lnSpc>
+              <a:spcBef>
+                <a:spcPts val="100"/>
+              </a:spcBef>
             </a:pPr>
             <a:r>
-              <a:rPr sz="1500" spc="320" dirty="0">
-                <a:solidFill>
-                  <a:srgbClr val="333333"/>
-                </a:solidFill>
-                <a:latin typeface="Arial"/>
-                <a:cs typeface="Arial"/>
-              </a:rPr>
-              <a:t>}</a:t>
-            </a:r>
-            <a:endParaRPr sz="1500">
-              <a:latin typeface="Arial"/>
-              <a:cs typeface="Arial"/>
+              <a:rPr lang="zh-CN" altLang="en-US" sz="1600" spc="-5" dirty="0">
+                <a:latin typeface="Courier New"/>
+                <a:cs typeface="Courier New"/>
+              </a:rPr>
+              <a:t>上下文注入</a:t>
+            </a:r>
+            <a:endParaRPr sz="1600" dirty="0">
+              <a:latin typeface="Courier New"/>
+              <a:cs typeface="Courier New"/>
+            </a:endParaRPr>
+          </a:p>
+        </p:txBody>
+      </p:sp>
+      <p:sp>
+        <p:nvSpPr>
+          <p:cNvPr id="8" name="object 7">
+            <a:extLst>
+              <a:ext uri="{FF2B5EF4-FFF2-40B4-BE49-F238E27FC236}">
+                <a16:creationId xmlns:a16="http://schemas.microsoft.com/office/drawing/2014/main" id="{77D1654F-B8BD-424D-BFC1-18E3E8F223F4}"/>
+              </a:ext>
+            </a:extLst>
+          </p:cNvPr>
+          <p:cNvSpPr txBox="1"/>
+          <p:nvPr/>
+        </p:nvSpPr>
+        <p:spPr>
+          <a:xfrm>
+            <a:off x="357921" y="2162101"/>
+            <a:ext cx="2341880" cy="259045"/>
+          </a:xfrm>
+          <a:prstGeom prst="rect">
+            <a:avLst/>
+          </a:prstGeom>
+        </p:spPr>
+        <p:txBody>
+          <a:bodyPr vert="horz" wrap="square" lIns="0" tIns="12700" rIns="0" bIns="0" rtlCol="0">
+            <a:spAutoFit/>
+          </a:bodyPr>
+          <a:lstStyle/>
+          <a:p>
+            <a:pPr marL="12700">
+              <a:lnSpc>
+                <a:spcPct val="100000"/>
+              </a:lnSpc>
+              <a:spcBef>
+                <a:spcPts val="100"/>
+              </a:spcBef>
+            </a:pPr>
+            <a:r>
+              <a:rPr lang="zh-CN" altLang="en-US" sz="1600" spc="-5" dirty="0">
+                <a:latin typeface="Courier New"/>
+                <a:cs typeface="Courier New"/>
+              </a:rPr>
+              <a:t>事件通知</a:t>
+            </a:r>
+            <a:endParaRPr sz="1600" dirty="0">
+              <a:latin typeface="Courier New"/>
+              <a:cs typeface="Courier New"/>
+            </a:endParaRPr>
+          </a:p>
+        </p:txBody>
+      </p:sp>
+      <p:sp>
+        <p:nvSpPr>
+          <p:cNvPr id="9" name="object 7">
+            <a:extLst>
+              <a:ext uri="{FF2B5EF4-FFF2-40B4-BE49-F238E27FC236}">
+                <a16:creationId xmlns:a16="http://schemas.microsoft.com/office/drawing/2014/main" id="{2A81495F-8A16-D347-B187-70A2221C1916}"/>
+              </a:ext>
+            </a:extLst>
+          </p:cNvPr>
+          <p:cNvSpPr txBox="1"/>
+          <p:nvPr/>
+        </p:nvSpPr>
+        <p:spPr>
+          <a:xfrm>
+            <a:off x="357921" y="2555280"/>
+            <a:ext cx="2341880" cy="259045"/>
+          </a:xfrm>
+          <a:prstGeom prst="rect">
+            <a:avLst/>
+          </a:prstGeom>
+        </p:spPr>
+        <p:txBody>
+          <a:bodyPr vert="horz" wrap="square" lIns="0" tIns="12700" rIns="0" bIns="0" rtlCol="0">
+            <a:spAutoFit/>
+          </a:bodyPr>
+          <a:lstStyle/>
+          <a:p>
+            <a:pPr marL="12700">
+              <a:lnSpc>
+                <a:spcPct val="100000"/>
+              </a:lnSpc>
+              <a:spcBef>
+                <a:spcPts val="100"/>
+              </a:spcBef>
+            </a:pPr>
+            <a:r>
+              <a:rPr lang="zh-CN" altLang="en-US" sz="1600" spc="-5" dirty="0">
+                <a:latin typeface="Courier New"/>
+                <a:cs typeface="Courier New"/>
+              </a:rPr>
+              <a:t>仪表与监控</a:t>
+            </a:r>
+            <a:endParaRPr sz="1600" dirty="0">
+              <a:latin typeface="Courier New"/>
+              <a:cs typeface="Courier New"/>
+            </a:endParaRPr>
+          </a:p>
+        </p:txBody>
+      </p:sp>
+      <p:sp>
+        <p:nvSpPr>
+          <p:cNvPr id="10" name="object 7">
+            <a:extLst>
+              <a:ext uri="{FF2B5EF4-FFF2-40B4-BE49-F238E27FC236}">
+                <a16:creationId xmlns:a16="http://schemas.microsoft.com/office/drawing/2014/main" id="{80835C47-3D2B-F84B-A962-B67CA9CDC707}"/>
+              </a:ext>
+            </a:extLst>
+          </p:cNvPr>
+          <p:cNvSpPr txBox="1"/>
+          <p:nvPr/>
+        </p:nvSpPr>
+        <p:spPr>
+          <a:xfrm>
+            <a:off x="357921" y="3338917"/>
+            <a:ext cx="886861" cy="259045"/>
+          </a:xfrm>
+          <a:prstGeom prst="rect">
+            <a:avLst/>
+          </a:prstGeom>
+        </p:spPr>
+        <p:txBody>
+          <a:bodyPr vert="horz" wrap="square" lIns="0" tIns="12700" rIns="0" bIns="0" rtlCol="0">
+            <a:spAutoFit/>
+          </a:bodyPr>
+          <a:lstStyle/>
+          <a:p>
+            <a:pPr marL="12700" algn="ctr">
+              <a:lnSpc>
+                <a:spcPct val="100000"/>
+              </a:lnSpc>
+              <a:spcBef>
+                <a:spcPts val="100"/>
+              </a:spcBef>
+            </a:pPr>
+            <a:r>
+              <a:rPr lang="en-US" altLang="zh-CN" sz="1600" spc="-5" dirty="0">
+                <a:latin typeface="Courier New"/>
+                <a:cs typeface="Courier New"/>
+              </a:rPr>
+              <a:t>…</a:t>
+            </a:r>
+            <a:endParaRPr sz="1600" dirty="0">
+              <a:latin typeface="Courier New"/>
+              <a:cs typeface="Courier New"/>
             </a:endParaRPr>
           </a:p>
         </p:txBody>
@@ -10630,7 +11032,7 @@
 </p:sld>
 </file>
 
-<file path=ppt/slides/slide22.xml><?xml version="1.0" encoding="utf-8"?>
+<file path=ppt/slides/slide24.xml><?xml version="1.0" encoding="utf-8"?>
 <p:sld xmlns:a="http://schemas.openxmlformats.org/drawingml/2006/main" xmlns:r="http://schemas.openxmlformats.org/officeDocument/2006/relationships" xmlns:p="http://schemas.openxmlformats.org/presentationml/2006/main">
   <p:cSld>
     <p:spTree>
@@ -10705,8 +11107,8 @@
         </p:nvSpPr>
         <p:spPr>
           <a:xfrm>
-            <a:off x="6550476" y="542030"/>
-            <a:ext cx="2282288" cy="474489"/>
+            <a:off x="6912373" y="535134"/>
+            <a:ext cx="1746387" cy="474489"/>
           </a:xfrm>
           <a:prstGeom prst="rect">
             <a:avLst/>
@@ -10727,24 +11129,14 @@
               </a:spcBef>
             </a:pPr>
             <a:r>
-              <a:rPr lang="zh-CN" altLang="en-US" sz="3000" b="1" dirty="0">
+              <a:rPr sz="3000" b="1" dirty="0">
                 <a:solidFill>
                   <a:srgbClr val="424242"/>
                 </a:solidFill>
                 <a:latin typeface="Arial"/>
                 <a:cs typeface="Arial"/>
               </a:rPr>
-              <a:t>创建</a:t>
-            </a:r>
-            <a:r>
-              <a:rPr sz="3000" b="1" dirty="0">
-                <a:solidFill>
-                  <a:srgbClr val="424242"/>
-                </a:solidFill>
-                <a:latin typeface="Arial"/>
-                <a:cs typeface="Arial"/>
-              </a:rPr>
-              <a:t> service</a:t>
+              <a:t>wrappers</a:t>
             </a:r>
             <a:endParaRPr sz="3000" dirty="0">
               <a:latin typeface="Arial"/>
@@ -10811,527 +11203,8 @@
         </p:nvSpPr>
         <p:spPr>
           <a:xfrm>
-            <a:off x="384724" y="1534223"/>
-            <a:ext cx="6308725" cy="2768600"/>
-          </a:xfrm>
-          <a:prstGeom prst="rect">
-            <a:avLst/>
-          </a:prstGeom>
-        </p:spPr>
-        <p:txBody>
-          <a:bodyPr vert="horz" wrap="square" lIns="0" tIns="12700" rIns="0" bIns="0" rtlCol="0">
-            <a:spAutoFit/>
-          </a:bodyPr>
-          <a:lstStyle/>
-          <a:p>
-            <a:pPr marL="469265" marR="1850389" indent="-457200">
-              <a:lnSpc>
-                <a:spcPct val="100000"/>
-              </a:lnSpc>
-              <a:spcBef>
-                <a:spcPts val="100"/>
-              </a:spcBef>
-            </a:pPr>
-            <a:r>
-              <a:rPr sz="1500" spc="140" dirty="0">
-                <a:solidFill>
-                  <a:srgbClr val="333333"/>
-                </a:solidFill>
-                <a:latin typeface="Arial"/>
-                <a:cs typeface="Arial"/>
-              </a:rPr>
-              <a:t>service </a:t>
-            </a:r>
-            <a:r>
-              <a:rPr sz="1500" spc="175" dirty="0">
-                <a:solidFill>
-                  <a:srgbClr val="A71C5D"/>
-                </a:solidFill>
-                <a:latin typeface="Arial"/>
-                <a:cs typeface="Arial"/>
-              </a:rPr>
-              <a:t>:= </a:t>
-            </a:r>
-            <a:r>
-              <a:rPr sz="1500" spc="80" dirty="0">
-                <a:solidFill>
-                  <a:srgbClr val="333333"/>
-                </a:solidFill>
-                <a:latin typeface="Arial"/>
-                <a:cs typeface="Arial"/>
-              </a:rPr>
-              <a:t>micro.</a:t>
-            </a:r>
-            <a:r>
-              <a:rPr sz="1500" spc="80" dirty="0">
-                <a:solidFill>
-                  <a:srgbClr val="0085B3"/>
-                </a:solidFill>
-                <a:latin typeface="Arial"/>
-                <a:cs typeface="Arial"/>
-              </a:rPr>
-              <a:t>NewService</a:t>
-            </a:r>
-            <a:r>
-              <a:rPr sz="1500" spc="80" dirty="0">
-                <a:solidFill>
-                  <a:srgbClr val="333333"/>
-                </a:solidFill>
-                <a:latin typeface="Arial"/>
-                <a:cs typeface="Arial"/>
-              </a:rPr>
-              <a:t>(  </a:t>
-            </a:r>
-            <a:r>
-              <a:rPr sz="1500" spc="105" dirty="0">
-                <a:solidFill>
-                  <a:srgbClr val="333333"/>
-                </a:solidFill>
-                <a:latin typeface="Arial"/>
-                <a:cs typeface="Arial"/>
-              </a:rPr>
-              <a:t>micro.</a:t>
-            </a:r>
-            <a:r>
-              <a:rPr sz="1500" spc="105" dirty="0">
-                <a:solidFill>
-                  <a:srgbClr val="0085B3"/>
-                </a:solidFill>
-                <a:latin typeface="Arial"/>
-                <a:cs typeface="Arial"/>
-              </a:rPr>
-              <a:t>Name</a:t>
-            </a:r>
-            <a:r>
-              <a:rPr sz="1500" spc="105" dirty="0">
-                <a:solidFill>
-                  <a:srgbClr val="333333"/>
-                </a:solidFill>
-                <a:latin typeface="Arial"/>
-                <a:cs typeface="Arial"/>
-              </a:rPr>
-              <a:t>(</a:t>
-            </a:r>
-            <a:r>
-              <a:rPr sz="1500" spc="105" dirty="0">
-                <a:solidFill>
-                  <a:srgbClr val="173691"/>
-                </a:solidFill>
-                <a:latin typeface="Arial"/>
-                <a:cs typeface="Arial"/>
-              </a:rPr>
-              <a:t>"com.example.srv.greeter"</a:t>
-            </a:r>
-            <a:r>
-              <a:rPr sz="1500" spc="105" dirty="0">
-                <a:solidFill>
-                  <a:srgbClr val="333333"/>
-                </a:solidFill>
-                <a:latin typeface="Arial"/>
-                <a:cs typeface="Arial"/>
-              </a:rPr>
-              <a:t>),  </a:t>
-            </a:r>
-            <a:r>
-              <a:rPr sz="1500" spc="165" dirty="0">
-                <a:solidFill>
-                  <a:srgbClr val="333333"/>
-                </a:solidFill>
-                <a:latin typeface="Arial"/>
-                <a:cs typeface="Arial"/>
-              </a:rPr>
-              <a:t>micro.</a:t>
-            </a:r>
-            <a:r>
-              <a:rPr sz="1500" spc="165" dirty="0">
-                <a:solidFill>
-                  <a:srgbClr val="0085B3"/>
-                </a:solidFill>
-                <a:latin typeface="Arial"/>
-                <a:cs typeface="Arial"/>
-              </a:rPr>
-              <a:t>Version</a:t>
-            </a:r>
-            <a:r>
-              <a:rPr sz="1500" spc="165" dirty="0">
-                <a:solidFill>
-                  <a:srgbClr val="333333"/>
-                </a:solidFill>
-                <a:latin typeface="Arial"/>
-                <a:cs typeface="Arial"/>
-              </a:rPr>
-              <a:t>(</a:t>
-            </a:r>
-            <a:r>
-              <a:rPr sz="1500" spc="165" dirty="0">
-                <a:solidFill>
-                  <a:srgbClr val="173691"/>
-                </a:solidFill>
-                <a:latin typeface="Arial"/>
-                <a:cs typeface="Arial"/>
-              </a:rPr>
-              <a:t>"1.0.0"</a:t>
-            </a:r>
-            <a:r>
-              <a:rPr sz="1500" spc="165" dirty="0">
-                <a:solidFill>
-                  <a:srgbClr val="333333"/>
-                </a:solidFill>
-                <a:latin typeface="Arial"/>
-                <a:cs typeface="Arial"/>
-              </a:rPr>
-              <a:t>),</a:t>
-            </a:r>
-            <a:endParaRPr sz="1500">
-              <a:latin typeface="Arial"/>
-              <a:cs typeface="Arial"/>
-            </a:endParaRPr>
-          </a:p>
-          <a:p>
-            <a:pPr marL="12700">
-              <a:lnSpc>
-                <a:spcPct val="100000"/>
-              </a:lnSpc>
-            </a:pPr>
-            <a:r>
-              <a:rPr sz="1500" spc="325" dirty="0">
-                <a:solidFill>
-                  <a:srgbClr val="333333"/>
-                </a:solidFill>
-                <a:latin typeface="Arial"/>
-                <a:cs typeface="Arial"/>
-              </a:rPr>
-              <a:t>)</a:t>
-            </a:r>
-            <a:endParaRPr sz="1500">
-              <a:latin typeface="Arial"/>
-              <a:cs typeface="Arial"/>
-            </a:endParaRPr>
-          </a:p>
-          <a:p>
-            <a:pPr marL="12700" marR="5080">
-              <a:lnSpc>
-                <a:spcPct val="200000"/>
-              </a:lnSpc>
-            </a:pPr>
-            <a:r>
-              <a:rPr sz="1500" spc="235" dirty="0">
-                <a:solidFill>
-                  <a:srgbClr val="333333"/>
-                </a:solidFill>
-                <a:latin typeface="Arial"/>
-                <a:cs typeface="Arial"/>
-              </a:rPr>
-              <a:t>service.</a:t>
-            </a:r>
-            <a:r>
-              <a:rPr sz="1500" spc="235" dirty="0">
-                <a:solidFill>
-                  <a:srgbClr val="0085B3"/>
-                </a:solidFill>
-                <a:latin typeface="Arial"/>
-                <a:cs typeface="Arial"/>
-              </a:rPr>
-              <a:t>Init</a:t>
-            </a:r>
-            <a:r>
-              <a:rPr sz="1500" spc="235" dirty="0">
-                <a:solidFill>
-                  <a:srgbClr val="333333"/>
-                </a:solidFill>
-                <a:latin typeface="Arial"/>
-                <a:cs typeface="Arial"/>
-              </a:rPr>
-              <a:t>()  </a:t>
-            </a:r>
-            <a:r>
-              <a:rPr sz="1500" spc="140" dirty="0">
-                <a:solidFill>
-                  <a:srgbClr val="333333"/>
-                </a:solidFill>
-                <a:latin typeface="Arial"/>
-                <a:cs typeface="Arial"/>
-              </a:rPr>
-              <a:t>proto.</a:t>
-            </a:r>
-            <a:r>
-              <a:rPr sz="1500" spc="140" dirty="0">
-                <a:solidFill>
-                  <a:srgbClr val="0085B3"/>
-                </a:solidFill>
-                <a:latin typeface="Arial"/>
-                <a:cs typeface="Arial"/>
-              </a:rPr>
-              <a:t>RegisterGreeterHandler</a:t>
-            </a:r>
-            <a:r>
-              <a:rPr sz="1500" spc="140" dirty="0">
-                <a:solidFill>
-                  <a:srgbClr val="333333"/>
-                </a:solidFill>
-                <a:latin typeface="Arial"/>
-                <a:cs typeface="Arial"/>
-              </a:rPr>
-              <a:t>(service.</a:t>
-            </a:r>
-            <a:r>
-              <a:rPr sz="1500" spc="140" dirty="0">
-                <a:solidFill>
-                  <a:srgbClr val="0085B3"/>
-                </a:solidFill>
-                <a:latin typeface="Arial"/>
-                <a:cs typeface="Arial"/>
-              </a:rPr>
-              <a:t>Server</a:t>
-            </a:r>
-            <a:r>
-              <a:rPr sz="1500" spc="140" dirty="0">
-                <a:solidFill>
-                  <a:srgbClr val="333333"/>
-                </a:solidFill>
-                <a:latin typeface="Arial"/>
-                <a:cs typeface="Arial"/>
-              </a:rPr>
-              <a:t>(), </a:t>
-            </a:r>
-            <a:r>
-              <a:rPr sz="1500" spc="100" dirty="0">
-                <a:solidFill>
-                  <a:srgbClr val="0085B3"/>
-                </a:solidFill>
-                <a:latin typeface="Arial"/>
-                <a:cs typeface="Arial"/>
-              </a:rPr>
-              <a:t>new</a:t>
-            </a:r>
-            <a:r>
-              <a:rPr sz="1500" spc="100" dirty="0">
-                <a:solidFill>
-                  <a:srgbClr val="333333"/>
-                </a:solidFill>
-                <a:latin typeface="Arial"/>
-                <a:cs typeface="Arial"/>
-              </a:rPr>
-              <a:t>(Greeter))  </a:t>
-            </a:r>
-            <a:r>
-              <a:rPr sz="1500" spc="445" dirty="0">
-                <a:solidFill>
-                  <a:srgbClr val="A71C5D"/>
-                </a:solidFill>
-                <a:latin typeface="Arial"/>
-                <a:cs typeface="Arial"/>
-              </a:rPr>
-              <a:t>if </a:t>
-            </a:r>
-            <a:r>
-              <a:rPr sz="1500" spc="210" dirty="0">
-                <a:solidFill>
-                  <a:srgbClr val="333333"/>
-                </a:solidFill>
-                <a:latin typeface="Arial"/>
-                <a:cs typeface="Arial"/>
-              </a:rPr>
-              <a:t>err </a:t>
-            </a:r>
-            <a:r>
-              <a:rPr sz="1500" spc="175" dirty="0">
-                <a:solidFill>
-                  <a:srgbClr val="A71C5D"/>
-                </a:solidFill>
-                <a:latin typeface="Arial"/>
-                <a:cs typeface="Arial"/>
-              </a:rPr>
-              <a:t>:= </a:t>
-            </a:r>
-            <a:r>
-              <a:rPr sz="1500" spc="150" dirty="0">
-                <a:solidFill>
-                  <a:srgbClr val="333333"/>
-                </a:solidFill>
-                <a:latin typeface="Arial"/>
-                <a:cs typeface="Arial"/>
-              </a:rPr>
-              <a:t>service.</a:t>
-            </a:r>
-            <a:r>
-              <a:rPr sz="1500" spc="150" dirty="0">
-                <a:solidFill>
-                  <a:srgbClr val="0085B3"/>
-                </a:solidFill>
-                <a:latin typeface="Arial"/>
-                <a:cs typeface="Arial"/>
-              </a:rPr>
-              <a:t>Run</a:t>
-            </a:r>
-            <a:r>
-              <a:rPr sz="1500" spc="150" dirty="0">
-                <a:solidFill>
-                  <a:srgbClr val="333333"/>
-                </a:solidFill>
-                <a:latin typeface="Arial"/>
-                <a:cs typeface="Arial"/>
-              </a:rPr>
-              <a:t>(); </a:t>
-            </a:r>
-            <a:r>
-              <a:rPr sz="1500" spc="210" dirty="0">
-                <a:solidFill>
-                  <a:srgbClr val="333333"/>
-                </a:solidFill>
-                <a:latin typeface="Arial"/>
-                <a:cs typeface="Arial"/>
-              </a:rPr>
-              <a:t>err </a:t>
-            </a:r>
-            <a:r>
-              <a:rPr sz="1500" spc="175" dirty="0">
-                <a:solidFill>
-                  <a:srgbClr val="333333"/>
-                </a:solidFill>
-                <a:latin typeface="Arial"/>
-                <a:cs typeface="Arial"/>
-              </a:rPr>
-              <a:t>!= </a:t>
-            </a:r>
-            <a:r>
-              <a:rPr sz="1500" spc="320" dirty="0">
-                <a:solidFill>
-                  <a:srgbClr val="0085B3"/>
-                </a:solidFill>
-                <a:latin typeface="Arial"/>
-                <a:cs typeface="Arial"/>
-              </a:rPr>
-              <a:t>nil</a:t>
-            </a:r>
-            <a:r>
-              <a:rPr sz="1500" spc="925" dirty="0">
-                <a:solidFill>
-                  <a:srgbClr val="0085B3"/>
-                </a:solidFill>
-                <a:latin typeface="Arial"/>
-                <a:cs typeface="Arial"/>
-              </a:rPr>
-              <a:t> </a:t>
-            </a:r>
-            <a:r>
-              <a:rPr sz="1500" spc="320" dirty="0">
-                <a:solidFill>
-                  <a:srgbClr val="333333"/>
-                </a:solidFill>
-                <a:latin typeface="Arial"/>
-                <a:cs typeface="Arial"/>
-              </a:rPr>
-              <a:t>{</a:t>
-            </a:r>
-            <a:endParaRPr sz="1500">
-              <a:latin typeface="Arial"/>
-              <a:cs typeface="Arial"/>
-            </a:endParaRPr>
-          </a:p>
-          <a:p>
-            <a:pPr marL="469265">
-              <a:lnSpc>
-                <a:spcPct val="100000"/>
-              </a:lnSpc>
-            </a:pPr>
-            <a:r>
-              <a:rPr sz="1500" spc="204" dirty="0">
-                <a:solidFill>
-                  <a:srgbClr val="333333"/>
-                </a:solidFill>
-                <a:latin typeface="Arial"/>
-                <a:cs typeface="Arial"/>
-              </a:rPr>
-              <a:t>log.</a:t>
-            </a:r>
-            <a:r>
-              <a:rPr sz="1500" spc="204" dirty="0">
-                <a:solidFill>
-                  <a:srgbClr val="0085B3"/>
-                </a:solidFill>
-                <a:latin typeface="Arial"/>
-                <a:cs typeface="Arial"/>
-              </a:rPr>
-              <a:t>Fatal</a:t>
-            </a:r>
-            <a:r>
-              <a:rPr sz="1500" spc="204" dirty="0">
-                <a:solidFill>
-                  <a:srgbClr val="333333"/>
-                </a:solidFill>
-                <a:latin typeface="Arial"/>
-                <a:cs typeface="Arial"/>
-              </a:rPr>
-              <a:t>(err)</a:t>
-            </a:r>
-            <a:endParaRPr sz="1500">
-              <a:latin typeface="Arial"/>
-              <a:cs typeface="Arial"/>
-            </a:endParaRPr>
-          </a:p>
-          <a:p>
-            <a:pPr marL="12700">
-              <a:lnSpc>
-                <a:spcPct val="100000"/>
-              </a:lnSpc>
-            </a:pPr>
-            <a:r>
-              <a:rPr sz="1500" spc="320" dirty="0">
-                <a:solidFill>
-                  <a:srgbClr val="333333"/>
-                </a:solidFill>
-                <a:latin typeface="Arial"/>
-                <a:cs typeface="Arial"/>
-              </a:rPr>
-              <a:t>}</a:t>
-            </a:r>
-            <a:endParaRPr sz="1500">
-              <a:latin typeface="Arial"/>
-              <a:cs typeface="Arial"/>
-            </a:endParaRPr>
-          </a:p>
-        </p:txBody>
-      </p:sp>
-    </p:spTree>
-  </p:cSld>
-  <p:clrMapOvr>
-    <a:masterClrMapping/>
-  </p:clrMapOvr>
-</p:sld>
-</file>
-
-<file path=ppt/slides/slide23.xml><?xml version="1.0" encoding="utf-8"?>
-<p:sld xmlns:a="http://schemas.openxmlformats.org/drawingml/2006/main" xmlns:r="http://schemas.openxmlformats.org/officeDocument/2006/relationships" xmlns:p="http://schemas.openxmlformats.org/presentationml/2006/main">
-  <p:cSld>
-    <p:spTree>
-      <p:nvGrpSpPr>
-        <p:cNvPr id="1" name=""/>
-        <p:cNvGrpSpPr/>
-        <p:nvPr/>
-      </p:nvGrpSpPr>
-      <p:grpSpPr>
-        <a:xfrm>
-          <a:off x="0" y="0"/>
-          <a:ext cx="0" cy="0"/>
-          <a:chOff x="0" y="0"/>
-          <a:chExt cx="0" cy="0"/>
-        </a:xfrm>
-      </p:grpSpPr>
-      <p:sp>
-        <p:nvSpPr>
-          <p:cNvPr id="2" name="object 2"/>
-          <p:cNvSpPr txBox="1">
-            <a:spLocks noGrp="1"/>
-          </p:cNvSpPr>
-          <p:nvPr>
-            <p:ph type="title"/>
-          </p:nvPr>
-        </p:nvSpPr>
-        <p:spPr>
-          <a:xfrm>
-            <a:off x="384724" y="535134"/>
-            <a:ext cx="1748876" cy="474489"/>
+            <a:off x="384724" y="1546923"/>
+            <a:ext cx="665480" cy="238760"/>
           </a:xfrm>
           <a:prstGeom prst="rect">
             <a:avLst/>
@@ -11352,32 +11225,32 @@
               </a:spcBef>
             </a:pPr>
             <a:r>
-              <a:rPr sz="3000" b="1" dirty="0">
+              <a:rPr sz="1400" b="1" spc="-5" dirty="0">
                 <a:solidFill>
                   <a:srgbClr val="424242"/>
                 </a:solidFill>
-                <a:latin typeface="Arial"/>
-                <a:cs typeface="Arial"/>
-              </a:rPr>
-              <a:t>go-micro</a:t>
-            </a:r>
-            <a:endParaRPr sz="3000" dirty="0">
-              <a:latin typeface="Arial"/>
-              <a:cs typeface="Arial"/>
+                <a:latin typeface="Courier New"/>
+                <a:cs typeface="Courier New"/>
+              </a:rPr>
+              <a:t>client</a:t>
+            </a:r>
+            <a:endParaRPr sz="1400">
+              <a:latin typeface="Courier New"/>
+              <a:cs typeface="Courier New"/>
             </a:endParaRPr>
           </a:p>
         </p:txBody>
       </p:sp>
       <p:sp>
         <p:nvSpPr>
-          <p:cNvPr id="3" name="object 3"/>
+          <p:cNvPr id="6" name="object 6"/>
           <p:cNvSpPr txBox="1"/>
           <p:nvPr/>
         </p:nvSpPr>
         <p:spPr>
           <a:xfrm>
-            <a:off x="6629400" y="536228"/>
-            <a:ext cx="2269391" cy="474489"/>
+            <a:off x="1756321" y="1534223"/>
+            <a:ext cx="3376295" cy="254000"/>
           </a:xfrm>
           <a:prstGeom prst="rect">
             <a:avLst/>
@@ -11398,26 +11271,66 @@
               </a:spcBef>
             </a:pPr>
             <a:r>
-              <a:rPr lang="zh-CN" altLang="en-US" sz="3000" b="1" dirty="0">
-                <a:solidFill>
-                  <a:srgbClr val="424242"/>
+              <a:rPr sz="1500" spc="110" dirty="0">
+                <a:solidFill>
+                  <a:srgbClr val="A71C5D"/>
                 </a:solidFill>
                 <a:latin typeface="Arial"/>
                 <a:cs typeface="Arial"/>
               </a:rPr>
-              <a:t>调用</a:t>
-            </a:r>
-            <a:r>
-              <a:rPr sz="3000" b="1" dirty="0">
-                <a:solidFill>
-                  <a:srgbClr val="424242"/>
+              <a:t>type </a:t>
+            </a:r>
+            <a:r>
+              <a:rPr sz="1500" spc="-5" dirty="0">
+                <a:solidFill>
+                  <a:srgbClr val="ED6942"/>
                 </a:solidFill>
                 <a:latin typeface="Arial"/>
                 <a:cs typeface="Arial"/>
               </a:rPr>
-              <a:t> service</a:t>
-            </a:r>
-            <a:endParaRPr sz="3000" dirty="0">
+              <a:t>Wrapper </a:t>
+            </a:r>
+            <a:r>
+              <a:rPr sz="1500" spc="180" dirty="0">
+                <a:solidFill>
+                  <a:srgbClr val="A71C5D"/>
+                </a:solidFill>
+                <a:latin typeface="Arial"/>
+                <a:cs typeface="Arial"/>
+              </a:rPr>
+              <a:t>func</a:t>
+            </a:r>
+            <a:r>
+              <a:rPr sz="1500" spc="180" dirty="0">
+                <a:solidFill>
+                  <a:srgbClr val="333333"/>
+                </a:solidFill>
+                <a:latin typeface="Arial"/>
+                <a:cs typeface="Arial"/>
+              </a:rPr>
+              <a:t>(Client)</a:t>
+            </a:r>
+            <a:r>
+              <a:rPr sz="1500" spc="155" dirty="0">
+                <a:solidFill>
+                  <a:srgbClr val="333333"/>
+                </a:solidFill>
+                <a:latin typeface="Arial"/>
+                <a:cs typeface="Arial"/>
+              </a:rPr>
+              <a:t> </a:t>
+            </a:r>
+            <a:r>
+              <a:rPr sz="1500" spc="180" dirty="0">
+                <a:solidFill>
+                  <a:srgbClr val="ED6942"/>
+                </a:solidFill>
+                <a:latin typeface="Arial"/>
+                <a:cs typeface="Arial"/>
+              </a:rPr>
+              <a:t>Client</a:t>
+            </a:r>
+            <a:endParaRPr sz="1500">
               <a:latin typeface="Arial"/>
               <a:cs typeface="Arial"/>
             </a:endParaRPr>
@@ -11426,64 +11339,14 @@
       </p:sp>
       <p:sp>
         <p:nvSpPr>
-          <p:cNvPr id="4" name="object 4"/>
-          <p:cNvSpPr/>
-          <p:nvPr/>
-        </p:nvSpPr>
-        <p:spPr>
-          <a:xfrm>
-            <a:off x="311699" y="1468822"/>
-            <a:ext cx="8521065" cy="3197860"/>
-          </a:xfrm>
-          <a:custGeom>
-            <a:avLst/>
-            <a:gdLst/>
-            <a:ahLst/>
-            <a:cxnLst/>
-            <a:rect l="l" t="t" r="r" b="b"/>
-            <a:pathLst>
-              <a:path w="8521065" h="3197860">
-                <a:moveTo>
-                  <a:pt x="0" y="0"/>
-                </a:moveTo>
-                <a:lnTo>
-                  <a:pt x="8520583" y="0"/>
-                </a:lnTo>
-                <a:lnTo>
-                  <a:pt x="8520583" y="3197393"/>
-                </a:lnTo>
-                <a:lnTo>
-                  <a:pt x="0" y="3197393"/>
-                </a:lnTo>
-                <a:lnTo>
-                  <a:pt x="0" y="0"/>
-                </a:lnTo>
-                <a:close/>
-              </a:path>
-            </a:pathLst>
-          </a:custGeom>
-          <a:solidFill>
-            <a:srgbClr val="F2F2F2"/>
-          </a:solidFill>
-        </p:spPr>
-        <p:txBody>
-          <a:bodyPr wrap="square" lIns="0" tIns="0" rIns="0" bIns="0" rtlCol="0"/>
-          <a:lstStyle/>
-          <a:p>
-            <a:endParaRPr/>
-          </a:p>
-        </p:txBody>
-      </p:sp>
-      <p:sp>
-        <p:nvSpPr>
-          <p:cNvPr id="5" name="object 5"/>
+          <p:cNvPr id="7" name="object 7"/>
           <p:cNvSpPr txBox="1"/>
           <p:nvPr/>
         </p:nvSpPr>
         <p:spPr>
           <a:xfrm>
-            <a:off x="384724" y="1762823"/>
-            <a:ext cx="8194675" cy="2575064"/>
+            <a:off x="384724" y="2013647"/>
+            <a:ext cx="665480" cy="238760"/>
           </a:xfrm>
           <a:prstGeom prst="rect">
             <a:avLst/>
@@ -11504,284 +11367,196 @@
               </a:spcBef>
             </a:pPr>
             <a:r>
-              <a:rPr sz="1500" spc="140" dirty="0">
-                <a:solidFill>
-                  <a:srgbClr val="333333"/>
-                </a:solidFill>
-                <a:latin typeface="Arial"/>
-                <a:cs typeface="Arial"/>
-              </a:rPr>
-              <a:t>greeter </a:t>
-            </a:r>
-            <a:r>
-              <a:rPr sz="1500" spc="175" dirty="0">
-                <a:solidFill>
-                  <a:srgbClr val="A71C5D"/>
-                </a:solidFill>
-                <a:latin typeface="Arial"/>
-                <a:cs typeface="Arial"/>
-              </a:rPr>
-              <a:t>:= </a:t>
-            </a:r>
-            <a:r>
-              <a:rPr sz="1500" spc="120" dirty="0">
-                <a:solidFill>
-                  <a:srgbClr val="333333"/>
-                </a:solidFill>
-                <a:latin typeface="Arial"/>
-                <a:cs typeface="Arial"/>
-              </a:rPr>
-              <a:t>proto.</a:t>
-            </a:r>
-            <a:r>
-              <a:rPr sz="1500" spc="120" dirty="0">
-                <a:solidFill>
-                  <a:srgbClr val="0085B3"/>
-                </a:solidFill>
-                <a:latin typeface="Arial"/>
-                <a:cs typeface="Arial"/>
-              </a:rPr>
-              <a:t>NewGreeterClient</a:t>
-            </a:r>
-            <a:r>
-              <a:rPr sz="1500" spc="120" dirty="0">
-                <a:solidFill>
-                  <a:srgbClr val="333333"/>
-                </a:solidFill>
-                <a:latin typeface="Arial"/>
-                <a:cs typeface="Arial"/>
-              </a:rPr>
-              <a:t>(</a:t>
-            </a:r>
-            <a:r>
-              <a:rPr sz="1500" spc="120" dirty="0">
-                <a:solidFill>
-                  <a:srgbClr val="173691"/>
-                </a:solidFill>
-                <a:latin typeface="Arial"/>
-                <a:cs typeface="Arial"/>
-              </a:rPr>
-              <a:t>"com.example.srv.greeter"</a:t>
-            </a:r>
-            <a:r>
-              <a:rPr sz="1500" spc="120" dirty="0">
-                <a:solidFill>
-                  <a:srgbClr val="333333"/>
-                </a:solidFill>
-                <a:latin typeface="Arial"/>
-                <a:cs typeface="Arial"/>
-              </a:rPr>
-              <a:t>,</a:t>
-            </a:r>
-            <a:r>
-              <a:rPr sz="1500" spc="-165" dirty="0">
-                <a:solidFill>
-                  <a:srgbClr val="333333"/>
-                </a:solidFill>
-                <a:latin typeface="Arial"/>
-                <a:cs typeface="Arial"/>
-              </a:rPr>
-              <a:t> </a:t>
-            </a:r>
-            <a:r>
-              <a:rPr sz="1500" spc="200" dirty="0">
-                <a:solidFill>
-                  <a:srgbClr val="333333"/>
-                </a:solidFill>
-                <a:latin typeface="Arial"/>
-                <a:cs typeface="Arial"/>
-              </a:rPr>
-              <a:t>service.</a:t>
-            </a:r>
-            <a:r>
-              <a:rPr sz="1500" spc="200" dirty="0">
-                <a:solidFill>
-                  <a:srgbClr val="0085B3"/>
-                </a:solidFill>
-                <a:latin typeface="Arial"/>
-                <a:cs typeface="Arial"/>
-              </a:rPr>
-              <a:t>Client</a:t>
-            </a:r>
-            <a:r>
-              <a:rPr sz="1500" spc="200" dirty="0">
-                <a:solidFill>
-                  <a:srgbClr val="333333"/>
-                </a:solidFill>
-                <a:latin typeface="Arial"/>
-                <a:cs typeface="Arial"/>
-              </a:rPr>
-              <a:t>())</a:t>
-            </a:r>
-            <a:endParaRPr sz="1500" dirty="0">
-              <a:latin typeface="Arial"/>
-              <a:cs typeface="Arial"/>
+              <a:rPr sz="1400" b="1" spc="-5" dirty="0">
+                <a:solidFill>
+                  <a:srgbClr val="424242"/>
+                </a:solidFill>
+                <a:latin typeface="Courier New"/>
+                <a:cs typeface="Courier New"/>
+              </a:rPr>
+              <a:t>server</a:t>
+            </a:r>
+            <a:endParaRPr sz="1400">
+              <a:latin typeface="Courier New"/>
+              <a:cs typeface="Courier New"/>
             </a:endParaRPr>
           </a:p>
-          <a:p>
-            <a:pPr>
+        </p:txBody>
+      </p:sp>
+      <p:sp>
+        <p:nvSpPr>
+          <p:cNvPr id="8" name="object 8"/>
+          <p:cNvSpPr txBox="1"/>
+          <p:nvPr/>
+        </p:nvSpPr>
+        <p:spPr>
+          <a:xfrm>
+            <a:off x="1756321" y="2000947"/>
+            <a:ext cx="3896995" cy="254000"/>
+          </a:xfrm>
+          <a:prstGeom prst="rect">
+            <a:avLst/>
+          </a:prstGeom>
+        </p:spPr>
+        <p:txBody>
+          <a:bodyPr vert="horz" wrap="square" lIns="0" tIns="12700" rIns="0" bIns="0" rtlCol="0">
+            <a:spAutoFit/>
+          </a:bodyPr>
+          <a:lstStyle/>
+          <a:p>
+            <a:pPr marL="12700">
               <a:lnSpc>
                 <a:spcPct val="100000"/>
               </a:lnSpc>
               <a:spcBef>
-                <a:spcPts val="15"/>
+                <a:spcPts val="100"/>
               </a:spcBef>
             </a:pPr>
-            <a:endParaRPr sz="1550" dirty="0">
-              <a:latin typeface="Times New Roman"/>
-              <a:cs typeface="Times New Roman"/>
-            </a:endParaRPr>
-          </a:p>
-          <a:p>
-            <a:pPr marL="469265" marR="2207260" indent="-457200">
-              <a:lnSpc>
-                <a:spcPct val="100000"/>
-              </a:lnSpc>
-            </a:pPr>
-            <a:r>
-              <a:rPr sz="1500" spc="195" dirty="0">
-                <a:solidFill>
-                  <a:srgbClr val="333333"/>
+            <a:r>
+              <a:rPr sz="1500" spc="110" dirty="0">
+                <a:solidFill>
+                  <a:srgbClr val="A71C5D"/>
                 </a:solidFill>
                 <a:latin typeface="Arial"/>
                 <a:cs typeface="Arial"/>
               </a:rPr>
-              <a:t>rsp, </a:t>
-            </a:r>
-            <a:r>
-              <a:rPr sz="1500" spc="210" dirty="0">
-                <a:solidFill>
-                  <a:srgbClr val="333333"/>
+              <a:t>type </a:t>
+            </a:r>
+            <a:r>
+              <a:rPr sz="1500" spc="30" dirty="0">
+                <a:solidFill>
+                  <a:srgbClr val="ED6942"/>
                 </a:solidFill>
                 <a:latin typeface="Arial"/>
                 <a:cs typeface="Arial"/>
               </a:rPr>
-              <a:t>err </a:t>
-            </a:r>
-            <a:r>
-              <a:rPr sz="1500" spc="175" dirty="0">
-                <a:solidFill>
-                  <a:srgbClr val="A71C5D"/>
+              <a:t>HandlerWrapper</a:t>
+            </a:r>
+            <a:r>
+              <a:rPr sz="1500" spc="225" dirty="0">
+                <a:solidFill>
+                  <a:srgbClr val="ED6942"/>
                 </a:solidFill>
                 <a:latin typeface="Arial"/>
                 <a:cs typeface="Arial"/>
               </a:rPr>
-              <a:t>:= </a:t>
-            </a:r>
-            <a:r>
-              <a:rPr sz="1500" spc="125" dirty="0">
-                <a:solidFill>
-                  <a:srgbClr val="333333"/>
+              <a:t> </a:t>
+            </a:r>
+            <a:r>
+              <a:rPr sz="1500" spc="85" dirty="0">
+                <a:solidFill>
+                  <a:srgbClr val="A71C5D"/>
                 </a:solidFill>
                 <a:latin typeface="Arial"/>
                 <a:cs typeface="Arial"/>
               </a:rPr>
-              <a:t>greeter.</a:t>
-            </a:r>
-            <a:r>
-              <a:rPr sz="1500" spc="125" dirty="0">
-                <a:solidFill>
-                  <a:srgbClr val="0085B3"/>
+              <a:t>func</a:t>
+            </a:r>
+            <a:r>
+              <a:rPr sz="1500" spc="85" dirty="0">
+                <a:solidFill>
+                  <a:srgbClr val="333333"/>
                 </a:solidFill>
                 <a:latin typeface="Arial"/>
                 <a:cs typeface="Arial"/>
               </a:rPr>
-              <a:t>Hello</a:t>
-            </a:r>
-            <a:r>
-              <a:rPr sz="1500" spc="125" dirty="0">
-                <a:solidFill>
-                  <a:srgbClr val="333333"/>
-                </a:solidFill>
-                <a:latin typeface="Arial"/>
-                <a:cs typeface="Arial"/>
-              </a:rPr>
-              <a:t>(context.</a:t>
-            </a:r>
-            <a:r>
-              <a:rPr sz="1500" spc="125" dirty="0">
-                <a:solidFill>
-                  <a:srgbClr val="0085B3"/>
-                </a:solidFill>
-                <a:latin typeface="Arial"/>
-                <a:cs typeface="Arial"/>
-              </a:rPr>
-              <a:t>TODO</a:t>
-            </a:r>
-            <a:r>
-              <a:rPr sz="1500" spc="125" dirty="0">
-                <a:solidFill>
-                  <a:srgbClr val="333333"/>
-                </a:solidFill>
-                <a:latin typeface="Arial"/>
-                <a:cs typeface="Arial"/>
-              </a:rPr>
-              <a:t>(), </a:t>
-            </a:r>
-            <a:r>
-              <a:rPr sz="1500" spc="90" dirty="0">
-                <a:solidFill>
-                  <a:srgbClr val="333333"/>
-                </a:solidFill>
-                <a:latin typeface="Arial"/>
-                <a:cs typeface="Arial"/>
-              </a:rPr>
-              <a:t>&amp;proto.Request{  </a:t>
-            </a:r>
-            <a:r>
-              <a:rPr sz="1500" spc="-65" dirty="0">
-                <a:solidFill>
-                  <a:srgbClr val="333333"/>
-                </a:solidFill>
-                <a:latin typeface="Arial"/>
-                <a:cs typeface="Arial"/>
-              </a:rPr>
-              <a:t>Name:</a:t>
-            </a:r>
-            <a:r>
-              <a:rPr sz="1500" spc="60" dirty="0">
-                <a:solidFill>
-                  <a:srgbClr val="333333"/>
-                </a:solidFill>
-                <a:latin typeface="Arial"/>
-                <a:cs typeface="Arial"/>
-              </a:rPr>
-              <a:t> </a:t>
-            </a:r>
-            <a:r>
-              <a:rPr sz="1500" spc="100" dirty="0">
-                <a:solidFill>
-                  <a:srgbClr val="173691"/>
-                </a:solidFill>
-                <a:latin typeface="Arial"/>
-                <a:cs typeface="Arial"/>
-              </a:rPr>
-              <a:t>"John"</a:t>
-            </a:r>
-            <a:endParaRPr sz="1500" dirty="0">
+              <a:t>(HandlerFunc)</a:t>
+            </a:r>
+            <a:endParaRPr sz="1500">
               <a:latin typeface="Arial"/>
               <a:cs typeface="Arial"/>
             </a:endParaRPr>
           </a:p>
+        </p:txBody>
+      </p:sp>
+      <p:sp>
+        <p:nvSpPr>
+          <p:cNvPr id="9" name="object 9"/>
+          <p:cNvSpPr txBox="1"/>
+          <p:nvPr/>
+        </p:nvSpPr>
+        <p:spPr>
+          <a:xfrm>
+            <a:off x="5736353" y="2000947"/>
+            <a:ext cx="1176020" cy="254000"/>
+          </a:xfrm>
+          <a:prstGeom prst="rect">
+            <a:avLst/>
+          </a:prstGeom>
+        </p:spPr>
+        <p:txBody>
+          <a:bodyPr vert="horz" wrap="square" lIns="0" tIns="12700" rIns="0" bIns="0" rtlCol="0">
+            <a:spAutoFit/>
+          </a:bodyPr>
+          <a:lstStyle/>
           <a:p>
             <a:pPr marL="12700">
               <a:lnSpc>
                 <a:spcPct val="100000"/>
               </a:lnSpc>
+              <a:spcBef>
+                <a:spcPts val="100"/>
+              </a:spcBef>
             </a:pPr>
             <a:r>
-              <a:rPr sz="1500" spc="315" dirty="0">
-                <a:solidFill>
-                  <a:srgbClr val="333333"/>
+              <a:rPr sz="1500" spc="35" dirty="0">
+                <a:solidFill>
+                  <a:srgbClr val="ED6942"/>
                 </a:solidFill>
                 <a:latin typeface="Arial"/>
                 <a:cs typeface="Arial"/>
               </a:rPr>
-              <a:t>})</a:t>
-            </a:r>
-            <a:endParaRPr sz="1500" dirty="0">
+              <a:t>HandlerFunc</a:t>
+            </a:r>
+            <a:endParaRPr sz="1500">
               <a:latin typeface="Arial"/>
               <a:cs typeface="Arial"/>
+            </a:endParaRPr>
+          </a:p>
+        </p:txBody>
+      </p:sp>
+      <p:sp>
+        <p:nvSpPr>
+          <p:cNvPr id="10" name="object 10"/>
+          <p:cNvSpPr txBox="1"/>
+          <p:nvPr/>
+        </p:nvSpPr>
+        <p:spPr>
+          <a:xfrm>
+            <a:off x="384724" y="2468179"/>
+            <a:ext cx="4319905" cy="1911350"/>
+          </a:xfrm>
+          <a:prstGeom prst="rect">
+            <a:avLst/>
+          </a:prstGeom>
+        </p:spPr>
+        <p:txBody>
+          <a:bodyPr vert="horz" wrap="square" lIns="0" tIns="12700" rIns="0" bIns="0" rtlCol="0">
+            <a:spAutoFit/>
+          </a:bodyPr>
+          <a:lstStyle/>
+          <a:p>
+            <a:pPr marL="12700">
+              <a:lnSpc>
+                <a:spcPct val="100000"/>
+              </a:lnSpc>
+              <a:spcBef>
+                <a:spcPts val="100"/>
+              </a:spcBef>
+            </a:pPr>
+            <a:r>
+              <a:rPr sz="1400" spc="-5" dirty="0">
+                <a:solidFill>
+                  <a:srgbClr val="424242"/>
+                </a:solidFill>
+                <a:latin typeface="Courier New"/>
+                <a:cs typeface="Courier New"/>
+              </a:rPr>
+              <a:t>…</a:t>
+            </a:r>
+            <a:endParaRPr sz="1400">
+              <a:latin typeface="Courier New"/>
+              <a:cs typeface="Courier New"/>
             </a:endParaRPr>
           </a:p>
           <a:p>
@@ -11793,574 +11568,205 @@
                 <a:spcPts val="20"/>
               </a:spcBef>
             </a:pPr>
-            <a:endParaRPr sz="1550" dirty="0">
+            <a:endParaRPr sz="2300">
               <a:latin typeface="Times New Roman"/>
               <a:cs typeface="Times New Roman"/>
             </a:endParaRPr>
           </a:p>
           <a:p>
-            <a:pPr marL="12700">
+            <a:pPr marL="430530" marR="5080" indent="-418465">
               <a:lnSpc>
-                <a:spcPct val="100000"/>
+                <a:spcPct val="116700"/>
               </a:lnSpc>
             </a:pPr>
             <a:r>
-              <a:rPr sz="1500" spc="445" dirty="0">
-                <a:solidFill>
-                  <a:srgbClr val="A71C5D"/>
+              <a:rPr sz="1500" spc="140" dirty="0">
+                <a:solidFill>
+                  <a:srgbClr val="333333"/>
                 </a:solidFill>
                 <a:latin typeface="Arial"/>
                 <a:cs typeface="Arial"/>
               </a:rPr>
-              <a:t>if </a:t>
-            </a:r>
-            <a:r>
-              <a:rPr sz="1500" spc="210" dirty="0">
-                <a:solidFill>
-                  <a:srgbClr val="333333"/>
+              <a:t>service </a:t>
+            </a:r>
+            <a:r>
+              <a:rPr sz="1500" spc="175" dirty="0">
+                <a:solidFill>
+                  <a:srgbClr val="A71C5D"/>
                 </a:solidFill>
                 <a:latin typeface="Arial"/>
                 <a:cs typeface="Arial"/>
               </a:rPr>
-              <a:t>err </a:t>
-            </a:r>
-            <a:r>
-              <a:rPr sz="1500" spc="175" dirty="0">
+              <a:t>:= </a:t>
+            </a:r>
+            <a:r>
+              <a:rPr sz="1500" spc="80" dirty="0">
                 <a:solidFill>
                   <a:srgbClr val="333333"/>
                 </a:solidFill>
                 <a:latin typeface="Arial"/>
                 <a:cs typeface="Arial"/>
               </a:rPr>
-              <a:t>!= </a:t>
-            </a:r>
-            <a:r>
-              <a:rPr sz="1500" spc="320" dirty="0">
+              <a:t>micro.</a:t>
+            </a:r>
+            <a:r>
+              <a:rPr sz="1500" spc="80" dirty="0">
                 <a:solidFill>
                   <a:srgbClr val="0085B3"/>
                 </a:solidFill>
                 <a:latin typeface="Arial"/>
                 <a:cs typeface="Arial"/>
               </a:rPr>
-              <a:t>nil</a:t>
-            </a:r>
-            <a:r>
-              <a:rPr sz="1500" spc="204" dirty="0">
-                <a:solidFill>
-                  <a:srgbClr val="0085B3"/>
+              <a:t>NewService</a:t>
+            </a:r>
+            <a:r>
+              <a:rPr sz="1500" spc="80" dirty="0">
+                <a:solidFill>
+                  <a:srgbClr val="333333"/>
                 </a:solidFill>
                 <a:latin typeface="Arial"/>
                 <a:cs typeface="Arial"/>
               </a:rPr>
-              <a:t> </a:t>
-            </a:r>
-            <a:r>
-              <a:rPr sz="1500" spc="320" dirty="0">
+              <a:t>(  </a:t>
+            </a:r>
+            <a:r>
+              <a:rPr sz="1500" spc="100" dirty="0">
                 <a:solidFill>
                   <a:srgbClr val="333333"/>
                 </a:solidFill>
                 <a:latin typeface="Arial"/>
                 <a:cs typeface="Arial"/>
               </a:rPr>
-              <a:t>{</a:t>
-            </a:r>
-            <a:endParaRPr sz="1500" dirty="0">
+              <a:t>micro.</a:t>
+            </a:r>
+            <a:r>
+              <a:rPr sz="1500" spc="100" dirty="0">
+                <a:solidFill>
+                  <a:srgbClr val="0085B3"/>
+                </a:solidFill>
+                <a:latin typeface="Arial"/>
+                <a:cs typeface="Arial"/>
+              </a:rPr>
+              <a:t>Name</a:t>
+            </a:r>
+            <a:r>
+              <a:rPr sz="1500" spc="100" dirty="0">
+                <a:solidFill>
+                  <a:srgbClr val="333333"/>
+                </a:solidFill>
+                <a:latin typeface="Arial"/>
+                <a:cs typeface="Arial"/>
+              </a:rPr>
+              <a:t>(</a:t>
+            </a:r>
+            <a:r>
+              <a:rPr sz="1500" spc="100" dirty="0">
+                <a:solidFill>
+                  <a:srgbClr val="173691"/>
+                </a:solidFill>
+                <a:latin typeface="Arial"/>
+                <a:cs typeface="Arial"/>
+              </a:rPr>
+              <a:t>"com.example.srv.foobar"</a:t>
+            </a:r>
+            <a:r>
+              <a:rPr sz="1500" spc="100" dirty="0">
+                <a:solidFill>
+                  <a:srgbClr val="333333"/>
+                </a:solidFill>
+                <a:latin typeface="Arial"/>
+                <a:cs typeface="Arial"/>
+              </a:rPr>
+              <a:t>),  </a:t>
+            </a:r>
+            <a:r>
+              <a:rPr sz="1500" spc="155" dirty="0">
+                <a:solidFill>
+                  <a:srgbClr val="333333"/>
+                </a:solidFill>
+                <a:latin typeface="Arial"/>
+                <a:cs typeface="Arial"/>
+              </a:rPr>
+              <a:t>micro.</a:t>
+            </a:r>
+            <a:r>
+              <a:rPr sz="1500" spc="155" dirty="0">
+                <a:solidFill>
+                  <a:srgbClr val="0085B3"/>
+                </a:solidFill>
+                <a:latin typeface="Arial"/>
+                <a:cs typeface="Arial"/>
+              </a:rPr>
+              <a:t>WrapClient</a:t>
+            </a:r>
+            <a:r>
+              <a:rPr sz="1500" spc="155" dirty="0">
+                <a:solidFill>
+                  <a:srgbClr val="333333"/>
+                </a:solidFill>
+                <a:latin typeface="Arial"/>
+                <a:cs typeface="Arial"/>
+              </a:rPr>
+              <a:t>(circuitBreaker(3)),  </a:t>
+            </a:r>
+            <a:r>
+              <a:rPr sz="1500" spc="130" dirty="0">
+                <a:solidFill>
+                  <a:srgbClr val="333333"/>
+                </a:solidFill>
+                <a:latin typeface="Arial"/>
+                <a:cs typeface="Arial"/>
+              </a:rPr>
+              <a:t>micro.</a:t>
+            </a:r>
+            <a:r>
+              <a:rPr sz="1500" spc="130" dirty="0">
+                <a:solidFill>
+                  <a:srgbClr val="0085B3"/>
+                </a:solidFill>
+                <a:latin typeface="Arial"/>
+                <a:cs typeface="Arial"/>
+              </a:rPr>
+              <a:t>WrapHandler</a:t>
+            </a:r>
+            <a:r>
+              <a:rPr sz="1500" spc="130" dirty="0">
+                <a:solidFill>
+                  <a:srgbClr val="333333"/>
+                </a:solidFill>
+                <a:latin typeface="Arial"/>
+                <a:cs typeface="Arial"/>
+              </a:rPr>
+              <a:t>(rateLimiter(10)),</a:t>
+            </a:r>
+            <a:endParaRPr sz="1500">
               <a:latin typeface="Arial"/>
               <a:cs typeface="Arial"/>
             </a:endParaRPr>
           </a:p>
-          <a:p>
-            <a:pPr marL="469265">
-              <a:lnSpc>
-                <a:spcPct val="100000"/>
-              </a:lnSpc>
-            </a:pPr>
-            <a:r>
-              <a:rPr sz="1500" spc="405" dirty="0">
-                <a:solidFill>
-                  <a:srgbClr val="959795"/>
-                </a:solidFill>
-                <a:latin typeface="Arial"/>
-                <a:cs typeface="Arial"/>
-              </a:rPr>
-              <a:t>//</a:t>
-            </a:r>
-            <a:r>
-              <a:rPr sz="1500" spc="400" dirty="0">
-                <a:solidFill>
-                  <a:srgbClr val="959795"/>
-                </a:solidFill>
-                <a:latin typeface="Arial"/>
-                <a:cs typeface="Arial"/>
-              </a:rPr>
-              <a:t> </a:t>
-            </a:r>
-            <a:r>
-              <a:rPr lang="zh-CN" altLang="en-US" sz="1500" spc="105" dirty="0">
-                <a:solidFill>
-                  <a:srgbClr val="959795"/>
-                </a:solidFill>
-                <a:latin typeface="Arial"/>
-                <a:cs typeface="Arial"/>
-              </a:rPr>
-              <a:t>处理错误</a:t>
-            </a:r>
-            <a:endParaRPr sz="1500" dirty="0">
-              <a:latin typeface="Arial"/>
-              <a:cs typeface="Arial"/>
-            </a:endParaRPr>
-          </a:p>
-          <a:p>
-            <a:pPr marL="12700">
-              <a:lnSpc>
-                <a:spcPct val="100000"/>
-              </a:lnSpc>
-            </a:pPr>
-            <a:r>
-              <a:rPr sz="1500" spc="320" dirty="0">
-                <a:solidFill>
-                  <a:srgbClr val="333333"/>
-                </a:solidFill>
-                <a:latin typeface="Arial"/>
-                <a:cs typeface="Arial"/>
-              </a:rPr>
-              <a:t>}</a:t>
-            </a:r>
-            <a:endParaRPr sz="1500" dirty="0">
-              <a:latin typeface="Arial"/>
-              <a:cs typeface="Arial"/>
-            </a:endParaRPr>
-          </a:p>
-          <a:p>
-            <a:pPr>
-              <a:lnSpc>
-                <a:spcPct val="100000"/>
-              </a:lnSpc>
-              <a:spcBef>
-                <a:spcPts val="15"/>
-              </a:spcBef>
-            </a:pPr>
-            <a:endParaRPr sz="1550" dirty="0">
-              <a:latin typeface="Times New Roman"/>
-              <a:cs typeface="Times New Roman"/>
-            </a:endParaRPr>
-          </a:p>
-          <a:p>
-            <a:pPr marL="12700">
-              <a:lnSpc>
-                <a:spcPct val="100000"/>
-              </a:lnSpc>
-            </a:pPr>
-            <a:r>
-              <a:rPr sz="1500" spc="180" dirty="0">
-                <a:solidFill>
-                  <a:srgbClr val="333333"/>
-                </a:solidFill>
-                <a:latin typeface="Arial"/>
-                <a:cs typeface="Arial"/>
-              </a:rPr>
-              <a:t>fmt.</a:t>
-            </a:r>
-            <a:r>
-              <a:rPr sz="1500" spc="180" dirty="0">
-                <a:solidFill>
-                  <a:srgbClr val="0085B3"/>
-                </a:solidFill>
-                <a:latin typeface="Arial"/>
-                <a:cs typeface="Arial"/>
-              </a:rPr>
-              <a:t>Println</a:t>
-            </a:r>
-            <a:r>
-              <a:rPr sz="1500" spc="180" dirty="0">
-                <a:solidFill>
-                  <a:srgbClr val="333333"/>
-                </a:solidFill>
-                <a:latin typeface="Arial"/>
-                <a:cs typeface="Arial"/>
-              </a:rPr>
-              <a:t>(rsp.Greeting) </a:t>
-            </a:r>
-            <a:r>
-              <a:rPr sz="1500" spc="405" dirty="0">
-                <a:solidFill>
-                  <a:srgbClr val="333333"/>
-                </a:solidFill>
-                <a:latin typeface="Arial"/>
-                <a:cs typeface="Arial"/>
-              </a:rPr>
-              <a:t>// </a:t>
-            </a:r>
-            <a:r>
-              <a:rPr sz="1500" spc="135" dirty="0">
-                <a:solidFill>
-                  <a:srgbClr val="333333"/>
-                </a:solidFill>
-                <a:latin typeface="Arial"/>
-                <a:cs typeface="Arial"/>
-              </a:rPr>
-              <a:t>Hello</a:t>
-            </a:r>
-            <a:r>
-              <a:rPr sz="1500" spc="15" dirty="0">
-                <a:solidFill>
-                  <a:srgbClr val="333333"/>
-                </a:solidFill>
-                <a:latin typeface="Arial"/>
-                <a:cs typeface="Arial"/>
-              </a:rPr>
-              <a:t> </a:t>
-            </a:r>
-            <a:r>
-              <a:rPr sz="1500" spc="5" dirty="0">
-                <a:solidFill>
-                  <a:srgbClr val="333333"/>
-                </a:solidFill>
-                <a:latin typeface="Arial"/>
-                <a:cs typeface="Arial"/>
-              </a:rPr>
-              <a:t>John</a:t>
-            </a:r>
-            <a:endParaRPr sz="1500" dirty="0">
-              <a:latin typeface="Arial"/>
-              <a:cs typeface="Arial"/>
-            </a:endParaRPr>
-          </a:p>
-        </p:txBody>
-      </p:sp>
-    </p:spTree>
-  </p:cSld>
-  <p:clrMapOvr>
-    <a:masterClrMapping/>
-  </p:clrMapOvr>
-</p:sld>
-</file>
-
-<file path=ppt/slides/slide24.xml><?xml version="1.0" encoding="utf-8"?>
-<p:sld xmlns:a="http://schemas.openxmlformats.org/drawingml/2006/main" xmlns:r="http://schemas.openxmlformats.org/officeDocument/2006/relationships" xmlns:p="http://schemas.openxmlformats.org/presentationml/2006/main">
-  <p:cSld>
-    <p:spTree>
-      <p:nvGrpSpPr>
-        <p:cNvPr id="1" name=""/>
-        <p:cNvGrpSpPr/>
-        <p:nvPr/>
-      </p:nvGrpSpPr>
-      <p:grpSpPr>
-        <a:xfrm>
-          <a:off x="0" y="0"/>
-          <a:ext cx="0" cy="0"/>
-          <a:chOff x="0" y="0"/>
-          <a:chExt cx="0" cy="0"/>
-        </a:xfrm>
-      </p:grpSpPr>
-      <p:sp>
-        <p:nvSpPr>
-          <p:cNvPr id="2" name="object 2"/>
-          <p:cNvSpPr txBox="1">
-            <a:spLocks noGrp="1"/>
-          </p:cNvSpPr>
-          <p:nvPr>
-            <p:ph type="title"/>
-          </p:nvPr>
-        </p:nvSpPr>
-        <p:spPr>
-          <a:xfrm>
-            <a:off x="384724" y="535134"/>
-            <a:ext cx="1324610" cy="482600"/>
-          </a:xfrm>
-          <a:prstGeom prst="rect">
-            <a:avLst/>
-          </a:prstGeom>
-        </p:spPr>
-        <p:txBody>
-          <a:bodyPr vert="horz" wrap="square" lIns="0" tIns="12700" rIns="0" bIns="0" rtlCol="0">
-            <a:spAutoFit/>
-          </a:bodyPr>
-          <a:lstStyle/>
           <a:p>
             <a:pPr marL="12700">
               <a:lnSpc>
                 <a:spcPct val="100000"/>
               </a:lnSpc>
               <a:spcBef>
-                <a:spcPts val="100"/>
+                <a:spcPts val="300"/>
               </a:spcBef>
             </a:pPr>
             <a:r>
-              <a:rPr sz="3000" b="1" spc="-335" dirty="0">
-                <a:solidFill>
-                  <a:srgbClr val="424242"/>
+              <a:rPr sz="1500" spc="325" dirty="0">
+                <a:solidFill>
+                  <a:srgbClr val="333333"/>
                 </a:solidFill>
                 <a:latin typeface="Arial"/>
                 <a:cs typeface="Arial"/>
               </a:rPr>
-              <a:t>go-micro</a:t>
-            </a:r>
-            <a:endParaRPr sz="3000">
+              <a:t>)</a:t>
+            </a:r>
+            <a:endParaRPr sz="1500">
               <a:latin typeface="Arial"/>
               <a:cs typeface="Arial"/>
             </a:endParaRPr>
-          </a:p>
-        </p:txBody>
-      </p:sp>
-      <p:sp>
-        <p:nvSpPr>
-          <p:cNvPr id="3" name="object 3"/>
-          <p:cNvSpPr txBox="1"/>
-          <p:nvPr/>
-        </p:nvSpPr>
-        <p:spPr>
-          <a:xfrm>
-            <a:off x="6785511" y="535134"/>
-            <a:ext cx="1784985" cy="482600"/>
-          </a:xfrm>
-          <a:prstGeom prst="rect">
-            <a:avLst/>
-          </a:prstGeom>
-        </p:spPr>
-        <p:txBody>
-          <a:bodyPr vert="horz" wrap="square" lIns="0" tIns="12700" rIns="0" bIns="0" rtlCol="0">
-            <a:spAutoFit/>
-          </a:bodyPr>
-          <a:lstStyle/>
-          <a:p>
-            <a:pPr marL="12700">
-              <a:lnSpc>
-                <a:spcPct val="100000"/>
-              </a:lnSpc>
-              <a:spcBef>
-                <a:spcPts val="100"/>
-              </a:spcBef>
-            </a:pPr>
-            <a:r>
-              <a:rPr sz="3000" b="1" spc="-295" dirty="0">
-                <a:solidFill>
-                  <a:srgbClr val="424242"/>
-                </a:solidFill>
-                <a:latin typeface="Arial"/>
-                <a:cs typeface="Arial"/>
-              </a:rPr>
-              <a:t>service.Run</a:t>
-            </a:r>
-            <a:endParaRPr sz="3000">
-              <a:latin typeface="Arial"/>
-              <a:cs typeface="Arial"/>
-            </a:endParaRPr>
-          </a:p>
-        </p:txBody>
-      </p:sp>
-      <p:sp>
-        <p:nvSpPr>
-          <p:cNvPr id="4" name="object 4"/>
-          <p:cNvSpPr txBox="1"/>
-          <p:nvPr/>
-        </p:nvSpPr>
-        <p:spPr>
-          <a:xfrm>
-            <a:off x="384724" y="1532699"/>
-            <a:ext cx="7843520" cy="289823"/>
-          </a:xfrm>
-          <a:prstGeom prst="rect">
-            <a:avLst/>
-          </a:prstGeom>
-        </p:spPr>
-        <p:txBody>
-          <a:bodyPr vert="horz" wrap="square" lIns="0" tIns="12700" rIns="0" bIns="0" rtlCol="0">
-            <a:spAutoFit/>
-          </a:bodyPr>
-          <a:lstStyle/>
-          <a:p>
-            <a:pPr marL="12700">
-              <a:lnSpc>
-                <a:spcPct val="100000"/>
-              </a:lnSpc>
-              <a:spcBef>
-                <a:spcPts val="100"/>
-              </a:spcBef>
-              <a:tabLst>
-                <a:tab pos="4126865" algn="l"/>
-              </a:tabLst>
-            </a:pPr>
-            <a:r>
-              <a:rPr lang="zh-CN" altLang="en-US" sz="1800" spc="-5" dirty="0">
-                <a:solidFill>
-                  <a:srgbClr val="424242"/>
-                </a:solidFill>
-                <a:latin typeface="Courier New"/>
-                <a:cs typeface="Courier New"/>
-              </a:rPr>
-              <a:t>生成服务定义（</a:t>
-            </a:r>
-            <a:r>
-              <a:rPr lang="zh-CN" altLang="en-US" dirty="0"/>
-              <a:t>比如服务名、版本号、地址等</a:t>
-            </a:r>
-            <a:r>
-              <a:rPr lang="zh-CN" altLang="en-US" sz="1800" spc="-5" dirty="0">
-                <a:solidFill>
-                  <a:srgbClr val="424242"/>
-                </a:solidFill>
-                <a:latin typeface="Courier New"/>
-                <a:cs typeface="Courier New"/>
-              </a:rPr>
-              <a:t>）</a:t>
-            </a:r>
-            <a:endParaRPr sz="1800" dirty="0">
-              <a:latin typeface="Courier New"/>
-              <a:cs typeface="Courier New"/>
-            </a:endParaRPr>
-          </a:p>
-        </p:txBody>
-      </p:sp>
-      <p:sp>
-        <p:nvSpPr>
-          <p:cNvPr id="7" name="TextBox 6">
-            <a:extLst>
-              <a:ext uri="{FF2B5EF4-FFF2-40B4-BE49-F238E27FC236}">
-                <a16:creationId xmlns:a16="http://schemas.microsoft.com/office/drawing/2014/main" id="{EBA59F35-6A6B-AA41-A970-91840EAAA05B}"/>
-              </a:ext>
-            </a:extLst>
-          </p:cNvPr>
-          <p:cNvSpPr txBox="1"/>
-          <p:nvPr/>
-        </p:nvSpPr>
-        <p:spPr>
-          <a:xfrm>
-            <a:off x="304800" y="1880808"/>
-            <a:ext cx="2262158" cy="369332"/>
-          </a:xfrm>
-          <a:prstGeom prst="rect">
-            <a:avLst/>
-          </a:prstGeom>
-          <a:noFill/>
-        </p:spPr>
-        <p:txBody>
-          <a:bodyPr wrap="none" rtlCol="0">
-            <a:spAutoFit/>
-          </a:bodyPr>
-          <a:lstStyle/>
-          <a:p>
-            <a:r>
-              <a:rPr lang="zh-CN" altLang="en-US" dirty="0"/>
-              <a:t>向注册中心注册服务</a:t>
-            </a:r>
-            <a:endParaRPr lang="en-US" dirty="0"/>
-          </a:p>
-        </p:txBody>
-      </p:sp>
-      <p:sp>
-        <p:nvSpPr>
-          <p:cNvPr id="8" name="TextBox 7">
-            <a:extLst>
-              <a:ext uri="{FF2B5EF4-FFF2-40B4-BE49-F238E27FC236}">
-                <a16:creationId xmlns:a16="http://schemas.microsoft.com/office/drawing/2014/main" id="{3307E707-6722-1542-B2A7-9439549E29A0}"/>
-              </a:ext>
-            </a:extLst>
-          </p:cNvPr>
-          <p:cNvSpPr txBox="1"/>
-          <p:nvPr/>
-        </p:nvSpPr>
-        <p:spPr>
-          <a:xfrm>
-            <a:off x="304800" y="2277457"/>
-            <a:ext cx="2723823" cy="369332"/>
-          </a:xfrm>
-          <a:prstGeom prst="rect">
-            <a:avLst/>
-          </a:prstGeom>
-          <a:noFill/>
-        </p:spPr>
-        <p:txBody>
-          <a:bodyPr wrap="none" rtlCol="0">
-            <a:spAutoFit/>
-          </a:bodyPr>
-          <a:lstStyle/>
-          <a:p>
-            <a:r>
-              <a:rPr lang="zh-CN" altLang="en-US" dirty="0"/>
-              <a:t>打开侦听端口并接收请求</a:t>
-            </a:r>
-            <a:endParaRPr lang="en-US" altLang="zh-CN" dirty="0"/>
-          </a:p>
-        </p:txBody>
-      </p:sp>
-      <p:sp>
-        <p:nvSpPr>
-          <p:cNvPr id="9" name="TextBox 8">
-            <a:extLst>
-              <a:ext uri="{FF2B5EF4-FFF2-40B4-BE49-F238E27FC236}">
-                <a16:creationId xmlns:a16="http://schemas.microsoft.com/office/drawing/2014/main" id="{9F05C573-515D-6C49-9A59-2BD9B20EF89E}"/>
-              </a:ext>
-            </a:extLst>
-          </p:cNvPr>
-          <p:cNvSpPr txBox="1"/>
-          <p:nvPr/>
-        </p:nvSpPr>
-        <p:spPr>
-          <a:xfrm>
-            <a:off x="304800" y="2671286"/>
-            <a:ext cx="1800493" cy="369332"/>
-          </a:xfrm>
-          <a:prstGeom prst="rect">
-            <a:avLst/>
-          </a:prstGeom>
-          <a:noFill/>
-        </p:spPr>
-        <p:txBody>
-          <a:bodyPr wrap="none" rtlCol="0">
-            <a:spAutoFit/>
-          </a:bodyPr>
-          <a:lstStyle/>
-          <a:p>
-            <a:r>
-              <a:rPr lang="zh-CN" altLang="en-US" dirty="0"/>
-              <a:t>解码与处理请求</a:t>
-            </a:r>
-            <a:endParaRPr lang="en-US" altLang="zh-CN" dirty="0"/>
-          </a:p>
-        </p:txBody>
-      </p:sp>
-      <p:sp>
-        <p:nvSpPr>
-          <p:cNvPr id="10" name="TextBox 9">
-            <a:extLst>
-              <a:ext uri="{FF2B5EF4-FFF2-40B4-BE49-F238E27FC236}">
-                <a16:creationId xmlns:a16="http://schemas.microsoft.com/office/drawing/2014/main" id="{73678D2B-395C-D64F-9CAF-D3C6355FCA69}"/>
-              </a:ext>
-            </a:extLst>
-          </p:cNvPr>
-          <p:cNvSpPr txBox="1"/>
-          <p:nvPr/>
-        </p:nvSpPr>
-        <p:spPr>
-          <a:xfrm>
-            <a:off x="304800" y="3040618"/>
-            <a:ext cx="7665816" cy="369332"/>
-          </a:xfrm>
-          <a:prstGeom prst="rect">
-            <a:avLst/>
-          </a:prstGeom>
-          <a:noFill/>
-        </p:spPr>
-        <p:txBody>
-          <a:bodyPr wrap="none" rtlCol="0">
-            <a:spAutoFit/>
-          </a:bodyPr>
-          <a:lstStyle/>
-          <a:p>
-            <a:r>
-              <a:rPr lang="zh-CN" altLang="en-US" dirty="0"/>
-              <a:t>根据配置是否向注册中心声明心跳、</a:t>
-            </a:r>
-            <a:r>
-              <a:rPr lang="en-US" altLang="zh-CN" dirty="0"/>
-              <a:t>TTL</a:t>
-            </a:r>
-            <a:r>
-              <a:rPr lang="zh-CN" altLang="en-US" dirty="0"/>
-              <a:t>，用于需要有容灾、高可用的情形</a:t>
-            </a:r>
-            <a:endParaRPr lang="en-US" altLang="zh-CN" dirty="0"/>
           </a:p>
         </p:txBody>
       </p:sp>
@@ -12402,2072 +11808,7 @@
         <p:spPr>
           <a:xfrm>
             <a:off x="384724" y="535134"/>
-            <a:ext cx="1748876" cy="474489"/>
-          </a:xfrm>
-          <a:prstGeom prst="rect">
-            <a:avLst/>
-          </a:prstGeom>
-        </p:spPr>
-        <p:txBody>
-          <a:bodyPr vert="horz" wrap="square" lIns="0" tIns="12700" rIns="0" bIns="0" rtlCol="0">
-            <a:spAutoFit/>
-          </a:bodyPr>
-          <a:lstStyle/>
-          <a:p>
-            <a:pPr marL="12700">
-              <a:lnSpc>
-                <a:spcPct val="100000"/>
-              </a:lnSpc>
-              <a:spcBef>
-                <a:spcPts val="100"/>
-              </a:spcBef>
-            </a:pPr>
-            <a:r>
-              <a:rPr sz="3000" b="1" dirty="0">
-                <a:solidFill>
-                  <a:srgbClr val="424242"/>
-                </a:solidFill>
-                <a:latin typeface="Arial"/>
-                <a:cs typeface="Arial"/>
-              </a:rPr>
-              <a:t>go-micro</a:t>
-            </a:r>
-            <a:endParaRPr sz="3000" dirty="0">
-              <a:latin typeface="Arial"/>
-              <a:cs typeface="Arial"/>
-            </a:endParaRPr>
-          </a:p>
-        </p:txBody>
-      </p:sp>
-      <p:sp>
-        <p:nvSpPr>
-          <p:cNvPr id="3" name="object 3"/>
-          <p:cNvSpPr txBox="1"/>
-          <p:nvPr/>
-        </p:nvSpPr>
-        <p:spPr>
-          <a:xfrm>
-            <a:off x="5413914" y="535134"/>
-            <a:ext cx="3272154" cy="482600"/>
-          </a:xfrm>
-          <a:prstGeom prst="rect">
-            <a:avLst/>
-          </a:prstGeom>
-        </p:spPr>
-        <p:txBody>
-          <a:bodyPr vert="horz" wrap="square" lIns="0" tIns="12700" rIns="0" bIns="0" rtlCol="0">
-            <a:spAutoFit/>
-          </a:bodyPr>
-          <a:lstStyle/>
-          <a:p>
-            <a:pPr marL="12700">
-              <a:lnSpc>
-                <a:spcPct val="100000"/>
-              </a:lnSpc>
-              <a:spcBef>
-                <a:spcPts val="100"/>
-              </a:spcBef>
-            </a:pPr>
-            <a:r>
-              <a:rPr sz="3000" b="1" spc="-185" dirty="0">
-                <a:solidFill>
-                  <a:srgbClr val="424242"/>
-                </a:solidFill>
-                <a:latin typeface="Arial"/>
-                <a:cs typeface="Arial"/>
-              </a:rPr>
-              <a:t>client.Call(“service”)</a:t>
-            </a:r>
-            <a:endParaRPr sz="3000" dirty="0">
-              <a:latin typeface="Arial"/>
-              <a:cs typeface="Arial"/>
-            </a:endParaRPr>
-          </a:p>
-        </p:txBody>
-      </p:sp>
-      <p:sp>
-        <p:nvSpPr>
-          <p:cNvPr id="4" name="object 4"/>
-          <p:cNvSpPr txBox="1"/>
-          <p:nvPr/>
-        </p:nvSpPr>
-        <p:spPr>
-          <a:xfrm>
-            <a:off x="384724" y="1456499"/>
-            <a:ext cx="3591560" cy="2871470"/>
-          </a:xfrm>
-          <a:prstGeom prst="rect">
-            <a:avLst/>
-          </a:prstGeom>
-        </p:spPr>
-        <p:txBody>
-          <a:bodyPr vert="horz" wrap="square" lIns="0" tIns="12700" rIns="0" bIns="0" rtlCol="0">
-            <a:spAutoFit/>
-          </a:bodyPr>
-          <a:lstStyle/>
-          <a:p>
-            <a:pPr marL="12700">
-              <a:lnSpc>
-                <a:spcPct val="100000"/>
-              </a:lnSpc>
-              <a:spcBef>
-                <a:spcPts val="100"/>
-              </a:spcBef>
-            </a:pPr>
-            <a:r>
-              <a:rPr sz="1800" spc="-5" dirty="0">
-                <a:solidFill>
-                  <a:srgbClr val="424242"/>
-                </a:solidFill>
-                <a:latin typeface="Courier New"/>
-                <a:cs typeface="Courier New"/>
-              </a:rPr>
-              <a:t>Request</a:t>
-            </a:r>
-            <a:r>
-              <a:rPr sz="1800" spc="-10" dirty="0">
-                <a:solidFill>
-                  <a:srgbClr val="424242"/>
-                </a:solidFill>
-                <a:latin typeface="Courier New"/>
-                <a:cs typeface="Courier New"/>
-              </a:rPr>
-              <a:t> </a:t>
-            </a:r>
-            <a:r>
-              <a:rPr sz="1800" spc="-5" dirty="0">
-                <a:solidFill>
-                  <a:srgbClr val="424242"/>
-                </a:solidFill>
-                <a:latin typeface="Courier New"/>
-                <a:cs typeface="Courier New"/>
-              </a:rPr>
-              <a:t>encoding</a:t>
-            </a:r>
-            <a:endParaRPr sz="1800" dirty="0">
-              <a:latin typeface="Courier New"/>
-              <a:cs typeface="Courier New"/>
-            </a:endParaRPr>
-          </a:p>
-          <a:p>
-            <a:pPr marL="12700" marR="1102995">
-              <a:lnSpc>
-                <a:spcPct val="187500"/>
-              </a:lnSpc>
-            </a:pPr>
-            <a:r>
-              <a:rPr sz="1800" spc="-5" dirty="0">
-                <a:solidFill>
-                  <a:srgbClr val="424242"/>
-                </a:solidFill>
-                <a:latin typeface="Courier New"/>
-                <a:cs typeface="Courier New"/>
-              </a:rPr>
-              <a:t>Service lookup  Node selection  Connection</a:t>
-            </a:r>
-            <a:r>
-              <a:rPr sz="1800" spc="-25" dirty="0">
-                <a:solidFill>
-                  <a:srgbClr val="424242"/>
-                </a:solidFill>
-                <a:latin typeface="Courier New"/>
-                <a:cs typeface="Courier New"/>
-              </a:rPr>
-              <a:t> </a:t>
-            </a:r>
-            <a:r>
-              <a:rPr sz="1800" spc="-5" dirty="0">
-                <a:solidFill>
-                  <a:srgbClr val="424242"/>
-                </a:solidFill>
-                <a:latin typeface="Courier New"/>
-                <a:cs typeface="Courier New"/>
-              </a:rPr>
-              <a:t>pooling</a:t>
-            </a:r>
-            <a:endParaRPr sz="1800" dirty="0">
-              <a:latin typeface="Courier New"/>
-              <a:cs typeface="Courier New"/>
-            </a:endParaRPr>
-          </a:p>
-          <a:p>
-            <a:pPr marL="12700" marR="5080">
-              <a:lnSpc>
-                <a:spcPct val="187500"/>
-              </a:lnSpc>
-            </a:pPr>
-            <a:r>
-              <a:rPr sz="1800" spc="-5" dirty="0">
-                <a:solidFill>
-                  <a:srgbClr val="424242"/>
-                </a:solidFill>
-                <a:latin typeface="Courier New"/>
-                <a:cs typeface="Courier New"/>
-              </a:rPr>
-              <a:t>Retries, timeouts, backoff  Oh and making the request</a:t>
-            </a:r>
-            <a:endParaRPr sz="1800" dirty="0">
-              <a:latin typeface="Courier New"/>
-              <a:cs typeface="Courier New"/>
-            </a:endParaRPr>
-          </a:p>
-        </p:txBody>
-      </p:sp>
-    </p:spTree>
-  </p:cSld>
-  <p:clrMapOvr>
-    <a:masterClrMapping/>
-  </p:clrMapOvr>
-</p:sld>
-</file>
-
-<file path=ppt/slides/slide26.xml><?xml version="1.0" encoding="utf-8"?>
-<p:sld xmlns:a="http://schemas.openxmlformats.org/drawingml/2006/main" xmlns:r="http://schemas.openxmlformats.org/officeDocument/2006/relationships" xmlns:p="http://schemas.openxmlformats.org/presentationml/2006/main" showMasterSp="0">
-  <p:cSld>
-    <p:spTree>
-      <p:nvGrpSpPr>
-        <p:cNvPr id="1" name=""/>
-        <p:cNvGrpSpPr/>
-        <p:nvPr/>
-      </p:nvGrpSpPr>
-      <p:grpSpPr>
-        <a:xfrm>
-          <a:off x="0" y="0"/>
-          <a:ext cx="0" cy="0"/>
-          <a:chOff x="0" y="0"/>
-          <a:chExt cx="0" cy="0"/>
-        </a:xfrm>
-      </p:grpSpPr>
-      <p:sp>
-        <p:nvSpPr>
-          <p:cNvPr id="2" name="object 2"/>
-          <p:cNvSpPr/>
-          <p:nvPr/>
-        </p:nvSpPr>
-        <p:spPr>
-          <a:xfrm>
-            <a:off x="0" y="209550"/>
-            <a:ext cx="9144000" cy="5143500"/>
-          </a:xfrm>
-          <a:custGeom>
-            <a:avLst/>
-            <a:gdLst/>
-            <a:ahLst/>
-            <a:cxnLst/>
-            <a:rect l="l" t="t" r="r" b="b"/>
-            <a:pathLst>
-              <a:path w="9144000" h="5143500">
-                <a:moveTo>
-                  <a:pt x="0" y="0"/>
-                </a:moveTo>
-                <a:lnTo>
-                  <a:pt x="9143981" y="0"/>
-                </a:lnTo>
-                <a:lnTo>
-                  <a:pt x="9143981" y="5143489"/>
-                </a:lnTo>
-                <a:lnTo>
-                  <a:pt x="0" y="5143489"/>
-                </a:lnTo>
-                <a:lnTo>
-                  <a:pt x="0" y="0"/>
-                </a:lnTo>
-                <a:close/>
-              </a:path>
-            </a:pathLst>
-          </a:custGeom>
-          <a:solidFill>
-            <a:srgbClr val="999999"/>
-          </a:solidFill>
-        </p:spPr>
-        <p:txBody>
-          <a:bodyPr wrap="square" lIns="0" tIns="0" rIns="0" bIns="0" rtlCol="0"/>
-          <a:lstStyle/>
-          <a:p>
-            <a:endParaRPr/>
-          </a:p>
-        </p:txBody>
-      </p:sp>
-      <p:sp>
-        <p:nvSpPr>
-          <p:cNvPr id="3" name="object 3"/>
-          <p:cNvSpPr txBox="1">
-            <a:spLocks noGrp="1"/>
-          </p:cNvSpPr>
-          <p:nvPr>
-            <p:ph type="title"/>
-          </p:nvPr>
-        </p:nvSpPr>
-        <p:spPr>
-          <a:xfrm>
-            <a:off x="563273" y="1712460"/>
-            <a:ext cx="8017452" cy="838562"/>
-          </a:xfrm>
-          <a:prstGeom prst="rect">
-            <a:avLst/>
-          </a:prstGeom>
-        </p:spPr>
-        <p:txBody>
-          <a:bodyPr vert="horz" wrap="square" lIns="0" tIns="98932" rIns="0" bIns="0" rtlCol="0">
-            <a:spAutoFit/>
-          </a:bodyPr>
-          <a:lstStyle/>
-          <a:p>
-            <a:pPr marL="12700" marR="5080">
-              <a:lnSpc>
-                <a:spcPct val="100299"/>
-              </a:lnSpc>
-              <a:spcBef>
-                <a:spcPts val="80"/>
-              </a:spcBef>
-            </a:pPr>
-            <a:r>
-              <a:rPr lang="zh-CN" altLang="en-US" sz="4800" dirty="0"/>
-              <a:t>限流、链路中断、认证</a:t>
-            </a:r>
-            <a:r>
-              <a:rPr lang="en-US" altLang="zh-CN" sz="4800" dirty="0"/>
-              <a:t>…</a:t>
-            </a:r>
-            <a:endParaRPr sz="4800" dirty="0"/>
-          </a:p>
-        </p:txBody>
-      </p:sp>
-    </p:spTree>
-  </p:cSld>
-  <p:clrMapOvr>
-    <a:masterClrMapping/>
-  </p:clrMapOvr>
-</p:sld>
-</file>
-
-<file path=ppt/slides/slide27.xml><?xml version="1.0" encoding="utf-8"?>
-<p:sld xmlns:a="http://schemas.openxmlformats.org/drawingml/2006/main" xmlns:r="http://schemas.openxmlformats.org/officeDocument/2006/relationships" xmlns:p="http://schemas.openxmlformats.org/presentationml/2006/main">
-  <p:cSld>
-    <p:spTree>
-      <p:nvGrpSpPr>
-        <p:cNvPr id="1" name=""/>
-        <p:cNvGrpSpPr/>
-        <p:nvPr/>
-      </p:nvGrpSpPr>
-      <p:grpSpPr>
-        <a:xfrm>
-          <a:off x="0" y="0"/>
-          <a:ext cx="0" cy="0"/>
-          <a:chOff x="0" y="0"/>
-          <a:chExt cx="0" cy="0"/>
-        </a:xfrm>
-      </p:grpSpPr>
-      <p:sp>
-        <p:nvSpPr>
-          <p:cNvPr id="2" name="object 2"/>
-          <p:cNvSpPr txBox="1">
-            <a:spLocks noGrp="1"/>
-          </p:cNvSpPr>
-          <p:nvPr>
-            <p:ph type="title"/>
-          </p:nvPr>
-        </p:nvSpPr>
-        <p:spPr>
-          <a:xfrm>
-            <a:off x="3689539" y="2340735"/>
-            <a:ext cx="1762760" cy="574040"/>
-          </a:xfrm>
-          <a:prstGeom prst="rect">
-            <a:avLst/>
-          </a:prstGeom>
-        </p:spPr>
-        <p:txBody>
-          <a:bodyPr vert="horz" wrap="square" lIns="0" tIns="12700" rIns="0" bIns="0" rtlCol="0">
-            <a:spAutoFit/>
-          </a:bodyPr>
-          <a:lstStyle/>
-          <a:p>
-            <a:pPr marL="12700">
-              <a:lnSpc>
-                <a:spcPct val="100000"/>
-              </a:lnSpc>
-              <a:spcBef>
-                <a:spcPts val="100"/>
-              </a:spcBef>
-            </a:pPr>
-            <a:r>
-              <a:rPr lang="zh-CN" altLang="en-US" sz="3600" dirty="0"/>
-              <a:t>包装器</a:t>
-            </a:r>
-            <a:endParaRPr sz="3600" dirty="0"/>
-          </a:p>
-        </p:txBody>
-      </p:sp>
-    </p:spTree>
-  </p:cSld>
-  <p:clrMapOvr>
-    <a:masterClrMapping/>
-  </p:clrMapOvr>
-</p:sld>
-</file>
-
-<file path=ppt/slides/slide28.xml><?xml version="1.0" encoding="utf-8"?>
-<p:sld xmlns:a="http://schemas.openxmlformats.org/drawingml/2006/main" xmlns:r="http://schemas.openxmlformats.org/officeDocument/2006/relationships" xmlns:p="http://schemas.openxmlformats.org/presentationml/2006/main" showMasterSp="0">
-  <p:cSld>
-    <p:spTree>
-      <p:nvGrpSpPr>
-        <p:cNvPr id="1" name=""/>
-        <p:cNvGrpSpPr/>
-        <p:nvPr/>
-      </p:nvGrpSpPr>
-      <p:grpSpPr>
-        <a:xfrm>
-          <a:off x="0" y="0"/>
-          <a:ext cx="0" cy="0"/>
-          <a:chOff x="0" y="0"/>
-          <a:chExt cx="0" cy="0"/>
-        </a:xfrm>
-      </p:grpSpPr>
-      <p:sp>
-        <p:nvSpPr>
-          <p:cNvPr id="2" name="object 2"/>
-          <p:cNvSpPr/>
-          <p:nvPr/>
-        </p:nvSpPr>
-        <p:spPr>
-          <a:xfrm>
-            <a:off x="0" y="0"/>
-            <a:ext cx="9144000" cy="5200650"/>
-          </a:xfrm>
-          <a:custGeom>
-            <a:avLst/>
-            <a:gdLst/>
-            <a:ahLst/>
-            <a:cxnLst/>
-            <a:rect l="l" t="t" r="r" b="b"/>
-            <a:pathLst>
-              <a:path w="9144000" h="5143500">
-                <a:moveTo>
-                  <a:pt x="0" y="0"/>
-                </a:moveTo>
-                <a:lnTo>
-                  <a:pt x="9143981" y="0"/>
-                </a:lnTo>
-                <a:lnTo>
-                  <a:pt x="9143981" y="5143489"/>
-                </a:lnTo>
-                <a:lnTo>
-                  <a:pt x="0" y="5143489"/>
-                </a:lnTo>
-                <a:lnTo>
-                  <a:pt x="0" y="0"/>
-                </a:lnTo>
-                <a:close/>
-              </a:path>
-            </a:pathLst>
-          </a:custGeom>
-          <a:solidFill>
-            <a:srgbClr val="999999"/>
-          </a:solidFill>
-        </p:spPr>
-        <p:txBody>
-          <a:bodyPr wrap="square" lIns="0" tIns="0" rIns="0" bIns="0" rtlCol="0"/>
-          <a:lstStyle/>
-          <a:p>
-            <a:endParaRPr/>
-          </a:p>
-        </p:txBody>
-      </p:sp>
-      <p:sp>
-        <p:nvSpPr>
-          <p:cNvPr id="3" name="object 3"/>
-          <p:cNvSpPr txBox="1">
-            <a:spLocks noGrp="1"/>
-          </p:cNvSpPr>
-          <p:nvPr>
-            <p:ph type="title"/>
-          </p:nvPr>
-        </p:nvSpPr>
-        <p:spPr>
-          <a:xfrm>
-            <a:off x="563273" y="1293361"/>
-            <a:ext cx="6447127" cy="843821"/>
-          </a:xfrm>
-          <a:prstGeom prst="rect">
-            <a:avLst/>
-          </a:prstGeom>
-        </p:spPr>
-        <p:txBody>
-          <a:bodyPr vert="horz" wrap="square" lIns="0" tIns="12700" rIns="0" bIns="0" rtlCol="0">
-            <a:spAutoFit/>
-          </a:bodyPr>
-          <a:lstStyle/>
-          <a:p>
-            <a:pPr marL="12700">
-              <a:lnSpc>
-                <a:spcPct val="100000"/>
-              </a:lnSpc>
-              <a:spcBef>
-                <a:spcPts val="100"/>
-              </a:spcBef>
-            </a:pPr>
-            <a:r>
-              <a:rPr lang="zh-CN" altLang="en-US" b="1" dirty="0">
-                <a:latin typeface="Arial"/>
-                <a:cs typeface="Arial"/>
-              </a:rPr>
-              <a:t>装饰器模式</a:t>
-            </a:r>
-            <a:endParaRPr b="1" dirty="0">
-              <a:latin typeface="Arial"/>
-              <a:cs typeface="Arial"/>
-            </a:endParaRPr>
-          </a:p>
-        </p:txBody>
-      </p:sp>
-      <p:sp>
-        <p:nvSpPr>
-          <p:cNvPr id="4" name="object 4"/>
-          <p:cNvSpPr/>
-          <p:nvPr/>
-        </p:nvSpPr>
-        <p:spPr>
-          <a:xfrm>
-            <a:off x="575973" y="2146164"/>
-            <a:ext cx="4839970" cy="0"/>
-          </a:xfrm>
-          <a:custGeom>
-            <a:avLst/>
-            <a:gdLst/>
-            <a:ahLst/>
-            <a:cxnLst/>
-            <a:rect l="l" t="t" r="r" b="b"/>
-            <a:pathLst>
-              <a:path w="4839970">
-                <a:moveTo>
-                  <a:pt x="0" y="0"/>
-                </a:moveTo>
-                <a:lnTo>
-                  <a:pt x="4839766" y="0"/>
-                </a:lnTo>
-              </a:path>
-            </a:pathLst>
-          </a:custGeom>
-          <a:ln w="54863">
-            <a:solidFill>
-              <a:srgbClr val="FFFFFF"/>
-            </a:solidFill>
-          </a:ln>
-        </p:spPr>
-        <p:txBody>
-          <a:bodyPr wrap="square" lIns="0" tIns="0" rIns="0" bIns="0" rtlCol="0"/>
-          <a:lstStyle/>
-          <a:p>
-            <a:endParaRPr/>
-          </a:p>
-        </p:txBody>
-      </p:sp>
-    </p:spTree>
-  </p:cSld>
-  <p:clrMapOvr>
-    <a:masterClrMapping/>
-  </p:clrMapOvr>
-</p:sld>
-</file>
-
-<file path=ppt/slides/slide29.xml><?xml version="1.0" encoding="utf-8"?>
-<p:sld xmlns:a="http://schemas.openxmlformats.org/drawingml/2006/main" xmlns:r="http://schemas.openxmlformats.org/officeDocument/2006/relationships" xmlns:p="http://schemas.openxmlformats.org/presentationml/2006/main" showMasterSp="0">
-  <p:cSld>
-    <p:spTree>
-      <p:nvGrpSpPr>
-        <p:cNvPr id="1" name=""/>
-        <p:cNvGrpSpPr/>
-        <p:nvPr/>
-      </p:nvGrpSpPr>
-      <p:grpSpPr>
-        <a:xfrm>
-          <a:off x="0" y="0"/>
-          <a:ext cx="0" cy="0"/>
-          <a:chOff x="0" y="0"/>
-          <a:chExt cx="0" cy="0"/>
-        </a:xfrm>
-      </p:grpSpPr>
-      <p:sp>
-        <p:nvSpPr>
-          <p:cNvPr id="2" name="object 2"/>
-          <p:cNvSpPr/>
-          <p:nvPr/>
-        </p:nvSpPr>
-        <p:spPr>
-          <a:xfrm>
-            <a:off x="3317630" y="383061"/>
-            <a:ext cx="4727315" cy="4376916"/>
-          </a:xfrm>
-          <a:prstGeom prst="rect">
-            <a:avLst/>
-          </a:prstGeom>
-          <a:blipFill>
-            <a:blip r:embed="rId2" cstate="print"/>
-            <a:stretch>
-              <a:fillRect/>
-            </a:stretch>
-          </a:blipFill>
-        </p:spPr>
-        <p:txBody>
-          <a:bodyPr wrap="square" lIns="0" tIns="0" rIns="0" bIns="0" rtlCol="0"/>
-          <a:lstStyle/>
-          <a:p>
-            <a:endParaRPr/>
-          </a:p>
-        </p:txBody>
-      </p:sp>
-      <p:sp>
-        <p:nvSpPr>
-          <p:cNvPr id="3" name="object 3"/>
-          <p:cNvSpPr txBox="1"/>
-          <p:nvPr/>
-        </p:nvSpPr>
-        <p:spPr>
-          <a:xfrm>
-            <a:off x="5188534" y="2135339"/>
-            <a:ext cx="985519" cy="852169"/>
-          </a:xfrm>
-          <a:prstGeom prst="rect">
-            <a:avLst/>
-          </a:prstGeom>
-        </p:spPr>
-        <p:txBody>
-          <a:bodyPr vert="horz" wrap="square" lIns="0" tIns="10795" rIns="0" bIns="0" rtlCol="0">
-            <a:spAutoFit/>
-          </a:bodyPr>
-          <a:lstStyle/>
-          <a:p>
-            <a:pPr marL="12700" marR="5080" algn="ctr">
-              <a:lnSpc>
-                <a:spcPct val="100699"/>
-              </a:lnSpc>
-              <a:spcBef>
-                <a:spcPts val="85"/>
-              </a:spcBef>
-            </a:pPr>
-            <a:r>
-              <a:rPr sz="1800" spc="-5" dirty="0">
-                <a:solidFill>
-                  <a:srgbClr val="FFFFFF"/>
-                </a:solidFill>
-                <a:latin typeface="Courier New"/>
-                <a:cs typeface="Courier New"/>
-              </a:rPr>
-              <a:t>Client  or  Handler</a:t>
-            </a:r>
-            <a:endParaRPr sz="1800" dirty="0">
-              <a:latin typeface="Courier New"/>
-              <a:cs typeface="Courier New"/>
-            </a:endParaRPr>
-          </a:p>
-        </p:txBody>
-      </p:sp>
-      <p:sp>
-        <p:nvSpPr>
-          <p:cNvPr id="4" name="object 4"/>
-          <p:cNvSpPr txBox="1">
-            <a:spLocks noGrp="1"/>
-          </p:cNvSpPr>
-          <p:nvPr>
-            <p:ph type="title"/>
-          </p:nvPr>
-        </p:nvSpPr>
-        <p:spPr>
-          <a:xfrm>
-            <a:off x="364224" y="964895"/>
-            <a:ext cx="1732280" cy="269240"/>
-          </a:xfrm>
-          <a:prstGeom prst="rect">
-            <a:avLst/>
-          </a:prstGeom>
-        </p:spPr>
-        <p:txBody>
-          <a:bodyPr vert="horz" wrap="square" lIns="0" tIns="12700" rIns="0" bIns="0" rtlCol="0">
-            <a:spAutoFit/>
-          </a:bodyPr>
-          <a:lstStyle/>
-          <a:p>
-            <a:pPr marL="12700" algn="l">
-              <a:lnSpc>
-                <a:spcPct val="100000"/>
-              </a:lnSpc>
-              <a:spcBef>
-                <a:spcPts val="100"/>
-              </a:spcBef>
-            </a:pPr>
-            <a:r>
-              <a:rPr lang="zh-CN" altLang="en-US" sz="1600" spc="-5" dirty="0">
-                <a:solidFill>
-                  <a:srgbClr val="000000"/>
-                </a:solidFill>
-                <a:latin typeface="Courier New"/>
-                <a:cs typeface="Courier New"/>
-              </a:rPr>
-              <a:t>认证</a:t>
-            </a:r>
-            <a:endParaRPr sz="1600" dirty="0">
-              <a:latin typeface="Courier New"/>
-              <a:cs typeface="Courier New"/>
-            </a:endParaRPr>
-          </a:p>
-        </p:txBody>
-      </p:sp>
-      <p:sp>
-        <p:nvSpPr>
-          <p:cNvPr id="5" name="object 5"/>
-          <p:cNvSpPr txBox="1"/>
-          <p:nvPr/>
-        </p:nvSpPr>
-        <p:spPr>
-          <a:xfrm>
-            <a:off x="357921" y="1365548"/>
-            <a:ext cx="1976120" cy="259045"/>
-          </a:xfrm>
-          <a:prstGeom prst="rect">
-            <a:avLst/>
-          </a:prstGeom>
-        </p:spPr>
-        <p:txBody>
-          <a:bodyPr vert="horz" wrap="square" lIns="0" tIns="12700" rIns="0" bIns="0" rtlCol="0">
-            <a:spAutoFit/>
-          </a:bodyPr>
-          <a:lstStyle/>
-          <a:p>
-            <a:pPr marL="12700">
-              <a:lnSpc>
-                <a:spcPct val="100000"/>
-              </a:lnSpc>
-              <a:spcBef>
-                <a:spcPts val="100"/>
-              </a:spcBef>
-            </a:pPr>
-            <a:r>
-              <a:rPr lang="zh-CN" altLang="en-US" sz="1600" spc="-5" dirty="0">
-                <a:latin typeface="Courier New"/>
-                <a:cs typeface="Courier New"/>
-              </a:rPr>
-              <a:t>链路中断与限流</a:t>
-            </a:r>
-            <a:endParaRPr sz="1700" dirty="0">
-              <a:latin typeface="Times New Roman"/>
-              <a:cs typeface="Times New Roman"/>
-            </a:endParaRPr>
-          </a:p>
-        </p:txBody>
-      </p:sp>
-      <p:sp>
-        <p:nvSpPr>
-          <p:cNvPr id="6" name="object 6"/>
-          <p:cNvSpPr txBox="1"/>
-          <p:nvPr/>
-        </p:nvSpPr>
-        <p:spPr>
-          <a:xfrm>
-            <a:off x="357921" y="1758727"/>
-            <a:ext cx="878840" cy="269240"/>
-          </a:xfrm>
-          <a:prstGeom prst="rect">
-            <a:avLst/>
-          </a:prstGeom>
-        </p:spPr>
-        <p:txBody>
-          <a:bodyPr vert="horz" wrap="square" lIns="0" tIns="12700" rIns="0" bIns="0" rtlCol="0">
-            <a:spAutoFit/>
-          </a:bodyPr>
-          <a:lstStyle/>
-          <a:p>
-            <a:pPr marL="12700">
-              <a:lnSpc>
-                <a:spcPct val="100000"/>
-              </a:lnSpc>
-              <a:spcBef>
-                <a:spcPts val="100"/>
-              </a:spcBef>
-            </a:pPr>
-            <a:r>
-              <a:rPr lang="zh-CN" altLang="en-US" sz="1600" spc="-5" dirty="0">
-                <a:latin typeface="Courier New"/>
-                <a:cs typeface="Courier New"/>
-              </a:rPr>
-              <a:t>日志</a:t>
-            </a:r>
-            <a:endParaRPr sz="1600" dirty="0">
-              <a:latin typeface="Courier New"/>
-              <a:cs typeface="Courier New"/>
-            </a:endParaRPr>
-          </a:p>
-        </p:txBody>
-      </p:sp>
-      <p:sp>
-        <p:nvSpPr>
-          <p:cNvPr id="7" name="object 7"/>
-          <p:cNvSpPr txBox="1"/>
-          <p:nvPr/>
-        </p:nvSpPr>
-        <p:spPr>
-          <a:xfrm>
-            <a:off x="349900" y="2948459"/>
-            <a:ext cx="2341880" cy="259045"/>
-          </a:xfrm>
-          <a:prstGeom prst="rect">
-            <a:avLst/>
-          </a:prstGeom>
-        </p:spPr>
-        <p:txBody>
-          <a:bodyPr vert="horz" wrap="square" lIns="0" tIns="12700" rIns="0" bIns="0" rtlCol="0">
-            <a:spAutoFit/>
-          </a:bodyPr>
-          <a:lstStyle/>
-          <a:p>
-            <a:pPr marL="12700">
-              <a:lnSpc>
-                <a:spcPct val="100000"/>
-              </a:lnSpc>
-              <a:spcBef>
-                <a:spcPts val="100"/>
-              </a:spcBef>
-            </a:pPr>
-            <a:r>
-              <a:rPr lang="zh-CN" altLang="en-US" sz="1600" spc="-5" dirty="0">
-                <a:latin typeface="Courier New"/>
-                <a:cs typeface="Courier New"/>
-              </a:rPr>
-              <a:t>上下文注入</a:t>
-            </a:r>
-            <a:endParaRPr sz="1600" dirty="0">
-              <a:latin typeface="Courier New"/>
-              <a:cs typeface="Courier New"/>
-            </a:endParaRPr>
-          </a:p>
-        </p:txBody>
-      </p:sp>
-      <p:sp>
-        <p:nvSpPr>
-          <p:cNvPr id="8" name="object 7">
-            <a:extLst>
-              <a:ext uri="{FF2B5EF4-FFF2-40B4-BE49-F238E27FC236}">
-                <a16:creationId xmlns:a16="http://schemas.microsoft.com/office/drawing/2014/main" id="{77D1654F-B8BD-424D-BFC1-18E3E8F223F4}"/>
-              </a:ext>
-            </a:extLst>
-          </p:cNvPr>
-          <p:cNvSpPr txBox="1"/>
-          <p:nvPr/>
-        </p:nvSpPr>
-        <p:spPr>
-          <a:xfrm>
-            <a:off x="357921" y="2162101"/>
-            <a:ext cx="2341880" cy="259045"/>
-          </a:xfrm>
-          <a:prstGeom prst="rect">
-            <a:avLst/>
-          </a:prstGeom>
-        </p:spPr>
-        <p:txBody>
-          <a:bodyPr vert="horz" wrap="square" lIns="0" tIns="12700" rIns="0" bIns="0" rtlCol="0">
-            <a:spAutoFit/>
-          </a:bodyPr>
-          <a:lstStyle/>
-          <a:p>
-            <a:pPr marL="12700">
-              <a:lnSpc>
-                <a:spcPct val="100000"/>
-              </a:lnSpc>
-              <a:spcBef>
-                <a:spcPts val="100"/>
-              </a:spcBef>
-            </a:pPr>
-            <a:r>
-              <a:rPr lang="zh-CN" altLang="en-US" sz="1600" spc="-5" dirty="0">
-                <a:latin typeface="Courier New"/>
-                <a:cs typeface="Courier New"/>
-              </a:rPr>
-              <a:t>事件通知</a:t>
-            </a:r>
-            <a:endParaRPr sz="1600" dirty="0">
-              <a:latin typeface="Courier New"/>
-              <a:cs typeface="Courier New"/>
-            </a:endParaRPr>
-          </a:p>
-        </p:txBody>
-      </p:sp>
-      <p:sp>
-        <p:nvSpPr>
-          <p:cNvPr id="9" name="object 7">
-            <a:extLst>
-              <a:ext uri="{FF2B5EF4-FFF2-40B4-BE49-F238E27FC236}">
-                <a16:creationId xmlns:a16="http://schemas.microsoft.com/office/drawing/2014/main" id="{2A81495F-8A16-D347-B187-70A2221C1916}"/>
-              </a:ext>
-            </a:extLst>
-          </p:cNvPr>
-          <p:cNvSpPr txBox="1"/>
-          <p:nvPr/>
-        </p:nvSpPr>
-        <p:spPr>
-          <a:xfrm>
-            <a:off x="357921" y="2555280"/>
-            <a:ext cx="2341880" cy="259045"/>
-          </a:xfrm>
-          <a:prstGeom prst="rect">
-            <a:avLst/>
-          </a:prstGeom>
-        </p:spPr>
-        <p:txBody>
-          <a:bodyPr vert="horz" wrap="square" lIns="0" tIns="12700" rIns="0" bIns="0" rtlCol="0">
-            <a:spAutoFit/>
-          </a:bodyPr>
-          <a:lstStyle/>
-          <a:p>
-            <a:pPr marL="12700">
-              <a:lnSpc>
-                <a:spcPct val="100000"/>
-              </a:lnSpc>
-              <a:spcBef>
-                <a:spcPts val="100"/>
-              </a:spcBef>
-            </a:pPr>
-            <a:r>
-              <a:rPr lang="zh-CN" altLang="en-US" sz="1600" spc="-5" dirty="0">
-                <a:latin typeface="Courier New"/>
-                <a:cs typeface="Courier New"/>
-              </a:rPr>
-              <a:t>仪表与监控</a:t>
-            </a:r>
-            <a:endParaRPr sz="1600" dirty="0">
-              <a:latin typeface="Courier New"/>
-              <a:cs typeface="Courier New"/>
-            </a:endParaRPr>
-          </a:p>
-        </p:txBody>
-      </p:sp>
-      <p:sp>
-        <p:nvSpPr>
-          <p:cNvPr id="10" name="object 7">
-            <a:extLst>
-              <a:ext uri="{FF2B5EF4-FFF2-40B4-BE49-F238E27FC236}">
-                <a16:creationId xmlns:a16="http://schemas.microsoft.com/office/drawing/2014/main" id="{80835C47-3D2B-F84B-A962-B67CA9CDC707}"/>
-              </a:ext>
-            </a:extLst>
-          </p:cNvPr>
-          <p:cNvSpPr txBox="1"/>
-          <p:nvPr/>
-        </p:nvSpPr>
-        <p:spPr>
-          <a:xfrm>
-            <a:off x="357921" y="3338917"/>
-            <a:ext cx="886861" cy="259045"/>
-          </a:xfrm>
-          <a:prstGeom prst="rect">
-            <a:avLst/>
-          </a:prstGeom>
-        </p:spPr>
-        <p:txBody>
-          <a:bodyPr vert="horz" wrap="square" lIns="0" tIns="12700" rIns="0" bIns="0" rtlCol="0">
-            <a:spAutoFit/>
-          </a:bodyPr>
-          <a:lstStyle/>
-          <a:p>
-            <a:pPr marL="12700" algn="ctr">
-              <a:lnSpc>
-                <a:spcPct val="100000"/>
-              </a:lnSpc>
-              <a:spcBef>
-                <a:spcPts val="100"/>
-              </a:spcBef>
-            </a:pPr>
-            <a:r>
-              <a:rPr lang="en-US" altLang="zh-CN" sz="1600" spc="-5" dirty="0">
-                <a:latin typeface="Courier New"/>
-                <a:cs typeface="Courier New"/>
-              </a:rPr>
-              <a:t>…</a:t>
-            </a:r>
-            <a:endParaRPr sz="1600" dirty="0">
-              <a:latin typeface="Courier New"/>
-              <a:cs typeface="Courier New"/>
-            </a:endParaRPr>
-          </a:p>
-        </p:txBody>
-      </p:sp>
-    </p:spTree>
-  </p:cSld>
-  <p:clrMapOvr>
-    <a:masterClrMapping/>
-  </p:clrMapOvr>
-</p:sld>
-</file>
-
-<file path=ppt/slides/slide3.xml><?xml version="1.0" encoding="utf-8"?>
-<p:sld xmlns:a="http://schemas.openxmlformats.org/drawingml/2006/main" xmlns:r="http://schemas.openxmlformats.org/officeDocument/2006/relationships" xmlns:p="http://schemas.openxmlformats.org/presentationml/2006/main">
-  <p:cSld>
-    <p:spTree>
-      <p:nvGrpSpPr>
-        <p:cNvPr id="1" name=""/>
-        <p:cNvGrpSpPr/>
-        <p:nvPr/>
-      </p:nvGrpSpPr>
-      <p:grpSpPr>
-        <a:xfrm>
-          <a:off x="0" y="0"/>
-          <a:ext cx="0" cy="0"/>
-          <a:chOff x="0" y="0"/>
-          <a:chExt cx="0" cy="0"/>
-        </a:xfrm>
-      </p:grpSpPr>
-      <p:sp>
-        <p:nvSpPr>
-          <p:cNvPr id="2" name="object 2"/>
-          <p:cNvSpPr txBox="1">
-            <a:spLocks noGrp="1"/>
-          </p:cNvSpPr>
-          <p:nvPr>
-            <p:ph type="title"/>
-          </p:nvPr>
-        </p:nvSpPr>
-        <p:spPr>
-          <a:xfrm>
-            <a:off x="384724" y="535134"/>
-            <a:ext cx="4034876" cy="474489"/>
-          </a:xfrm>
-          <a:prstGeom prst="rect">
-            <a:avLst/>
-          </a:prstGeom>
-        </p:spPr>
-        <p:txBody>
-          <a:bodyPr vert="horz" wrap="square" lIns="0" tIns="12700" rIns="0" bIns="0" rtlCol="0">
-            <a:spAutoFit/>
-          </a:bodyPr>
-          <a:lstStyle/>
-          <a:p>
-            <a:pPr marL="12700">
-              <a:lnSpc>
-                <a:spcPct val="100000"/>
-              </a:lnSpc>
-              <a:spcBef>
-                <a:spcPts val="100"/>
-              </a:spcBef>
-            </a:pPr>
-            <a:r>
-              <a:rPr lang="zh-CN" altLang="en-US" sz="3000" dirty="0">
-                <a:solidFill>
-                  <a:schemeClr val="tx1"/>
-                </a:solidFill>
-                <a:latin typeface="Arial"/>
-                <a:cs typeface="Arial"/>
-              </a:rPr>
-              <a:t>本次分享主题</a:t>
-            </a:r>
-            <a:endParaRPr sz="3000" dirty="0">
-              <a:solidFill>
-                <a:schemeClr val="tx1"/>
-              </a:solidFill>
-              <a:latin typeface="Arial"/>
-              <a:cs typeface="Arial"/>
-            </a:endParaRPr>
-          </a:p>
-        </p:txBody>
-      </p:sp>
-      <p:sp>
-        <p:nvSpPr>
-          <p:cNvPr id="6" name="object 3">
-            <a:extLst>
-              <a:ext uri="{FF2B5EF4-FFF2-40B4-BE49-F238E27FC236}">
-                <a16:creationId xmlns:a16="http://schemas.microsoft.com/office/drawing/2014/main" id="{0ADAEFCC-1562-B447-B883-336945762139}"/>
-              </a:ext>
-            </a:extLst>
-          </p:cNvPr>
-          <p:cNvSpPr txBox="1"/>
-          <p:nvPr/>
-        </p:nvSpPr>
-        <p:spPr>
-          <a:xfrm>
-            <a:off x="384724" y="1796520"/>
-            <a:ext cx="6609080" cy="289823"/>
-          </a:xfrm>
-          <a:prstGeom prst="rect">
-            <a:avLst/>
-          </a:prstGeom>
-        </p:spPr>
-        <p:txBody>
-          <a:bodyPr vert="horz" wrap="square" lIns="0" tIns="12700" rIns="0" bIns="0" rtlCol="0">
-            <a:spAutoFit/>
-          </a:bodyPr>
-          <a:lstStyle/>
-          <a:p>
-            <a:pPr marL="12700">
-              <a:lnSpc>
-                <a:spcPct val="100000"/>
-              </a:lnSpc>
-              <a:spcBef>
-                <a:spcPts val="100"/>
-              </a:spcBef>
-            </a:pPr>
-            <a:r>
-              <a:rPr lang="en-US" altLang="zh-CN" spc="-5" dirty="0">
-                <a:solidFill>
-                  <a:srgbClr val="424242"/>
-                </a:solidFill>
-                <a:latin typeface="Courier New"/>
-                <a:cs typeface="Courier New"/>
-              </a:rPr>
-              <a:t>Go-Micro</a:t>
-            </a:r>
-            <a:r>
-              <a:rPr lang="zh-CN" altLang="en-US" spc="-5" dirty="0">
-                <a:solidFill>
-                  <a:srgbClr val="424242"/>
-                </a:solidFill>
-                <a:latin typeface="Courier New"/>
-                <a:cs typeface="Courier New"/>
-              </a:rPr>
-              <a:t>框架的设计</a:t>
-            </a:r>
-            <a:endParaRPr lang="en-US" altLang="zh-CN" spc="-5" dirty="0">
-              <a:solidFill>
-                <a:srgbClr val="424242"/>
-              </a:solidFill>
-              <a:latin typeface="Courier New"/>
-              <a:cs typeface="Courier New"/>
-            </a:endParaRPr>
-          </a:p>
-        </p:txBody>
-      </p:sp>
-      <p:sp>
-        <p:nvSpPr>
-          <p:cNvPr id="4" name="Rectangle 3">
-            <a:extLst>
-              <a:ext uri="{FF2B5EF4-FFF2-40B4-BE49-F238E27FC236}">
-                <a16:creationId xmlns:a16="http://schemas.microsoft.com/office/drawing/2014/main" id="{261CE6DC-055A-C342-B0D5-C9AF1B832B40}"/>
-              </a:ext>
-            </a:extLst>
-          </p:cNvPr>
-          <p:cNvSpPr/>
-          <p:nvPr/>
-        </p:nvSpPr>
-        <p:spPr>
-          <a:xfrm>
-            <a:off x="304800" y="2150214"/>
-            <a:ext cx="1335622" cy="369332"/>
-          </a:xfrm>
-          <a:prstGeom prst="rect">
-            <a:avLst/>
-          </a:prstGeom>
-        </p:spPr>
-        <p:txBody>
-          <a:bodyPr wrap="none">
-            <a:spAutoFit/>
-          </a:bodyPr>
-          <a:lstStyle/>
-          <a:p>
-            <a:r>
-              <a:rPr lang="zh-CN" altLang="en-US" spc="-5" dirty="0">
-                <a:solidFill>
-                  <a:srgbClr val="424242"/>
-                </a:solidFill>
-                <a:latin typeface="Courier New"/>
-                <a:cs typeface="Courier New"/>
-              </a:rPr>
-              <a:t>主要的组件</a:t>
-            </a:r>
-            <a:endParaRPr lang="en-US" b="1" spc="-5" dirty="0">
-              <a:solidFill>
-                <a:srgbClr val="424242"/>
-              </a:solidFill>
-              <a:latin typeface="Courier New"/>
-              <a:cs typeface="Courier New"/>
-            </a:endParaRPr>
-          </a:p>
-        </p:txBody>
-      </p:sp>
-      <p:sp>
-        <p:nvSpPr>
-          <p:cNvPr id="3" name="TextBox 2">
-            <a:extLst>
-              <a:ext uri="{FF2B5EF4-FFF2-40B4-BE49-F238E27FC236}">
-                <a16:creationId xmlns:a16="http://schemas.microsoft.com/office/drawing/2014/main" id="{1582F996-6131-0240-8315-F3F68AE48033}"/>
-              </a:ext>
-            </a:extLst>
-          </p:cNvPr>
-          <p:cNvSpPr txBox="1"/>
-          <p:nvPr/>
-        </p:nvSpPr>
-        <p:spPr>
-          <a:xfrm>
-            <a:off x="304800" y="2583418"/>
-            <a:ext cx="2262158" cy="369332"/>
-          </a:xfrm>
-          <a:prstGeom prst="rect">
-            <a:avLst/>
-          </a:prstGeom>
-          <a:noFill/>
-        </p:spPr>
-        <p:txBody>
-          <a:bodyPr wrap="none" rtlCol="0">
-            <a:spAutoFit/>
-          </a:bodyPr>
-          <a:lstStyle/>
-          <a:p>
-            <a:r>
-              <a:rPr lang="zh-CN" altLang="en-US" spc="-5" dirty="0">
-                <a:solidFill>
-                  <a:srgbClr val="424242"/>
-                </a:solidFill>
-                <a:latin typeface="Courier New"/>
-                <a:cs typeface="Courier New"/>
-              </a:rPr>
-              <a:t>插件化是如何实现的</a:t>
-            </a:r>
-          </a:p>
-        </p:txBody>
-      </p:sp>
-      <p:sp>
-        <p:nvSpPr>
-          <p:cNvPr id="8" name="object 3">
-            <a:extLst>
-              <a:ext uri="{FF2B5EF4-FFF2-40B4-BE49-F238E27FC236}">
-                <a16:creationId xmlns:a16="http://schemas.microsoft.com/office/drawing/2014/main" id="{A7AD6CB1-8D17-514E-A62A-60BBEB2F9A16}"/>
-              </a:ext>
-            </a:extLst>
-          </p:cNvPr>
-          <p:cNvSpPr txBox="1"/>
-          <p:nvPr/>
-        </p:nvSpPr>
-        <p:spPr>
-          <a:xfrm>
-            <a:off x="384724" y="1466943"/>
-            <a:ext cx="6609080" cy="289823"/>
-          </a:xfrm>
-          <a:prstGeom prst="rect">
-            <a:avLst/>
-          </a:prstGeom>
-        </p:spPr>
-        <p:txBody>
-          <a:bodyPr vert="horz" wrap="square" lIns="0" tIns="12700" rIns="0" bIns="0" rtlCol="0">
-            <a:spAutoFit/>
-          </a:bodyPr>
-          <a:lstStyle/>
-          <a:p>
-            <a:pPr marL="12700">
-              <a:lnSpc>
-                <a:spcPct val="100000"/>
-              </a:lnSpc>
-              <a:spcBef>
-                <a:spcPts val="100"/>
-              </a:spcBef>
-            </a:pPr>
-            <a:r>
-              <a:rPr lang="zh-CN" altLang="en-US" spc="-5" dirty="0">
-                <a:solidFill>
-                  <a:srgbClr val="424242"/>
-                </a:solidFill>
-                <a:latin typeface="Courier New"/>
-                <a:cs typeface="Courier New"/>
-              </a:rPr>
-              <a:t>什么是</a:t>
-            </a:r>
-            <a:r>
-              <a:rPr lang="en-US" altLang="zh-CN" spc="-5" dirty="0">
-                <a:solidFill>
-                  <a:srgbClr val="424242"/>
-                </a:solidFill>
-                <a:latin typeface="Courier New"/>
-                <a:cs typeface="Courier New"/>
-              </a:rPr>
-              <a:t>Micro</a:t>
-            </a:r>
-          </a:p>
-        </p:txBody>
-      </p:sp>
-    </p:spTree>
-    <p:extLst>
-      <p:ext uri="{BB962C8B-B14F-4D97-AF65-F5344CB8AC3E}">
-        <p14:creationId xmlns:p14="http://schemas.microsoft.com/office/powerpoint/2010/main" val="2795750387"/>
-      </p:ext>
-    </p:extLst>
-  </p:cSld>
-  <p:clrMapOvr>
-    <a:masterClrMapping/>
-  </p:clrMapOvr>
-</p:sld>
-</file>
-
-<file path=ppt/slides/slide30.xml><?xml version="1.0" encoding="utf-8"?>
-<p:sld xmlns:a="http://schemas.openxmlformats.org/drawingml/2006/main" xmlns:r="http://schemas.openxmlformats.org/officeDocument/2006/relationships" xmlns:p="http://schemas.openxmlformats.org/presentationml/2006/main">
-  <p:cSld>
-    <p:spTree>
-      <p:nvGrpSpPr>
-        <p:cNvPr id="1" name=""/>
-        <p:cNvGrpSpPr/>
-        <p:nvPr/>
-      </p:nvGrpSpPr>
-      <p:grpSpPr>
-        <a:xfrm>
-          <a:off x="0" y="0"/>
-          <a:ext cx="0" cy="0"/>
-          <a:chOff x="0" y="0"/>
-          <a:chExt cx="0" cy="0"/>
-        </a:xfrm>
-      </p:grpSpPr>
-      <p:sp>
-        <p:nvSpPr>
-          <p:cNvPr id="2" name="object 2"/>
-          <p:cNvSpPr txBox="1">
-            <a:spLocks noGrp="1"/>
-          </p:cNvSpPr>
-          <p:nvPr>
-            <p:ph type="title"/>
-          </p:nvPr>
-        </p:nvSpPr>
-        <p:spPr>
-          <a:xfrm>
-            <a:off x="384724" y="535134"/>
-            <a:ext cx="1672676" cy="474489"/>
-          </a:xfrm>
-          <a:prstGeom prst="rect">
-            <a:avLst/>
-          </a:prstGeom>
-        </p:spPr>
-        <p:txBody>
-          <a:bodyPr vert="horz" wrap="square" lIns="0" tIns="12700" rIns="0" bIns="0" rtlCol="0">
-            <a:spAutoFit/>
-          </a:bodyPr>
-          <a:lstStyle/>
-          <a:p>
-            <a:pPr marL="12700">
-              <a:lnSpc>
-                <a:spcPct val="100000"/>
-              </a:lnSpc>
-              <a:spcBef>
-                <a:spcPts val="100"/>
-              </a:spcBef>
-            </a:pPr>
-            <a:r>
-              <a:rPr sz="3000" b="1" dirty="0">
-                <a:solidFill>
-                  <a:srgbClr val="424242"/>
-                </a:solidFill>
-                <a:latin typeface="Arial"/>
-                <a:cs typeface="Arial"/>
-              </a:rPr>
-              <a:t>go-micro</a:t>
-            </a:r>
-            <a:endParaRPr sz="3000" dirty="0">
-              <a:latin typeface="Arial"/>
-              <a:cs typeface="Arial"/>
-            </a:endParaRPr>
-          </a:p>
-        </p:txBody>
-      </p:sp>
-      <p:sp>
-        <p:nvSpPr>
-          <p:cNvPr id="3" name="object 3"/>
-          <p:cNvSpPr txBox="1"/>
-          <p:nvPr/>
-        </p:nvSpPr>
-        <p:spPr>
-          <a:xfrm>
-            <a:off x="6912373" y="535134"/>
-            <a:ext cx="1746387" cy="474489"/>
-          </a:xfrm>
-          <a:prstGeom prst="rect">
-            <a:avLst/>
-          </a:prstGeom>
-        </p:spPr>
-        <p:txBody>
-          <a:bodyPr vert="horz" wrap="square" lIns="0" tIns="12700" rIns="0" bIns="0" rtlCol="0">
-            <a:spAutoFit/>
-          </a:bodyPr>
-          <a:lstStyle/>
-          <a:p>
-            <a:pPr marL="12700">
-              <a:lnSpc>
-                <a:spcPct val="100000"/>
-              </a:lnSpc>
-              <a:spcBef>
-                <a:spcPts val="100"/>
-              </a:spcBef>
-            </a:pPr>
-            <a:r>
-              <a:rPr sz="3000" b="1" dirty="0">
-                <a:solidFill>
-                  <a:srgbClr val="424242"/>
-                </a:solidFill>
-                <a:latin typeface="Arial"/>
-                <a:cs typeface="Arial"/>
-              </a:rPr>
-              <a:t>wrappers</a:t>
-            </a:r>
-            <a:endParaRPr sz="3000" dirty="0">
-              <a:latin typeface="Arial"/>
-              <a:cs typeface="Arial"/>
-            </a:endParaRPr>
-          </a:p>
-        </p:txBody>
-      </p:sp>
-      <p:sp>
-        <p:nvSpPr>
-          <p:cNvPr id="4" name="object 4"/>
-          <p:cNvSpPr/>
-          <p:nvPr/>
-        </p:nvSpPr>
-        <p:spPr>
-          <a:xfrm>
-            <a:off x="311699" y="1468822"/>
-            <a:ext cx="8521065" cy="3100070"/>
-          </a:xfrm>
-          <a:custGeom>
-            <a:avLst/>
-            <a:gdLst/>
-            <a:ahLst/>
-            <a:cxnLst/>
-            <a:rect l="l" t="t" r="r" b="b"/>
-            <a:pathLst>
-              <a:path w="8521065" h="3100070">
-                <a:moveTo>
-                  <a:pt x="0" y="0"/>
-                </a:moveTo>
-                <a:lnTo>
-                  <a:pt x="8520583" y="0"/>
-                </a:lnTo>
-                <a:lnTo>
-                  <a:pt x="8520583" y="3099893"/>
-                </a:lnTo>
-                <a:lnTo>
-                  <a:pt x="0" y="3099893"/>
-                </a:lnTo>
-                <a:lnTo>
-                  <a:pt x="0" y="0"/>
-                </a:lnTo>
-                <a:close/>
-              </a:path>
-            </a:pathLst>
-          </a:custGeom>
-          <a:solidFill>
-            <a:srgbClr val="F2F2F2"/>
-          </a:solidFill>
-        </p:spPr>
-        <p:txBody>
-          <a:bodyPr wrap="square" lIns="0" tIns="0" rIns="0" bIns="0" rtlCol="0"/>
-          <a:lstStyle/>
-          <a:p>
-            <a:endParaRPr/>
-          </a:p>
-        </p:txBody>
-      </p:sp>
-      <p:sp>
-        <p:nvSpPr>
-          <p:cNvPr id="5" name="object 5"/>
-          <p:cNvSpPr txBox="1"/>
-          <p:nvPr/>
-        </p:nvSpPr>
-        <p:spPr>
-          <a:xfrm>
-            <a:off x="384724" y="1546923"/>
-            <a:ext cx="665480" cy="238760"/>
-          </a:xfrm>
-          <a:prstGeom prst="rect">
-            <a:avLst/>
-          </a:prstGeom>
-        </p:spPr>
-        <p:txBody>
-          <a:bodyPr vert="horz" wrap="square" lIns="0" tIns="12700" rIns="0" bIns="0" rtlCol="0">
-            <a:spAutoFit/>
-          </a:bodyPr>
-          <a:lstStyle/>
-          <a:p>
-            <a:pPr marL="12700">
-              <a:lnSpc>
-                <a:spcPct val="100000"/>
-              </a:lnSpc>
-              <a:spcBef>
-                <a:spcPts val="100"/>
-              </a:spcBef>
-            </a:pPr>
-            <a:r>
-              <a:rPr sz="1400" b="1" spc="-5" dirty="0">
-                <a:solidFill>
-                  <a:srgbClr val="424242"/>
-                </a:solidFill>
-                <a:latin typeface="Courier New"/>
-                <a:cs typeface="Courier New"/>
-              </a:rPr>
-              <a:t>client</a:t>
-            </a:r>
-            <a:endParaRPr sz="1400">
-              <a:latin typeface="Courier New"/>
-              <a:cs typeface="Courier New"/>
-            </a:endParaRPr>
-          </a:p>
-        </p:txBody>
-      </p:sp>
-      <p:sp>
-        <p:nvSpPr>
-          <p:cNvPr id="6" name="object 6"/>
-          <p:cNvSpPr txBox="1"/>
-          <p:nvPr/>
-        </p:nvSpPr>
-        <p:spPr>
-          <a:xfrm>
-            <a:off x="1756321" y="1534223"/>
-            <a:ext cx="3376295" cy="254000"/>
-          </a:xfrm>
-          <a:prstGeom prst="rect">
-            <a:avLst/>
-          </a:prstGeom>
-        </p:spPr>
-        <p:txBody>
-          <a:bodyPr vert="horz" wrap="square" lIns="0" tIns="12700" rIns="0" bIns="0" rtlCol="0">
-            <a:spAutoFit/>
-          </a:bodyPr>
-          <a:lstStyle/>
-          <a:p>
-            <a:pPr marL="12700">
-              <a:lnSpc>
-                <a:spcPct val="100000"/>
-              </a:lnSpc>
-              <a:spcBef>
-                <a:spcPts val="100"/>
-              </a:spcBef>
-            </a:pPr>
-            <a:r>
-              <a:rPr sz="1500" spc="110" dirty="0">
-                <a:solidFill>
-                  <a:srgbClr val="A71C5D"/>
-                </a:solidFill>
-                <a:latin typeface="Arial"/>
-                <a:cs typeface="Arial"/>
-              </a:rPr>
-              <a:t>type </a:t>
-            </a:r>
-            <a:r>
-              <a:rPr sz="1500" spc="-5" dirty="0">
-                <a:solidFill>
-                  <a:srgbClr val="ED6942"/>
-                </a:solidFill>
-                <a:latin typeface="Arial"/>
-                <a:cs typeface="Arial"/>
-              </a:rPr>
-              <a:t>Wrapper </a:t>
-            </a:r>
-            <a:r>
-              <a:rPr sz="1500" spc="180" dirty="0">
-                <a:solidFill>
-                  <a:srgbClr val="A71C5D"/>
-                </a:solidFill>
-                <a:latin typeface="Arial"/>
-                <a:cs typeface="Arial"/>
-              </a:rPr>
-              <a:t>func</a:t>
-            </a:r>
-            <a:r>
-              <a:rPr sz="1500" spc="180" dirty="0">
-                <a:solidFill>
-                  <a:srgbClr val="333333"/>
-                </a:solidFill>
-                <a:latin typeface="Arial"/>
-                <a:cs typeface="Arial"/>
-              </a:rPr>
-              <a:t>(Client)</a:t>
-            </a:r>
-            <a:r>
-              <a:rPr sz="1500" spc="155" dirty="0">
-                <a:solidFill>
-                  <a:srgbClr val="333333"/>
-                </a:solidFill>
-                <a:latin typeface="Arial"/>
-                <a:cs typeface="Arial"/>
-              </a:rPr>
-              <a:t> </a:t>
-            </a:r>
-            <a:r>
-              <a:rPr sz="1500" spc="180" dirty="0">
-                <a:solidFill>
-                  <a:srgbClr val="ED6942"/>
-                </a:solidFill>
-                <a:latin typeface="Arial"/>
-                <a:cs typeface="Arial"/>
-              </a:rPr>
-              <a:t>Client</a:t>
-            </a:r>
-            <a:endParaRPr sz="1500">
-              <a:latin typeface="Arial"/>
-              <a:cs typeface="Arial"/>
-            </a:endParaRPr>
-          </a:p>
-        </p:txBody>
-      </p:sp>
-      <p:sp>
-        <p:nvSpPr>
-          <p:cNvPr id="7" name="object 7"/>
-          <p:cNvSpPr txBox="1"/>
-          <p:nvPr/>
-        </p:nvSpPr>
-        <p:spPr>
-          <a:xfrm>
-            <a:off x="384724" y="2013647"/>
-            <a:ext cx="665480" cy="238760"/>
-          </a:xfrm>
-          <a:prstGeom prst="rect">
-            <a:avLst/>
-          </a:prstGeom>
-        </p:spPr>
-        <p:txBody>
-          <a:bodyPr vert="horz" wrap="square" lIns="0" tIns="12700" rIns="0" bIns="0" rtlCol="0">
-            <a:spAutoFit/>
-          </a:bodyPr>
-          <a:lstStyle/>
-          <a:p>
-            <a:pPr marL="12700">
-              <a:lnSpc>
-                <a:spcPct val="100000"/>
-              </a:lnSpc>
-              <a:spcBef>
-                <a:spcPts val="100"/>
-              </a:spcBef>
-            </a:pPr>
-            <a:r>
-              <a:rPr sz="1400" b="1" spc="-5" dirty="0">
-                <a:solidFill>
-                  <a:srgbClr val="424242"/>
-                </a:solidFill>
-                <a:latin typeface="Courier New"/>
-                <a:cs typeface="Courier New"/>
-              </a:rPr>
-              <a:t>server</a:t>
-            </a:r>
-            <a:endParaRPr sz="1400">
-              <a:latin typeface="Courier New"/>
-              <a:cs typeface="Courier New"/>
-            </a:endParaRPr>
-          </a:p>
-        </p:txBody>
-      </p:sp>
-      <p:sp>
-        <p:nvSpPr>
-          <p:cNvPr id="8" name="object 8"/>
-          <p:cNvSpPr txBox="1"/>
-          <p:nvPr/>
-        </p:nvSpPr>
-        <p:spPr>
-          <a:xfrm>
-            <a:off x="1756321" y="2000947"/>
-            <a:ext cx="3896995" cy="254000"/>
-          </a:xfrm>
-          <a:prstGeom prst="rect">
-            <a:avLst/>
-          </a:prstGeom>
-        </p:spPr>
-        <p:txBody>
-          <a:bodyPr vert="horz" wrap="square" lIns="0" tIns="12700" rIns="0" bIns="0" rtlCol="0">
-            <a:spAutoFit/>
-          </a:bodyPr>
-          <a:lstStyle/>
-          <a:p>
-            <a:pPr marL="12700">
-              <a:lnSpc>
-                <a:spcPct val="100000"/>
-              </a:lnSpc>
-              <a:spcBef>
-                <a:spcPts val="100"/>
-              </a:spcBef>
-            </a:pPr>
-            <a:r>
-              <a:rPr sz="1500" spc="110" dirty="0">
-                <a:solidFill>
-                  <a:srgbClr val="A71C5D"/>
-                </a:solidFill>
-                <a:latin typeface="Arial"/>
-                <a:cs typeface="Arial"/>
-              </a:rPr>
-              <a:t>type </a:t>
-            </a:r>
-            <a:r>
-              <a:rPr sz="1500" spc="30" dirty="0">
-                <a:solidFill>
-                  <a:srgbClr val="ED6942"/>
-                </a:solidFill>
-                <a:latin typeface="Arial"/>
-                <a:cs typeface="Arial"/>
-              </a:rPr>
-              <a:t>HandlerWrapper</a:t>
-            </a:r>
-            <a:r>
-              <a:rPr sz="1500" spc="225" dirty="0">
-                <a:solidFill>
-                  <a:srgbClr val="ED6942"/>
-                </a:solidFill>
-                <a:latin typeface="Arial"/>
-                <a:cs typeface="Arial"/>
-              </a:rPr>
-              <a:t> </a:t>
-            </a:r>
-            <a:r>
-              <a:rPr sz="1500" spc="85" dirty="0">
-                <a:solidFill>
-                  <a:srgbClr val="A71C5D"/>
-                </a:solidFill>
-                <a:latin typeface="Arial"/>
-                <a:cs typeface="Arial"/>
-              </a:rPr>
-              <a:t>func</a:t>
-            </a:r>
-            <a:r>
-              <a:rPr sz="1500" spc="85" dirty="0">
-                <a:solidFill>
-                  <a:srgbClr val="333333"/>
-                </a:solidFill>
-                <a:latin typeface="Arial"/>
-                <a:cs typeface="Arial"/>
-              </a:rPr>
-              <a:t>(HandlerFunc)</a:t>
-            </a:r>
-            <a:endParaRPr sz="1500">
-              <a:latin typeface="Arial"/>
-              <a:cs typeface="Arial"/>
-            </a:endParaRPr>
-          </a:p>
-        </p:txBody>
-      </p:sp>
-      <p:sp>
-        <p:nvSpPr>
-          <p:cNvPr id="9" name="object 9"/>
-          <p:cNvSpPr txBox="1"/>
-          <p:nvPr/>
-        </p:nvSpPr>
-        <p:spPr>
-          <a:xfrm>
-            <a:off x="5736353" y="2000947"/>
-            <a:ext cx="1176020" cy="254000"/>
-          </a:xfrm>
-          <a:prstGeom prst="rect">
-            <a:avLst/>
-          </a:prstGeom>
-        </p:spPr>
-        <p:txBody>
-          <a:bodyPr vert="horz" wrap="square" lIns="0" tIns="12700" rIns="0" bIns="0" rtlCol="0">
-            <a:spAutoFit/>
-          </a:bodyPr>
-          <a:lstStyle/>
-          <a:p>
-            <a:pPr marL="12700">
-              <a:lnSpc>
-                <a:spcPct val="100000"/>
-              </a:lnSpc>
-              <a:spcBef>
-                <a:spcPts val="100"/>
-              </a:spcBef>
-            </a:pPr>
-            <a:r>
-              <a:rPr sz="1500" spc="35" dirty="0">
-                <a:solidFill>
-                  <a:srgbClr val="ED6942"/>
-                </a:solidFill>
-                <a:latin typeface="Arial"/>
-                <a:cs typeface="Arial"/>
-              </a:rPr>
-              <a:t>HandlerFunc</a:t>
-            </a:r>
-            <a:endParaRPr sz="1500">
-              <a:latin typeface="Arial"/>
-              <a:cs typeface="Arial"/>
-            </a:endParaRPr>
-          </a:p>
-        </p:txBody>
-      </p:sp>
-      <p:sp>
-        <p:nvSpPr>
-          <p:cNvPr id="10" name="object 10"/>
-          <p:cNvSpPr txBox="1"/>
-          <p:nvPr/>
-        </p:nvSpPr>
-        <p:spPr>
-          <a:xfrm>
-            <a:off x="384724" y="2468179"/>
-            <a:ext cx="4319905" cy="1911350"/>
-          </a:xfrm>
-          <a:prstGeom prst="rect">
-            <a:avLst/>
-          </a:prstGeom>
-        </p:spPr>
-        <p:txBody>
-          <a:bodyPr vert="horz" wrap="square" lIns="0" tIns="12700" rIns="0" bIns="0" rtlCol="0">
-            <a:spAutoFit/>
-          </a:bodyPr>
-          <a:lstStyle/>
-          <a:p>
-            <a:pPr marL="12700">
-              <a:lnSpc>
-                <a:spcPct val="100000"/>
-              </a:lnSpc>
-              <a:spcBef>
-                <a:spcPts val="100"/>
-              </a:spcBef>
-            </a:pPr>
-            <a:r>
-              <a:rPr sz="1400" spc="-5" dirty="0">
-                <a:solidFill>
-                  <a:srgbClr val="424242"/>
-                </a:solidFill>
-                <a:latin typeface="Courier New"/>
-                <a:cs typeface="Courier New"/>
-              </a:rPr>
-              <a:t>…</a:t>
-            </a:r>
-            <a:endParaRPr sz="1400">
-              <a:latin typeface="Courier New"/>
-              <a:cs typeface="Courier New"/>
-            </a:endParaRPr>
-          </a:p>
-          <a:p>
-            <a:pPr>
-              <a:lnSpc>
-                <a:spcPct val="100000"/>
-              </a:lnSpc>
-              <a:spcBef>
-                <a:spcPts val="20"/>
-              </a:spcBef>
-            </a:pPr>
-            <a:endParaRPr sz="2300">
-              <a:latin typeface="Times New Roman"/>
-              <a:cs typeface="Times New Roman"/>
-            </a:endParaRPr>
-          </a:p>
-          <a:p>
-            <a:pPr marL="430530" marR="5080" indent="-418465">
-              <a:lnSpc>
-                <a:spcPct val="116700"/>
-              </a:lnSpc>
-            </a:pPr>
-            <a:r>
-              <a:rPr sz="1500" spc="140" dirty="0">
-                <a:solidFill>
-                  <a:srgbClr val="333333"/>
-                </a:solidFill>
-                <a:latin typeface="Arial"/>
-                <a:cs typeface="Arial"/>
-              </a:rPr>
-              <a:t>service </a:t>
-            </a:r>
-            <a:r>
-              <a:rPr sz="1500" spc="175" dirty="0">
-                <a:solidFill>
-                  <a:srgbClr val="A71C5D"/>
-                </a:solidFill>
-                <a:latin typeface="Arial"/>
-                <a:cs typeface="Arial"/>
-              </a:rPr>
-              <a:t>:= </a:t>
-            </a:r>
-            <a:r>
-              <a:rPr sz="1500" spc="80" dirty="0">
-                <a:solidFill>
-                  <a:srgbClr val="333333"/>
-                </a:solidFill>
-                <a:latin typeface="Arial"/>
-                <a:cs typeface="Arial"/>
-              </a:rPr>
-              <a:t>micro.</a:t>
-            </a:r>
-            <a:r>
-              <a:rPr sz="1500" spc="80" dirty="0">
-                <a:solidFill>
-                  <a:srgbClr val="0085B3"/>
-                </a:solidFill>
-                <a:latin typeface="Arial"/>
-                <a:cs typeface="Arial"/>
-              </a:rPr>
-              <a:t>NewService</a:t>
-            </a:r>
-            <a:r>
-              <a:rPr sz="1500" spc="80" dirty="0">
-                <a:solidFill>
-                  <a:srgbClr val="333333"/>
-                </a:solidFill>
-                <a:latin typeface="Arial"/>
-                <a:cs typeface="Arial"/>
-              </a:rPr>
-              <a:t>(  </a:t>
-            </a:r>
-            <a:r>
-              <a:rPr sz="1500" spc="100" dirty="0">
-                <a:solidFill>
-                  <a:srgbClr val="333333"/>
-                </a:solidFill>
-                <a:latin typeface="Arial"/>
-                <a:cs typeface="Arial"/>
-              </a:rPr>
-              <a:t>micro.</a:t>
-            </a:r>
-            <a:r>
-              <a:rPr sz="1500" spc="100" dirty="0">
-                <a:solidFill>
-                  <a:srgbClr val="0085B3"/>
-                </a:solidFill>
-                <a:latin typeface="Arial"/>
-                <a:cs typeface="Arial"/>
-              </a:rPr>
-              <a:t>Name</a:t>
-            </a:r>
-            <a:r>
-              <a:rPr sz="1500" spc="100" dirty="0">
-                <a:solidFill>
-                  <a:srgbClr val="333333"/>
-                </a:solidFill>
-                <a:latin typeface="Arial"/>
-                <a:cs typeface="Arial"/>
-              </a:rPr>
-              <a:t>(</a:t>
-            </a:r>
-            <a:r>
-              <a:rPr sz="1500" spc="100" dirty="0">
-                <a:solidFill>
-                  <a:srgbClr val="173691"/>
-                </a:solidFill>
-                <a:latin typeface="Arial"/>
-                <a:cs typeface="Arial"/>
-              </a:rPr>
-              <a:t>"com.example.srv.foobar"</a:t>
-            </a:r>
-            <a:r>
-              <a:rPr sz="1500" spc="100" dirty="0">
-                <a:solidFill>
-                  <a:srgbClr val="333333"/>
-                </a:solidFill>
-                <a:latin typeface="Arial"/>
-                <a:cs typeface="Arial"/>
-              </a:rPr>
-              <a:t>),  </a:t>
-            </a:r>
-            <a:r>
-              <a:rPr sz="1500" spc="155" dirty="0">
-                <a:solidFill>
-                  <a:srgbClr val="333333"/>
-                </a:solidFill>
-                <a:latin typeface="Arial"/>
-                <a:cs typeface="Arial"/>
-              </a:rPr>
-              <a:t>micro.</a:t>
-            </a:r>
-            <a:r>
-              <a:rPr sz="1500" spc="155" dirty="0">
-                <a:solidFill>
-                  <a:srgbClr val="0085B3"/>
-                </a:solidFill>
-                <a:latin typeface="Arial"/>
-                <a:cs typeface="Arial"/>
-              </a:rPr>
-              <a:t>WrapClient</a:t>
-            </a:r>
-            <a:r>
-              <a:rPr sz="1500" spc="155" dirty="0">
-                <a:solidFill>
-                  <a:srgbClr val="333333"/>
-                </a:solidFill>
-                <a:latin typeface="Arial"/>
-                <a:cs typeface="Arial"/>
-              </a:rPr>
-              <a:t>(circuitBreaker(3)),  </a:t>
-            </a:r>
-            <a:r>
-              <a:rPr sz="1500" spc="130" dirty="0">
-                <a:solidFill>
-                  <a:srgbClr val="333333"/>
-                </a:solidFill>
-                <a:latin typeface="Arial"/>
-                <a:cs typeface="Arial"/>
-              </a:rPr>
-              <a:t>micro.</a:t>
-            </a:r>
-            <a:r>
-              <a:rPr sz="1500" spc="130" dirty="0">
-                <a:solidFill>
-                  <a:srgbClr val="0085B3"/>
-                </a:solidFill>
-                <a:latin typeface="Arial"/>
-                <a:cs typeface="Arial"/>
-              </a:rPr>
-              <a:t>WrapHandler</a:t>
-            </a:r>
-            <a:r>
-              <a:rPr sz="1500" spc="130" dirty="0">
-                <a:solidFill>
-                  <a:srgbClr val="333333"/>
-                </a:solidFill>
-                <a:latin typeface="Arial"/>
-                <a:cs typeface="Arial"/>
-              </a:rPr>
-              <a:t>(rateLimiter(10)),</a:t>
-            </a:r>
-            <a:endParaRPr sz="1500">
-              <a:latin typeface="Arial"/>
-              <a:cs typeface="Arial"/>
-            </a:endParaRPr>
-          </a:p>
-          <a:p>
-            <a:pPr marL="12700">
-              <a:lnSpc>
-                <a:spcPct val="100000"/>
-              </a:lnSpc>
-              <a:spcBef>
-                <a:spcPts val="300"/>
-              </a:spcBef>
-            </a:pPr>
-            <a:r>
-              <a:rPr sz="1500" spc="325" dirty="0">
-                <a:solidFill>
-                  <a:srgbClr val="333333"/>
-                </a:solidFill>
-                <a:latin typeface="Arial"/>
-                <a:cs typeface="Arial"/>
-              </a:rPr>
-              <a:t>)</a:t>
-            </a:r>
-            <a:endParaRPr sz="1500">
-              <a:latin typeface="Arial"/>
-              <a:cs typeface="Arial"/>
-            </a:endParaRPr>
-          </a:p>
-        </p:txBody>
-      </p:sp>
-    </p:spTree>
-  </p:cSld>
-  <p:clrMapOvr>
-    <a:masterClrMapping/>
-  </p:clrMapOvr>
-</p:sld>
-</file>
-
-<file path=ppt/slides/slide31.xml><?xml version="1.0" encoding="utf-8"?>
-<p:sld xmlns:a="http://schemas.openxmlformats.org/drawingml/2006/main" xmlns:r="http://schemas.openxmlformats.org/officeDocument/2006/relationships" xmlns:p="http://schemas.openxmlformats.org/presentationml/2006/main">
-  <p:cSld>
-    <p:spTree>
-      <p:nvGrpSpPr>
-        <p:cNvPr id="1" name=""/>
-        <p:cNvGrpSpPr/>
-        <p:nvPr/>
-      </p:nvGrpSpPr>
-      <p:grpSpPr>
-        <a:xfrm>
-          <a:off x="0" y="0"/>
-          <a:ext cx="0" cy="0"/>
-          <a:chOff x="0" y="0"/>
-          <a:chExt cx="0" cy="0"/>
-        </a:xfrm>
-      </p:grpSpPr>
-      <p:sp>
-        <p:nvSpPr>
-          <p:cNvPr id="2" name="object 2"/>
-          <p:cNvSpPr txBox="1">
-            <a:spLocks noGrp="1"/>
-          </p:cNvSpPr>
-          <p:nvPr>
-            <p:ph type="title"/>
-          </p:nvPr>
-        </p:nvSpPr>
-        <p:spPr>
-          <a:xfrm>
-            <a:off x="384724" y="535134"/>
-            <a:ext cx="8242300" cy="474489"/>
+            <a:ext cx="2053676" cy="474489"/>
           </a:xfrm>
           <a:prstGeom prst="rect">
             <a:avLst/>
@@ -14491,30 +11832,18 @@
               </a:tabLst>
             </a:pPr>
             <a:r>
-              <a:rPr sz="3000" dirty="0">
-                <a:solidFill>
-                  <a:srgbClr val="424242"/>
-                </a:solidFill>
-              </a:rPr>
-              <a:t>Example</a:t>
-            </a:r>
-            <a:r>
-              <a:rPr lang="zh-CN" altLang="en-US" sz="3000" spc="-640" dirty="0">
-                <a:solidFill>
-                  <a:srgbClr val="424242"/>
-                </a:solidFill>
-              </a:rPr>
-              <a:t>            </a:t>
-            </a:r>
-            <a:r>
-              <a:rPr sz="3000" dirty="0">
-                <a:solidFill>
-                  <a:srgbClr val="424242"/>
-                </a:solidFill>
-              </a:rPr>
-              <a:t>Terrible Rate Limit Wrapper</a:t>
-            </a:r>
-            <a:endParaRPr sz="3000" dirty="0"/>
+              <a:rPr lang="zh-CN" altLang="en-US" sz="3000" dirty="0">
+                <a:solidFill>
+                  <a:schemeClr val="tx1"/>
+                </a:solidFill>
+              </a:rPr>
+              <a:t>示例</a:t>
+            </a:r>
+            <a:endParaRPr sz="3000" dirty="0">
+              <a:solidFill>
+                <a:schemeClr val="tx1"/>
+              </a:solidFill>
+            </a:endParaRPr>
           </a:p>
         </p:txBody>
       </p:sp>
@@ -15560,6 +12889,45 @@
           </a:p>
         </p:txBody>
       </p:sp>
+      <p:sp>
+        <p:nvSpPr>
+          <p:cNvPr id="8" name="Rectangle 7">
+            <a:extLst>
+              <a:ext uri="{FF2B5EF4-FFF2-40B4-BE49-F238E27FC236}">
+                <a16:creationId xmlns:a16="http://schemas.microsoft.com/office/drawing/2014/main" id="{64C4EDC6-36F9-BD44-9A3A-4F15C0D9E7EE}"/>
+              </a:ext>
+            </a:extLst>
+          </p:cNvPr>
+          <p:cNvSpPr/>
+          <p:nvPr/>
+        </p:nvSpPr>
+        <p:spPr>
+          <a:xfrm>
+            <a:off x="6964976" y="791555"/>
+            <a:ext cx="2002408" cy="369332"/>
+          </a:xfrm>
+          <a:prstGeom prst="rect">
+            <a:avLst/>
+          </a:prstGeom>
+        </p:spPr>
+        <p:txBody>
+          <a:bodyPr wrap="none">
+            <a:spAutoFit/>
+          </a:bodyPr>
+          <a:lstStyle/>
+          <a:p>
+            <a:r>
+              <a:rPr lang="en-US" dirty="0">
+                <a:solidFill>
+                  <a:srgbClr val="424242"/>
+                </a:solidFill>
+              </a:rPr>
+              <a:t>Rate Limit Wrapper</a:t>
+            </a:r>
+            <a:endParaRPr lang="en-US"/>
+          </a:p>
+        </p:txBody>
+      </p:sp>
     </p:spTree>
   </p:cSld>
   <p:clrMapOvr>
@@ -15568,7 +12936,7 @@
 </p:sld>
 </file>
 
-<file path=ppt/slides/slide32.xml><?xml version="1.0" encoding="utf-8"?>
+<file path=ppt/slides/slide26.xml><?xml version="1.0" encoding="utf-8"?>
 <p:sld xmlns:a="http://schemas.openxmlformats.org/drawingml/2006/main" xmlns:r="http://schemas.openxmlformats.org/officeDocument/2006/relationships" xmlns:p="http://schemas.openxmlformats.org/presentationml/2006/main">
   <p:cSld>
     <p:spTree>
@@ -15910,7 +13278,7 @@
 </p:sld>
 </file>
 
-<file path=ppt/slides/slide33.xml><?xml version="1.0" encoding="utf-8"?>
+<file path=ppt/slides/slide27.xml><?xml version="1.0" encoding="utf-8"?>
 <p:sld xmlns:a="http://schemas.openxmlformats.org/drawingml/2006/main" xmlns:r="http://schemas.openxmlformats.org/officeDocument/2006/relationships" xmlns:p="http://schemas.openxmlformats.org/presentationml/2006/main">
   <p:cSld>
     <p:spTree>
@@ -16368,6 +13736,300 @@
         </p:txBody>
       </p:sp>
     </p:spTree>
+  </p:cSld>
+  <p:clrMapOvr>
+    <a:masterClrMapping/>
+  </p:clrMapOvr>
+</p:sld>
+</file>
+
+<file path=ppt/slides/slide3.xml><?xml version="1.0" encoding="utf-8"?>
+<p:sld xmlns:a="http://schemas.openxmlformats.org/drawingml/2006/main" xmlns:r="http://schemas.openxmlformats.org/officeDocument/2006/relationships" xmlns:p="http://schemas.openxmlformats.org/presentationml/2006/main">
+  <p:cSld>
+    <p:spTree>
+      <p:nvGrpSpPr>
+        <p:cNvPr id="1" name=""/>
+        <p:cNvGrpSpPr/>
+        <p:nvPr/>
+      </p:nvGrpSpPr>
+      <p:grpSpPr>
+        <a:xfrm>
+          <a:off x="0" y="0"/>
+          <a:ext cx="0" cy="0"/>
+          <a:chOff x="0" y="0"/>
+          <a:chExt cx="0" cy="0"/>
+        </a:xfrm>
+      </p:grpSpPr>
+      <p:sp>
+        <p:nvSpPr>
+          <p:cNvPr id="2" name="object 2"/>
+          <p:cNvSpPr txBox="1">
+            <a:spLocks noGrp="1"/>
+          </p:cNvSpPr>
+          <p:nvPr>
+            <p:ph type="title"/>
+          </p:nvPr>
+        </p:nvSpPr>
+        <p:spPr>
+          <a:xfrm>
+            <a:off x="384724" y="535134"/>
+            <a:ext cx="4034876" cy="474489"/>
+          </a:xfrm>
+          <a:prstGeom prst="rect">
+            <a:avLst/>
+          </a:prstGeom>
+        </p:spPr>
+        <p:txBody>
+          <a:bodyPr vert="horz" wrap="square" lIns="0" tIns="12700" rIns="0" bIns="0" rtlCol="0">
+            <a:spAutoFit/>
+          </a:bodyPr>
+          <a:lstStyle/>
+          <a:p>
+            <a:pPr marL="12700">
+              <a:lnSpc>
+                <a:spcPct val="100000"/>
+              </a:lnSpc>
+              <a:spcBef>
+                <a:spcPts val="100"/>
+              </a:spcBef>
+            </a:pPr>
+            <a:r>
+              <a:rPr lang="zh-CN" altLang="en-US" sz="3000" dirty="0">
+                <a:solidFill>
+                  <a:schemeClr val="tx1"/>
+                </a:solidFill>
+                <a:latin typeface="Arial"/>
+                <a:cs typeface="Arial"/>
+              </a:rPr>
+              <a:t>本次分享主题</a:t>
+            </a:r>
+            <a:endParaRPr sz="3000" dirty="0">
+              <a:solidFill>
+                <a:schemeClr val="tx1"/>
+              </a:solidFill>
+              <a:latin typeface="Arial"/>
+              <a:cs typeface="Arial"/>
+            </a:endParaRPr>
+          </a:p>
+        </p:txBody>
+      </p:sp>
+      <p:sp>
+        <p:nvSpPr>
+          <p:cNvPr id="6" name="object 3">
+            <a:extLst>
+              <a:ext uri="{FF2B5EF4-FFF2-40B4-BE49-F238E27FC236}">
+                <a16:creationId xmlns:a16="http://schemas.microsoft.com/office/drawing/2014/main" id="{0ADAEFCC-1562-B447-B883-336945762139}"/>
+              </a:ext>
+            </a:extLst>
+          </p:cNvPr>
+          <p:cNvSpPr txBox="1"/>
+          <p:nvPr/>
+        </p:nvSpPr>
+        <p:spPr>
+          <a:xfrm>
+            <a:off x="384724" y="1796520"/>
+            <a:ext cx="6609080" cy="289823"/>
+          </a:xfrm>
+          <a:prstGeom prst="rect">
+            <a:avLst/>
+          </a:prstGeom>
+        </p:spPr>
+        <p:txBody>
+          <a:bodyPr vert="horz" wrap="square" lIns="0" tIns="12700" rIns="0" bIns="0" rtlCol="0">
+            <a:spAutoFit/>
+          </a:bodyPr>
+          <a:lstStyle/>
+          <a:p>
+            <a:pPr marL="12700">
+              <a:lnSpc>
+                <a:spcPct val="100000"/>
+              </a:lnSpc>
+              <a:spcBef>
+                <a:spcPts val="100"/>
+              </a:spcBef>
+            </a:pPr>
+            <a:r>
+              <a:rPr lang="en-US" altLang="zh-CN" spc="-5" dirty="0">
+                <a:solidFill>
+                  <a:srgbClr val="424242"/>
+                </a:solidFill>
+                <a:latin typeface="Courier New"/>
+                <a:cs typeface="Courier New"/>
+              </a:rPr>
+              <a:t>Go-Micro</a:t>
+            </a:r>
+            <a:r>
+              <a:rPr lang="zh-CN" altLang="en-US" spc="-5" dirty="0">
+                <a:solidFill>
+                  <a:srgbClr val="424242"/>
+                </a:solidFill>
+                <a:latin typeface="Courier New"/>
+                <a:cs typeface="Courier New"/>
+              </a:rPr>
+              <a:t>框架的设计</a:t>
+            </a:r>
+            <a:endParaRPr lang="en-US" altLang="zh-CN" spc="-5" dirty="0">
+              <a:solidFill>
+                <a:srgbClr val="424242"/>
+              </a:solidFill>
+              <a:latin typeface="Courier New"/>
+              <a:cs typeface="Courier New"/>
+            </a:endParaRPr>
+          </a:p>
+        </p:txBody>
+      </p:sp>
+      <p:sp>
+        <p:nvSpPr>
+          <p:cNvPr id="4" name="Rectangle 3">
+            <a:extLst>
+              <a:ext uri="{FF2B5EF4-FFF2-40B4-BE49-F238E27FC236}">
+                <a16:creationId xmlns:a16="http://schemas.microsoft.com/office/drawing/2014/main" id="{261CE6DC-055A-C342-B0D5-C9AF1B832B40}"/>
+              </a:ext>
+            </a:extLst>
+          </p:cNvPr>
+          <p:cNvSpPr/>
+          <p:nvPr/>
+        </p:nvSpPr>
+        <p:spPr>
+          <a:xfrm>
+            <a:off x="304800" y="2150214"/>
+            <a:ext cx="1335622" cy="369332"/>
+          </a:xfrm>
+          <a:prstGeom prst="rect">
+            <a:avLst/>
+          </a:prstGeom>
+        </p:spPr>
+        <p:txBody>
+          <a:bodyPr wrap="none">
+            <a:spAutoFit/>
+          </a:bodyPr>
+          <a:lstStyle/>
+          <a:p>
+            <a:r>
+              <a:rPr lang="zh-CN" altLang="en-US" spc="-5" dirty="0">
+                <a:solidFill>
+                  <a:srgbClr val="424242"/>
+                </a:solidFill>
+                <a:latin typeface="Courier New"/>
+                <a:cs typeface="Courier New"/>
+              </a:rPr>
+              <a:t>主要的组件</a:t>
+            </a:r>
+            <a:endParaRPr lang="en-US" b="1" spc="-5" dirty="0">
+              <a:solidFill>
+                <a:srgbClr val="424242"/>
+              </a:solidFill>
+              <a:latin typeface="Courier New"/>
+              <a:cs typeface="Courier New"/>
+            </a:endParaRPr>
+          </a:p>
+        </p:txBody>
+      </p:sp>
+      <p:sp>
+        <p:nvSpPr>
+          <p:cNvPr id="3" name="TextBox 2">
+            <a:extLst>
+              <a:ext uri="{FF2B5EF4-FFF2-40B4-BE49-F238E27FC236}">
+                <a16:creationId xmlns:a16="http://schemas.microsoft.com/office/drawing/2014/main" id="{1582F996-6131-0240-8315-F3F68AE48033}"/>
+              </a:ext>
+            </a:extLst>
+          </p:cNvPr>
+          <p:cNvSpPr txBox="1"/>
+          <p:nvPr/>
+        </p:nvSpPr>
+        <p:spPr>
+          <a:xfrm>
+            <a:off x="304800" y="2583418"/>
+            <a:ext cx="2262158" cy="369332"/>
+          </a:xfrm>
+          <a:prstGeom prst="rect">
+            <a:avLst/>
+          </a:prstGeom>
+          <a:noFill/>
+        </p:spPr>
+        <p:txBody>
+          <a:bodyPr wrap="none" rtlCol="0">
+            <a:spAutoFit/>
+          </a:bodyPr>
+          <a:lstStyle/>
+          <a:p>
+            <a:r>
+              <a:rPr lang="zh-CN" altLang="en-US" spc="-5" dirty="0">
+                <a:solidFill>
+                  <a:srgbClr val="424242"/>
+                </a:solidFill>
+                <a:latin typeface="Courier New"/>
+                <a:cs typeface="Courier New"/>
+              </a:rPr>
+              <a:t>插件化是如何实现的</a:t>
+            </a:r>
+          </a:p>
+        </p:txBody>
+      </p:sp>
+      <p:sp>
+        <p:nvSpPr>
+          <p:cNvPr id="8" name="object 3">
+            <a:extLst>
+              <a:ext uri="{FF2B5EF4-FFF2-40B4-BE49-F238E27FC236}">
+                <a16:creationId xmlns:a16="http://schemas.microsoft.com/office/drawing/2014/main" id="{A7AD6CB1-8D17-514E-A62A-60BBEB2F9A16}"/>
+              </a:ext>
+            </a:extLst>
+          </p:cNvPr>
+          <p:cNvSpPr txBox="1"/>
+          <p:nvPr/>
+        </p:nvSpPr>
+        <p:spPr>
+          <a:xfrm>
+            <a:off x="384724" y="1466943"/>
+            <a:ext cx="6609080" cy="289823"/>
+          </a:xfrm>
+          <a:prstGeom prst="rect">
+            <a:avLst/>
+          </a:prstGeom>
+        </p:spPr>
+        <p:txBody>
+          <a:bodyPr vert="horz" wrap="square" lIns="0" tIns="12700" rIns="0" bIns="0" rtlCol="0">
+            <a:spAutoFit/>
+          </a:bodyPr>
+          <a:lstStyle/>
+          <a:p>
+            <a:pPr marL="12700">
+              <a:lnSpc>
+                <a:spcPct val="100000"/>
+              </a:lnSpc>
+              <a:spcBef>
+                <a:spcPts val="100"/>
+              </a:spcBef>
+            </a:pPr>
+            <a:r>
+              <a:rPr lang="zh-CN" altLang="en-US" spc="-5" dirty="0">
+                <a:solidFill>
+                  <a:srgbClr val="424242"/>
+                </a:solidFill>
+                <a:latin typeface="Courier New"/>
+                <a:cs typeface="Courier New"/>
+              </a:rPr>
+              <a:t>什么是</a:t>
+            </a:r>
+            <a:r>
+              <a:rPr lang="en-US" altLang="zh-CN" spc="-5" dirty="0">
+                <a:solidFill>
+                  <a:srgbClr val="424242"/>
+                </a:solidFill>
+                <a:latin typeface="Courier New"/>
+                <a:cs typeface="Courier New"/>
+              </a:rPr>
+              <a:t>Micro</a:t>
+            </a:r>
+          </a:p>
+        </p:txBody>
+      </p:sp>
+    </p:spTree>
+    <p:extLst>
+      <p:ext uri="{BB962C8B-B14F-4D97-AF65-F5344CB8AC3E}">
+        <p14:creationId xmlns:p14="http://schemas.microsoft.com/office/powerpoint/2010/main" val="2795750387"/>
+      </p:ext>
+    </p:extLst>
   </p:cSld>
   <p:clrMapOvr>
     <a:masterClrMapping/>
@@ -17552,7 +15214,7 @@
                 <a:latin typeface="Arial"/>
                 <a:cs typeface="Arial"/>
               </a:rPr>
-              <a:t> 主要模块 </a:t>
+              <a:t> 框架模块 </a:t>
             </a:r>
             <a:endParaRPr sz="3000" dirty="0">
               <a:latin typeface="Arial"/>
@@ -17853,9 +15515,9 @@
           <a:prstGeom prst="rect">
             <a:avLst/>
           </a:prstGeom>
-          <a:ln w="9524">
+          <a:ln w="28575">
             <a:solidFill>
-              <a:srgbClr val="424242"/>
+              <a:srgbClr val="FF0000"/>
             </a:solidFill>
           </a:ln>
         </p:spPr>
@@ -17901,9 +15563,9 @@
           <a:prstGeom prst="rect">
             <a:avLst/>
           </a:prstGeom>
-          <a:ln w="9524">
+          <a:ln w="28575">
             <a:solidFill>
-              <a:srgbClr val="424242"/>
+              <a:srgbClr val="FF0000"/>
             </a:solidFill>
           </a:ln>
         </p:spPr>
@@ -17949,9 +15611,9 @@
           <a:prstGeom prst="rect">
             <a:avLst/>
           </a:prstGeom>
-          <a:ln w="9524">
+          <a:ln w="28575">
             <a:solidFill>
-              <a:srgbClr val="424242"/>
+              <a:srgbClr val="FF0000"/>
             </a:solidFill>
           </a:ln>
         </p:spPr>
@@ -17997,9 +15659,9 @@
           <a:prstGeom prst="rect">
             <a:avLst/>
           </a:prstGeom>
-          <a:ln w="9524">
+          <a:ln w="3175">
             <a:solidFill>
-              <a:srgbClr val="424242"/>
+              <a:schemeClr val="tx1"/>
             </a:solidFill>
           </a:ln>
         </p:spPr>
@@ -18045,9 +15707,9 @@
           <a:prstGeom prst="rect">
             <a:avLst/>
           </a:prstGeom>
-          <a:ln w="9524">
+          <a:ln w="28575">
             <a:solidFill>
-              <a:srgbClr val="424242"/>
+              <a:srgbClr val="FF0000"/>
             </a:solidFill>
           </a:ln>
         </p:spPr>

--- a/others/share/learning-go/【第一期】Go-Micro框架设计.pptx
+++ b/others/share/learning-go/【第一期】Go-Micro框架设计.pptx
@@ -5,7 +5,7 @@
     <p:sldMasterId id="2147483648" r:id="rId1"/>
   </p:sldMasterIdLst>
   <p:notesMasterIdLst>
-    <p:notesMasterId r:id="rId29"/>
+    <p:notesMasterId r:id="rId30"/>
   </p:notesMasterIdLst>
   <p:sldIdLst>
     <p:sldId id="256" r:id="rId2"/>
@@ -16,25 +16,26 @@
     <p:sldId id="326" r:id="rId7"/>
     <p:sldId id="261" r:id="rId8"/>
     <p:sldId id="286" r:id="rId9"/>
-    <p:sldId id="328" r:id="rId10"/>
-    <p:sldId id="329" r:id="rId11"/>
-    <p:sldId id="330" r:id="rId12"/>
-    <p:sldId id="331" r:id="rId13"/>
-    <p:sldId id="273" r:id="rId14"/>
-    <p:sldId id="334" r:id="rId15"/>
-    <p:sldId id="287" r:id="rId16"/>
-    <p:sldId id="333" r:id="rId17"/>
-    <p:sldId id="335" r:id="rId18"/>
-    <p:sldId id="336" r:id="rId19"/>
-    <p:sldId id="337" r:id="rId20"/>
-    <p:sldId id="301" r:id="rId21"/>
-    <p:sldId id="302" r:id="rId22"/>
-    <p:sldId id="303" r:id="rId23"/>
-    <p:sldId id="304" r:id="rId24"/>
-    <p:sldId id="305" r:id="rId25"/>
-    <p:sldId id="306" r:id="rId26"/>
-    <p:sldId id="320" r:id="rId27"/>
-    <p:sldId id="322" r:id="rId28"/>
+    <p:sldId id="338" r:id="rId10"/>
+    <p:sldId id="328" r:id="rId11"/>
+    <p:sldId id="329" r:id="rId12"/>
+    <p:sldId id="330" r:id="rId13"/>
+    <p:sldId id="331" r:id="rId14"/>
+    <p:sldId id="273" r:id="rId15"/>
+    <p:sldId id="334" r:id="rId16"/>
+    <p:sldId id="287" r:id="rId17"/>
+    <p:sldId id="333" r:id="rId18"/>
+    <p:sldId id="335" r:id="rId19"/>
+    <p:sldId id="336" r:id="rId20"/>
+    <p:sldId id="337" r:id="rId21"/>
+    <p:sldId id="301" r:id="rId22"/>
+    <p:sldId id="302" r:id="rId23"/>
+    <p:sldId id="303" r:id="rId24"/>
+    <p:sldId id="304" r:id="rId25"/>
+    <p:sldId id="305" r:id="rId26"/>
+    <p:sldId id="306" r:id="rId27"/>
+    <p:sldId id="320" r:id="rId28"/>
+    <p:sldId id="322" r:id="rId29"/>
   </p:sldIdLst>
   <p:sldSz cx="9144000" cy="5143500" type="screen16x9"/>
   <p:notesSz cx="9144000" cy="5143500"/>
@@ -870,7 +871,7 @@
           <a:p>
             <a:fld id="{28D00669-DCC9-3147-8F33-81E21A71CBE7}" type="slidenum">
               <a:rPr lang="en-US" smtClean="0"/>
-              <a:t>14</a:t>
+              <a:t>15</a:t>
             </a:fld>
             <a:endParaRPr lang="en-US"/>
           </a:p>
@@ -973,7 +974,7 @@
           <a:p>
             <a:fld id="{28D00669-DCC9-3147-8F33-81E21A71CBE7}" type="slidenum">
               <a:rPr lang="en-US" smtClean="0"/>
-              <a:t>16</a:t>
+              <a:t>17</a:t>
             </a:fld>
             <a:endParaRPr lang="en-US"/>
           </a:p>
@@ -1077,7 +1078,7 @@
           <a:p>
             <a:fld id="{28D00669-DCC9-3147-8F33-81E21A71CBE7}" type="slidenum">
               <a:rPr lang="en-US" smtClean="0"/>
-              <a:t>17</a:t>
+              <a:t>18</a:t>
             </a:fld>
             <a:endParaRPr lang="en-US"/>
           </a:p>
@@ -1165,7 +1166,7 @@
           <a:p>
             <a:fld id="{28D00669-DCC9-3147-8F33-81E21A71CBE7}" type="slidenum">
               <a:rPr lang="en-US" smtClean="0"/>
-              <a:t>18</a:t>
+              <a:t>19</a:t>
             </a:fld>
             <a:endParaRPr lang="en-US"/>
           </a:p>
@@ -1253,7 +1254,7 @@
           <a:p>
             <a:fld id="{28D00669-DCC9-3147-8F33-81E21A71CBE7}" type="slidenum">
               <a:rPr lang="en-US" smtClean="0"/>
-              <a:t>19</a:t>
+              <a:t>20</a:t>
             </a:fld>
             <a:endParaRPr lang="en-US"/>
           </a:p>
@@ -1349,7 +1350,7 @@
           <a:p>
             <a:fld id="{28D00669-DCC9-3147-8F33-81E21A71CBE7}" type="slidenum">
               <a:rPr lang="en-US" smtClean="0"/>
-              <a:t>20</a:t>
+              <a:t>21</a:t>
             </a:fld>
             <a:endParaRPr lang="en-US"/>
           </a:p>
@@ -1437,7 +1438,7 @@
           <a:p>
             <a:fld id="{28D00669-DCC9-3147-8F33-81E21A71CBE7}" type="slidenum">
               <a:rPr lang="en-US" smtClean="0"/>
-              <a:t>22</a:t>
+              <a:t>23</a:t>
             </a:fld>
             <a:endParaRPr lang="en-US"/>
           </a:p>
@@ -2273,7 +2274,7 @@
           <a:p>
             <a:fld id="{28D00669-DCC9-3147-8F33-81E21A71CBE7}" type="slidenum">
               <a:rPr lang="en-US" smtClean="0"/>
-              <a:t>11</a:t>
+              <a:t>12</a:t>
             </a:fld>
             <a:endParaRPr lang="en-US"/>
           </a:p>
@@ -2361,7 +2362,7 @@
           <a:p>
             <a:fld id="{28D00669-DCC9-3147-8F33-81E21A71CBE7}" type="slidenum">
               <a:rPr lang="en-US" smtClean="0"/>
-              <a:t>12</a:t>
+              <a:t>13</a:t>
             </a:fld>
             <a:endParaRPr lang="en-US"/>
           </a:p>
@@ -2587,7 +2588,7 @@
           <a:p>
             <a:fld id="{C6300BD4-3AE5-1B42-8BC5-55FDF59C6F50}" type="slidenum">
               <a:rPr lang="en-US" smtClean="0"/>
-              <a:t>13</a:t>
+              <a:t>14</a:t>
             </a:fld>
             <a:endParaRPr lang="en-US"/>
           </a:p>
@@ -4365,6 +4366,1427 @@
         <p:spPr>
           <a:xfrm>
             <a:off x="384725" y="535134"/>
+            <a:ext cx="3653876" cy="482600"/>
+          </a:xfrm>
+          <a:prstGeom prst="rect">
+            <a:avLst/>
+          </a:prstGeom>
+        </p:spPr>
+        <p:txBody>
+          <a:bodyPr vert="horz" wrap="square" lIns="0" tIns="12700" rIns="0" bIns="0" rtlCol="0">
+            <a:spAutoFit/>
+          </a:bodyPr>
+          <a:lstStyle/>
+          <a:p>
+            <a:pPr marL="12700">
+              <a:lnSpc>
+                <a:spcPct val="100000"/>
+              </a:lnSpc>
+              <a:spcBef>
+                <a:spcPts val="100"/>
+              </a:spcBef>
+              <a:tabLst>
+                <a:tab pos="4126865" algn="l"/>
+              </a:tabLst>
+            </a:pPr>
+            <a:r>
+              <a:rPr lang="en-US" altLang="zh-CN" sz="3000" b="1" dirty="0">
+                <a:solidFill>
+                  <a:srgbClr val="424242"/>
+                </a:solidFill>
+                <a:latin typeface="Arial"/>
+                <a:cs typeface="Arial"/>
+              </a:rPr>
+              <a:t>Broker</a:t>
+            </a:r>
+            <a:r>
+              <a:rPr lang="zh-CN" altLang="en-US" sz="3000" b="1" dirty="0">
+                <a:solidFill>
+                  <a:srgbClr val="424242"/>
+                </a:solidFill>
+                <a:latin typeface="Arial"/>
+                <a:cs typeface="Arial"/>
+              </a:rPr>
+              <a:t> 异步消息组件</a:t>
+            </a:r>
+            <a:endParaRPr sz="3000" dirty="0">
+              <a:latin typeface="Arial"/>
+              <a:cs typeface="Arial"/>
+            </a:endParaRPr>
+          </a:p>
+        </p:txBody>
+      </p:sp>
+      <p:sp>
+        <p:nvSpPr>
+          <p:cNvPr id="6" name="Rectangle 5">
+            <a:extLst>
+              <a:ext uri="{FF2B5EF4-FFF2-40B4-BE49-F238E27FC236}">
+                <a16:creationId xmlns:a16="http://schemas.microsoft.com/office/drawing/2014/main" id="{603E0048-E593-0F41-88C3-F409872AAB12}"/>
+              </a:ext>
+            </a:extLst>
+          </p:cNvPr>
+          <p:cNvSpPr/>
+          <p:nvPr/>
+        </p:nvSpPr>
+        <p:spPr>
+          <a:xfrm>
+            <a:off x="4823758" y="2940320"/>
+            <a:ext cx="1295400" cy="1010158"/>
+          </a:xfrm>
+          <a:prstGeom prst="rect">
+            <a:avLst/>
+          </a:prstGeom>
+          <a:solidFill>
+            <a:schemeClr val="bg1"/>
+          </a:solidFill>
+          <a:ln w="12700">
+            <a:solidFill>
+              <a:srgbClr val="FF0000"/>
+            </a:solidFill>
+            <a:prstDash val="sysDot"/>
+          </a:ln>
+        </p:spPr>
+        <p:style>
+          <a:lnRef idx="2">
+            <a:schemeClr val="accent1">
+              <a:shade val="50000"/>
+            </a:schemeClr>
+          </a:lnRef>
+          <a:fillRef idx="1">
+            <a:schemeClr val="accent1"/>
+          </a:fillRef>
+          <a:effectRef idx="0">
+            <a:schemeClr val="accent1"/>
+          </a:effectRef>
+          <a:fontRef idx="minor">
+            <a:schemeClr val="lt1"/>
+          </a:fontRef>
+        </p:style>
+        <p:txBody>
+          <a:bodyPr rtlCol="0" anchor="ctr"/>
+          <a:lstStyle/>
+          <a:p>
+            <a:pPr algn="ctr"/>
+            <a:endParaRPr lang="en-US"/>
+          </a:p>
+        </p:txBody>
+      </p:sp>
+      <p:sp>
+        <p:nvSpPr>
+          <p:cNvPr id="7" name="Rectangle 6">
+            <a:extLst>
+              <a:ext uri="{FF2B5EF4-FFF2-40B4-BE49-F238E27FC236}">
+                <a16:creationId xmlns:a16="http://schemas.microsoft.com/office/drawing/2014/main" id="{C6123D4C-BC2F-0446-87A7-DE77B78E6C9A}"/>
+              </a:ext>
+            </a:extLst>
+          </p:cNvPr>
+          <p:cNvSpPr/>
+          <p:nvPr/>
+        </p:nvSpPr>
+        <p:spPr>
+          <a:xfrm>
+            <a:off x="4983778" y="3112491"/>
+            <a:ext cx="1009048" cy="218042"/>
+          </a:xfrm>
+          <a:prstGeom prst="rect">
+            <a:avLst/>
+          </a:prstGeom>
+        </p:spPr>
+        <p:style>
+          <a:lnRef idx="2">
+            <a:schemeClr val="accent1">
+              <a:shade val="50000"/>
+            </a:schemeClr>
+          </a:lnRef>
+          <a:fillRef idx="1">
+            <a:schemeClr val="accent1"/>
+          </a:fillRef>
+          <a:effectRef idx="0">
+            <a:schemeClr val="accent1"/>
+          </a:effectRef>
+          <a:fontRef idx="minor">
+            <a:schemeClr val="lt1"/>
+          </a:fontRef>
+        </p:style>
+        <p:txBody>
+          <a:bodyPr rtlCol="0" anchor="ctr"/>
+          <a:lstStyle/>
+          <a:p>
+            <a:pPr algn="ctr"/>
+            <a:r>
+              <a:rPr lang="en-US" altLang="zh-CN" sz="1600" dirty="0"/>
+              <a:t>http</a:t>
+            </a:r>
+            <a:endParaRPr lang="en-US" dirty="0"/>
+          </a:p>
+        </p:txBody>
+      </p:sp>
+      <p:sp>
+        <p:nvSpPr>
+          <p:cNvPr id="8" name="Rectangle 7">
+            <a:extLst>
+              <a:ext uri="{FF2B5EF4-FFF2-40B4-BE49-F238E27FC236}">
+                <a16:creationId xmlns:a16="http://schemas.microsoft.com/office/drawing/2014/main" id="{54A2131E-8245-8441-96D8-AA62869BF19C}"/>
+              </a:ext>
+            </a:extLst>
+          </p:cNvPr>
+          <p:cNvSpPr/>
+          <p:nvPr/>
+        </p:nvSpPr>
+        <p:spPr>
+          <a:xfrm>
+            <a:off x="4983778" y="3422930"/>
+            <a:ext cx="1009048" cy="368020"/>
+          </a:xfrm>
+          <a:prstGeom prst="rect">
+            <a:avLst/>
+          </a:prstGeom>
+        </p:spPr>
+        <p:style>
+          <a:lnRef idx="2">
+            <a:schemeClr val="accent1">
+              <a:shade val="50000"/>
+            </a:schemeClr>
+          </a:lnRef>
+          <a:fillRef idx="1">
+            <a:schemeClr val="accent1"/>
+          </a:fillRef>
+          <a:effectRef idx="0">
+            <a:schemeClr val="accent1"/>
+          </a:effectRef>
+          <a:fontRef idx="minor">
+            <a:schemeClr val="lt1"/>
+          </a:fontRef>
+        </p:style>
+        <p:txBody>
+          <a:bodyPr rtlCol="0" anchor="ctr"/>
+          <a:lstStyle/>
+          <a:p>
+            <a:pPr algn="ctr"/>
+            <a:r>
+              <a:rPr lang="en-US" altLang="zh-CN" sz="900" dirty="0"/>
+              <a:t>NATs</a:t>
+            </a:r>
+            <a:r>
+              <a:rPr lang="zh-CN" altLang="en-US" sz="900" dirty="0"/>
+              <a:t>、</a:t>
+            </a:r>
+            <a:r>
+              <a:rPr lang="en-US" altLang="zh-CN" sz="900" dirty="0" err="1"/>
+              <a:t>RbMQ</a:t>
+            </a:r>
+            <a:r>
+              <a:rPr lang="en-US" altLang="zh-CN" sz="900" dirty="0"/>
+              <a:t> </a:t>
+            </a:r>
+            <a:r>
+              <a:rPr lang="zh-CN" altLang="en-US" sz="900" dirty="0"/>
+              <a:t>、</a:t>
+            </a:r>
+            <a:r>
+              <a:rPr lang="en-US" altLang="zh-CN" sz="900" dirty="0"/>
+              <a:t>Kafka </a:t>
+            </a:r>
+            <a:r>
+              <a:rPr lang="zh-CN" altLang="en-US" sz="900" dirty="0"/>
+              <a:t>、</a:t>
+            </a:r>
+            <a:r>
+              <a:rPr lang="en-US" altLang="zh-CN" sz="1200" dirty="0"/>
+              <a:t> </a:t>
+            </a:r>
+            <a:r>
+              <a:rPr lang="en-US" altLang="zh-CN" sz="1200" dirty="0" err="1"/>
+              <a:t>nsq</a:t>
+            </a:r>
+            <a:r>
+              <a:rPr lang="en-US" altLang="zh-CN" sz="1200" dirty="0"/>
+              <a:t> …</a:t>
+            </a:r>
+            <a:endParaRPr lang="en-US" sz="1200" dirty="0"/>
+          </a:p>
+        </p:txBody>
+      </p:sp>
+      <p:sp>
+        <p:nvSpPr>
+          <p:cNvPr id="15" name="TextBox 14">
+            <a:extLst>
+              <a:ext uri="{FF2B5EF4-FFF2-40B4-BE49-F238E27FC236}">
+                <a16:creationId xmlns:a16="http://schemas.microsoft.com/office/drawing/2014/main" id="{32E604E6-D511-E044-8F9E-038DF57A1417}"/>
+              </a:ext>
+            </a:extLst>
+          </p:cNvPr>
+          <p:cNvSpPr txBox="1"/>
+          <p:nvPr/>
+        </p:nvSpPr>
+        <p:spPr>
+          <a:xfrm>
+            <a:off x="457200" y="1504950"/>
+            <a:ext cx="5014258" cy="338554"/>
+          </a:xfrm>
+          <a:prstGeom prst="rect">
+            <a:avLst/>
+          </a:prstGeom>
+          <a:noFill/>
+        </p:spPr>
+        <p:txBody>
+          <a:bodyPr wrap="none" rtlCol="0">
+            <a:spAutoFit/>
+          </a:bodyPr>
+          <a:lstStyle/>
+          <a:p>
+            <a:r>
+              <a:rPr lang="en-US" sz="1600" dirty="0"/>
+              <a:t>Subscribe</a:t>
+            </a:r>
+            <a:r>
+              <a:rPr lang="zh-CN" altLang="en-US" sz="1600" dirty="0"/>
+              <a:t>：</a:t>
+            </a:r>
+            <a:r>
+              <a:rPr lang="zh-CN" altLang="en-US" sz="1200" dirty="0"/>
+              <a:t>注册关心的主题（</a:t>
+            </a:r>
+            <a:r>
+              <a:rPr lang="en-US" altLang="zh-CN" sz="1200" dirty="0"/>
+              <a:t>Topic</a:t>
+            </a:r>
+            <a:r>
+              <a:rPr lang="zh-CN" altLang="en-US" sz="1200" dirty="0"/>
+              <a:t>），指定队列（</a:t>
+            </a:r>
+            <a:r>
+              <a:rPr lang="en-US" altLang="zh-CN" sz="1200" dirty="0"/>
+              <a:t>Queue</a:t>
+            </a:r>
+            <a:r>
+              <a:rPr lang="zh-CN" altLang="en-US" sz="1200" dirty="0"/>
+              <a:t>）分发消息</a:t>
+            </a:r>
+            <a:endParaRPr lang="en-US" dirty="0"/>
+          </a:p>
+        </p:txBody>
+      </p:sp>
+      <p:sp>
+        <p:nvSpPr>
+          <p:cNvPr id="16" name="TextBox 15">
+            <a:extLst>
+              <a:ext uri="{FF2B5EF4-FFF2-40B4-BE49-F238E27FC236}">
+                <a16:creationId xmlns:a16="http://schemas.microsoft.com/office/drawing/2014/main" id="{2606848C-CF9F-F446-AED9-66090C2F37C6}"/>
+              </a:ext>
+            </a:extLst>
+          </p:cNvPr>
+          <p:cNvSpPr txBox="1"/>
+          <p:nvPr/>
+        </p:nvSpPr>
+        <p:spPr>
+          <a:xfrm>
+            <a:off x="458972" y="1847886"/>
+            <a:ext cx="3162212" cy="338554"/>
+          </a:xfrm>
+          <a:prstGeom prst="rect">
+            <a:avLst/>
+          </a:prstGeom>
+          <a:noFill/>
+        </p:spPr>
+        <p:txBody>
+          <a:bodyPr wrap="none" rtlCol="0">
+            <a:spAutoFit/>
+          </a:bodyPr>
+          <a:lstStyle/>
+          <a:p>
+            <a:r>
+              <a:rPr lang="en-US" sz="1600" dirty="0"/>
+              <a:t>Publish</a:t>
+            </a:r>
+            <a:r>
+              <a:rPr lang="zh-CN" altLang="en-US" sz="1600" dirty="0"/>
+              <a:t>：</a:t>
+            </a:r>
+            <a:r>
+              <a:rPr lang="zh-CN" altLang="en-US" sz="1200" dirty="0"/>
+              <a:t>异步将消息推送到主题（</a:t>
+            </a:r>
+            <a:r>
+              <a:rPr lang="en-US" altLang="zh-CN" sz="1200" dirty="0"/>
+              <a:t>Topic</a:t>
+            </a:r>
+            <a:r>
+              <a:rPr lang="zh-CN" altLang="en-US" sz="1200" dirty="0"/>
+              <a:t>）</a:t>
+            </a:r>
+            <a:endParaRPr lang="en-US" dirty="0"/>
+          </a:p>
+        </p:txBody>
+      </p:sp>
+      <p:sp>
+        <p:nvSpPr>
+          <p:cNvPr id="17" name="TextBox 16">
+            <a:extLst>
+              <a:ext uri="{FF2B5EF4-FFF2-40B4-BE49-F238E27FC236}">
+                <a16:creationId xmlns:a16="http://schemas.microsoft.com/office/drawing/2014/main" id="{C3FB7A26-F475-4E4C-BB5D-32E7D2117959}"/>
+              </a:ext>
+            </a:extLst>
+          </p:cNvPr>
+          <p:cNvSpPr txBox="1"/>
+          <p:nvPr/>
+        </p:nvSpPr>
+        <p:spPr>
+          <a:xfrm>
+            <a:off x="457200" y="2170865"/>
+            <a:ext cx="3010632" cy="338554"/>
+          </a:xfrm>
+          <a:prstGeom prst="rect">
+            <a:avLst/>
+          </a:prstGeom>
+          <a:noFill/>
+        </p:spPr>
+        <p:txBody>
+          <a:bodyPr wrap="none" rtlCol="0">
+            <a:spAutoFit/>
+          </a:bodyPr>
+          <a:lstStyle/>
+          <a:p>
+            <a:r>
+              <a:rPr lang="en-US" sz="1600" dirty="0"/>
+              <a:t>Encoding</a:t>
+            </a:r>
+            <a:r>
+              <a:rPr lang="zh-CN" altLang="en-US" sz="1600" dirty="0"/>
+              <a:t>：</a:t>
+            </a:r>
+            <a:r>
+              <a:rPr lang="zh-CN" altLang="en-US" sz="1200" dirty="0"/>
+              <a:t>编码消息（默认</a:t>
+            </a:r>
+            <a:r>
+              <a:rPr lang="en-US" altLang="zh-CN" sz="1200" dirty="0"/>
+              <a:t>JSON</a:t>
+            </a:r>
+            <a:r>
+              <a:rPr lang="zh-CN" altLang="en-US" sz="1200" dirty="0"/>
+              <a:t>格式）</a:t>
+            </a:r>
+            <a:endParaRPr lang="en-US" dirty="0"/>
+          </a:p>
+        </p:txBody>
+      </p:sp>
+      <p:sp>
+        <p:nvSpPr>
+          <p:cNvPr id="19" name="Rounded Rectangle 18">
+            <a:extLst>
+              <a:ext uri="{FF2B5EF4-FFF2-40B4-BE49-F238E27FC236}">
+                <a16:creationId xmlns:a16="http://schemas.microsoft.com/office/drawing/2014/main" id="{F88302D1-B0BB-9F4C-90EB-B587EBD5B565}"/>
+              </a:ext>
+            </a:extLst>
+          </p:cNvPr>
+          <p:cNvSpPr/>
+          <p:nvPr/>
+        </p:nvSpPr>
+        <p:spPr>
+          <a:xfrm>
+            <a:off x="3219937" y="3277083"/>
+            <a:ext cx="914400" cy="361467"/>
+          </a:xfrm>
+          <a:prstGeom prst="roundRect">
+            <a:avLst/>
+          </a:prstGeom>
+          <a:ln w="9525"/>
+        </p:spPr>
+        <p:style>
+          <a:lnRef idx="2">
+            <a:schemeClr val="accent1">
+              <a:shade val="50000"/>
+            </a:schemeClr>
+          </a:lnRef>
+          <a:fillRef idx="1">
+            <a:schemeClr val="accent1"/>
+          </a:fillRef>
+          <a:effectRef idx="0">
+            <a:schemeClr val="accent1"/>
+          </a:effectRef>
+          <a:fontRef idx="minor">
+            <a:schemeClr val="lt1"/>
+          </a:fontRef>
+        </p:style>
+        <p:txBody>
+          <a:bodyPr rtlCol="0" anchor="ctr"/>
+          <a:lstStyle/>
+          <a:p>
+            <a:pPr algn="ctr"/>
+            <a:r>
+              <a:rPr lang="en-US" sz="1400" dirty="0"/>
+              <a:t>Service</a:t>
+            </a:r>
+            <a:r>
+              <a:rPr lang="zh-CN" altLang="en-US" sz="1400" dirty="0"/>
+              <a:t> </a:t>
+            </a:r>
+            <a:r>
+              <a:rPr lang="en-US" altLang="zh-CN" sz="1400" dirty="0"/>
+              <a:t>A</a:t>
+            </a:r>
+            <a:endParaRPr lang="en-US" sz="1400" dirty="0"/>
+          </a:p>
+        </p:txBody>
+      </p:sp>
+      <p:sp>
+        <p:nvSpPr>
+          <p:cNvPr id="22" name="Rounded Rectangle 21">
+            <a:extLst>
+              <a:ext uri="{FF2B5EF4-FFF2-40B4-BE49-F238E27FC236}">
+                <a16:creationId xmlns:a16="http://schemas.microsoft.com/office/drawing/2014/main" id="{8F8123AF-9764-D445-9F33-DB5EB86EFA8A}"/>
+              </a:ext>
+            </a:extLst>
+          </p:cNvPr>
+          <p:cNvSpPr/>
+          <p:nvPr/>
+        </p:nvSpPr>
+        <p:spPr>
+          <a:xfrm>
+            <a:off x="3677137" y="3129391"/>
+            <a:ext cx="609600" cy="244412"/>
+          </a:xfrm>
+          <a:prstGeom prst="roundRect">
+            <a:avLst/>
+          </a:prstGeom>
+          <a:solidFill>
+            <a:schemeClr val="bg1"/>
+          </a:solidFill>
+          <a:ln w="9525"/>
+        </p:spPr>
+        <p:style>
+          <a:lnRef idx="2">
+            <a:schemeClr val="accent1">
+              <a:shade val="50000"/>
+            </a:schemeClr>
+          </a:lnRef>
+          <a:fillRef idx="1">
+            <a:schemeClr val="accent1"/>
+          </a:fillRef>
+          <a:effectRef idx="0">
+            <a:schemeClr val="accent1"/>
+          </a:effectRef>
+          <a:fontRef idx="minor">
+            <a:schemeClr val="lt1"/>
+          </a:fontRef>
+        </p:style>
+        <p:txBody>
+          <a:bodyPr rtlCol="0" anchor="ctr"/>
+          <a:lstStyle/>
+          <a:p>
+            <a:pPr algn="ctr"/>
+            <a:r>
+              <a:rPr lang="en-US" altLang="zh-CN" sz="1000" dirty="0">
+                <a:solidFill>
+                  <a:schemeClr val="tx1"/>
+                </a:solidFill>
+              </a:rPr>
+              <a:t>broker</a:t>
+            </a:r>
+            <a:endParaRPr lang="en-US" sz="1000" dirty="0">
+              <a:solidFill>
+                <a:schemeClr val="tx1"/>
+              </a:solidFill>
+            </a:endParaRPr>
+          </a:p>
+        </p:txBody>
+      </p:sp>
+      <p:sp>
+        <p:nvSpPr>
+          <p:cNvPr id="23" name="Rounded Rectangle 22">
+            <a:extLst>
+              <a:ext uri="{FF2B5EF4-FFF2-40B4-BE49-F238E27FC236}">
+                <a16:creationId xmlns:a16="http://schemas.microsoft.com/office/drawing/2014/main" id="{6F5D607E-52F6-0241-AF5A-ED34A45096A8}"/>
+              </a:ext>
+            </a:extLst>
+          </p:cNvPr>
+          <p:cNvSpPr/>
+          <p:nvPr/>
+        </p:nvSpPr>
+        <p:spPr>
+          <a:xfrm>
+            <a:off x="6804958" y="3252842"/>
+            <a:ext cx="914400" cy="361467"/>
+          </a:xfrm>
+          <a:prstGeom prst="roundRect">
+            <a:avLst/>
+          </a:prstGeom>
+          <a:ln w="9525"/>
+        </p:spPr>
+        <p:style>
+          <a:lnRef idx="2">
+            <a:schemeClr val="accent1">
+              <a:shade val="50000"/>
+            </a:schemeClr>
+          </a:lnRef>
+          <a:fillRef idx="1">
+            <a:schemeClr val="accent1"/>
+          </a:fillRef>
+          <a:effectRef idx="0">
+            <a:schemeClr val="accent1"/>
+          </a:effectRef>
+          <a:fontRef idx="minor">
+            <a:schemeClr val="lt1"/>
+          </a:fontRef>
+        </p:style>
+        <p:txBody>
+          <a:bodyPr rtlCol="0" anchor="ctr"/>
+          <a:lstStyle/>
+          <a:p>
+            <a:pPr algn="ctr"/>
+            <a:r>
+              <a:rPr lang="en-US" sz="1400" dirty="0"/>
+              <a:t>Service</a:t>
+            </a:r>
+            <a:r>
+              <a:rPr lang="zh-CN" altLang="en-US" sz="1400" dirty="0"/>
+              <a:t> </a:t>
+            </a:r>
+            <a:r>
+              <a:rPr lang="en-US" altLang="zh-CN" sz="1400" dirty="0"/>
+              <a:t>C</a:t>
+            </a:r>
+            <a:endParaRPr lang="en-US" sz="1400" dirty="0"/>
+          </a:p>
+        </p:txBody>
+      </p:sp>
+      <p:sp>
+        <p:nvSpPr>
+          <p:cNvPr id="24" name="Rounded Rectangle 23">
+            <a:extLst>
+              <a:ext uri="{FF2B5EF4-FFF2-40B4-BE49-F238E27FC236}">
+                <a16:creationId xmlns:a16="http://schemas.microsoft.com/office/drawing/2014/main" id="{13DCF654-CEDE-9E4C-B503-E4B9EB576971}"/>
+              </a:ext>
+            </a:extLst>
+          </p:cNvPr>
+          <p:cNvSpPr/>
+          <p:nvPr/>
+        </p:nvSpPr>
+        <p:spPr>
+          <a:xfrm>
+            <a:off x="7262158" y="3105150"/>
+            <a:ext cx="609600" cy="244412"/>
+          </a:xfrm>
+          <a:prstGeom prst="roundRect">
+            <a:avLst/>
+          </a:prstGeom>
+          <a:solidFill>
+            <a:schemeClr val="bg1"/>
+          </a:solidFill>
+          <a:ln w="9525"/>
+        </p:spPr>
+        <p:style>
+          <a:lnRef idx="2">
+            <a:schemeClr val="accent1">
+              <a:shade val="50000"/>
+            </a:schemeClr>
+          </a:lnRef>
+          <a:fillRef idx="1">
+            <a:schemeClr val="accent1"/>
+          </a:fillRef>
+          <a:effectRef idx="0">
+            <a:schemeClr val="accent1"/>
+          </a:effectRef>
+          <a:fontRef idx="minor">
+            <a:schemeClr val="lt1"/>
+          </a:fontRef>
+        </p:style>
+        <p:txBody>
+          <a:bodyPr rtlCol="0" anchor="ctr"/>
+          <a:lstStyle/>
+          <a:p>
+            <a:pPr algn="ctr"/>
+            <a:r>
+              <a:rPr lang="en-US" altLang="zh-CN" sz="1000" dirty="0">
+                <a:solidFill>
+                  <a:schemeClr val="tx1"/>
+                </a:solidFill>
+              </a:rPr>
+              <a:t>broker</a:t>
+            </a:r>
+            <a:endParaRPr lang="en-US" sz="1000" dirty="0">
+              <a:solidFill>
+                <a:schemeClr val="tx1"/>
+              </a:solidFill>
+            </a:endParaRPr>
+          </a:p>
+        </p:txBody>
+      </p:sp>
+      <p:sp>
+        <p:nvSpPr>
+          <p:cNvPr id="25" name="Rounded Rectangle 24">
+            <a:extLst>
+              <a:ext uri="{FF2B5EF4-FFF2-40B4-BE49-F238E27FC236}">
+                <a16:creationId xmlns:a16="http://schemas.microsoft.com/office/drawing/2014/main" id="{ECD7B885-B8FF-6142-9752-1D507BA76487}"/>
+              </a:ext>
+            </a:extLst>
+          </p:cNvPr>
+          <p:cNvSpPr/>
+          <p:nvPr/>
+        </p:nvSpPr>
+        <p:spPr>
+          <a:xfrm>
+            <a:off x="6804958" y="4098169"/>
+            <a:ext cx="914400" cy="361467"/>
+          </a:xfrm>
+          <a:prstGeom prst="roundRect">
+            <a:avLst/>
+          </a:prstGeom>
+          <a:ln w="9525"/>
+        </p:spPr>
+        <p:style>
+          <a:lnRef idx="2">
+            <a:schemeClr val="accent1">
+              <a:shade val="50000"/>
+            </a:schemeClr>
+          </a:lnRef>
+          <a:fillRef idx="1">
+            <a:schemeClr val="accent1"/>
+          </a:fillRef>
+          <a:effectRef idx="0">
+            <a:schemeClr val="accent1"/>
+          </a:effectRef>
+          <a:fontRef idx="minor">
+            <a:schemeClr val="lt1"/>
+          </a:fontRef>
+        </p:style>
+        <p:txBody>
+          <a:bodyPr rtlCol="0" anchor="ctr"/>
+          <a:lstStyle/>
+          <a:p>
+            <a:pPr algn="ctr"/>
+            <a:r>
+              <a:rPr lang="en-US" sz="1200" dirty="0"/>
+              <a:t>Service</a:t>
+            </a:r>
+            <a:r>
+              <a:rPr lang="zh-CN" altLang="en-US" sz="1200" dirty="0"/>
+              <a:t> </a:t>
+            </a:r>
+            <a:r>
+              <a:rPr lang="en-US" altLang="zh-CN" sz="1200" dirty="0"/>
+              <a:t>[X]</a:t>
+            </a:r>
+            <a:endParaRPr lang="en-US" sz="1200" dirty="0"/>
+          </a:p>
+        </p:txBody>
+      </p:sp>
+      <p:sp>
+        <p:nvSpPr>
+          <p:cNvPr id="26" name="Rounded Rectangle 25">
+            <a:extLst>
+              <a:ext uri="{FF2B5EF4-FFF2-40B4-BE49-F238E27FC236}">
+                <a16:creationId xmlns:a16="http://schemas.microsoft.com/office/drawing/2014/main" id="{D6B1733F-A065-0C4C-9404-EF50A377F99C}"/>
+              </a:ext>
+            </a:extLst>
+          </p:cNvPr>
+          <p:cNvSpPr/>
+          <p:nvPr/>
+        </p:nvSpPr>
+        <p:spPr>
+          <a:xfrm>
+            <a:off x="7262158" y="3950477"/>
+            <a:ext cx="609600" cy="244412"/>
+          </a:xfrm>
+          <a:prstGeom prst="roundRect">
+            <a:avLst/>
+          </a:prstGeom>
+          <a:solidFill>
+            <a:schemeClr val="bg1"/>
+          </a:solidFill>
+          <a:ln w="9525"/>
+        </p:spPr>
+        <p:style>
+          <a:lnRef idx="2">
+            <a:schemeClr val="accent1">
+              <a:shade val="50000"/>
+            </a:schemeClr>
+          </a:lnRef>
+          <a:fillRef idx="1">
+            <a:schemeClr val="accent1"/>
+          </a:fillRef>
+          <a:effectRef idx="0">
+            <a:schemeClr val="accent1"/>
+          </a:effectRef>
+          <a:fontRef idx="minor">
+            <a:schemeClr val="lt1"/>
+          </a:fontRef>
+        </p:style>
+        <p:txBody>
+          <a:bodyPr rtlCol="0" anchor="ctr"/>
+          <a:lstStyle/>
+          <a:p>
+            <a:pPr algn="ctr"/>
+            <a:r>
+              <a:rPr lang="en-US" altLang="zh-CN" sz="1000" dirty="0">
+                <a:solidFill>
+                  <a:schemeClr val="tx1"/>
+                </a:solidFill>
+              </a:rPr>
+              <a:t>broker</a:t>
+            </a:r>
+            <a:endParaRPr lang="en-US" sz="1000" dirty="0">
+              <a:solidFill>
+                <a:schemeClr val="tx1"/>
+              </a:solidFill>
+            </a:endParaRPr>
+          </a:p>
+        </p:txBody>
+      </p:sp>
+      <p:cxnSp>
+        <p:nvCxnSpPr>
+          <p:cNvPr id="28" name="Straight Arrow Connector 27">
+            <a:extLst>
+              <a:ext uri="{FF2B5EF4-FFF2-40B4-BE49-F238E27FC236}">
+                <a16:creationId xmlns:a16="http://schemas.microsoft.com/office/drawing/2014/main" id="{C5C700CD-E72D-2F41-B375-0BA75312BD57}"/>
+              </a:ext>
+            </a:extLst>
+          </p:cNvPr>
+          <p:cNvCxnSpPr>
+            <a:cxnSpLocks/>
+            <a:stCxn id="19" idx="3"/>
+            <a:endCxn id="6" idx="1"/>
+          </p:cNvCxnSpPr>
+          <p:nvPr/>
+        </p:nvCxnSpPr>
+        <p:spPr>
+          <a:xfrm flipV="1">
+            <a:off x="4134337" y="3445399"/>
+            <a:ext cx="689421" cy="12418"/>
+          </a:xfrm>
+          <a:prstGeom prst="straightConnector1">
+            <a:avLst/>
+          </a:prstGeom>
+          <a:ln>
+            <a:tailEnd type="triangle"/>
+          </a:ln>
+        </p:spPr>
+        <p:style>
+          <a:lnRef idx="1">
+            <a:schemeClr val="accent1"/>
+          </a:lnRef>
+          <a:fillRef idx="0">
+            <a:schemeClr val="accent1"/>
+          </a:fillRef>
+          <a:effectRef idx="0">
+            <a:schemeClr val="accent1"/>
+          </a:effectRef>
+          <a:fontRef idx="minor">
+            <a:schemeClr val="tx1"/>
+          </a:fontRef>
+        </p:style>
+      </p:cxnSp>
+      <p:sp>
+        <p:nvSpPr>
+          <p:cNvPr id="31" name="Rounded Rectangle 30">
+            <a:extLst>
+              <a:ext uri="{FF2B5EF4-FFF2-40B4-BE49-F238E27FC236}">
+                <a16:creationId xmlns:a16="http://schemas.microsoft.com/office/drawing/2014/main" id="{25DE8643-2754-C242-90CA-67665B5D225F}"/>
+              </a:ext>
+            </a:extLst>
+          </p:cNvPr>
+          <p:cNvSpPr/>
+          <p:nvPr/>
+        </p:nvSpPr>
+        <p:spPr>
+          <a:xfrm>
+            <a:off x="6804958" y="2306769"/>
+            <a:ext cx="914400" cy="361467"/>
+          </a:xfrm>
+          <a:prstGeom prst="roundRect">
+            <a:avLst/>
+          </a:prstGeom>
+          <a:ln w="9525"/>
+        </p:spPr>
+        <p:style>
+          <a:lnRef idx="2">
+            <a:schemeClr val="accent1">
+              <a:shade val="50000"/>
+            </a:schemeClr>
+          </a:lnRef>
+          <a:fillRef idx="1">
+            <a:schemeClr val="accent1"/>
+          </a:fillRef>
+          <a:effectRef idx="0">
+            <a:schemeClr val="accent1"/>
+          </a:effectRef>
+          <a:fontRef idx="minor">
+            <a:schemeClr val="lt1"/>
+          </a:fontRef>
+        </p:style>
+        <p:txBody>
+          <a:bodyPr rtlCol="0" anchor="ctr"/>
+          <a:lstStyle/>
+          <a:p>
+            <a:pPr algn="ctr"/>
+            <a:r>
+              <a:rPr lang="en-US" sz="1400" dirty="0"/>
+              <a:t>Service</a:t>
+            </a:r>
+            <a:r>
+              <a:rPr lang="zh-CN" altLang="en-US" sz="1400" dirty="0"/>
+              <a:t> </a:t>
+            </a:r>
+            <a:r>
+              <a:rPr lang="en-US" altLang="zh-CN" sz="1400" dirty="0"/>
+              <a:t>B</a:t>
+            </a:r>
+            <a:endParaRPr lang="en-US" sz="1400" dirty="0"/>
+          </a:p>
+        </p:txBody>
+      </p:sp>
+      <p:sp>
+        <p:nvSpPr>
+          <p:cNvPr id="32" name="Rounded Rectangle 31">
+            <a:extLst>
+              <a:ext uri="{FF2B5EF4-FFF2-40B4-BE49-F238E27FC236}">
+                <a16:creationId xmlns:a16="http://schemas.microsoft.com/office/drawing/2014/main" id="{0CC751CE-C32E-8C40-AC86-65CFC1CAB108}"/>
+              </a:ext>
+            </a:extLst>
+          </p:cNvPr>
+          <p:cNvSpPr/>
+          <p:nvPr/>
+        </p:nvSpPr>
+        <p:spPr>
+          <a:xfrm>
+            <a:off x="7262158" y="2148304"/>
+            <a:ext cx="609600" cy="244412"/>
+          </a:xfrm>
+          <a:prstGeom prst="roundRect">
+            <a:avLst/>
+          </a:prstGeom>
+          <a:solidFill>
+            <a:schemeClr val="bg1"/>
+          </a:solidFill>
+          <a:ln w="9525"/>
+        </p:spPr>
+        <p:style>
+          <a:lnRef idx="2">
+            <a:schemeClr val="accent1">
+              <a:shade val="50000"/>
+            </a:schemeClr>
+          </a:lnRef>
+          <a:fillRef idx="1">
+            <a:schemeClr val="accent1"/>
+          </a:fillRef>
+          <a:effectRef idx="0">
+            <a:schemeClr val="accent1"/>
+          </a:effectRef>
+          <a:fontRef idx="minor">
+            <a:schemeClr val="lt1"/>
+          </a:fontRef>
+        </p:style>
+        <p:txBody>
+          <a:bodyPr rtlCol="0" anchor="ctr"/>
+          <a:lstStyle/>
+          <a:p>
+            <a:pPr algn="ctr"/>
+            <a:r>
+              <a:rPr lang="en-US" altLang="zh-CN" sz="1000" dirty="0">
+                <a:solidFill>
+                  <a:schemeClr val="tx1"/>
+                </a:solidFill>
+              </a:rPr>
+              <a:t>broker</a:t>
+            </a:r>
+            <a:endParaRPr lang="en-US" sz="1000" dirty="0">
+              <a:solidFill>
+                <a:schemeClr val="tx1"/>
+              </a:solidFill>
+            </a:endParaRPr>
+          </a:p>
+        </p:txBody>
+      </p:sp>
+      <p:cxnSp>
+        <p:nvCxnSpPr>
+          <p:cNvPr id="33" name="Straight Arrow Connector 32">
+            <a:extLst>
+              <a:ext uri="{FF2B5EF4-FFF2-40B4-BE49-F238E27FC236}">
+                <a16:creationId xmlns:a16="http://schemas.microsoft.com/office/drawing/2014/main" id="{13D577DC-FE80-914E-A3E3-75AF68EF48B7}"/>
+              </a:ext>
+            </a:extLst>
+          </p:cNvPr>
+          <p:cNvCxnSpPr>
+            <a:cxnSpLocks/>
+            <a:stCxn id="23" idx="1"/>
+            <a:endCxn id="6" idx="3"/>
+          </p:cNvCxnSpPr>
+          <p:nvPr/>
+        </p:nvCxnSpPr>
+        <p:spPr>
+          <a:xfrm flipH="1">
+            <a:off x="6119158" y="3433576"/>
+            <a:ext cx="685800" cy="11823"/>
+          </a:xfrm>
+          <a:prstGeom prst="straightConnector1">
+            <a:avLst/>
+          </a:prstGeom>
+          <a:ln>
+            <a:tailEnd type="triangle"/>
+          </a:ln>
+        </p:spPr>
+        <p:style>
+          <a:lnRef idx="1">
+            <a:schemeClr val="accent1"/>
+          </a:lnRef>
+          <a:fillRef idx="0">
+            <a:schemeClr val="accent1"/>
+          </a:fillRef>
+          <a:effectRef idx="0">
+            <a:schemeClr val="accent1"/>
+          </a:effectRef>
+          <a:fontRef idx="minor">
+            <a:schemeClr val="tx1"/>
+          </a:fontRef>
+        </p:style>
+      </p:cxnSp>
+      <p:cxnSp>
+        <p:nvCxnSpPr>
+          <p:cNvPr id="37" name="Elbow Connector 36">
+            <a:extLst>
+              <a:ext uri="{FF2B5EF4-FFF2-40B4-BE49-F238E27FC236}">
+                <a16:creationId xmlns:a16="http://schemas.microsoft.com/office/drawing/2014/main" id="{75CC7E06-3A90-BD44-A26B-C750CA287E69}"/>
+              </a:ext>
+            </a:extLst>
+          </p:cNvPr>
+          <p:cNvCxnSpPr>
+            <a:cxnSpLocks/>
+            <a:stCxn id="25" idx="1"/>
+            <a:endCxn id="6" idx="2"/>
+          </p:cNvCxnSpPr>
+          <p:nvPr/>
+        </p:nvCxnSpPr>
+        <p:spPr>
+          <a:xfrm rot="10800000">
+            <a:off x="5471458" y="3950479"/>
+            <a:ext cx="1333500" cy="328425"/>
+          </a:xfrm>
+          <a:prstGeom prst="bentConnector2">
+            <a:avLst/>
+          </a:prstGeom>
+          <a:ln>
+            <a:tailEnd type="triangle"/>
+          </a:ln>
+        </p:spPr>
+        <p:style>
+          <a:lnRef idx="1">
+            <a:schemeClr val="accent1"/>
+          </a:lnRef>
+          <a:fillRef idx="0">
+            <a:schemeClr val="accent1"/>
+          </a:fillRef>
+          <a:effectRef idx="0">
+            <a:schemeClr val="accent1"/>
+          </a:effectRef>
+          <a:fontRef idx="minor">
+            <a:schemeClr val="tx1"/>
+          </a:fontRef>
+        </p:style>
+      </p:cxnSp>
+      <p:sp>
+        <p:nvSpPr>
+          <p:cNvPr id="51" name="Rounded Rectangle 50">
+            <a:extLst>
+              <a:ext uri="{FF2B5EF4-FFF2-40B4-BE49-F238E27FC236}">
+                <a16:creationId xmlns:a16="http://schemas.microsoft.com/office/drawing/2014/main" id="{92A3EC20-7921-7E4F-8393-3D060B5EBE09}"/>
+              </a:ext>
+            </a:extLst>
+          </p:cNvPr>
+          <p:cNvSpPr/>
+          <p:nvPr/>
+        </p:nvSpPr>
+        <p:spPr>
+          <a:xfrm>
+            <a:off x="5166657" y="2762482"/>
+            <a:ext cx="609600" cy="244412"/>
+          </a:xfrm>
+          <a:prstGeom prst="roundRect">
+            <a:avLst/>
+          </a:prstGeom>
+          <a:solidFill>
+            <a:schemeClr val="bg1"/>
+          </a:solidFill>
+          <a:ln w="9525"/>
+        </p:spPr>
+        <p:style>
+          <a:lnRef idx="2">
+            <a:schemeClr val="accent1">
+              <a:shade val="50000"/>
+            </a:schemeClr>
+          </a:lnRef>
+          <a:fillRef idx="1">
+            <a:schemeClr val="accent1"/>
+          </a:fillRef>
+          <a:effectRef idx="0">
+            <a:schemeClr val="accent1"/>
+          </a:effectRef>
+          <a:fontRef idx="minor">
+            <a:schemeClr val="lt1"/>
+          </a:fontRef>
+        </p:style>
+        <p:txBody>
+          <a:bodyPr rtlCol="0" anchor="ctr"/>
+          <a:lstStyle/>
+          <a:p>
+            <a:pPr algn="ctr"/>
+            <a:r>
+              <a:rPr lang="zh-CN" altLang="en-US" sz="1000" dirty="0">
+                <a:solidFill>
+                  <a:schemeClr val="tx1"/>
+                </a:solidFill>
+              </a:rPr>
+              <a:t>中间件</a:t>
+            </a:r>
+            <a:endParaRPr lang="en-US" sz="1000" dirty="0">
+              <a:solidFill>
+                <a:schemeClr val="tx1"/>
+              </a:solidFill>
+            </a:endParaRPr>
+          </a:p>
+        </p:txBody>
+      </p:sp>
+      <p:cxnSp>
+        <p:nvCxnSpPr>
+          <p:cNvPr id="58" name="Elbow Connector 57">
+            <a:extLst>
+              <a:ext uri="{FF2B5EF4-FFF2-40B4-BE49-F238E27FC236}">
+                <a16:creationId xmlns:a16="http://schemas.microsoft.com/office/drawing/2014/main" id="{AA30331B-5EE4-5548-95D4-DB3B18350857}"/>
+              </a:ext>
+            </a:extLst>
+          </p:cNvPr>
+          <p:cNvCxnSpPr>
+            <a:cxnSpLocks/>
+            <a:stCxn id="31" idx="1"/>
+            <a:endCxn id="51" idx="0"/>
+          </p:cNvCxnSpPr>
+          <p:nvPr/>
+        </p:nvCxnSpPr>
+        <p:spPr>
+          <a:xfrm rot="10800000" flipV="1">
+            <a:off x="5471458" y="2487502"/>
+            <a:ext cx="1333501" cy="274979"/>
+          </a:xfrm>
+          <a:prstGeom prst="bentConnector2">
+            <a:avLst/>
+          </a:prstGeom>
+          <a:ln>
+            <a:tailEnd type="triangle"/>
+          </a:ln>
+        </p:spPr>
+        <p:style>
+          <a:lnRef idx="1">
+            <a:schemeClr val="accent1"/>
+          </a:lnRef>
+          <a:fillRef idx="0">
+            <a:schemeClr val="accent1"/>
+          </a:fillRef>
+          <a:effectRef idx="0">
+            <a:schemeClr val="accent1"/>
+          </a:effectRef>
+          <a:fontRef idx="minor">
+            <a:schemeClr val="tx1"/>
+          </a:fontRef>
+        </p:style>
+      </p:cxnSp>
+      <p:sp>
+        <p:nvSpPr>
+          <p:cNvPr id="62" name="TextBox 61">
+            <a:extLst>
+              <a:ext uri="{FF2B5EF4-FFF2-40B4-BE49-F238E27FC236}">
+                <a16:creationId xmlns:a16="http://schemas.microsoft.com/office/drawing/2014/main" id="{7E3F5B4F-CC92-9B4C-932A-63B0FE3139E1}"/>
+              </a:ext>
+            </a:extLst>
+          </p:cNvPr>
+          <p:cNvSpPr txBox="1"/>
+          <p:nvPr/>
+        </p:nvSpPr>
+        <p:spPr>
+          <a:xfrm>
+            <a:off x="482125" y="4278902"/>
+            <a:ext cx="3838230" cy="338554"/>
+          </a:xfrm>
+          <a:prstGeom prst="rect">
+            <a:avLst/>
+          </a:prstGeom>
+          <a:noFill/>
+        </p:spPr>
+        <p:txBody>
+          <a:bodyPr wrap="none" rtlCol="0">
+            <a:spAutoFit/>
+          </a:bodyPr>
+          <a:lstStyle/>
+          <a:p>
+            <a:r>
+              <a:rPr lang="zh-CN" altLang="en-US" sz="1600" dirty="0">
+                <a:solidFill>
+                  <a:srgbClr val="FF0000"/>
+                </a:solidFill>
+              </a:rPr>
+              <a:t>注：中间件不一定是消息服务，比如</a:t>
+            </a:r>
+            <a:r>
+              <a:rPr lang="en-US" altLang="zh-CN" sz="1600" dirty="0">
+                <a:solidFill>
+                  <a:srgbClr val="FF0000"/>
+                </a:solidFill>
+              </a:rPr>
+              <a:t>Http</a:t>
+            </a:r>
+            <a:endParaRPr lang="en-US" dirty="0">
+              <a:solidFill>
+                <a:srgbClr val="FF0000"/>
+              </a:solidFill>
+            </a:endParaRPr>
+          </a:p>
+        </p:txBody>
+      </p:sp>
+      <p:sp>
+        <p:nvSpPr>
+          <p:cNvPr id="63" name="TextBox 62">
+            <a:extLst>
+              <a:ext uri="{FF2B5EF4-FFF2-40B4-BE49-F238E27FC236}">
+                <a16:creationId xmlns:a16="http://schemas.microsoft.com/office/drawing/2014/main" id="{B01AACEC-EF64-FE49-B2FB-37C321BC9FBD}"/>
+              </a:ext>
+            </a:extLst>
+          </p:cNvPr>
+          <p:cNvSpPr txBox="1"/>
+          <p:nvPr/>
+        </p:nvSpPr>
+        <p:spPr>
+          <a:xfrm>
+            <a:off x="5971798" y="2318586"/>
+            <a:ext cx="453840" cy="215444"/>
+          </a:xfrm>
+          <a:prstGeom prst="rect">
+            <a:avLst/>
+          </a:prstGeom>
+          <a:noFill/>
+        </p:spPr>
+        <p:txBody>
+          <a:bodyPr wrap="square" rtlCol="0">
+            <a:spAutoFit/>
+          </a:bodyPr>
+          <a:lstStyle/>
+          <a:p>
+            <a:r>
+              <a:rPr lang="zh-CN" altLang="en-US" sz="800" dirty="0">
+                <a:latin typeface="+mj-ea"/>
+                <a:ea typeface="+mj-ea"/>
+              </a:rPr>
+              <a:t>订阅</a:t>
+            </a:r>
+            <a:endParaRPr lang="en-US" sz="1000" dirty="0">
+              <a:latin typeface="+mj-ea"/>
+              <a:ea typeface="+mj-ea"/>
+            </a:endParaRPr>
+          </a:p>
+        </p:txBody>
+      </p:sp>
+      <p:sp>
+        <p:nvSpPr>
+          <p:cNvPr id="65" name="TextBox 64">
+            <a:extLst>
+              <a:ext uri="{FF2B5EF4-FFF2-40B4-BE49-F238E27FC236}">
+                <a16:creationId xmlns:a16="http://schemas.microsoft.com/office/drawing/2014/main" id="{A81F4B93-B3BB-2D4F-91F2-EBEAB83351C9}"/>
+              </a:ext>
+            </a:extLst>
+          </p:cNvPr>
+          <p:cNvSpPr txBox="1"/>
+          <p:nvPr/>
+        </p:nvSpPr>
+        <p:spPr>
+          <a:xfrm>
+            <a:off x="6247355" y="3242372"/>
+            <a:ext cx="453840" cy="215444"/>
+          </a:xfrm>
+          <a:prstGeom prst="rect">
+            <a:avLst/>
+          </a:prstGeom>
+          <a:noFill/>
+        </p:spPr>
+        <p:txBody>
+          <a:bodyPr wrap="square" rtlCol="0">
+            <a:spAutoFit/>
+          </a:bodyPr>
+          <a:lstStyle/>
+          <a:p>
+            <a:r>
+              <a:rPr lang="zh-CN" altLang="en-US" sz="800" dirty="0">
+                <a:latin typeface="+mj-ea"/>
+                <a:ea typeface="+mj-ea"/>
+              </a:rPr>
+              <a:t>订阅</a:t>
+            </a:r>
+            <a:endParaRPr lang="en-US" sz="1000" dirty="0">
+              <a:latin typeface="+mj-ea"/>
+              <a:ea typeface="+mj-ea"/>
+            </a:endParaRPr>
+          </a:p>
+        </p:txBody>
+      </p:sp>
+      <p:sp>
+        <p:nvSpPr>
+          <p:cNvPr id="66" name="TextBox 65">
+            <a:extLst>
+              <a:ext uri="{FF2B5EF4-FFF2-40B4-BE49-F238E27FC236}">
+                <a16:creationId xmlns:a16="http://schemas.microsoft.com/office/drawing/2014/main" id="{7DB05651-01CE-DA47-830A-D904930EA85E}"/>
+              </a:ext>
+            </a:extLst>
+          </p:cNvPr>
+          <p:cNvSpPr txBox="1"/>
+          <p:nvPr/>
+        </p:nvSpPr>
+        <p:spPr>
+          <a:xfrm>
+            <a:off x="5962684" y="4101943"/>
+            <a:ext cx="453840" cy="215444"/>
+          </a:xfrm>
+          <a:prstGeom prst="rect">
+            <a:avLst/>
+          </a:prstGeom>
+          <a:noFill/>
+        </p:spPr>
+        <p:txBody>
+          <a:bodyPr wrap="square" rtlCol="0">
+            <a:spAutoFit/>
+          </a:bodyPr>
+          <a:lstStyle/>
+          <a:p>
+            <a:r>
+              <a:rPr lang="zh-CN" altLang="en-US" sz="800" dirty="0">
+                <a:latin typeface="+mj-ea"/>
+                <a:ea typeface="+mj-ea"/>
+              </a:rPr>
+              <a:t>订阅</a:t>
+            </a:r>
+            <a:endParaRPr lang="en-US" sz="1000" dirty="0">
+              <a:latin typeface="+mj-ea"/>
+              <a:ea typeface="+mj-ea"/>
+            </a:endParaRPr>
+          </a:p>
+        </p:txBody>
+      </p:sp>
+      <p:sp>
+        <p:nvSpPr>
+          <p:cNvPr id="67" name="TextBox 66">
+            <a:extLst>
+              <a:ext uri="{FF2B5EF4-FFF2-40B4-BE49-F238E27FC236}">
+                <a16:creationId xmlns:a16="http://schemas.microsoft.com/office/drawing/2014/main" id="{271A28BC-F745-964F-B99C-4C5808968560}"/>
+              </a:ext>
+            </a:extLst>
+          </p:cNvPr>
+          <p:cNvSpPr txBox="1"/>
+          <p:nvPr/>
+        </p:nvSpPr>
+        <p:spPr>
+          <a:xfrm>
+            <a:off x="4273810" y="3445399"/>
+            <a:ext cx="453840" cy="215444"/>
+          </a:xfrm>
+          <a:prstGeom prst="rect">
+            <a:avLst/>
+          </a:prstGeom>
+          <a:noFill/>
+        </p:spPr>
+        <p:txBody>
+          <a:bodyPr wrap="square" rtlCol="0">
+            <a:spAutoFit/>
+          </a:bodyPr>
+          <a:lstStyle/>
+          <a:p>
+            <a:r>
+              <a:rPr lang="zh-CN" altLang="en-US" sz="800" dirty="0">
+                <a:latin typeface="+mj-ea"/>
+                <a:ea typeface="+mj-ea"/>
+              </a:rPr>
+              <a:t>发布</a:t>
+            </a:r>
+            <a:endParaRPr lang="en-US" sz="1000" dirty="0">
+              <a:latin typeface="+mj-ea"/>
+              <a:ea typeface="+mj-ea"/>
+            </a:endParaRPr>
+          </a:p>
+        </p:txBody>
+      </p:sp>
+      <p:sp>
+        <p:nvSpPr>
+          <p:cNvPr id="68" name="Rectangle 67">
+            <a:extLst>
+              <a:ext uri="{FF2B5EF4-FFF2-40B4-BE49-F238E27FC236}">
+                <a16:creationId xmlns:a16="http://schemas.microsoft.com/office/drawing/2014/main" id="{A943B0E1-B8A6-2745-8A08-2762DF7C543B}"/>
+              </a:ext>
+            </a:extLst>
+          </p:cNvPr>
+          <p:cNvSpPr/>
+          <p:nvPr/>
+        </p:nvSpPr>
+        <p:spPr>
+          <a:xfrm>
+            <a:off x="7391400" y="648402"/>
+            <a:ext cx="1338828" cy="369332"/>
+          </a:xfrm>
+          <a:prstGeom prst="rect">
+            <a:avLst/>
+          </a:prstGeom>
+        </p:spPr>
+        <p:txBody>
+          <a:bodyPr wrap="none">
+            <a:spAutoFit/>
+          </a:bodyPr>
+          <a:lstStyle/>
+          <a:p>
+            <a:r>
+              <a:rPr lang="zh-CN" altLang="en-US" dirty="0"/>
+              <a:t>发布与订阅</a:t>
+            </a:r>
+            <a:endParaRPr lang="en-US" dirty="0"/>
+          </a:p>
+        </p:txBody>
+      </p:sp>
+    </p:spTree>
+    <p:extLst>
+      <p:ext uri="{BB962C8B-B14F-4D97-AF65-F5344CB8AC3E}">
+        <p14:creationId xmlns:p14="http://schemas.microsoft.com/office/powerpoint/2010/main" val="3876628344"/>
+      </p:ext>
+    </p:extLst>
+  </p:cSld>
+  <p:clrMapOvr>
+    <a:masterClrMapping/>
+  </p:clrMapOvr>
+</p:sld>
+</file>
+
+<file path=ppt/slides/slide11.xml><?xml version="1.0" encoding="utf-8"?>
+<p:sld xmlns:a="http://schemas.openxmlformats.org/drawingml/2006/main" xmlns:r="http://schemas.openxmlformats.org/officeDocument/2006/relationships" xmlns:p="http://schemas.openxmlformats.org/presentationml/2006/main">
+  <p:cSld>
+    <p:spTree>
+      <p:nvGrpSpPr>
+        <p:cNvPr id="1" name=""/>
+        <p:cNvGrpSpPr/>
+        <p:nvPr/>
+      </p:nvGrpSpPr>
+      <p:grpSpPr>
+        <a:xfrm>
+          <a:off x="0" y="0"/>
+          <a:ext cx="0" cy="0"/>
+          <a:chOff x="0" y="0"/>
+          <a:chExt cx="0" cy="0"/>
+        </a:xfrm>
+      </p:grpSpPr>
+      <p:sp>
+        <p:nvSpPr>
+          <p:cNvPr id="2" name="object 2"/>
+          <p:cNvSpPr txBox="1">
+            <a:spLocks noGrp="1"/>
+          </p:cNvSpPr>
+          <p:nvPr>
+            <p:ph type="title"/>
+          </p:nvPr>
+        </p:nvSpPr>
+        <p:spPr>
+          <a:xfrm>
+            <a:off x="384725" y="535134"/>
             <a:ext cx="3349076" cy="482600"/>
           </a:xfrm>
           <a:prstGeom prst="rect">
@@ -5508,99 +6930,6 @@
 </p:sld>
 </file>
 
-<file path=ppt/slides/slide11.xml><?xml version="1.0" encoding="utf-8"?>
-<p:sld xmlns:a="http://schemas.openxmlformats.org/drawingml/2006/main" xmlns:r="http://schemas.openxmlformats.org/officeDocument/2006/relationships" xmlns:p="http://schemas.openxmlformats.org/presentationml/2006/main">
-  <p:cSld>
-    <p:spTree>
-      <p:nvGrpSpPr>
-        <p:cNvPr id="1" name=""/>
-        <p:cNvGrpSpPr/>
-        <p:nvPr/>
-      </p:nvGrpSpPr>
-      <p:grpSpPr>
-        <a:xfrm>
-          <a:off x="0" y="0"/>
-          <a:ext cx="0" cy="0"/>
-          <a:chOff x="0" y="0"/>
-          <a:chExt cx="0" cy="0"/>
-        </a:xfrm>
-      </p:grpSpPr>
-      <p:sp>
-        <p:nvSpPr>
-          <p:cNvPr id="2" name="object 2"/>
-          <p:cNvSpPr txBox="1">
-            <a:spLocks noGrp="1"/>
-          </p:cNvSpPr>
-          <p:nvPr>
-            <p:ph type="title"/>
-          </p:nvPr>
-        </p:nvSpPr>
-        <p:spPr>
-          <a:xfrm>
-            <a:off x="384724" y="535134"/>
-            <a:ext cx="8316595" cy="482600"/>
-          </a:xfrm>
-          <a:prstGeom prst="rect">
-            <a:avLst/>
-          </a:prstGeom>
-        </p:spPr>
-        <p:txBody>
-          <a:bodyPr vert="horz" wrap="square" lIns="0" tIns="12700" rIns="0" bIns="0" rtlCol="0">
-            <a:spAutoFit/>
-          </a:bodyPr>
-          <a:lstStyle/>
-          <a:p>
-            <a:pPr marL="12700">
-              <a:lnSpc>
-                <a:spcPct val="100000"/>
-              </a:lnSpc>
-              <a:spcBef>
-                <a:spcPts val="100"/>
-              </a:spcBef>
-              <a:tabLst>
-                <a:tab pos="4126865" algn="l"/>
-              </a:tabLst>
-            </a:pPr>
-            <a:r>
-              <a:rPr lang="en-US" altLang="zh-CN" sz="3000" b="1" dirty="0">
-                <a:solidFill>
-                  <a:srgbClr val="424242"/>
-                </a:solidFill>
-                <a:latin typeface="Arial"/>
-                <a:cs typeface="Arial"/>
-              </a:rPr>
-              <a:t>Selector</a:t>
-            </a:r>
-            <a:r>
-              <a:rPr lang="zh-CN" altLang="en-US" sz="3000" b="1" dirty="0">
-                <a:solidFill>
-                  <a:srgbClr val="424242"/>
-                </a:solidFill>
-                <a:latin typeface="Arial"/>
-                <a:cs typeface="Arial"/>
-              </a:rPr>
-              <a:t> 选择器组件</a:t>
-            </a:r>
-            <a:endParaRPr sz="3000" dirty="0">
-              <a:latin typeface="Arial"/>
-              <a:cs typeface="Arial"/>
-            </a:endParaRPr>
-          </a:p>
-        </p:txBody>
-      </p:sp>
-    </p:spTree>
-    <p:extLst>
-      <p:ext uri="{BB962C8B-B14F-4D97-AF65-F5344CB8AC3E}">
-        <p14:creationId xmlns:p14="http://schemas.microsoft.com/office/powerpoint/2010/main" val="1715967350"/>
-      </p:ext>
-    </p:extLst>
-  </p:cSld>
-  <p:clrMapOvr>
-    <a:masterClrMapping/>
-  </p:clrMapOvr>
-</p:sld>
-</file>
-
 <file path=ppt/slides/slide12.xml><?xml version="1.0" encoding="utf-8"?>
 <p:sld xmlns:a="http://schemas.openxmlformats.org/drawingml/2006/main" xmlns:r="http://schemas.openxmlformats.org/officeDocument/2006/relationships" xmlns:p="http://schemas.openxmlformats.org/presentationml/2006/main">
   <p:cSld>
@@ -5630,6 +6959,99 @@
         </p:nvSpPr>
         <p:spPr>
           <a:xfrm>
+            <a:off x="384724" y="535134"/>
+            <a:ext cx="8316595" cy="482600"/>
+          </a:xfrm>
+          <a:prstGeom prst="rect">
+            <a:avLst/>
+          </a:prstGeom>
+        </p:spPr>
+        <p:txBody>
+          <a:bodyPr vert="horz" wrap="square" lIns="0" tIns="12700" rIns="0" bIns="0" rtlCol="0">
+            <a:spAutoFit/>
+          </a:bodyPr>
+          <a:lstStyle/>
+          <a:p>
+            <a:pPr marL="12700">
+              <a:lnSpc>
+                <a:spcPct val="100000"/>
+              </a:lnSpc>
+              <a:spcBef>
+                <a:spcPts val="100"/>
+              </a:spcBef>
+              <a:tabLst>
+                <a:tab pos="4126865" algn="l"/>
+              </a:tabLst>
+            </a:pPr>
+            <a:r>
+              <a:rPr lang="en-US" altLang="zh-CN" sz="3000" b="1" dirty="0">
+                <a:solidFill>
+                  <a:srgbClr val="424242"/>
+                </a:solidFill>
+                <a:latin typeface="Arial"/>
+                <a:cs typeface="Arial"/>
+              </a:rPr>
+              <a:t>Selector</a:t>
+            </a:r>
+            <a:r>
+              <a:rPr lang="zh-CN" altLang="en-US" sz="3000" b="1" dirty="0">
+                <a:solidFill>
+                  <a:srgbClr val="424242"/>
+                </a:solidFill>
+                <a:latin typeface="Arial"/>
+                <a:cs typeface="Arial"/>
+              </a:rPr>
+              <a:t> 选择器组件</a:t>
+            </a:r>
+            <a:endParaRPr sz="3000" dirty="0">
+              <a:latin typeface="Arial"/>
+              <a:cs typeface="Arial"/>
+            </a:endParaRPr>
+          </a:p>
+        </p:txBody>
+      </p:sp>
+    </p:spTree>
+    <p:extLst>
+      <p:ext uri="{BB962C8B-B14F-4D97-AF65-F5344CB8AC3E}">
+        <p14:creationId xmlns:p14="http://schemas.microsoft.com/office/powerpoint/2010/main" val="1715967350"/>
+      </p:ext>
+    </p:extLst>
+  </p:cSld>
+  <p:clrMapOvr>
+    <a:masterClrMapping/>
+  </p:clrMapOvr>
+</p:sld>
+</file>
+
+<file path=ppt/slides/slide13.xml><?xml version="1.0" encoding="utf-8"?>
+<p:sld xmlns:a="http://schemas.openxmlformats.org/drawingml/2006/main" xmlns:r="http://schemas.openxmlformats.org/officeDocument/2006/relationships" xmlns:p="http://schemas.openxmlformats.org/presentationml/2006/main">
+  <p:cSld>
+    <p:spTree>
+      <p:nvGrpSpPr>
+        <p:cNvPr id="1" name=""/>
+        <p:cNvGrpSpPr/>
+        <p:nvPr/>
+      </p:nvGrpSpPr>
+      <p:grpSpPr>
+        <a:xfrm>
+          <a:off x="0" y="0"/>
+          <a:ext cx="0" cy="0"/>
+          <a:chOff x="0" y="0"/>
+          <a:chExt cx="0" cy="0"/>
+        </a:xfrm>
+      </p:grpSpPr>
+      <p:sp>
+        <p:nvSpPr>
+          <p:cNvPr id="2" name="object 2"/>
+          <p:cNvSpPr txBox="1">
+            <a:spLocks noGrp="1"/>
+          </p:cNvSpPr>
+          <p:nvPr>
+            <p:ph type="title"/>
+          </p:nvPr>
+        </p:nvSpPr>
+        <p:spPr>
+          <a:xfrm>
             <a:off x="384725" y="535134"/>
             <a:ext cx="4339676" cy="482600"/>
           </a:xfrm>
@@ -5957,7 +7379,7 @@
 </p:sld>
 </file>
 
-<file path=ppt/slides/slide13.xml><?xml version="1.0" encoding="utf-8"?>
+<file path=ppt/slides/slide14.xml><?xml version="1.0" encoding="utf-8"?>
 <p:sld xmlns:a="http://schemas.openxmlformats.org/drawingml/2006/main" xmlns:r="http://schemas.openxmlformats.org/officeDocument/2006/relationships" xmlns:p="http://schemas.openxmlformats.org/presentationml/2006/main">
   <p:cSld>
     <p:spTree>
@@ -7962,167 +9384,6 @@
 </p:sld>
 </file>
 
-<file path=ppt/slides/slide14.xml><?xml version="1.0" encoding="utf-8"?>
-<p:sld xmlns:a="http://schemas.openxmlformats.org/drawingml/2006/main" xmlns:r="http://schemas.openxmlformats.org/officeDocument/2006/relationships" xmlns:p="http://schemas.openxmlformats.org/presentationml/2006/main">
-  <p:cSld>
-    <p:spTree>
-      <p:nvGrpSpPr>
-        <p:cNvPr id="1" name=""/>
-        <p:cNvGrpSpPr/>
-        <p:nvPr/>
-      </p:nvGrpSpPr>
-      <p:grpSpPr>
-        <a:xfrm>
-          <a:off x="0" y="0"/>
-          <a:ext cx="0" cy="0"/>
-          <a:chOff x="0" y="0"/>
-          <a:chExt cx="0" cy="0"/>
-        </a:xfrm>
-      </p:grpSpPr>
-      <p:sp>
-        <p:nvSpPr>
-          <p:cNvPr id="5" name="TextBox 4">
-            <a:extLst>
-              <a:ext uri="{FF2B5EF4-FFF2-40B4-BE49-F238E27FC236}">
-                <a16:creationId xmlns:a16="http://schemas.microsoft.com/office/drawing/2014/main" id="{48D888AF-43EF-7543-87AB-A59B8C1FADDE}"/>
-              </a:ext>
-            </a:extLst>
-          </p:cNvPr>
-          <p:cNvSpPr txBox="1"/>
-          <p:nvPr/>
-        </p:nvSpPr>
-        <p:spPr>
-          <a:xfrm>
-            <a:off x="762000" y="1013460"/>
-            <a:ext cx="184731" cy="369332"/>
-          </a:xfrm>
-          <a:prstGeom prst="rect">
-            <a:avLst/>
-          </a:prstGeom>
-          <a:noFill/>
-        </p:spPr>
-        <p:txBody>
-          <a:bodyPr wrap="none" rtlCol="0">
-            <a:spAutoFit/>
-          </a:bodyPr>
-          <a:lstStyle/>
-          <a:p>
-            <a:endParaRPr lang="en-US"/>
-          </a:p>
-        </p:txBody>
-      </p:sp>
-      <p:sp>
-        <p:nvSpPr>
-          <p:cNvPr id="7" name="object 2">
-            <a:extLst>
-              <a:ext uri="{FF2B5EF4-FFF2-40B4-BE49-F238E27FC236}">
-                <a16:creationId xmlns:a16="http://schemas.microsoft.com/office/drawing/2014/main" id="{E5719FE4-BF63-9D43-866E-DE23CC48C387}"/>
-              </a:ext>
-            </a:extLst>
-          </p:cNvPr>
-          <p:cNvSpPr txBox="1">
-            <a:spLocks noGrp="1"/>
-          </p:cNvSpPr>
-          <p:nvPr>
-            <p:ph type="title"/>
-          </p:nvPr>
-        </p:nvSpPr>
-        <p:spPr>
-          <a:xfrm>
-            <a:off x="384725" y="535134"/>
-            <a:ext cx="4339676" cy="482600"/>
-          </a:xfrm>
-          <a:prstGeom prst="rect">
-            <a:avLst/>
-          </a:prstGeom>
-        </p:spPr>
-        <p:txBody>
-          <a:bodyPr vert="horz" wrap="square" lIns="0" tIns="12700" rIns="0" bIns="0" rtlCol="0">
-            <a:spAutoFit/>
-          </a:bodyPr>
-          <a:lstStyle/>
-          <a:p>
-            <a:pPr marL="12700">
-              <a:lnSpc>
-                <a:spcPct val="100000"/>
-              </a:lnSpc>
-              <a:spcBef>
-                <a:spcPts val="100"/>
-              </a:spcBef>
-              <a:tabLst>
-                <a:tab pos="4126865" algn="l"/>
-              </a:tabLst>
-            </a:pPr>
-            <a:r>
-              <a:rPr lang="en-US" altLang="zh-CN" sz="3000" b="1" dirty="0">
-                <a:solidFill>
-                  <a:srgbClr val="424242"/>
-                </a:solidFill>
-                <a:latin typeface="Arial"/>
-                <a:cs typeface="Arial"/>
-              </a:rPr>
-              <a:t>Transport</a:t>
-            </a:r>
-            <a:r>
-              <a:rPr lang="zh-CN" altLang="en-US" sz="3000" b="1" dirty="0">
-                <a:solidFill>
-                  <a:srgbClr val="424242"/>
-                </a:solidFill>
-                <a:latin typeface="Arial"/>
-                <a:cs typeface="Arial"/>
-              </a:rPr>
-              <a:t> 的分类</a:t>
-            </a:r>
-            <a:endParaRPr sz="3000" dirty="0">
-              <a:latin typeface="Arial"/>
-              <a:cs typeface="Arial"/>
-            </a:endParaRPr>
-          </a:p>
-        </p:txBody>
-      </p:sp>
-      <p:pic>
-        <p:nvPicPr>
-          <p:cNvPr id="13" name="Picture 12">
-            <a:extLst>
-              <a:ext uri="{FF2B5EF4-FFF2-40B4-BE49-F238E27FC236}">
-                <a16:creationId xmlns:a16="http://schemas.microsoft.com/office/drawing/2014/main" id="{28020BB4-9CF6-564C-86A5-AD649AB8742E}"/>
-              </a:ext>
-            </a:extLst>
-          </p:cNvPr>
-          <p:cNvPicPr>
-            <a:picLocks noChangeAspect="1"/>
-          </p:cNvPicPr>
-          <p:nvPr/>
-        </p:nvPicPr>
-        <p:blipFill>
-          <a:blip r:embed="rId3"/>
-          <a:stretch>
-            <a:fillRect/>
-          </a:stretch>
-        </p:blipFill>
-        <p:spPr>
-          <a:xfrm>
-            <a:off x="579666" y="1382792"/>
-            <a:ext cx="4144735" cy="3223683"/>
-          </a:xfrm>
-          <a:prstGeom prst="rect">
-            <a:avLst/>
-          </a:prstGeom>
-        </p:spPr>
-      </p:pic>
-    </p:spTree>
-    <p:extLst>
-      <p:ext uri="{BB962C8B-B14F-4D97-AF65-F5344CB8AC3E}">
-        <p14:creationId xmlns:p14="http://schemas.microsoft.com/office/powerpoint/2010/main" val="1007403222"/>
-      </p:ext>
-    </p:extLst>
-  </p:cSld>
-  <p:clrMapOvr>
-    <a:masterClrMapping/>
-  </p:clrMapOvr>
-</p:sld>
-</file>
-
 <file path=ppt/slides/slide15.xml><?xml version="1.0" encoding="utf-8"?>
 <p:sld xmlns:a="http://schemas.openxmlformats.org/drawingml/2006/main" xmlns:r="http://schemas.openxmlformats.org/officeDocument/2006/relationships" xmlns:p="http://schemas.openxmlformats.org/presentationml/2006/main">
   <p:cSld>
@@ -8142,6 +9403,167 @@
       </p:grpSpPr>
       <p:sp>
         <p:nvSpPr>
+          <p:cNvPr id="5" name="TextBox 4">
+            <a:extLst>
+              <a:ext uri="{FF2B5EF4-FFF2-40B4-BE49-F238E27FC236}">
+                <a16:creationId xmlns:a16="http://schemas.microsoft.com/office/drawing/2014/main" id="{48D888AF-43EF-7543-87AB-A59B8C1FADDE}"/>
+              </a:ext>
+            </a:extLst>
+          </p:cNvPr>
+          <p:cNvSpPr txBox="1"/>
+          <p:nvPr/>
+        </p:nvSpPr>
+        <p:spPr>
+          <a:xfrm>
+            <a:off x="762000" y="1013460"/>
+            <a:ext cx="184731" cy="369332"/>
+          </a:xfrm>
+          <a:prstGeom prst="rect">
+            <a:avLst/>
+          </a:prstGeom>
+          <a:noFill/>
+        </p:spPr>
+        <p:txBody>
+          <a:bodyPr wrap="none" rtlCol="0">
+            <a:spAutoFit/>
+          </a:bodyPr>
+          <a:lstStyle/>
+          <a:p>
+            <a:endParaRPr lang="en-US"/>
+          </a:p>
+        </p:txBody>
+      </p:sp>
+      <p:sp>
+        <p:nvSpPr>
+          <p:cNvPr id="7" name="object 2">
+            <a:extLst>
+              <a:ext uri="{FF2B5EF4-FFF2-40B4-BE49-F238E27FC236}">
+                <a16:creationId xmlns:a16="http://schemas.microsoft.com/office/drawing/2014/main" id="{E5719FE4-BF63-9D43-866E-DE23CC48C387}"/>
+              </a:ext>
+            </a:extLst>
+          </p:cNvPr>
+          <p:cNvSpPr txBox="1">
+            <a:spLocks noGrp="1"/>
+          </p:cNvSpPr>
+          <p:nvPr>
+            <p:ph type="title"/>
+          </p:nvPr>
+        </p:nvSpPr>
+        <p:spPr>
+          <a:xfrm>
+            <a:off x="384725" y="535134"/>
+            <a:ext cx="4339676" cy="482600"/>
+          </a:xfrm>
+          <a:prstGeom prst="rect">
+            <a:avLst/>
+          </a:prstGeom>
+        </p:spPr>
+        <p:txBody>
+          <a:bodyPr vert="horz" wrap="square" lIns="0" tIns="12700" rIns="0" bIns="0" rtlCol="0">
+            <a:spAutoFit/>
+          </a:bodyPr>
+          <a:lstStyle/>
+          <a:p>
+            <a:pPr marL="12700">
+              <a:lnSpc>
+                <a:spcPct val="100000"/>
+              </a:lnSpc>
+              <a:spcBef>
+                <a:spcPts val="100"/>
+              </a:spcBef>
+              <a:tabLst>
+                <a:tab pos="4126865" algn="l"/>
+              </a:tabLst>
+            </a:pPr>
+            <a:r>
+              <a:rPr lang="en-US" altLang="zh-CN" sz="3000" b="1" dirty="0">
+                <a:solidFill>
+                  <a:srgbClr val="424242"/>
+                </a:solidFill>
+                <a:latin typeface="Arial"/>
+                <a:cs typeface="Arial"/>
+              </a:rPr>
+              <a:t>Transport</a:t>
+            </a:r>
+            <a:r>
+              <a:rPr lang="zh-CN" altLang="en-US" sz="3000" b="1" dirty="0">
+                <a:solidFill>
+                  <a:srgbClr val="424242"/>
+                </a:solidFill>
+                <a:latin typeface="Arial"/>
+                <a:cs typeface="Arial"/>
+              </a:rPr>
+              <a:t> 的分类</a:t>
+            </a:r>
+            <a:endParaRPr sz="3000" dirty="0">
+              <a:latin typeface="Arial"/>
+              <a:cs typeface="Arial"/>
+            </a:endParaRPr>
+          </a:p>
+        </p:txBody>
+      </p:sp>
+      <p:pic>
+        <p:nvPicPr>
+          <p:cNvPr id="13" name="Picture 12">
+            <a:extLst>
+              <a:ext uri="{FF2B5EF4-FFF2-40B4-BE49-F238E27FC236}">
+                <a16:creationId xmlns:a16="http://schemas.microsoft.com/office/drawing/2014/main" id="{28020BB4-9CF6-564C-86A5-AD649AB8742E}"/>
+              </a:ext>
+            </a:extLst>
+          </p:cNvPr>
+          <p:cNvPicPr>
+            <a:picLocks noChangeAspect="1"/>
+          </p:cNvPicPr>
+          <p:nvPr/>
+        </p:nvPicPr>
+        <p:blipFill>
+          <a:blip r:embed="rId3"/>
+          <a:stretch>
+            <a:fillRect/>
+          </a:stretch>
+        </p:blipFill>
+        <p:spPr>
+          <a:xfrm>
+            <a:off x="579666" y="1382792"/>
+            <a:ext cx="4144735" cy="3223683"/>
+          </a:xfrm>
+          <a:prstGeom prst="rect">
+            <a:avLst/>
+          </a:prstGeom>
+        </p:spPr>
+      </p:pic>
+    </p:spTree>
+    <p:extLst>
+      <p:ext uri="{BB962C8B-B14F-4D97-AF65-F5344CB8AC3E}">
+        <p14:creationId xmlns:p14="http://schemas.microsoft.com/office/powerpoint/2010/main" val="1007403222"/>
+      </p:ext>
+    </p:extLst>
+  </p:cSld>
+  <p:clrMapOvr>
+    <a:masterClrMapping/>
+  </p:clrMapOvr>
+</p:sld>
+</file>
+
+<file path=ppt/slides/slide16.xml><?xml version="1.0" encoding="utf-8"?>
+<p:sld xmlns:a="http://schemas.openxmlformats.org/drawingml/2006/main" xmlns:r="http://schemas.openxmlformats.org/officeDocument/2006/relationships" xmlns:p="http://schemas.openxmlformats.org/presentationml/2006/main">
+  <p:cSld>
+    <p:spTree>
+      <p:nvGrpSpPr>
+        <p:cNvPr id="1" name=""/>
+        <p:cNvGrpSpPr/>
+        <p:nvPr/>
+      </p:nvGrpSpPr>
+      <p:grpSpPr>
+        <a:xfrm>
+          <a:off x="0" y="0"/>
+          <a:ext cx="0" cy="0"/>
+          <a:chOff x="0" y="0"/>
+          <a:chExt cx="0" cy="0"/>
+        </a:xfrm>
+      </p:grpSpPr>
+      <p:sp>
+        <p:nvSpPr>
           <p:cNvPr id="4" name="Title 3">
             <a:extLst>
               <a:ext uri="{FF2B5EF4-FFF2-40B4-BE49-F238E27FC236}">
@@ -8182,7 +9604,7 @@
 </p:sld>
 </file>
 
-<file path=ppt/slides/slide16.xml><?xml version="1.0" encoding="utf-8"?>
+<file path=ppt/slides/slide17.xml><?xml version="1.0" encoding="utf-8"?>
 <p:sld xmlns:a="http://schemas.openxmlformats.org/drawingml/2006/main" xmlns:r="http://schemas.openxmlformats.org/officeDocument/2006/relationships" xmlns:p="http://schemas.openxmlformats.org/presentationml/2006/main">
   <p:cSld>
     <p:spTree>
@@ -8761,654 +10183,6 @@
 </p:sld>
 </file>
 
-<file path=ppt/slides/slide17.xml><?xml version="1.0" encoding="utf-8"?>
-<p:sld xmlns:a="http://schemas.openxmlformats.org/drawingml/2006/main" xmlns:r="http://schemas.openxmlformats.org/officeDocument/2006/relationships" xmlns:p="http://schemas.openxmlformats.org/presentationml/2006/main">
-  <p:cSld>
-    <p:spTree>
-      <p:nvGrpSpPr>
-        <p:cNvPr id="1" name=""/>
-        <p:cNvGrpSpPr/>
-        <p:nvPr/>
-      </p:nvGrpSpPr>
-      <p:grpSpPr>
-        <a:xfrm>
-          <a:off x="0" y="0"/>
-          <a:ext cx="0" cy="0"/>
-          <a:chOff x="0" y="0"/>
-          <a:chExt cx="0" cy="0"/>
-        </a:xfrm>
-      </p:grpSpPr>
-      <p:sp>
-        <p:nvSpPr>
-          <p:cNvPr id="6" name="object 2">
-            <a:extLst>
-              <a:ext uri="{FF2B5EF4-FFF2-40B4-BE49-F238E27FC236}">
-                <a16:creationId xmlns:a16="http://schemas.microsoft.com/office/drawing/2014/main" id="{200EBB32-0BFA-5F49-8BA9-A327C6BB8BDF}"/>
-              </a:ext>
-            </a:extLst>
-          </p:cNvPr>
-          <p:cNvSpPr txBox="1">
-            <a:spLocks/>
-          </p:cNvSpPr>
-          <p:nvPr/>
-        </p:nvSpPr>
-        <p:spPr>
-          <a:xfrm>
-            <a:off x="384725" y="535134"/>
-            <a:ext cx="2739475" cy="482600"/>
-          </a:xfrm>
-          <a:prstGeom prst="rect">
-            <a:avLst/>
-          </a:prstGeom>
-        </p:spPr>
-        <p:txBody>
-          <a:bodyPr vert="horz" wrap="square" lIns="0" tIns="12700" rIns="0" bIns="0" rtlCol="0">
-            <a:spAutoFit/>
-          </a:bodyPr>
-          <a:lstStyle>
-            <a:lvl1pPr>
-              <a:defRPr sz="5400" b="0" i="0">
-                <a:solidFill>
-                  <a:schemeClr val="bg1"/>
-                </a:solidFill>
-                <a:latin typeface="Arial Black"/>
-                <a:ea typeface="+mj-ea"/>
-                <a:cs typeface="Arial Black"/>
-              </a:defRPr>
-            </a:lvl1pPr>
-          </a:lstStyle>
-          <a:p>
-            <a:pPr marL="12700">
-              <a:spcBef>
-                <a:spcPts val="100"/>
-              </a:spcBef>
-              <a:tabLst>
-                <a:tab pos="4126865" algn="l"/>
-              </a:tabLst>
-            </a:pPr>
-            <a:r>
-              <a:rPr lang="zh-CN" altLang="en-US" sz="3000" b="1" kern="0" dirty="0">
-                <a:solidFill>
-                  <a:srgbClr val="424242"/>
-                </a:solidFill>
-                <a:latin typeface="Arial"/>
-                <a:cs typeface="Arial"/>
-              </a:rPr>
-              <a:t>插件化代码演示</a:t>
-            </a:r>
-            <a:endParaRPr lang="zh-CN" altLang="en-US" sz="3000" kern="0" dirty="0">
-              <a:latin typeface="Arial"/>
-              <a:cs typeface="Arial"/>
-            </a:endParaRPr>
-          </a:p>
-        </p:txBody>
-      </p:sp>
-      <p:sp>
-        <p:nvSpPr>
-          <p:cNvPr id="7" name="Rectangle 6">
-            <a:extLst>
-              <a:ext uri="{FF2B5EF4-FFF2-40B4-BE49-F238E27FC236}">
-                <a16:creationId xmlns:a16="http://schemas.microsoft.com/office/drawing/2014/main" id="{DB25F112-5452-E941-8D75-D80D8DC3DA77}"/>
-              </a:ext>
-            </a:extLst>
-          </p:cNvPr>
-          <p:cNvSpPr/>
-          <p:nvPr/>
-        </p:nvSpPr>
-        <p:spPr>
-          <a:xfrm>
-            <a:off x="457200" y="1657350"/>
-            <a:ext cx="2360133" cy="715581"/>
-          </a:xfrm>
-          <a:prstGeom prst="rect">
-            <a:avLst/>
-          </a:prstGeom>
-        </p:spPr>
-        <p:txBody>
-          <a:bodyPr wrap="square">
-            <a:spAutoFit/>
-          </a:bodyPr>
-          <a:lstStyle/>
-          <a:p>
-            <a:pPr marL="342900" indent="-342900">
-              <a:buAutoNum type="arabicPeriod"/>
-            </a:pPr>
-            <a:r>
-              <a:rPr lang="zh-CN" altLang="en-US" sz="1350" dirty="0"/>
-              <a:t>实例化一个</a:t>
-            </a:r>
-            <a:r>
-              <a:rPr lang="en-US" altLang="zh-CN" sz="1350" dirty="0"/>
-              <a:t>Rpc</a:t>
-            </a:r>
-            <a:r>
-              <a:rPr lang="zh-CN" altLang="en-US" sz="1350" dirty="0"/>
-              <a:t>服务</a:t>
-            </a:r>
-            <a:endParaRPr lang="en-US" altLang="zh-CN" sz="1350" dirty="0"/>
-          </a:p>
-          <a:p>
-            <a:pPr marL="342900" indent="-342900">
-              <a:buAutoNum type="arabicPeriod"/>
-            </a:pPr>
-            <a:r>
-              <a:rPr lang="en-US" altLang="zh-CN" sz="1350" dirty="0"/>
-              <a:t>Registry</a:t>
-            </a:r>
-            <a:r>
-              <a:rPr lang="zh-CN" altLang="en-US" sz="1350" dirty="0"/>
-              <a:t>注册使用</a:t>
-            </a:r>
-            <a:r>
-              <a:rPr lang="en-US" altLang="zh-CN" sz="1350" dirty="0"/>
-              <a:t>MDNS</a:t>
-            </a:r>
-          </a:p>
-          <a:p>
-            <a:pPr marL="342900" indent="-342900">
-              <a:buAutoNum type="arabicPeriod"/>
-            </a:pPr>
-            <a:r>
-              <a:rPr lang="zh-CN" altLang="en-US" sz="1350" dirty="0"/>
-              <a:t>异步消息使用</a:t>
-            </a:r>
-            <a:r>
-              <a:rPr lang="en-US" altLang="zh-CN" sz="1350" dirty="0"/>
-              <a:t>HttpBroker</a:t>
-            </a:r>
-          </a:p>
-        </p:txBody>
-      </p:sp>
-      <p:sp>
-        <p:nvSpPr>
-          <p:cNvPr id="8" name="Rectangle 7">
-            <a:extLst>
-              <a:ext uri="{FF2B5EF4-FFF2-40B4-BE49-F238E27FC236}">
-                <a16:creationId xmlns:a16="http://schemas.microsoft.com/office/drawing/2014/main" id="{9A8CD80D-1A67-3E40-A57E-035697D02152}"/>
-              </a:ext>
-            </a:extLst>
-          </p:cNvPr>
-          <p:cNvSpPr/>
-          <p:nvPr/>
-        </p:nvSpPr>
-        <p:spPr>
-          <a:xfrm>
-            <a:off x="5181600" y="1657350"/>
-            <a:ext cx="2360133" cy="923330"/>
-          </a:xfrm>
-          <a:prstGeom prst="rect">
-            <a:avLst/>
-          </a:prstGeom>
-        </p:spPr>
-        <p:txBody>
-          <a:bodyPr wrap="square">
-            <a:spAutoFit/>
-          </a:bodyPr>
-          <a:lstStyle/>
-          <a:p>
-            <a:pPr marL="342900" indent="-342900">
-              <a:buAutoNum type="arabicPeriod"/>
-            </a:pPr>
-            <a:r>
-              <a:rPr lang="zh-CN" altLang="en-US" sz="1350" dirty="0"/>
-              <a:t>实例化一个</a:t>
-            </a:r>
-            <a:r>
-              <a:rPr lang="en-US" altLang="zh-CN" sz="1350" dirty="0"/>
-              <a:t>Rpc</a:t>
-            </a:r>
-            <a:r>
-              <a:rPr lang="zh-CN" altLang="en-US" sz="1350" dirty="0"/>
-              <a:t>服务</a:t>
-            </a:r>
-            <a:endParaRPr lang="en-US" altLang="zh-CN" sz="1350" dirty="0"/>
-          </a:p>
-          <a:p>
-            <a:pPr marL="342900" indent="-342900">
-              <a:buAutoNum type="arabicPeriod"/>
-            </a:pPr>
-            <a:r>
-              <a:rPr lang="zh-CN" altLang="en-US" sz="1350" dirty="0"/>
-              <a:t>注册中心使用</a:t>
-            </a:r>
-            <a:r>
-              <a:rPr lang="en-US" altLang="zh-CN" sz="1350" dirty="0"/>
-              <a:t>Consul</a:t>
-            </a:r>
-          </a:p>
-          <a:p>
-            <a:pPr marL="342900" indent="-342900">
-              <a:buAutoNum type="arabicPeriod"/>
-            </a:pPr>
-            <a:r>
-              <a:rPr lang="zh-CN" altLang="en-US" sz="1350" dirty="0"/>
-              <a:t>异步消息使用</a:t>
-            </a:r>
-            <a:r>
-              <a:rPr lang="en-US" altLang="zh-CN" sz="1350" dirty="0"/>
-              <a:t>RabbitMQ</a:t>
-            </a:r>
-          </a:p>
-          <a:p>
-            <a:pPr marL="342900" indent="-342900">
-              <a:buAutoNum type="arabicPeriod"/>
-            </a:pPr>
-            <a:endParaRPr lang="en-US" sz="1350" dirty="0"/>
-          </a:p>
-        </p:txBody>
-      </p:sp>
-      <p:sp>
-        <p:nvSpPr>
-          <p:cNvPr id="9" name="TextBox 8">
-            <a:extLst>
-              <a:ext uri="{FF2B5EF4-FFF2-40B4-BE49-F238E27FC236}">
-                <a16:creationId xmlns:a16="http://schemas.microsoft.com/office/drawing/2014/main" id="{3BE5901C-7A36-094A-8C95-485B25251EDB}"/>
-              </a:ext>
-            </a:extLst>
-          </p:cNvPr>
-          <p:cNvSpPr txBox="1"/>
-          <p:nvPr/>
-        </p:nvSpPr>
-        <p:spPr>
-          <a:xfrm>
-            <a:off x="1431296" y="1288018"/>
-            <a:ext cx="646331" cy="369332"/>
-          </a:xfrm>
-          <a:prstGeom prst="rect">
-            <a:avLst/>
-          </a:prstGeom>
-          <a:noFill/>
-        </p:spPr>
-        <p:txBody>
-          <a:bodyPr wrap="none" rtlCol="0">
-            <a:spAutoFit/>
-          </a:bodyPr>
-          <a:lstStyle/>
-          <a:p>
-            <a:r>
-              <a:rPr lang="zh-CN" altLang="en-US"/>
-              <a:t>默认</a:t>
-            </a:r>
-            <a:endParaRPr lang="en-US"/>
-          </a:p>
-        </p:txBody>
-      </p:sp>
-      <p:sp>
-        <p:nvSpPr>
-          <p:cNvPr id="10" name="TextBox 9">
-            <a:extLst>
-              <a:ext uri="{FF2B5EF4-FFF2-40B4-BE49-F238E27FC236}">
-                <a16:creationId xmlns:a16="http://schemas.microsoft.com/office/drawing/2014/main" id="{37C2D380-1791-FE40-B079-4933D98EC435}"/>
-              </a:ext>
-            </a:extLst>
-          </p:cNvPr>
-          <p:cNvSpPr txBox="1"/>
-          <p:nvPr/>
-        </p:nvSpPr>
-        <p:spPr>
-          <a:xfrm>
-            <a:off x="5867400" y="1288018"/>
-            <a:ext cx="877163" cy="369332"/>
-          </a:xfrm>
-          <a:prstGeom prst="rect">
-            <a:avLst/>
-          </a:prstGeom>
-          <a:noFill/>
-        </p:spPr>
-        <p:txBody>
-          <a:bodyPr wrap="none" rtlCol="0">
-            <a:spAutoFit/>
-          </a:bodyPr>
-          <a:lstStyle/>
-          <a:p>
-            <a:r>
-              <a:rPr lang="zh-CN" altLang="en-US"/>
-              <a:t>自定义</a:t>
-            </a:r>
-            <a:endParaRPr lang="en-US"/>
-          </a:p>
-        </p:txBody>
-      </p:sp>
-      <p:sp>
-        <p:nvSpPr>
-          <p:cNvPr id="11" name="TextBox 10">
-            <a:extLst>
-              <a:ext uri="{FF2B5EF4-FFF2-40B4-BE49-F238E27FC236}">
-                <a16:creationId xmlns:a16="http://schemas.microsoft.com/office/drawing/2014/main" id="{BCCBF117-CAB8-D84E-A3BA-F57771D65128}"/>
-              </a:ext>
-            </a:extLst>
-          </p:cNvPr>
-          <p:cNvSpPr txBox="1"/>
-          <p:nvPr/>
-        </p:nvSpPr>
-        <p:spPr>
-          <a:xfrm>
-            <a:off x="462516" y="3012547"/>
-            <a:ext cx="2960426" cy="369332"/>
-          </a:xfrm>
-          <a:prstGeom prst="rect">
-            <a:avLst/>
-          </a:prstGeom>
-          <a:noFill/>
-        </p:spPr>
-        <p:txBody>
-          <a:bodyPr wrap="none" rtlCol="0">
-            <a:spAutoFit/>
-          </a:bodyPr>
-          <a:lstStyle/>
-          <a:p>
-            <a:r>
-              <a:rPr lang="en-US"/>
-              <a:t>service := micro.NewService()</a:t>
-            </a:r>
-          </a:p>
-        </p:txBody>
-      </p:sp>
-      <p:sp>
-        <p:nvSpPr>
-          <p:cNvPr id="12" name="TextBox 11">
-            <a:extLst>
-              <a:ext uri="{FF2B5EF4-FFF2-40B4-BE49-F238E27FC236}">
-                <a16:creationId xmlns:a16="http://schemas.microsoft.com/office/drawing/2014/main" id="{9044FA03-F145-2F4C-BCB4-455785CC7201}"/>
-              </a:ext>
-            </a:extLst>
-          </p:cNvPr>
-          <p:cNvSpPr txBox="1"/>
-          <p:nvPr/>
-        </p:nvSpPr>
-        <p:spPr>
-          <a:xfrm>
-            <a:off x="1431295" y="2580680"/>
-            <a:ext cx="646331" cy="369332"/>
-          </a:xfrm>
-          <a:prstGeom prst="rect">
-            <a:avLst/>
-          </a:prstGeom>
-          <a:noFill/>
-        </p:spPr>
-        <p:txBody>
-          <a:bodyPr wrap="none" rtlCol="0">
-            <a:spAutoFit/>
-          </a:bodyPr>
-          <a:lstStyle/>
-          <a:p>
-            <a:r>
-              <a:rPr lang="zh-CN" altLang="en-US"/>
-              <a:t>代码</a:t>
-            </a:r>
-            <a:endParaRPr lang="en-US"/>
-          </a:p>
-        </p:txBody>
-      </p:sp>
-      <p:sp>
-        <p:nvSpPr>
-          <p:cNvPr id="13" name="TextBox 12">
-            <a:extLst>
-              <a:ext uri="{FF2B5EF4-FFF2-40B4-BE49-F238E27FC236}">
-                <a16:creationId xmlns:a16="http://schemas.microsoft.com/office/drawing/2014/main" id="{118CE96E-861B-A44F-81A0-B0745367F3E9}"/>
-              </a:ext>
-            </a:extLst>
-          </p:cNvPr>
-          <p:cNvSpPr txBox="1"/>
-          <p:nvPr/>
-        </p:nvSpPr>
-        <p:spPr>
-          <a:xfrm>
-            <a:off x="5982815" y="2589937"/>
-            <a:ext cx="646331" cy="369332"/>
-          </a:xfrm>
-          <a:prstGeom prst="rect">
-            <a:avLst/>
-          </a:prstGeom>
-          <a:noFill/>
-        </p:spPr>
-        <p:txBody>
-          <a:bodyPr wrap="none" rtlCol="0">
-            <a:spAutoFit/>
-          </a:bodyPr>
-          <a:lstStyle/>
-          <a:p>
-            <a:r>
-              <a:rPr lang="zh-CN" altLang="en-US"/>
-              <a:t>代码</a:t>
-            </a:r>
-            <a:endParaRPr lang="en-US"/>
-          </a:p>
-        </p:txBody>
-      </p:sp>
-      <p:sp>
-        <p:nvSpPr>
-          <p:cNvPr id="14" name="TextBox 13">
-            <a:extLst>
-              <a:ext uri="{FF2B5EF4-FFF2-40B4-BE49-F238E27FC236}">
-                <a16:creationId xmlns:a16="http://schemas.microsoft.com/office/drawing/2014/main" id="{456C0F5A-2D4E-4F40-AE41-5210177F8AB0}"/>
-              </a:ext>
-            </a:extLst>
-          </p:cNvPr>
-          <p:cNvSpPr txBox="1"/>
-          <p:nvPr/>
-        </p:nvSpPr>
-        <p:spPr>
-          <a:xfrm rot="966097">
-            <a:off x="7594402" y="981267"/>
-            <a:ext cx="932628" cy="369332"/>
-          </a:xfrm>
-          <a:prstGeom prst="rect">
-            <a:avLst/>
-          </a:prstGeom>
-          <a:noFill/>
-          <a:ln w="19050">
-            <a:solidFill>
-              <a:srgbClr val="FF0000"/>
-            </a:solidFill>
-          </a:ln>
-        </p:spPr>
-        <p:txBody>
-          <a:bodyPr wrap="none" rtlCol="0">
-            <a:spAutoFit/>
-          </a:bodyPr>
-          <a:lstStyle/>
-          <a:p>
-            <a:r>
-              <a:rPr lang="en-US">
-                <a:solidFill>
-                  <a:srgbClr val="FF0000"/>
-                </a:solidFill>
-              </a:rPr>
-              <a:t>Registry</a:t>
-            </a:r>
-          </a:p>
-        </p:txBody>
-      </p:sp>
-      <p:sp>
-        <p:nvSpPr>
-          <p:cNvPr id="15" name="TextBox 14">
-            <a:extLst>
-              <a:ext uri="{FF2B5EF4-FFF2-40B4-BE49-F238E27FC236}">
-                <a16:creationId xmlns:a16="http://schemas.microsoft.com/office/drawing/2014/main" id="{F8A3D30C-7C00-6A40-98BB-C42CFBAB08C9}"/>
-              </a:ext>
-            </a:extLst>
-          </p:cNvPr>
-          <p:cNvSpPr txBox="1"/>
-          <p:nvPr/>
-        </p:nvSpPr>
-        <p:spPr>
-          <a:xfrm rot="923857">
-            <a:off x="7460716" y="1471521"/>
-            <a:ext cx="932628" cy="369332"/>
-          </a:xfrm>
-          <a:prstGeom prst="rect">
-            <a:avLst/>
-          </a:prstGeom>
-          <a:noFill/>
-          <a:ln w="19050">
-            <a:solidFill>
-              <a:srgbClr val="0070C0"/>
-            </a:solidFill>
-          </a:ln>
-        </p:spPr>
-        <p:txBody>
-          <a:bodyPr wrap="square" rtlCol="0">
-            <a:spAutoFit/>
-          </a:bodyPr>
-          <a:lstStyle/>
-          <a:p>
-            <a:r>
-              <a:rPr lang="en-US">
-                <a:solidFill>
-                  <a:srgbClr val="0070C0"/>
-                </a:solidFill>
-              </a:rPr>
-              <a:t>Broker</a:t>
-            </a:r>
-          </a:p>
-        </p:txBody>
-      </p:sp>
-      <p:sp>
-        <p:nvSpPr>
-          <p:cNvPr id="17" name="TextBox 16">
-            <a:extLst>
-              <a:ext uri="{FF2B5EF4-FFF2-40B4-BE49-F238E27FC236}">
-                <a16:creationId xmlns:a16="http://schemas.microsoft.com/office/drawing/2014/main" id="{AAFFB1C3-372F-8547-89DC-7034AF81B446}"/>
-              </a:ext>
-            </a:extLst>
-          </p:cNvPr>
-          <p:cNvSpPr txBox="1"/>
-          <p:nvPr/>
-        </p:nvSpPr>
-        <p:spPr>
-          <a:xfrm>
-            <a:off x="4953000" y="2968526"/>
-            <a:ext cx="4271426" cy="1569660"/>
-          </a:xfrm>
-          <a:prstGeom prst="rect">
-            <a:avLst/>
-          </a:prstGeom>
-          <a:noFill/>
-        </p:spPr>
-        <p:txBody>
-          <a:bodyPr wrap="none" rtlCol="0">
-            <a:spAutoFit/>
-          </a:bodyPr>
-          <a:lstStyle/>
-          <a:p>
-            <a:r>
-              <a:rPr lang="en-US" sz="1200"/>
-              <a:t>service := micro.NewService(</a:t>
-            </a:r>
-            <a:br>
-              <a:rPr lang="en-US" sz="1200"/>
-            </a:br>
-            <a:r>
-              <a:rPr lang="en-US" sz="1200"/>
-              <a:t>   </a:t>
-            </a:r>
-            <a:r>
-              <a:rPr lang="en-US" sz="1200">
-                <a:solidFill>
-                  <a:srgbClr val="FF0000"/>
-                </a:solidFill>
-              </a:rPr>
-              <a:t>micro.Registry(consul.NewRegistry(func(ops *registry.Options) {</a:t>
-            </a:r>
-            <a:br>
-              <a:rPr lang="en-US" sz="1200">
-                <a:solidFill>
-                  <a:srgbClr val="FF0000"/>
-                </a:solidFill>
-              </a:rPr>
-            </a:br>
-            <a:r>
-              <a:rPr lang="en-US" sz="1200">
-                <a:solidFill>
-                  <a:srgbClr val="FF0000"/>
-                </a:solidFill>
-              </a:rPr>
-              <a:t>      ops.Addrs = []string{"127.0.0.1:8500"}</a:t>
-            </a:r>
-            <a:br>
-              <a:rPr lang="en-US" sz="1200">
-                <a:solidFill>
-                  <a:srgbClr val="FF0000"/>
-                </a:solidFill>
-              </a:rPr>
-            </a:br>
-            <a:r>
-              <a:rPr lang="en-US" sz="1200">
-                <a:solidFill>
-                  <a:srgbClr val="FF0000"/>
-                </a:solidFill>
-              </a:rPr>
-              <a:t>   })),</a:t>
-            </a:r>
-            <a:br>
-              <a:rPr lang="en-US" sz="1200"/>
-            </a:br>
-            <a:r>
-              <a:rPr lang="en-US" sz="1200"/>
-              <a:t>   </a:t>
-            </a:r>
-            <a:r>
-              <a:rPr lang="en-US" sz="1200">
-                <a:solidFill>
-                  <a:srgbClr val="0070C0"/>
-                </a:solidFill>
-              </a:rPr>
-              <a:t>micro.Broker(rabbitmq.NewBroker(</a:t>
-            </a:r>
-            <a:br>
-              <a:rPr lang="en-US" sz="1200">
-                <a:solidFill>
-                  <a:srgbClr val="0070C0"/>
-                </a:solidFill>
-              </a:rPr>
-            </a:br>
-            <a:r>
-              <a:rPr lang="en-US" sz="1200">
-                <a:solidFill>
-                  <a:srgbClr val="0070C0"/>
-                </a:solidFill>
-              </a:rPr>
-              <a:t>      broker.Addrs([]string{"127.0.0.1:5672"}...),</a:t>
-            </a:r>
-            <a:br>
-              <a:rPr lang="en-US" sz="1200">
-                <a:solidFill>
-                  <a:srgbClr val="0070C0"/>
-                </a:solidFill>
-              </a:rPr>
-            </a:br>
-            <a:r>
-              <a:rPr lang="en-US" sz="1200">
-                <a:solidFill>
-                  <a:srgbClr val="0070C0"/>
-                </a:solidFill>
-              </a:rPr>
-              <a:t>   )),</a:t>
-            </a:r>
-            <a:br>
-              <a:rPr lang="en-US" sz="1200"/>
-            </a:br>
-            <a:r>
-              <a:rPr lang="en-US" sz="1200"/>
-              <a:t>)</a:t>
-            </a:r>
-          </a:p>
-        </p:txBody>
-      </p:sp>
-    </p:spTree>
-    <p:extLst>
-      <p:ext uri="{BB962C8B-B14F-4D97-AF65-F5344CB8AC3E}">
-        <p14:creationId xmlns:p14="http://schemas.microsoft.com/office/powerpoint/2010/main" val="4036063079"/>
-      </p:ext>
-    </p:extLst>
-  </p:cSld>
-  <p:clrMapOvr>
-    <a:masterClrMapping/>
-  </p:clrMapOvr>
-</p:sld>
-</file>
-
 <file path=ppt/slides/slide18.xml><?xml version="1.0" encoding="utf-8"?>
 <p:sld xmlns:a="http://schemas.openxmlformats.org/drawingml/2006/main" xmlns:r="http://schemas.openxmlformats.org/officeDocument/2006/relationships" xmlns:p="http://schemas.openxmlformats.org/presentationml/2006/main">
   <p:cSld>
@@ -9428,10 +10202,10 @@
       </p:grpSpPr>
       <p:sp>
         <p:nvSpPr>
-          <p:cNvPr id="5" name="object 2">
+          <p:cNvPr id="6" name="object 2">
             <a:extLst>
               <a:ext uri="{FF2B5EF4-FFF2-40B4-BE49-F238E27FC236}">
-                <a16:creationId xmlns:a16="http://schemas.microsoft.com/office/drawing/2014/main" id="{DE832DAB-0A0C-184C-A96A-667D3C6395D7}"/>
+                <a16:creationId xmlns:a16="http://schemas.microsoft.com/office/drawing/2014/main" id="{200EBB32-0BFA-5F49-8BA9-A327C6BB8BDF}"/>
               </a:ext>
             </a:extLst>
           </p:cNvPr>
@@ -9482,7 +10256,7 @@
                 <a:latin typeface="Arial"/>
                 <a:cs typeface="Arial"/>
               </a:rPr>
-              <a:t>插件化原理</a:t>
+              <a:t>插件化代码演示</a:t>
             </a:r>
             <a:endParaRPr lang="zh-CN" altLang="en-US" sz="3000" kern="0" dirty="0">
               <a:latin typeface="Arial"/>
@@ -9493,10 +10267,164 @@
       </p:sp>
       <p:sp>
         <p:nvSpPr>
-          <p:cNvPr id="6" name="TextBox 5">
+          <p:cNvPr id="7" name="Rectangle 6">
             <a:extLst>
               <a:ext uri="{FF2B5EF4-FFF2-40B4-BE49-F238E27FC236}">
-                <a16:creationId xmlns:a16="http://schemas.microsoft.com/office/drawing/2014/main" id="{8C13B48C-7A40-654D-AF68-D53BD490E4C1}"/>
+                <a16:creationId xmlns:a16="http://schemas.microsoft.com/office/drawing/2014/main" id="{DB25F112-5452-E941-8D75-D80D8DC3DA77}"/>
+              </a:ext>
+            </a:extLst>
+          </p:cNvPr>
+          <p:cNvSpPr/>
+          <p:nvPr/>
+        </p:nvSpPr>
+        <p:spPr>
+          <a:xfrm>
+            <a:off x="457200" y="1657350"/>
+            <a:ext cx="2360133" cy="715581"/>
+          </a:xfrm>
+          <a:prstGeom prst="rect">
+            <a:avLst/>
+          </a:prstGeom>
+        </p:spPr>
+        <p:txBody>
+          <a:bodyPr wrap="square">
+            <a:spAutoFit/>
+          </a:bodyPr>
+          <a:lstStyle/>
+          <a:p>
+            <a:pPr marL="342900" indent="-342900">
+              <a:buAutoNum type="arabicPeriod"/>
+            </a:pPr>
+            <a:r>
+              <a:rPr lang="zh-CN" altLang="en-US" sz="1350" dirty="0"/>
+              <a:t>实例化一个</a:t>
+            </a:r>
+            <a:r>
+              <a:rPr lang="en-US" altLang="zh-CN" sz="1350" dirty="0"/>
+              <a:t>Rpc</a:t>
+            </a:r>
+            <a:r>
+              <a:rPr lang="zh-CN" altLang="en-US" sz="1350" dirty="0"/>
+              <a:t>服务</a:t>
+            </a:r>
+            <a:endParaRPr lang="en-US" altLang="zh-CN" sz="1350" dirty="0"/>
+          </a:p>
+          <a:p>
+            <a:pPr marL="342900" indent="-342900">
+              <a:buAutoNum type="arabicPeriod"/>
+            </a:pPr>
+            <a:r>
+              <a:rPr lang="en-US" altLang="zh-CN" sz="1350" dirty="0"/>
+              <a:t>Registry</a:t>
+            </a:r>
+            <a:r>
+              <a:rPr lang="zh-CN" altLang="en-US" sz="1350" dirty="0"/>
+              <a:t>注册使用</a:t>
+            </a:r>
+            <a:r>
+              <a:rPr lang="en-US" altLang="zh-CN" sz="1350" dirty="0"/>
+              <a:t>MDNS</a:t>
+            </a:r>
+          </a:p>
+          <a:p>
+            <a:pPr marL="342900" indent="-342900">
+              <a:buAutoNum type="arabicPeriod"/>
+            </a:pPr>
+            <a:r>
+              <a:rPr lang="zh-CN" altLang="en-US" sz="1350" dirty="0"/>
+              <a:t>异步消息使用</a:t>
+            </a:r>
+            <a:r>
+              <a:rPr lang="en-US" altLang="zh-CN" sz="1350" dirty="0"/>
+              <a:t>HttpBroker</a:t>
+            </a:r>
+          </a:p>
+        </p:txBody>
+      </p:sp>
+      <p:sp>
+        <p:nvSpPr>
+          <p:cNvPr id="8" name="Rectangle 7">
+            <a:extLst>
+              <a:ext uri="{FF2B5EF4-FFF2-40B4-BE49-F238E27FC236}">
+                <a16:creationId xmlns:a16="http://schemas.microsoft.com/office/drawing/2014/main" id="{9A8CD80D-1A67-3E40-A57E-035697D02152}"/>
+              </a:ext>
+            </a:extLst>
+          </p:cNvPr>
+          <p:cNvSpPr/>
+          <p:nvPr/>
+        </p:nvSpPr>
+        <p:spPr>
+          <a:xfrm>
+            <a:off x="5181600" y="1657350"/>
+            <a:ext cx="2360133" cy="923330"/>
+          </a:xfrm>
+          <a:prstGeom prst="rect">
+            <a:avLst/>
+          </a:prstGeom>
+        </p:spPr>
+        <p:txBody>
+          <a:bodyPr wrap="square">
+            <a:spAutoFit/>
+          </a:bodyPr>
+          <a:lstStyle/>
+          <a:p>
+            <a:pPr marL="342900" indent="-342900">
+              <a:buAutoNum type="arabicPeriod"/>
+            </a:pPr>
+            <a:r>
+              <a:rPr lang="zh-CN" altLang="en-US" sz="1350" dirty="0"/>
+              <a:t>实例化一个</a:t>
+            </a:r>
+            <a:r>
+              <a:rPr lang="en-US" altLang="zh-CN" sz="1350" dirty="0"/>
+              <a:t>Rpc</a:t>
+            </a:r>
+            <a:r>
+              <a:rPr lang="zh-CN" altLang="en-US" sz="1350" dirty="0"/>
+              <a:t>服务</a:t>
+            </a:r>
+            <a:endParaRPr lang="en-US" altLang="zh-CN" sz="1350" dirty="0"/>
+          </a:p>
+          <a:p>
+            <a:pPr marL="342900" indent="-342900">
+              <a:buAutoNum type="arabicPeriod"/>
+            </a:pPr>
+            <a:r>
+              <a:rPr lang="zh-CN" altLang="en-US" sz="1350" dirty="0"/>
+              <a:t>注册中心使用</a:t>
+            </a:r>
+            <a:r>
+              <a:rPr lang="en-US" altLang="zh-CN" sz="1350" dirty="0"/>
+              <a:t>Consul</a:t>
+            </a:r>
+          </a:p>
+          <a:p>
+            <a:pPr marL="342900" indent="-342900">
+              <a:buAutoNum type="arabicPeriod"/>
+            </a:pPr>
+            <a:r>
+              <a:rPr lang="zh-CN" altLang="en-US" sz="1350" dirty="0"/>
+              <a:t>异步消息使用</a:t>
+            </a:r>
+            <a:r>
+              <a:rPr lang="en-US" altLang="zh-CN" sz="1350" dirty="0"/>
+              <a:t>RabbitMQ</a:t>
+            </a:r>
+          </a:p>
+          <a:p>
+            <a:pPr marL="342900" indent="-342900">
+              <a:buAutoNum type="arabicPeriod"/>
+            </a:pPr>
+            <a:endParaRPr lang="en-US" sz="1350" dirty="0"/>
+          </a:p>
+        </p:txBody>
+      </p:sp>
+      <p:sp>
+        <p:nvSpPr>
+          <p:cNvPr id="9" name="TextBox 8">
+            <a:extLst>
+              <a:ext uri="{FF2B5EF4-FFF2-40B4-BE49-F238E27FC236}">
+                <a16:creationId xmlns:a16="http://schemas.microsoft.com/office/drawing/2014/main" id="{3BE5901C-7A36-094A-8C95-485B25251EDB}"/>
               </a:ext>
             </a:extLst>
           </p:cNvPr>
@@ -9505,8 +10433,8 @@
         </p:nvSpPr>
         <p:spPr>
           <a:xfrm>
-            <a:off x="533400" y="1428750"/>
-            <a:ext cx="8121134" cy="646331"/>
+            <a:off x="1431296" y="1288018"/>
+            <a:ext cx="646331" cy="369332"/>
           </a:xfrm>
           <a:prstGeom prst="rect">
             <a:avLst/>
@@ -9521,47 +10449,379 @@
           <a:p>
             <a:r>
               <a:rPr lang="zh-CN" altLang="en-US"/>
-              <a:t>基于</a:t>
-            </a:r>
-            <a:r>
-              <a:rPr lang="en-US" altLang="zh-CN"/>
-              <a:t>Go</a:t>
-            </a:r>
+              <a:t>默认</a:t>
+            </a:r>
+            <a:endParaRPr lang="en-US"/>
+          </a:p>
+        </p:txBody>
+      </p:sp>
+      <p:sp>
+        <p:nvSpPr>
+          <p:cNvPr id="10" name="TextBox 9">
+            <a:extLst>
+              <a:ext uri="{FF2B5EF4-FFF2-40B4-BE49-F238E27FC236}">
+                <a16:creationId xmlns:a16="http://schemas.microsoft.com/office/drawing/2014/main" id="{37C2D380-1791-FE40-B079-4933D98EC435}"/>
+              </a:ext>
+            </a:extLst>
+          </p:cNvPr>
+          <p:cNvSpPr txBox="1"/>
+          <p:nvPr/>
+        </p:nvSpPr>
+        <p:spPr>
+          <a:xfrm>
+            <a:off x="5867400" y="1288018"/>
+            <a:ext cx="877163" cy="369332"/>
+          </a:xfrm>
+          <a:prstGeom prst="rect">
+            <a:avLst/>
+          </a:prstGeom>
+          <a:noFill/>
+        </p:spPr>
+        <p:txBody>
+          <a:bodyPr wrap="none" rtlCol="0">
+            <a:spAutoFit/>
+          </a:bodyPr>
+          <a:lstStyle/>
+          <a:p>
             <a:r>
               <a:rPr lang="zh-CN" altLang="en-US"/>
-              <a:t> </a:t>
-            </a:r>
-            <a:r>
-              <a:rPr lang="en-US" altLang="zh-CN"/>
-              <a:t>Interface</a:t>
-            </a:r>
+              <a:t>自定义</a:t>
+            </a:r>
+            <a:endParaRPr lang="en-US"/>
+          </a:p>
+        </p:txBody>
+      </p:sp>
+      <p:sp>
+        <p:nvSpPr>
+          <p:cNvPr id="11" name="TextBox 10">
+            <a:extLst>
+              <a:ext uri="{FF2B5EF4-FFF2-40B4-BE49-F238E27FC236}">
+                <a16:creationId xmlns:a16="http://schemas.microsoft.com/office/drawing/2014/main" id="{BCCBF117-CAB8-D84E-A3BA-F57771D65128}"/>
+              </a:ext>
+            </a:extLst>
+          </p:cNvPr>
+          <p:cNvSpPr txBox="1"/>
+          <p:nvPr/>
+        </p:nvSpPr>
+        <p:spPr>
+          <a:xfrm>
+            <a:off x="462516" y="3012547"/>
+            <a:ext cx="2960426" cy="369332"/>
+          </a:xfrm>
+          <a:prstGeom prst="rect">
+            <a:avLst/>
+          </a:prstGeom>
+          <a:noFill/>
+        </p:spPr>
+        <p:txBody>
+          <a:bodyPr wrap="none" rtlCol="0">
+            <a:spAutoFit/>
+          </a:bodyPr>
+          <a:lstStyle/>
+          <a:p>
+            <a:r>
+              <a:rPr lang="en-US"/>
+              <a:t>service := micro.NewService()</a:t>
+            </a:r>
+          </a:p>
+        </p:txBody>
+      </p:sp>
+      <p:sp>
+        <p:nvSpPr>
+          <p:cNvPr id="12" name="TextBox 11">
+            <a:extLst>
+              <a:ext uri="{FF2B5EF4-FFF2-40B4-BE49-F238E27FC236}">
+                <a16:creationId xmlns:a16="http://schemas.microsoft.com/office/drawing/2014/main" id="{9044FA03-F145-2F4C-BCB4-455785CC7201}"/>
+              </a:ext>
+            </a:extLst>
+          </p:cNvPr>
+          <p:cNvSpPr txBox="1"/>
+          <p:nvPr/>
+        </p:nvSpPr>
+        <p:spPr>
+          <a:xfrm>
+            <a:off x="1431295" y="2580680"/>
+            <a:ext cx="646331" cy="369332"/>
+          </a:xfrm>
+          <a:prstGeom prst="rect">
+            <a:avLst/>
+          </a:prstGeom>
+          <a:noFill/>
+        </p:spPr>
+        <p:txBody>
+          <a:bodyPr wrap="none" rtlCol="0">
+            <a:spAutoFit/>
+          </a:bodyPr>
+          <a:lstStyle/>
+          <a:p>
             <a:r>
               <a:rPr lang="zh-CN" altLang="en-US"/>
-              <a:t>的无侵入特性，</a:t>
-            </a:r>
-            <a:r>
-              <a:rPr lang="en-US" altLang="zh-CN"/>
-              <a:t>Micro</a:t>
-            </a:r>
+              <a:t>代码</a:t>
+            </a:r>
+            <a:endParaRPr lang="en-US"/>
+          </a:p>
+        </p:txBody>
+      </p:sp>
+      <p:sp>
+        <p:nvSpPr>
+          <p:cNvPr id="13" name="TextBox 12">
+            <a:extLst>
+              <a:ext uri="{FF2B5EF4-FFF2-40B4-BE49-F238E27FC236}">
+                <a16:creationId xmlns:a16="http://schemas.microsoft.com/office/drawing/2014/main" id="{118CE96E-861B-A44F-81A0-B0745367F3E9}"/>
+              </a:ext>
+            </a:extLst>
+          </p:cNvPr>
+          <p:cNvSpPr txBox="1"/>
+          <p:nvPr/>
+        </p:nvSpPr>
+        <p:spPr>
+          <a:xfrm>
+            <a:off x="5982815" y="2589937"/>
+            <a:ext cx="646331" cy="369332"/>
+          </a:xfrm>
+          <a:prstGeom prst="rect">
+            <a:avLst/>
+          </a:prstGeom>
+          <a:noFill/>
+        </p:spPr>
+        <p:txBody>
+          <a:bodyPr wrap="none" rtlCol="0">
+            <a:spAutoFit/>
+          </a:bodyPr>
+          <a:lstStyle/>
+          <a:p>
             <a:r>
               <a:rPr lang="zh-CN" altLang="en-US"/>
-              <a:t>定义各组件功能的接口，再依托多种多样</a:t>
-            </a:r>
-            <a:endParaRPr lang="en-US" altLang="zh-CN"/>
-          </a:p>
-          <a:p>
-            <a:r>
-              <a:rPr lang="zh-CN" altLang="en-US"/>
-              <a:t>技术栈实现各自的插件</a:t>
+              <a:t>代码</a:t>
             </a:r>
             <a:endParaRPr lang="en-US"/>
+          </a:p>
+        </p:txBody>
+      </p:sp>
+      <p:sp>
+        <p:nvSpPr>
+          <p:cNvPr id="14" name="TextBox 13">
+            <a:extLst>
+              <a:ext uri="{FF2B5EF4-FFF2-40B4-BE49-F238E27FC236}">
+                <a16:creationId xmlns:a16="http://schemas.microsoft.com/office/drawing/2014/main" id="{456C0F5A-2D4E-4F40-AE41-5210177F8AB0}"/>
+              </a:ext>
+            </a:extLst>
+          </p:cNvPr>
+          <p:cNvSpPr txBox="1"/>
+          <p:nvPr/>
+        </p:nvSpPr>
+        <p:spPr>
+          <a:xfrm rot="966097">
+            <a:off x="7594402" y="981267"/>
+            <a:ext cx="932628" cy="369332"/>
+          </a:xfrm>
+          <a:prstGeom prst="rect">
+            <a:avLst/>
+          </a:prstGeom>
+          <a:noFill/>
+          <a:ln w="19050">
+            <a:solidFill>
+              <a:srgbClr val="FF0000"/>
+            </a:solidFill>
+          </a:ln>
+        </p:spPr>
+        <p:txBody>
+          <a:bodyPr wrap="none" rtlCol="0">
+            <a:spAutoFit/>
+          </a:bodyPr>
+          <a:lstStyle/>
+          <a:p>
+            <a:r>
+              <a:rPr lang="en-US">
+                <a:solidFill>
+                  <a:srgbClr val="FF0000"/>
+                </a:solidFill>
+              </a:rPr>
+              <a:t>Registry</a:t>
+            </a:r>
+          </a:p>
+        </p:txBody>
+      </p:sp>
+      <p:sp>
+        <p:nvSpPr>
+          <p:cNvPr id="15" name="TextBox 14">
+            <a:extLst>
+              <a:ext uri="{FF2B5EF4-FFF2-40B4-BE49-F238E27FC236}">
+                <a16:creationId xmlns:a16="http://schemas.microsoft.com/office/drawing/2014/main" id="{F8A3D30C-7C00-6A40-98BB-C42CFBAB08C9}"/>
+              </a:ext>
+            </a:extLst>
+          </p:cNvPr>
+          <p:cNvSpPr txBox="1"/>
+          <p:nvPr/>
+        </p:nvSpPr>
+        <p:spPr>
+          <a:xfrm rot="923857">
+            <a:off x="7460716" y="1471521"/>
+            <a:ext cx="932628" cy="369332"/>
+          </a:xfrm>
+          <a:prstGeom prst="rect">
+            <a:avLst/>
+          </a:prstGeom>
+          <a:noFill/>
+          <a:ln w="19050">
+            <a:solidFill>
+              <a:srgbClr val="0070C0"/>
+            </a:solidFill>
+          </a:ln>
+        </p:spPr>
+        <p:txBody>
+          <a:bodyPr wrap="square" rtlCol="0">
+            <a:spAutoFit/>
+          </a:bodyPr>
+          <a:lstStyle/>
+          <a:p>
+            <a:r>
+              <a:rPr lang="en-US">
+                <a:solidFill>
+                  <a:srgbClr val="0070C0"/>
+                </a:solidFill>
+              </a:rPr>
+              <a:t>Broker</a:t>
+            </a:r>
+          </a:p>
+        </p:txBody>
+      </p:sp>
+      <p:sp>
+        <p:nvSpPr>
+          <p:cNvPr id="17" name="TextBox 16">
+            <a:extLst>
+              <a:ext uri="{FF2B5EF4-FFF2-40B4-BE49-F238E27FC236}">
+                <a16:creationId xmlns:a16="http://schemas.microsoft.com/office/drawing/2014/main" id="{AAFFB1C3-372F-8547-89DC-7034AF81B446}"/>
+              </a:ext>
+            </a:extLst>
+          </p:cNvPr>
+          <p:cNvSpPr txBox="1"/>
+          <p:nvPr/>
+        </p:nvSpPr>
+        <p:spPr>
+          <a:xfrm>
+            <a:off x="4953000" y="2968526"/>
+            <a:ext cx="4271426" cy="1569660"/>
+          </a:xfrm>
+          <a:prstGeom prst="rect">
+            <a:avLst/>
+          </a:prstGeom>
+          <a:noFill/>
+        </p:spPr>
+        <p:txBody>
+          <a:bodyPr wrap="none" rtlCol="0">
+            <a:spAutoFit/>
+          </a:bodyPr>
+          <a:lstStyle/>
+          <a:p>
+            <a:r>
+              <a:rPr lang="en-US" sz="1200"/>
+              <a:t>service := micro.NewService(</a:t>
+            </a:r>
+            <a:br>
+              <a:rPr lang="en-US" sz="1200"/>
+            </a:br>
+            <a:r>
+              <a:rPr lang="en-US" sz="1200"/>
+              <a:t>   </a:t>
+            </a:r>
+            <a:r>
+              <a:rPr lang="en-US" sz="1200">
+                <a:solidFill>
+                  <a:srgbClr val="FF0000"/>
+                </a:solidFill>
+              </a:rPr>
+              <a:t>micro.Registry(consul.NewRegistry(func(ops *registry.Options) {</a:t>
+            </a:r>
+            <a:br>
+              <a:rPr lang="en-US" sz="1200">
+                <a:solidFill>
+                  <a:srgbClr val="FF0000"/>
+                </a:solidFill>
+              </a:rPr>
+            </a:br>
+            <a:r>
+              <a:rPr lang="en-US" sz="1200">
+                <a:solidFill>
+                  <a:srgbClr val="FF0000"/>
+                </a:solidFill>
+              </a:rPr>
+              <a:t>      ops.Addrs = []string{"127.0.0.1:8500"}</a:t>
+            </a:r>
+            <a:br>
+              <a:rPr lang="en-US" sz="1200">
+                <a:solidFill>
+                  <a:srgbClr val="FF0000"/>
+                </a:solidFill>
+              </a:rPr>
+            </a:br>
+            <a:r>
+              <a:rPr lang="en-US" sz="1200">
+                <a:solidFill>
+                  <a:srgbClr val="FF0000"/>
+                </a:solidFill>
+              </a:rPr>
+              <a:t>   })),</a:t>
+            </a:r>
+            <a:br>
+              <a:rPr lang="en-US" sz="1200"/>
+            </a:br>
+            <a:r>
+              <a:rPr lang="en-US" sz="1200"/>
+              <a:t>   </a:t>
+            </a:r>
+            <a:r>
+              <a:rPr lang="en-US" sz="1200">
+                <a:solidFill>
+                  <a:srgbClr val="0070C0"/>
+                </a:solidFill>
+              </a:rPr>
+              <a:t>micro.Broker(rabbitmq.NewBroker(</a:t>
+            </a:r>
+            <a:br>
+              <a:rPr lang="en-US" sz="1200">
+                <a:solidFill>
+                  <a:srgbClr val="0070C0"/>
+                </a:solidFill>
+              </a:rPr>
+            </a:br>
+            <a:r>
+              <a:rPr lang="en-US" sz="1200">
+                <a:solidFill>
+                  <a:srgbClr val="0070C0"/>
+                </a:solidFill>
+              </a:rPr>
+              <a:t>      broker.Addrs([]string{"127.0.0.1:5672"}...),</a:t>
+            </a:r>
+            <a:br>
+              <a:rPr lang="en-US" sz="1200">
+                <a:solidFill>
+                  <a:srgbClr val="0070C0"/>
+                </a:solidFill>
+              </a:rPr>
+            </a:br>
+            <a:r>
+              <a:rPr lang="en-US" sz="1200">
+                <a:solidFill>
+                  <a:srgbClr val="0070C0"/>
+                </a:solidFill>
+              </a:rPr>
+              <a:t>   )),</a:t>
+            </a:r>
+            <a:br>
+              <a:rPr lang="en-US" sz="1200"/>
+            </a:br>
+            <a:r>
+              <a:rPr lang="en-US" sz="1200"/>
+              <a:t>)</a:t>
+            </a:r>
           </a:p>
         </p:txBody>
       </p:sp>
     </p:spTree>
     <p:extLst>
       <p:ext uri="{BB962C8B-B14F-4D97-AF65-F5344CB8AC3E}">
-        <p14:creationId xmlns:p14="http://schemas.microsoft.com/office/powerpoint/2010/main" val="1449334863"/>
+        <p14:creationId xmlns:p14="http://schemas.microsoft.com/office/powerpoint/2010/main" val="4036063079"/>
       </p:ext>
     </p:extLst>
   </p:cSld>
@@ -9593,7 +10853,7 @@
           <p:cNvPr id="5" name="object 2">
             <a:extLst>
               <a:ext uri="{FF2B5EF4-FFF2-40B4-BE49-F238E27FC236}">
-                <a16:creationId xmlns:a16="http://schemas.microsoft.com/office/drawing/2014/main" id="{CA0524D5-0ACC-F546-A06E-4E6A5CCD2101}"/>
+                <a16:creationId xmlns:a16="http://schemas.microsoft.com/office/drawing/2014/main" id="{DE832DAB-0A0C-184C-A96A-667D3C6395D7}"/>
               </a:ext>
             </a:extLst>
           </p:cNvPr>
@@ -9605,7 +10865,7 @@
         <p:spPr>
           <a:xfrm>
             <a:off x="384725" y="535134"/>
-            <a:ext cx="1291675" cy="482600"/>
+            <a:ext cx="2739475" cy="482600"/>
           </a:xfrm>
           <a:prstGeom prst="rect">
             <a:avLst/>
@@ -9644,7 +10904,7 @@
                 <a:latin typeface="Arial"/>
                 <a:cs typeface="Arial"/>
               </a:rPr>
-              <a:t>插件化</a:t>
+              <a:t>插件化原理</a:t>
             </a:r>
             <a:endParaRPr lang="zh-CN" altLang="en-US" sz="3000" kern="0" dirty="0">
               <a:latin typeface="Arial"/>
@@ -9655,43 +10915,75 @@
       </p:sp>
       <p:sp>
         <p:nvSpPr>
-          <p:cNvPr id="8" name="Rectangle 7">
+          <p:cNvPr id="6" name="TextBox 5">
             <a:extLst>
               <a:ext uri="{FF2B5EF4-FFF2-40B4-BE49-F238E27FC236}">
-                <a16:creationId xmlns:a16="http://schemas.microsoft.com/office/drawing/2014/main" id="{6455619D-F09A-8D44-A86A-DA9E4E70259E}"/>
+                <a16:creationId xmlns:a16="http://schemas.microsoft.com/office/drawing/2014/main" id="{8C13B48C-7A40-654D-AF68-D53BD490E4C1}"/>
               </a:ext>
             </a:extLst>
           </p:cNvPr>
-          <p:cNvSpPr/>
-          <p:nvPr/>
-        </p:nvSpPr>
-        <p:spPr>
-          <a:xfrm>
-            <a:off x="7467600" y="648402"/>
-            <a:ext cx="1107996" cy="369332"/>
-          </a:xfrm>
-          <a:prstGeom prst="rect">
-            <a:avLst/>
-          </a:prstGeom>
-        </p:spPr>
-        <p:txBody>
-          <a:bodyPr wrap="none">
+          <p:cNvSpPr txBox="1"/>
+          <p:nvPr/>
+        </p:nvSpPr>
+        <p:spPr>
+          <a:xfrm>
+            <a:off x="533400" y="1428750"/>
+            <a:ext cx="8121134" cy="646331"/>
+          </a:xfrm>
+          <a:prstGeom prst="rect">
+            <a:avLst/>
+          </a:prstGeom>
+          <a:noFill/>
+        </p:spPr>
+        <p:txBody>
+          <a:bodyPr wrap="none" rtlCol="0">
             <a:spAutoFit/>
           </a:bodyPr>
           <a:lstStyle/>
           <a:p>
             <a:r>
-              <a:rPr lang="zh-CN" altLang="en-US" dirty="0"/>
-              <a:t>注册中心</a:t>
-            </a:r>
-            <a:endParaRPr lang="en-US" dirty="0"/>
+              <a:rPr lang="zh-CN" altLang="en-US"/>
+              <a:t>基于</a:t>
+            </a:r>
+            <a:r>
+              <a:rPr lang="en-US" altLang="zh-CN"/>
+              <a:t>Go</a:t>
+            </a:r>
+            <a:r>
+              <a:rPr lang="zh-CN" altLang="en-US"/>
+              <a:t> </a:t>
+            </a:r>
+            <a:r>
+              <a:rPr lang="en-US" altLang="zh-CN"/>
+              <a:t>Interface</a:t>
+            </a:r>
+            <a:r>
+              <a:rPr lang="zh-CN" altLang="en-US"/>
+              <a:t>的无侵入特性，</a:t>
+            </a:r>
+            <a:r>
+              <a:rPr lang="en-US" altLang="zh-CN"/>
+              <a:t>Micro</a:t>
+            </a:r>
+            <a:r>
+              <a:rPr lang="zh-CN" altLang="en-US"/>
+              <a:t>定义各组件功能的接口，再依托多种多样</a:t>
+            </a:r>
+            <a:endParaRPr lang="en-US" altLang="zh-CN"/>
+          </a:p>
+          <a:p>
+            <a:r>
+              <a:rPr lang="zh-CN" altLang="en-US"/>
+              <a:t>技术栈实现各自的插件</a:t>
+            </a:r>
+            <a:endParaRPr lang="en-US"/>
           </a:p>
         </p:txBody>
       </p:sp>
     </p:spTree>
     <p:extLst>
       <p:ext uri="{BB962C8B-B14F-4D97-AF65-F5344CB8AC3E}">
-        <p14:creationId xmlns:p14="http://schemas.microsoft.com/office/powerpoint/2010/main" val="3992989643"/>
+        <p14:creationId xmlns:p14="http://schemas.microsoft.com/office/powerpoint/2010/main" val="1449334863"/>
       </p:ext>
     </p:extLst>
   </p:cSld>
@@ -10245,6 +11537,136 @@
 </file>
 
 <file path=ppt/slides/slide20.xml><?xml version="1.0" encoding="utf-8"?>
+<p:sld xmlns:a="http://schemas.openxmlformats.org/drawingml/2006/main" xmlns:r="http://schemas.openxmlformats.org/officeDocument/2006/relationships" xmlns:p="http://schemas.openxmlformats.org/presentationml/2006/main">
+  <p:cSld>
+    <p:spTree>
+      <p:nvGrpSpPr>
+        <p:cNvPr id="1" name=""/>
+        <p:cNvGrpSpPr/>
+        <p:nvPr/>
+      </p:nvGrpSpPr>
+      <p:grpSpPr>
+        <a:xfrm>
+          <a:off x="0" y="0"/>
+          <a:ext cx="0" cy="0"/>
+          <a:chOff x="0" y="0"/>
+          <a:chExt cx="0" cy="0"/>
+        </a:xfrm>
+      </p:grpSpPr>
+      <p:sp>
+        <p:nvSpPr>
+          <p:cNvPr id="5" name="object 2">
+            <a:extLst>
+              <a:ext uri="{FF2B5EF4-FFF2-40B4-BE49-F238E27FC236}">
+                <a16:creationId xmlns:a16="http://schemas.microsoft.com/office/drawing/2014/main" id="{CA0524D5-0ACC-F546-A06E-4E6A5CCD2101}"/>
+              </a:ext>
+            </a:extLst>
+          </p:cNvPr>
+          <p:cNvSpPr txBox="1">
+            <a:spLocks/>
+          </p:cNvSpPr>
+          <p:nvPr/>
+        </p:nvSpPr>
+        <p:spPr>
+          <a:xfrm>
+            <a:off x="384725" y="535134"/>
+            <a:ext cx="1291675" cy="482600"/>
+          </a:xfrm>
+          <a:prstGeom prst="rect">
+            <a:avLst/>
+          </a:prstGeom>
+        </p:spPr>
+        <p:txBody>
+          <a:bodyPr vert="horz" wrap="square" lIns="0" tIns="12700" rIns="0" bIns="0" rtlCol="0">
+            <a:spAutoFit/>
+          </a:bodyPr>
+          <a:lstStyle>
+            <a:lvl1pPr>
+              <a:defRPr sz="5400" b="0" i="0">
+                <a:solidFill>
+                  <a:schemeClr val="bg1"/>
+                </a:solidFill>
+                <a:latin typeface="Arial Black"/>
+                <a:ea typeface="+mj-ea"/>
+                <a:cs typeface="Arial Black"/>
+              </a:defRPr>
+            </a:lvl1pPr>
+          </a:lstStyle>
+          <a:p>
+            <a:pPr marL="12700">
+              <a:spcBef>
+                <a:spcPts val="100"/>
+              </a:spcBef>
+              <a:tabLst>
+                <a:tab pos="4126865" algn="l"/>
+              </a:tabLst>
+            </a:pPr>
+            <a:r>
+              <a:rPr lang="zh-CN" altLang="en-US" sz="3000" b="1" kern="0" dirty="0">
+                <a:solidFill>
+                  <a:srgbClr val="424242"/>
+                </a:solidFill>
+                <a:latin typeface="Arial"/>
+                <a:cs typeface="Arial"/>
+              </a:rPr>
+              <a:t>插件化</a:t>
+            </a:r>
+            <a:endParaRPr lang="zh-CN" altLang="en-US" sz="3000" kern="0" dirty="0">
+              <a:latin typeface="Arial"/>
+              <a:cs typeface="Arial"/>
+            </a:endParaRPr>
+          </a:p>
+        </p:txBody>
+      </p:sp>
+      <p:sp>
+        <p:nvSpPr>
+          <p:cNvPr id="8" name="Rectangle 7">
+            <a:extLst>
+              <a:ext uri="{FF2B5EF4-FFF2-40B4-BE49-F238E27FC236}">
+                <a16:creationId xmlns:a16="http://schemas.microsoft.com/office/drawing/2014/main" id="{6455619D-F09A-8D44-A86A-DA9E4E70259E}"/>
+              </a:ext>
+            </a:extLst>
+          </p:cNvPr>
+          <p:cNvSpPr/>
+          <p:nvPr/>
+        </p:nvSpPr>
+        <p:spPr>
+          <a:xfrm>
+            <a:off x="7467600" y="648402"/>
+            <a:ext cx="1107996" cy="369332"/>
+          </a:xfrm>
+          <a:prstGeom prst="rect">
+            <a:avLst/>
+          </a:prstGeom>
+        </p:spPr>
+        <p:txBody>
+          <a:bodyPr wrap="none">
+            <a:spAutoFit/>
+          </a:bodyPr>
+          <a:lstStyle/>
+          <a:p>
+            <a:r>
+              <a:rPr lang="zh-CN" altLang="en-US" dirty="0"/>
+              <a:t>注册中心</a:t>
+            </a:r>
+            <a:endParaRPr lang="en-US" dirty="0"/>
+          </a:p>
+        </p:txBody>
+      </p:sp>
+    </p:spTree>
+    <p:extLst>
+      <p:ext uri="{BB962C8B-B14F-4D97-AF65-F5344CB8AC3E}">
+        <p14:creationId xmlns:p14="http://schemas.microsoft.com/office/powerpoint/2010/main" val="3992989643"/>
+      </p:ext>
+    </p:extLst>
+  </p:cSld>
+  <p:clrMapOvr>
+    <a:masterClrMapping/>
+  </p:clrMapOvr>
+</p:sld>
+</file>
+
+<file path=ppt/slides/slide21.xml><?xml version="1.0" encoding="utf-8"?>
 <p:sld xmlns:a="http://schemas.openxmlformats.org/drawingml/2006/main" xmlns:r="http://schemas.openxmlformats.org/officeDocument/2006/relationships" xmlns:p="http://schemas.openxmlformats.org/presentationml/2006/main" showMasterSp="0">
   <p:cSld>
     <p:spTree>
@@ -10364,7 +11786,7 @@
 </p:sld>
 </file>
 
-<file path=ppt/slides/slide21.xml><?xml version="1.0" encoding="utf-8"?>
+<file path=ppt/slides/slide22.xml><?xml version="1.0" encoding="utf-8"?>
 <p:sld xmlns:a="http://schemas.openxmlformats.org/drawingml/2006/main" xmlns:r="http://schemas.openxmlformats.org/officeDocument/2006/relationships" xmlns:p="http://schemas.openxmlformats.org/presentationml/2006/main">
   <p:cSld>
     <p:spTree>
@@ -10442,7 +11864,7 @@
 </p:sld>
 </file>
 
-<file path=ppt/slides/slide22.xml><?xml version="1.0" encoding="utf-8"?>
+<file path=ppt/slides/slide23.xml><?xml version="1.0" encoding="utf-8"?>
 <p:sld xmlns:a="http://schemas.openxmlformats.org/drawingml/2006/main" xmlns:r="http://schemas.openxmlformats.org/officeDocument/2006/relationships" xmlns:p="http://schemas.openxmlformats.org/presentationml/2006/main" showMasterSp="0">
   <p:cSld>
     <p:spTree>
@@ -10606,7 +12028,7 @@
 </p:sld>
 </file>
 
-<file path=ppt/slides/slide23.xml><?xml version="1.0" encoding="utf-8"?>
+<file path=ppt/slides/slide24.xml><?xml version="1.0" encoding="utf-8"?>
 <p:sld xmlns:a="http://schemas.openxmlformats.org/drawingml/2006/main" xmlns:r="http://schemas.openxmlformats.org/officeDocument/2006/relationships" xmlns:p="http://schemas.openxmlformats.org/presentationml/2006/main" showMasterSp="0">
   <p:cSld>
     <p:spTree>
@@ -11032,7 +12454,7 @@
 </p:sld>
 </file>
 
-<file path=ppt/slides/slide24.xml><?xml version="1.0" encoding="utf-8"?>
+<file path=ppt/slides/slide25.xml><?xml version="1.0" encoding="utf-8"?>
 <p:sld xmlns:a="http://schemas.openxmlformats.org/drawingml/2006/main" xmlns:r="http://schemas.openxmlformats.org/officeDocument/2006/relationships" xmlns:p="http://schemas.openxmlformats.org/presentationml/2006/main">
   <p:cSld>
     <p:spTree>
@@ -11778,7 +13200,7 @@
 </p:sld>
 </file>
 
-<file path=ppt/slides/slide25.xml><?xml version="1.0" encoding="utf-8"?>
+<file path=ppt/slides/slide26.xml><?xml version="1.0" encoding="utf-8"?>
 <p:sld xmlns:a="http://schemas.openxmlformats.org/drawingml/2006/main" xmlns:r="http://schemas.openxmlformats.org/officeDocument/2006/relationships" xmlns:p="http://schemas.openxmlformats.org/presentationml/2006/main">
   <p:cSld>
     <p:spTree>
@@ -12936,7 +14358,7 @@
 </p:sld>
 </file>
 
-<file path=ppt/slides/slide26.xml><?xml version="1.0" encoding="utf-8"?>
+<file path=ppt/slides/slide27.xml><?xml version="1.0" encoding="utf-8"?>
 <p:sld xmlns:a="http://schemas.openxmlformats.org/drawingml/2006/main" xmlns:r="http://schemas.openxmlformats.org/officeDocument/2006/relationships" xmlns:p="http://schemas.openxmlformats.org/presentationml/2006/main">
   <p:cSld>
     <p:spTree>
@@ -13278,7 +14700,7 @@
 </p:sld>
 </file>
 
-<file path=ppt/slides/slide27.xml><?xml version="1.0" encoding="utf-8"?>
+<file path=ppt/slides/slide28.xml><?xml version="1.0" encoding="utf-8"?>
 <p:sld xmlns:a="http://schemas.openxmlformats.org/drawingml/2006/main" xmlns:r="http://schemas.openxmlformats.org/officeDocument/2006/relationships" xmlns:p="http://schemas.openxmlformats.org/presentationml/2006/main">
   <p:cSld>
     <p:spTree>
@@ -16301,1401 +17723,10 @@
           <a:chExt cx="0" cy="0"/>
         </a:xfrm>
       </p:grpSpPr>
-      <p:sp>
-        <p:nvSpPr>
-          <p:cNvPr id="2" name="object 2"/>
-          <p:cNvSpPr txBox="1">
-            <a:spLocks noGrp="1"/>
-          </p:cNvSpPr>
-          <p:nvPr>
-            <p:ph type="title"/>
-          </p:nvPr>
-        </p:nvSpPr>
-        <p:spPr>
-          <a:xfrm>
-            <a:off x="384725" y="535134"/>
-            <a:ext cx="3653876" cy="482600"/>
-          </a:xfrm>
-          <a:prstGeom prst="rect">
-            <a:avLst/>
-          </a:prstGeom>
-        </p:spPr>
-        <p:txBody>
-          <a:bodyPr vert="horz" wrap="square" lIns="0" tIns="12700" rIns="0" bIns="0" rtlCol="0">
-            <a:spAutoFit/>
-          </a:bodyPr>
-          <a:lstStyle/>
-          <a:p>
-            <a:pPr marL="12700">
-              <a:lnSpc>
-                <a:spcPct val="100000"/>
-              </a:lnSpc>
-              <a:spcBef>
-                <a:spcPts val="100"/>
-              </a:spcBef>
-              <a:tabLst>
-                <a:tab pos="4126865" algn="l"/>
-              </a:tabLst>
-            </a:pPr>
-            <a:r>
-              <a:rPr lang="en-US" altLang="zh-CN" sz="3000" b="1" dirty="0">
-                <a:solidFill>
-                  <a:srgbClr val="424242"/>
-                </a:solidFill>
-                <a:latin typeface="Arial"/>
-                <a:cs typeface="Arial"/>
-              </a:rPr>
-              <a:t>Broker</a:t>
-            </a:r>
-            <a:r>
-              <a:rPr lang="zh-CN" altLang="en-US" sz="3000" b="1" dirty="0">
-                <a:solidFill>
-                  <a:srgbClr val="424242"/>
-                </a:solidFill>
-                <a:latin typeface="Arial"/>
-                <a:cs typeface="Arial"/>
-              </a:rPr>
-              <a:t> 异步消息组件</a:t>
-            </a:r>
-            <a:endParaRPr sz="3000" dirty="0">
-              <a:latin typeface="Arial"/>
-              <a:cs typeface="Arial"/>
-            </a:endParaRPr>
-          </a:p>
-        </p:txBody>
-      </p:sp>
-      <p:sp>
-        <p:nvSpPr>
-          <p:cNvPr id="6" name="Rectangle 5">
-            <a:extLst>
-              <a:ext uri="{FF2B5EF4-FFF2-40B4-BE49-F238E27FC236}">
-                <a16:creationId xmlns:a16="http://schemas.microsoft.com/office/drawing/2014/main" id="{603E0048-E593-0F41-88C3-F409872AAB12}"/>
-              </a:ext>
-            </a:extLst>
-          </p:cNvPr>
-          <p:cNvSpPr/>
-          <p:nvPr/>
-        </p:nvSpPr>
-        <p:spPr>
-          <a:xfrm>
-            <a:off x="4823758" y="2940320"/>
-            <a:ext cx="1295400" cy="1010158"/>
-          </a:xfrm>
-          <a:prstGeom prst="rect">
-            <a:avLst/>
-          </a:prstGeom>
-          <a:solidFill>
-            <a:schemeClr val="bg1"/>
-          </a:solidFill>
-          <a:ln w="12700">
-            <a:solidFill>
-              <a:srgbClr val="FF0000"/>
-            </a:solidFill>
-            <a:prstDash val="sysDot"/>
-          </a:ln>
-        </p:spPr>
-        <p:style>
-          <a:lnRef idx="2">
-            <a:schemeClr val="accent1">
-              <a:shade val="50000"/>
-            </a:schemeClr>
-          </a:lnRef>
-          <a:fillRef idx="1">
-            <a:schemeClr val="accent1"/>
-          </a:fillRef>
-          <a:effectRef idx="0">
-            <a:schemeClr val="accent1"/>
-          </a:effectRef>
-          <a:fontRef idx="minor">
-            <a:schemeClr val="lt1"/>
-          </a:fontRef>
-        </p:style>
-        <p:txBody>
-          <a:bodyPr rtlCol="0" anchor="ctr"/>
-          <a:lstStyle/>
-          <a:p>
-            <a:pPr algn="ctr"/>
-            <a:endParaRPr lang="en-US"/>
-          </a:p>
-        </p:txBody>
-      </p:sp>
-      <p:sp>
-        <p:nvSpPr>
-          <p:cNvPr id="7" name="Rectangle 6">
-            <a:extLst>
-              <a:ext uri="{FF2B5EF4-FFF2-40B4-BE49-F238E27FC236}">
-                <a16:creationId xmlns:a16="http://schemas.microsoft.com/office/drawing/2014/main" id="{C6123D4C-BC2F-0446-87A7-DE77B78E6C9A}"/>
-              </a:ext>
-            </a:extLst>
-          </p:cNvPr>
-          <p:cNvSpPr/>
-          <p:nvPr/>
-        </p:nvSpPr>
-        <p:spPr>
-          <a:xfrm>
-            <a:off x="4983778" y="3112491"/>
-            <a:ext cx="1009048" cy="218042"/>
-          </a:xfrm>
-          <a:prstGeom prst="rect">
-            <a:avLst/>
-          </a:prstGeom>
-        </p:spPr>
-        <p:style>
-          <a:lnRef idx="2">
-            <a:schemeClr val="accent1">
-              <a:shade val="50000"/>
-            </a:schemeClr>
-          </a:lnRef>
-          <a:fillRef idx="1">
-            <a:schemeClr val="accent1"/>
-          </a:fillRef>
-          <a:effectRef idx="0">
-            <a:schemeClr val="accent1"/>
-          </a:effectRef>
-          <a:fontRef idx="minor">
-            <a:schemeClr val="lt1"/>
-          </a:fontRef>
-        </p:style>
-        <p:txBody>
-          <a:bodyPr rtlCol="0" anchor="ctr"/>
-          <a:lstStyle/>
-          <a:p>
-            <a:pPr algn="ctr"/>
-            <a:r>
-              <a:rPr lang="en-US" altLang="zh-CN" sz="1600" dirty="0"/>
-              <a:t>http</a:t>
-            </a:r>
-            <a:endParaRPr lang="en-US" dirty="0"/>
-          </a:p>
-        </p:txBody>
-      </p:sp>
-      <p:sp>
-        <p:nvSpPr>
-          <p:cNvPr id="8" name="Rectangle 7">
-            <a:extLst>
-              <a:ext uri="{FF2B5EF4-FFF2-40B4-BE49-F238E27FC236}">
-                <a16:creationId xmlns:a16="http://schemas.microsoft.com/office/drawing/2014/main" id="{54A2131E-8245-8441-96D8-AA62869BF19C}"/>
-              </a:ext>
-            </a:extLst>
-          </p:cNvPr>
-          <p:cNvSpPr/>
-          <p:nvPr/>
-        </p:nvSpPr>
-        <p:spPr>
-          <a:xfrm>
-            <a:off x="4983778" y="3422930"/>
-            <a:ext cx="1009048" cy="368020"/>
-          </a:xfrm>
-          <a:prstGeom prst="rect">
-            <a:avLst/>
-          </a:prstGeom>
-        </p:spPr>
-        <p:style>
-          <a:lnRef idx="2">
-            <a:schemeClr val="accent1">
-              <a:shade val="50000"/>
-            </a:schemeClr>
-          </a:lnRef>
-          <a:fillRef idx="1">
-            <a:schemeClr val="accent1"/>
-          </a:fillRef>
-          <a:effectRef idx="0">
-            <a:schemeClr val="accent1"/>
-          </a:effectRef>
-          <a:fontRef idx="minor">
-            <a:schemeClr val="lt1"/>
-          </a:fontRef>
-        </p:style>
-        <p:txBody>
-          <a:bodyPr rtlCol="0" anchor="ctr"/>
-          <a:lstStyle/>
-          <a:p>
-            <a:pPr algn="ctr"/>
-            <a:r>
-              <a:rPr lang="en-US" altLang="zh-CN" sz="900" dirty="0"/>
-              <a:t>NATs</a:t>
-            </a:r>
-            <a:r>
-              <a:rPr lang="zh-CN" altLang="en-US" sz="900" dirty="0"/>
-              <a:t>、</a:t>
-            </a:r>
-            <a:r>
-              <a:rPr lang="en-US" altLang="zh-CN" sz="900" dirty="0" err="1"/>
-              <a:t>RbMQ</a:t>
-            </a:r>
-            <a:r>
-              <a:rPr lang="en-US" altLang="zh-CN" sz="900" dirty="0"/>
-              <a:t> </a:t>
-            </a:r>
-            <a:r>
-              <a:rPr lang="zh-CN" altLang="en-US" sz="900" dirty="0"/>
-              <a:t>、</a:t>
-            </a:r>
-            <a:r>
-              <a:rPr lang="en-US" altLang="zh-CN" sz="900" dirty="0"/>
-              <a:t>Kafka </a:t>
-            </a:r>
-            <a:r>
-              <a:rPr lang="zh-CN" altLang="en-US" sz="900" dirty="0"/>
-              <a:t>、</a:t>
-            </a:r>
-            <a:r>
-              <a:rPr lang="en-US" altLang="zh-CN" sz="1200" dirty="0"/>
-              <a:t> </a:t>
-            </a:r>
-            <a:r>
-              <a:rPr lang="en-US" altLang="zh-CN" sz="1200" dirty="0" err="1"/>
-              <a:t>nsq</a:t>
-            </a:r>
-            <a:r>
-              <a:rPr lang="en-US" altLang="zh-CN" sz="1200" dirty="0"/>
-              <a:t> …</a:t>
-            </a:r>
-            <a:endParaRPr lang="en-US" sz="1200" dirty="0"/>
-          </a:p>
-        </p:txBody>
-      </p:sp>
-      <p:sp>
-        <p:nvSpPr>
-          <p:cNvPr id="15" name="TextBox 14">
-            <a:extLst>
-              <a:ext uri="{FF2B5EF4-FFF2-40B4-BE49-F238E27FC236}">
-                <a16:creationId xmlns:a16="http://schemas.microsoft.com/office/drawing/2014/main" id="{32E604E6-D511-E044-8F9E-038DF57A1417}"/>
-              </a:ext>
-            </a:extLst>
-          </p:cNvPr>
-          <p:cNvSpPr txBox="1"/>
-          <p:nvPr/>
-        </p:nvSpPr>
-        <p:spPr>
-          <a:xfrm>
-            <a:off x="457200" y="1504950"/>
-            <a:ext cx="5014258" cy="338554"/>
-          </a:xfrm>
-          <a:prstGeom prst="rect">
-            <a:avLst/>
-          </a:prstGeom>
-          <a:noFill/>
-        </p:spPr>
-        <p:txBody>
-          <a:bodyPr wrap="none" rtlCol="0">
-            <a:spAutoFit/>
-          </a:bodyPr>
-          <a:lstStyle/>
-          <a:p>
-            <a:r>
-              <a:rPr lang="en-US" sz="1600" dirty="0"/>
-              <a:t>Subscribe</a:t>
-            </a:r>
-            <a:r>
-              <a:rPr lang="zh-CN" altLang="en-US" sz="1600" dirty="0"/>
-              <a:t>：</a:t>
-            </a:r>
-            <a:r>
-              <a:rPr lang="zh-CN" altLang="en-US" sz="1200" dirty="0"/>
-              <a:t>注册关心的主题（</a:t>
-            </a:r>
-            <a:r>
-              <a:rPr lang="en-US" altLang="zh-CN" sz="1200" dirty="0"/>
-              <a:t>Topic</a:t>
-            </a:r>
-            <a:r>
-              <a:rPr lang="zh-CN" altLang="en-US" sz="1200" dirty="0"/>
-              <a:t>），指定队列（</a:t>
-            </a:r>
-            <a:r>
-              <a:rPr lang="en-US" altLang="zh-CN" sz="1200" dirty="0"/>
-              <a:t>Queue</a:t>
-            </a:r>
-            <a:r>
-              <a:rPr lang="zh-CN" altLang="en-US" sz="1200" dirty="0"/>
-              <a:t>）分发消息</a:t>
-            </a:r>
-            <a:endParaRPr lang="en-US" dirty="0"/>
-          </a:p>
-        </p:txBody>
-      </p:sp>
-      <p:sp>
-        <p:nvSpPr>
-          <p:cNvPr id="16" name="TextBox 15">
-            <a:extLst>
-              <a:ext uri="{FF2B5EF4-FFF2-40B4-BE49-F238E27FC236}">
-                <a16:creationId xmlns:a16="http://schemas.microsoft.com/office/drawing/2014/main" id="{2606848C-CF9F-F446-AED9-66090C2F37C6}"/>
-              </a:ext>
-            </a:extLst>
-          </p:cNvPr>
-          <p:cNvSpPr txBox="1"/>
-          <p:nvPr/>
-        </p:nvSpPr>
-        <p:spPr>
-          <a:xfrm>
-            <a:off x="458972" y="1847886"/>
-            <a:ext cx="3162212" cy="338554"/>
-          </a:xfrm>
-          <a:prstGeom prst="rect">
-            <a:avLst/>
-          </a:prstGeom>
-          <a:noFill/>
-        </p:spPr>
-        <p:txBody>
-          <a:bodyPr wrap="none" rtlCol="0">
-            <a:spAutoFit/>
-          </a:bodyPr>
-          <a:lstStyle/>
-          <a:p>
-            <a:r>
-              <a:rPr lang="en-US" sz="1600" dirty="0"/>
-              <a:t>Publish</a:t>
-            </a:r>
-            <a:r>
-              <a:rPr lang="zh-CN" altLang="en-US" sz="1600" dirty="0"/>
-              <a:t>：</a:t>
-            </a:r>
-            <a:r>
-              <a:rPr lang="zh-CN" altLang="en-US" sz="1200" dirty="0"/>
-              <a:t>异步将消息推送到主题（</a:t>
-            </a:r>
-            <a:r>
-              <a:rPr lang="en-US" altLang="zh-CN" sz="1200" dirty="0"/>
-              <a:t>Topic</a:t>
-            </a:r>
-            <a:r>
-              <a:rPr lang="zh-CN" altLang="en-US" sz="1200" dirty="0"/>
-              <a:t>）</a:t>
-            </a:r>
-            <a:endParaRPr lang="en-US" dirty="0"/>
-          </a:p>
-        </p:txBody>
-      </p:sp>
-      <p:sp>
-        <p:nvSpPr>
-          <p:cNvPr id="17" name="TextBox 16">
-            <a:extLst>
-              <a:ext uri="{FF2B5EF4-FFF2-40B4-BE49-F238E27FC236}">
-                <a16:creationId xmlns:a16="http://schemas.microsoft.com/office/drawing/2014/main" id="{C3FB7A26-F475-4E4C-BB5D-32E7D2117959}"/>
-              </a:ext>
-            </a:extLst>
-          </p:cNvPr>
-          <p:cNvSpPr txBox="1"/>
-          <p:nvPr/>
-        </p:nvSpPr>
-        <p:spPr>
-          <a:xfrm>
-            <a:off x="457200" y="2170865"/>
-            <a:ext cx="3010632" cy="338554"/>
-          </a:xfrm>
-          <a:prstGeom prst="rect">
-            <a:avLst/>
-          </a:prstGeom>
-          <a:noFill/>
-        </p:spPr>
-        <p:txBody>
-          <a:bodyPr wrap="none" rtlCol="0">
-            <a:spAutoFit/>
-          </a:bodyPr>
-          <a:lstStyle/>
-          <a:p>
-            <a:r>
-              <a:rPr lang="en-US" sz="1600" dirty="0"/>
-              <a:t>Encoding</a:t>
-            </a:r>
-            <a:r>
-              <a:rPr lang="zh-CN" altLang="en-US" sz="1600" dirty="0"/>
-              <a:t>：</a:t>
-            </a:r>
-            <a:r>
-              <a:rPr lang="zh-CN" altLang="en-US" sz="1200" dirty="0"/>
-              <a:t>编码消息（默认</a:t>
-            </a:r>
-            <a:r>
-              <a:rPr lang="en-US" altLang="zh-CN" sz="1200" dirty="0"/>
-              <a:t>JSON</a:t>
-            </a:r>
-            <a:r>
-              <a:rPr lang="zh-CN" altLang="en-US" sz="1200" dirty="0"/>
-              <a:t>格式）</a:t>
-            </a:r>
-            <a:endParaRPr lang="en-US" dirty="0"/>
-          </a:p>
-        </p:txBody>
-      </p:sp>
-      <p:sp>
-        <p:nvSpPr>
-          <p:cNvPr id="19" name="Rounded Rectangle 18">
-            <a:extLst>
-              <a:ext uri="{FF2B5EF4-FFF2-40B4-BE49-F238E27FC236}">
-                <a16:creationId xmlns:a16="http://schemas.microsoft.com/office/drawing/2014/main" id="{F88302D1-B0BB-9F4C-90EB-B587EBD5B565}"/>
-              </a:ext>
-            </a:extLst>
-          </p:cNvPr>
-          <p:cNvSpPr/>
-          <p:nvPr/>
-        </p:nvSpPr>
-        <p:spPr>
-          <a:xfrm>
-            <a:off x="3219937" y="3277083"/>
-            <a:ext cx="914400" cy="361467"/>
-          </a:xfrm>
-          <a:prstGeom prst="roundRect">
-            <a:avLst/>
-          </a:prstGeom>
-          <a:ln w="9525"/>
-        </p:spPr>
-        <p:style>
-          <a:lnRef idx="2">
-            <a:schemeClr val="accent1">
-              <a:shade val="50000"/>
-            </a:schemeClr>
-          </a:lnRef>
-          <a:fillRef idx="1">
-            <a:schemeClr val="accent1"/>
-          </a:fillRef>
-          <a:effectRef idx="0">
-            <a:schemeClr val="accent1"/>
-          </a:effectRef>
-          <a:fontRef idx="minor">
-            <a:schemeClr val="lt1"/>
-          </a:fontRef>
-        </p:style>
-        <p:txBody>
-          <a:bodyPr rtlCol="0" anchor="ctr"/>
-          <a:lstStyle/>
-          <a:p>
-            <a:pPr algn="ctr"/>
-            <a:r>
-              <a:rPr lang="en-US" sz="1400" dirty="0"/>
-              <a:t>Service</a:t>
-            </a:r>
-            <a:r>
-              <a:rPr lang="zh-CN" altLang="en-US" sz="1400" dirty="0"/>
-              <a:t> </a:t>
-            </a:r>
-            <a:r>
-              <a:rPr lang="en-US" altLang="zh-CN" sz="1400" dirty="0"/>
-              <a:t>A</a:t>
-            </a:r>
-            <a:endParaRPr lang="en-US" sz="1400" dirty="0"/>
-          </a:p>
-        </p:txBody>
-      </p:sp>
-      <p:sp>
-        <p:nvSpPr>
-          <p:cNvPr id="22" name="Rounded Rectangle 21">
-            <a:extLst>
-              <a:ext uri="{FF2B5EF4-FFF2-40B4-BE49-F238E27FC236}">
-                <a16:creationId xmlns:a16="http://schemas.microsoft.com/office/drawing/2014/main" id="{8F8123AF-9764-D445-9F33-DB5EB86EFA8A}"/>
-              </a:ext>
-            </a:extLst>
-          </p:cNvPr>
-          <p:cNvSpPr/>
-          <p:nvPr/>
-        </p:nvSpPr>
-        <p:spPr>
-          <a:xfrm>
-            <a:off x="3677137" y="3129391"/>
-            <a:ext cx="609600" cy="244412"/>
-          </a:xfrm>
-          <a:prstGeom prst="roundRect">
-            <a:avLst/>
-          </a:prstGeom>
-          <a:solidFill>
-            <a:schemeClr val="bg1"/>
-          </a:solidFill>
-          <a:ln w="9525"/>
-        </p:spPr>
-        <p:style>
-          <a:lnRef idx="2">
-            <a:schemeClr val="accent1">
-              <a:shade val="50000"/>
-            </a:schemeClr>
-          </a:lnRef>
-          <a:fillRef idx="1">
-            <a:schemeClr val="accent1"/>
-          </a:fillRef>
-          <a:effectRef idx="0">
-            <a:schemeClr val="accent1"/>
-          </a:effectRef>
-          <a:fontRef idx="minor">
-            <a:schemeClr val="lt1"/>
-          </a:fontRef>
-        </p:style>
-        <p:txBody>
-          <a:bodyPr rtlCol="0" anchor="ctr"/>
-          <a:lstStyle/>
-          <a:p>
-            <a:pPr algn="ctr"/>
-            <a:r>
-              <a:rPr lang="en-US" altLang="zh-CN" sz="1000" dirty="0">
-                <a:solidFill>
-                  <a:schemeClr val="tx1"/>
-                </a:solidFill>
-              </a:rPr>
-              <a:t>broker</a:t>
-            </a:r>
-            <a:endParaRPr lang="en-US" sz="1000" dirty="0">
-              <a:solidFill>
-                <a:schemeClr val="tx1"/>
-              </a:solidFill>
-            </a:endParaRPr>
-          </a:p>
-        </p:txBody>
-      </p:sp>
-      <p:sp>
-        <p:nvSpPr>
-          <p:cNvPr id="23" name="Rounded Rectangle 22">
-            <a:extLst>
-              <a:ext uri="{FF2B5EF4-FFF2-40B4-BE49-F238E27FC236}">
-                <a16:creationId xmlns:a16="http://schemas.microsoft.com/office/drawing/2014/main" id="{6F5D607E-52F6-0241-AF5A-ED34A45096A8}"/>
-              </a:ext>
-            </a:extLst>
-          </p:cNvPr>
-          <p:cNvSpPr/>
-          <p:nvPr/>
-        </p:nvSpPr>
-        <p:spPr>
-          <a:xfrm>
-            <a:off x="6804958" y="3252842"/>
-            <a:ext cx="914400" cy="361467"/>
-          </a:xfrm>
-          <a:prstGeom prst="roundRect">
-            <a:avLst/>
-          </a:prstGeom>
-          <a:ln w="9525"/>
-        </p:spPr>
-        <p:style>
-          <a:lnRef idx="2">
-            <a:schemeClr val="accent1">
-              <a:shade val="50000"/>
-            </a:schemeClr>
-          </a:lnRef>
-          <a:fillRef idx="1">
-            <a:schemeClr val="accent1"/>
-          </a:fillRef>
-          <a:effectRef idx="0">
-            <a:schemeClr val="accent1"/>
-          </a:effectRef>
-          <a:fontRef idx="minor">
-            <a:schemeClr val="lt1"/>
-          </a:fontRef>
-        </p:style>
-        <p:txBody>
-          <a:bodyPr rtlCol="0" anchor="ctr"/>
-          <a:lstStyle/>
-          <a:p>
-            <a:pPr algn="ctr"/>
-            <a:r>
-              <a:rPr lang="en-US" sz="1400" dirty="0"/>
-              <a:t>Service</a:t>
-            </a:r>
-            <a:r>
-              <a:rPr lang="zh-CN" altLang="en-US" sz="1400" dirty="0"/>
-              <a:t> </a:t>
-            </a:r>
-            <a:r>
-              <a:rPr lang="en-US" altLang="zh-CN" sz="1400" dirty="0"/>
-              <a:t>C</a:t>
-            </a:r>
-            <a:endParaRPr lang="en-US" sz="1400" dirty="0"/>
-          </a:p>
-        </p:txBody>
-      </p:sp>
-      <p:sp>
-        <p:nvSpPr>
-          <p:cNvPr id="24" name="Rounded Rectangle 23">
-            <a:extLst>
-              <a:ext uri="{FF2B5EF4-FFF2-40B4-BE49-F238E27FC236}">
-                <a16:creationId xmlns:a16="http://schemas.microsoft.com/office/drawing/2014/main" id="{13DCF654-CEDE-9E4C-B503-E4B9EB576971}"/>
-              </a:ext>
-            </a:extLst>
-          </p:cNvPr>
-          <p:cNvSpPr/>
-          <p:nvPr/>
-        </p:nvSpPr>
-        <p:spPr>
-          <a:xfrm>
-            <a:off x="7262158" y="3105150"/>
-            <a:ext cx="609600" cy="244412"/>
-          </a:xfrm>
-          <a:prstGeom prst="roundRect">
-            <a:avLst/>
-          </a:prstGeom>
-          <a:solidFill>
-            <a:schemeClr val="bg1"/>
-          </a:solidFill>
-          <a:ln w="9525"/>
-        </p:spPr>
-        <p:style>
-          <a:lnRef idx="2">
-            <a:schemeClr val="accent1">
-              <a:shade val="50000"/>
-            </a:schemeClr>
-          </a:lnRef>
-          <a:fillRef idx="1">
-            <a:schemeClr val="accent1"/>
-          </a:fillRef>
-          <a:effectRef idx="0">
-            <a:schemeClr val="accent1"/>
-          </a:effectRef>
-          <a:fontRef idx="minor">
-            <a:schemeClr val="lt1"/>
-          </a:fontRef>
-        </p:style>
-        <p:txBody>
-          <a:bodyPr rtlCol="0" anchor="ctr"/>
-          <a:lstStyle/>
-          <a:p>
-            <a:pPr algn="ctr"/>
-            <a:r>
-              <a:rPr lang="en-US" altLang="zh-CN" sz="1000" dirty="0">
-                <a:solidFill>
-                  <a:schemeClr val="tx1"/>
-                </a:solidFill>
-              </a:rPr>
-              <a:t>broker</a:t>
-            </a:r>
-            <a:endParaRPr lang="en-US" sz="1000" dirty="0">
-              <a:solidFill>
-                <a:schemeClr val="tx1"/>
-              </a:solidFill>
-            </a:endParaRPr>
-          </a:p>
-        </p:txBody>
-      </p:sp>
-      <p:sp>
-        <p:nvSpPr>
-          <p:cNvPr id="25" name="Rounded Rectangle 24">
-            <a:extLst>
-              <a:ext uri="{FF2B5EF4-FFF2-40B4-BE49-F238E27FC236}">
-                <a16:creationId xmlns:a16="http://schemas.microsoft.com/office/drawing/2014/main" id="{ECD7B885-B8FF-6142-9752-1D507BA76487}"/>
-              </a:ext>
-            </a:extLst>
-          </p:cNvPr>
-          <p:cNvSpPr/>
-          <p:nvPr/>
-        </p:nvSpPr>
-        <p:spPr>
-          <a:xfrm>
-            <a:off x="6804958" y="4098169"/>
-            <a:ext cx="914400" cy="361467"/>
-          </a:xfrm>
-          <a:prstGeom prst="roundRect">
-            <a:avLst/>
-          </a:prstGeom>
-          <a:ln w="9525"/>
-        </p:spPr>
-        <p:style>
-          <a:lnRef idx="2">
-            <a:schemeClr val="accent1">
-              <a:shade val="50000"/>
-            </a:schemeClr>
-          </a:lnRef>
-          <a:fillRef idx="1">
-            <a:schemeClr val="accent1"/>
-          </a:fillRef>
-          <a:effectRef idx="0">
-            <a:schemeClr val="accent1"/>
-          </a:effectRef>
-          <a:fontRef idx="minor">
-            <a:schemeClr val="lt1"/>
-          </a:fontRef>
-        </p:style>
-        <p:txBody>
-          <a:bodyPr rtlCol="0" anchor="ctr"/>
-          <a:lstStyle/>
-          <a:p>
-            <a:pPr algn="ctr"/>
-            <a:r>
-              <a:rPr lang="en-US" sz="1200" dirty="0"/>
-              <a:t>Service</a:t>
-            </a:r>
-            <a:r>
-              <a:rPr lang="zh-CN" altLang="en-US" sz="1200" dirty="0"/>
-              <a:t> </a:t>
-            </a:r>
-            <a:r>
-              <a:rPr lang="en-US" altLang="zh-CN" sz="1200" dirty="0"/>
-              <a:t>[X]</a:t>
-            </a:r>
-            <a:endParaRPr lang="en-US" sz="1200" dirty="0"/>
-          </a:p>
-        </p:txBody>
-      </p:sp>
-      <p:sp>
-        <p:nvSpPr>
-          <p:cNvPr id="26" name="Rounded Rectangle 25">
-            <a:extLst>
-              <a:ext uri="{FF2B5EF4-FFF2-40B4-BE49-F238E27FC236}">
-                <a16:creationId xmlns:a16="http://schemas.microsoft.com/office/drawing/2014/main" id="{D6B1733F-A065-0C4C-9404-EF50A377F99C}"/>
-              </a:ext>
-            </a:extLst>
-          </p:cNvPr>
-          <p:cNvSpPr/>
-          <p:nvPr/>
-        </p:nvSpPr>
-        <p:spPr>
-          <a:xfrm>
-            <a:off x="7262158" y="3950477"/>
-            <a:ext cx="609600" cy="244412"/>
-          </a:xfrm>
-          <a:prstGeom prst="roundRect">
-            <a:avLst/>
-          </a:prstGeom>
-          <a:solidFill>
-            <a:schemeClr val="bg1"/>
-          </a:solidFill>
-          <a:ln w="9525"/>
-        </p:spPr>
-        <p:style>
-          <a:lnRef idx="2">
-            <a:schemeClr val="accent1">
-              <a:shade val="50000"/>
-            </a:schemeClr>
-          </a:lnRef>
-          <a:fillRef idx="1">
-            <a:schemeClr val="accent1"/>
-          </a:fillRef>
-          <a:effectRef idx="0">
-            <a:schemeClr val="accent1"/>
-          </a:effectRef>
-          <a:fontRef idx="minor">
-            <a:schemeClr val="lt1"/>
-          </a:fontRef>
-        </p:style>
-        <p:txBody>
-          <a:bodyPr rtlCol="0" anchor="ctr"/>
-          <a:lstStyle/>
-          <a:p>
-            <a:pPr algn="ctr"/>
-            <a:r>
-              <a:rPr lang="en-US" altLang="zh-CN" sz="1000" dirty="0">
-                <a:solidFill>
-                  <a:schemeClr val="tx1"/>
-                </a:solidFill>
-              </a:rPr>
-              <a:t>broker</a:t>
-            </a:r>
-            <a:endParaRPr lang="en-US" sz="1000" dirty="0">
-              <a:solidFill>
-                <a:schemeClr val="tx1"/>
-              </a:solidFill>
-            </a:endParaRPr>
-          </a:p>
-        </p:txBody>
-      </p:sp>
-      <p:cxnSp>
-        <p:nvCxnSpPr>
-          <p:cNvPr id="28" name="Straight Arrow Connector 27">
-            <a:extLst>
-              <a:ext uri="{FF2B5EF4-FFF2-40B4-BE49-F238E27FC236}">
-                <a16:creationId xmlns:a16="http://schemas.microsoft.com/office/drawing/2014/main" id="{C5C700CD-E72D-2F41-B375-0BA75312BD57}"/>
-              </a:ext>
-            </a:extLst>
-          </p:cNvPr>
-          <p:cNvCxnSpPr>
-            <a:cxnSpLocks/>
-            <a:stCxn id="19" idx="3"/>
-            <a:endCxn id="6" idx="1"/>
-          </p:cNvCxnSpPr>
-          <p:nvPr/>
-        </p:nvCxnSpPr>
-        <p:spPr>
-          <a:xfrm flipV="1">
-            <a:off x="4134337" y="3445399"/>
-            <a:ext cx="689421" cy="12418"/>
-          </a:xfrm>
-          <a:prstGeom prst="straightConnector1">
-            <a:avLst/>
-          </a:prstGeom>
-          <a:ln>
-            <a:tailEnd type="triangle"/>
-          </a:ln>
-        </p:spPr>
-        <p:style>
-          <a:lnRef idx="1">
-            <a:schemeClr val="accent1"/>
-          </a:lnRef>
-          <a:fillRef idx="0">
-            <a:schemeClr val="accent1"/>
-          </a:fillRef>
-          <a:effectRef idx="0">
-            <a:schemeClr val="accent1"/>
-          </a:effectRef>
-          <a:fontRef idx="minor">
-            <a:schemeClr val="tx1"/>
-          </a:fontRef>
-        </p:style>
-      </p:cxnSp>
-      <p:sp>
-        <p:nvSpPr>
-          <p:cNvPr id="31" name="Rounded Rectangle 30">
-            <a:extLst>
-              <a:ext uri="{FF2B5EF4-FFF2-40B4-BE49-F238E27FC236}">
-                <a16:creationId xmlns:a16="http://schemas.microsoft.com/office/drawing/2014/main" id="{25DE8643-2754-C242-90CA-67665B5D225F}"/>
-              </a:ext>
-            </a:extLst>
-          </p:cNvPr>
-          <p:cNvSpPr/>
-          <p:nvPr/>
-        </p:nvSpPr>
-        <p:spPr>
-          <a:xfrm>
-            <a:off x="6804958" y="2306769"/>
-            <a:ext cx="914400" cy="361467"/>
-          </a:xfrm>
-          <a:prstGeom prst="roundRect">
-            <a:avLst/>
-          </a:prstGeom>
-          <a:ln w="9525"/>
-        </p:spPr>
-        <p:style>
-          <a:lnRef idx="2">
-            <a:schemeClr val="accent1">
-              <a:shade val="50000"/>
-            </a:schemeClr>
-          </a:lnRef>
-          <a:fillRef idx="1">
-            <a:schemeClr val="accent1"/>
-          </a:fillRef>
-          <a:effectRef idx="0">
-            <a:schemeClr val="accent1"/>
-          </a:effectRef>
-          <a:fontRef idx="minor">
-            <a:schemeClr val="lt1"/>
-          </a:fontRef>
-        </p:style>
-        <p:txBody>
-          <a:bodyPr rtlCol="0" anchor="ctr"/>
-          <a:lstStyle/>
-          <a:p>
-            <a:pPr algn="ctr"/>
-            <a:r>
-              <a:rPr lang="en-US" sz="1400" dirty="0"/>
-              <a:t>Service</a:t>
-            </a:r>
-            <a:r>
-              <a:rPr lang="zh-CN" altLang="en-US" sz="1400" dirty="0"/>
-              <a:t> </a:t>
-            </a:r>
-            <a:r>
-              <a:rPr lang="en-US" altLang="zh-CN" sz="1400" dirty="0"/>
-              <a:t>B</a:t>
-            </a:r>
-            <a:endParaRPr lang="en-US" sz="1400" dirty="0"/>
-          </a:p>
-        </p:txBody>
-      </p:sp>
-      <p:sp>
-        <p:nvSpPr>
-          <p:cNvPr id="32" name="Rounded Rectangle 31">
-            <a:extLst>
-              <a:ext uri="{FF2B5EF4-FFF2-40B4-BE49-F238E27FC236}">
-                <a16:creationId xmlns:a16="http://schemas.microsoft.com/office/drawing/2014/main" id="{0CC751CE-C32E-8C40-AC86-65CFC1CAB108}"/>
-              </a:ext>
-            </a:extLst>
-          </p:cNvPr>
-          <p:cNvSpPr/>
-          <p:nvPr/>
-        </p:nvSpPr>
-        <p:spPr>
-          <a:xfrm>
-            <a:off x="7262158" y="2148304"/>
-            <a:ext cx="609600" cy="244412"/>
-          </a:xfrm>
-          <a:prstGeom prst="roundRect">
-            <a:avLst/>
-          </a:prstGeom>
-          <a:solidFill>
-            <a:schemeClr val="bg1"/>
-          </a:solidFill>
-          <a:ln w="9525"/>
-        </p:spPr>
-        <p:style>
-          <a:lnRef idx="2">
-            <a:schemeClr val="accent1">
-              <a:shade val="50000"/>
-            </a:schemeClr>
-          </a:lnRef>
-          <a:fillRef idx="1">
-            <a:schemeClr val="accent1"/>
-          </a:fillRef>
-          <a:effectRef idx="0">
-            <a:schemeClr val="accent1"/>
-          </a:effectRef>
-          <a:fontRef idx="minor">
-            <a:schemeClr val="lt1"/>
-          </a:fontRef>
-        </p:style>
-        <p:txBody>
-          <a:bodyPr rtlCol="0" anchor="ctr"/>
-          <a:lstStyle/>
-          <a:p>
-            <a:pPr algn="ctr"/>
-            <a:r>
-              <a:rPr lang="en-US" altLang="zh-CN" sz="1000" dirty="0">
-                <a:solidFill>
-                  <a:schemeClr val="tx1"/>
-                </a:solidFill>
-              </a:rPr>
-              <a:t>broker</a:t>
-            </a:r>
-            <a:endParaRPr lang="en-US" sz="1000" dirty="0">
-              <a:solidFill>
-                <a:schemeClr val="tx1"/>
-              </a:solidFill>
-            </a:endParaRPr>
-          </a:p>
-        </p:txBody>
-      </p:sp>
-      <p:cxnSp>
-        <p:nvCxnSpPr>
-          <p:cNvPr id="33" name="Straight Arrow Connector 32">
-            <a:extLst>
-              <a:ext uri="{FF2B5EF4-FFF2-40B4-BE49-F238E27FC236}">
-                <a16:creationId xmlns:a16="http://schemas.microsoft.com/office/drawing/2014/main" id="{13D577DC-FE80-914E-A3E3-75AF68EF48B7}"/>
-              </a:ext>
-            </a:extLst>
-          </p:cNvPr>
-          <p:cNvCxnSpPr>
-            <a:cxnSpLocks/>
-            <a:stCxn id="23" idx="1"/>
-            <a:endCxn id="6" idx="3"/>
-          </p:cNvCxnSpPr>
-          <p:nvPr/>
-        </p:nvCxnSpPr>
-        <p:spPr>
-          <a:xfrm flipH="1">
-            <a:off x="6119158" y="3433576"/>
-            <a:ext cx="685800" cy="11823"/>
-          </a:xfrm>
-          <a:prstGeom prst="straightConnector1">
-            <a:avLst/>
-          </a:prstGeom>
-          <a:ln>
-            <a:tailEnd type="triangle"/>
-          </a:ln>
-        </p:spPr>
-        <p:style>
-          <a:lnRef idx="1">
-            <a:schemeClr val="accent1"/>
-          </a:lnRef>
-          <a:fillRef idx="0">
-            <a:schemeClr val="accent1"/>
-          </a:fillRef>
-          <a:effectRef idx="0">
-            <a:schemeClr val="accent1"/>
-          </a:effectRef>
-          <a:fontRef idx="minor">
-            <a:schemeClr val="tx1"/>
-          </a:fontRef>
-        </p:style>
-      </p:cxnSp>
-      <p:cxnSp>
-        <p:nvCxnSpPr>
-          <p:cNvPr id="37" name="Elbow Connector 36">
-            <a:extLst>
-              <a:ext uri="{FF2B5EF4-FFF2-40B4-BE49-F238E27FC236}">
-                <a16:creationId xmlns:a16="http://schemas.microsoft.com/office/drawing/2014/main" id="{75CC7E06-3A90-BD44-A26B-C750CA287E69}"/>
-              </a:ext>
-            </a:extLst>
-          </p:cNvPr>
-          <p:cNvCxnSpPr>
-            <a:cxnSpLocks/>
-            <a:stCxn id="25" idx="1"/>
-            <a:endCxn id="6" idx="2"/>
-          </p:cNvCxnSpPr>
-          <p:nvPr/>
-        </p:nvCxnSpPr>
-        <p:spPr>
-          <a:xfrm rot="10800000">
-            <a:off x="5471458" y="3950479"/>
-            <a:ext cx="1333500" cy="328425"/>
-          </a:xfrm>
-          <a:prstGeom prst="bentConnector2">
-            <a:avLst/>
-          </a:prstGeom>
-          <a:ln>
-            <a:tailEnd type="triangle"/>
-          </a:ln>
-        </p:spPr>
-        <p:style>
-          <a:lnRef idx="1">
-            <a:schemeClr val="accent1"/>
-          </a:lnRef>
-          <a:fillRef idx="0">
-            <a:schemeClr val="accent1"/>
-          </a:fillRef>
-          <a:effectRef idx="0">
-            <a:schemeClr val="accent1"/>
-          </a:effectRef>
-          <a:fontRef idx="minor">
-            <a:schemeClr val="tx1"/>
-          </a:fontRef>
-        </p:style>
-      </p:cxnSp>
-      <p:sp>
-        <p:nvSpPr>
-          <p:cNvPr id="51" name="Rounded Rectangle 50">
-            <a:extLst>
-              <a:ext uri="{FF2B5EF4-FFF2-40B4-BE49-F238E27FC236}">
-                <a16:creationId xmlns:a16="http://schemas.microsoft.com/office/drawing/2014/main" id="{92A3EC20-7921-7E4F-8393-3D060B5EBE09}"/>
-              </a:ext>
-            </a:extLst>
-          </p:cNvPr>
-          <p:cNvSpPr/>
-          <p:nvPr/>
-        </p:nvSpPr>
-        <p:spPr>
-          <a:xfrm>
-            <a:off x="5166657" y="2762482"/>
-            <a:ext cx="609600" cy="244412"/>
-          </a:xfrm>
-          <a:prstGeom prst="roundRect">
-            <a:avLst/>
-          </a:prstGeom>
-          <a:solidFill>
-            <a:schemeClr val="bg1"/>
-          </a:solidFill>
-          <a:ln w="9525"/>
-        </p:spPr>
-        <p:style>
-          <a:lnRef idx="2">
-            <a:schemeClr val="accent1">
-              <a:shade val="50000"/>
-            </a:schemeClr>
-          </a:lnRef>
-          <a:fillRef idx="1">
-            <a:schemeClr val="accent1"/>
-          </a:fillRef>
-          <a:effectRef idx="0">
-            <a:schemeClr val="accent1"/>
-          </a:effectRef>
-          <a:fontRef idx="minor">
-            <a:schemeClr val="lt1"/>
-          </a:fontRef>
-        </p:style>
-        <p:txBody>
-          <a:bodyPr rtlCol="0" anchor="ctr"/>
-          <a:lstStyle/>
-          <a:p>
-            <a:pPr algn="ctr"/>
-            <a:r>
-              <a:rPr lang="zh-CN" altLang="en-US" sz="1000" dirty="0">
-                <a:solidFill>
-                  <a:schemeClr val="tx1"/>
-                </a:solidFill>
-              </a:rPr>
-              <a:t>中间件</a:t>
-            </a:r>
-            <a:endParaRPr lang="en-US" sz="1000" dirty="0">
-              <a:solidFill>
-                <a:schemeClr val="tx1"/>
-              </a:solidFill>
-            </a:endParaRPr>
-          </a:p>
-        </p:txBody>
-      </p:sp>
-      <p:cxnSp>
-        <p:nvCxnSpPr>
-          <p:cNvPr id="58" name="Elbow Connector 57">
-            <a:extLst>
-              <a:ext uri="{FF2B5EF4-FFF2-40B4-BE49-F238E27FC236}">
-                <a16:creationId xmlns:a16="http://schemas.microsoft.com/office/drawing/2014/main" id="{AA30331B-5EE4-5548-95D4-DB3B18350857}"/>
-              </a:ext>
-            </a:extLst>
-          </p:cNvPr>
-          <p:cNvCxnSpPr>
-            <a:cxnSpLocks/>
-            <a:stCxn id="31" idx="1"/>
-            <a:endCxn id="51" idx="0"/>
-          </p:cNvCxnSpPr>
-          <p:nvPr/>
-        </p:nvCxnSpPr>
-        <p:spPr>
-          <a:xfrm rot="10800000" flipV="1">
-            <a:off x="5471458" y="2487502"/>
-            <a:ext cx="1333501" cy="274979"/>
-          </a:xfrm>
-          <a:prstGeom prst="bentConnector2">
-            <a:avLst/>
-          </a:prstGeom>
-          <a:ln>
-            <a:tailEnd type="triangle"/>
-          </a:ln>
-        </p:spPr>
-        <p:style>
-          <a:lnRef idx="1">
-            <a:schemeClr val="accent1"/>
-          </a:lnRef>
-          <a:fillRef idx="0">
-            <a:schemeClr val="accent1"/>
-          </a:fillRef>
-          <a:effectRef idx="0">
-            <a:schemeClr val="accent1"/>
-          </a:effectRef>
-          <a:fontRef idx="minor">
-            <a:schemeClr val="tx1"/>
-          </a:fontRef>
-        </p:style>
-      </p:cxnSp>
-      <p:sp>
-        <p:nvSpPr>
-          <p:cNvPr id="62" name="TextBox 61">
-            <a:extLst>
-              <a:ext uri="{FF2B5EF4-FFF2-40B4-BE49-F238E27FC236}">
-                <a16:creationId xmlns:a16="http://schemas.microsoft.com/office/drawing/2014/main" id="{7E3F5B4F-CC92-9B4C-932A-63B0FE3139E1}"/>
-              </a:ext>
-            </a:extLst>
-          </p:cNvPr>
-          <p:cNvSpPr txBox="1"/>
-          <p:nvPr/>
-        </p:nvSpPr>
-        <p:spPr>
-          <a:xfrm>
-            <a:off x="482125" y="4278902"/>
-            <a:ext cx="3838230" cy="338554"/>
-          </a:xfrm>
-          <a:prstGeom prst="rect">
-            <a:avLst/>
-          </a:prstGeom>
-          <a:noFill/>
-        </p:spPr>
-        <p:txBody>
-          <a:bodyPr wrap="none" rtlCol="0">
-            <a:spAutoFit/>
-          </a:bodyPr>
-          <a:lstStyle/>
-          <a:p>
-            <a:r>
-              <a:rPr lang="zh-CN" altLang="en-US" sz="1600" dirty="0">
-                <a:solidFill>
-                  <a:srgbClr val="FF0000"/>
-                </a:solidFill>
-              </a:rPr>
-              <a:t>注：中间件不一定是消息服务，比如</a:t>
-            </a:r>
-            <a:r>
-              <a:rPr lang="en-US" altLang="zh-CN" sz="1600" dirty="0">
-                <a:solidFill>
-                  <a:srgbClr val="FF0000"/>
-                </a:solidFill>
-              </a:rPr>
-              <a:t>Http</a:t>
-            </a:r>
-            <a:endParaRPr lang="en-US" dirty="0">
-              <a:solidFill>
-                <a:srgbClr val="FF0000"/>
-              </a:solidFill>
-            </a:endParaRPr>
-          </a:p>
-        </p:txBody>
-      </p:sp>
-      <p:sp>
-        <p:nvSpPr>
-          <p:cNvPr id="63" name="TextBox 62">
-            <a:extLst>
-              <a:ext uri="{FF2B5EF4-FFF2-40B4-BE49-F238E27FC236}">
-                <a16:creationId xmlns:a16="http://schemas.microsoft.com/office/drawing/2014/main" id="{B01AACEC-EF64-FE49-B2FB-37C321BC9FBD}"/>
-              </a:ext>
-            </a:extLst>
-          </p:cNvPr>
-          <p:cNvSpPr txBox="1"/>
-          <p:nvPr/>
-        </p:nvSpPr>
-        <p:spPr>
-          <a:xfrm>
-            <a:off x="5971798" y="2318586"/>
-            <a:ext cx="453840" cy="215444"/>
-          </a:xfrm>
-          <a:prstGeom prst="rect">
-            <a:avLst/>
-          </a:prstGeom>
-          <a:noFill/>
-        </p:spPr>
-        <p:txBody>
-          <a:bodyPr wrap="square" rtlCol="0">
-            <a:spAutoFit/>
-          </a:bodyPr>
-          <a:lstStyle/>
-          <a:p>
-            <a:r>
-              <a:rPr lang="zh-CN" altLang="en-US" sz="800" dirty="0">
-                <a:latin typeface="+mj-ea"/>
-                <a:ea typeface="+mj-ea"/>
-              </a:rPr>
-              <a:t>订阅</a:t>
-            </a:r>
-            <a:endParaRPr lang="en-US" sz="1000" dirty="0">
-              <a:latin typeface="+mj-ea"/>
-              <a:ea typeface="+mj-ea"/>
-            </a:endParaRPr>
-          </a:p>
-        </p:txBody>
-      </p:sp>
-      <p:sp>
-        <p:nvSpPr>
-          <p:cNvPr id="65" name="TextBox 64">
-            <a:extLst>
-              <a:ext uri="{FF2B5EF4-FFF2-40B4-BE49-F238E27FC236}">
-                <a16:creationId xmlns:a16="http://schemas.microsoft.com/office/drawing/2014/main" id="{A81F4B93-B3BB-2D4F-91F2-EBEAB83351C9}"/>
-              </a:ext>
-            </a:extLst>
-          </p:cNvPr>
-          <p:cNvSpPr txBox="1"/>
-          <p:nvPr/>
-        </p:nvSpPr>
-        <p:spPr>
-          <a:xfrm>
-            <a:off x="6247355" y="3242372"/>
-            <a:ext cx="453840" cy="215444"/>
-          </a:xfrm>
-          <a:prstGeom prst="rect">
-            <a:avLst/>
-          </a:prstGeom>
-          <a:noFill/>
-        </p:spPr>
-        <p:txBody>
-          <a:bodyPr wrap="square" rtlCol="0">
-            <a:spAutoFit/>
-          </a:bodyPr>
-          <a:lstStyle/>
-          <a:p>
-            <a:r>
-              <a:rPr lang="zh-CN" altLang="en-US" sz="800" dirty="0">
-                <a:latin typeface="+mj-ea"/>
-                <a:ea typeface="+mj-ea"/>
-              </a:rPr>
-              <a:t>订阅</a:t>
-            </a:r>
-            <a:endParaRPr lang="en-US" sz="1000" dirty="0">
-              <a:latin typeface="+mj-ea"/>
-              <a:ea typeface="+mj-ea"/>
-            </a:endParaRPr>
-          </a:p>
-        </p:txBody>
-      </p:sp>
-      <p:sp>
-        <p:nvSpPr>
-          <p:cNvPr id="66" name="TextBox 65">
-            <a:extLst>
-              <a:ext uri="{FF2B5EF4-FFF2-40B4-BE49-F238E27FC236}">
-                <a16:creationId xmlns:a16="http://schemas.microsoft.com/office/drawing/2014/main" id="{7DB05651-01CE-DA47-830A-D904930EA85E}"/>
-              </a:ext>
-            </a:extLst>
-          </p:cNvPr>
-          <p:cNvSpPr txBox="1"/>
-          <p:nvPr/>
-        </p:nvSpPr>
-        <p:spPr>
-          <a:xfrm>
-            <a:off x="5962684" y="4101943"/>
-            <a:ext cx="453840" cy="215444"/>
-          </a:xfrm>
-          <a:prstGeom prst="rect">
-            <a:avLst/>
-          </a:prstGeom>
-          <a:noFill/>
-        </p:spPr>
-        <p:txBody>
-          <a:bodyPr wrap="square" rtlCol="0">
-            <a:spAutoFit/>
-          </a:bodyPr>
-          <a:lstStyle/>
-          <a:p>
-            <a:r>
-              <a:rPr lang="zh-CN" altLang="en-US" sz="800" dirty="0">
-                <a:latin typeface="+mj-ea"/>
-                <a:ea typeface="+mj-ea"/>
-              </a:rPr>
-              <a:t>订阅</a:t>
-            </a:r>
-            <a:endParaRPr lang="en-US" sz="1000" dirty="0">
-              <a:latin typeface="+mj-ea"/>
-              <a:ea typeface="+mj-ea"/>
-            </a:endParaRPr>
-          </a:p>
-        </p:txBody>
-      </p:sp>
-      <p:sp>
-        <p:nvSpPr>
-          <p:cNvPr id="67" name="TextBox 66">
-            <a:extLst>
-              <a:ext uri="{FF2B5EF4-FFF2-40B4-BE49-F238E27FC236}">
-                <a16:creationId xmlns:a16="http://schemas.microsoft.com/office/drawing/2014/main" id="{271A28BC-F745-964F-B99C-4C5808968560}"/>
-              </a:ext>
-            </a:extLst>
-          </p:cNvPr>
-          <p:cNvSpPr txBox="1"/>
-          <p:nvPr/>
-        </p:nvSpPr>
-        <p:spPr>
-          <a:xfrm>
-            <a:off x="4273810" y="3445399"/>
-            <a:ext cx="453840" cy="215444"/>
-          </a:xfrm>
-          <a:prstGeom prst="rect">
-            <a:avLst/>
-          </a:prstGeom>
-          <a:noFill/>
-        </p:spPr>
-        <p:txBody>
-          <a:bodyPr wrap="square" rtlCol="0">
-            <a:spAutoFit/>
-          </a:bodyPr>
-          <a:lstStyle/>
-          <a:p>
-            <a:r>
-              <a:rPr lang="zh-CN" altLang="en-US" sz="800" dirty="0">
-                <a:latin typeface="+mj-ea"/>
-                <a:ea typeface="+mj-ea"/>
-              </a:rPr>
-              <a:t>发布</a:t>
-            </a:r>
-            <a:endParaRPr lang="en-US" sz="1000" dirty="0">
-              <a:latin typeface="+mj-ea"/>
-              <a:ea typeface="+mj-ea"/>
-            </a:endParaRPr>
-          </a:p>
-        </p:txBody>
-      </p:sp>
-      <p:sp>
-        <p:nvSpPr>
-          <p:cNvPr id="68" name="Rectangle 67">
-            <a:extLst>
-              <a:ext uri="{FF2B5EF4-FFF2-40B4-BE49-F238E27FC236}">
-                <a16:creationId xmlns:a16="http://schemas.microsoft.com/office/drawing/2014/main" id="{A943B0E1-B8A6-2745-8A08-2762DF7C543B}"/>
-              </a:ext>
-            </a:extLst>
-          </p:cNvPr>
-          <p:cNvSpPr/>
-          <p:nvPr/>
-        </p:nvSpPr>
-        <p:spPr>
-          <a:xfrm>
-            <a:off x="7391400" y="648402"/>
-            <a:ext cx="1338828" cy="369332"/>
-          </a:xfrm>
-          <a:prstGeom prst="rect">
-            <a:avLst/>
-          </a:prstGeom>
-        </p:spPr>
-        <p:txBody>
-          <a:bodyPr wrap="none">
-            <a:spAutoFit/>
-          </a:bodyPr>
-          <a:lstStyle/>
-          <a:p>
-            <a:r>
-              <a:rPr lang="zh-CN" altLang="en-US" dirty="0"/>
-              <a:t>发布与订阅</a:t>
-            </a:r>
-            <a:endParaRPr lang="en-US" dirty="0"/>
-          </a:p>
-        </p:txBody>
-      </p:sp>
     </p:spTree>
     <p:extLst>
       <p:ext uri="{BB962C8B-B14F-4D97-AF65-F5344CB8AC3E}">
-        <p14:creationId xmlns:p14="http://schemas.microsoft.com/office/powerpoint/2010/main" val="3876628344"/>
+        <p14:creationId xmlns:p14="http://schemas.microsoft.com/office/powerpoint/2010/main" val="2926317001"/>
       </p:ext>
     </p:extLst>
   </p:cSld>

--- a/others/share/learning-go/【第一期】Go-Micro框架设计.pptx
+++ b/others/share/learning-go/【第一期】Go-Micro框架设计.pptx
@@ -5,7 +5,7 @@
     <p:sldMasterId id="2147483648" r:id="rId1"/>
   </p:sldMasterIdLst>
   <p:notesMasterIdLst>
-    <p:notesMasterId r:id="rId30"/>
+    <p:notesMasterId r:id="rId31"/>
   </p:notesMasterIdLst>
   <p:sldIdLst>
     <p:sldId id="256" r:id="rId2"/>
@@ -19,23 +19,24 @@
     <p:sldId id="338" r:id="rId10"/>
     <p:sldId id="328" r:id="rId11"/>
     <p:sldId id="329" r:id="rId12"/>
-    <p:sldId id="330" r:id="rId13"/>
-    <p:sldId id="331" r:id="rId14"/>
-    <p:sldId id="273" r:id="rId15"/>
-    <p:sldId id="334" r:id="rId16"/>
-    <p:sldId id="287" r:id="rId17"/>
-    <p:sldId id="333" r:id="rId18"/>
-    <p:sldId id="335" r:id="rId19"/>
-    <p:sldId id="336" r:id="rId20"/>
-    <p:sldId id="337" r:id="rId21"/>
-    <p:sldId id="301" r:id="rId22"/>
-    <p:sldId id="302" r:id="rId23"/>
-    <p:sldId id="303" r:id="rId24"/>
-    <p:sldId id="304" r:id="rId25"/>
-    <p:sldId id="305" r:id="rId26"/>
-    <p:sldId id="306" r:id="rId27"/>
-    <p:sldId id="320" r:id="rId28"/>
-    <p:sldId id="322" r:id="rId29"/>
+    <p:sldId id="339" r:id="rId13"/>
+    <p:sldId id="330" r:id="rId14"/>
+    <p:sldId id="331" r:id="rId15"/>
+    <p:sldId id="273" r:id="rId16"/>
+    <p:sldId id="334" r:id="rId17"/>
+    <p:sldId id="287" r:id="rId18"/>
+    <p:sldId id="333" r:id="rId19"/>
+    <p:sldId id="335" r:id="rId20"/>
+    <p:sldId id="336" r:id="rId21"/>
+    <p:sldId id="337" r:id="rId22"/>
+    <p:sldId id="301" r:id="rId23"/>
+    <p:sldId id="302" r:id="rId24"/>
+    <p:sldId id="303" r:id="rId25"/>
+    <p:sldId id="304" r:id="rId26"/>
+    <p:sldId id="305" r:id="rId27"/>
+    <p:sldId id="306" r:id="rId28"/>
+    <p:sldId id="320" r:id="rId29"/>
+    <p:sldId id="322" r:id="rId30"/>
   </p:sldIdLst>
   <p:sldSz cx="9144000" cy="5143500" type="screen16x9"/>
   <p:notesSz cx="9144000" cy="5143500"/>
@@ -631,14 +632,97 @@
           <a:lstStyle/>
           <a:p>
             <a:r>
-              <a:rPr lang="en-US" altLang="zh-CN" dirty="0">
+              <a:rPr lang="zh-CN" altLang="en-US" dirty="0"/>
+              <a:t>简化了一些结构，比如</a:t>
+            </a:r>
+            <a:r>
+              <a:rPr lang="en-US" altLang="zh-CN" dirty="0"/>
+              <a:t>Client</a:t>
+            </a:r>
+            <a:r>
+              <a:rPr lang="zh-CN" altLang="en-US" dirty="0"/>
+              <a:t>是通过</a:t>
+            </a:r>
+            <a:r>
+              <a:rPr lang="en-US" altLang="zh-CN" dirty="0"/>
+              <a:t>Stream</a:t>
+            </a:r>
+            <a:r>
+              <a:rPr lang="zh-CN" altLang="en-US" dirty="0"/>
+              <a:t>调用的</a:t>
+            </a:r>
+            <a:r>
+              <a:rPr lang="en-US" altLang="zh-CN" dirty="0"/>
+              <a:t>Transport</a:t>
+            </a:r>
+            <a:r>
+              <a:rPr lang="zh-CN" altLang="en-US" dirty="0"/>
+              <a:t>。</a:t>
+            </a:r>
+            <a:endParaRPr lang="en-US" altLang="zh-CN" dirty="0"/>
+          </a:p>
+          <a:p>
+            <a:r>
+              <a:rPr lang="zh-CN" altLang="en-US" dirty="0"/>
+              <a:t>刚我们说到</a:t>
+            </a:r>
+            <a:r>
+              <a:rPr lang="en-US" altLang="zh-CN" dirty="0"/>
+              <a:t>Transport</a:t>
+            </a:r>
+            <a:r>
+              <a:rPr lang="zh-CN" altLang="en-US" dirty="0"/>
+              <a:t>有两个重要的接口：</a:t>
+            </a:r>
+            <a:r>
+              <a:rPr lang="en-US" altLang="zh-CN" dirty="0"/>
+              <a:t>Dial</a:t>
+            </a:r>
+            <a:r>
+              <a:rPr lang="zh-CN" altLang="en-US" dirty="0"/>
+              <a:t>和</a:t>
+            </a:r>
+            <a:r>
+              <a:rPr lang="en-US" altLang="zh-CN" dirty="0"/>
+              <a:t>Listen</a:t>
+            </a:r>
+            <a:r>
+              <a:rPr lang="zh-CN" altLang="en-US" dirty="0"/>
+              <a:t>，</a:t>
+            </a:r>
+            <a:r>
+              <a:rPr lang="en-US" altLang="zh-CN" dirty="0"/>
+              <a:t>Dial</a:t>
+            </a:r>
+            <a:r>
+              <a:rPr lang="zh-CN" altLang="en-US" dirty="0"/>
+              <a:t>就是客户端在发起请求前先要拨号，也就是左边的部分。那</a:t>
+            </a:r>
+            <a:r>
+              <a:rPr lang="en-US" altLang="zh-CN" dirty="0"/>
+              <a:t>Listen</a:t>
+            </a:r>
+            <a:r>
+              <a:rPr lang="zh-CN" altLang="en-US" dirty="0"/>
+              <a:t>方法呢？是这样子的，</a:t>
+            </a:r>
+            <a:r>
+              <a:rPr lang="en-US" altLang="zh-CN" dirty="0"/>
+              <a:t>Listen</a:t>
+            </a:r>
+            <a:r>
+              <a:rPr lang="zh-CN" altLang="en-US" dirty="0"/>
+              <a:t>调用是在服务初始化时，它会生成一个</a:t>
+            </a:r>
+            <a:r>
+              <a:rPr lang="en-US" dirty="0">
                 <a:solidFill>
                   <a:schemeClr val="bg1">
                     <a:lumMod val="50000"/>
                   </a:schemeClr>
                 </a:solidFill>
               </a:rPr>
-              <a:t>Go-Micro</a:t>
+              <a:t>Listener</a:t>
             </a:r>
             <a:r>
               <a:rPr lang="zh-CN" altLang="en-US" dirty="0">
@@ -648,209 +732,48 @@
                   </a:schemeClr>
                 </a:solidFill>
               </a:rPr>
-              <a:t>目前支持的协议有</a:t>
-            </a:r>
-            <a:r>
-              <a:rPr lang="en-US" altLang="zh-CN" dirty="0">
+              <a:t>，它负责侦听对服务整个异步请求。</a:t>
+            </a:r>
+            <a:endParaRPr lang="en-US" altLang="zh-CN" dirty="0">
+              <a:solidFill>
+                <a:schemeClr val="bg1">
+                  <a:lumMod val="50000"/>
+                </a:schemeClr>
+              </a:solidFill>
+            </a:endParaRPr>
+          </a:p>
+          <a:p>
+            <a:r>
+              <a:rPr lang="zh-CN" altLang="en-US" dirty="0">
                 <a:solidFill>
                   <a:schemeClr val="bg1">
                     <a:lumMod val="50000"/>
                   </a:schemeClr>
                 </a:solidFill>
               </a:rPr>
-              <a:t>http</a:t>
-            </a:r>
-            <a:r>
-              <a:rPr lang="zh-CN" altLang="en-US" dirty="0">
+              <a:t>头中的流程是默认的</a:t>
+            </a:r>
+            <a:r>
+              <a:rPr lang="en-US" altLang="zh-CN" dirty="0">
                 <a:solidFill>
                   <a:schemeClr val="bg1">
                     <a:lumMod val="50000"/>
                   </a:schemeClr>
                 </a:solidFill>
               </a:rPr>
-              <a:t>、</a:t>
-            </a:r>
-            <a:r>
-              <a:rPr lang="en-US" altLang="zh-CN" dirty="0">
+              <a:t>HttpTransport</a:t>
+            </a:r>
+            <a:r>
+              <a:rPr lang="zh-CN" altLang="en-US" dirty="0">
                 <a:solidFill>
                   <a:schemeClr val="bg1">
                     <a:lumMod val="50000"/>
                   </a:schemeClr>
                 </a:solidFill>
               </a:rPr>
-              <a:t>grpc</a:t>
-            </a:r>
-            <a:r>
-              <a:rPr lang="zh-CN" altLang="en-US" dirty="0">
-                <a:solidFill>
-                  <a:schemeClr val="bg1">
-                    <a:lumMod val="50000"/>
-                  </a:schemeClr>
-                </a:solidFill>
-              </a:rPr>
-              <a:t>、</a:t>
-            </a:r>
-            <a:r>
-              <a:rPr lang="en-US" altLang="zh-CN" dirty="0">
-                <a:solidFill>
-                  <a:schemeClr val="bg1">
-                    <a:lumMod val="50000"/>
-                  </a:schemeClr>
-                </a:solidFill>
-              </a:rPr>
-              <a:t>udp</a:t>
-            </a:r>
-            <a:r>
-              <a:rPr lang="zh-CN" altLang="en-US" dirty="0">
-                <a:solidFill>
-                  <a:schemeClr val="bg1">
-                    <a:lumMod val="50000"/>
-                  </a:schemeClr>
-                </a:solidFill>
-              </a:rPr>
-              <a:t>（</a:t>
-            </a:r>
-            <a:r>
-              <a:rPr lang="en-US" altLang="zh-CN" dirty="0">
-                <a:solidFill>
-                  <a:schemeClr val="bg1">
-                    <a:lumMod val="50000"/>
-                  </a:schemeClr>
-                </a:solidFill>
-              </a:rPr>
-              <a:t>quic</a:t>
-            </a:r>
-            <a:r>
-              <a:rPr lang="zh-CN" altLang="en-US" dirty="0">
-                <a:solidFill>
-                  <a:schemeClr val="bg1">
-                    <a:lumMod val="50000"/>
-                  </a:schemeClr>
-                </a:solidFill>
-              </a:rPr>
-              <a:t>、</a:t>
-            </a:r>
-            <a:r>
-              <a:rPr lang="en-US" altLang="zh-CN" dirty="0">
-                <a:solidFill>
-                  <a:schemeClr val="bg1">
-                    <a:lumMod val="50000"/>
-                  </a:schemeClr>
-                </a:solidFill>
-              </a:rPr>
-              <a:t>utp</a:t>
-            </a:r>
-            <a:r>
-              <a:rPr lang="zh-CN" altLang="en-US" dirty="0">
-                <a:solidFill>
-                  <a:schemeClr val="bg1">
-                    <a:lumMod val="50000"/>
-                  </a:schemeClr>
-                </a:solidFill>
-              </a:rPr>
-              <a:t>）、</a:t>
-            </a:r>
-            <a:r>
-              <a:rPr lang="en-US" altLang="zh-CN" dirty="0">
-                <a:solidFill>
-                  <a:schemeClr val="bg1">
-                    <a:lumMod val="50000"/>
-                  </a:schemeClr>
-                </a:solidFill>
-              </a:rPr>
-              <a:t>nats</a:t>
-            </a:r>
-            <a:r>
-              <a:rPr lang="zh-CN" altLang="en-US" dirty="0">
-                <a:solidFill>
-                  <a:schemeClr val="bg1">
-                    <a:lumMod val="50000"/>
-                  </a:schemeClr>
-                </a:solidFill>
-              </a:rPr>
-              <a:t>、</a:t>
-            </a:r>
-            <a:r>
-              <a:rPr lang="en-US" altLang="zh-CN" dirty="0">
-                <a:solidFill>
-                  <a:schemeClr val="bg1">
-                    <a:lumMod val="50000"/>
-                  </a:schemeClr>
-                </a:solidFill>
-              </a:rPr>
-              <a:t>rabbitmq</a:t>
-            </a:r>
-            <a:r>
-              <a:rPr lang="zh-CN" altLang="en-US" dirty="0">
-                <a:solidFill>
-                  <a:schemeClr val="bg1">
-                    <a:lumMod val="50000"/>
-                  </a:schemeClr>
-                </a:solidFill>
-              </a:rPr>
-              <a:t>。但是它们内部请求模型都是差不多的，都封装在</a:t>
-            </a:r>
-            <a:r>
-              <a:rPr lang="en-US" altLang="zh-CN" dirty="0">
-                <a:solidFill>
-                  <a:schemeClr val="bg1">
-                    <a:lumMod val="50000"/>
-                  </a:schemeClr>
-                </a:solidFill>
-              </a:rPr>
-              <a:t>Transport</a:t>
-            </a:r>
-            <a:r>
-              <a:rPr lang="zh-CN" altLang="en-US" dirty="0">
-                <a:solidFill>
-                  <a:schemeClr val="bg1">
-                    <a:lumMod val="50000"/>
-                  </a:schemeClr>
-                </a:solidFill>
-              </a:rPr>
-              <a:t>的两个增口</a:t>
-            </a:r>
-            <a:r>
-              <a:rPr lang="en-US" altLang="zh-CN" dirty="0">
-                <a:solidFill>
-                  <a:schemeClr val="bg1">
-                    <a:lumMod val="50000"/>
-                  </a:schemeClr>
-                </a:solidFill>
-              </a:rPr>
-              <a:t>Dial</a:t>
-            </a:r>
-            <a:r>
-              <a:rPr lang="zh-CN" altLang="en-US" dirty="0">
-                <a:solidFill>
-                  <a:schemeClr val="bg1">
-                    <a:lumMod val="50000"/>
-                  </a:schemeClr>
-                </a:solidFill>
-              </a:rPr>
-              <a:t>和</a:t>
-            </a:r>
-            <a:r>
-              <a:rPr lang="en-US" altLang="zh-CN" dirty="0">
-                <a:solidFill>
-                  <a:schemeClr val="bg1">
-                    <a:lumMod val="50000"/>
-                  </a:schemeClr>
-                </a:solidFill>
-              </a:rPr>
-              <a:t>Listen</a:t>
-            </a:r>
-            <a:r>
-              <a:rPr lang="zh-CN" altLang="en-US" dirty="0">
-                <a:solidFill>
-                  <a:schemeClr val="bg1">
-                    <a:lumMod val="50000"/>
-                  </a:schemeClr>
-                </a:solidFill>
-              </a:rPr>
-              <a:t>中</a:t>
-            </a:r>
-            <a:endParaRPr lang="en-US"/>
+              <a:t>请求模型，翻页</a:t>
+            </a:r>
+            <a:endParaRPr lang="en-US" dirty="0"/>
           </a:p>
         </p:txBody>
       </p:sp>
@@ -869,7 +792,7 @@
           <a:bodyPr/>
           <a:lstStyle/>
           <a:p>
-            <a:fld id="{28D00669-DCC9-3147-8F33-81E21A71CBE7}" type="slidenum">
+            <a:fld id="{C6300BD4-3AE5-1B42-8BC5-55FDF59C6F50}" type="slidenum">
               <a:rPr lang="en-US" smtClean="0"/>
               <a:t>15</a:t>
             </a:fld>
@@ -880,7 +803,7 @@
     </p:spTree>
     <p:extLst>
       <p:ext uri="{BB962C8B-B14F-4D97-AF65-F5344CB8AC3E}">
-        <p14:creationId xmlns:p14="http://schemas.microsoft.com/office/powerpoint/2010/main" val="4006277651"/>
+        <p14:creationId xmlns:p14="http://schemas.microsoft.com/office/powerpoint/2010/main" val="1612541807"/>
       </p:ext>
     </p:extLst>
   </p:cSld>
@@ -935,23 +858,224 @@
           <a:lstStyle/>
           <a:p>
             <a:r>
-              <a:rPr lang="zh-CN" altLang="en-US"/>
-              <a:t>回顾一下刚给大家分享的</a:t>
-            </a:r>
-            <a:r>
-              <a:rPr lang="en-US" altLang="zh-CN"/>
+              <a:rPr lang="en-US" altLang="zh-CN" dirty="0">
+                <a:solidFill>
+                  <a:schemeClr val="bg1">
+                    <a:lumMod val="50000"/>
+                  </a:schemeClr>
+                </a:solidFill>
+              </a:rPr>
               <a:t>Go-Micro</a:t>
             </a:r>
             <a:r>
-              <a:rPr lang="zh-CN" altLang="en-US"/>
-              <a:t>的框架模块图，用颜色标识出来的组件，都是可插拔的，可以根据自己需要的技术，组装自己的服务体系。</a:t>
-            </a:r>
-            <a:endParaRPr lang="en-US" altLang="zh-CN"/>
-          </a:p>
-          <a:p>
-            <a:r>
-              <a:rPr lang="zh-CN" altLang="en-US"/>
-              <a:t>我们通过几个例子来给大家说明</a:t>
+              <a:rPr lang="zh-CN" altLang="en-US" dirty="0">
+                <a:solidFill>
+                  <a:schemeClr val="bg1">
+                    <a:lumMod val="50000"/>
+                  </a:schemeClr>
+                </a:solidFill>
+              </a:rPr>
+              <a:t>目前支持的协议有</a:t>
+            </a:r>
+            <a:r>
+              <a:rPr lang="en-US" altLang="zh-CN" dirty="0">
+                <a:solidFill>
+                  <a:schemeClr val="bg1">
+                    <a:lumMod val="50000"/>
+                  </a:schemeClr>
+                </a:solidFill>
+              </a:rPr>
+              <a:t>http</a:t>
+            </a:r>
+            <a:r>
+              <a:rPr lang="zh-CN" altLang="en-US" dirty="0">
+                <a:solidFill>
+                  <a:schemeClr val="bg1">
+                    <a:lumMod val="50000"/>
+                  </a:schemeClr>
+                </a:solidFill>
+              </a:rPr>
+              <a:t>、</a:t>
+            </a:r>
+            <a:r>
+              <a:rPr lang="en-US" altLang="zh-CN" dirty="0">
+                <a:solidFill>
+                  <a:schemeClr val="bg1">
+                    <a:lumMod val="50000"/>
+                  </a:schemeClr>
+                </a:solidFill>
+              </a:rPr>
+              <a:t>grpc</a:t>
+            </a:r>
+            <a:r>
+              <a:rPr lang="zh-CN" altLang="en-US" dirty="0">
+                <a:solidFill>
+                  <a:schemeClr val="bg1">
+                    <a:lumMod val="50000"/>
+                  </a:schemeClr>
+                </a:solidFill>
+              </a:rPr>
+              <a:t>、</a:t>
+            </a:r>
+            <a:r>
+              <a:rPr lang="en-US" altLang="zh-CN" dirty="0">
+                <a:solidFill>
+                  <a:schemeClr val="bg1">
+                    <a:lumMod val="50000"/>
+                  </a:schemeClr>
+                </a:solidFill>
+              </a:rPr>
+              <a:t>udp</a:t>
+            </a:r>
+            <a:r>
+              <a:rPr lang="zh-CN" altLang="en-US" dirty="0">
+                <a:solidFill>
+                  <a:schemeClr val="bg1">
+                    <a:lumMod val="50000"/>
+                  </a:schemeClr>
+                </a:solidFill>
+              </a:rPr>
+              <a:t>（</a:t>
+            </a:r>
+            <a:r>
+              <a:rPr lang="en-US" altLang="zh-CN" dirty="0">
+                <a:solidFill>
+                  <a:schemeClr val="bg1">
+                    <a:lumMod val="50000"/>
+                  </a:schemeClr>
+                </a:solidFill>
+              </a:rPr>
+              <a:t>quic</a:t>
+            </a:r>
+            <a:r>
+              <a:rPr lang="zh-CN" altLang="en-US" dirty="0">
+                <a:solidFill>
+                  <a:schemeClr val="bg1">
+                    <a:lumMod val="50000"/>
+                  </a:schemeClr>
+                </a:solidFill>
+              </a:rPr>
+              <a:t>、</a:t>
+            </a:r>
+            <a:r>
+              <a:rPr lang="en-US" altLang="zh-CN" dirty="0">
+                <a:solidFill>
+                  <a:schemeClr val="bg1">
+                    <a:lumMod val="50000"/>
+                  </a:schemeClr>
+                </a:solidFill>
+              </a:rPr>
+              <a:t>utp</a:t>
+            </a:r>
+            <a:r>
+              <a:rPr lang="zh-CN" altLang="en-US" dirty="0">
+                <a:solidFill>
+                  <a:schemeClr val="bg1">
+                    <a:lumMod val="50000"/>
+                  </a:schemeClr>
+                </a:solidFill>
+              </a:rPr>
+              <a:t>）、</a:t>
+            </a:r>
+            <a:r>
+              <a:rPr lang="en-US" altLang="zh-CN" dirty="0">
+                <a:solidFill>
+                  <a:schemeClr val="bg1">
+                    <a:lumMod val="50000"/>
+                  </a:schemeClr>
+                </a:solidFill>
+              </a:rPr>
+              <a:t>nats</a:t>
+            </a:r>
+            <a:r>
+              <a:rPr lang="zh-CN" altLang="en-US" dirty="0">
+                <a:solidFill>
+                  <a:schemeClr val="bg1">
+                    <a:lumMod val="50000"/>
+                  </a:schemeClr>
+                </a:solidFill>
+              </a:rPr>
+              <a:t>、</a:t>
+            </a:r>
+            <a:r>
+              <a:rPr lang="en-US" altLang="zh-CN" dirty="0">
+                <a:solidFill>
+                  <a:schemeClr val="bg1">
+                    <a:lumMod val="50000"/>
+                  </a:schemeClr>
+                </a:solidFill>
+              </a:rPr>
+              <a:t>rabbitmq</a:t>
+            </a:r>
+            <a:r>
+              <a:rPr lang="zh-CN" altLang="en-US" dirty="0">
+                <a:solidFill>
+                  <a:schemeClr val="bg1">
+                    <a:lumMod val="50000"/>
+                  </a:schemeClr>
+                </a:solidFill>
+              </a:rPr>
+              <a:t>。但是它们内部请求模型都是差不多的，都封装在</a:t>
+            </a:r>
+            <a:r>
+              <a:rPr lang="en-US" altLang="zh-CN" dirty="0">
+                <a:solidFill>
+                  <a:schemeClr val="bg1">
+                    <a:lumMod val="50000"/>
+                  </a:schemeClr>
+                </a:solidFill>
+              </a:rPr>
+              <a:t>Transport</a:t>
+            </a:r>
+            <a:r>
+              <a:rPr lang="zh-CN" altLang="en-US" dirty="0">
+                <a:solidFill>
+                  <a:schemeClr val="bg1">
+                    <a:lumMod val="50000"/>
+                  </a:schemeClr>
+                </a:solidFill>
+              </a:rPr>
+              <a:t>的两个增口</a:t>
+            </a:r>
+            <a:r>
+              <a:rPr lang="en-US" altLang="zh-CN" dirty="0">
+                <a:solidFill>
+                  <a:schemeClr val="bg1">
+                    <a:lumMod val="50000"/>
+                  </a:schemeClr>
+                </a:solidFill>
+              </a:rPr>
+              <a:t>Dial</a:t>
+            </a:r>
+            <a:r>
+              <a:rPr lang="zh-CN" altLang="en-US" dirty="0">
+                <a:solidFill>
+                  <a:schemeClr val="bg1">
+                    <a:lumMod val="50000"/>
+                  </a:schemeClr>
+                </a:solidFill>
+              </a:rPr>
+              <a:t>和</a:t>
+            </a:r>
+            <a:r>
+              <a:rPr lang="en-US" altLang="zh-CN" dirty="0">
+                <a:solidFill>
+                  <a:schemeClr val="bg1">
+                    <a:lumMod val="50000"/>
+                  </a:schemeClr>
+                </a:solidFill>
+              </a:rPr>
+              <a:t>Listen</a:t>
+            </a:r>
+            <a:r>
+              <a:rPr lang="zh-CN" altLang="en-US" dirty="0">
+                <a:solidFill>
+                  <a:schemeClr val="bg1">
+                    <a:lumMod val="50000"/>
+                  </a:schemeClr>
+                </a:solidFill>
+              </a:rPr>
+              <a:t>中</a:t>
             </a:r>
             <a:endParaRPr lang="en-US"/>
           </a:p>
@@ -974,7 +1098,7 @@
           <a:p>
             <a:fld id="{28D00669-DCC9-3147-8F33-81E21A71CBE7}" type="slidenum">
               <a:rPr lang="en-US" smtClean="0"/>
-              <a:t>17</a:t>
+              <a:t>16</a:t>
             </a:fld>
             <a:endParaRPr lang="en-US"/>
           </a:p>
@@ -983,7 +1107,7 @@
     </p:spTree>
     <p:extLst>
       <p:ext uri="{BB962C8B-B14F-4D97-AF65-F5344CB8AC3E}">
-        <p14:creationId xmlns:p14="http://schemas.microsoft.com/office/powerpoint/2010/main" val="931875394"/>
+        <p14:creationId xmlns:p14="http://schemas.microsoft.com/office/powerpoint/2010/main" val="4006277651"/>
       </p:ext>
     </p:extLst>
   </p:cSld>
@@ -1039,25 +1163,24 @@
           <a:p>
             <a:r>
               <a:rPr lang="zh-CN" altLang="en-US"/>
-              <a:t>我们演示构建一个服务的代码，让大家对插件化是什么有个认识。我们就定义简单一点，就演示两个插件：</a:t>
+              <a:t>回顾一下刚给大家分享的</a:t>
             </a:r>
             <a:r>
               <a:rPr lang="en-US" altLang="zh-CN"/>
-              <a:t>Registry</a:t>
+              <a:t>Go-Micro</a:t>
             </a:r>
             <a:r>
               <a:rPr lang="zh-CN" altLang="en-US"/>
-              <a:t>与</a:t>
-            </a:r>
-            <a:r>
-              <a:rPr lang="en-US" altLang="zh-CN"/>
-              <a:t>Broker</a:t>
-            </a:r>
+              <a:t>的框架模块图，用颜色标识出来的组件，都是可插拔的，可以根据自己需要的技术，组装自己的服务体系。</a:t>
+            </a:r>
+            <a:endParaRPr lang="en-US" altLang="zh-CN"/>
+          </a:p>
+          <a:p>
             <a:r>
               <a:rPr lang="zh-CN" altLang="en-US"/>
-              <a:t>。</a:t>
-            </a:r>
-            <a:endParaRPr lang="en-US" altLang="zh-CN"/>
+              <a:t>我们通过几个例子来给大家说明</a:t>
+            </a:r>
+            <a:endParaRPr lang="en-US"/>
           </a:p>
         </p:txBody>
       </p:sp>
@@ -1087,7 +1210,7 @@
     </p:spTree>
     <p:extLst>
       <p:ext uri="{BB962C8B-B14F-4D97-AF65-F5344CB8AC3E}">
-        <p14:creationId xmlns:p14="http://schemas.microsoft.com/office/powerpoint/2010/main" val="2787120298"/>
+        <p14:creationId xmlns:p14="http://schemas.microsoft.com/office/powerpoint/2010/main" val="931875394"/>
       </p:ext>
     </p:extLst>
   </p:cSld>
@@ -1143,9 +1266,25 @@
           <a:p>
             <a:r>
               <a:rPr lang="zh-CN" altLang="en-US"/>
-              <a:t>无侵入就即是说不需要接口的实现者不需要显式声明它所实现的接口。所以我们可以在任何地方实现自己的插件，使用者注入即可。</a:t>
-            </a:r>
-            <a:endParaRPr lang="en-US"/>
+              <a:t>我们演示构建一个服务的代码，让大家对插件化是什么有个认识。我们就定义简单一点，就演示两个插件：</a:t>
+            </a:r>
+            <a:r>
+              <a:rPr lang="en-US" altLang="zh-CN"/>
+              <a:t>Registry</a:t>
+            </a:r>
+            <a:r>
+              <a:rPr lang="zh-CN" altLang="en-US"/>
+              <a:t>与</a:t>
+            </a:r>
+            <a:r>
+              <a:rPr lang="en-US" altLang="zh-CN"/>
+              <a:t>Broker</a:t>
+            </a:r>
+            <a:r>
+              <a:rPr lang="zh-CN" altLang="en-US"/>
+              <a:t>。</a:t>
+            </a:r>
+            <a:endParaRPr lang="en-US" altLang="zh-CN"/>
           </a:p>
         </p:txBody>
       </p:sp>
@@ -1175,7 +1314,7 @@
     </p:spTree>
     <p:extLst>
       <p:ext uri="{BB962C8B-B14F-4D97-AF65-F5344CB8AC3E}">
-        <p14:creationId xmlns:p14="http://schemas.microsoft.com/office/powerpoint/2010/main" val="2589446189"/>
+        <p14:creationId xmlns:p14="http://schemas.microsoft.com/office/powerpoint/2010/main" val="2787120298"/>
       </p:ext>
     </p:extLst>
   </p:cSld>
@@ -1231,7 +1370,7 @@
           <a:p>
             <a:r>
               <a:rPr lang="zh-CN" altLang="en-US"/>
-              <a:t>解释插件化注册中心</a:t>
+              <a:t>无侵入就即是说不需要接口的实现者不需要显式声明它所实现的接口。所以我们可以在任何地方实现自己的插件，使用者注入即可。</a:t>
             </a:r>
             <a:endParaRPr lang="en-US"/>
           </a:p>
@@ -1263,7 +1402,7 @@
     </p:spTree>
     <p:extLst>
       <p:ext uri="{BB962C8B-B14F-4D97-AF65-F5344CB8AC3E}">
-        <p14:creationId xmlns:p14="http://schemas.microsoft.com/office/powerpoint/2010/main" val="938072475"/>
+        <p14:creationId xmlns:p14="http://schemas.microsoft.com/office/powerpoint/2010/main" val="2589446189"/>
       </p:ext>
     </p:extLst>
   </p:cSld>
@@ -1319,15 +1458,7 @@
           <a:p>
             <a:r>
               <a:rPr lang="zh-CN" altLang="en-US"/>
-              <a:t>在</a:t>
-            </a:r>
-            <a:r>
-              <a:rPr lang="en-US" altLang="zh-CN"/>
-              <a:t>Micro</a:t>
-            </a:r>
-            <a:r>
-              <a:rPr lang="zh-CN" altLang="en-US"/>
-              <a:t>中，如何完成限流、中断、认证等等操作</a:t>
+              <a:t>解释插件化注册中心</a:t>
             </a:r>
             <a:endParaRPr lang="en-US"/>
           </a:p>
@@ -1359,7 +1490,7 @@
     </p:spTree>
     <p:extLst>
       <p:ext uri="{BB962C8B-B14F-4D97-AF65-F5344CB8AC3E}">
-        <p14:creationId xmlns:p14="http://schemas.microsoft.com/office/powerpoint/2010/main" val="4111841093"/>
+        <p14:creationId xmlns:p14="http://schemas.microsoft.com/office/powerpoint/2010/main" val="938072475"/>
       </p:ext>
     </p:extLst>
   </p:cSld>
@@ -1414,10 +1545,18 @@
           <a:lstStyle/>
           <a:p>
             <a:r>
-              <a:rPr lang="zh-CN" altLang="en-US" dirty="0"/>
-              <a:t>装饰器模式，一种设计模式，它允许不同的包装器对同一对象增加不同的行为，但是对包装器之间彼此不影响各自的增加的行为。</a:t>
-            </a:r>
-            <a:endParaRPr lang="en-US" dirty="0"/>
+              <a:rPr lang="zh-CN" altLang="en-US"/>
+              <a:t>在</a:t>
+            </a:r>
+            <a:r>
+              <a:rPr lang="en-US" altLang="zh-CN"/>
+              <a:t>Micro</a:t>
+            </a:r>
+            <a:r>
+              <a:rPr lang="zh-CN" altLang="en-US"/>
+              <a:t>中，如何完成限流、中断、认证等等操作</a:t>
+            </a:r>
+            <a:endParaRPr lang="en-US"/>
           </a:p>
         </p:txBody>
       </p:sp>
@@ -1438,7 +1577,95 @@
           <a:p>
             <a:fld id="{28D00669-DCC9-3147-8F33-81E21A71CBE7}" type="slidenum">
               <a:rPr lang="en-US" smtClean="0"/>
-              <a:t>23</a:t>
+              <a:t>22</a:t>
+            </a:fld>
+            <a:endParaRPr lang="en-US"/>
+          </a:p>
+        </p:txBody>
+      </p:sp>
+    </p:spTree>
+    <p:extLst>
+      <p:ext uri="{BB962C8B-B14F-4D97-AF65-F5344CB8AC3E}">
+        <p14:creationId xmlns:p14="http://schemas.microsoft.com/office/powerpoint/2010/main" val="4111841093"/>
+      </p:ext>
+    </p:extLst>
+  </p:cSld>
+  <p:clrMapOvr>
+    <a:masterClrMapping/>
+  </p:clrMapOvr>
+</p:notes>
+</file>
+
+<file path=ppt/notesSlides/notesSlide17.xml><?xml version="1.0" encoding="utf-8"?>
+<p:notes xmlns:a="http://schemas.openxmlformats.org/drawingml/2006/main" xmlns:r="http://schemas.openxmlformats.org/officeDocument/2006/relationships" xmlns:p="http://schemas.openxmlformats.org/presentationml/2006/main">
+  <p:cSld>
+    <p:spTree>
+      <p:nvGrpSpPr>
+        <p:cNvPr id="1" name=""/>
+        <p:cNvGrpSpPr/>
+        <p:nvPr/>
+      </p:nvGrpSpPr>
+      <p:grpSpPr>
+        <a:xfrm>
+          <a:off x="0" y="0"/>
+          <a:ext cx="0" cy="0"/>
+          <a:chOff x="0" y="0"/>
+          <a:chExt cx="0" cy="0"/>
+        </a:xfrm>
+      </p:grpSpPr>
+      <p:sp>
+        <p:nvSpPr>
+          <p:cNvPr id="2" name="Slide Image Placeholder 1"/>
+          <p:cNvSpPr>
+            <a:spLocks noGrp="1" noRot="1" noChangeAspect="1"/>
+          </p:cNvSpPr>
+          <p:nvPr>
+            <p:ph type="sldImg"/>
+          </p:nvPr>
+        </p:nvSpPr>
+        <p:spPr/>
+      </p:sp>
+      <p:sp>
+        <p:nvSpPr>
+          <p:cNvPr id="3" name="Notes Placeholder 2"/>
+          <p:cNvSpPr>
+            <a:spLocks noGrp="1"/>
+          </p:cNvSpPr>
+          <p:nvPr>
+            <p:ph type="body" idx="1"/>
+          </p:nvPr>
+        </p:nvSpPr>
+        <p:spPr/>
+        <p:txBody>
+          <a:bodyPr/>
+          <a:lstStyle/>
+          <a:p>
+            <a:r>
+              <a:rPr lang="zh-CN" altLang="en-US" dirty="0"/>
+              <a:t>装饰器模式，一种设计模式，它允许不同的包装器对同一对象增加不同的行为，但是对包装器之间彼此不影响各自的增加的行为。</a:t>
+            </a:r>
+            <a:endParaRPr lang="en-US" dirty="0"/>
+          </a:p>
+        </p:txBody>
+      </p:sp>
+      <p:sp>
+        <p:nvSpPr>
+          <p:cNvPr id="4" name="Slide Number Placeholder 3"/>
+          <p:cNvSpPr>
+            <a:spLocks noGrp="1"/>
+          </p:cNvSpPr>
+          <p:nvPr>
+            <p:ph type="sldNum" sz="quarter" idx="5"/>
+          </p:nvPr>
+        </p:nvSpPr>
+        <p:spPr/>
+        <p:txBody>
+          <a:bodyPr/>
+          <a:lstStyle/>
+          <a:p>
+            <a:fld id="{28D00669-DCC9-3147-8F33-81E21A71CBE7}" type="slidenum">
+              <a:rPr lang="en-US" smtClean="0"/>
+              <a:t>24</a:t>
             </a:fld>
             <a:endParaRPr lang="en-US"/>
           </a:p>
@@ -2253,7 +2480,11 @@
           <a:bodyPr/>
           <a:lstStyle/>
           <a:p>
-            <a:endParaRPr lang="en-US" dirty="0"/>
+            <a:r>
+              <a:rPr lang="zh-CN" altLang="en-US"/>
+              <a:t>它是基于域名解析协议与多路广播实现的解析协议。服务可能广播告之其它服务的存在，响应的服务也会广播自己的地址与服务名，这样，彼此之间利用公告的方式知道大家的存在。</a:t>
+            </a:r>
+            <a:endParaRPr lang="en-US"/>
           </a:p>
         </p:txBody>
       </p:sp>
@@ -2283,7 +2514,7 @@
     </p:spTree>
     <p:extLst>
       <p:ext uri="{BB962C8B-B14F-4D97-AF65-F5344CB8AC3E}">
-        <p14:creationId xmlns:p14="http://schemas.microsoft.com/office/powerpoint/2010/main" val="4173782444"/>
+        <p14:creationId xmlns:p14="http://schemas.microsoft.com/office/powerpoint/2010/main" val="2673251822"/>
       </p:ext>
     </p:extLst>
   </p:cSld>
@@ -2337,10 +2568,6 @@
           <a:bodyPr/>
           <a:lstStyle/>
           <a:p>
-            <a:r>
-              <a:rPr lang="zh-CN" altLang="en-US" dirty="0"/>
-              <a:t>同步组件比较复杂，里面嵌套拨号、侦听</a:t>
-            </a:r>
             <a:endParaRPr lang="en-US" dirty="0"/>
           </a:p>
         </p:txBody>
@@ -2371,7 +2598,7 @@
     </p:spTree>
     <p:extLst>
       <p:ext uri="{BB962C8B-B14F-4D97-AF65-F5344CB8AC3E}">
-        <p14:creationId xmlns:p14="http://schemas.microsoft.com/office/powerpoint/2010/main" val="3490213749"/>
+        <p14:creationId xmlns:p14="http://schemas.microsoft.com/office/powerpoint/2010/main" val="4173782444"/>
       </p:ext>
     </p:extLst>
   </p:cSld>
@@ -2427,145 +2654,7 @@
           <a:p>
             <a:r>
               <a:rPr lang="zh-CN" altLang="en-US" dirty="0"/>
-              <a:t>简化了一些结构，比如</a:t>
-            </a:r>
-            <a:r>
-              <a:rPr lang="en-US" altLang="zh-CN" dirty="0"/>
-              <a:t>Client</a:t>
-            </a:r>
-            <a:r>
-              <a:rPr lang="zh-CN" altLang="en-US" dirty="0"/>
-              <a:t>是通过</a:t>
-            </a:r>
-            <a:r>
-              <a:rPr lang="en-US" altLang="zh-CN" dirty="0"/>
-              <a:t>Stream</a:t>
-            </a:r>
-            <a:r>
-              <a:rPr lang="zh-CN" altLang="en-US" dirty="0"/>
-              <a:t>调用的</a:t>
-            </a:r>
-            <a:r>
-              <a:rPr lang="en-US" altLang="zh-CN" dirty="0"/>
-              <a:t>Transport</a:t>
-            </a:r>
-            <a:r>
-              <a:rPr lang="zh-CN" altLang="en-US" dirty="0"/>
-              <a:t>。</a:t>
-            </a:r>
-            <a:endParaRPr lang="en-US" altLang="zh-CN" dirty="0"/>
-          </a:p>
-          <a:p>
-            <a:r>
-              <a:rPr lang="zh-CN" altLang="en-US" dirty="0"/>
-              <a:t>刚我们说到</a:t>
-            </a:r>
-            <a:r>
-              <a:rPr lang="en-US" altLang="zh-CN" dirty="0"/>
-              <a:t>Transport</a:t>
-            </a:r>
-            <a:r>
-              <a:rPr lang="zh-CN" altLang="en-US" dirty="0"/>
-              <a:t>有两个重要的接口：</a:t>
-            </a:r>
-            <a:r>
-              <a:rPr lang="en-US" altLang="zh-CN" dirty="0"/>
-              <a:t>Dial</a:t>
-            </a:r>
-            <a:r>
-              <a:rPr lang="zh-CN" altLang="en-US" dirty="0"/>
-              <a:t>和</a:t>
-            </a:r>
-            <a:r>
-              <a:rPr lang="en-US" altLang="zh-CN" dirty="0"/>
-              <a:t>Listen</a:t>
-            </a:r>
-            <a:r>
-              <a:rPr lang="zh-CN" altLang="en-US" dirty="0"/>
-              <a:t>，</a:t>
-            </a:r>
-            <a:r>
-              <a:rPr lang="en-US" altLang="zh-CN" dirty="0"/>
-              <a:t>Dial</a:t>
-            </a:r>
-            <a:r>
-              <a:rPr lang="zh-CN" altLang="en-US" dirty="0"/>
-              <a:t>就是客户端在发起请求前先要拨号，也就是左边的部分。那</a:t>
-            </a:r>
-            <a:r>
-              <a:rPr lang="en-US" altLang="zh-CN" dirty="0"/>
-              <a:t>Listen</a:t>
-            </a:r>
-            <a:r>
-              <a:rPr lang="zh-CN" altLang="en-US" dirty="0"/>
-              <a:t>方法呢？是这样子的，</a:t>
-            </a:r>
-            <a:r>
-              <a:rPr lang="en-US" altLang="zh-CN" dirty="0"/>
-              <a:t>Listen</a:t>
-            </a:r>
-            <a:r>
-              <a:rPr lang="zh-CN" altLang="en-US" dirty="0"/>
-              <a:t>调用是在服务初始化时，它会生成一个</a:t>
-            </a:r>
-            <a:r>
-              <a:rPr lang="en-US" dirty="0">
-                <a:solidFill>
-                  <a:schemeClr val="bg1">
-                    <a:lumMod val="50000"/>
-                  </a:schemeClr>
-                </a:solidFill>
-              </a:rPr>
-              <a:t>Listener</a:t>
-            </a:r>
-            <a:r>
-              <a:rPr lang="zh-CN" altLang="en-US" dirty="0">
-                <a:solidFill>
-                  <a:schemeClr val="bg1">
-                    <a:lumMod val="50000"/>
-                  </a:schemeClr>
-                </a:solidFill>
-              </a:rPr>
-              <a:t>，它负责侦听对服务整个异步请求。</a:t>
-            </a:r>
-            <a:endParaRPr lang="en-US" altLang="zh-CN" dirty="0">
-              <a:solidFill>
-                <a:schemeClr val="bg1">
-                  <a:lumMod val="50000"/>
-                </a:schemeClr>
-              </a:solidFill>
-            </a:endParaRPr>
-          </a:p>
-          <a:p>
-            <a:r>
-              <a:rPr lang="zh-CN" altLang="en-US" dirty="0">
-                <a:solidFill>
-                  <a:schemeClr val="bg1">
-                    <a:lumMod val="50000"/>
-                  </a:schemeClr>
-                </a:solidFill>
-              </a:rPr>
-              <a:t>头中的流程是默认的</a:t>
-            </a:r>
-            <a:r>
-              <a:rPr lang="en-US" altLang="zh-CN" dirty="0">
-                <a:solidFill>
-                  <a:schemeClr val="bg1">
-                    <a:lumMod val="50000"/>
-                  </a:schemeClr>
-                </a:solidFill>
-              </a:rPr>
-              <a:t>HttpTransport</a:t>
-            </a:r>
-            <a:r>
-              <a:rPr lang="zh-CN" altLang="en-US" dirty="0">
-                <a:solidFill>
-                  <a:schemeClr val="bg1">
-                    <a:lumMod val="50000"/>
-                  </a:schemeClr>
-                </a:solidFill>
-              </a:rPr>
-              <a:t>请求模型，翻页</a:t>
+              <a:t>同步组件比较复杂，里面嵌套拨号、侦听</a:t>
             </a:r>
             <a:endParaRPr lang="en-US" dirty="0"/>
           </a:p>
@@ -2586,7 +2675,7 @@
           <a:bodyPr/>
           <a:lstStyle/>
           <a:p>
-            <a:fld id="{C6300BD4-3AE5-1B42-8BC5-55FDF59C6F50}" type="slidenum">
+            <a:fld id="{28D00669-DCC9-3147-8F33-81E21A71CBE7}" type="slidenum">
               <a:rPr lang="en-US" smtClean="0"/>
               <a:t>14</a:t>
             </a:fld>
@@ -2597,7 +2686,7 @@
     </p:spTree>
     <p:extLst>
       <p:ext uri="{BB962C8B-B14F-4D97-AF65-F5344CB8AC3E}">
-        <p14:creationId xmlns:p14="http://schemas.microsoft.com/office/powerpoint/2010/main" val="1612541807"/>
+        <p14:creationId xmlns:p14="http://schemas.microsoft.com/office/powerpoint/2010/main" val="3490213749"/>
       </p:ext>
     </p:extLst>
   </p:cSld>
@@ -6959,8 +7048,8 @@
         </p:nvSpPr>
         <p:spPr>
           <a:xfrm>
-            <a:off x="384724" y="535134"/>
-            <a:ext cx="8316595" cy="482600"/>
+            <a:off x="384725" y="535134"/>
+            <a:ext cx="3349076" cy="482600"/>
           </a:xfrm>
           <a:prstGeom prst="rect">
             <a:avLst/>
@@ -6991,7 +7080,7 @@
                 <a:latin typeface="Arial"/>
                 <a:cs typeface="Arial"/>
               </a:rPr>
-              <a:t>Selector</a:t>
+              <a:t>Registry</a:t>
             </a:r>
             <a:r>
               <a:rPr lang="zh-CN" altLang="en-US" sz="3000" b="1" dirty="0">
@@ -7001,7 +7090,7 @@
                 <a:latin typeface="Arial"/>
                 <a:cs typeface="Arial"/>
               </a:rPr>
-              <a:t> 选择器组件</a:t>
+              <a:t> 注册组件</a:t>
             </a:r>
             <a:endParaRPr sz="3000" dirty="0">
               <a:latin typeface="Arial"/>
@@ -7010,10 +7099,1378 @@
           </a:p>
         </p:txBody>
       </p:sp>
+      <p:sp>
+        <p:nvSpPr>
+          <p:cNvPr id="4" name="object 2">
+            <a:extLst>
+              <a:ext uri="{FF2B5EF4-FFF2-40B4-BE49-F238E27FC236}">
+                <a16:creationId xmlns:a16="http://schemas.microsoft.com/office/drawing/2014/main" id="{1A68F603-F2DC-474B-9643-C10598202E2E}"/>
+              </a:ext>
+            </a:extLst>
+          </p:cNvPr>
+          <p:cNvSpPr txBox="1">
+            <a:spLocks/>
+          </p:cNvSpPr>
+          <p:nvPr/>
+        </p:nvSpPr>
+        <p:spPr>
+          <a:xfrm>
+            <a:off x="7620000" y="699614"/>
+            <a:ext cx="1066800" cy="320601"/>
+          </a:xfrm>
+          <a:prstGeom prst="rect">
+            <a:avLst/>
+          </a:prstGeom>
+        </p:spPr>
+        <p:txBody>
+          <a:bodyPr vert="horz" wrap="square" lIns="0" tIns="12700" rIns="0" bIns="0" rtlCol="0">
+            <a:spAutoFit/>
+          </a:bodyPr>
+          <a:lstStyle>
+            <a:lvl1pPr>
+              <a:defRPr sz="5400" b="0" i="0">
+                <a:solidFill>
+                  <a:schemeClr val="bg1"/>
+                </a:solidFill>
+                <a:latin typeface="Arial Black"/>
+                <a:ea typeface="+mj-ea"/>
+                <a:cs typeface="Arial Black"/>
+              </a:defRPr>
+            </a:lvl1pPr>
+          </a:lstStyle>
+          <a:p>
+            <a:pPr marL="12700">
+              <a:spcBef>
+                <a:spcPts val="100"/>
+              </a:spcBef>
+              <a:tabLst>
+                <a:tab pos="4126865" algn="l"/>
+              </a:tabLst>
+            </a:pPr>
+            <a:r>
+              <a:rPr lang="en-US" altLang="zh-CN" sz="2000" b="1" kern="0" dirty="0">
+                <a:solidFill>
+                  <a:srgbClr val="424242"/>
+                </a:solidFill>
+                <a:latin typeface="Arial"/>
+                <a:cs typeface="Arial"/>
+              </a:rPr>
+              <a:t>mDNS</a:t>
+            </a:r>
+            <a:endParaRPr lang="zh-CN" altLang="en-US" sz="3000" kern="0" dirty="0">
+              <a:latin typeface="Arial"/>
+              <a:cs typeface="Arial"/>
+            </a:endParaRPr>
+          </a:p>
+        </p:txBody>
+      </p:sp>
+      <p:sp>
+        <p:nvSpPr>
+          <p:cNvPr id="5" name="Rectangle 4">
+            <a:extLst>
+              <a:ext uri="{FF2B5EF4-FFF2-40B4-BE49-F238E27FC236}">
+                <a16:creationId xmlns:a16="http://schemas.microsoft.com/office/drawing/2014/main" id="{582347D7-0679-5245-90AE-DE48180411E9}"/>
+              </a:ext>
+            </a:extLst>
+          </p:cNvPr>
+          <p:cNvSpPr/>
+          <p:nvPr/>
+        </p:nvSpPr>
+        <p:spPr>
+          <a:xfrm>
+            <a:off x="402255" y="1459923"/>
+            <a:ext cx="3433953" cy="369332"/>
+          </a:xfrm>
+          <a:prstGeom prst="rect">
+            <a:avLst/>
+          </a:prstGeom>
+        </p:spPr>
+        <p:txBody>
+          <a:bodyPr wrap="none">
+            <a:spAutoFit/>
+          </a:bodyPr>
+          <a:lstStyle/>
+          <a:p>
+            <a:r>
+              <a:rPr lang="en-US" altLang="zh-CN" b="1" kern="0" dirty="0">
+                <a:solidFill>
+                  <a:srgbClr val="424242"/>
+                </a:solidFill>
+                <a:latin typeface="Arial"/>
+                <a:cs typeface="Arial"/>
+              </a:rPr>
+              <a:t>mDNS</a:t>
+            </a:r>
+            <a:r>
+              <a:rPr lang="zh-CN" altLang="en-US" b="1" kern="0" dirty="0">
+                <a:solidFill>
+                  <a:srgbClr val="424242"/>
+                </a:solidFill>
+                <a:latin typeface="Arial"/>
+                <a:cs typeface="Arial"/>
+              </a:rPr>
+              <a:t>：多路广播域名解析服务</a:t>
+            </a:r>
+            <a:endParaRPr lang="en-US"/>
+          </a:p>
+        </p:txBody>
+      </p:sp>
+      <p:pic>
+        <p:nvPicPr>
+          <p:cNvPr id="6" name="Picture 5">
+            <a:extLst>
+              <a:ext uri="{FF2B5EF4-FFF2-40B4-BE49-F238E27FC236}">
+                <a16:creationId xmlns:a16="http://schemas.microsoft.com/office/drawing/2014/main" id="{3BED48F3-2271-CA4B-B6AD-DE0D253B8A3E}"/>
+              </a:ext>
+            </a:extLst>
+          </p:cNvPr>
+          <p:cNvPicPr>
+            <a:picLocks noChangeAspect="1"/>
+          </p:cNvPicPr>
+          <p:nvPr/>
+        </p:nvPicPr>
+        <p:blipFill>
+          <a:blip r:embed="rId3"/>
+          <a:stretch>
+            <a:fillRect/>
+          </a:stretch>
+        </p:blipFill>
+        <p:spPr>
+          <a:xfrm>
+            <a:off x="2825678" y="2829191"/>
+            <a:ext cx="762000" cy="609600"/>
+          </a:xfrm>
+          <a:prstGeom prst="rect">
+            <a:avLst/>
+          </a:prstGeom>
+        </p:spPr>
+      </p:pic>
+      <p:sp>
+        <p:nvSpPr>
+          <p:cNvPr id="7" name="TextBox 6">
+            <a:extLst>
+              <a:ext uri="{FF2B5EF4-FFF2-40B4-BE49-F238E27FC236}">
+                <a16:creationId xmlns:a16="http://schemas.microsoft.com/office/drawing/2014/main" id="{229193B4-E7A0-224B-9C0A-C9C0DDA417E5}"/>
+              </a:ext>
+            </a:extLst>
+          </p:cNvPr>
+          <p:cNvSpPr txBox="1"/>
+          <p:nvPr/>
+        </p:nvSpPr>
+        <p:spPr>
+          <a:xfrm>
+            <a:off x="3304958" y="2706080"/>
+            <a:ext cx="1149674" cy="246221"/>
+          </a:xfrm>
+          <a:prstGeom prst="rect">
+            <a:avLst/>
+          </a:prstGeom>
+          <a:noFill/>
+        </p:spPr>
+        <p:txBody>
+          <a:bodyPr wrap="none" rtlCol="0">
+            <a:spAutoFit/>
+          </a:bodyPr>
+          <a:lstStyle/>
+          <a:p>
+            <a:r>
+              <a:rPr lang="en-US" altLang="zh-CN" sz="1000" i="1"/>
+              <a:t>1.</a:t>
+            </a:r>
+            <a:r>
+              <a:rPr lang="zh-CN" altLang="en-US" sz="1000" i="1"/>
+              <a:t> </a:t>
+            </a:r>
+            <a:r>
+              <a:rPr lang="en-US" altLang="zh-CN" sz="1000" i="1"/>
+              <a:t>Who</a:t>
+            </a:r>
+            <a:r>
+              <a:rPr lang="zh-CN" altLang="en-US" sz="1000" i="1"/>
+              <a:t> </a:t>
+            </a:r>
+            <a:r>
+              <a:rPr lang="en-US" altLang="zh-CN" sz="1000" i="1"/>
+              <a:t>is</a:t>
+            </a:r>
+            <a:r>
+              <a:rPr lang="zh-CN" altLang="en-US" sz="1000" i="1"/>
+              <a:t> </a:t>
+            </a:r>
+            <a:r>
+              <a:rPr lang="en-US" altLang="zh-CN" sz="1000" i="1"/>
+              <a:t>service</a:t>
+            </a:r>
+            <a:r>
+              <a:rPr lang="zh-CN" altLang="en-US" sz="1000" i="1"/>
+              <a:t> </a:t>
+            </a:r>
+            <a:r>
+              <a:rPr lang="en-US" altLang="zh-CN" sz="1000" i="1"/>
+              <a:t>A</a:t>
+            </a:r>
+          </a:p>
+        </p:txBody>
+      </p:sp>
+      <p:pic>
+        <p:nvPicPr>
+          <p:cNvPr id="24" name="Picture 23">
+            <a:extLst>
+              <a:ext uri="{FF2B5EF4-FFF2-40B4-BE49-F238E27FC236}">
+                <a16:creationId xmlns:a16="http://schemas.microsoft.com/office/drawing/2014/main" id="{4D75364E-59C9-9E4E-BB0D-7C8B462DE210}"/>
+              </a:ext>
+            </a:extLst>
+          </p:cNvPr>
+          <p:cNvPicPr>
+            <a:picLocks noChangeAspect="1"/>
+          </p:cNvPicPr>
+          <p:nvPr/>
+        </p:nvPicPr>
+        <p:blipFill>
+          <a:blip r:embed="rId4"/>
+          <a:stretch>
+            <a:fillRect/>
+          </a:stretch>
+        </p:blipFill>
+        <p:spPr>
+          <a:xfrm flipH="1">
+            <a:off x="5928051" y="1710287"/>
+            <a:ext cx="763140" cy="806450"/>
+          </a:xfrm>
+          <a:prstGeom prst="rect">
+            <a:avLst/>
+          </a:prstGeom>
+        </p:spPr>
+      </p:pic>
+      <p:pic>
+        <p:nvPicPr>
+          <p:cNvPr id="25" name="Picture 24">
+            <a:extLst>
+              <a:ext uri="{FF2B5EF4-FFF2-40B4-BE49-F238E27FC236}">
+                <a16:creationId xmlns:a16="http://schemas.microsoft.com/office/drawing/2014/main" id="{1EFB06E4-AD9E-9C49-843E-B19A9A7CDF67}"/>
+              </a:ext>
+            </a:extLst>
+          </p:cNvPr>
+          <p:cNvPicPr>
+            <a:picLocks noChangeAspect="1"/>
+          </p:cNvPicPr>
+          <p:nvPr/>
+        </p:nvPicPr>
+        <p:blipFill>
+          <a:blip r:embed="rId4"/>
+          <a:stretch>
+            <a:fillRect/>
+          </a:stretch>
+        </p:blipFill>
+        <p:spPr>
+          <a:xfrm>
+            <a:off x="6940478" y="2479977"/>
+            <a:ext cx="833036" cy="806450"/>
+          </a:xfrm>
+          <a:prstGeom prst="rect">
+            <a:avLst/>
+          </a:prstGeom>
+        </p:spPr>
+      </p:pic>
+      <p:pic>
+        <p:nvPicPr>
+          <p:cNvPr id="26" name="Picture 25">
+            <a:extLst>
+              <a:ext uri="{FF2B5EF4-FFF2-40B4-BE49-F238E27FC236}">
+                <a16:creationId xmlns:a16="http://schemas.microsoft.com/office/drawing/2014/main" id="{3E72B545-82FB-FF4E-B24E-29C4B7FB5844}"/>
+              </a:ext>
+            </a:extLst>
+          </p:cNvPr>
+          <p:cNvPicPr>
+            <a:picLocks noChangeAspect="1"/>
+          </p:cNvPicPr>
+          <p:nvPr/>
+        </p:nvPicPr>
+        <p:blipFill>
+          <a:blip r:embed="rId4"/>
+          <a:stretch>
+            <a:fillRect/>
+          </a:stretch>
+        </p:blipFill>
+        <p:spPr>
+          <a:xfrm>
+            <a:off x="5416478" y="3819791"/>
+            <a:ext cx="833036" cy="806450"/>
+          </a:xfrm>
+          <a:prstGeom prst="rect">
+            <a:avLst/>
+          </a:prstGeom>
+        </p:spPr>
+      </p:pic>
+      <p:sp>
+        <p:nvSpPr>
+          <p:cNvPr id="10" name="TextBox 9">
+            <a:extLst>
+              <a:ext uri="{FF2B5EF4-FFF2-40B4-BE49-F238E27FC236}">
+                <a16:creationId xmlns:a16="http://schemas.microsoft.com/office/drawing/2014/main" id="{BE4BB2D6-950F-2241-8F41-C52C9EBAFEDC}"/>
+              </a:ext>
+            </a:extLst>
+          </p:cNvPr>
+          <p:cNvSpPr txBox="1"/>
+          <p:nvPr/>
+        </p:nvSpPr>
+        <p:spPr>
+          <a:xfrm>
+            <a:off x="6066797" y="2042582"/>
+            <a:ext cx="317716" cy="369332"/>
+          </a:xfrm>
+          <a:prstGeom prst="rect">
+            <a:avLst/>
+          </a:prstGeom>
+          <a:noFill/>
+        </p:spPr>
+        <p:txBody>
+          <a:bodyPr wrap="none" rtlCol="0">
+            <a:spAutoFit/>
+          </a:bodyPr>
+          <a:lstStyle/>
+          <a:p>
+            <a:r>
+              <a:rPr lang="en-US"/>
+              <a:t>A</a:t>
+            </a:r>
+          </a:p>
+        </p:txBody>
+      </p:sp>
+      <p:sp>
+        <p:nvSpPr>
+          <p:cNvPr id="28" name="TextBox 27">
+            <a:extLst>
+              <a:ext uri="{FF2B5EF4-FFF2-40B4-BE49-F238E27FC236}">
+                <a16:creationId xmlns:a16="http://schemas.microsoft.com/office/drawing/2014/main" id="{C25D8D9E-48CD-3E49-9FFD-7B553A564490}"/>
+              </a:ext>
+            </a:extLst>
+          </p:cNvPr>
+          <p:cNvSpPr txBox="1"/>
+          <p:nvPr/>
+        </p:nvSpPr>
+        <p:spPr>
+          <a:xfrm>
+            <a:off x="7271381" y="2799937"/>
+            <a:ext cx="309700" cy="369332"/>
+          </a:xfrm>
+          <a:prstGeom prst="rect">
+            <a:avLst/>
+          </a:prstGeom>
+          <a:noFill/>
+        </p:spPr>
+        <p:txBody>
+          <a:bodyPr wrap="none" rtlCol="0">
+            <a:spAutoFit/>
+          </a:bodyPr>
+          <a:lstStyle/>
+          <a:p>
+            <a:r>
+              <a:rPr lang="en-US"/>
+              <a:t>B</a:t>
+            </a:r>
+          </a:p>
+        </p:txBody>
+      </p:sp>
+      <p:sp>
+        <p:nvSpPr>
+          <p:cNvPr id="34" name="TextBox 33">
+            <a:extLst>
+              <a:ext uri="{FF2B5EF4-FFF2-40B4-BE49-F238E27FC236}">
+                <a16:creationId xmlns:a16="http://schemas.microsoft.com/office/drawing/2014/main" id="{89547597-B8DA-9742-8B2E-74589AE94ABD}"/>
+              </a:ext>
+            </a:extLst>
+          </p:cNvPr>
+          <p:cNvSpPr txBox="1"/>
+          <p:nvPr/>
+        </p:nvSpPr>
+        <p:spPr>
+          <a:xfrm>
+            <a:off x="5744947" y="4154571"/>
+            <a:ext cx="309700" cy="369332"/>
+          </a:xfrm>
+          <a:prstGeom prst="rect">
+            <a:avLst/>
+          </a:prstGeom>
+          <a:noFill/>
+        </p:spPr>
+        <p:txBody>
+          <a:bodyPr wrap="square" rtlCol="0">
+            <a:spAutoFit/>
+          </a:bodyPr>
+          <a:lstStyle/>
+          <a:p>
+            <a:r>
+              <a:rPr lang="en-US"/>
+              <a:t>C</a:t>
+            </a:r>
+          </a:p>
+        </p:txBody>
+      </p:sp>
+      <p:sp>
+        <p:nvSpPr>
+          <p:cNvPr id="35" name="TextBox 34">
+            <a:extLst>
+              <a:ext uri="{FF2B5EF4-FFF2-40B4-BE49-F238E27FC236}">
+                <a16:creationId xmlns:a16="http://schemas.microsoft.com/office/drawing/2014/main" id="{1C62C7CA-157A-5A49-BEEE-95A1568FD4D5}"/>
+              </a:ext>
+            </a:extLst>
+          </p:cNvPr>
+          <p:cNvSpPr txBox="1"/>
+          <p:nvPr/>
+        </p:nvSpPr>
+        <p:spPr>
+          <a:xfrm>
+            <a:off x="2896978" y="3009428"/>
+            <a:ext cx="316112" cy="276999"/>
+          </a:xfrm>
+          <a:prstGeom prst="rect">
+            <a:avLst/>
+          </a:prstGeom>
+          <a:noFill/>
+        </p:spPr>
+        <p:txBody>
+          <a:bodyPr wrap="none" rtlCol="0">
+            <a:spAutoFit/>
+          </a:bodyPr>
+          <a:lstStyle/>
+          <a:p>
+            <a:r>
+              <a:rPr lang="en-US" altLang="zh-CN" sz="1200"/>
+              <a:t>M</a:t>
+            </a:r>
+            <a:endParaRPr lang="en-US" sz="1200"/>
+          </a:p>
+        </p:txBody>
+      </p:sp>
+      <p:cxnSp>
+        <p:nvCxnSpPr>
+          <p:cNvPr id="21" name="Curved Connector 20">
+            <a:extLst>
+              <a:ext uri="{FF2B5EF4-FFF2-40B4-BE49-F238E27FC236}">
+                <a16:creationId xmlns:a16="http://schemas.microsoft.com/office/drawing/2014/main" id="{6E180C97-1F03-C849-8040-E480E57C910C}"/>
+              </a:ext>
+            </a:extLst>
+          </p:cNvPr>
+          <p:cNvCxnSpPr>
+            <a:cxnSpLocks/>
+            <a:stCxn id="6" idx="3"/>
+            <a:endCxn id="79" idx="1"/>
+          </p:cNvCxnSpPr>
+          <p:nvPr/>
+        </p:nvCxnSpPr>
+        <p:spPr>
+          <a:xfrm>
+            <a:off x="3587678" y="3133991"/>
+            <a:ext cx="957885" cy="148706"/>
+          </a:xfrm>
+          <a:prstGeom prst="curvedConnector3">
+            <a:avLst/>
+          </a:prstGeom>
+          <a:ln w="38100">
+            <a:solidFill>
+              <a:srgbClr val="7030A0"/>
+            </a:solidFill>
+            <a:tailEnd type="triangle"/>
+          </a:ln>
+        </p:spPr>
+        <p:style>
+          <a:lnRef idx="1">
+            <a:schemeClr val="accent1"/>
+          </a:lnRef>
+          <a:fillRef idx="0">
+            <a:schemeClr val="accent1"/>
+          </a:fillRef>
+          <a:effectRef idx="0">
+            <a:schemeClr val="accent1"/>
+          </a:effectRef>
+          <a:fontRef idx="minor">
+            <a:schemeClr val="tx1"/>
+          </a:fontRef>
+        </p:style>
+      </p:cxnSp>
+      <p:cxnSp>
+        <p:nvCxnSpPr>
+          <p:cNvPr id="48" name="Curved Connector 47">
+            <a:extLst>
+              <a:ext uri="{FF2B5EF4-FFF2-40B4-BE49-F238E27FC236}">
+                <a16:creationId xmlns:a16="http://schemas.microsoft.com/office/drawing/2014/main" id="{2F6CE584-1964-0949-B3EB-75D6ACD881EA}"/>
+              </a:ext>
+            </a:extLst>
+          </p:cNvPr>
+          <p:cNvCxnSpPr>
+            <a:cxnSpLocks/>
+            <a:stCxn id="79" idx="2"/>
+            <a:endCxn id="26" idx="1"/>
+          </p:cNvCxnSpPr>
+          <p:nvPr/>
+        </p:nvCxnSpPr>
+        <p:spPr>
+          <a:xfrm rot="16200000" flipH="1">
+            <a:off x="4955977" y="3762515"/>
+            <a:ext cx="609924" cy="311078"/>
+          </a:xfrm>
+          <a:prstGeom prst="curvedConnector2">
+            <a:avLst/>
+          </a:prstGeom>
+          <a:ln w="38100">
+            <a:solidFill>
+              <a:srgbClr val="7030A0"/>
+            </a:solidFill>
+            <a:tailEnd type="triangle"/>
+          </a:ln>
+        </p:spPr>
+        <p:style>
+          <a:lnRef idx="1">
+            <a:schemeClr val="accent1"/>
+          </a:lnRef>
+          <a:fillRef idx="0">
+            <a:schemeClr val="accent1"/>
+          </a:fillRef>
+          <a:effectRef idx="0">
+            <a:schemeClr val="accent1"/>
+          </a:effectRef>
+          <a:fontRef idx="minor">
+            <a:schemeClr val="tx1"/>
+          </a:fontRef>
+        </p:style>
+      </p:cxnSp>
+      <p:pic>
+        <p:nvPicPr>
+          <p:cNvPr id="50" name="Picture 49">
+            <a:extLst>
+              <a:ext uri="{FF2B5EF4-FFF2-40B4-BE49-F238E27FC236}">
+                <a16:creationId xmlns:a16="http://schemas.microsoft.com/office/drawing/2014/main" id="{17BED3FC-C673-F344-81F8-7CCF251BA5B7}"/>
+              </a:ext>
+            </a:extLst>
+          </p:cNvPr>
+          <p:cNvPicPr>
+            <a:picLocks noChangeAspect="1"/>
+          </p:cNvPicPr>
+          <p:nvPr/>
+        </p:nvPicPr>
+        <p:blipFill>
+          <a:blip r:embed="rId5"/>
+          <a:stretch>
+            <a:fillRect/>
+          </a:stretch>
+        </p:blipFill>
+        <p:spPr>
+          <a:xfrm flipH="1">
+            <a:off x="5564514" y="1798269"/>
+            <a:ext cx="446405" cy="427190"/>
+          </a:xfrm>
+          <a:prstGeom prst="rect">
+            <a:avLst/>
+          </a:prstGeom>
+        </p:spPr>
+      </p:pic>
+      <p:cxnSp>
+        <p:nvCxnSpPr>
+          <p:cNvPr id="56" name="Curved Connector 55">
+            <a:extLst>
+              <a:ext uri="{FF2B5EF4-FFF2-40B4-BE49-F238E27FC236}">
+                <a16:creationId xmlns:a16="http://schemas.microsoft.com/office/drawing/2014/main" id="{6753FF16-4452-0943-8B34-227CC5D16F22}"/>
+              </a:ext>
+            </a:extLst>
+          </p:cNvPr>
+          <p:cNvCxnSpPr>
+            <a:cxnSpLocks/>
+            <a:stCxn id="79" idx="0"/>
+            <a:endCxn id="24" idx="2"/>
+          </p:cNvCxnSpPr>
+          <p:nvPr/>
+        </p:nvCxnSpPr>
+        <p:spPr>
+          <a:xfrm rot="5400000" flipH="1" flipV="1">
+            <a:off x="5489728" y="2132409"/>
+            <a:ext cx="435564" cy="1204221"/>
+          </a:xfrm>
+          <a:prstGeom prst="curvedConnector3">
+            <a:avLst>
+              <a:gd name="adj1" fmla="val 50000"/>
+            </a:avLst>
+          </a:prstGeom>
+          <a:ln w="38100">
+            <a:solidFill>
+              <a:srgbClr val="7030A0"/>
+            </a:solidFill>
+            <a:tailEnd type="triangle"/>
+          </a:ln>
+        </p:spPr>
+        <p:style>
+          <a:lnRef idx="1">
+            <a:schemeClr val="accent1"/>
+          </a:lnRef>
+          <a:fillRef idx="0">
+            <a:schemeClr val="accent1"/>
+          </a:fillRef>
+          <a:effectRef idx="0">
+            <a:schemeClr val="accent1"/>
+          </a:effectRef>
+          <a:fontRef idx="minor">
+            <a:schemeClr val="tx1"/>
+          </a:fontRef>
+        </p:style>
+      </p:cxnSp>
+      <p:sp>
+        <p:nvSpPr>
+          <p:cNvPr id="57" name="TextBox 56">
+            <a:extLst>
+              <a:ext uri="{FF2B5EF4-FFF2-40B4-BE49-F238E27FC236}">
+                <a16:creationId xmlns:a16="http://schemas.microsoft.com/office/drawing/2014/main" id="{1C175407-033E-1948-9D70-7D7F003579B2}"/>
+              </a:ext>
+            </a:extLst>
+          </p:cNvPr>
+          <p:cNvSpPr txBox="1"/>
+          <p:nvPr/>
+        </p:nvSpPr>
+        <p:spPr>
+          <a:xfrm>
+            <a:off x="5476098" y="1308459"/>
+            <a:ext cx="1301959" cy="400110"/>
+          </a:xfrm>
+          <a:prstGeom prst="rect">
+            <a:avLst/>
+          </a:prstGeom>
+          <a:noFill/>
+        </p:spPr>
+        <p:txBody>
+          <a:bodyPr wrap="none" rtlCol="0">
+            <a:spAutoFit/>
+          </a:bodyPr>
+          <a:lstStyle/>
+          <a:p>
+            <a:r>
+              <a:rPr lang="en-US" altLang="zh-CN" sz="1000" i="1"/>
+              <a:t>2.</a:t>
+            </a:r>
+            <a:r>
+              <a:rPr lang="zh-CN" altLang="en-US" sz="1000" i="1"/>
+              <a:t> </a:t>
+            </a:r>
+            <a:r>
+              <a:rPr lang="en-US" altLang="zh-CN" sz="1000" i="1"/>
+              <a:t>Hey!</a:t>
+            </a:r>
+            <a:r>
+              <a:rPr lang="zh-CN" altLang="en-US" sz="1000" i="1"/>
+              <a:t> </a:t>
+            </a:r>
+            <a:r>
+              <a:rPr lang="en-US" altLang="zh-CN" sz="1000" i="1"/>
+              <a:t>I</a:t>
+            </a:r>
+            <a:r>
+              <a:rPr lang="zh-CN" altLang="en-US" sz="1000" i="1"/>
+              <a:t> </a:t>
+            </a:r>
+            <a:r>
+              <a:rPr lang="en-US" altLang="zh-CN" sz="1000" i="1"/>
+              <a:t>am</a:t>
+            </a:r>
+            <a:r>
+              <a:rPr lang="zh-CN" altLang="en-US" sz="1000" i="1"/>
+              <a:t> </a:t>
+            </a:r>
+            <a:r>
+              <a:rPr lang="en-US" altLang="zh-CN" sz="1000" i="1"/>
+              <a:t>A</a:t>
+            </a:r>
+          </a:p>
+          <a:p>
+            <a:r>
+              <a:rPr lang="en-US" altLang="zh-CN" sz="1000" i="1"/>
+              <a:t>My</a:t>
+            </a:r>
+            <a:r>
+              <a:rPr lang="zh-CN" altLang="en-US" sz="1000" i="1"/>
+              <a:t> </a:t>
+            </a:r>
+            <a:r>
+              <a:rPr lang="en-US" altLang="zh-CN" sz="1000" i="1"/>
+              <a:t>IP</a:t>
+            </a:r>
+            <a:r>
+              <a:rPr lang="zh-CN" altLang="en-US" sz="1000" i="1"/>
+              <a:t> </a:t>
+            </a:r>
+            <a:r>
+              <a:rPr lang="en-US" altLang="zh-CN" sz="1000" i="1"/>
+              <a:t>is</a:t>
+            </a:r>
+            <a:r>
+              <a:rPr lang="zh-CN" altLang="en-US" sz="1000" i="1"/>
+              <a:t> </a:t>
+            </a:r>
+            <a:r>
+              <a:rPr lang="en-US" altLang="zh-CN" sz="1000" i="1"/>
+              <a:t>192.168.1.20</a:t>
+            </a:r>
+          </a:p>
+        </p:txBody>
+      </p:sp>
+      <p:cxnSp>
+        <p:nvCxnSpPr>
+          <p:cNvPr id="59" name="Curved Connector 58">
+            <a:extLst>
+              <a:ext uri="{FF2B5EF4-FFF2-40B4-BE49-F238E27FC236}">
+                <a16:creationId xmlns:a16="http://schemas.microsoft.com/office/drawing/2014/main" id="{5A8DA3D6-E865-7848-8969-7D06972D53F1}"/>
+              </a:ext>
+            </a:extLst>
+          </p:cNvPr>
+          <p:cNvCxnSpPr>
+            <a:cxnSpLocks/>
+            <a:endCxn id="25" idx="1"/>
+          </p:cNvCxnSpPr>
+          <p:nvPr/>
+        </p:nvCxnSpPr>
+        <p:spPr>
+          <a:xfrm flipV="1">
+            <a:off x="5625897" y="2883202"/>
+            <a:ext cx="1314581" cy="307952"/>
+          </a:xfrm>
+          <a:prstGeom prst="curvedConnector3">
+            <a:avLst>
+              <a:gd name="adj1" fmla="val 50000"/>
+            </a:avLst>
+          </a:prstGeom>
+          <a:ln w="38100">
+            <a:solidFill>
+              <a:srgbClr val="00B0F0"/>
+            </a:solidFill>
+            <a:tailEnd type="triangle"/>
+          </a:ln>
+        </p:spPr>
+        <p:style>
+          <a:lnRef idx="1">
+            <a:schemeClr val="accent1"/>
+          </a:lnRef>
+          <a:fillRef idx="0">
+            <a:schemeClr val="accent1"/>
+          </a:fillRef>
+          <a:effectRef idx="0">
+            <a:schemeClr val="accent1"/>
+          </a:effectRef>
+          <a:fontRef idx="minor">
+            <a:schemeClr val="tx1"/>
+          </a:fontRef>
+        </p:style>
+      </p:cxnSp>
+      <p:cxnSp>
+        <p:nvCxnSpPr>
+          <p:cNvPr id="61" name="Curved Connector 60">
+            <a:extLst>
+              <a:ext uri="{FF2B5EF4-FFF2-40B4-BE49-F238E27FC236}">
+                <a16:creationId xmlns:a16="http://schemas.microsoft.com/office/drawing/2014/main" id="{500D2556-D0F8-FD47-91CA-37F9603F64E6}"/>
+              </a:ext>
+            </a:extLst>
+          </p:cNvPr>
+          <p:cNvCxnSpPr>
+            <a:cxnSpLocks/>
+            <a:stCxn id="50" idx="3"/>
+            <a:endCxn id="79" idx="0"/>
+          </p:cNvCxnSpPr>
+          <p:nvPr/>
+        </p:nvCxnSpPr>
+        <p:spPr>
+          <a:xfrm rot="10800000" flipV="1">
+            <a:off x="5105400" y="2011863"/>
+            <a:ext cx="459114" cy="940437"/>
+          </a:xfrm>
+          <a:prstGeom prst="curvedConnector2">
+            <a:avLst/>
+          </a:prstGeom>
+          <a:ln w="38100">
+            <a:solidFill>
+              <a:srgbClr val="00B0F0"/>
+            </a:solidFill>
+            <a:tailEnd type="triangle"/>
+          </a:ln>
+        </p:spPr>
+        <p:style>
+          <a:lnRef idx="1">
+            <a:schemeClr val="accent1"/>
+          </a:lnRef>
+          <a:fillRef idx="0">
+            <a:schemeClr val="accent1"/>
+          </a:fillRef>
+          <a:effectRef idx="0">
+            <a:schemeClr val="accent1"/>
+          </a:effectRef>
+          <a:fontRef idx="minor">
+            <a:schemeClr val="tx1"/>
+          </a:fontRef>
+        </p:style>
+      </p:cxnSp>
+      <p:pic>
+        <p:nvPicPr>
+          <p:cNvPr id="79" name="Picture 78">
+            <a:extLst>
+              <a:ext uri="{FF2B5EF4-FFF2-40B4-BE49-F238E27FC236}">
+                <a16:creationId xmlns:a16="http://schemas.microsoft.com/office/drawing/2014/main" id="{0705D939-E37D-2D45-AD6E-9750FF7DDB47}"/>
+              </a:ext>
+            </a:extLst>
+          </p:cNvPr>
+          <p:cNvPicPr>
+            <a:picLocks noChangeAspect="1"/>
+          </p:cNvPicPr>
+          <p:nvPr/>
+        </p:nvPicPr>
+        <p:blipFill>
+          <a:blip r:embed="rId6"/>
+          <a:stretch>
+            <a:fillRect/>
+          </a:stretch>
+        </p:blipFill>
+        <p:spPr>
+          <a:xfrm>
+            <a:off x="4545563" y="2952301"/>
+            <a:ext cx="1119673" cy="660791"/>
+          </a:xfrm>
+          <a:prstGeom prst="rect">
+            <a:avLst/>
+          </a:prstGeom>
+        </p:spPr>
+      </p:pic>
+      <p:cxnSp>
+        <p:nvCxnSpPr>
+          <p:cNvPr id="88" name="Curved Connector 87">
+            <a:extLst>
+              <a:ext uri="{FF2B5EF4-FFF2-40B4-BE49-F238E27FC236}">
+                <a16:creationId xmlns:a16="http://schemas.microsoft.com/office/drawing/2014/main" id="{FACD9D84-558B-284D-8D1D-552811B3F680}"/>
+              </a:ext>
+            </a:extLst>
+          </p:cNvPr>
+          <p:cNvCxnSpPr>
+            <a:cxnSpLocks/>
+            <a:stCxn id="79" idx="3"/>
+            <a:endCxn id="25" idx="2"/>
+          </p:cNvCxnSpPr>
+          <p:nvPr/>
+        </p:nvCxnSpPr>
+        <p:spPr>
+          <a:xfrm>
+            <a:off x="5665236" y="3282697"/>
+            <a:ext cx="1691760" cy="3730"/>
+          </a:xfrm>
+          <a:prstGeom prst="curvedConnector4">
+            <a:avLst>
+              <a:gd name="adj1" fmla="val 37690"/>
+              <a:gd name="adj2" fmla="val 6228686"/>
+            </a:avLst>
+          </a:prstGeom>
+          <a:ln w="38100">
+            <a:solidFill>
+              <a:srgbClr val="7030A0"/>
+            </a:solidFill>
+            <a:tailEnd type="triangle"/>
+          </a:ln>
+        </p:spPr>
+        <p:style>
+          <a:lnRef idx="1">
+            <a:schemeClr val="accent1"/>
+          </a:lnRef>
+          <a:fillRef idx="0">
+            <a:schemeClr val="accent1"/>
+          </a:fillRef>
+          <a:effectRef idx="0">
+            <a:schemeClr val="accent1"/>
+          </a:effectRef>
+          <a:fontRef idx="minor">
+            <a:schemeClr val="tx1"/>
+          </a:fontRef>
+        </p:style>
+      </p:cxnSp>
+      <p:pic>
+        <p:nvPicPr>
+          <p:cNvPr id="91" name="Picture 90">
+            <a:extLst>
+              <a:ext uri="{FF2B5EF4-FFF2-40B4-BE49-F238E27FC236}">
+                <a16:creationId xmlns:a16="http://schemas.microsoft.com/office/drawing/2014/main" id="{76F6AF31-D2D6-9A4D-9BB4-A01ABB1FD969}"/>
+              </a:ext>
+            </a:extLst>
+          </p:cNvPr>
+          <p:cNvPicPr>
+            <a:picLocks noChangeAspect="1"/>
+          </p:cNvPicPr>
+          <p:nvPr/>
+        </p:nvPicPr>
+        <p:blipFill>
+          <a:blip r:embed="rId7"/>
+          <a:stretch>
+            <a:fillRect/>
+          </a:stretch>
+        </p:blipFill>
+        <p:spPr>
+          <a:xfrm rot="1733291" flipH="1">
+            <a:off x="6579726" y="1716960"/>
+            <a:ext cx="187093" cy="241252"/>
+          </a:xfrm>
+          <a:prstGeom prst="rect">
+            <a:avLst/>
+          </a:prstGeom>
+        </p:spPr>
+      </p:pic>
+      <p:cxnSp>
+        <p:nvCxnSpPr>
+          <p:cNvPr id="98" name="Curved Connector 97">
+            <a:extLst>
+              <a:ext uri="{FF2B5EF4-FFF2-40B4-BE49-F238E27FC236}">
+                <a16:creationId xmlns:a16="http://schemas.microsoft.com/office/drawing/2014/main" id="{0E269DE1-EEF9-1245-A167-C9BDACF3754B}"/>
+              </a:ext>
+            </a:extLst>
+          </p:cNvPr>
+          <p:cNvCxnSpPr>
+            <a:cxnSpLocks/>
+            <a:endCxn id="6" idx="2"/>
+          </p:cNvCxnSpPr>
+          <p:nvPr/>
+        </p:nvCxnSpPr>
+        <p:spPr>
+          <a:xfrm rot="10800000">
+            <a:off x="3206679" y="3438792"/>
+            <a:ext cx="1524001" cy="76199"/>
+          </a:xfrm>
+          <a:prstGeom prst="curvedConnector2">
+            <a:avLst/>
+          </a:prstGeom>
+          <a:ln w="38100">
+            <a:solidFill>
+              <a:srgbClr val="00B0F0"/>
+            </a:solidFill>
+            <a:tailEnd type="triangle"/>
+          </a:ln>
+        </p:spPr>
+        <p:style>
+          <a:lnRef idx="1">
+            <a:schemeClr val="accent1"/>
+          </a:lnRef>
+          <a:fillRef idx="0">
+            <a:schemeClr val="accent1"/>
+          </a:fillRef>
+          <a:effectRef idx="0">
+            <a:schemeClr val="accent1"/>
+          </a:effectRef>
+          <a:fontRef idx="minor">
+            <a:schemeClr val="tx1"/>
+          </a:fontRef>
+        </p:style>
+      </p:cxnSp>
+      <p:cxnSp>
+        <p:nvCxnSpPr>
+          <p:cNvPr id="101" name="Curved Connector 100">
+            <a:extLst>
+              <a:ext uri="{FF2B5EF4-FFF2-40B4-BE49-F238E27FC236}">
+                <a16:creationId xmlns:a16="http://schemas.microsoft.com/office/drawing/2014/main" id="{8BF3435D-C05C-464C-9BCC-A7E12257BD73}"/>
+              </a:ext>
+            </a:extLst>
+          </p:cNvPr>
+          <p:cNvCxnSpPr>
+            <a:cxnSpLocks/>
+            <a:stCxn id="79" idx="2"/>
+            <a:endCxn id="26" idx="0"/>
+          </p:cNvCxnSpPr>
+          <p:nvPr/>
+        </p:nvCxnSpPr>
+        <p:spPr>
+          <a:xfrm rot="16200000" flipH="1">
+            <a:off x="5365849" y="3352643"/>
+            <a:ext cx="206699" cy="727596"/>
+          </a:xfrm>
+          <a:prstGeom prst="curvedConnector3">
+            <a:avLst>
+              <a:gd name="adj1" fmla="val 50000"/>
+            </a:avLst>
+          </a:prstGeom>
+          <a:ln w="38100">
+            <a:solidFill>
+              <a:srgbClr val="00B0F0"/>
+            </a:solidFill>
+            <a:tailEnd type="triangle"/>
+          </a:ln>
+        </p:spPr>
+        <p:style>
+          <a:lnRef idx="1">
+            <a:schemeClr val="accent1"/>
+          </a:lnRef>
+          <a:fillRef idx="0">
+            <a:schemeClr val="accent1"/>
+          </a:fillRef>
+          <a:effectRef idx="0">
+            <a:schemeClr val="accent1"/>
+          </a:effectRef>
+          <a:fontRef idx="minor">
+            <a:schemeClr val="tx1"/>
+          </a:fontRef>
+        </p:style>
+      </p:cxnSp>
+      <p:sp>
+        <p:nvSpPr>
+          <p:cNvPr id="105" name="TextBox 104">
+            <a:extLst>
+              <a:ext uri="{FF2B5EF4-FFF2-40B4-BE49-F238E27FC236}">
+                <a16:creationId xmlns:a16="http://schemas.microsoft.com/office/drawing/2014/main" id="{3653E810-98D0-3347-AB43-DC0761E89FCB}"/>
+              </a:ext>
+            </a:extLst>
+          </p:cNvPr>
+          <p:cNvSpPr txBox="1"/>
+          <p:nvPr/>
+        </p:nvSpPr>
+        <p:spPr>
+          <a:xfrm>
+            <a:off x="1308754" y="3062484"/>
+            <a:ext cx="1620957" cy="246221"/>
+          </a:xfrm>
+          <a:prstGeom prst="rect">
+            <a:avLst/>
+          </a:prstGeom>
+          <a:noFill/>
+        </p:spPr>
+        <p:txBody>
+          <a:bodyPr wrap="none" rtlCol="0">
+            <a:spAutoFit/>
+          </a:bodyPr>
+          <a:lstStyle/>
+          <a:p>
+            <a:r>
+              <a:rPr lang="en-US" altLang="zh-CN" sz="1000" i="1"/>
+              <a:t>3.</a:t>
+            </a:r>
+            <a:r>
+              <a:rPr lang="zh-CN" altLang="en-US" sz="1000" i="1"/>
+              <a:t> </a:t>
+            </a:r>
+            <a:r>
+              <a:rPr lang="en-US" altLang="zh-CN" sz="1000" i="1"/>
+              <a:t>Update</a:t>
+            </a:r>
+            <a:r>
+              <a:rPr lang="zh-CN" altLang="en-US" sz="1000" i="1"/>
+              <a:t> </a:t>
+            </a:r>
+            <a:r>
+              <a:rPr lang="en-US" altLang="zh-CN" sz="1000" i="1"/>
+              <a:t>A</a:t>
+            </a:r>
+            <a:r>
+              <a:rPr lang="zh-CN" altLang="en-US" sz="1000" i="1"/>
+              <a:t> </a:t>
+            </a:r>
+            <a:r>
+              <a:rPr lang="en-US" altLang="zh-CN" sz="1000" i="1"/>
+              <a:t>is</a:t>
+            </a:r>
+            <a:r>
+              <a:rPr lang="zh-CN" altLang="en-US" sz="1000" i="1"/>
+              <a:t> </a:t>
+            </a:r>
+            <a:r>
+              <a:rPr lang="en-US" altLang="zh-CN" sz="1000" i="1"/>
+              <a:t>192.168.1.20</a:t>
+            </a:r>
+          </a:p>
+        </p:txBody>
+      </p:sp>
+      <p:sp>
+        <p:nvSpPr>
+          <p:cNvPr id="106" name="TextBox 105">
+            <a:extLst>
+              <a:ext uri="{FF2B5EF4-FFF2-40B4-BE49-F238E27FC236}">
+                <a16:creationId xmlns:a16="http://schemas.microsoft.com/office/drawing/2014/main" id="{D97FE3D1-D544-AA42-9B7E-ACC96513A939}"/>
+              </a:ext>
+            </a:extLst>
+          </p:cNvPr>
+          <p:cNvSpPr txBox="1"/>
+          <p:nvPr/>
+        </p:nvSpPr>
+        <p:spPr>
+          <a:xfrm>
+            <a:off x="5117572" y="4646895"/>
+            <a:ext cx="1620957" cy="246221"/>
+          </a:xfrm>
+          <a:prstGeom prst="rect">
+            <a:avLst/>
+          </a:prstGeom>
+          <a:noFill/>
+        </p:spPr>
+        <p:txBody>
+          <a:bodyPr wrap="none" rtlCol="0">
+            <a:spAutoFit/>
+          </a:bodyPr>
+          <a:lstStyle/>
+          <a:p>
+            <a:r>
+              <a:rPr lang="en-US" altLang="zh-CN" sz="1000" i="1"/>
+              <a:t>3.</a:t>
+            </a:r>
+            <a:r>
+              <a:rPr lang="zh-CN" altLang="en-US" sz="1000" i="1"/>
+              <a:t> </a:t>
+            </a:r>
+            <a:r>
+              <a:rPr lang="en-US" altLang="zh-CN" sz="1000" i="1"/>
+              <a:t>Update</a:t>
+            </a:r>
+            <a:r>
+              <a:rPr lang="zh-CN" altLang="en-US" sz="1000" i="1"/>
+              <a:t> </a:t>
+            </a:r>
+            <a:r>
+              <a:rPr lang="en-US" altLang="zh-CN" sz="1000" i="1"/>
+              <a:t>A</a:t>
+            </a:r>
+            <a:r>
+              <a:rPr lang="zh-CN" altLang="en-US" sz="1000" i="1"/>
+              <a:t> </a:t>
+            </a:r>
+            <a:r>
+              <a:rPr lang="en-US" altLang="zh-CN" sz="1000" i="1"/>
+              <a:t>is</a:t>
+            </a:r>
+            <a:r>
+              <a:rPr lang="zh-CN" altLang="en-US" sz="1000" i="1"/>
+              <a:t> </a:t>
+            </a:r>
+            <a:r>
+              <a:rPr lang="en-US" altLang="zh-CN" sz="1000" i="1"/>
+              <a:t>192.168.1.20</a:t>
+            </a:r>
+          </a:p>
+        </p:txBody>
+      </p:sp>
+      <p:sp>
+        <p:nvSpPr>
+          <p:cNvPr id="107" name="TextBox 106">
+            <a:extLst>
+              <a:ext uri="{FF2B5EF4-FFF2-40B4-BE49-F238E27FC236}">
+                <a16:creationId xmlns:a16="http://schemas.microsoft.com/office/drawing/2014/main" id="{A472A998-E1EC-3B46-B04C-C19AC2BA06C0}"/>
+              </a:ext>
+            </a:extLst>
+          </p:cNvPr>
+          <p:cNvSpPr txBox="1"/>
+          <p:nvPr/>
+        </p:nvSpPr>
+        <p:spPr>
+          <a:xfrm>
+            <a:off x="7400791" y="3220031"/>
+            <a:ext cx="1620957" cy="246221"/>
+          </a:xfrm>
+          <a:prstGeom prst="rect">
+            <a:avLst/>
+          </a:prstGeom>
+          <a:noFill/>
+        </p:spPr>
+        <p:txBody>
+          <a:bodyPr wrap="none" rtlCol="0">
+            <a:spAutoFit/>
+          </a:bodyPr>
+          <a:lstStyle/>
+          <a:p>
+            <a:r>
+              <a:rPr lang="en-US" altLang="zh-CN" sz="1000" i="1"/>
+              <a:t>3.</a:t>
+            </a:r>
+            <a:r>
+              <a:rPr lang="zh-CN" altLang="en-US" sz="1000" i="1"/>
+              <a:t> </a:t>
+            </a:r>
+            <a:r>
+              <a:rPr lang="en-US" altLang="zh-CN" sz="1000" i="1"/>
+              <a:t>Update</a:t>
+            </a:r>
+            <a:r>
+              <a:rPr lang="zh-CN" altLang="en-US" sz="1000" i="1"/>
+              <a:t> </a:t>
+            </a:r>
+            <a:r>
+              <a:rPr lang="en-US" altLang="zh-CN" sz="1000" i="1"/>
+              <a:t>A</a:t>
+            </a:r>
+            <a:r>
+              <a:rPr lang="zh-CN" altLang="en-US" sz="1000" i="1"/>
+              <a:t> </a:t>
+            </a:r>
+            <a:r>
+              <a:rPr lang="en-US" altLang="zh-CN" sz="1000" i="1"/>
+              <a:t>is</a:t>
+            </a:r>
+            <a:r>
+              <a:rPr lang="zh-CN" altLang="en-US" sz="1000" i="1"/>
+              <a:t> </a:t>
+            </a:r>
+            <a:r>
+              <a:rPr lang="en-US" altLang="zh-CN" sz="1000" i="1"/>
+              <a:t>192.168.1.20</a:t>
+            </a:r>
+          </a:p>
+        </p:txBody>
+      </p:sp>
+      <p:pic>
+        <p:nvPicPr>
+          <p:cNvPr id="108" name="Picture 107">
+            <a:extLst>
+              <a:ext uri="{FF2B5EF4-FFF2-40B4-BE49-F238E27FC236}">
+                <a16:creationId xmlns:a16="http://schemas.microsoft.com/office/drawing/2014/main" id="{EF45E96E-7455-A147-9176-746CA2C81BF9}"/>
+              </a:ext>
+            </a:extLst>
+          </p:cNvPr>
+          <p:cNvPicPr>
+            <a:picLocks noChangeAspect="1"/>
+          </p:cNvPicPr>
+          <p:nvPr/>
+        </p:nvPicPr>
+        <p:blipFill>
+          <a:blip r:embed="rId8"/>
+          <a:stretch>
+            <a:fillRect/>
+          </a:stretch>
+        </p:blipFill>
+        <p:spPr>
+          <a:xfrm rot="2157154">
+            <a:off x="7760029" y="2658805"/>
+            <a:ext cx="117345" cy="173223"/>
+          </a:xfrm>
+          <a:prstGeom prst="rect">
+            <a:avLst/>
+          </a:prstGeom>
+        </p:spPr>
+      </p:pic>
+      <p:pic>
+        <p:nvPicPr>
+          <p:cNvPr id="109" name="Picture 108">
+            <a:extLst>
+              <a:ext uri="{FF2B5EF4-FFF2-40B4-BE49-F238E27FC236}">
+                <a16:creationId xmlns:a16="http://schemas.microsoft.com/office/drawing/2014/main" id="{966373D1-809F-FF4E-9215-A80D02E0912E}"/>
+              </a:ext>
+            </a:extLst>
+          </p:cNvPr>
+          <p:cNvPicPr>
+            <a:picLocks noChangeAspect="1"/>
+          </p:cNvPicPr>
+          <p:nvPr/>
+        </p:nvPicPr>
+        <p:blipFill>
+          <a:blip r:embed="rId8"/>
+          <a:stretch>
+            <a:fillRect/>
+          </a:stretch>
+        </p:blipFill>
+        <p:spPr>
+          <a:xfrm rot="2157154">
+            <a:off x="6195580" y="3975868"/>
+            <a:ext cx="120644" cy="178094"/>
+          </a:xfrm>
+          <a:prstGeom prst="rect">
+            <a:avLst/>
+          </a:prstGeom>
+        </p:spPr>
+      </p:pic>
+      <p:sp>
+        <p:nvSpPr>
+          <p:cNvPr id="110" name="Rectangle 109">
+            <a:extLst>
+              <a:ext uri="{FF2B5EF4-FFF2-40B4-BE49-F238E27FC236}">
+                <a16:creationId xmlns:a16="http://schemas.microsoft.com/office/drawing/2014/main" id="{A5FB56E3-0A5C-664B-8E33-6B5F13C92468}"/>
+              </a:ext>
+            </a:extLst>
+          </p:cNvPr>
+          <p:cNvSpPr/>
+          <p:nvPr/>
+        </p:nvSpPr>
+        <p:spPr>
+          <a:xfrm>
+            <a:off x="2305899" y="4339237"/>
+            <a:ext cx="2396810" cy="369332"/>
+          </a:xfrm>
+          <a:prstGeom prst="rect">
+            <a:avLst/>
+          </a:prstGeom>
+        </p:spPr>
+        <p:txBody>
+          <a:bodyPr wrap="none">
+            <a:spAutoFit/>
+          </a:bodyPr>
+          <a:lstStyle/>
+          <a:p>
+            <a:r>
+              <a:rPr lang="en-US" altLang="zh-CN" b="1" kern="0" dirty="0">
+                <a:solidFill>
+                  <a:srgbClr val="424242"/>
+                </a:solidFill>
+                <a:latin typeface="Arial"/>
+                <a:cs typeface="Arial"/>
+              </a:rPr>
+              <a:t>mDNS</a:t>
+            </a:r>
+            <a:r>
+              <a:rPr lang="zh-CN" altLang="en-US" b="1" kern="0" dirty="0">
+                <a:solidFill>
+                  <a:srgbClr val="424242"/>
+                </a:solidFill>
+                <a:latin typeface="Arial"/>
+                <a:cs typeface="Arial"/>
+              </a:rPr>
+              <a:t> </a:t>
+            </a:r>
+            <a:r>
+              <a:rPr lang="en-US" altLang="zh-CN" b="1" kern="0" dirty="0">
+                <a:solidFill>
+                  <a:srgbClr val="424242"/>
+                </a:solidFill>
+                <a:latin typeface="Arial"/>
+                <a:cs typeface="Arial"/>
+              </a:rPr>
+              <a:t>Registry</a:t>
+            </a:r>
+            <a:r>
+              <a:rPr lang="zh-CN" altLang="en-US" b="1" kern="0" dirty="0">
+                <a:solidFill>
+                  <a:srgbClr val="424242"/>
+                </a:solidFill>
+                <a:latin typeface="Arial"/>
+                <a:cs typeface="Arial"/>
+              </a:rPr>
+              <a:t> </a:t>
+            </a:r>
+            <a:r>
+              <a:rPr lang="en-US" altLang="zh-CN" sz="600" i="1" kern="0" dirty="0">
+                <a:solidFill>
+                  <a:srgbClr val="424242"/>
+                </a:solidFill>
+                <a:latin typeface="Arial"/>
+                <a:cs typeface="Arial"/>
+              </a:rPr>
+              <a:t>by</a:t>
+            </a:r>
+            <a:r>
+              <a:rPr lang="zh-CN" altLang="en-US" sz="600" i="1" kern="0" dirty="0">
+                <a:solidFill>
+                  <a:srgbClr val="424242"/>
+                </a:solidFill>
+                <a:latin typeface="Arial"/>
+                <a:cs typeface="Arial"/>
+              </a:rPr>
+              <a:t> </a:t>
+            </a:r>
+            <a:r>
+              <a:rPr lang="en-US" altLang="zh-CN" sz="600" i="1" kern="0" dirty="0">
+                <a:solidFill>
+                  <a:srgbClr val="424242"/>
+                </a:solidFill>
+                <a:latin typeface="Arial"/>
+                <a:cs typeface="Arial"/>
+              </a:rPr>
+              <a:t>printfcoder</a:t>
+            </a:r>
+            <a:endParaRPr lang="en-US" i="1"/>
+          </a:p>
+        </p:txBody>
+      </p:sp>
     </p:spTree>
     <p:extLst>
       <p:ext uri="{BB962C8B-B14F-4D97-AF65-F5344CB8AC3E}">
-        <p14:creationId xmlns:p14="http://schemas.microsoft.com/office/powerpoint/2010/main" val="1715967350"/>
+        <p14:creationId xmlns:p14="http://schemas.microsoft.com/office/powerpoint/2010/main" val="3391255632"/>
       </p:ext>
     </p:extLst>
   </p:cSld>
@@ -7052,6 +8509,99 @@
         </p:nvSpPr>
         <p:spPr>
           <a:xfrm>
+            <a:off x="384724" y="535134"/>
+            <a:ext cx="8316595" cy="482600"/>
+          </a:xfrm>
+          <a:prstGeom prst="rect">
+            <a:avLst/>
+          </a:prstGeom>
+        </p:spPr>
+        <p:txBody>
+          <a:bodyPr vert="horz" wrap="square" lIns="0" tIns="12700" rIns="0" bIns="0" rtlCol="0">
+            <a:spAutoFit/>
+          </a:bodyPr>
+          <a:lstStyle/>
+          <a:p>
+            <a:pPr marL="12700">
+              <a:lnSpc>
+                <a:spcPct val="100000"/>
+              </a:lnSpc>
+              <a:spcBef>
+                <a:spcPts val="100"/>
+              </a:spcBef>
+              <a:tabLst>
+                <a:tab pos="4126865" algn="l"/>
+              </a:tabLst>
+            </a:pPr>
+            <a:r>
+              <a:rPr lang="en-US" altLang="zh-CN" sz="3000" b="1" dirty="0">
+                <a:solidFill>
+                  <a:srgbClr val="424242"/>
+                </a:solidFill>
+                <a:latin typeface="Arial"/>
+                <a:cs typeface="Arial"/>
+              </a:rPr>
+              <a:t>Selector</a:t>
+            </a:r>
+            <a:r>
+              <a:rPr lang="zh-CN" altLang="en-US" sz="3000" b="1" dirty="0">
+                <a:solidFill>
+                  <a:srgbClr val="424242"/>
+                </a:solidFill>
+                <a:latin typeface="Arial"/>
+                <a:cs typeface="Arial"/>
+              </a:rPr>
+              <a:t> 选择器组件</a:t>
+            </a:r>
+            <a:endParaRPr sz="3000" dirty="0">
+              <a:latin typeface="Arial"/>
+              <a:cs typeface="Arial"/>
+            </a:endParaRPr>
+          </a:p>
+        </p:txBody>
+      </p:sp>
+    </p:spTree>
+    <p:extLst>
+      <p:ext uri="{BB962C8B-B14F-4D97-AF65-F5344CB8AC3E}">
+        <p14:creationId xmlns:p14="http://schemas.microsoft.com/office/powerpoint/2010/main" val="1715967350"/>
+      </p:ext>
+    </p:extLst>
+  </p:cSld>
+  <p:clrMapOvr>
+    <a:masterClrMapping/>
+  </p:clrMapOvr>
+</p:sld>
+</file>
+
+<file path=ppt/slides/slide14.xml><?xml version="1.0" encoding="utf-8"?>
+<p:sld xmlns:a="http://schemas.openxmlformats.org/drawingml/2006/main" xmlns:r="http://schemas.openxmlformats.org/officeDocument/2006/relationships" xmlns:p="http://schemas.openxmlformats.org/presentationml/2006/main">
+  <p:cSld>
+    <p:spTree>
+      <p:nvGrpSpPr>
+        <p:cNvPr id="1" name=""/>
+        <p:cNvGrpSpPr/>
+        <p:nvPr/>
+      </p:nvGrpSpPr>
+      <p:grpSpPr>
+        <a:xfrm>
+          <a:off x="0" y="0"/>
+          <a:ext cx="0" cy="0"/>
+          <a:chOff x="0" y="0"/>
+          <a:chExt cx="0" cy="0"/>
+        </a:xfrm>
+      </p:grpSpPr>
+      <p:sp>
+        <p:nvSpPr>
+          <p:cNvPr id="2" name="object 2"/>
+          <p:cNvSpPr txBox="1">
+            <a:spLocks noGrp="1"/>
+          </p:cNvSpPr>
+          <p:nvPr>
+            <p:ph type="title"/>
+          </p:nvPr>
+        </p:nvSpPr>
+        <p:spPr>
+          <a:xfrm>
             <a:off x="384725" y="535134"/>
             <a:ext cx="4339676" cy="482600"/>
           </a:xfrm>
@@ -7379,7 +8929,7 @@
 </p:sld>
 </file>
 
-<file path=ppt/slides/slide14.xml><?xml version="1.0" encoding="utf-8"?>
+<file path=ppt/slides/slide15.xml><?xml version="1.0" encoding="utf-8"?>
 <p:sld xmlns:a="http://schemas.openxmlformats.org/drawingml/2006/main" xmlns:r="http://schemas.openxmlformats.org/officeDocument/2006/relationships" xmlns:p="http://schemas.openxmlformats.org/presentationml/2006/main">
   <p:cSld>
     <p:spTree>
@@ -9384,167 +10934,6 @@
 </p:sld>
 </file>
 
-<file path=ppt/slides/slide15.xml><?xml version="1.0" encoding="utf-8"?>
-<p:sld xmlns:a="http://schemas.openxmlformats.org/drawingml/2006/main" xmlns:r="http://schemas.openxmlformats.org/officeDocument/2006/relationships" xmlns:p="http://schemas.openxmlformats.org/presentationml/2006/main">
-  <p:cSld>
-    <p:spTree>
-      <p:nvGrpSpPr>
-        <p:cNvPr id="1" name=""/>
-        <p:cNvGrpSpPr/>
-        <p:nvPr/>
-      </p:nvGrpSpPr>
-      <p:grpSpPr>
-        <a:xfrm>
-          <a:off x="0" y="0"/>
-          <a:ext cx="0" cy="0"/>
-          <a:chOff x="0" y="0"/>
-          <a:chExt cx="0" cy="0"/>
-        </a:xfrm>
-      </p:grpSpPr>
-      <p:sp>
-        <p:nvSpPr>
-          <p:cNvPr id="5" name="TextBox 4">
-            <a:extLst>
-              <a:ext uri="{FF2B5EF4-FFF2-40B4-BE49-F238E27FC236}">
-                <a16:creationId xmlns:a16="http://schemas.microsoft.com/office/drawing/2014/main" id="{48D888AF-43EF-7543-87AB-A59B8C1FADDE}"/>
-              </a:ext>
-            </a:extLst>
-          </p:cNvPr>
-          <p:cNvSpPr txBox="1"/>
-          <p:nvPr/>
-        </p:nvSpPr>
-        <p:spPr>
-          <a:xfrm>
-            <a:off x="762000" y="1013460"/>
-            <a:ext cx="184731" cy="369332"/>
-          </a:xfrm>
-          <a:prstGeom prst="rect">
-            <a:avLst/>
-          </a:prstGeom>
-          <a:noFill/>
-        </p:spPr>
-        <p:txBody>
-          <a:bodyPr wrap="none" rtlCol="0">
-            <a:spAutoFit/>
-          </a:bodyPr>
-          <a:lstStyle/>
-          <a:p>
-            <a:endParaRPr lang="en-US"/>
-          </a:p>
-        </p:txBody>
-      </p:sp>
-      <p:sp>
-        <p:nvSpPr>
-          <p:cNvPr id="7" name="object 2">
-            <a:extLst>
-              <a:ext uri="{FF2B5EF4-FFF2-40B4-BE49-F238E27FC236}">
-                <a16:creationId xmlns:a16="http://schemas.microsoft.com/office/drawing/2014/main" id="{E5719FE4-BF63-9D43-866E-DE23CC48C387}"/>
-              </a:ext>
-            </a:extLst>
-          </p:cNvPr>
-          <p:cNvSpPr txBox="1">
-            <a:spLocks noGrp="1"/>
-          </p:cNvSpPr>
-          <p:nvPr>
-            <p:ph type="title"/>
-          </p:nvPr>
-        </p:nvSpPr>
-        <p:spPr>
-          <a:xfrm>
-            <a:off x="384725" y="535134"/>
-            <a:ext cx="4339676" cy="482600"/>
-          </a:xfrm>
-          <a:prstGeom prst="rect">
-            <a:avLst/>
-          </a:prstGeom>
-        </p:spPr>
-        <p:txBody>
-          <a:bodyPr vert="horz" wrap="square" lIns="0" tIns="12700" rIns="0" bIns="0" rtlCol="0">
-            <a:spAutoFit/>
-          </a:bodyPr>
-          <a:lstStyle/>
-          <a:p>
-            <a:pPr marL="12700">
-              <a:lnSpc>
-                <a:spcPct val="100000"/>
-              </a:lnSpc>
-              <a:spcBef>
-                <a:spcPts val="100"/>
-              </a:spcBef>
-              <a:tabLst>
-                <a:tab pos="4126865" algn="l"/>
-              </a:tabLst>
-            </a:pPr>
-            <a:r>
-              <a:rPr lang="en-US" altLang="zh-CN" sz="3000" b="1" dirty="0">
-                <a:solidFill>
-                  <a:srgbClr val="424242"/>
-                </a:solidFill>
-                <a:latin typeface="Arial"/>
-                <a:cs typeface="Arial"/>
-              </a:rPr>
-              <a:t>Transport</a:t>
-            </a:r>
-            <a:r>
-              <a:rPr lang="zh-CN" altLang="en-US" sz="3000" b="1" dirty="0">
-                <a:solidFill>
-                  <a:srgbClr val="424242"/>
-                </a:solidFill>
-                <a:latin typeface="Arial"/>
-                <a:cs typeface="Arial"/>
-              </a:rPr>
-              <a:t> 的分类</a:t>
-            </a:r>
-            <a:endParaRPr sz="3000" dirty="0">
-              <a:latin typeface="Arial"/>
-              <a:cs typeface="Arial"/>
-            </a:endParaRPr>
-          </a:p>
-        </p:txBody>
-      </p:sp>
-      <p:pic>
-        <p:nvPicPr>
-          <p:cNvPr id="13" name="Picture 12">
-            <a:extLst>
-              <a:ext uri="{FF2B5EF4-FFF2-40B4-BE49-F238E27FC236}">
-                <a16:creationId xmlns:a16="http://schemas.microsoft.com/office/drawing/2014/main" id="{28020BB4-9CF6-564C-86A5-AD649AB8742E}"/>
-              </a:ext>
-            </a:extLst>
-          </p:cNvPr>
-          <p:cNvPicPr>
-            <a:picLocks noChangeAspect="1"/>
-          </p:cNvPicPr>
-          <p:nvPr/>
-        </p:nvPicPr>
-        <p:blipFill>
-          <a:blip r:embed="rId3"/>
-          <a:stretch>
-            <a:fillRect/>
-          </a:stretch>
-        </p:blipFill>
-        <p:spPr>
-          <a:xfrm>
-            <a:off x="579666" y="1382792"/>
-            <a:ext cx="4144735" cy="3223683"/>
-          </a:xfrm>
-          <a:prstGeom prst="rect">
-            <a:avLst/>
-          </a:prstGeom>
-        </p:spPr>
-      </p:pic>
-    </p:spTree>
-    <p:extLst>
-      <p:ext uri="{BB962C8B-B14F-4D97-AF65-F5344CB8AC3E}">
-        <p14:creationId xmlns:p14="http://schemas.microsoft.com/office/powerpoint/2010/main" val="1007403222"/>
-      </p:ext>
-    </p:extLst>
-  </p:cSld>
-  <p:clrMapOvr>
-    <a:masterClrMapping/>
-  </p:clrMapOvr>
-</p:sld>
-</file>
-
 <file path=ppt/slides/slide16.xml><?xml version="1.0" encoding="utf-8"?>
 <p:sld xmlns:a="http://schemas.openxmlformats.org/drawingml/2006/main" xmlns:r="http://schemas.openxmlformats.org/officeDocument/2006/relationships" xmlns:p="http://schemas.openxmlformats.org/presentationml/2006/main">
   <p:cSld>
@@ -9564,6 +10953,167 @@
       </p:grpSpPr>
       <p:sp>
         <p:nvSpPr>
+          <p:cNvPr id="5" name="TextBox 4">
+            <a:extLst>
+              <a:ext uri="{FF2B5EF4-FFF2-40B4-BE49-F238E27FC236}">
+                <a16:creationId xmlns:a16="http://schemas.microsoft.com/office/drawing/2014/main" id="{48D888AF-43EF-7543-87AB-A59B8C1FADDE}"/>
+              </a:ext>
+            </a:extLst>
+          </p:cNvPr>
+          <p:cNvSpPr txBox="1"/>
+          <p:nvPr/>
+        </p:nvSpPr>
+        <p:spPr>
+          <a:xfrm>
+            <a:off x="762000" y="1013460"/>
+            <a:ext cx="184731" cy="369332"/>
+          </a:xfrm>
+          <a:prstGeom prst="rect">
+            <a:avLst/>
+          </a:prstGeom>
+          <a:noFill/>
+        </p:spPr>
+        <p:txBody>
+          <a:bodyPr wrap="none" rtlCol="0">
+            <a:spAutoFit/>
+          </a:bodyPr>
+          <a:lstStyle/>
+          <a:p>
+            <a:endParaRPr lang="en-US"/>
+          </a:p>
+        </p:txBody>
+      </p:sp>
+      <p:sp>
+        <p:nvSpPr>
+          <p:cNvPr id="7" name="object 2">
+            <a:extLst>
+              <a:ext uri="{FF2B5EF4-FFF2-40B4-BE49-F238E27FC236}">
+                <a16:creationId xmlns:a16="http://schemas.microsoft.com/office/drawing/2014/main" id="{E5719FE4-BF63-9D43-866E-DE23CC48C387}"/>
+              </a:ext>
+            </a:extLst>
+          </p:cNvPr>
+          <p:cNvSpPr txBox="1">
+            <a:spLocks noGrp="1"/>
+          </p:cNvSpPr>
+          <p:nvPr>
+            <p:ph type="title"/>
+          </p:nvPr>
+        </p:nvSpPr>
+        <p:spPr>
+          <a:xfrm>
+            <a:off x="384725" y="535134"/>
+            <a:ext cx="4339676" cy="482600"/>
+          </a:xfrm>
+          <a:prstGeom prst="rect">
+            <a:avLst/>
+          </a:prstGeom>
+        </p:spPr>
+        <p:txBody>
+          <a:bodyPr vert="horz" wrap="square" lIns="0" tIns="12700" rIns="0" bIns="0" rtlCol="0">
+            <a:spAutoFit/>
+          </a:bodyPr>
+          <a:lstStyle/>
+          <a:p>
+            <a:pPr marL="12700">
+              <a:lnSpc>
+                <a:spcPct val="100000"/>
+              </a:lnSpc>
+              <a:spcBef>
+                <a:spcPts val="100"/>
+              </a:spcBef>
+              <a:tabLst>
+                <a:tab pos="4126865" algn="l"/>
+              </a:tabLst>
+            </a:pPr>
+            <a:r>
+              <a:rPr lang="en-US" altLang="zh-CN" sz="3000" b="1" dirty="0">
+                <a:solidFill>
+                  <a:srgbClr val="424242"/>
+                </a:solidFill>
+                <a:latin typeface="Arial"/>
+                <a:cs typeface="Arial"/>
+              </a:rPr>
+              <a:t>Transport</a:t>
+            </a:r>
+            <a:r>
+              <a:rPr lang="zh-CN" altLang="en-US" sz="3000" b="1" dirty="0">
+                <a:solidFill>
+                  <a:srgbClr val="424242"/>
+                </a:solidFill>
+                <a:latin typeface="Arial"/>
+                <a:cs typeface="Arial"/>
+              </a:rPr>
+              <a:t> 的分类</a:t>
+            </a:r>
+            <a:endParaRPr sz="3000" dirty="0">
+              <a:latin typeface="Arial"/>
+              <a:cs typeface="Arial"/>
+            </a:endParaRPr>
+          </a:p>
+        </p:txBody>
+      </p:sp>
+      <p:pic>
+        <p:nvPicPr>
+          <p:cNvPr id="13" name="Picture 12">
+            <a:extLst>
+              <a:ext uri="{FF2B5EF4-FFF2-40B4-BE49-F238E27FC236}">
+                <a16:creationId xmlns:a16="http://schemas.microsoft.com/office/drawing/2014/main" id="{28020BB4-9CF6-564C-86A5-AD649AB8742E}"/>
+              </a:ext>
+            </a:extLst>
+          </p:cNvPr>
+          <p:cNvPicPr>
+            <a:picLocks noChangeAspect="1"/>
+          </p:cNvPicPr>
+          <p:nvPr/>
+        </p:nvPicPr>
+        <p:blipFill>
+          <a:blip r:embed="rId3"/>
+          <a:stretch>
+            <a:fillRect/>
+          </a:stretch>
+        </p:blipFill>
+        <p:spPr>
+          <a:xfrm>
+            <a:off x="579666" y="1382792"/>
+            <a:ext cx="4144735" cy="3223683"/>
+          </a:xfrm>
+          <a:prstGeom prst="rect">
+            <a:avLst/>
+          </a:prstGeom>
+        </p:spPr>
+      </p:pic>
+    </p:spTree>
+    <p:extLst>
+      <p:ext uri="{BB962C8B-B14F-4D97-AF65-F5344CB8AC3E}">
+        <p14:creationId xmlns:p14="http://schemas.microsoft.com/office/powerpoint/2010/main" val="1007403222"/>
+      </p:ext>
+    </p:extLst>
+  </p:cSld>
+  <p:clrMapOvr>
+    <a:masterClrMapping/>
+  </p:clrMapOvr>
+</p:sld>
+</file>
+
+<file path=ppt/slides/slide17.xml><?xml version="1.0" encoding="utf-8"?>
+<p:sld xmlns:a="http://schemas.openxmlformats.org/drawingml/2006/main" xmlns:r="http://schemas.openxmlformats.org/officeDocument/2006/relationships" xmlns:p="http://schemas.openxmlformats.org/presentationml/2006/main">
+  <p:cSld>
+    <p:spTree>
+      <p:nvGrpSpPr>
+        <p:cNvPr id="1" name=""/>
+        <p:cNvGrpSpPr/>
+        <p:nvPr/>
+      </p:nvGrpSpPr>
+      <p:grpSpPr>
+        <a:xfrm>
+          <a:off x="0" y="0"/>
+          <a:ext cx="0" cy="0"/>
+          <a:chOff x="0" y="0"/>
+          <a:chExt cx="0" cy="0"/>
+        </a:xfrm>
+      </p:grpSpPr>
+      <p:sp>
+        <p:nvSpPr>
           <p:cNvPr id="4" name="Title 3">
             <a:extLst>
               <a:ext uri="{FF2B5EF4-FFF2-40B4-BE49-F238E27FC236}">
@@ -9604,7 +11154,7 @@
 </p:sld>
 </file>
 
-<file path=ppt/slides/slide17.xml><?xml version="1.0" encoding="utf-8"?>
+<file path=ppt/slides/slide18.xml><?xml version="1.0" encoding="utf-8"?>
 <p:sld xmlns:a="http://schemas.openxmlformats.org/drawingml/2006/main" xmlns:r="http://schemas.openxmlformats.org/officeDocument/2006/relationships" xmlns:p="http://schemas.openxmlformats.org/presentationml/2006/main">
   <p:cSld>
     <p:spTree>
@@ -10183,654 +11733,6 @@
 </p:sld>
 </file>
 
-<file path=ppt/slides/slide18.xml><?xml version="1.0" encoding="utf-8"?>
-<p:sld xmlns:a="http://schemas.openxmlformats.org/drawingml/2006/main" xmlns:r="http://schemas.openxmlformats.org/officeDocument/2006/relationships" xmlns:p="http://schemas.openxmlformats.org/presentationml/2006/main">
-  <p:cSld>
-    <p:spTree>
-      <p:nvGrpSpPr>
-        <p:cNvPr id="1" name=""/>
-        <p:cNvGrpSpPr/>
-        <p:nvPr/>
-      </p:nvGrpSpPr>
-      <p:grpSpPr>
-        <a:xfrm>
-          <a:off x="0" y="0"/>
-          <a:ext cx="0" cy="0"/>
-          <a:chOff x="0" y="0"/>
-          <a:chExt cx="0" cy="0"/>
-        </a:xfrm>
-      </p:grpSpPr>
-      <p:sp>
-        <p:nvSpPr>
-          <p:cNvPr id="6" name="object 2">
-            <a:extLst>
-              <a:ext uri="{FF2B5EF4-FFF2-40B4-BE49-F238E27FC236}">
-                <a16:creationId xmlns:a16="http://schemas.microsoft.com/office/drawing/2014/main" id="{200EBB32-0BFA-5F49-8BA9-A327C6BB8BDF}"/>
-              </a:ext>
-            </a:extLst>
-          </p:cNvPr>
-          <p:cNvSpPr txBox="1">
-            <a:spLocks/>
-          </p:cNvSpPr>
-          <p:nvPr/>
-        </p:nvSpPr>
-        <p:spPr>
-          <a:xfrm>
-            <a:off x="384725" y="535134"/>
-            <a:ext cx="2739475" cy="482600"/>
-          </a:xfrm>
-          <a:prstGeom prst="rect">
-            <a:avLst/>
-          </a:prstGeom>
-        </p:spPr>
-        <p:txBody>
-          <a:bodyPr vert="horz" wrap="square" lIns="0" tIns="12700" rIns="0" bIns="0" rtlCol="0">
-            <a:spAutoFit/>
-          </a:bodyPr>
-          <a:lstStyle>
-            <a:lvl1pPr>
-              <a:defRPr sz="5400" b="0" i="0">
-                <a:solidFill>
-                  <a:schemeClr val="bg1"/>
-                </a:solidFill>
-                <a:latin typeface="Arial Black"/>
-                <a:ea typeface="+mj-ea"/>
-                <a:cs typeface="Arial Black"/>
-              </a:defRPr>
-            </a:lvl1pPr>
-          </a:lstStyle>
-          <a:p>
-            <a:pPr marL="12700">
-              <a:spcBef>
-                <a:spcPts val="100"/>
-              </a:spcBef>
-              <a:tabLst>
-                <a:tab pos="4126865" algn="l"/>
-              </a:tabLst>
-            </a:pPr>
-            <a:r>
-              <a:rPr lang="zh-CN" altLang="en-US" sz="3000" b="1" kern="0" dirty="0">
-                <a:solidFill>
-                  <a:srgbClr val="424242"/>
-                </a:solidFill>
-                <a:latin typeface="Arial"/>
-                <a:cs typeface="Arial"/>
-              </a:rPr>
-              <a:t>插件化代码演示</a:t>
-            </a:r>
-            <a:endParaRPr lang="zh-CN" altLang="en-US" sz="3000" kern="0" dirty="0">
-              <a:latin typeface="Arial"/>
-              <a:cs typeface="Arial"/>
-            </a:endParaRPr>
-          </a:p>
-        </p:txBody>
-      </p:sp>
-      <p:sp>
-        <p:nvSpPr>
-          <p:cNvPr id="7" name="Rectangle 6">
-            <a:extLst>
-              <a:ext uri="{FF2B5EF4-FFF2-40B4-BE49-F238E27FC236}">
-                <a16:creationId xmlns:a16="http://schemas.microsoft.com/office/drawing/2014/main" id="{DB25F112-5452-E941-8D75-D80D8DC3DA77}"/>
-              </a:ext>
-            </a:extLst>
-          </p:cNvPr>
-          <p:cNvSpPr/>
-          <p:nvPr/>
-        </p:nvSpPr>
-        <p:spPr>
-          <a:xfrm>
-            <a:off x="457200" y="1657350"/>
-            <a:ext cx="2360133" cy="715581"/>
-          </a:xfrm>
-          <a:prstGeom prst="rect">
-            <a:avLst/>
-          </a:prstGeom>
-        </p:spPr>
-        <p:txBody>
-          <a:bodyPr wrap="square">
-            <a:spAutoFit/>
-          </a:bodyPr>
-          <a:lstStyle/>
-          <a:p>
-            <a:pPr marL="342900" indent="-342900">
-              <a:buAutoNum type="arabicPeriod"/>
-            </a:pPr>
-            <a:r>
-              <a:rPr lang="zh-CN" altLang="en-US" sz="1350" dirty="0"/>
-              <a:t>实例化一个</a:t>
-            </a:r>
-            <a:r>
-              <a:rPr lang="en-US" altLang="zh-CN" sz="1350" dirty="0"/>
-              <a:t>Rpc</a:t>
-            </a:r>
-            <a:r>
-              <a:rPr lang="zh-CN" altLang="en-US" sz="1350" dirty="0"/>
-              <a:t>服务</a:t>
-            </a:r>
-            <a:endParaRPr lang="en-US" altLang="zh-CN" sz="1350" dirty="0"/>
-          </a:p>
-          <a:p>
-            <a:pPr marL="342900" indent="-342900">
-              <a:buAutoNum type="arabicPeriod"/>
-            </a:pPr>
-            <a:r>
-              <a:rPr lang="en-US" altLang="zh-CN" sz="1350" dirty="0"/>
-              <a:t>Registry</a:t>
-            </a:r>
-            <a:r>
-              <a:rPr lang="zh-CN" altLang="en-US" sz="1350" dirty="0"/>
-              <a:t>注册使用</a:t>
-            </a:r>
-            <a:r>
-              <a:rPr lang="en-US" altLang="zh-CN" sz="1350" dirty="0"/>
-              <a:t>MDNS</a:t>
-            </a:r>
-          </a:p>
-          <a:p>
-            <a:pPr marL="342900" indent="-342900">
-              <a:buAutoNum type="arabicPeriod"/>
-            </a:pPr>
-            <a:r>
-              <a:rPr lang="zh-CN" altLang="en-US" sz="1350" dirty="0"/>
-              <a:t>异步消息使用</a:t>
-            </a:r>
-            <a:r>
-              <a:rPr lang="en-US" altLang="zh-CN" sz="1350" dirty="0"/>
-              <a:t>HttpBroker</a:t>
-            </a:r>
-          </a:p>
-        </p:txBody>
-      </p:sp>
-      <p:sp>
-        <p:nvSpPr>
-          <p:cNvPr id="8" name="Rectangle 7">
-            <a:extLst>
-              <a:ext uri="{FF2B5EF4-FFF2-40B4-BE49-F238E27FC236}">
-                <a16:creationId xmlns:a16="http://schemas.microsoft.com/office/drawing/2014/main" id="{9A8CD80D-1A67-3E40-A57E-035697D02152}"/>
-              </a:ext>
-            </a:extLst>
-          </p:cNvPr>
-          <p:cNvSpPr/>
-          <p:nvPr/>
-        </p:nvSpPr>
-        <p:spPr>
-          <a:xfrm>
-            <a:off x="5181600" y="1657350"/>
-            <a:ext cx="2360133" cy="923330"/>
-          </a:xfrm>
-          <a:prstGeom prst="rect">
-            <a:avLst/>
-          </a:prstGeom>
-        </p:spPr>
-        <p:txBody>
-          <a:bodyPr wrap="square">
-            <a:spAutoFit/>
-          </a:bodyPr>
-          <a:lstStyle/>
-          <a:p>
-            <a:pPr marL="342900" indent="-342900">
-              <a:buAutoNum type="arabicPeriod"/>
-            </a:pPr>
-            <a:r>
-              <a:rPr lang="zh-CN" altLang="en-US" sz="1350" dirty="0"/>
-              <a:t>实例化一个</a:t>
-            </a:r>
-            <a:r>
-              <a:rPr lang="en-US" altLang="zh-CN" sz="1350" dirty="0"/>
-              <a:t>Rpc</a:t>
-            </a:r>
-            <a:r>
-              <a:rPr lang="zh-CN" altLang="en-US" sz="1350" dirty="0"/>
-              <a:t>服务</a:t>
-            </a:r>
-            <a:endParaRPr lang="en-US" altLang="zh-CN" sz="1350" dirty="0"/>
-          </a:p>
-          <a:p>
-            <a:pPr marL="342900" indent="-342900">
-              <a:buAutoNum type="arabicPeriod"/>
-            </a:pPr>
-            <a:r>
-              <a:rPr lang="zh-CN" altLang="en-US" sz="1350" dirty="0"/>
-              <a:t>注册中心使用</a:t>
-            </a:r>
-            <a:r>
-              <a:rPr lang="en-US" altLang="zh-CN" sz="1350" dirty="0"/>
-              <a:t>Consul</a:t>
-            </a:r>
-          </a:p>
-          <a:p>
-            <a:pPr marL="342900" indent="-342900">
-              <a:buAutoNum type="arabicPeriod"/>
-            </a:pPr>
-            <a:r>
-              <a:rPr lang="zh-CN" altLang="en-US" sz="1350" dirty="0"/>
-              <a:t>异步消息使用</a:t>
-            </a:r>
-            <a:r>
-              <a:rPr lang="en-US" altLang="zh-CN" sz="1350" dirty="0"/>
-              <a:t>RabbitMQ</a:t>
-            </a:r>
-          </a:p>
-          <a:p>
-            <a:pPr marL="342900" indent="-342900">
-              <a:buAutoNum type="arabicPeriod"/>
-            </a:pPr>
-            <a:endParaRPr lang="en-US" sz="1350" dirty="0"/>
-          </a:p>
-        </p:txBody>
-      </p:sp>
-      <p:sp>
-        <p:nvSpPr>
-          <p:cNvPr id="9" name="TextBox 8">
-            <a:extLst>
-              <a:ext uri="{FF2B5EF4-FFF2-40B4-BE49-F238E27FC236}">
-                <a16:creationId xmlns:a16="http://schemas.microsoft.com/office/drawing/2014/main" id="{3BE5901C-7A36-094A-8C95-485B25251EDB}"/>
-              </a:ext>
-            </a:extLst>
-          </p:cNvPr>
-          <p:cNvSpPr txBox="1"/>
-          <p:nvPr/>
-        </p:nvSpPr>
-        <p:spPr>
-          <a:xfrm>
-            <a:off x="1431296" y="1288018"/>
-            <a:ext cx="646331" cy="369332"/>
-          </a:xfrm>
-          <a:prstGeom prst="rect">
-            <a:avLst/>
-          </a:prstGeom>
-          <a:noFill/>
-        </p:spPr>
-        <p:txBody>
-          <a:bodyPr wrap="none" rtlCol="0">
-            <a:spAutoFit/>
-          </a:bodyPr>
-          <a:lstStyle/>
-          <a:p>
-            <a:r>
-              <a:rPr lang="zh-CN" altLang="en-US"/>
-              <a:t>默认</a:t>
-            </a:r>
-            <a:endParaRPr lang="en-US"/>
-          </a:p>
-        </p:txBody>
-      </p:sp>
-      <p:sp>
-        <p:nvSpPr>
-          <p:cNvPr id="10" name="TextBox 9">
-            <a:extLst>
-              <a:ext uri="{FF2B5EF4-FFF2-40B4-BE49-F238E27FC236}">
-                <a16:creationId xmlns:a16="http://schemas.microsoft.com/office/drawing/2014/main" id="{37C2D380-1791-FE40-B079-4933D98EC435}"/>
-              </a:ext>
-            </a:extLst>
-          </p:cNvPr>
-          <p:cNvSpPr txBox="1"/>
-          <p:nvPr/>
-        </p:nvSpPr>
-        <p:spPr>
-          <a:xfrm>
-            <a:off x="5867400" y="1288018"/>
-            <a:ext cx="877163" cy="369332"/>
-          </a:xfrm>
-          <a:prstGeom prst="rect">
-            <a:avLst/>
-          </a:prstGeom>
-          <a:noFill/>
-        </p:spPr>
-        <p:txBody>
-          <a:bodyPr wrap="none" rtlCol="0">
-            <a:spAutoFit/>
-          </a:bodyPr>
-          <a:lstStyle/>
-          <a:p>
-            <a:r>
-              <a:rPr lang="zh-CN" altLang="en-US"/>
-              <a:t>自定义</a:t>
-            </a:r>
-            <a:endParaRPr lang="en-US"/>
-          </a:p>
-        </p:txBody>
-      </p:sp>
-      <p:sp>
-        <p:nvSpPr>
-          <p:cNvPr id="11" name="TextBox 10">
-            <a:extLst>
-              <a:ext uri="{FF2B5EF4-FFF2-40B4-BE49-F238E27FC236}">
-                <a16:creationId xmlns:a16="http://schemas.microsoft.com/office/drawing/2014/main" id="{BCCBF117-CAB8-D84E-A3BA-F57771D65128}"/>
-              </a:ext>
-            </a:extLst>
-          </p:cNvPr>
-          <p:cNvSpPr txBox="1"/>
-          <p:nvPr/>
-        </p:nvSpPr>
-        <p:spPr>
-          <a:xfrm>
-            <a:off x="462516" y="3012547"/>
-            <a:ext cx="2960426" cy="369332"/>
-          </a:xfrm>
-          <a:prstGeom prst="rect">
-            <a:avLst/>
-          </a:prstGeom>
-          <a:noFill/>
-        </p:spPr>
-        <p:txBody>
-          <a:bodyPr wrap="none" rtlCol="0">
-            <a:spAutoFit/>
-          </a:bodyPr>
-          <a:lstStyle/>
-          <a:p>
-            <a:r>
-              <a:rPr lang="en-US"/>
-              <a:t>service := micro.NewService()</a:t>
-            </a:r>
-          </a:p>
-        </p:txBody>
-      </p:sp>
-      <p:sp>
-        <p:nvSpPr>
-          <p:cNvPr id="12" name="TextBox 11">
-            <a:extLst>
-              <a:ext uri="{FF2B5EF4-FFF2-40B4-BE49-F238E27FC236}">
-                <a16:creationId xmlns:a16="http://schemas.microsoft.com/office/drawing/2014/main" id="{9044FA03-F145-2F4C-BCB4-455785CC7201}"/>
-              </a:ext>
-            </a:extLst>
-          </p:cNvPr>
-          <p:cNvSpPr txBox="1"/>
-          <p:nvPr/>
-        </p:nvSpPr>
-        <p:spPr>
-          <a:xfrm>
-            <a:off x="1431295" y="2580680"/>
-            <a:ext cx="646331" cy="369332"/>
-          </a:xfrm>
-          <a:prstGeom prst="rect">
-            <a:avLst/>
-          </a:prstGeom>
-          <a:noFill/>
-        </p:spPr>
-        <p:txBody>
-          <a:bodyPr wrap="none" rtlCol="0">
-            <a:spAutoFit/>
-          </a:bodyPr>
-          <a:lstStyle/>
-          <a:p>
-            <a:r>
-              <a:rPr lang="zh-CN" altLang="en-US"/>
-              <a:t>代码</a:t>
-            </a:r>
-            <a:endParaRPr lang="en-US"/>
-          </a:p>
-        </p:txBody>
-      </p:sp>
-      <p:sp>
-        <p:nvSpPr>
-          <p:cNvPr id="13" name="TextBox 12">
-            <a:extLst>
-              <a:ext uri="{FF2B5EF4-FFF2-40B4-BE49-F238E27FC236}">
-                <a16:creationId xmlns:a16="http://schemas.microsoft.com/office/drawing/2014/main" id="{118CE96E-861B-A44F-81A0-B0745367F3E9}"/>
-              </a:ext>
-            </a:extLst>
-          </p:cNvPr>
-          <p:cNvSpPr txBox="1"/>
-          <p:nvPr/>
-        </p:nvSpPr>
-        <p:spPr>
-          <a:xfrm>
-            <a:off x="5982815" y="2589937"/>
-            <a:ext cx="646331" cy="369332"/>
-          </a:xfrm>
-          <a:prstGeom prst="rect">
-            <a:avLst/>
-          </a:prstGeom>
-          <a:noFill/>
-        </p:spPr>
-        <p:txBody>
-          <a:bodyPr wrap="none" rtlCol="0">
-            <a:spAutoFit/>
-          </a:bodyPr>
-          <a:lstStyle/>
-          <a:p>
-            <a:r>
-              <a:rPr lang="zh-CN" altLang="en-US"/>
-              <a:t>代码</a:t>
-            </a:r>
-            <a:endParaRPr lang="en-US"/>
-          </a:p>
-        </p:txBody>
-      </p:sp>
-      <p:sp>
-        <p:nvSpPr>
-          <p:cNvPr id="14" name="TextBox 13">
-            <a:extLst>
-              <a:ext uri="{FF2B5EF4-FFF2-40B4-BE49-F238E27FC236}">
-                <a16:creationId xmlns:a16="http://schemas.microsoft.com/office/drawing/2014/main" id="{456C0F5A-2D4E-4F40-AE41-5210177F8AB0}"/>
-              </a:ext>
-            </a:extLst>
-          </p:cNvPr>
-          <p:cNvSpPr txBox="1"/>
-          <p:nvPr/>
-        </p:nvSpPr>
-        <p:spPr>
-          <a:xfrm rot="966097">
-            <a:off x="7594402" y="981267"/>
-            <a:ext cx="932628" cy="369332"/>
-          </a:xfrm>
-          <a:prstGeom prst="rect">
-            <a:avLst/>
-          </a:prstGeom>
-          <a:noFill/>
-          <a:ln w="19050">
-            <a:solidFill>
-              <a:srgbClr val="FF0000"/>
-            </a:solidFill>
-          </a:ln>
-        </p:spPr>
-        <p:txBody>
-          <a:bodyPr wrap="none" rtlCol="0">
-            <a:spAutoFit/>
-          </a:bodyPr>
-          <a:lstStyle/>
-          <a:p>
-            <a:r>
-              <a:rPr lang="en-US">
-                <a:solidFill>
-                  <a:srgbClr val="FF0000"/>
-                </a:solidFill>
-              </a:rPr>
-              <a:t>Registry</a:t>
-            </a:r>
-          </a:p>
-        </p:txBody>
-      </p:sp>
-      <p:sp>
-        <p:nvSpPr>
-          <p:cNvPr id="15" name="TextBox 14">
-            <a:extLst>
-              <a:ext uri="{FF2B5EF4-FFF2-40B4-BE49-F238E27FC236}">
-                <a16:creationId xmlns:a16="http://schemas.microsoft.com/office/drawing/2014/main" id="{F8A3D30C-7C00-6A40-98BB-C42CFBAB08C9}"/>
-              </a:ext>
-            </a:extLst>
-          </p:cNvPr>
-          <p:cNvSpPr txBox="1"/>
-          <p:nvPr/>
-        </p:nvSpPr>
-        <p:spPr>
-          <a:xfrm rot="923857">
-            <a:off x="7460716" y="1471521"/>
-            <a:ext cx="932628" cy="369332"/>
-          </a:xfrm>
-          <a:prstGeom prst="rect">
-            <a:avLst/>
-          </a:prstGeom>
-          <a:noFill/>
-          <a:ln w="19050">
-            <a:solidFill>
-              <a:srgbClr val="0070C0"/>
-            </a:solidFill>
-          </a:ln>
-        </p:spPr>
-        <p:txBody>
-          <a:bodyPr wrap="square" rtlCol="0">
-            <a:spAutoFit/>
-          </a:bodyPr>
-          <a:lstStyle/>
-          <a:p>
-            <a:r>
-              <a:rPr lang="en-US">
-                <a:solidFill>
-                  <a:srgbClr val="0070C0"/>
-                </a:solidFill>
-              </a:rPr>
-              <a:t>Broker</a:t>
-            </a:r>
-          </a:p>
-        </p:txBody>
-      </p:sp>
-      <p:sp>
-        <p:nvSpPr>
-          <p:cNvPr id="17" name="TextBox 16">
-            <a:extLst>
-              <a:ext uri="{FF2B5EF4-FFF2-40B4-BE49-F238E27FC236}">
-                <a16:creationId xmlns:a16="http://schemas.microsoft.com/office/drawing/2014/main" id="{AAFFB1C3-372F-8547-89DC-7034AF81B446}"/>
-              </a:ext>
-            </a:extLst>
-          </p:cNvPr>
-          <p:cNvSpPr txBox="1"/>
-          <p:nvPr/>
-        </p:nvSpPr>
-        <p:spPr>
-          <a:xfrm>
-            <a:off x="4953000" y="2968526"/>
-            <a:ext cx="4271426" cy="1569660"/>
-          </a:xfrm>
-          <a:prstGeom prst="rect">
-            <a:avLst/>
-          </a:prstGeom>
-          <a:noFill/>
-        </p:spPr>
-        <p:txBody>
-          <a:bodyPr wrap="none" rtlCol="0">
-            <a:spAutoFit/>
-          </a:bodyPr>
-          <a:lstStyle/>
-          <a:p>
-            <a:r>
-              <a:rPr lang="en-US" sz="1200"/>
-              <a:t>service := micro.NewService(</a:t>
-            </a:r>
-            <a:br>
-              <a:rPr lang="en-US" sz="1200"/>
-            </a:br>
-            <a:r>
-              <a:rPr lang="en-US" sz="1200"/>
-              <a:t>   </a:t>
-            </a:r>
-            <a:r>
-              <a:rPr lang="en-US" sz="1200">
-                <a:solidFill>
-                  <a:srgbClr val="FF0000"/>
-                </a:solidFill>
-              </a:rPr>
-              <a:t>micro.Registry(consul.NewRegistry(func(ops *registry.Options) {</a:t>
-            </a:r>
-            <a:br>
-              <a:rPr lang="en-US" sz="1200">
-                <a:solidFill>
-                  <a:srgbClr val="FF0000"/>
-                </a:solidFill>
-              </a:rPr>
-            </a:br>
-            <a:r>
-              <a:rPr lang="en-US" sz="1200">
-                <a:solidFill>
-                  <a:srgbClr val="FF0000"/>
-                </a:solidFill>
-              </a:rPr>
-              <a:t>      ops.Addrs = []string{"127.0.0.1:8500"}</a:t>
-            </a:r>
-            <a:br>
-              <a:rPr lang="en-US" sz="1200">
-                <a:solidFill>
-                  <a:srgbClr val="FF0000"/>
-                </a:solidFill>
-              </a:rPr>
-            </a:br>
-            <a:r>
-              <a:rPr lang="en-US" sz="1200">
-                <a:solidFill>
-                  <a:srgbClr val="FF0000"/>
-                </a:solidFill>
-              </a:rPr>
-              <a:t>   })),</a:t>
-            </a:r>
-            <a:br>
-              <a:rPr lang="en-US" sz="1200"/>
-            </a:br>
-            <a:r>
-              <a:rPr lang="en-US" sz="1200"/>
-              <a:t>   </a:t>
-            </a:r>
-            <a:r>
-              <a:rPr lang="en-US" sz="1200">
-                <a:solidFill>
-                  <a:srgbClr val="0070C0"/>
-                </a:solidFill>
-              </a:rPr>
-              <a:t>micro.Broker(rabbitmq.NewBroker(</a:t>
-            </a:r>
-            <a:br>
-              <a:rPr lang="en-US" sz="1200">
-                <a:solidFill>
-                  <a:srgbClr val="0070C0"/>
-                </a:solidFill>
-              </a:rPr>
-            </a:br>
-            <a:r>
-              <a:rPr lang="en-US" sz="1200">
-                <a:solidFill>
-                  <a:srgbClr val="0070C0"/>
-                </a:solidFill>
-              </a:rPr>
-              <a:t>      broker.Addrs([]string{"127.0.0.1:5672"}...),</a:t>
-            </a:r>
-            <a:br>
-              <a:rPr lang="en-US" sz="1200">
-                <a:solidFill>
-                  <a:srgbClr val="0070C0"/>
-                </a:solidFill>
-              </a:rPr>
-            </a:br>
-            <a:r>
-              <a:rPr lang="en-US" sz="1200">
-                <a:solidFill>
-                  <a:srgbClr val="0070C0"/>
-                </a:solidFill>
-              </a:rPr>
-              <a:t>   )),</a:t>
-            </a:r>
-            <a:br>
-              <a:rPr lang="en-US" sz="1200"/>
-            </a:br>
-            <a:r>
-              <a:rPr lang="en-US" sz="1200"/>
-              <a:t>)</a:t>
-            </a:r>
-          </a:p>
-        </p:txBody>
-      </p:sp>
-    </p:spTree>
-    <p:extLst>
-      <p:ext uri="{BB962C8B-B14F-4D97-AF65-F5344CB8AC3E}">
-        <p14:creationId xmlns:p14="http://schemas.microsoft.com/office/powerpoint/2010/main" val="4036063079"/>
-      </p:ext>
-    </p:extLst>
-  </p:cSld>
-  <p:clrMapOvr>
-    <a:masterClrMapping/>
-  </p:clrMapOvr>
-</p:sld>
-</file>
-
 <file path=ppt/slides/slide19.xml><?xml version="1.0" encoding="utf-8"?>
 <p:sld xmlns:a="http://schemas.openxmlformats.org/drawingml/2006/main" xmlns:r="http://schemas.openxmlformats.org/officeDocument/2006/relationships" xmlns:p="http://schemas.openxmlformats.org/presentationml/2006/main">
   <p:cSld>
@@ -10850,10 +11752,10 @@
       </p:grpSpPr>
       <p:sp>
         <p:nvSpPr>
-          <p:cNvPr id="5" name="object 2">
+          <p:cNvPr id="6" name="object 2">
             <a:extLst>
               <a:ext uri="{FF2B5EF4-FFF2-40B4-BE49-F238E27FC236}">
-                <a16:creationId xmlns:a16="http://schemas.microsoft.com/office/drawing/2014/main" id="{DE832DAB-0A0C-184C-A96A-667D3C6395D7}"/>
+                <a16:creationId xmlns:a16="http://schemas.microsoft.com/office/drawing/2014/main" id="{200EBB32-0BFA-5F49-8BA9-A327C6BB8BDF}"/>
               </a:ext>
             </a:extLst>
           </p:cNvPr>
@@ -10904,7 +11806,7 @@
                 <a:latin typeface="Arial"/>
                 <a:cs typeface="Arial"/>
               </a:rPr>
-              <a:t>插件化原理</a:t>
+              <a:t>插件化代码演示</a:t>
             </a:r>
             <a:endParaRPr lang="zh-CN" altLang="en-US" sz="3000" kern="0" dirty="0">
               <a:latin typeface="Arial"/>
@@ -10915,10 +11817,164 @@
       </p:sp>
       <p:sp>
         <p:nvSpPr>
-          <p:cNvPr id="6" name="TextBox 5">
+          <p:cNvPr id="7" name="Rectangle 6">
             <a:extLst>
               <a:ext uri="{FF2B5EF4-FFF2-40B4-BE49-F238E27FC236}">
-                <a16:creationId xmlns:a16="http://schemas.microsoft.com/office/drawing/2014/main" id="{8C13B48C-7A40-654D-AF68-D53BD490E4C1}"/>
+                <a16:creationId xmlns:a16="http://schemas.microsoft.com/office/drawing/2014/main" id="{DB25F112-5452-E941-8D75-D80D8DC3DA77}"/>
+              </a:ext>
+            </a:extLst>
+          </p:cNvPr>
+          <p:cNvSpPr/>
+          <p:nvPr/>
+        </p:nvSpPr>
+        <p:spPr>
+          <a:xfrm>
+            <a:off x="457200" y="1657350"/>
+            <a:ext cx="2360133" cy="715581"/>
+          </a:xfrm>
+          <a:prstGeom prst="rect">
+            <a:avLst/>
+          </a:prstGeom>
+        </p:spPr>
+        <p:txBody>
+          <a:bodyPr wrap="square">
+            <a:spAutoFit/>
+          </a:bodyPr>
+          <a:lstStyle/>
+          <a:p>
+            <a:pPr marL="342900" indent="-342900">
+              <a:buAutoNum type="arabicPeriod"/>
+            </a:pPr>
+            <a:r>
+              <a:rPr lang="zh-CN" altLang="en-US" sz="1350" dirty="0"/>
+              <a:t>实例化一个</a:t>
+            </a:r>
+            <a:r>
+              <a:rPr lang="en-US" altLang="zh-CN" sz="1350" dirty="0"/>
+              <a:t>Rpc</a:t>
+            </a:r>
+            <a:r>
+              <a:rPr lang="zh-CN" altLang="en-US" sz="1350" dirty="0"/>
+              <a:t>服务</a:t>
+            </a:r>
+            <a:endParaRPr lang="en-US" altLang="zh-CN" sz="1350" dirty="0"/>
+          </a:p>
+          <a:p>
+            <a:pPr marL="342900" indent="-342900">
+              <a:buAutoNum type="arabicPeriod"/>
+            </a:pPr>
+            <a:r>
+              <a:rPr lang="en-US" altLang="zh-CN" sz="1350" dirty="0"/>
+              <a:t>Registry</a:t>
+            </a:r>
+            <a:r>
+              <a:rPr lang="zh-CN" altLang="en-US" sz="1350" dirty="0"/>
+              <a:t>注册使用</a:t>
+            </a:r>
+            <a:r>
+              <a:rPr lang="en-US" altLang="zh-CN" sz="1350" dirty="0"/>
+              <a:t>MDNS</a:t>
+            </a:r>
+          </a:p>
+          <a:p>
+            <a:pPr marL="342900" indent="-342900">
+              <a:buAutoNum type="arabicPeriod"/>
+            </a:pPr>
+            <a:r>
+              <a:rPr lang="zh-CN" altLang="en-US" sz="1350" dirty="0"/>
+              <a:t>异步消息使用</a:t>
+            </a:r>
+            <a:r>
+              <a:rPr lang="en-US" altLang="zh-CN" sz="1350" dirty="0"/>
+              <a:t>HttpBroker</a:t>
+            </a:r>
+          </a:p>
+        </p:txBody>
+      </p:sp>
+      <p:sp>
+        <p:nvSpPr>
+          <p:cNvPr id="8" name="Rectangle 7">
+            <a:extLst>
+              <a:ext uri="{FF2B5EF4-FFF2-40B4-BE49-F238E27FC236}">
+                <a16:creationId xmlns:a16="http://schemas.microsoft.com/office/drawing/2014/main" id="{9A8CD80D-1A67-3E40-A57E-035697D02152}"/>
+              </a:ext>
+            </a:extLst>
+          </p:cNvPr>
+          <p:cNvSpPr/>
+          <p:nvPr/>
+        </p:nvSpPr>
+        <p:spPr>
+          <a:xfrm>
+            <a:off x="5181600" y="1657350"/>
+            <a:ext cx="2360133" cy="923330"/>
+          </a:xfrm>
+          <a:prstGeom prst="rect">
+            <a:avLst/>
+          </a:prstGeom>
+        </p:spPr>
+        <p:txBody>
+          <a:bodyPr wrap="square">
+            <a:spAutoFit/>
+          </a:bodyPr>
+          <a:lstStyle/>
+          <a:p>
+            <a:pPr marL="342900" indent="-342900">
+              <a:buAutoNum type="arabicPeriod"/>
+            </a:pPr>
+            <a:r>
+              <a:rPr lang="zh-CN" altLang="en-US" sz="1350" dirty="0"/>
+              <a:t>实例化一个</a:t>
+            </a:r>
+            <a:r>
+              <a:rPr lang="en-US" altLang="zh-CN" sz="1350" dirty="0"/>
+              <a:t>Rpc</a:t>
+            </a:r>
+            <a:r>
+              <a:rPr lang="zh-CN" altLang="en-US" sz="1350" dirty="0"/>
+              <a:t>服务</a:t>
+            </a:r>
+            <a:endParaRPr lang="en-US" altLang="zh-CN" sz="1350" dirty="0"/>
+          </a:p>
+          <a:p>
+            <a:pPr marL="342900" indent="-342900">
+              <a:buAutoNum type="arabicPeriod"/>
+            </a:pPr>
+            <a:r>
+              <a:rPr lang="zh-CN" altLang="en-US" sz="1350" dirty="0"/>
+              <a:t>注册中心使用</a:t>
+            </a:r>
+            <a:r>
+              <a:rPr lang="en-US" altLang="zh-CN" sz="1350" dirty="0"/>
+              <a:t>Consul</a:t>
+            </a:r>
+          </a:p>
+          <a:p>
+            <a:pPr marL="342900" indent="-342900">
+              <a:buAutoNum type="arabicPeriod"/>
+            </a:pPr>
+            <a:r>
+              <a:rPr lang="zh-CN" altLang="en-US" sz="1350" dirty="0"/>
+              <a:t>异步消息使用</a:t>
+            </a:r>
+            <a:r>
+              <a:rPr lang="en-US" altLang="zh-CN" sz="1350" dirty="0"/>
+              <a:t>RabbitMQ</a:t>
+            </a:r>
+          </a:p>
+          <a:p>
+            <a:pPr marL="342900" indent="-342900">
+              <a:buAutoNum type="arabicPeriod"/>
+            </a:pPr>
+            <a:endParaRPr lang="en-US" sz="1350" dirty="0"/>
+          </a:p>
+        </p:txBody>
+      </p:sp>
+      <p:sp>
+        <p:nvSpPr>
+          <p:cNvPr id="9" name="TextBox 8">
+            <a:extLst>
+              <a:ext uri="{FF2B5EF4-FFF2-40B4-BE49-F238E27FC236}">
+                <a16:creationId xmlns:a16="http://schemas.microsoft.com/office/drawing/2014/main" id="{3BE5901C-7A36-094A-8C95-485B25251EDB}"/>
               </a:ext>
             </a:extLst>
           </p:cNvPr>
@@ -10927,8 +11983,8 @@
         </p:nvSpPr>
         <p:spPr>
           <a:xfrm>
-            <a:off x="533400" y="1428750"/>
-            <a:ext cx="8121134" cy="646331"/>
+            <a:off x="1431296" y="1288018"/>
+            <a:ext cx="646331" cy="369332"/>
           </a:xfrm>
           <a:prstGeom prst="rect">
             <a:avLst/>
@@ -10943,47 +11999,379 @@
           <a:p>
             <a:r>
               <a:rPr lang="zh-CN" altLang="en-US"/>
-              <a:t>基于</a:t>
-            </a:r>
-            <a:r>
-              <a:rPr lang="en-US" altLang="zh-CN"/>
-              <a:t>Go</a:t>
-            </a:r>
+              <a:t>默认</a:t>
+            </a:r>
+            <a:endParaRPr lang="en-US"/>
+          </a:p>
+        </p:txBody>
+      </p:sp>
+      <p:sp>
+        <p:nvSpPr>
+          <p:cNvPr id="10" name="TextBox 9">
+            <a:extLst>
+              <a:ext uri="{FF2B5EF4-FFF2-40B4-BE49-F238E27FC236}">
+                <a16:creationId xmlns:a16="http://schemas.microsoft.com/office/drawing/2014/main" id="{37C2D380-1791-FE40-B079-4933D98EC435}"/>
+              </a:ext>
+            </a:extLst>
+          </p:cNvPr>
+          <p:cNvSpPr txBox="1"/>
+          <p:nvPr/>
+        </p:nvSpPr>
+        <p:spPr>
+          <a:xfrm>
+            <a:off x="5867400" y="1288018"/>
+            <a:ext cx="877163" cy="369332"/>
+          </a:xfrm>
+          <a:prstGeom prst="rect">
+            <a:avLst/>
+          </a:prstGeom>
+          <a:noFill/>
+        </p:spPr>
+        <p:txBody>
+          <a:bodyPr wrap="none" rtlCol="0">
+            <a:spAutoFit/>
+          </a:bodyPr>
+          <a:lstStyle/>
+          <a:p>
             <a:r>
               <a:rPr lang="zh-CN" altLang="en-US"/>
-              <a:t> </a:t>
-            </a:r>
-            <a:r>
-              <a:rPr lang="en-US" altLang="zh-CN"/>
-              <a:t>Interface</a:t>
-            </a:r>
+              <a:t>自定义</a:t>
+            </a:r>
+            <a:endParaRPr lang="en-US"/>
+          </a:p>
+        </p:txBody>
+      </p:sp>
+      <p:sp>
+        <p:nvSpPr>
+          <p:cNvPr id="11" name="TextBox 10">
+            <a:extLst>
+              <a:ext uri="{FF2B5EF4-FFF2-40B4-BE49-F238E27FC236}">
+                <a16:creationId xmlns:a16="http://schemas.microsoft.com/office/drawing/2014/main" id="{BCCBF117-CAB8-D84E-A3BA-F57771D65128}"/>
+              </a:ext>
+            </a:extLst>
+          </p:cNvPr>
+          <p:cNvSpPr txBox="1"/>
+          <p:nvPr/>
+        </p:nvSpPr>
+        <p:spPr>
+          <a:xfrm>
+            <a:off x="462516" y="3012547"/>
+            <a:ext cx="2960426" cy="369332"/>
+          </a:xfrm>
+          <a:prstGeom prst="rect">
+            <a:avLst/>
+          </a:prstGeom>
+          <a:noFill/>
+        </p:spPr>
+        <p:txBody>
+          <a:bodyPr wrap="none" rtlCol="0">
+            <a:spAutoFit/>
+          </a:bodyPr>
+          <a:lstStyle/>
+          <a:p>
+            <a:r>
+              <a:rPr lang="en-US"/>
+              <a:t>service := micro.NewService()</a:t>
+            </a:r>
+          </a:p>
+        </p:txBody>
+      </p:sp>
+      <p:sp>
+        <p:nvSpPr>
+          <p:cNvPr id="12" name="TextBox 11">
+            <a:extLst>
+              <a:ext uri="{FF2B5EF4-FFF2-40B4-BE49-F238E27FC236}">
+                <a16:creationId xmlns:a16="http://schemas.microsoft.com/office/drawing/2014/main" id="{9044FA03-F145-2F4C-BCB4-455785CC7201}"/>
+              </a:ext>
+            </a:extLst>
+          </p:cNvPr>
+          <p:cNvSpPr txBox="1"/>
+          <p:nvPr/>
+        </p:nvSpPr>
+        <p:spPr>
+          <a:xfrm>
+            <a:off x="1431295" y="2580680"/>
+            <a:ext cx="646331" cy="369332"/>
+          </a:xfrm>
+          <a:prstGeom prst="rect">
+            <a:avLst/>
+          </a:prstGeom>
+          <a:noFill/>
+        </p:spPr>
+        <p:txBody>
+          <a:bodyPr wrap="none" rtlCol="0">
+            <a:spAutoFit/>
+          </a:bodyPr>
+          <a:lstStyle/>
+          <a:p>
             <a:r>
               <a:rPr lang="zh-CN" altLang="en-US"/>
-              <a:t>的无侵入特性，</a:t>
-            </a:r>
-            <a:r>
-              <a:rPr lang="en-US" altLang="zh-CN"/>
-              <a:t>Micro</a:t>
-            </a:r>
+              <a:t>代码</a:t>
+            </a:r>
+            <a:endParaRPr lang="en-US"/>
+          </a:p>
+        </p:txBody>
+      </p:sp>
+      <p:sp>
+        <p:nvSpPr>
+          <p:cNvPr id="13" name="TextBox 12">
+            <a:extLst>
+              <a:ext uri="{FF2B5EF4-FFF2-40B4-BE49-F238E27FC236}">
+                <a16:creationId xmlns:a16="http://schemas.microsoft.com/office/drawing/2014/main" id="{118CE96E-861B-A44F-81A0-B0745367F3E9}"/>
+              </a:ext>
+            </a:extLst>
+          </p:cNvPr>
+          <p:cNvSpPr txBox="1"/>
+          <p:nvPr/>
+        </p:nvSpPr>
+        <p:spPr>
+          <a:xfrm>
+            <a:off x="5982815" y="2589937"/>
+            <a:ext cx="646331" cy="369332"/>
+          </a:xfrm>
+          <a:prstGeom prst="rect">
+            <a:avLst/>
+          </a:prstGeom>
+          <a:noFill/>
+        </p:spPr>
+        <p:txBody>
+          <a:bodyPr wrap="none" rtlCol="0">
+            <a:spAutoFit/>
+          </a:bodyPr>
+          <a:lstStyle/>
+          <a:p>
             <a:r>
               <a:rPr lang="zh-CN" altLang="en-US"/>
-              <a:t>定义各组件功能的接口，再依托多种多样</a:t>
-            </a:r>
-            <a:endParaRPr lang="en-US" altLang="zh-CN"/>
-          </a:p>
-          <a:p>
-            <a:r>
-              <a:rPr lang="zh-CN" altLang="en-US"/>
-              <a:t>技术栈实现各自的插件</a:t>
+              <a:t>代码</a:t>
             </a:r>
             <a:endParaRPr lang="en-US"/>
+          </a:p>
+        </p:txBody>
+      </p:sp>
+      <p:sp>
+        <p:nvSpPr>
+          <p:cNvPr id="14" name="TextBox 13">
+            <a:extLst>
+              <a:ext uri="{FF2B5EF4-FFF2-40B4-BE49-F238E27FC236}">
+                <a16:creationId xmlns:a16="http://schemas.microsoft.com/office/drawing/2014/main" id="{456C0F5A-2D4E-4F40-AE41-5210177F8AB0}"/>
+              </a:ext>
+            </a:extLst>
+          </p:cNvPr>
+          <p:cNvSpPr txBox="1"/>
+          <p:nvPr/>
+        </p:nvSpPr>
+        <p:spPr>
+          <a:xfrm rot="966097">
+            <a:off x="7594402" y="981267"/>
+            <a:ext cx="932628" cy="369332"/>
+          </a:xfrm>
+          <a:prstGeom prst="rect">
+            <a:avLst/>
+          </a:prstGeom>
+          <a:noFill/>
+          <a:ln w="19050">
+            <a:solidFill>
+              <a:srgbClr val="FF0000"/>
+            </a:solidFill>
+          </a:ln>
+        </p:spPr>
+        <p:txBody>
+          <a:bodyPr wrap="none" rtlCol="0">
+            <a:spAutoFit/>
+          </a:bodyPr>
+          <a:lstStyle/>
+          <a:p>
+            <a:r>
+              <a:rPr lang="en-US">
+                <a:solidFill>
+                  <a:srgbClr val="FF0000"/>
+                </a:solidFill>
+              </a:rPr>
+              <a:t>Registry</a:t>
+            </a:r>
+          </a:p>
+        </p:txBody>
+      </p:sp>
+      <p:sp>
+        <p:nvSpPr>
+          <p:cNvPr id="15" name="TextBox 14">
+            <a:extLst>
+              <a:ext uri="{FF2B5EF4-FFF2-40B4-BE49-F238E27FC236}">
+                <a16:creationId xmlns:a16="http://schemas.microsoft.com/office/drawing/2014/main" id="{F8A3D30C-7C00-6A40-98BB-C42CFBAB08C9}"/>
+              </a:ext>
+            </a:extLst>
+          </p:cNvPr>
+          <p:cNvSpPr txBox="1"/>
+          <p:nvPr/>
+        </p:nvSpPr>
+        <p:spPr>
+          <a:xfrm rot="923857">
+            <a:off x="7460716" y="1471521"/>
+            <a:ext cx="932628" cy="369332"/>
+          </a:xfrm>
+          <a:prstGeom prst="rect">
+            <a:avLst/>
+          </a:prstGeom>
+          <a:noFill/>
+          <a:ln w="19050">
+            <a:solidFill>
+              <a:srgbClr val="0070C0"/>
+            </a:solidFill>
+          </a:ln>
+        </p:spPr>
+        <p:txBody>
+          <a:bodyPr wrap="square" rtlCol="0">
+            <a:spAutoFit/>
+          </a:bodyPr>
+          <a:lstStyle/>
+          <a:p>
+            <a:r>
+              <a:rPr lang="en-US">
+                <a:solidFill>
+                  <a:srgbClr val="0070C0"/>
+                </a:solidFill>
+              </a:rPr>
+              <a:t>Broker</a:t>
+            </a:r>
+          </a:p>
+        </p:txBody>
+      </p:sp>
+      <p:sp>
+        <p:nvSpPr>
+          <p:cNvPr id="17" name="TextBox 16">
+            <a:extLst>
+              <a:ext uri="{FF2B5EF4-FFF2-40B4-BE49-F238E27FC236}">
+                <a16:creationId xmlns:a16="http://schemas.microsoft.com/office/drawing/2014/main" id="{AAFFB1C3-372F-8547-89DC-7034AF81B446}"/>
+              </a:ext>
+            </a:extLst>
+          </p:cNvPr>
+          <p:cNvSpPr txBox="1"/>
+          <p:nvPr/>
+        </p:nvSpPr>
+        <p:spPr>
+          <a:xfrm>
+            <a:off x="4953000" y="2968526"/>
+            <a:ext cx="4271426" cy="1569660"/>
+          </a:xfrm>
+          <a:prstGeom prst="rect">
+            <a:avLst/>
+          </a:prstGeom>
+          <a:noFill/>
+        </p:spPr>
+        <p:txBody>
+          <a:bodyPr wrap="none" rtlCol="0">
+            <a:spAutoFit/>
+          </a:bodyPr>
+          <a:lstStyle/>
+          <a:p>
+            <a:r>
+              <a:rPr lang="en-US" sz="1200"/>
+              <a:t>service := micro.NewService(</a:t>
+            </a:r>
+            <a:br>
+              <a:rPr lang="en-US" sz="1200"/>
+            </a:br>
+            <a:r>
+              <a:rPr lang="en-US" sz="1200"/>
+              <a:t>   </a:t>
+            </a:r>
+            <a:r>
+              <a:rPr lang="en-US" sz="1200">
+                <a:solidFill>
+                  <a:srgbClr val="FF0000"/>
+                </a:solidFill>
+              </a:rPr>
+              <a:t>micro.Registry(consul.NewRegistry(func(ops *registry.Options) {</a:t>
+            </a:r>
+            <a:br>
+              <a:rPr lang="en-US" sz="1200">
+                <a:solidFill>
+                  <a:srgbClr val="FF0000"/>
+                </a:solidFill>
+              </a:rPr>
+            </a:br>
+            <a:r>
+              <a:rPr lang="en-US" sz="1200">
+                <a:solidFill>
+                  <a:srgbClr val="FF0000"/>
+                </a:solidFill>
+              </a:rPr>
+              <a:t>      ops.Addrs = []string{"127.0.0.1:8500"}</a:t>
+            </a:r>
+            <a:br>
+              <a:rPr lang="en-US" sz="1200">
+                <a:solidFill>
+                  <a:srgbClr val="FF0000"/>
+                </a:solidFill>
+              </a:rPr>
+            </a:br>
+            <a:r>
+              <a:rPr lang="en-US" sz="1200">
+                <a:solidFill>
+                  <a:srgbClr val="FF0000"/>
+                </a:solidFill>
+              </a:rPr>
+              <a:t>   })),</a:t>
+            </a:r>
+            <a:br>
+              <a:rPr lang="en-US" sz="1200"/>
+            </a:br>
+            <a:r>
+              <a:rPr lang="en-US" sz="1200"/>
+              <a:t>   </a:t>
+            </a:r>
+            <a:r>
+              <a:rPr lang="en-US" sz="1200">
+                <a:solidFill>
+                  <a:srgbClr val="0070C0"/>
+                </a:solidFill>
+              </a:rPr>
+              <a:t>micro.Broker(rabbitmq.NewBroker(</a:t>
+            </a:r>
+            <a:br>
+              <a:rPr lang="en-US" sz="1200">
+                <a:solidFill>
+                  <a:srgbClr val="0070C0"/>
+                </a:solidFill>
+              </a:rPr>
+            </a:br>
+            <a:r>
+              <a:rPr lang="en-US" sz="1200">
+                <a:solidFill>
+                  <a:srgbClr val="0070C0"/>
+                </a:solidFill>
+              </a:rPr>
+              <a:t>      broker.Addrs([]string{"127.0.0.1:5672"}...),</a:t>
+            </a:r>
+            <a:br>
+              <a:rPr lang="en-US" sz="1200">
+                <a:solidFill>
+                  <a:srgbClr val="0070C0"/>
+                </a:solidFill>
+              </a:rPr>
+            </a:br>
+            <a:r>
+              <a:rPr lang="en-US" sz="1200">
+                <a:solidFill>
+                  <a:srgbClr val="0070C0"/>
+                </a:solidFill>
+              </a:rPr>
+              <a:t>   )),</a:t>
+            </a:r>
+            <a:br>
+              <a:rPr lang="en-US" sz="1200"/>
+            </a:br>
+            <a:r>
+              <a:rPr lang="en-US" sz="1200"/>
+              <a:t>)</a:t>
+            </a:r>
           </a:p>
         </p:txBody>
       </p:sp>
     </p:spTree>
     <p:extLst>
       <p:ext uri="{BB962C8B-B14F-4D97-AF65-F5344CB8AC3E}">
-        <p14:creationId xmlns:p14="http://schemas.microsoft.com/office/powerpoint/2010/main" val="1449334863"/>
+        <p14:creationId xmlns:p14="http://schemas.microsoft.com/office/powerpoint/2010/main" val="4036063079"/>
       </p:ext>
     </p:extLst>
   </p:cSld>
@@ -11558,6 +12946,168 @@
           <p:cNvPr id="5" name="object 2">
             <a:extLst>
               <a:ext uri="{FF2B5EF4-FFF2-40B4-BE49-F238E27FC236}">
+                <a16:creationId xmlns:a16="http://schemas.microsoft.com/office/drawing/2014/main" id="{DE832DAB-0A0C-184C-A96A-667D3C6395D7}"/>
+              </a:ext>
+            </a:extLst>
+          </p:cNvPr>
+          <p:cNvSpPr txBox="1">
+            <a:spLocks/>
+          </p:cNvSpPr>
+          <p:nvPr/>
+        </p:nvSpPr>
+        <p:spPr>
+          <a:xfrm>
+            <a:off x="384725" y="535134"/>
+            <a:ext cx="2739475" cy="482600"/>
+          </a:xfrm>
+          <a:prstGeom prst="rect">
+            <a:avLst/>
+          </a:prstGeom>
+        </p:spPr>
+        <p:txBody>
+          <a:bodyPr vert="horz" wrap="square" lIns="0" tIns="12700" rIns="0" bIns="0" rtlCol="0">
+            <a:spAutoFit/>
+          </a:bodyPr>
+          <a:lstStyle>
+            <a:lvl1pPr>
+              <a:defRPr sz="5400" b="0" i="0">
+                <a:solidFill>
+                  <a:schemeClr val="bg1"/>
+                </a:solidFill>
+                <a:latin typeface="Arial Black"/>
+                <a:ea typeface="+mj-ea"/>
+                <a:cs typeface="Arial Black"/>
+              </a:defRPr>
+            </a:lvl1pPr>
+          </a:lstStyle>
+          <a:p>
+            <a:pPr marL="12700">
+              <a:spcBef>
+                <a:spcPts val="100"/>
+              </a:spcBef>
+              <a:tabLst>
+                <a:tab pos="4126865" algn="l"/>
+              </a:tabLst>
+            </a:pPr>
+            <a:r>
+              <a:rPr lang="zh-CN" altLang="en-US" sz="3000" b="1" kern="0" dirty="0">
+                <a:solidFill>
+                  <a:srgbClr val="424242"/>
+                </a:solidFill>
+                <a:latin typeface="Arial"/>
+                <a:cs typeface="Arial"/>
+              </a:rPr>
+              <a:t>插件化原理</a:t>
+            </a:r>
+            <a:endParaRPr lang="zh-CN" altLang="en-US" sz="3000" kern="0" dirty="0">
+              <a:latin typeface="Arial"/>
+              <a:cs typeface="Arial"/>
+            </a:endParaRPr>
+          </a:p>
+        </p:txBody>
+      </p:sp>
+      <p:sp>
+        <p:nvSpPr>
+          <p:cNvPr id="6" name="TextBox 5">
+            <a:extLst>
+              <a:ext uri="{FF2B5EF4-FFF2-40B4-BE49-F238E27FC236}">
+                <a16:creationId xmlns:a16="http://schemas.microsoft.com/office/drawing/2014/main" id="{8C13B48C-7A40-654D-AF68-D53BD490E4C1}"/>
+              </a:ext>
+            </a:extLst>
+          </p:cNvPr>
+          <p:cNvSpPr txBox="1"/>
+          <p:nvPr/>
+        </p:nvSpPr>
+        <p:spPr>
+          <a:xfrm>
+            <a:off x="533400" y="1428750"/>
+            <a:ext cx="8121134" cy="646331"/>
+          </a:xfrm>
+          <a:prstGeom prst="rect">
+            <a:avLst/>
+          </a:prstGeom>
+          <a:noFill/>
+        </p:spPr>
+        <p:txBody>
+          <a:bodyPr wrap="none" rtlCol="0">
+            <a:spAutoFit/>
+          </a:bodyPr>
+          <a:lstStyle/>
+          <a:p>
+            <a:r>
+              <a:rPr lang="zh-CN" altLang="en-US"/>
+              <a:t>基于</a:t>
+            </a:r>
+            <a:r>
+              <a:rPr lang="en-US" altLang="zh-CN"/>
+              <a:t>Go</a:t>
+            </a:r>
+            <a:r>
+              <a:rPr lang="zh-CN" altLang="en-US"/>
+              <a:t> </a:t>
+            </a:r>
+            <a:r>
+              <a:rPr lang="en-US" altLang="zh-CN"/>
+              <a:t>Interface</a:t>
+            </a:r>
+            <a:r>
+              <a:rPr lang="zh-CN" altLang="en-US"/>
+              <a:t>的无侵入特性，</a:t>
+            </a:r>
+            <a:r>
+              <a:rPr lang="en-US" altLang="zh-CN"/>
+              <a:t>Micro</a:t>
+            </a:r>
+            <a:r>
+              <a:rPr lang="zh-CN" altLang="en-US"/>
+              <a:t>定义各组件功能的接口，再依托多种多样</a:t>
+            </a:r>
+            <a:endParaRPr lang="en-US" altLang="zh-CN"/>
+          </a:p>
+          <a:p>
+            <a:r>
+              <a:rPr lang="zh-CN" altLang="en-US"/>
+              <a:t>技术栈实现各自的插件</a:t>
+            </a:r>
+            <a:endParaRPr lang="en-US"/>
+          </a:p>
+        </p:txBody>
+      </p:sp>
+    </p:spTree>
+    <p:extLst>
+      <p:ext uri="{BB962C8B-B14F-4D97-AF65-F5344CB8AC3E}">
+        <p14:creationId xmlns:p14="http://schemas.microsoft.com/office/powerpoint/2010/main" val="1449334863"/>
+      </p:ext>
+    </p:extLst>
+  </p:cSld>
+  <p:clrMapOvr>
+    <a:masterClrMapping/>
+  </p:clrMapOvr>
+</p:sld>
+</file>
+
+<file path=ppt/slides/slide21.xml><?xml version="1.0" encoding="utf-8"?>
+<p:sld xmlns:a="http://schemas.openxmlformats.org/drawingml/2006/main" xmlns:r="http://schemas.openxmlformats.org/officeDocument/2006/relationships" xmlns:p="http://schemas.openxmlformats.org/presentationml/2006/main">
+  <p:cSld>
+    <p:spTree>
+      <p:nvGrpSpPr>
+        <p:cNvPr id="1" name=""/>
+        <p:cNvGrpSpPr/>
+        <p:nvPr/>
+      </p:nvGrpSpPr>
+      <p:grpSpPr>
+        <a:xfrm>
+          <a:off x="0" y="0"/>
+          <a:ext cx="0" cy="0"/>
+          <a:chOff x="0" y="0"/>
+          <a:chExt cx="0" cy="0"/>
+        </a:xfrm>
+      </p:grpSpPr>
+      <p:sp>
+        <p:nvSpPr>
+          <p:cNvPr id="5" name="object 2">
+            <a:extLst>
+              <a:ext uri="{FF2B5EF4-FFF2-40B4-BE49-F238E27FC236}">
                 <a16:creationId xmlns:a16="http://schemas.microsoft.com/office/drawing/2014/main" id="{CA0524D5-0ACC-F546-A06E-4E6A5CCD2101}"/>
               </a:ext>
             </a:extLst>
@@ -11666,7 +13216,7 @@
 </p:sld>
 </file>
 
-<file path=ppt/slides/slide21.xml><?xml version="1.0" encoding="utf-8"?>
+<file path=ppt/slides/slide22.xml><?xml version="1.0" encoding="utf-8"?>
 <p:sld xmlns:a="http://schemas.openxmlformats.org/drawingml/2006/main" xmlns:r="http://schemas.openxmlformats.org/officeDocument/2006/relationships" xmlns:p="http://schemas.openxmlformats.org/presentationml/2006/main" showMasterSp="0">
   <p:cSld>
     <p:spTree>
@@ -11786,7 +13336,7 @@
 </p:sld>
 </file>
 
-<file path=ppt/slides/slide22.xml><?xml version="1.0" encoding="utf-8"?>
+<file path=ppt/slides/slide23.xml><?xml version="1.0" encoding="utf-8"?>
 <p:sld xmlns:a="http://schemas.openxmlformats.org/drawingml/2006/main" xmlns:r="http://schemas.openxmlformats.org/officeDocument/2006/relationships" xmlns:p="http://schemas.openxmlformats.org/presentationml/2006/main">
   <p:cSld>
     <p:spTree>
@@ -11864,7 +13414,7 @@
 </p:sld>
 </file>
 
-<file path=ppt/slides/slide23.xml><?xml version="1.0" encoding="utf-8"?>
+<file path=ppt/slides/slide24.xml><?xml version="1.0" encoding="utf-8"?>
 <p:sld xmlns:a="http://schemas.openxmlformats.org/drawingml/2006/main" xmlns:r="http://schemas.openxmlformats.org/officeDocument/2006/relationships" xmlns:p="http://schemas.openxmlformats.org/presentationml/2006/main" showMasterSp="0">
   <p:cSld>
     <p:spTree>
@@ -12028,7 +13578,7 @@
 </p:sld>
 </file>
 
-<file path=ppt/slides/slide24.xml><?xml version="1.0" encoding="utf-8"?>
+<file path=ppt/slides/slide25.xml><?xml version="1.0" encoding="utf-8"?>
 <p:sld xmlns:a="http://schemas.openxmlformats.org/drawingml/2006/main" xmlns:r="http://schemas.openxmlformats.org/officeDocument/2006/relationships" xmlns:p="http://schemas.openxmlformats.org/presentationml/2006/main" showMasterSp="0">
   <p:cSld>
     <p:spTree>
@@ -12454,7 +14004,7 @@
 </p:sld>
 </file>
 
-<file path=ppt/slides/slide25.xml><?xml version="1.0" encoding="utf-8"?>
+<file path=ppt/slides/slide26.xml><?xml version="1.0" encoding="utf-8"?>
 <p:sld xmlns:a="http://schemas.openxmlformats.org/drawingml/2006/main" xmlns:r="http://schemas.openxmlformats.org/officeDocument/2006/relationships" xmlns:p="http://schemas.openxmlformats.org/presentationml/2006/main">
   <p:cSld>
     <p:spTree>
@@ -13200,7 +14750,7 @@
 </p:sld>
 </file>
 
-<file path=ppt/slides/slide26.xml><?xml version="1.0" encoding="utf-8"?>
+<file path=ppt/slides/slide27.xml><?xml version="1.0" encoding="utf-8"?>
 <p:sld xmlns:a="http://schemas.openxmlformats.org/drawingml/2006/main" xmlns:r="http://schemas.openxmlformats.org/officeDocument/2006/relationships" xmlns:p="http://schemas.openxmlformats.org/presentationml/2006/main">
   <p:cSld>
     <p:spTree>
@@ -14358,7 +15908,7 @@
 </p:sld>
 </file>
 
-<file path=ppt/slides/slide27.xml><?xml version="1.0" encoding="utf-8"?>
+<file path=ppt/slides/slide28.xml><?xml version="1.0" encoding="utf-8"?>
 <p:sld xmlns:a="http://schemas.openxmlformats.org/drawingml/2006/main" xmlns:r="http://schemas.openxmlformats.org/officeDocument/2006/relationships" xmlns:p="http://schemas.openxmlformats.org/presentationml/2006/main">
   <p:cSld>
     <p:spTree>
@@ -14700,7 +16250,7 @@
 </p:sld>
 </file>
 
-<file path=ppt/slides/slide28.xml><?xml version="1.0" encoding="utf-8"?>
+<file path=ppt/slides/slide29.xml><?xml version="1.0" encoding="utf-8"?>
 <p:sld xmlns:a="http://schemas.openxmlformats.org/drawingml/2006/main" xmlns:r="http://schemas.openxmlformats.org/officeDocument/2006/relationships" xmlns:p="http://schemas.openxmlformats.org/presentationml/2006/main">
   <p:cSld>
     <p:spTree>

--- a/others/share/learning-go/【第一期】Go-Micro框架设计.pptx
+++ b/others/share/learning-go/【第一期】Go-Micro框架设计.pptx
@@ -14979,7 +14979,7 @@
         <p:spPr>
           <a:xfrm>
             <a:off x="3548993" y="1275028"/>
-            <a:ext cx="525565" cy="508959"/>
+            <a:ext cx="566917" cy="508959"/>
           </a:xfrm>
           <a:prstGeom prst="roundRect">
             <a:avLst/>
@@ -25800,7 +25800,7 @@
         <p:spPr>
           <a:xfrm>
             <a:off x="1208071" y="2161251"/>
-            <a:ext cx="535724" cy="230832"/>
+            <a:ext cx="550151" cy="230832"/>
           </a:xfrm>
           <a:prstGeom prst="rect">
             <a:avLst/>
@@ -25814,10 +25814,18 @@
           <a:lstStyle/>
           <a:p>
             <a:r>
-              <a:rPr lang="en-US" altLang="zh-CN" sz="900" dirty="0" err="1"/>
+              <a:rPr lang="en-US" altLang="zh-CN" sz="900" dirty="0" err="1">
+                <a:solidFill>
+                  <a:schemeClr val="bg1"/>
+                </a:solidFill>
+              </a:rPr>
               <a:t>trClient</a:t>
             </a:r>
-            <a:endParaRPr lang="en-US" sz="1350" dirty="0"/>
+            <a:endParaRPr lang="en-US" sz="1350" dirty="0">
+              <a:solidFill>
+                <a:schemeClr val="bg1"/>
+              </a:solidFill>
+            </a:endParaRPr>
           </a:p>
         </p:txBody>
       </p:sp>
@@ -26072,7 +26080,7 @@
         <p:spPr>
           <a:xfrm>
             <a:off x="3353233" y="2186747"/>
-            <a:ext cx="559769" cy="230832"/>
+            <a:ext cx="595035" cy="230832"/>
           </a:xfrm>
           <a:prstGeom prst="rect">
             <a:avLst/>
@@ -26086,10 +26094,18 @@
           <a:lstStyle/>
           <a:p>
             <a:r>
-              <a:rPr lang="en-US" altLang="zh-CN" sz="900" dirty="0"/>
+              <a:rPr lang="en-US" altLang="zh-CN" sz="900" dirty="0">
+                <a:solidFill>
+                  <a:schemeClr val="bg1"/>
+                </a:solidFill>
+              </a:rPr>
               <a:t>Listener</a:t>
             </a:r>
-            <a:endParaRPr lang="en-US" sz="1350" dirty="0"/>
+            <a:endParaRPr lang="en-US" sz="1350" dirty="0">
+              <a:solidFill>
+                <a:schemeClr val="bg1"/>
+              </a:solidFill>
+            </a:endParaRPr>
           </a:p>
         </p:txBody>
       </p:sp>

--- a/others/share/learning-go/【第一期】Go-Micro框架设计.pptx
+++ b/others/share/learning-go/【第一期】Go-Micro框架设计.pptx
@@ -1,65 +1,65 @@
 
 <file path=ppt/presentation.xml><?xml version="1.0" encoding="utf-8"?>
-<p:presentation xmlns:a="http://schemas.openxmlformats.org/drawingml/2006/main" xmlns:r="http://schemas.openxmlformats.org/officeDocument/2006/relationships" xmlns:p="http://schemas.openxmlformats.org/presentationml/2006/main" strictFirstAndLastChars="0" embedTrueTypeFonts="1" saveSubsetFonts="1" autoCompressPictures="0">
+<p:presentation xmlns:a="http://schemas.openxmlformats.org/drawingml/2006/main" xmlns:r="http://schemas.openxmlformats.org/officeDocument/2006/relationships" xmlns:p="http://schemas.openxmlformats.org/presentationml/2006/main" strictFirstAndLastChars="0" embedTrueTypeFonts="1" autoCompressPictures="0">
   <p:sldMasterIdLst>
     <p:sldMasterId id="2147483648" r:id="rId1"/>
-    <p:sldMasterId id="2147483654" r:id="rId3"/>
+    <p:sldMasterId id="2147483654" r:id="rId2"/>
   </p:sldMasterIdLst>
   <p:notesMasterIdLst>
-    <p:notesMasterId r:id="rId5"/>
+    <p:notesMasterId r:id="rId36"/>
   </p:notesMasterIdLst>
   <p:sldIdLst>
-    <p:sldId id="256" r:id="rId4"/>
-    <p:sldId id="257" r:id="rId6"/>
-    <p:sldId id="258" r:id="rId7"/>
-    <p:sldId id="259" r:id="rId8"/>
-    <p:sldId id="260" r:id="rId9"/>
-    <p:sldId id="261" r:id="rId10"/>
-    <p:sldId id="262" r:id="rId11"/>
-    <p:sldId id="263" r:id="rId12"/>
-    <p:sldId id="264" r:id="rId13"/>
-    <p:sldId id="265" r:id="rId14"/>
-    <p:sldId id="266" r:id="rId15"/>
-    <p:sldId id="267" r:id="rId16"/>
-    <p:sldId id="268" r:id="rId17"/>
-    <p:sldId id="269" r:id="rId18"/>
-    <p:sldId id="270" r:id="rId19"/>
-    <p:sldId id="271" r:id="rId20"/>
-    <p:sldId id="272" r:id="rId21"/>
-    <p:sldId id="273" r:id="rId22"/>
-    <p:sldId id="274" r:id="rId23"/>
-    <p:sldId id="275" r:id="rId24"/>
-    <p:sldId id="276" r:id="rId25"/>
-    <p:sldId id="277" r:id="rId26"/>
-    <p:sldId id="278" r:id="rId27"/>
-    <p:sldId id="279" r:id="rId28"/>
-    <p:sldId id="280" r:id="rId29"/>
-    <p:sldId id="281" r:id="rId30"/>
-    <p:sldId id="282" r:id="rId31"/>
-    <p:sldId id="283" r:id="rId32"/>
-    <p:sldId id="284" r:id="rId33"/>
-    <p:sldId id="285" r:id="rId34"/>
-    <p:sldId id="286" r:id="rId35"/>
-    <p:sldId id="287" r:id="rId36"/>
-    <p:sldId id="288" r:id="rId37"/>
+    <p:sldId id="256" r:id="rId3"/>
+    <p:sldId id="257" r:id="rId4"/>
+    <p:sldId id="258" r:id="rId5"/>
+    <p:sldId id="259" r:id="rId6"/>
+    <p:sldId id="260" r:id="rId7"/>
+    <p:sldId id="261" r:id="rId8"/>
+    <p:sldId id="262" r:id="rId9"/>
+    <p:sldId id="263" r:id="rId10"/>
+    <p:sldId id="264" r:id="rId11"/>
+    <p:sldId id="265" r:id="rId12"/>
+    <p:sldId id="266" r:id="rId13"/>
+    <p:sldId id="267" r:id="rId14"/>
+    <p:sldId id="268" r:id="rId15"/>
+    <p:sldId id="269" r:id="rId16"/>
+    <p:sldId id="270" r:id="rId17"/>
+    <p:sldId id="271" r:id="rId18"/>
+    <p:sldId id="272" r:id="rId19"/>
+    <p:sldId id="273" r:id="rId20"/>
+    <p:sldId id="274" r:id="rId21"/>
+    <p:sldId id="275" r:id="rId22"/>
+    <p:sldId id="276" r:id="rId23"/>
+    <p:sldId id="277" r:id="rId24"/>
+    <p:sldId id="278" r:id="rId25"/>
+    <p:sldId id="279" r:id="rId26"/>
+    <p:sldId id="280" r:id="rId27"/>
+    <p:sldId id="281" r:id="rId28"/>
+    <p:sldId id="282" r:id="rId29"/>
+    <p:sldId id="283" r:id="rId30"/>
+    <p:sldId id="284" r:id="rId31"/>
+    <p:sldId id="285" r:id="rId32"/>
+    <p:sldId id="286" r:id="rId33"/>
+    <p:sldId id="287" r:id="rId34"/>
+    <p:sldId id="288" r:id="rId35"/>
   </p:sldIdLst>
-  <p:sldSz cx="9144000" cy="5143500"/>
+  <p:sldSz cx="9144000" cy="5143500" type="screen16x9"/>
   <p:notesSz cx="9144000" cy="5143500"/>
   <p:embeddedFontLst>
     <p:embeddedFont>
-      <p:font typeface="Calibri" panose="020F0502020204030204"/>
-      <p:regular r:id="rId41"/>
-      <p:bold r:id="rId42"/>
-      <p:italic r:id="rId43"/>
-      <p:boldItalic r:id="rId44"/>
+      <p:font typeface="Calibri" panose="020F0502020204030204" pitchFamily="34" charset="0"/>
+      <p:regular r:id="rId37"/>
+      <p:bold r:id="rId38"/>
+      <p:italic r:id="rId39"/>
+      <p:boldItalic r:id="rId40"/>
     </p:embeddedFont>
     <p:embeddedFont>
-      <p:font typeface="PT Sans Narrow" panose="020B0506020203020204"/>
-      <p:regular r:id="rId45"/>
+      <p:font typeface="Open Sans" panose="020B0606030504020204" pitchFamily="34" charset="0"/>
+      <p:regular r:id="rId41"/>
     </p:embeddedFont>
     <p:embeddedFont>
-      <p:font typeface="Open Sans" panose="020B0606030504020204"/>
-      <p:regular r:id="rId46"/>
+      <p:font typeface="PT Sans Narrow" panose="020B0506020203020204" pitchFamily="34" charset="77"/>
+      <p:regular r:id="rId42"/>
     </p:embeddedFont>
   </p:embeddedFontLst>
   <p:defaultTextStyle>
@@ -291,6 +291,22 @@
       </a:defRPr>
     </a:lvl9pPr>
   </p:defaultTextStyle>
+  <p:extLst>
+    <p:ext uri="{EFAFB233-063F-42B5-8137-9DF3F51BA10A}">
+      <p15:sldGuideLst xmlns:p15="http://schemas.microsoft.com/office/powerpoint/2012/main">
+        <p15:guide id="1" orient="horz" pos="2904">
+          <p15:clr>
+            <a:srgbClr val="A4A3A4"/>
+          </p15:clr>
+        </p15:guide>
+        <p15:guide id="2" pos="2160">
+          <p15:clr>
+            <a:srgbClr val="A4A3A4"/>
+          </p15:clr>
+        </p15:guide>
+      </p15:sldGuideLst>
+    </p:ext>
+  </p:extLst>
 </p:presentation>
 </file>
 
@@ -307,7 +323,7 @@
     </p:bg>
     <p:spTree>
       <p:nvGrpSpPr>
-        <p:cNvPr id="2" name="Shape 2"/>
+        <p:cNvPr id="1" name="Shape 2"/>
         <p:cNvGrpSpPr/>
         <p:nvPr/>
       </p:nvGrpSpPr>
@@ -322,7 +338,9 @@
       <p:sp>
         <p:nvSpPr>
           <p:cNvPr id="3" name="Google Shape;3;n"/>
-          <p:cNvSpPr txBox="1"/>
+          <p:cNvSpPr txBox="1">
+            <a:spLocks noGrp="1"/>
+          </p:cNvSpPr>
           <p:nvPr>
             <p:ph type="hdr" idx="2"/>
           </p:nvPr>
@@ -517,13 +535,17 @@
               </a:defRPr>
             </a:lvl9pPr>
           </a:lstStyle>
-          <a:p/>
+          <a:p>
+            <a:endParaRPr/>
+          </a:p>
         </p:txBody>
       </p:sp>
       <p:sp>
         <p:nvSpPr>
           <p:cNvPr id="4" name="Google Shape;4;n"/>
-          <p:cNvSpPr txBox="1"/>
+          <p:cNvSpPr txBox="1">
+            <a:spLocks noGrp="1"/>
+          </p:cNvSpPr>
           <p:nvPr>
             <p:ph type="dt" idx="10"/>
           </p:nvPr>
@@ -718,13 +740,17 @@
               </a:defRPr>
             </a:lvl9pPr>
           </a:lstStyle>
-          <a:p/>
+          <a:p>
+            <a:endParaRPr/>
+          </a:p>
         </p:txBody>
       </p:sp>
       <p:sp>
         <p:nvSpPr>
           <p:cNvPr id="5" name="Google Shape;5;n"/>
-          <p:cNvSpPr/>
+          <p:cNvSpPr>
+            <a:spLocks noGrp="1" noRot="1" noChangeAspect="1"/>
+          </p:cNvSpPr>
           <p:nvPr>
             <p:ph type="sldImg" idx="3"/>
           </p:nvPr>
@@ -773,7 +799,9 @@
       <p:sp>
         <p:nvSpPr>
           <p:cNvPr id="6" name="Google Shape;6;n"/>
-          <p:cNvSpPr txBox="1"/>
+          <p:cNvSpPr txBox="1">
+            <a:spLocks noGrp="1"/>
+          </p:cNvSpPr>
           <p:nvPr>
             <p:ph type="body" idx="1"/>
           </p:nvPr>
@@ -968,13 +996,17 @@
               </a:defRPr>
             </a:lvl9pPr>
           </a:lstStyle>
-          <a:p/>
+          <a:p>
+            <a:endParaRPr/>
+          </a:p>
         </p:txBody>
       </p:sp>
       <p:sp>
         <p:nvSpPr>
           <p:cNvPr id="7" name="Google Shape;7;n"/>
-          <p:cNvSpPr txBox="1"/>
+          <p:cNvSpPr txBox="1">
+            <a:spLocks noGrp="1"/>
+          </p:cNvSpPr>
           <p:nvPr>
             <p:ph type="ftr" idx="11"/>
           </p:nvPr>
@@ -1169,13 +1201,17 @@
               </a:defRPr>
             </a:lvl9pPr>
           </a:lstStyle>
-          <a:p/>
+          <a:p>
+            <a:endParaRPr/>
+          </a:p>
         </p:txBody>
       </p:sp>
       <p:sp>
         <p:nvSpPr>
           <p:cNvPr id="8" name="Google Shape;8;n"/>
-          <p:cNvSpPr txBox="1"/>
+          <p:cNvSpPr txBox="1">
+            <a:spLocks noGrp="1"/>
+          </p:cNvSpPr>
           <p:nvPr>
             <p:ph type="sldNum" idx="12"/>
           </p:nvPr>
@@ -1218,6 +1254,7 @@
                 <a:cs typeface="Calibri" panose="020F0502020204030204"/>
                 <a:sym typeface="Calibri" panose="020F0502020204030204"/>
               </a:rPr>
+              <a:t>‹#›</a:t>
             </a:fld>
             <a:endParaRPr sz="1200" b="0" i="0" u="none" strike="noStrike" cap="none">
               <a:solidFill>
@@ -1467,11 +1504,11 @@
 </file>
 
 <file path=ppt/notesSlides/notesSlide1.xml><?xml version="1.0" encoding="utf-8"?>
-<p:notes xmlns:a="http://schemas.openxmlformats.org/drawingml/2006/main" xmlns:r="http://schemas.openxmlformats.org/officeDocument/2006/relationships" xmlns:p="http://schemas.openxmlformats.org/presentationml/2006/main" showMasterPhAnim="0" showMasterSp="0">
+<p:notes xmlns:a="http://schemas.openxmlformats.org/drawingml/2006/main" xmlns:r="http://schemas.openxmlformats.org/officeDocument/2006/relationships" xmlns:p="http://schemas.openxmlformats.org/presentationml/2006/main" showMasterSp="0" showMasterPhAnim="0">
   <p:cSld>
     <p:spTree>
       <p:nvGrpSpPr>
-        <p:cNvPr id="107" name="Shape 107"/>
+        <p:cNvPr id="1" name="Shape 107"/>
         <p:cNvGrpSpPr/>
         <p:nvPr/>
       </p:nvGrpSpPr>
@@ -1486,15 +1523,17 @@
       <p:sp>
         <p:nvSpPr>
           <p:cNvPr id="108" name="Google Shape;108;g62c7962589_5_59:notes"/>
-          <p:cNvSpPr/>
+          <p:cNvSpPr>
+            <a:spLocks noGrp="1" noRot="1" noChangeAspect="1"/>
+          </p:cNvSpPr>
           <p:nvPr>
             <p:ph type="sldImg" idx="2"/>
           </p:nvPr>
         </p:nvSpPr>
         <p:spPr>
           <a:xfrm>
-            <a:off x="508000" y="385763"/>
-            <a:ext cx="8128000" cy="1928813"/>
+            <a:off x="2857500" y="385763"/>
+            <a:ext cx="3429000" cy="1928812"/>
           </a:xfrm>
           <a:custGeom>
             <a:avLst/>
@@ -1535,7 +1574,9 @@
       <p:sp>
         <p:nvSpPr>
           <p:cNvPr id="109" name="Google Shape;109;g62c7962589_5_59:notes"/>
-          <p:cNvSpPr txBox="1"/>
+          <p:cNvSpPr txBox="1">
+            <a:spLocks noGrp="1"/>
+          </p:cNvSpPr>
           <p:nvPr>
             <p:ph type="body" idx="1"/>
           </p:nvPr>
@@ -1572,6 +1613,7 @@
               <a:buSzPts val="1100"/>
               <a:buNone/>
             </a:pPr>
+            <a:endParaRPr/>
           </a:p>
         </p:txBody>
       </p:sp>
@@ -1584,11 +1626,11 @@
 </file>
 
 <file path=ppt/notesSlides/notesSlide10.xml><?xml version="1.0" encoding="utf-8"?>
-<p:notes xmlns:a="http://schemas.openxmlformats.org/drawingml/2006/main" xmlns:r="http://schemas.openxmlformats.org/officeDocument/2006/relationships" xmlns:p="http://schemas.openxmlformats.org/presentationml/2006/main" showMasterPhAnim="0" showMasterSp="0">
+<p:notes xmlns:a="http://schemas.openxmlformats.org/drawingml/2006/main" xmlns:r="http://schemas.openxmlformats.org/officeDocument/2006/relationships" xmlns:p="http://schemas.openxmlformats.org/presentationml/2006/main" showMasterSp="0" showMasterPhAnim="0">
   <p:cSld>
     <p:spTree>
       <p:nvGrpSpPr>
-        <p:cNvPr id="215" name="Shape 215"/>
+        <p:cNvPr id="1" name="Shape 215"/>
         <p:cNvGrpSpPr/>
         <p:nvPr/>
       </p:nvGrpSpPr>
@@ -1603,7 +1645,9 @@
       <p:sp>
         <p:nvSpPr>
           <p:cNvPr id="216" name="Google Shape;216;g62c7962589_5_152:notes"/>
-          <p:cNvSpPr txBox="1"/>
+          <p:cNvSpPr txBox="1">
+            <a:spLocks noGrp="1"/>
+          </p:cNvSpPr>
           <p:nvPr>
             <p:ph type="body" idx="1"/>
           </p:nvPr>
@@ -1632,13 +1676,16 @@
               </a:spcAft>
               <a:buNone/>
             </a:pPr>
+            <a:endParaRPr/>
           </a:p>
         </p:txBody>
       </p:sp>
       <p:sp>
         <p:nvSpPr>
           <p:cNvPr id="217" name="Google Shape;217;g62c7962589_5_152:notes"/>
-          <p:cNvSpPr/>
+          <p:cNvSpPr>
+            <a:spLocks noGrp="1" noRot="1" noChangeAspect="1"/>
+          </p:cNvSpPr>
           <p:nvPr>
             <p:ph type="sldImg" idx="2"/>
           </p:nvPr>
@@ -1683,11 +1730,11 @@
 </file>
 
 <file path=ppt/notesSlides/notesSlide11.xml><?xml version="1.0" encoding="utf-8"?>
-<p:notes xmlns:a="http://schemas.openxmlformats.org/drawingml/2006/main" xmlns:r="http://schemas.openxmlformats.org/officeDocument/2006/relationships" xmlns:p="http://schemas.openxmlformats.org/presentationml/2006/main" showMasterPhAnim="0" showMasterSp="0">
+<p:notes xmlns:a="http://schemas.openxmlformats.org/drawingml/2006/main" xmlns:r="http://schemas.openxmlformats.org/officeDocument/2006/relationships" xmlns:p="http://schemas.openxmlformats.org/presentationml/2006/main" showMasterSp="0" showMasterPhAnim="0">
   <p:cSld>
     <p:spTree>
       <p:nvGrpSpPr>
-        <p:cNvPr id="237" name="Shape 237"/>
+        <p:cNvPr id="1" name="Shape 237"/>
         <p:cNvGrpSpPr/>
         <p:nvPr/>
       </p:nvGrpSpPr>
@@ -1702,7 +1749,9 @@
       <p:sp>
         <p:nvSpPr>
           <p:cNvPr id="238" name="Google Shape;238;g62c7962589_5_173:notes"/>
-          <p:cNvSpPr txBox="1"/>
+          <p:cNvSpPr txBox="1">
+            <a:spLocks noGrp="1"/>
+          </p:cNvSpPr>
           <p:nvPr>
             <p:ph type="body" idx="1"/>
           </p:nvPr>
@@ -1731,13 +1780,16 @@
               </a:spcAft>
               <a:buNone/>
             </a:pPr>
+            <a:endParaRPr/>
           </a:p>
         </p:txBody>
       </p:sp>
       <p:sp>
         <p:nvSpPr>
           <p:cNvPr id="239" name="Google Shape;239;g62c7962589_5_173:notes"/>
-          <p:cNvSpPr/>
+          <p:cNvSpPr>
+            <a:spLocks noGrp="1" noRot="1" noChangeAspect="1"/>
+          </p:cNvSpPr>
           <p:nvPr>
             <p:ph type="sldImg" idx="2"/>
           </p:nvPr>
@@ -1782,11 +1834,11 @@
 </file>
 
 <file path=ppt/notesSlides/notesSlide12.xml><?xml version="1.0" encoding="utf-8"?>
-<p:notes xmlns:a="http://schemas.openxmlformats.org/drawingml/2006/main" xmlns:r="http://schemas.openxmlformats.org/officeDocument/2006/relationships" xmlns:p="http://schemas.openxmlformats.org/presentationml/2006/main" showMasterPhAnim="0" showMasterSp="0">
+<p:notes xmlns:a="http://schemas.openxmlformats.org/drawingml/2006/main" xmlns:r="http://schemas.openxmlformats.org/officeDocument/2006/relationships" xmlns:p="http://schemas.openxmlformats.org/presentationml/2006/main" showMasterSp="0" showMasterPhAnim="0">
   <p:cSld>
     <p:spTree>
       <p:nvGrpSpPr>
-        <p:cNvPr id="256" name="Shape 256"/>
+        <p:cNvPr id="1" name="Shape 256"/>
         <p:cNvGrpSpPr/>
         <p:nvPr/>
       </p:nvGrpSpPr>
@@ -1801,7 +1853,9 @@
       <p:sp>
         <p:nvSpPr>
           <p:cNvPr id="257" name="Google Shape;257;g62c7962589_5_191:notes"/>
-          <p:cNvSpPr txBox="1"/>
+          <p:cNvSpPr txBox="1">
+            <a:spLocks noGrp="1"/>
+          </p:cNvSpPr>
           <p:nvPr>
             <p:ph type="body" idx="1"/>
           </p:nvPr>
@@ -1834,14 +1888,15 @@
               <a:rPr lang="en-US"/>
               <a:t>这里不给大家深入讲解，大家知道有这个工具即可，后面的几期我们会讲</a:t>
             </a:r>
-            <a:endParaRPr lang="en-US"/>
           </a:p>
         </p:txBody>
       </p:sp>
       <p:sp>
         <p:nvSpPr>
           <p:cNvPr id="258" name="Google Shape;258;g62c7962589_5_191:notes"/>
-          <p:cNvSpPr/>
+          <p:cNvSpPr>
+            <a:spLocks noGrp="1" noRot="1" noChangeAspect="1"/>
+          </p:cNvSpPr>
           <p:nvPr>
             <p:ph type="sldImg" idx="2"/>
           </p:nvPr>
@@ -1886,11 +1941,11 @@
 </file>
 
 <file path=ppt/notesSlides/notesSlide13.xml><?xml version="1.0" encoding="utf-8"?>
-<p:notes xmlns:a="http://schemas.openxmlformats.org/drawingml/2006/main" xmlns:r="http://schemas.openxmlformats.org/officeDocument/2006/relationships" xmlns:p="http://schemas.openxmlformats.org/presentationml/2006/main" showMasterPhAnim="0" showMasterSp="0">
+<p:notes xmlns:a="http://schemas.openxmlformats.org/drawingml/2006/main" xmlns:r="http://schemas.openxmlformats.org/officeDocument/2006/relationships" xmlns:p="http://schemas.openxmlformats.org/presentationml/2006/main" showMasterSp="0" showMasterPhAnim="0">
   <p:cSld>
     <p:spTree>
       <p:nvGrpSpPr>
-        <p:cNvPr id="265" name="Shape 265"/>
+        <p:cNvPr id="1" name="Shape 265"/>
         <p:cNvGrpSpPr/>
         <p:nvPr/>
       </p:nvGrpSpPr>
@@ -1905,7 +1960,9 @@
       <p:sp>
         <p:nvSpPr>
           <p:cNvPr id="266" name="Google Shape;266;g62c7962589_5_199:notes"/>
-          <p:cNvSpPr txBox="1"/>
+          <p:cNvSpPr txBox="1">
+            <a:spLocks noGrp="1"/>
+          </p:cNvSpPr>
           <p:nvPr>
             <p:ph type="body" idx="1"/>
           </p:nvPr>
@@ -1934,13 +1991,16 @@
               </a:spcAft>
               <a:buNone/>
             </a:pPr>
+            <a:endParaRPr/>
           </a:p>
         </p:txBody>
       </p:sp>
       <p:sp>
         <p:nvSpPr>
           <p:cNvPr id="267" name="Google Shape;267;g62c7962589_5_199:notes"/>
-          <p:cNvSpPr/>
+          <p:cNvSpPr>
+            <a:spLocks noGrp="1" noRot="1" noChangeAspect="1"/>
+          </p:cNvSpPr>
           <p:nvPr>
             <p:ph type="sldImg" idx="2"/>
           </p:nvPr>
@@ -1985,11 +2045,11 @@
 </file>
 
 <file path=ppt/notesSlides/notesSlide14.xml><?xml version="1.0" encoding="utf-8"?>
-<p:notes xmlns:a="http://schemas.openxmlformats.org/drawingml/2006/main" xmlns:r="http://schemas.openxmlformats.org/officeDocument/2006/relationships" xmlns:p="http://schemas.openxmlformats.org/presentationml/2006/main" showMasterPhAnim="0" showMasterSp="0">
+<p:notes xmlns:a="http://schemas.openxmlformats.org/drawingml/2006/main" xmlns:r="http://schemas.openxmlformats.org/officeDocument/2006/relationships" xmlns:p="http://schemas.openxmlformats.org/presentationml/2006/main" showMasterSp="0" showMasterPhAnim="0">
   <p:cSld>
     <p:spTree>
       <p:nvGrpSpPr>
-        <p:cNvPr id="275" name="Shape 275"/>
+        <p:cNvPr id="1" name="Shape 275"/>
         <p:cNvGrpSpPr/>
         <p:nvPr/>
       </p:nvGrpSpPr>
@@ -2004,7 +2064,9 @@
       <p:sp>
         <p:nvSpPr>
           <p:cNvPr id="276" name="Google Shape;276;g62c7962589_5_208:notes"/>
-          <p:cNvSpPr/>
+          <p:cNvSpPr>
+            <a:spLocks noGrp="1" noRot="1" noChangeAspect="1"/>
+          </p:cNvSpPr>
           <p:nvPr>
             <p:ph type="sldImg" idx="2"/>
           </p:nvPr>
@@ -2053,7 +2115,9 @@
       <p:sp>
         <p:nvSpPr>
           <p:cNvPr id="277" name="Google Shape;277;g62c7962589_5_208:notes"/>
-          <p:cNvSpPr txBox="1"/>
+          <p:cNvSpPr txBox="1">
+            <a:spLocks noGrp="1"/>
+          </p:cNvSpPr>
           <p:nvPr>
             <p:ph type="body" idx="1"/>
           </p:nvPr>
@@ -2090,6 +2154,7 @@
               <a:buSzPts val="1100"/>
               <a:buNone/>
             </a:pPr>
+            <a:endParaRPr/>
           </a:p>
         </p:txBody>
       </p:sp>
@@ -2102,11 +2167,11 @@
 </file>
 
 <file path=ppt/notesSlides/notesSlide15.xml><?xml version="1.0" encoding="utf-8"?>
-<p:notes xmlns:a="http://schemas.openxmlformats.org/drawingml/2006/main" xmlns:r="http://schemas.openxmlformats.org/officeDocument/2006/relationships" xmlns:p="http://schemas.openxmlformats.org/presentationml/2006/main" showMasterPhAnim="0" showMasterSp="0">
+<p:notes xmlns:a="http://schemas.openxmlformats.org/drawingml/2006/main" xmlns:r="http://schemas.openxmlformats.org/officeDocument/2006/relationships" xmlns:p="http://schemas.openxmlformats.org/presentationml/2006/main" showMasterSp="0" showMasterPhAnim="0">
   <p:cSld>
     <p:spTree>
       <p:nvGrpSpPr>
-        <p:cNvPr id="281" name="Shape 281"/>
+        <p:cNvPr id="1" name="Shape 281"/>
         <p:cNvGrpSpPr/>
         <p:nvPr/>
       </p:nvGrpSpPr>
@@ -2121,7 +2186,9 @@
       <p:sp>
         <p:nvSpPr>
           <p:cNvPr id="282" name="Google Shape;282;g62c7962589_5_213:notes"/>
-          <p:cNvSpPr/>
+          <p:cNvSpPr>
+            <a:spLocks noGrp="1" noRot="1" noChangeAspect="1"/>
+          </p:cNvSpPr>
           <p:nvPr>
             <p:ph type="sldImg" idx="2"/>
           </p:nvPr>
@@ -2170,7 +2237,9 @@
       <p:sp>
         <p:nvSpPr>
           <p:cNvPr id="283" name="Google Shape;283;g62c7962589_5_213:notes"/>
-          <p:cNvSpPr txBox="1"/>
+          <p:cNvSpPr txBox="1">
+            <a:spLocks noGrp="1"/>
+          </p:cNvSpPr>
           <p:nvPr>
             <p:ph type="body" idx="1"/>
           </p:nvPr>
@@ -2215,22 +2284,22 @@
               <a:rPr lang="en-US"/>
               <a:t>我们今天会分别讲Broker、Register、Selector、Transport。Codec不讲，主要是因为也没什么好讲的，就是不同协议的编码器</a:t>
             </a:r>
+          </a:p>
+          <a:p>
+            <a:pPr marL="0" lvl="0" indent="0" algn="l" rtl="0">
+              <a:lnSpc>
+                <a:spcPct val="100000"/>
+              </a:lnSpc>
+              <a:spcBef>
+                <a:spcPts val="0"/>
+              </a:spcBef>
+              <a:spcAft>
+                <a:spcPts val="0"/>
+              </a:spcAft>
+              <a:buSzPts val="1100"/>
+              <a:buNone/>
+            </a:pPr>
             <a:endParaRPr lang="en-US"/>
-          </a:p>
-          <a:p>
-            <a:pPr marL="0" lvl="0" indent="0" algn="l" rtl="0">
-              <a:lnSpc>
-                <a:spcPct val="100000"/>
-              </a:lnSpc>
-              <a:spcBef>
-                <a:spcPts val="0"/>
-              </a:spcBef>
-              <a:spcAft>
-                <a:spcPts val="0"/>
-              </a:spcAft>
-              <a:buSzPts val="1100"/>
-              <a:buNone/>
-            </a:pPr>
           </a:p>
         </p:txBody>
       </p:sp>
@@ -2243,11 +2312,11 @@
 </file>
 
 <file path=ppt/notesSlides/notesSlide16.xml><?xml version="1.0" encoding="utf-8"?>
-<p:notes xmlns:a="http://schemas.openxmlformats.org/drawingml/2006/main" xmlns:r="http://schemas.openxmlformats.org/officeDocument/2006/relationships" xmlns:p="http://schemas.openxmlformats.org/presentationml/2006/main" showMasterPhAnim="0" showMasterSp="0">
+<p:notes xmlns:a="http://schemas.openxmlformats.org/drawingml/2006/main" xmlns:r="http://schemas.openxmlformats.org/officeDocument/2006/relationships" xmlns:p="http://schemas.openxmlformats.org/presentationml/2006/main" showMasterSp="0" showMasterPhAnim="0">
   <p:cSld>
     <p:spTree>
       <p:nvGrpSpPr>
-        <p:cNvPr id="305" name="Shape 305"/>
+        <p:cNvPr id="1" name="Shape 305"/>
         <p:cNvGrpSpPr/>
         <p:nvPr/>
       </p:nvGrpSpPr>
@@ -2262,15 +2331,17 @@
       <p:sp>
         <p:nvSpPr>
           <p:cNvPr id="306" name="Google Shape;306;g62c7962589_5_236:notes"/>
-          <p:cNvSpPr/>
+          <p:cNvSpPr>
+            <a:spLocks noGrp="1" noRot="1" noChangeAspect="1"/>
+          </p:cNvSpPr>
           <p:nvPr>
             <p:ph type="sldImg" idx="2"/>
           </p:nvPr>
         </p:nvSpPr>
         <p:spPr>
           <a:xfrm>
-            <a:off x="508000" y="385763"/>
-            <a:ext cx="8128000" cy="1928813"/>
+            <a:off x="2857500" y="385763"/>
+            <a:ext cx="3429000" cy="1928812"/>
           </a:xfrm>
           <a:custGeom>
             <a:avLst/>
@@ -2311,7 +2382,9 @@
       <p:sp>
         <p:nvSpPr>
           <p:cNvPr id="307" name="Google Shape;307;g62c7962589_5_236:notes"/>
-          <p:cNvSpPr txBox="1"/>
+          <p:cNvSpPr txBox="1">
+            <a:spLocks noGrp="1"/>
+          </p:cNvSpPr>
           <p:nvPr>
             <p:ph type="body" idx="1"/>
           </p:nvPr>
@@ -2348,6 +2421,7 @@
               <a:buSzPts val="1100"/>
               <a:buNone/>
             </a:pPr>
+            <a:endParaRPr/>
           </a:p>
         </p:txBody>
       </p:sp>
@@ -2360,11 +2434,11 @@
 </file>
 
 <file path=ppt/notesSlides/notesSlide17.xml><?xml version="1.0" encoding="utf-8"?>
-<p:notes xmlns:a="http://schemas.openxmlformats.org/drawingml/2006/main" xmlns:r="http://schemas.openxmlformats.org/officeDocument/2006/relationships" xmlns:p="http://schemas.openxmlformats.org/presentationml/2006/main" showMasterPhAnim="0" showMasterSp="0">
+<p:notes xmlns:a="http://schemas.openxmlformats.org/drawingml/2006/main" xmlns:r="http://schemas.openxmlformats.org/officeDocument/2006/relationships" xmlns:p="http://schemas.openxmlformats.org/presentationml/2006/main" showMasterSp="0" showMasterPhAnim="0">
   <p:cSld>
     <p:spTree>
       <p:nvGrpSpPr>
-        <p:cNvPr id="356" name="Shape 356"/>
+        <p:cNvPr id="1" name="Shape 356"/>
         <p:cNvGrpSpPr/>
         <p:nvPr/>
       </p:nvGrpSpPr>
@@ -2379,15 +2453,17 @@
       <p:sp>
         <p:nvSpPr>
           <p:cNvPr id="357" name="Google Shape;357;g62c7962589_5_286:notes"/>
-          <p:cNvSpPr/>
+          <p:cNvSpPr>
+            <a:spLocks noGrp="1" noRot="1" noChangeAspect="1"/>
+          </p:cNvSpPr>
           <p:nvPr>
             <p:ph type="sldImg" idx="2"/>
           </p:nvPr>
         </p:nvSpPr>
         <p:spPr>
           <a:xfrm>
-            <a:off x="508000" y="385763"/>
-            <a:ext cx="8128000" cy="1928813"/>
+            <a:off x="2857500" y="385763"/>
+            <a:ext cx="3429000" cy="1928812"/>
           </a:xfrm>
           <a:custGeom>
             <a:avLst/>
@@ -2428,7 +2504,9 @@
       <p:sp>
         <p:nvSpPr>
           <p:cNvPr id="358" name="Google Shape;358;g62c7962589_5_286:notes"/>
-          <p:cNvSpPr txBox="1"/>
+          <p:cNvSpPr txBox="1">
+            <a:spLocks noGrp="1"/>
+          </p:cNvSpPr>
           <p:nvPr>
             <p:ph type="body" idx="1"/>
           </p:nvPr>
@@ -2469,7 +2547,6 @@
               <a:rPr lang="en-US"/>
               <a:t>口述各个其它组件的大体功能</a:t>
             </a:r>
-            <a:endParaRPr lang="en-US"/>
           </a:p>
           <a:p>
             <a:pPr marL="0" lvl="0" indent="0" algn="l" rtl="0">
@@ -2489,7 +2566,6 @@
               <a:rPr lang="en-US"/>
               <a:t>下面开始讲各基础组件</a:t>
             </a:r>
-            <a:endParaRPr lang="en-US"/>
           </a:p>
         </p:txBody>
       </p:sp>
@@ -2502,11 +2578,11 @@
 </file>
 
 <file path=ppt/notesSlides/notesSlide18.xml><?xml version="1.0" encoding="utf-8"?>
-<p:notes xmlns:a="http://schemas.openxmlformats.org/drawingml/2006/main" xmlns:r="http://schemas.openxmlformats.org/officeDocument/2006/relationships" xmlns:p="http://schemas.openxmlformats.org/presentationml/2006/main" showMasterPhAnim="0" showMasterSp="0">
+<p:notes xmlns:a="http://schemas.openxmlformats.org/drawingml/2006/main" xmlns:r="http://schemas.openxmlformats.org/officeDocument/2006/relationships" xmlns:p="http://schemas.openxmlformats.org/presentationml/2006/main" showMasterSp="0" showMasterPhAnim="0">
   <p:cSld>
     <p:spTree>
       <p:nvGrpSpPr>
-        <p:cNvPr id="393" name="Shape 393"/>
+        <p:cNvPr id="1" name="Shape 393"/>
         <p:cNvGrpSpPr/>
         <p:nvPr/>
       </p:nvGrpSpPr>
@@ -2521,7 +2597,9 @@
       <p:sp>
         <p:nvSpPr>
           <p:cNvPr id="394" name="Google Shape;394;g62c7962589_5_322:notes"/>
-          <p:cNvSpPr txBox="1"/>
+          <p:cNvSpPr txBox="1">
+            <a:spLocks noGrp="1"/>
+          </p:cNvSpPr>
           <p:nvPr>
             <p:ph type="body" idx="1"/>
           </p:nvPr>
@@ -2550,13 +2628,16 @@
               </a:spcAft>
               <a:buNone/>
             </a:pPr>
+            <a:endParaRPr/>
           </a:p>
         </p:txBody>
       </p:sp>
       <p:sp>
         <p:nvSpPr>
           <p:cNvPr id="395" name="Google Shape;395;g62c7962589_5_322:notes"/>
-          <p:cNvSpPr/>
+          <p:cNvSpPr>
+            <a:spLocks noGrp="1" noRot="1" noChangeAspect="1"/>
+          </p:cNvSpPr>
           <p:nvPr>
             <p:ph type="sldImg" idx="2"/>
           </p:nvPr>
@@ -2601,11 +2682,11 @@
 </file>
 
 <file path=ppt/notesSlides/notesSlide19.xml><?xml version="1.0" encoding="utf-8"?>
-<p:notes xmlns:a="http://schemas.openxmlformats.org/drawingml/2006/main" xmlns:r="http://schemas.openxmlformats.org/officeDocument/2006/relationships" xmlns:p="http://schemas.openxmlformats.org/presentationml/2006/main" showMasterPhAnim="0" showMasterSp="0">
+<p:notes xmlns:a="http://schemas.openxmlformats.org/drawingml/2006/main" xmlns:r="http://schemas.openxmlformats.org/officeDocument/2006/relationships" xmlns:p="http://schemas.openxmlformats.org/presentationml/2006/main" showMasterSp="0" showMasterPhAnim="0">
   <p:cSld>
     <p:spTree>
       <p:nvGrpSpPr>
-        <p:cNvPr id="424" name="Shape 424"/>
+        <p:cNvPr id="1" name="Shape 424"/>
         <p:cNvGrpSpPr/>
         <p:nvPr/>
       </p:nvGrpSpPr>
@@ -2620,15 +2701,17 @@
       <p:sp>
         <p:nvSpPr>
           <p:cNvPr id="425" name="Google Shape;425;g62c7962589_5_352:notes"/>
-          <p:cNvSpPr/>
+          <p:cNvSpPr>
+            <a:spLocks noGrp="1" noRot="1" noChangeAspect="1"/>
+          </p:cNvSpPr>
           <p:nvPr>
             <p:ph type="sldImg" idx="2"/>
           </p:nvPr>
         </p:nvSpPr>
         <p:spPr>
           <a:xfrm>
-            <a:off x="508000" y="385763"/>
-            <a:ext cx="8128000" cy="1928813"/>
+            <a:off x="2857500" y="385763"/>
+            <a:ext cx="3429000" cy="1928812"/>
           </a:xfrm>
           <a:custGeom>
             <a:avLst/>
@@ -2669,7 +2752,9 @@
       <p:sp>
         <p:nvSpPr>
           <p:cNvPr id="426" name="Google Shape;426;g62c7962589_5_352:notes"/>
-          <p:cNvSpPr txBox="1"/>
+          <p:cNvSpPr txBox="1">
+            <a:spLocks noGrp="1"/>
+          </p:cNvSpPr>
           <p:nvPr>
             <p:ph type="body" idx="1"/>
           </p:nvPr>
@@ -2710,7 +2795,6 @@
               <a:rPr lang="en-US"/>
               <a:t>Watch是一个Micro风格的接口，它负责侦听我们关心的服务的上下线情况，也即是说我们需要特别关注某个服务的上下即情况时，可以使用它。但是今天我们就不讲了，限于篇幅。</a:t>
             </a:r>
-            <a:endParaRPr lang="en-US"/>
           </a:p>
         </p:txBody>
       </p:sp>
@@ -2723,11 +2807,11 @@
 </file>
 
 <file path=ppt/notesSlides/notesSlide2.xml><?xml version="1.0" encoding="utf-8"?>
-<p:notes xmlns:a="http://schemas.openxmlformats.org/drawingml/2006/main" xmlns:r="http://schemas.openxmlformats.org/officeDocument/2006/relationships" xmlns:p="http://schemas.openxmlformats.org/presentationml/2006/main" showMasterPhAnim="0" showMasterSp="0">
+<p:notes xmlns:a="http://schemas.openxmlformats.org/drawingml/2006/main" xmlns:r="http://schemas.openxmlformats.org/officeDocument/2006/relationships" xmlns:p="http://schemas.openxmlformats.org/presentationml/2006/main" showMasterSp="0" showMasterPhAnim="0">
   <p:cSld>
     <p:spTree>
       <p:nvGrpSpPr>
-        <p:cNvPr id="114" name="Shape 114"/>
+        <p:cNvPr id="1" name="Shape 114"/>
         <p:cNvGrpSpPr/>
         <p:nvPr/>
       </p:nvGrpSpPr>
@@ -2742,7 +2826,9 @@
       <p:sp>
         <p:nvSpPr>
           <p:cNvPr id="115" name="Google Shape;115;g62c7962589_5_66:notes"/>
-          <p:cNvSpPr/>
+          <p:cNvSpPr>
+            <a:spLocks noGrp="1" noRot="1" noChangeAspect="1"/>
+          </p:cNvSpPr>
           <p:nvPr>
             <p:ph type="sldImg" idx="2"/>
           </p:nvPr>
@@ -2791,7 +2877,9 @@
       <p:sp>
         <p:nvSpPr>
           <p:cNvPr id="116" name="Google Shape;116;g62c7962589_5_66:notes"/>
-          <p:cNvSpPr txBox="1"/>
+          <p:cNvSpPr txBox="1">
+            <a:spLocks noGrp="1"/>
+          </p:cNvSpPr>
           <p:nvPr>
             <p:ph type="body" idx="1"/>
           </p:nvPr>
@@ -2836,22 +2924,22 @@
               <a:rPr lang="en-US"/>
               <a:t>在Micro团队中主要负责中文社区搭建，以及Micro运行时工具集开发</a:t>
             </a:r>
+          </a:p>
+          <a:p>
+            <a:pPr marL="0" lvl="0" indent="0" algn="l" rtl="0">
+              <a:lnSpc>
+                <a:spcPct val="100000"/>
+              </a:lnSpc>
+              <a:spcBef>
+                <a:spcPts val="0"/>
+              </a:spcBef>
+              <a:spcAft>
+                <a:spcPts val="0"/>
+              </a:spcAft>
+              <a:buSzPts val="1100"/>
+              <a:buNone/>
+            </a:pPr>
             <a:endParaRPr lang="en-US"/>
-          </a:p>
-          <a:p>
-            <a:pPr marL="0" lvl="0" indent="0" algn="l" rtl="0">
-              <a:lnSpc>
-                <a:spcPct val="100000"/>
-              </a:lnSpc>
-              <a:spcBef>
-                <a:spcPts val="0"/>
-              </a:spcBef>
-              <a:spcAft>
-                <a:spcPts val="0"/>
-              </a:spcAft>
-              <a:buSzPts val="1100"/>
-              <a:buNone/>
-            </a:pPr>
           </a:p>
         </p:txBody>
       </p:sp>
@@ -2864,11 +2952,11 @@
 </file>
 
 <file path=ppt/notesSlides/notesSlide20.xml><?xml version="1.0" encoding="utf-8"?>
-<p:notes xmlns:a="http://schemas.openxmlformats.org/drawingml/2006/main" xmlns:r="http://schemas.openxmlformats.org/officeDocument/2006/relationships" xmlns:p="http://schemas.openxmlformats.org/presentationml/2006/main" showMasterPhAnim="0" showMasterSp="0">
+<p:notes xmlns:a="http://schemas.openxmlformats.org/drawingml/2006/main" xmlns:r="http://schemas.openxmlformats.org/officeDocument/2006/relationships" xmlns:p="http://schemas.openxmlformats.org/presentationml/2006/main" showMasterSp="0" showMasterPhAnim="0">
   <p:cSld>
     <p:spTree>
       <p:nvGrpSpPr>
-        <p:cNvPr id="446" name="Shape 446"/>
+        <p:cNvPr id="1" name="Shape 446"/>
         <p:cNvGrpSpPr/>
         <p:nvPr/>
       </p:nvGrpSpPr>
@@ -2883,7 +2971,9 @@
       <p:sp>
         <p:nvSpPr>
           <p:cNvPr id="447" name="Google Shape;447;g62c7962589_5_373:notes"/>
-          <p:cNvSpPr txBox="1"/>
+          <p:cNvSpPr txBox="1">
+            <a:spLocks noGrp="1"/>
+          </p:cNvSpPr>
           <p:nvPr>
             <p:ph type="body" idx="1"/>
           </p:nvPr>
@@ -2912,13 +3002,16 @@
               </a:spcAft>
               <a:buNone/>
             </a:pPr>
+            <a:endParaRPr/>
           </a:p>
         </p:txBody>
       </p:sp>
       <p:sp>
         <p:nvSpPr>
           <p:cNvPr id="448" name="Google Shape;448;g62c7962589_5_373:notes"/>
-          <p:cNvSpPr/>
+          <p:cNvSpPr>
+            <a:spLocks noGrp="1" noRot="1" noChangeAspect="1"/>
+          </p:cNvSpPr>
           <p:nvPr>
             <p:ph type="sldImg" idx="2"/>
           </p:nvPr>
@@ -2963,11 +3056,11 @@
 </file>
 
 <file path=ppt/notesSlides/notesSlide21.xml><?xml version="1.0" encoding="utf-8"?>
-<p:notes xmlns:a="http://schemas.openxmlformats.org/drawingml/2006/main" xmlns:r="http://schemas.openxmlformats.org/officeDocument/2006/relationships" xmlns:p="http://schemas.openxmlformats.org/presentationml/2006/main" showMasterPhAnim="0" showMasterSp="0">
+<p:notes xmlns:a="http://schemas.openxmlformats.org/drawingml/2006/main" xmlns:r="http://schemas.openxmlformats.org/officeDocument/2006/relationships" xmlns:p="http://schemas.openxmlformats.org/presentationml/2006/main" showMasterSp="0" showMasterPhAnim="0">
   <p:cSld>
     <p:spTree>
       <p:nvGrpSpPr>
-        <p:cNvPr id="453" name="Shape 453"/>
+        <p:cNvPr id="1" name="Shape 453"/>
         <p:cNvGrpSpPr/>
         <p:nvPr/>
       </p:nvGrpSpPr>
@@ -2982,7 +3075,9 @@
       <p:sp>
         <p:nvSpPr>
           <p:cNvPr id="454" name="Google Shape;454;g62c7962589_5_379:notes"/>
-          <p:cNvSpPr txBox="1"/>
+          <p:cNvSpPr txBox="1">
+            <a:spLocks noGrp="1"/>
+          </p:cNvSpPr>
           <p:nvPr>
             <p:ph type="body" idx="1"/>
           </p:nvPr>
@@ -3011,21 +3106,24 @@
               </a:spcAft>
               <a:buNone/>
             </a:pPr>
+            <a:endParaRPr/>
           </a:p>
         </p:txBody>
       </p:sp>
       <p:sp>
         <p:nvSpPr>
           <p:cNvPr id="455" name="Google Shape;455;g62c7962589_5_379:notes"/>
-          <p:cNvSpPr/>
+          <p:cNvSpPr>
+            <a:spLocks noGrp="1" noRot="1" noChangeAspect="1"/>
+          </p:cNvSpPr>
           <p:nvPr>
             <p:ph type="sldImg" idx="2"/>
           </p:nvPr>
         </p:nvSpPr>
         <p:spPr>
           <a:xfrm>
-            <a:off x="508400" y="385763"/>
-            <a:ext cx="8128100" cy="1928813"/>
+            <a:off x="2857500" y="385763"/>
+            <a:ext cx="3429000" cy="1928812"/>
           </a:xfrm>
           <a:custGeom>
             <a:avLst/>
@@ -3062,11 +3160,11 @@
 </file>
 
 <file path=ppt/notesSlides/notesSlide22.xml><?xml version="1.0" encoding="utf-8"?>
-<p:notes xmlns:a="http://schemas.openxmlformats.org/drawingml/2006/main" xmlns:r="http://schemas.openxmlformats.org/officeDocument/2006/relationships" xmlns:p="http://schemas.openxmlformats.org/presentationml/2006/main" showMasterPhAnim="0" showMasterSp="0">
+<p:notes xmlns:a="http://schemas.openxmlformats.org/drawingml/2006/main" xmlns:r="http://schemas.openxmlformats.org/officeDocument/2006/relationships" xmlns:p="http://schemas.openxmlformats.org/presentationml/2006/main" showMasterSp="0" showMasterPhAnim="0">
   <p:cSld>
     <p:spTree>
       <p:nvGrpSpPr>
-        <p:cNvPr id="483" name="Shape 483"/>
+        <p:cNvPr id="1" name="Shape 483"/>
         <p:cNvGrpSpPr/>
         <p:nvPr/>
       </p:nvGrpSpPr>
@@ -3081,7 +3179,9 @@
       <p:sp>
         <p:nvSpPr>
           <p:cNvPr id="484" name="Google Shape;484;g62c7962589_5_408:notes"/>
-          <p:cNvSpPr txBox="1"/>
+          <p:cNvSpPr txBox="1">
+            <a:spLocks noGrp="1"/>
+          </p:cNvSpPr>
           <p:nvPr>
             <p:ph type="body" idx="1"/>
           </p:nvPr>
@@ -3110,13 +3210,16 @@
               </a:spcAft>
               <a:buNone/>
             </a:pPr>
+            <a:endParaRPr/>
           </a:p>
         </p:txBody>
       </p:sp>
       <p:sp>
         <p:nvSpPr>
           <p:cNvPr id="485" name="Google Shape;485;g62c7962589_5_408:notes"/>
-          <p:cNvSpPr/>
+          <p:cNvSpPr>
+            <a:spLocks noGrp="1" noRot="1" noChangeAspect="1"/>
+          </p:cNvSpPr>
           <p:nvPr>
             <p:ph type="sldImg" idx="2"/>
           </p:nvPr>
@@ -3161,11 +3264,11 @@
 </file>
 
 <file path=ppt/notesSlides/notesSlide23.xml><?xml version="1.0" encoding="utf-8"?>
-<p:notes xmlns:a="http://schemas.openxmlformats.org/drawingml/2006/main" xmlns:r="http://schemas.openxmlformats.org/officeDocument/2006/relationships" xmlns:p="http://schemas.openxmlformats.org/presentationml/2006/main" showMasterPhAnim="0" showMasterSp="0">
+<p:notes xmlns:a="http://schemas.openxmlformats.org/drawingml/2006/main" xmlns:r="http://schemas.openxmlformats.org/officeDocument/2006/relationships" xmlns:p="http://schemas.openxmlformats.org/presentationml/2006/main" showMasterSp="0" showMasterPhAnim="0">
   <p:cSld>
     <p:spTree>
       <p:nvGrpSpPr>
-        <p:cNvPr id="522" name="Shape 522"/>
+        <p:cNvPr id="1" name="Shape 522"/>
         <p:cNvGrpSpPr/>
         <p:nvPr/>
       </p:nvGrpSpPr>
@@ -3180,7 +3283,9 @@
       <p:sp>
         <p:nvSpPr>
           <p:cNvPr id="523" name="Google Shape;523;g62c7962589_5_446:notes"/>
-          <p:cNvSpPr/>
+          <p:cNvSpPr>
+            <a:spLocks noGrp="1" noRot="1" noChangeAspect="1"/>
+          </p:cNvSpPr>
           <p:nvPr>
             <p:ph type="sldImg" idx="2"/>
           </p:nvPr>
@@ -3229,7 +3334,9 @@
       <p:sp>
         <p:nvSpPr>
           <p:cNvPr id="524" name="Google Shape;524;g62c7962589_5_446:notes"/>
-          <p:cNvSpPr txBox="1"/>
+          <p:cNvSpPr txBox="1">
+            <a:spLocks noGrp="1"/>
+          </p:cNvSpPr>
           <p:nvPr>
             <p:ph type="body" idx="1"/>
           </p:nvPr>
@@ -3270,7 +3377,6 @@
               <a:rPr lang="en-US"/>
               <a:t>NATs是一个消息系统，不清楚的朋友可以就把它当成MQ来理解。</a:t>
             </a:r>
-            <a:endParaRPr lang="en-US"/>
           </a:p>
           <a:p>
             <a:pPr marL="457200" lvl="0" indent="-298450" algn="l" rtl="0">
@@ -3290,7 +3396,6 @@
               <a:rPr lang="en-US"/>
               <a:t>如何注册？注册非常简单，服务A启动后向NATs订阅一个叫作query的主题，当然，默认是有前缀的，简化就不写了，这个query也可以自定义， 这就达到了注册的目的</a:t>
             </a:r>
-            <a:endParaRPr lang="en-US"/>
           </a:p>
           <a:p>
             <a:pPr marL="457200" lvl="0" indent="-298450" algn="l" rtl="0">
@@ -3318,11 +3423,6 @@
               </a:rPr>
               <a:t>“query”推送一条消息，所有服务都会收到这消息，因为它们都订阅这个query主题，但是只有名字为A的才会应答。</a:t>
             </a:r>
-            <a:endParaRPr lang="en-US" sz="1100">
-              <a:solidFill>
-                <a:srgbClr val="30BE47"/>
-              </a:solidFill>
-            </a:endParaRPr>
           </a:p>
         </p:txBody>
       </p:sp>
@@ -3335,11 +3435,11 @@
 </file>
 
 <file path=ppt/notesSlides/notesSlide24.xml><?xml version="1.0" encoding="utf-8"?>
-<p:notes xmlns:a="http://schemas.openxmlformats.org/drawingml/2006/main" xmlns:r="http://schemas.openxmlformats.org/officeDocument/2006/relationships" xmlns:p="http://schemas.openxmlformats.org/presentationml/2006/main" showMasterPhAnim="0" showMasterSp="0">
+<p:notes xmlns:a="http://schemas.openxmlformats.org/drawingml/2006/main" xmlns:r="http://schemas.openxmlformats.org/officeDocument/2006/relationships" xmlns:p="http://schemas.openxmlformats.org/presentationml/2006/main" showMasterSp="0" showMasterPhAnim="0">
   <p:cSld>
     <p:spTree>
       <p:nvGrpSpPr>
-        <p:cNvPr id="555" name="Shape 555"/>
+        <p:cNvPr id="1" name="Shape 555"/>
         <p:cNvGrpSpPr/>
         <p:nvPr/>
       </p:nvGrpSpPr>
@@ -3354,15 +3454,17 @@
       <p:sp>
         <p:nvSpPr>
           <p:cNvPr id="556" name="Google Shape;556;g62c7962589_5_478:notes"/>
-          <p:cNvSpPr/>
+          <p:cNvSpPr>
+            <a:spLocks noGrp="1" noRot="1" noChangeAspect="1"/>
+          </p:cNvSpPr>
           <p:nvPr>
             <p:ph type="sldImg" idx="2"/>
           </p:nvPr>
         </p:nvSpPr>
         <p:spPr>
           <a:xfrm>
-            <a:off x="508000" y="385763"/>
-            <a:ext cx="8128000" cy="1928813"/>
+            <a:off x="2857500" y="385763"/>
+            <a:ext cx="3429000" cy="1928812"/>
           </a:xfrm>
           <a:custGeom>
             <a:avLst/>
@@ -3403,7 +3505,9 @@
       <p:sp>
         <p:nvSpPr>
           <p:cNvPr id="557" name="Google Shape;557;g62c7962589_5_478:notes"/>
-          <p:cNvSpPr txBox="1"/>
+          <p:cNvSpPr txBox="1">
+            <a:spLocks noGrp="1"/>
+          </p:cNvSpPr>
           <p:nvPr>
             <p:ph type="body" idx="1"/>
           </p:nvPr>
@@ -3444,7 +3548,6 @@
               <a:rPr lang="en-US"/>
               <a:t>gossip</a:t>
             </a:r>
-            <a:endParaRPr lang="en-US"/>
           </a:p>
         </p:txBody>
       </p:sp>
@@ -3457,11 +3560,11 @@
 </file>
 
 <file path=ppt/notesSlides/notesSlide25.xml><?xml version="1.0" encoding="utf-8"?>
-<p:notes xmlns:a="http://schemas.openxmlformats.org/drawingml/2006/main" xmlns:r="http://schemas.openxmlformats.org/officeDocument/2006/relationships" xmlns:p="http://schemas.openxmlformats.org/presentationml/2006/main" showMasterPhAnim="0" showMasterSp="0">
+<p:notes xmlns:a="http://schemas.openxmlformats.org/drawingml/2006/main" xmlns:r="http://schemas.openxmlformats.org/officeDocument/2006/relationships" xmlns:p="http://schemas.openxmlformats.org/presentationml/2006/main" showMasterSp="0" showMasterPhAnim="0">
   <p:cSld>
     <p:spTree>
       <p:nvGrpSpPr>
-        <p:cNvPr id="563" name="Shape 563"/>
+        <p:cNvPr id="1" name="Shape 563"/>
         <p:cNvGrpSpPr/>
         <p:nvPr/>
       </p:nvGrpSpPr>
@@ -3476,15 +3579,17 @@
       <p:sp>
         <p:nvSpPr>
           <p:cNvPr id="564" name="Google Shape;564;g62c7962589_5_485:notes"/>
-          <p:cNvSpPr/>
+          <p:cNvSpPr>
+            <a:spLocks noGrp="1" noRot="1" noChangeAspect="1"/>
+          </p:cNvSpPr>
           <p:nvPr>
             <p:ph type="sldImg" idx="2"/>
           </p:nvPr>
         </p:nvSpPr>
         <p:spPr>
           <a:xfrm>
-            <a:off x="508000" y="385763"/>
-            <a:ext cx="8128000" cy="1928813"/>
+            <a:off x="2857500" y="385763"/>
+            <a:ext cx="3429000" cy="1928812"/>
           </a:xfrm>
           <a:custGeom>
             <a:avLst/>
@@ -3525,7 +3630,9 @@
       <p:sp>
         <p:nvSpPr>
           <p:cNvPr id="565" name="Google Shape;565;g62c7962589_5_485:notes"/>
-          <p:cNvSpPr txBox="1"/>
+          <p:cNvSpPr txBox="1">
+            <a:spLocks noGrp="1"/>
+          </p:cNvSpPr>
           <p:nvPr>
             <p:ph type="body" idx="1"/>
           </p:nvPr>
@@ -3562,6 +3669,7 @@
               <a:buSzPts val="1100"/>
               <a:buNone/>
             </a:pPr>
+            <a:endParaRPr/>
           </a:p>
         </p:txBody>
       </p:sp>
@@ -3574,11 +3682,11 @@
 </file>
 
 <file path=ppt/notesSlides/notesSlide26.xml><?xml version="1.0" encoding="utf-8"?>
-<p:notes xmlns:a="http://schemas.openxmlformats.org/drawingml/2006/main" xmlns:r="http://schemas.openxmlformats.org/officeDocument/2006/relationships" xmlns:p="http://schemas.openxmlformats.org/presentationml/2006/main" showMasterPhAnim="0" showMasterSp="0">
+<p:notes xmlns:a="http://schemas.openxmlformats.org/drawingml/2006/main" xmlns:r="http://schemas.openxmlformats.org/officeDocument/2006/relationships" xmlns:p="http://schemas.openxmlformats.org/presentationml/2006/main" showMasterSp="0" showMasterPhAnim="0">
   <p:cSld>
     <p:spTree>
       <p:nvGrpSpPr>
-        <p:cNvPr id="597" name="Shape 597"/>
+        <p:cNvPr id="1" name="Shape 597"/>
         <p:cNvGrpSpPr/>
         <p:nvPr/>
       </p:nvGrpSpPr>
@@ -3593,7 +3701,9 @@
       <p:sp>
         <p:nvSpPr>
           <p:cNvPr id="598" name="Google Shape;598;g62c7962589_5_518:notes"/>
-          <p:cNvSpPr/>
+          <p:cNvSpPr>
+            <a:spLocks noGrp="1" noRot="1" noChangeAspect="1"/>
+          </p:cNvSpPr>
           <p:nvPr>
             <p:ph type="sldImg" idx="2"/>
           </p:nvPr>
@@ -3642,7 +3752,9 @@
       <p:sp>
         <p:nvSpPr>
           <p:cNvPr id="599" name="Google Shape;599;g62c7962589_5_518:notes"/>
-          <p:cNvSpPr txBox="1"/>
+          <p:cNvSpPr txBox="1">
+            <a:spLocks noGrp="1"/>
+          </p:cNvSpPr>
           <p:nvPr>
             <p:ph type="body" idx="1"/>
           </p:nvPr>
@@ -3683,7 +3795,6 @@
               <a:rPr lang="en-US"/>
               <a:t>Transport不止这两个接口，但是主管通信的是这两个接口</a:t>
             </a:r>
-            <a:endParaRPr lang="en-US"/>
           </a:p>
           <a:p>
             <a:pPr marL="457200" marR="0" lvl="0" indent="-298450" algn="l" rtl="0">
@@ -3707,22 +3818,22 @@
               <a:rPr lang="en-US"/>
               <a:t>同步组件比较复杂，里面嵌套拨号、侦听</a:t>
             </a:r>
+          </a:p>
+          <a:p>
+            <a:pPr marL="457200" lvl="0" indent="-228600" algn="l" rtl="0">
+              <a:lnSpc>
+                <a:spcPct val="100000"/>
+              </a:lnSpc>
+              <a:spcBef>
+                <a:spcPts val="0"/>
+              </a:spcBef>
+              <a:spcAft>
+                <a:spcPts val="0"/>
+              </a:spcAft>
+              <a:buSzPts val="1100"/>
+              <a:buNone/>
+            </a:pPr>
             <a:endParaRPr lang="en-US"/>
-          </a:p>
-          <a:p>
-            <a:pPr marL="457200" lvl="0" indent="-228600" algn="l" rtl="0">
-              <a:lnSpc>
-                <a:spcPct val="100000"/>
-              </a:lnSpc>
-              <a:spcBef>
-                <a:spcPts val="0"/>
-              </a:spcBef>
-              <a:spcAft>
-                <a:spcPts val="0"/>
-              </a:spcAft>
-              <a:buSzPts val="1100"/>
-              <a:buNone/>
-            </a:pPr>
           </a:p>
         </p:txBody>
       </p:sp>
@@ -3735,11 +3846,11 @@
 </file>
 
 <file path=ppt/notesSlides/notesSlide27.xml><?xml version="1.0" encoding="utf-8"?>
-<p:notes xmlns:a="http://schemas.openxmlformats.org/drawingml/2006/main" xmlns:r="http://schemas.openxmlformats.org/officeDocument/2006/relationships" xmlns:p="http://schemas.openxmlformats.org/presentationml/2006/main" showMasterPhAnim="0" showMasterSp="0">
+<p:notes xmlns:a="http://schemas.openxmlformats.org/drawingml/2006/main" xmlns:r="http://schemas.openxmlformats.org/officeDocument/2006/relationships" xmlns:p="http://schemas.openxmlformats.org/presentationml/2006/main" showMasterSp="0" showMasterPhAnim="0">
   <p:cSld>
     <p:spTree>
       <p:nvGrpSpPr>
-        <p:cNvPr id="606" name="Shape 606"/>
+        <p:cNvPr id="1" name="Shape 606"/>
         <p:cNvGrpSpPr/>
         <p:nvPr/>
       </p:nvGrpSpPr>
@@ -3754,7 +3865,9 @@
       <p:sp>
         <p:nvSpPr>
           <p:cNvPr id="607" name="Google Shape;607;g62c7962589_5_526:notes"/>
-          <p:cNvSpPr/>
+          <p:cNvSpPr>
+            <a:spLocks noGrp="1" noRot="1" noChangeAspect="1"/>
+          </p:cNvSpPr>
           <p:nvPr>
             <p:ph type="sldImg" idx="2"/>
           </p:nvPr>
@@ -3803,7 +3916,9 @@
       <p:sp>
         <p:nvSpPr>
           <p:cNvPr id="608" name="Google Shape;608;g62c7962589_5_526:notes"/>
-          <p:cNvSpPr txBox="1"/>
+          <p:cNvSpPr txBox="1">
+            <a:spLocks noGrp="1"/>
+          </p:cNvSpPr>
           <p:nvPr>
             <p:ph type="body" idx="1"/>
           </p:nvPr>
@@ -3844,7 +3959,6 @@
               <a:rPr lang="en-US"/>
               <a:t>Transport不止这两个接口，但是主管通信的是这两个接口</a:t>
             </a:r>
-            <a:endParaRPr lang="en-US"/>
           </a:p>
           <a:p>
             <a:pPr marL="457200" marR="0" lvl="0" indent="-298450" algn="l" rtl="0">
@@ -3868,22 +3982,22 @@
               <a:rPr lang="en-US"/>
               <a:t>同步组件比较复杂，里面嵌套拨号、侦听</a:t>
             </a:r>
+          </a:p>
+          <a:p>
+            <a:pPr marL="457200" lvl="0" indent="-228600" algn="l" rtl="0">
+              <a:lnSpc>
+                <a:spcPct val="100000"/>
+              </a:lnSpc>
+              <a:spcBef>
+                <a:spcPts val="0"/>
+              </a:spcBef>
+              <a:spcAft>
+                <a:spcPts val="0"/>
+              </a:spcAft>
+              <a:buSzPts val="1100"/>
+              <a:buNone/>
+            </a:pPr>
             <a:endParaRPr lang="en-US"/>
-          </a:p>
-          <a:p>
-            <a:pPr marL="457200" lvl="0" indent="-228600" algn="l" rtl="0">
-              <a:lnSpc>
-                <a:spcPct val="100000"/>
-              </a:lnSpc>
-              <a:spcBef>
-                <a:spcPts val="0"/>
-              </a:spcBef>
-              <a:spcAft>
-                <a:spcPts val="0"/>
-              </a:spcAft>
-              <a:buSzPts val="1100"/>
-              <a:buNone/>
-            </a:pPr>
           </a:p>
         </p:txBody>
       </p:sp>
@@ -3896,11 +4010,11 @@
 </file>
 
 <file path=ppt/notesSlides/notesSlide28.xml><?xml version="1.0" encoding="utf-8"?>
-<p:notes xmlns:a="http://schemas.openxmlformats.org/drawingml/2006/main" xmlns:r="http://schemas.openxmlformats.org/officeDocument/2006/relationships" xmlns:p="http://schemas.openxmlformats.org/presentationml/2006/main" showMasterPhAnim="0" showMasterSp="0">
+<p:notes xmlns:a="http://schemas.openxmlformats.org/drawingml/2006/main" xmlns:r="http://schemas.openxmlformats.org/officeDocument/2006/relationships" xmlns:p="http://schemas.openxmlformats.org/presentationml/2006/main" showMasterSp="0" showMasterPhAnim="0">
   <p:cSld>
     <p:spTree>
       <p:nvGrpSpPr>
-        <p:cNvPr id="651" name="Shape 651"/>
+        <p:cNvPr id="1" name="Shape 651"/>
         <p:cNvGrpSpPr/>
         <p:nvPr/>
       </p:nvGrpSpPr>
@@ -3915,7 +4029,9 @@
       <p:sp>
         <p:nvSpPr>
           <p:cNvPr id="652" name="Google Shape;652;g62c7962589_5_570:notes"/>
-          <p:cNvSpPr txBox="1"/>
+          <p:cNvSpPr txBox="1">
+            <a:spLocks noGrp="1"/>
+          </p:cNvSpPr>
           <p:nvPr>
             <p:ph type="body" idx="1"/>
           </p:nvPr>
@@ -3944,13 +4060,16 @@
               </a:spcAft>
               <a:buNone/>
             </a:pPr>
+            <a:endParaRPr/>
           </a:p>
         </p:txBody>
       </p:sp>
       <p:sp>
         <p:nvSpPr>
           <p:cNvPr id="653" name="Google Shape;653;g62c7962589_5_570:notes"/>
-          <p:cNvSpPr/>
+          <p:cNvSpPr>
+            <a:spLocks noGrp="1" noRot="1" noChangeAspect="1"/>
+          </p:cNvSpPr>
           <p:nvPr>
             <p:ph type="sldImg" idx="2"/>
           </p:nvPr>
@@ -3995,11 +4114,11 @@
 </file>
 
 <file path=ppt/notesSlides/notesSlide29.xml><?xml version="1.0" encoding="utf-8"?>
-<p:notes xmlns:a="http://schemas.openxmlformats.org/drawingml/2006/main" xmlns:r="http://schemas.openxmlformats.org/officeDocument/2006/relationships" xmlns:p="http://schemas.openxmlformats.org/presentationml/2006/main" showMasterPhAnim="0" showMasterSp="0">
+<p:notes xmlns:a="http://schemas.openxmlformats.org/drawingml/2006/main" xmlns:r="http://schemas.openxmlformats.org/officeDocument/2006/relationships" xmlns:p="http://schemas.openxmlformats.org/presentationml/2006/main" showMasterSp="0" showMasterPhAnim="0">
   <p:cSld>
     <p:spTree>
       <p:nvGrpSpPr>
-        <p:cNvPr id="658" name="Shape 658"/>
+        <p:cNvPr id="1" name="Shape 658"/>
         <p:cNvGrpSpPr/>
         <p:nvPr/>
       </p:nvGrpSpPr>
@@ -4014,7 +4133,9 @@
       <p:sp>
         <p:nvSpPr>
           <p:cNvPr id="659" name="Google Shape;659;g62c7962589_5_576:notes"/>
-          <p:cNvSpPr/>
+          <p:cNvSpPr>
+            <a:spLocks noGrp="1" noRot="1" noChangeAspect="1"/>
+          </p:cNvSpPr>
           <p:nvPr>
             <p:ph type="sldImg" idx="2"/>
           </p:nvPr>
@@ -4063,7 +4184,9 @@
       <p:sp>
         <p:nvSpPr>
           <p:cNvPr id="660" name="Google Shape;660;g62c7962589_5_576:notes"/>
-          <p:cNvSpPr txBox="1"/>
+          <p:cNvSpPr txBox="1">
+            <a:spLocks noGrp="1"/>
+          </p:cNvSpPr>
           <p:nvPr>
             <p:ph type="body" idx="1"/>
           </p:nvPr>
@@ -4100,6 +4223,7 @@
               <a:buSzPts val="1100"/>
               <a:buNone/>
             </a:pPr>
+            <a:endParaRPr/>
           </a:p>
         </p:txBody>
       </p:sp>
@@ -4112,11 +4236,11 @@
 </file>
 
 <file path=ppt/notesSlides/notesSlide3.xml><?xml version="1.0" encoding="utf-8"?>
-<p:notes xmlns:a="http://schemas.openxmlformats.org/drawingml/2006/main" xmlns:r="http://schemas.openxmlformats.org/officeDocument/2006/relationships" xmlns:p="http://schemas.openxmlformats.org/presentationml/2006/main" showMasterPhAnim="0" showMasterSp="0">
+<p:notes xmlns:a="http://schemas.openxmlformats.org/drawingml/2006/main" xmlns:r="http://schemas.openxmlformats.org/officeDocument/2006/relationships" xmlns:p="http://schemas.openxmlformats.org/presentationml/2006/main" showMasterSp="0" showMasterPhAnim="0">
   <p:cSld>
     <p:spTree>
       <p:nvGrpSpPr>
-        <p:cNvPr id="129" name="Shape 129"/>
+        <p:cNvPr id="1" name="Shape 129"/>
         <p:cNvGrpSpPr/>
         <p:nvPr/>
       </p:nvGrpSpPr>
@@ -4131,7 +4255,9 @@
       <p:sp>
         <p:nvSpPr>
           <p:cNvPr id="130" name="Google Shape;130;g62c7962589_5_79:notes"/>
-          <p:cNvSpPr/>
+          <p:cNvSpPr>
+            <a:spLocks noGrp="1" noRot="1" noChangeAspect="1"/>
+          </p:cNvSpPr>
           <p:nvPr>
             <p:ph type="sldImg" idx="2"/>
           </p:nvPr>
@@ -4180,7 +4306,9 @@
       <p:sp>
         <p:nvSpPr>
           <p:cNvPr id="131" name="Google Shape;131;g62c7962589_5_79:notes"/>
-          <p:cNvSpPr txBox="1"/>
+          <p:cNvSpPr txBox="1">
+            <a:spLocks noGrp="1"/>
+          </p:cNvSpPr>
           <p:nvPr>
             <p:ph type="body" idx="1"/>
           </p:nvPr>
@@ -4225,22 +4353,22 @@
               <a:rPr lang="en-US"/>
               <a:t>我们先给大家介绍Micro体系，先让各位对Micro有一定的认知，尔后我们再介绍Go-Micro框架。这个时候可能有朋友就会有疑问了，Micro与Go-Micro的关系是什么，这个疑问我曾经也有过，我接下来就给大家解释。</a:t>
             </a:r>
+          </a:p>
+          <a:p>
+            <a:pPr marL="0" lvl="0" indent="0" algn="l" rtl="0">
+              <a:lnSpc>
+                <a:spcPct val="100000"/>
+              </a:lnSpc>
+              <a:spcBef>
+                <a:spcPts val="0"/>
+              </a:spcBef>
+              <a:spcAft>
+                <a:spcPts val="0"/>
+              </a:spcAft>
+              <a:buSzPts val="1100"/>
+              <a:buNone/>
+            </a:pPr>
             <a:endParaRPr lang="en-US"/>
-          </a:p>
-          <a:p>
-            <a:pPr marL="0" lvl="0" indent="0" algn="l" rtl="0">
-              <a:lnSpc>
-                <a:spcPct val="100000"/>
-              </a:lnSpc>
-              <a:spcBef>
-                <a:spcPts val="0"/>
-              </a:spcBef>
-              <a:spcAft>
-                <a:spcPts val="0"/>
-              </a:spcAft>
-              <a:buSzPts val="1100"/>
-              <a:buNone/>
-            </a:pPr>
           </a:p>
         </p:txBody>
       </p:sp>
@@ -4253,11 +4381,11 @@
 </file>
 
 <file path=ppt/notesSlides/notesSlide30.xml><?xml version="1.0" encoding="utf-8"?>
-<p:notes xmlns:a="http://schemas.openxmlformats.org/drawingml/2006/main" xmlns:r="http://schemas.openxmlformats.org/officeDocument/2006/relationships" xmlns:p="http://schemas.openxmlformats.org/presentationml/2006/main" showMasterPhAnim="0" showMasterSp="0">
+<p:notes xmlns:a="http://schemas.openxmlformats.org/drawingml/2006/main" xmlns:r="http://schemas.openxmlformats.org/officeDocument/2006/relationships" xmlns:p="http://schemas.openxmlformats.org/presentationml/2006/main" showMasterSp="0" showMasterPhAnim="0">
   <p:cSld>
     <p:spTree>
       <p:nvGrpSpPr>
-        <p:cNvPr id="664" name="Shape 664"/>
+        <p:cNvPr id="1" name="Shape 664"/>
         <p:cNvGrpSpPr/>
         <p:nvPr/>
       </p:nvGrpSpPr>
@@ -4272,7 +4400,9 @@
       <p:sp>
         <p:nvSpPr>
           <p:cNvPr id="665" name="Google Shape;665;g62c7962589_5_581:notes"/>
-          <p:cNvSpPr/>
+          <p:cNvSpPr>
+            <a:spLocks noGrp="1" noRot="1" noChangeAspect="1"/>
+          </p:cNvSpPr>
           <p:nvPr>
             <p:ph type="sldImg" idx="2"/>
           </p:nvPr>
@@ -4321,7 +4451,9 @@
       <p:sp>
         <p:nvSpPr>
           <p:cNvPr id="666" name="Google Shape;666;g62c7962589_5_581:notes"/>
-          <p:cNvSpPr txBox="1"/>
+          <p:cNvSpPr txBox="1">
+            <a:spLocks noGrp="1"/>
+          </p:cNvSpPr>
           <p:nvPr>
             <p:ph type="body" idx="1"/>
           </p:nvPr>
@@ -4358,6 +4490,7 @@
               <a:buSzPts val="1100"/>
               <a:buNone/>
             </a:pPr>
+            <a:endParaRPr/>
           </a:p>
         </p:txBody>
       </p:sp>
@@ -4370,11 +4503,11 @@
 </file>
 
 <file path=ppt/notesSlides/notesSlide31.xml><?xml version="1.0" encoding="utf-8"?>
-<p:notes xmlns:a="http://schemas.openxmlformats.org/drawingml/2006/main" xmlns:r="http://schemas.openxmlformats.org/officeDocument/2006/relationships" xmlns:p="http://schemas.openxmlformats.org/presentationml/2006/main" showMasterPhAnim="0" showMasterSp="0">
+<p:notes xmlns:a="http://schemas.openxmlformats.org/drawingml/2006/main" xmlns:r="http://schemas.openxmlformats.org/officeDocument/2006/relationships" xmlns:p="http://schemas.openxmlformats.org/presentationml/2006/main" showMasterSp="0" showMasterPhAnim="0">
   <p:cSld>
     <p:spTree>
       <p:nvGrpSpPr>
-        <p:cNvPr id="679" name="Shape 679"/>
+        <p:cNvPr id="1" name="Shape 679"/>
         <p:cNvGrpSpPr/>
         <p:nvPr/>
       </p:nvGrpSpPr>
@@ -4389,7 +4522,9 @@
       <p:sp>
         <p:nvSpPr>
           <p:cNvPr id="680" name="Google Shape;680;g62c7962589_5_595:notes"/>
-          <p:cNvSpPr txBox="1"/>
+          <p:cNvSpPr txBox="1">
+            <a:spLocks noGrp="1"/>
+          </p:cNvSpPr>
           <p:nvPr>
             <p:ph type="body" idx="1"/>
           </p:nvPr>
@@ -4418,13 +4553,16 @@
               </a:spcAft>
               <a:buNone/>
             </a:pPr>
+            <a:endParaRPr/>
           </a:p>
         </p:txBody>
       </p:sp>
       <p:sp>
         <p:nvSpPr>
           <p:cNvPr id="681" name="Google Shape;681;g62c7962589_5_595:notes"/>
-          <p:cNvSpPr/>
+          <p:cNvSpPr>
+            <a:spLocks noGrp="1" noRot="1" noChangeAspect="1"/>
+          </p:cNvSpPr>
           <p:nvPr>
             <p:ph type="sldImg" idx="2"/>
           </p:nvPr>
@@ -4469,11 +4607,11 @@
 </file>
 
 <file path=ppt/notesSlides/notesSlide32.xml><?xml version="1.0" encoding="utf-8"?>
-<p:notes xmlns:a="http://schemas.openxmlformats.org/drawingml/2006/main" xmlns:r="http://schemas.openxmlformats.org/officeDocument/2006/relationships" xmlns:p="http://schemas.openxmlformats.org/presentationml/2006/main" showMasterPhAnim="0" showMasterSp="0">
+<p:notes xmlns:a="http://schemas.openxmlformats.org/drawingml/2006/main" xmlns:r="http://schemas.openxmlformats.org/officeDocument/2006/relationships" xmlns:p="http://schemas.openxmlformats.org/presentationml/2006/main" showMasterSp="0" showMasterPhAnim="0">
   <p:cSld>
     <p:spTree>
       <p:nvGrpSpPr>
-        <p:cNvPr id="695" name="Shape 695"/>
+        <p:cNvPr id="1" name="Shape 695"/>
         <p:cNvGrpSpPr/>
         <p:nvPr/>
       </p:nvGrpSpPr>
@@ -4488,7 +4626,9 @@
       <p:sp>
         <p:nvSpPr>
           <p:cNvPr id="696" name="Google Shape;696;g62c7962589_5_610:notes"/>
-          <p:cNvSpPr txBox="1"/>
+          <p:cNvSpPr txBox="1">
+            <a:spLocks noGrp="1"/>
+          </p:cNvSpPr>
           <p:nvPr>
             <p:ph type="body" idx="1"/>
           </p:nvPr>
@@ -4517,13 +4657,16 @@
               </a:spcAft>
               <a:buNone/>
             </a:pPr>
+            <a:endParaRPr/>
           </a:p>
         </p:txBody>
       </p:sp>
       <p:sp>
         <p:nvSpPr>
           <p:cNvPr id="697" name="Google Shape;697;g62c7962589_5_610:notes"/>
-          <p:cNvSpPr/>
+          <p:cNvSpPr>
+            <a:spLocks noGrp="1" noRot="1" noChangeAspect="1"/>
+          </p:cNvSpPr>
           <p:nvPr>
             <p:ph type="sldImg" idx="2"/>
           </p:nvPr>
@@ -4568,11 +4711,11 @@
 </file>
 
 <file path=ppt/notesSlides/notesSlide33.xml><?xml version="1.0" encoding="utf-8"?>
-<p:notes xmlns:a="http://schemas.openxmlformats.org/drawingml/2006/main" xmlns:r="http://schemas.openxmlformats.org/officeDocument/2006/relationships" xmlns:p="http://schemas.openxmlformats.org/presentationml/2006/main" showMasterPhAnim="0" showMasterSp="0">
+<p:notes xmlns:a="http://schemas.openxmlformats.org/drawingml/2006/main" xmlns:r="http://schemas.openxmlformats.org/officeDocument/2006/relationships" xmlns:p="http://schemas.openxmlformats.org/presentationml/2006/main" showMasterSp="0" showMasterPhAnim="0">
   <p:cSld>
     <p:spTree>
       <p:nvGrpSpPr>
-        <p:cNvPr id="717" name="Shape 717"/>
+        <p:cNvPr id="1" name="Shape 717"/>
         <p:cNvGrpSpPr/>
         <p:nvPr/>
       </p:nvGrpSpPr>
@@ -4587,7 +4730,9 @@
       <p:sp>
         <p:nvSpPr>
           <p:cNvPr id="718" name="Google Shape;718;g62c7962589_5_637:notes"/>
-          <p:cNvSpPr/>
+          <p:cNvSpPr>
+            <a:spLocks noGrp="1" noRot="1" noChangeAspect="1"/>
+          </p:cNvSpPr>
           <p:nvPr>
             <p:ph type="sldImg" idx="2"/>
           </p:nvPr>
@@ -4636,7 +4781,9 @@
       <p:sp>
         <p:nvSpPr>
           <p:cNvPr id="719" name="Google Shape;719;g62c7962589_5_637:notes"/>
-          <p:cNvSpPr txBox="1"/>
+          <p:cNvSpPr txBox="1">
+            <a:spLocks noGrp="1"/>
+          </p:cNvSpPr>
           <p:nvPr>
             <p:ph type="body" idx="1"/>
           </p:nvPr>
@@ -4673,6 +4820,7 @@
               <a:buSzPts val="1100"/>
               <a:buNone/>
             </a:pPr>
+            <a:endParaRPr/>
           </a:p>
         </p:txBody>
       </p:sp>
@@ -4685,11 +4833,11 @@
 </file>
 
 <file path=ppt/notesSlides/notesSlide4.xml><?xml version="1.0" encoding="utf-8"?>
-<p:notes xmlns:a="http://schemas.openxmlformats.org/drawingml/2006/main" xmlns:r="http://schemas.openxmlformats.org/officeDocument/2006/relationships" xmlns:p="http://schemas.openxmlformats.org/presentationml/2006/main" showMasterPhAnim="0" showMasterSp="0">
+<p:notes xmlns:a="http://schemas.openxmlformats.org/drawingml/2006/main" xmlns:r="http://schemas.openxmlformats.org/officeDocument/2006/relationships" xmlns:p="http://schemas.openxmlformats.org/presentationml/2006/main" showMasterSp="0" showMasterPhAnim="0">
   <p:cSld>
     <p:spTree>
       <p:nvGrpSpPr>
-        <p:cNvPr id="136" name="Shape 136"/>
+        <p:cNvPr id="1" name="Shape 136"/>
         <p:cNvGrpSpPr/>
         <p:nvPr/>
       </p:nvGrpSpPr>
@@ -4704,7 +4852,9 @@
       <p:sp>
         <p:nvSpPr>
           <p:cNvPr id="137" name="Google Shape;137;g62c7962589_5_85:notes"/>
-          <p:cNvSpPr/>
+          <p:cNvSpPr>
+            <a:spLocks noGrp="1" noRot="1" noChangeAspect="1"/>
+          </p:cNvSpPr>
           <p:nvPr>
             <p:ph type="sldImg" idx="2"/>
           </p:nvPr>
@@ -4753,7 +4903,9 @@
       <p:sp>
         <p:nvSpPr>
           <p:cNvPr id="138" name="Google Shape;138;g62c7962589_5_85:notes"/>
-          <p:cNvSpPr txBox="1"/>
+          <p:cNvSpPr txBox="1">
+            <a:spLocks noGrp="1"/>
+          </p:cNvSpPr>
           <p:nvPr>
             <p:ph type="body" idx="1"/>
           </p:nvPr>
@@ -4790,6 +4942,7 @@
               <a:buSzPts val="1100"/>
               <a:buNone/>
             </a:pPr>
+            <a:endParaRPr/>
           </a:p>
         </p:txBody>
       </p:sp>
@@ -4802,11 +4955,11 @@
 </file>
 
 <file path=ppt/notesSlides/notesSlide5.xml><?xml version="1.0" encoding="utf-8"?>
-<p:notes xmlns:a="http://schemas.openxmlformats.org/drawingml/2006/main" xmlns:r="http://schemas.openxmlformats.org/officeDocument/2006/relationships" xmlns:p="http://schemas.openxmlformats.org/presentationml/2006/main" showMasterPhAnim="0" showMasterSp="0">
+<p:notes xmlns:a="http://schemas.openxmlformats.org/drawingml/2006/main" xmlns:r="http://schemas.openxmlformats.org/officeDocument/2006/relationships" xmlns:p="http://schemas.openxmlformats.org/presentationml/2006/main" showMasterSp="0" showMasterPhAnim="0">
   <p:cSld>
     <p:spTree>
       <p:nvGrpSpPr>
-        <p:cNvPr id="142" name="Shape 142"/>
+        <p:cNvPr id="1" name="Shape 142"/>
         <p:cNvGrpSpPr/>
         <p:nvPr/>
       </p:nvGrpSpPr>
@@ -4821,7 +4974,9 @@
       <p:sp>
         <p:nvSpPr>
           <p:cNvPr id="143" name="Google Shape;143;g62c7962589_5_90:notes"/>
-          <p:cNvSpPr/>
+          <p:cNvSpPr>
+            <a:spLocks noGrp="1" noRot="1" noChangeAspect="1"/>
+          </p:cNvSpPr>
           <p:nvPr>
             <p:ph type="sldImg" idx="2"/>
           </p:nvPr>
@@ -4870,7 +5025,9 @@
       <p:sp>
         <p:nvSpPr>
           <p:cNvPr id="144" name="Google Shape;144;g62c7962589_5_90:notes"/>
-          <p:cNvSpPr txBox="1"/>
+          <p:cNvSpPr txBox="1">
+            <a:spLocks noGrp="1"/>
+          </p:cNvSpPr>
           <p:nvPr>
             <p:ph type="body" idx="1"/>
           </p:nvPr>
@@ -4911,7 +5068,6 @@
               <a:rPr lang="en-US"/>
               <a:t>Micro包含了很多东西，首先从我们最关心的代码技术层面来说，她包含了框架Go-Micro与其运行时工具Micro，这也向大家解释了刚刚的问题，Go-micro与Micro的关系，它们之间不是包含关系，Go-Micro框架或叫做库，Micro工具集基于Go-Micro构建，它的职责是延伸、扩展、管理Go-Micro框架所构建的服务。</a:t>
             </a:r>
-            <a:endParaRPr lang="en-US"/>
           </a:p>
           <a:p>
             <a:pPr marL="457200" lvl="0" indent="-298450" algn="l" rtl="0">
@@ -4931,7 +5087,6 @@
               <a:rPr lang="en-US"/>
               <a:t>她还有社区slack，可以在Slack交流问题，提出需求并讨论可行性，我们是开放的团队，只要是合理的，一定会实现。</a:t>
             </a:r>
-            <a:endParaRPr lang="en-US"/>
           </a:p>
           <a:p>
             <a:pPr marL="457200" lvl="0" indent="-298450" algn="l" rtl="0">
@@ -4951,7 +5106,6 @@
               <a:rPr lang="en-US"/>
               <a:t>她的目标是构建一个生态系统，包括框架、相关的网络产品等等。</a:t>
             </a:r>
-            <a:endParaRPr lang="en-US"/>
           </a:p>
           <a:p>
             <a:pPr marL="457200" lvl="0" indent="-298450" algn="l" rtl="0">
@@ -4971,7 +5125,6 @@
               <a:rPr lang="en-US"/>
               <a:t>更重要的是Micro也是一个公司，这可以从政策的角度出发，向大家保证Micro的可持续发展，她的总部在London，也有意向在中国创建团队，不过还在研究方案阶段。</a:t>
             </a:r>
-            <a:endParaRPr lang="en-US"/>
           </a:p>
           <a:p>
             <a:pPr marL="457200" lvl="0" indent="-298450" algn="l" rtl="0">
@@ -5003,6 +5156,21 @@
               </a:rPr>
               <a:t>Go-Micro、Micro</a:t>
             </a:r>
+          </a:p>
+          <a:p>
+            <a:pPr marL="457200" lvl="0" indent="-228600" algn="l" rtl="0">
+              <a:lnSpc>
+                <a:spcPct val="100000"/>
+              </a:lnSpc>
+              <a:spcBef>
+                <a:spcPts val="0"/>
+              </a:spcBef>
+              <a:spcAft>
+                <a:spcPts val="0"/>
+              </a:spcAft>
+              <a:buSzPts val="1100"/>
+              <a:buNone/>
+            </a:pPr>
             <a:endParaRPr lang="en-US">
               <a:solidFill>
                 <a:srgbClr val="FF0000"/>
@@ -5014,7 +5182,7 @@
             </a:endParaRPr>
           </a:p>
           <a:p>
-            <a:pPr marL="457200" lvl="0" indent="-228600" algn="l" rtl="0">
+            <a:pPr marL="0" lvl="0" indent="0" algn="l" rtl="0">
               <a:lnSpc>
                 <a:spcPct val="100000"/>
               </a:lnSpc>
@@ -5027,21 +5195,15 @@
               <a:buSzPts val="1100"/>
               <a:buNone/>
             </a:pPr>
-          </a:p>
-          <a:p>
-            <a:pPr marL="0" lvl="0" indent="0" algn="l" rtl="0">
-              <a:lnSpc>
-                <a:spcPct val="100000"/>
-              </a:lnSpc>
-              <a:spcBef>
-                <a:spcPts val="0"/>
-              </a:spcBef>
-              <a:spcAft>
-                <a:spcPts val="0"/>
-              </a:spcAft>
-              <a:buSzPts val="1100"/>
-              <a:buNone/>
-            </a:pPr>
+            <a:endParaRPr lang="en-US">
+              <a:solidFill>
+                <a:srgbClr val="FF0000"/>
+              </a:solidFill>
+              <a:latin typeface="Courier New" panose="02070309020205020404"/>
+              <a:ea typeface="Courier New" panose="02070309020205020404"/>
+              <a:cs typeface="Courier New" panose="02070309020205020404"/>
+              <a:sym typeface="Courier New" panose="02070309020205020404"/>
+            </a:endParaRPr>
           </a:p>
         </p:txBody>
       </p:sp>
@@ -5054,11 +5216,11 @@
 </file>
 
 <file path=ppt/notesSlides/notesSlide6.xml><?xml version="1.0" encoding="utf-8"?>
-<p:notes xmlns:a="http://schemas.openxmlformats.org/drawingml/2006/main" xmlns:r="http://schemas.openxmlformats.org/officeDocument/2006/relationships" xmlns:p="http://schemas.openxmlformats.org/presentationml/2006/main" showMasterPhAnim="0" showMasterSp="0">
+<p:notes xmlns:a="http://schemas.openxmlformats.org/drawingml/2006/main" xmlns:r="http://schemas.openxmlformats.org/officeDocument/2006/relationships" xmlns:p="http://schemas.openxmlformats.org/presentationml/2006/main" showMasterSp="0" showMasterPhAnim="0">
   <p:cSld>
     <p:spTree>
       <p:nvGrpSpPr>
-        <p:cNvPr id="150" name="Shape 150"/>
+        <p:cNvPr id="1" name="Shape 150"/>
         <p:cNvGrpSpPr/>
         <p:nvPr/>
       </p:nvGrpSpPr>
@@ -5073,7 +5235,9 @@
       <p:sp>
         <p:nvSpPr>
           <p:cNvPr id="151" name="Google Shape;151;g62c7962589_5_97:notes"/>
-          <p:cNvSpPr/>
+          <p:cNvSpPr>
+            <a:spLocks noGrp="1" noRot="1" noChangeAspect="1"/>
+          </p:cNvSpPr>
           <p:nvPr>
             <p:ph type="sldImg" idx="2"/>
           </p:nvPr>
@@ -5122,7 +5286,9 @@
       <p:sp>
         <p:nvSpPr>
           <p:cNvPr id="152" name="Google Shape;152;g62c7962589_5_97:notes"/>
-          <p:cNvSpPr txBox="1"/>
+          <p:cNvSpPr txBox="1">
+            <a:spLocks noGrp="1"/>
+          </p:cNvSpPr>
           <p:nvPr>
             <p:ph type="body" idx="1"/>
           </p:nvPr>
@@ -5163,7 +5329,6 @@
               <a:rPr lang="en-US"/>
               <a:t>这是基于Go-Micro框架构建的微服务架构模型，我们只用关心红色圈与紫色圈中的那部分，基建部分不用关心。</a:t>
             </a:r>
-            <a:endParaRPr lang="en-US"/>
           </a:p>
           <a:p>
             <a:pPr marL="457200" lvl="0" indent="-298450" algn="l" rtl="0">
@@ -5183,22 +5348,22 @@
               <a:rPr lang="en-US"/>
               <a:t>前面我们说过，Micro本身也是由Go-Micro编写，故而Micro自身也是一个服务。</a:t>
             </a:r>
+          </a:p>
+          <a:p>
+            <a:pPr marL="0" lvl="0" indent="0" algn="l" rtl="0">
+              <a:lnSpc>
+                <a:spcPct val="100000"/>
+              </a:lnSpc>
+              <a:spcBef>
+                <a:spcPts val="0"/>
+              </a:spcBef>
+              <a:spcAft>
+                <a:spcPts val="0"/>
+              </a:spcAft>
+              <a:buSzPts val="1100"/>
+              <a:buNone/>
+            </a:pPr>
             <a:endParaRPr lang="en-US"/>
-          </a:p>
-          <a:p>
-            <a:pPr marL="0" lvl="0" indent="0" algn="l" rtl="0">
-              <a:lnSpc>
-                <a:spcPct val="100000"/>
-              </a:lnSpc>
-              <a:spcBef>
-                <a:spcPts val="0"/>
-              </a:spcBef>
-              <a:spcAft>
-                <a:spcPts val="0"/>
-              </a:spcAft>
-              <a:buSzPts val="1100"/>
-              <a:buNone/>
-            </a:pPr>
           </a:p>
         </p:txBody>
       </p:sp>
@@ -5211,11 +5376,11 @@
 </file>
 
 <file path=ppt/notesSlides/notesSlide7.xml><?xml version="1.0" encoding="utf-8"?>
-<p:notes xmlns:a="http://schemas.openxmlformats.org/drawingml/2006/main" xmlns:r="http://schemas.openxmlformats.org/officeDocument/2006/relationships" xmlns:p="http://schemas.openxmlformats.org/presentationml/2006/main" showMasterPhAnim="0" showMasterSp="0">
+<p:notes xmlns:a="http://schemas.openxmlformats.org/drawingml/2006/main" xmlns:r="http://schemas.openxmlformats.org/officeDocument/2006/relationships" xmlns:p="http://schemas.openxmlformats.org/presentationml/2006/main" showMasterSp="0" showMasterPhAnim="0">
   <p:cSld>
     <p:spTree>
       <p:nvGrpSpPr>
-        <p:cNvPr id="164" name="Shape 164"/>
+        <p:cNvPr id="1" name="Shape 164"/>
         <p:cNvGrpSpPr/>
         <p:nvPr/>
       </p:nvGrpSpPr>
@@ -5230,7 +5395,9 @@
       <p:sp>
         <p:nvSpPr>
           <p:cNvPr id="165" name="Google Shape;165;g64a76758ce_0_0:notes"/>
-          <p:cNvSpPr/>
+          <p:cNvSpPr>
+            <a:spLocks noGrp="1" noRot="1" noChangeAspect="1"/>
+          </p:cNvSpPr>
           <p:nvPr>
             <p:ph type="sldImg" idx="2"/>
           </p:nvPr>
@@ -5269,7 +5436,9 @@
       <p:sp>
         <p:nvSpPr>
           <p:cNvPr id="166" name="Google Shape;166;g64a76758ce_0_0:notes"/>
-          <p:cNvSpPr txBox="1"/>
+          <p:cNvSpPr txBox="1">
+            <a:spLocks noGrp="1"/>
+          </p:cNvSpPr>
           <p:nvPr>
             <p:ph type="body" idx="1"/>
           </p:nvPr>
@@ -5302,14 +5471,15 @@
               <a:rPr lang="en-US"/>
               <a:t>其实还有network、tunnel等网络相关的工具，但是还没正式发布，这里我们不讲。</a:t>
             </a:r>
-            <a:endParaRPr lang="en-US"/>
           </a:p>
         </p:txBody>
       </p:sp>
       <p:sp>
         <p:nvSpPr>
           <p:cNvPr id="167" name="Google Shape;167;g64a76758ce_0_0:notes"/>
-          <p:cNvSpPr txBox="1"/>
+          <p:cNvSpPr txBox="1">
+            <a:spLocks noGrp="1"/>
+          </p:cNvSpPr>
           <p:nvPr>
             <p:ph type="sldNum" idx="12"/>
           </p:nvPr>
@@ -5344,6 +5514,7 @@
             </a:pPr>
             <a:fld id="{00000000-1234-1234-1234-123412341234}" type="slidenum">
               <a:rPr lang="en-US"/>
+              <a:t>7</a:t>
             </a:fld>
             <a:endParaRPr lang="en-US"/>
           </a:p>
@@ -5358,11 +5529,11 @@
 </file>
 
 <file path=ppt/notesSlides/notesSlide8.xml><?xml version="1.0" encoding="utf-8"?>
-<p:notes xmlns:a="http://schemas.openxmlformats.org/drawingml/2006/main" xmlns:r="http://schemas.openxmlformats.org/officeDocument/2006/relationships" xmlns:p="http://schemas.openxmlformats.org/presentationml/2006/main" showMasterPhAnim="0" showMasterSp="0">
+<p:notes xmlns:a="http://schemas.openxmlformats.org/drawingml/2006/main" xmlns:r="http://schemas.openxmlformats.org/officeDocument/2006/relationships" xmlns:p="http://schemas.openxmlformats.org/presentationml/2006/main" showMasterSp="0" showMasterPhAnim="0">
   <p:cSld>
     <p:spTree>
       <p:nvGrpSpPr>
-        <p:cNvPr id="171" name="Shape 171"/>
+        <p:cNvPr id="1" name="Shape 171"/>
         <p:cNvGrpSpPr/>
         <p:nvPr/>
       </p:nvGrpSpPr>
@@ -5377,7 +5548,9 @@
       <p:sp>
         <p:nvSpPr>
           <p:cNvPr id="172" name="Google Shape;172;g62c7962589_5_110:notes"/>
-          <p:cNvSpPr/>
+          <p:cNvSpPr>
+            <a:spLocks noGrp="1" noRot="1" noChangeAspect="1"/>
+          </p:cNvSpPr>
           <p:nvPr>
             <p:ph type="sldImg" idx="2"/>
           </p:nvPr>
@@ -5426,7 +5599,9 @@
       <p:sp>
         <p:nvSpPr>
           <p:cNvPr id="173" name="Google Shape;173;g62c7962589_5_110:notes"/>
-          <p:cNvSpPr txBox="1"/>
+          <p:cNvSpPr txBox="1">
+            <a:spLocks noGrp="1"/>
+          </p:cNvSpPr>
           <p:nvPr>
             <p:ph type="body" idx="1"/>
           </p:nvPr>
@@ -5463,6 +5638,7 @@
               <a:buSzPts val="1100"/>
               <a:buNone/>
             </a:pPr>
+            <a:endParaRPr/>
           </a:p>
         </p:txBody>
       </p:sp>
@@ -5475,11 +5651,11 @@
 </file>
 
 <file path=ppt/notesSlides/notesSlide9.xml><?xml version="1.0" encoding="utf-8"?>
-<p:notes xmlns:a="http://schemas.openxmlformats.org/drawingml/2006/main" xmlns:r="http://schemas.openxmlformats.org/officeDocument/2006/relationships" xmlns:p="http://schemas.openxmlformats.org/presentationml/2006/main" showMasterPhAnim="0" showMasterSp="0">
+<p:notes xmlns:a="http://schemas.openxmlformats.org/drawingml/2006/main" xmlns:r="http://schemas.openxmlformats.org/officeDocument/2006/relationships" xmlns:p="http://schemas.openxmlformats.org/presentationml/2006/main" showMasterSp="0" showMasterPhAnim="0">
   <p:cSld>
     <p:spTree>
       <p:nvGrpSpPr>
-        <p:cNvPr id="206" name="Shape 206"/>
+        <p:cNvPr id="1" name="Shape 206"/>
         <p:cNvGrpSpPr/>
         <p:nvPr/>
       </p:nvGrpSpPr>
@@ -5494,7 +5670,9 @@
       <p:sp>
         <p:nvSpPr>
           <p:cNvPr id="207" name="Google Shape;207;g62c7962589_5_144:notes"/>
-          <p:cNvSpPr txBox="1"/>
+          <p:cNvSpPr txBox="1">
+            <a:spLocks noGrp="1"/>
+          </p:cNvSpPr>
           <p:nvPr>
             <p:ph type="body" idx="1"/>
           </p:nvPr>
@@ -5523,13 +5701,16 @@
               </a:spcAft>
               <a:buNone/>
             </a:pPr>
+            <a:endParaRPr/>
           </a:p>
         </p:txBody>
       </p:sp>
       <p:sp>
         <p:nvSpPr>
           <p:cNvPr id="208" name="Google Shape;208;g62c7962589_5_144:notes"/>
-          <p:cNvSpPr/>
+          <p:cNvSpPr>
+            <a:spLocks noGrp="1" noRot="1" noChangeAspect="1"/>
+          </p:cNvSpPr>
           <p:nvPr>
             <p:ph type="sldImg" idx="2"/>
           </p:nvPr>
@@ -5574,11 +5755,11 @@
 </file>
 
 <file path=ppt/slideLayouts/slideLayout1.xml><?xml version="1.0" encoding="utf-8"?>
-<p:sldLayout xmlns:a="http://schemas.openxmlformats.org/drawingml/2006/main" xmlns:r="http://schemas.openxmlformats.org/officeDocument/2006/relationships" xmlns:p="http://schemas.openxmlformats.org/presentationml/2006/main" type="obj" matchingName="Title Slide">
+<p:sldLayout xmlns:a="http://schemas.openxmlformats.org/drawingml/2006/main" xmlns:r="http://schemas.openxmlformats.org/officeDocument/2006/relationships" xmlns:p="http://schemas.openxmlformats.org/presentationml/2006/main" matchingName="Title Slide" type="obj">
   <p:cSld name="OBJECT">
     <p:spTree>
       <p:nvGrpSpPr>
-        <p:cNvPr id="16" name="Shape 16"/>
+        <p:cNvPr id="1" name="Shape 16"/>
         <p:cNvGrpSpPr/>
         <p:nvPr/>
       </p:nvGrpSpPr>
@@ -5593,7 +5774,9 @@
       <p:sp>
         <p:nvSpPr>
           <p:cNvPr id="17" name="Google Shape;17;p2"/>
-          <p:cNvSpPr txBox="1"/>
+          <p:cNvSpPr txBox="1">
+            <a:spLocks noGrp="1"/>
+          </p:cNvSpPr>
           <p:nvPr>
             <p:ph type="ctrTitle"/>
           </p:nvPr>
@@ -5720,13 +5903,17 @@
               <a:defRPr/>
             </a:lvl9pPr>
           </a:lstStyle>
-          <a:p/>
+          <a:p>
+            <a:endParaRPr/>
+          </a:p>
         </p:txBody>
       </p:sp>
       <p:sp>
         <p:nvSpPr>
           <p:cNvPr id="18" name="Google Shape;18;p2"/>
-          <p:cNvSpPr txBox="1"/>
+          <p:cNvSpPr txBox="1">
+            <a:spLocks noGrp="1"/>
+          </p:cNvSpPr>
           <p:nvPr>
             <p:ph type="subTitle" idx="1"/>
           </p:nvPr>
@@ -5849,13 +6036,17 @@
               <a:defRPr/>
             </a:lvl9pPr>
           </a:lstStyle>
-          <a:p/>
+          <a:p>
+            <a:endParaRPr/>
+          </a:p>
         </p:txBody>
       </p:sp>
       <p:sp>
         <p:nvSpPr>
           <p:cNvPr id="19" name="Google Shape;19;p2"/>
-          <p:cNvSpPr txBox="1"/>
+          <p:cNvSpPr txBox="1">
+            <a:spLocks noGrp="1"/>
+          </p:cNvSpPr>
           <p:nvPr>
             <p:ph type="ftr" idx="11"/>
           </p:nvPr>
@@ -5982,13 +6173,17 @@
               <a:defRPr/>
             </a:lvl9pPr>
           </a:lstStyle>
-          <a:p/>
+          <a:p>
+            <a:endParaRPr/>
+          </a:p>
         </p:txBody>
       </p:sp>
       <p:sp>
         <p:nvSpPr>
           <p:cNvPr id="20" name="Google Shape;20;p2"/>
-          <p:cNvSpPr txBox="1"/>
+          <p:cNvSpPr txBox="1">
+            <a:spLocks noGrp="1"/>
+          </p:cNvSpPr>
           <p:nvPr>
             <p:ph type="dt" idx="10"/>
           </p:nvPr>
@@ -6115,13 +6310,17 @@
               <a:defRPr/>
             </a:lvl9pPr>
           </a:lstStyle>
-          <a:p/>
+          <a:p>
+            <a:endParaRPr/>
+          </a:p>
         </p:txBody>
       </p:sp>
       <p:sp>
         <p:nvSpPr>
           <p:cNvPr id="21" name="Google Shape;21;p2"/>
-          <p:cNvSpPr txBox="1"/>
+          <p:cNvSpPr txBox="1">
+            <a:spLocks noGrp="1"/>
+          </p:cNvSpPr>
           <p:nvPr>
             <p:ph type="sldNum" idx="12"/>
           </p:nvPr>
@@ -6256,6 +6455,7 @@
             </a:pPr>
             <a:fld id="{00000000-1234-1234-1234-123412341234}" type="slidenum">
               <a:rPr lang="en-US"/>
+              <a:t>‹#›</a:t>
             </a:fld>
             <a:endParaRPr sz="1800">
               <a:latin typeface="Calibri" panose="020F0502020204030204"/>
@@ -6279,7 +6479,7 @@
   <p:cSld name="ONE_COLUMN_TEXT">
     <p:spTree>
       <p:nvGrpSpPr>
-        <p:cNvPr id="83" name="Shape 83"/>
+        <p:cNvPr id="1" name="Shape 83"/>
         <p:cNvGrpSpPr/>
         <p:nvPr/>
       </p:nvGrpSpPr>
@@ -6294,7 +6494,9 @@
       <p:sp>
         <p:nvSpPr>
           <p:cNvPr id="84" name="Google Shape;84;p12"/>
-          <p:cNvSpPr txBox="1"/>
+          <p:cNvSpPr txBox="1">
+            <a:spLocks noGrp="1"/>
+          </p:cNvSpPr>
           <p:nvPr>
             <p:ph type="title"/>
           </p:nvPr>
@@ -6444,13 +6646,17 @@
               <a:defRPr sz="2400"/>
             </a:lvl9pPr>
           </a:lstStyle>
-          <a:p/>
+          <a:p>
+            <a:endParaRPr/>
+          </a:p>
         </p:txBody>
       </p:sp>
       <p:sp>
         <p:nvSpPr>
           <p:cNvPr id="85" name="Google Shape;85;p12"/>
-          <p:cNvSpPr txBox="1"/>
+          <p:cNvSpPr txBox="1">
+            <a:spLocks noGrp="1"/>
+          </p:cNvSpPr>
           <p:nvPr>
             <p:ph type="body" idx="1"/>
           </p:nvPr>
@@ -6600,13 +6806,17 @@
               <a:defRPr sz="1200"/>
             </a:lvl9pPr>
           </a:lstStyle>
-          <a:p/>
+          <a:p>
+            <a:endParaRPr/>
+          </a:p>
         </p:txBody>
       </p:sp>
       <p:sp>
         <p:nvSpPr>
           <p:cNvPr id="86" name="Google Shape;86;p12"/>
-          <p:cNvSpPr txBox="1"/>
+          <p:cNvSpPr txBox="1">
+            <a:spLocks noGrp="1"/>
+          </p:cNvSpPr>
           <p:nvPr>
             <p:ph type="sldNum" idx="12"/>
           </p:nvPr>
@@ -6876,6 +7086,7 @@
             </a:pPr>
             <a:fld id="{00000000-1234-1234-1234-123412341234}" type="slidenum">
               <a:rPr lang="en-US"/>
+              <a:t>‹#›</a:t>
             </a:fld>
             <a:endParaRPr lang="en-US"/>
           </a:p>
@@ -6929,7 +7140,7 @@
     </p:bg>
     <p:spTree>
       <p:nvGrpSpPr>
-        <p:cNvPr id="88" name="Shape 88"/>
+        <p:cNvPr id="1" name="Shape 88"/>
         <p:cNvGrpSpPr/>
         <p:nvPr/>
       </p:nvGrpSpPr>
@@ -6944,7 +7155,9 @@
       <p:sp>
         <p:nvSpPr>
           <p:cNvPr id="89" name="Google Shape;89;p13"/>
-          <p:cNvSpPr txBox="1"/>
+          <p:cNvSpPr txBox="1">
+            <a:spLocks noGrp="1"/>
+          </p:cNvSpPr>
           <p:nvPr>
             <p:ph type="title"/>
           </p:nvPr>
@@ -7157,13 +7370,17 @@
               </a:defRPr>
             </a:lvl9pPr>
           </a:lstStyle>
-          <a:p/>
+          <a:p>
+            <a:endParaRPr/>
+          </a:p>
         </p:txBody>
       </p:sp>
       <p:sp>
         <p:nvSpPr>
           <p:cNvPr id="90" name="Google Shape;90;p13"/>
-          <p:cNvSpPr txBox="1"/>
+          <p:cNvSpPr txBox="1">
+            <a:spLocks noGrp="1"/>
+          </p:cNvSpPr>
           <p:nvPr>
             <p:ph type="sldNum" idx="12"/>
           </p:nvPr>
@@ -7433,6 +7650,7 @@
             </a:pPr>
             <a:fld id="{00000000-1234-1234-1234-123412341234}" type="slidenum">
               <a:rPr lang="en-US"/>
+              <a:t>‹#›</a:t>
             </a:fld>
             <a:endParaRPr lang="en-US"/>
           </a:p>
@@ -7478,7 +7696,7 @@
   <p:cSld name="SECTION_TITLE_AND_DESCRIPTION">
     <p:spTree>
       <p:nvGrpSpPr>
-        <p:cNvPr id="92" name="Shape 92"/>
+        <p:cNvPr id="1" name="Shape 92"/>
         <p:cNvGrpSpPr/>
         <p:nvPr/>
       </p:nvGrpSpPr>
@@ -7575,7 +7793,9 @@
       <p:sp>
         <p:nvSpPr>
           <p:cNvPr id="95" name="Google Shape;95;p14"/>
-          <p:cNvSpPr txBox="1"/>
+          <p:cNvSpPr txBox="1">
+            <a:spLocks noGrp="1"/>
+          </p:cNvSpPr>
           <p:nvPr>
             <p:ph type="title"/>
           </p:nvPr>
@@ -7725,13 +7945,17 @@
               <a:defRPr sz="4200"/>
             </a:lvl9pPr>
           </a:lstStyle>
-          <a:p/>
+          <a:p>
+            <a:endParaRPr/>
+          </a:p>
         </p:txBody>
       </p:sp>
       <p:sp>
         <p:nvSpPr>
           <p:cNvPr id="96" name="Google Shape;96;p14"/>
-          <p:cNvSpPr txBox="1"/>
+          <p:cNvSpPr txBox="1">
+            <a:spLocks noGrp="1"/>
+          </p:cNvSpPr>
           <p:nvPr>
             <p:ph type="subTitle" idx="1"/>
           </p:nvPr>
@@ -7881,13 +8105,17 @@
               <a:defRPr sz="2100"/>
             </a:lvl9pPr>
           </a:lstStyle>
-          <a:p/>
+          <a:p>
+            <a:endParaRPr/>
+          </a:p>
         </p:txBody>
       </p:sp>
       <p:sp>
         <p:nvSpPr>
           <p:cNvPr id="97" name="Google Shape;97;p14"/>
-          <p:cNvSpPr txBox="1"/>
+          <p:cNvSpPr txBox="1">
+            <a:spLocks noGrp="1"/>
+          </p:cNvSpPr>
           <p:nvPr>
             <p:ph type="body" idx="2"/>
           </p:nvPr>
@@ -8100,13 +8328,17 @@
               </a:defRPr>
             </a:lvl9pPr>
           </a:lstStyle>
-          <a:p/>
+          <a:p>
+            <a:endParaRPr/>
+          </a:p>
         </p:txBody>
       </p:sp>
       <p:sp>
         <p:nvSpPr>
           <p:cNvPr id="98" name="Google Shape;98;p14"/>
-          <p:cNvSpPr txBox="1"/>
+          <p:cNvSpPr txBox="1">
+            <a:spLocks noGrp="1"/>
+          </p:cNvSpPr>
           <p:nvPr>
             <p:ph type="sldNum" idx="12"/>
           </p:nvPr>
@@ -8376,6 +8608,7 @@
             </a:pPr>
             <a:fld id="{00000000-1234-1234-1234-123412341234}" type="slidenum">
               <a:rPr lang="en-US"/>
+              <a:t>‹#›</a:t>
             </a:fld>
             <a:endParaRPr lang="en-US"/>
           </a:p>
@@ -8421,7 +8654,7 @@
   <p:cSld name="CAPTION_ONLY">
     <p:spTree>
       <p:nvGrpSpPr>
-        <p:cNvPr id="100" name="Shape 100"/>
+        <p:cNvPr id="1" name="Shape 100"/>
         <p:cNvGrpSpPr/>
         <p:nvPr/>
       </p:nvGrpSpPr>
@@ -8436,7 +8669,9 @@
       <p:sp>
         <p:nvSpPr>
           <p:cNvPr id="101" name="Google Shape;101;p15"/>
-          <p:cNvSpPr txBox="1"/>
+          <p:cNvSpPr txBox="1">
+            <a:spLocks noGrp="1"/>
+          </p:cNvSpPr>
           <p:nvPr>
             <p:ph type="body" idx="1"/>
           </p:nvPr>
@@ -8480,13 +8715,17 @@
               </a:defRPr>
             </a:lvl1pPr>
           </a:lstStyle>
-          <a:p/>
+          <a:p>
+            <a:endParaRPr/>
+          </a:p>
         </p:txBody>
       </p:sp>
       <p:sp>
         <p:nvSpPr>
           <p:cNvPr id="102" name="Google Shape;102;p15"/>
-          <p:cNvSpPr txBox="1"/>
+          <p:cNvSpPr txBox="1">
+            <a:spLocks noGrp="1"/>
+          </p:cNvSpPr>
           <p:nvPr>
             <p:ph type="sldNum" idx="12"/>
           </p:nvPr>
@@ -8756,6 +8995,7 @@
             </a:pPr>
             <a:fld id="{00000000-1234-1234-1234-123412341234}" type="slidenum">
               <a:rPr lang="en-US"/>
+              <a:t>‹#›</a:t>
             </a:fld>
             <a:endParaRPr lang="en-US"/>
           </a:p>
@@ -8797,11 +9037,11 @@
 </file>
 
 <file path=ppt/slideLayouts/slideLayout14.xml><?xml version="1.0" encoding="utf-8"?>
-<p:sldLayout xmlns:a="http://schemas.openxmlformats.org/drawingml/2006/main" xmlns:r="http://schemas.openxmlformats.org/officeDocument/2006/relationships" xmlns:p="http://schemas.openxmlformats.org/presentationml/2006/main" type="blank" matchingName="Blank">
+<p:sldLayout xmlns:a="http://schemas.openxmlformats.org/drawingml/2006/main" xmlns:r="http://schemas.openxmlformats.org/officeDocument/2006/relationships" xmlns:p="http://schemas.openxmlformats.org/presentationml/2006/main" matchingName="Blank" type="blank">
   <p:cSld name="BLANK">
     <p:spTree>
       <p:nvGrpSpPr>
-        <p:cNvPr id="104" name="Shape 104"/>
+        <p:cNvPr id="1" name="Shape 104"/>
         <p:cNvGrpSpPr/>
         <p:nvPr/>
       </p:nvGrpSpPr>
@@ -8816,7 +9056,9 @@
       <p:sp>
         <p:nvSpPr>
           <p:cNvPr id="105" name="Google Shape;105;p16"/>
-          <p:cNvSpPr txBox="1"/>
+          <p:cNvSpPr txBox="1">
+            <a:spLocks noGrp="1"/>
+          </p:cNvSpPr>
           <p:nvPr>
             <p:ph type="sldNum" idx="12"/>
           </p:nvPr>
@@ -9086,6 +9328,7 @@
             </a:pPr>
             <a:fld id="{00000000-1234-1234-1234-123412341234}" type="slidenum">
               <a:rPr lang="en-US"/>
+              <a:t>‹#›</a:t>
             </a:fld>
             <a:endParaRPr lang="en-US"/>
           </a:p>
@@ -9131,7 +9374,7 @@
   <p:cSld name="Title and Content">
     <p:spTree>
       <p:nvGrpSpPr>
-        <p:cNvPr id="22" name="Shape 22"/>
+        <p:cNvPr id="1" name="Shape 22"/>
         <p:cNvGrpSpPr/>
         <p:nvPr/>
       </p:nvGrpSpPr>
@@ -9146,7 +9389,9 @@
       <p:sp>
         <p:nvSpPr>
           <p:cNvPr id="23" name="Google Shape;23;p3"/>
-          <p:cNvSpPr txBox="1"/>
+          <p:cNvSpPr txBox="1">
+            <a:spLocks noGrp="1"/>
+          </p:cNvSpPr>
           <p:nvPr>
             <p:ph type="title"/>
           </p:nvPr>
@@ -9277,13 +9522,17 @@
               <a:defRPr/>
             </a:lvl9pPr>
           </a:lstStyle>
-          <a:p/>
+          <a:p>
+            <a:endParaRPr/>
+          </a:p>
         </p:txBody>
       </p:sp>
       <p:sp>
         <p:nvSpPr>
           <p:cNvPr id="24" name="Google Shape;24;p3"/>
-          <p:cNvSpPr txBox="1"/>
+          <p:cNvSpPr txBox="1">
+            <a:spLocks noGrp="1"/>
+          </p:cNvSpPr>
           <p:nvPr>
             <p:ph type="body" idx="1"/>
           </p:nvPr>
@@ -9414,13 +9663,17 @@
               <a:defRPr/>
             </a:lvl9pPr>
           </a:lstStyle>
-          <a:p/>
+          <a:p>
+            <a:endParaRPr/>
+          </a:p>
         </p:txBody>
       </p:sp>
       <p:sp>
         <p:nvSpPr>
           <p:cNvPr id="25" name="Google Shape;25;p3"/>
-          <p:cNvSpPr txBox="1"/>
+          <p:cNvSpPr txBox="1">
+            <a:spLocks noGrp="1"/>
+          </p:cNvSpPr>
           <p:nvPr>
             <p:ph type="ftr" idx="11"/>
           </p:nvPr>
@@ -9547,13 +9800,17 @@
               <a:defRPr/>
             </a:lvl9pPr>
           </a:lstStyle>
-          <a:p/>
+          <a:p>
+            <a:endParaRPr/>
+          </a:p>
         </p:txBody>
       </p:sp>
       <p:sp>
         <p:nvSpPr>
           <p:cNvPr id="26" name="Google Shape;26;p3"/>
-          <p:cNvSpPr txBox="1"/>
+          <p:cNvSpPr txBox="1">
+            <a:spLocks noGrp="1"/>
+          </p:cNvSpPr>
           <p:nvPr>
             <p:ph type="dt" idx="10"/>
           </p:nvPr>
@@ -9680,13 +9937,17 @@
               <a:defRPr/>
             </a:lvl9pPr>
           </a:lstStyle>
-          <a:p/>
+          <a:p>
+            <a:endParaRPr/>
+          </a:p>
         </p:txBody>
       </p:sp>
       <p:sp>
         <p:nvSpPr>
           <p:cNvPr id="27" name="Google Shape;27;p3"/>
-          <p:cNvSpPr txBox="1"/>
+          <p:cNvSpPr txBox="1">
+            <a:spLocks noGrp="1"/>
+          </p:cNvSpPr>
           <p:nvPr>
             <p:ph type="sldNum" idx="12"/>
           </p:nvPr>
@@ -9821,6 +10082,7 @@
             </a:pPr>
             <a:fld id="{00000000-1234-1234-1234-123412341234}" type="slidenum">
               <a:rPr lang="en-US"/>
+              <a:t>‹#›</a:t>
             </a:fld>
             <a:endParaRPr sz="1800">
               <a:latin typeface="Calibri" panose="020F0502020204030204"/>
@@ -9852,7 +10114,7 @@
     </p:bg>
     <p:spTree>
       <p:nvGrpSpPr>
-        <p:cNvPr id="28" name="Shape 28"/>
+        <p:cNvPr id="1" name="Shape 28"/>
         <p:cNvGrpSpPr/>
         <p:nvPr/>
       </p:nvGrpSpPr>
@@ -9939,7 +10201,9 @@
       <p:sp>
         <p:nvSpPr>
           <p:cNvPr id="30" name="Google Shape;30;p4"/>
-          <p:cNvSpPr txBox="1"/>
+          <p:cNvSpPr txBox="1">
+            <a:spLocks noGrp="1"/>
+          </p:cNvSpPr>
           <p:nvPr>
             <p:ph type="title"/>
           </p:nvPr>
@@ -10070,13 +10334,17 @@
               <a:defRPr/>
             </a:lvl9pPr>
           </a:lstStyle>
-          <a:p/>
+          <a:p>
+            <a:endParaRPr/>
+          </a:p>
         </p:txBody>
       </p:sp>
       <p:sp>
         <p:nvSpPr>
           <p:cNvPr id="31" name="Google Shape;31;p4"/>
-          <p:cNvSpPr txBox="1"/>
+          <p:cNvSpPr txBox="1">
+            <a:spLocks noGrp="1"/>
+          </p:cNvSpPr>
           <p:nvPr>
             <p:ph type="ftr" idx="11"/>
           </p:nvPr>
@@ -10203,13 +10471,17 @@
               <a:defRPr/>
             </a:lvl9pPr>
           </a:lstStyle>
-          <a:p/>
+          <a:p>
+            <a:endParaRPr/>
+          </a:p>
         </p:txBody>
       </p:sp>
       <p:sp>
         <p:nvSpPr>
           <p:cNvPr id="32" name="Google Shape;32;p4"/>
-          <p:cNvSpPr txBox="1"/>
+          <p:cNvSpPr txBox="1">
+            <a:spLocks noGrp="1"/>
+          </p:cNvSpPr>
           <p:nvPr>
             <p:ph type="dt" idx="10"/>
           </p:nvPr>
@@ -10336,13 +10608,17 @@
               <a:defRPr/>
             </a:lvl9pPr>
           </a:lstStyle>
-          <a:p/>
+          <a:p>
+            <a:endParaRPr/>
+          </a:p>
         </p:txBody>
       </p:sp>
       <p:sp>
         <p:nvSpPr>
           <p:cNvPr id="33" name="Google Shape;33;p4"/>
-          <p:cNvSpPr txBox="1"/>
+          <p:cNvSpPr txBox="1">
+            <a:spLocks noGrp="1"/>
+          </p:cNvSpPr>
           <p:nvPr>
             <p:ph type="sldNum" idx="12"/>
           </p:nvPr>
@@ -10477,6 +10753,7 @@
             </a:pPr>
             <a:fld id="{00000000-1234-1234-1234-123412341234}" type="slidenum">
               <a:rPr lang="en-US"/>
+              <a:t>‹#›</a:t>
             </a:fld>
             <a:endParaRPr sz="1800">
               <a:latin typeface="Calibri" panose="020F0502020204030204"/>
@@ -10508,7 +10785,7 @@
     </p:bg>
     <p:spTree>
       <p:nvGrpSpPr>
-        <p:cNvPr id="34" name="Shape 34"/>
+        <p:cNvPr id="1" name="Shape 34"/>
         <p:cNvGrpSpPr/>
         <p:nvPr/>
       </p:nvGrpSpPr>
@@ -10733,7 +11010,9 @@
       <p:sp>
         <p:nvSpPr>
           <p:cNvPr id="38" name="Google Shape;38;p5"/>
-          <p:cNvSpPr txBox="1"/>
+          <p:cNvSpPr txBox="1">
+            <a:spLocks noGrp="1"/>
+          </p:cNvSpPr>
           <p:nvPr>
             <p:ph type="title"/>
           </p:nvPr>
@@ -10864,13 +11143,17 @@
               <a:defRPr/>
             </a:lvl9pPr>
           </a:lstStyle>
-          <a:p/>
+          <a:p>
+            <a:endParaRPr/>
+          </a:p>
         </p:txBody>
       </p:sp>
       <p:sp>
         <p:nvSpPr>
           <p:cNvPr id="39" name="Google Shape;39;p5"/>
-          <p:cNvSpPr txBox="1"/>
+          <p:cNvSpPr txBox="1">
+            <a:spLocks noGrp="1"/>
+          </p:cNvSpPr>
           <p:nvPr>
             <p:ph type="body" idx="1"/>
           </p:nvPr>
@@ -10993,13 +11276,17 @@
               <a:defRPr/>
             </a:lvl9pPr>
           </a:lstStyle>
-          <a:p/>
+          <a:p>
+            <a:endParaRPr/>
+          </a:p>
         </p:txBody>
       </p:sp>
       <p:sp>
         <p:nvSpPr>
           <p:cNvPr id="40" name="Google Shape;40;p5"/>
-          <p:cNvSpPr txBox="1"/>
+          <p:cNvSpPr txBox="1">
+            <a:spLocks noGrp="1"/>
+          </p:cNvSpPr>
           <p:nvPr>
             <p:ph type="body" idx="2"/>
           </p:nvPr>
@@ -11122,13 +11409,17 @@
               <a:defRPr/>
             </a:lvl9pPr>
           </a:lstStyle>
-          <a:p/>
+          <a:p>
+            <a:endParaRPr/>
+          </a:p>
         </p:txBody>
       </p:sp>
       <p:sp>
         <p:nvSpPr>
           <p:cNvPr id="41" name="Google Shape;41;p5"/>
-          <p:cNvSpPr txBox="1"/>
+          <p:cNvSpPr txBox="1">
+            <a:spLocks noGrp="1"/>
+          </p:cNvSpPr>
           <p:nvPr>
             <p:ph type="ftr" idx="11"/>
           </p:nvPr>
@@ -11255,13 +11546,17 @@
               <a:defRPr/>
             </a:lvl9pPr>
           </a:lstStyle>
-          <a:p/>
+          <a:p>
+            <a:endParaRPr/>
+          </a:p>
         </p:txBody>
       </p:sp>
       <p:sp>
         <p:nvSpPr>
           <p:cNvPr id="42" name="Google Shape;42;p5"/>
-          <p:cNvSpPr txBox="1"/>
+          <p:cNvSpPr txBox="1">
+            <a:spLocks noGrp="1"/>
+          </p:cNvSpPr>
           <p:nvPr>
             <p:ph type="dt" idx="10"/>
           </p:nvPr>
@@ -11388,13 +11683,17 @@
               <a:defRPr/>
             </a:lvl9pPr>
           </a:lstStyle>
-          <a:p/>
+          <a:p>
+            <a:endParaRPr/>
+          </a:p>
         </p:txBody>
       </p:sp>
       <p:sp>
         <p:nvSpPr>
           <p:cNvPr id="43" name="Google Shape;43;p5"/>
-          <p:cNvSpPr txBox="1"/>
+          <p:cNvSpPr txBox="1">
+            <a:spLocks noGrp="1"/>
+          </p:cNvSpPr>
           <p:nvPr>
             <p:ph type="sldNum" idx="12"/>
           </p:nvPr>
@@ -11529,6 +11828,7 @@
             </a:pPr>
             <a:fld id="{00000000-1234-1234-1234-123412341234}" type="slidenum">
               <a:rPr lang="en-US"/>
+              <a:t>‹#›</a:t>
             </a:fld>
             <a:endParaRPr sz="1800">
               <a:latin typeface="Calibri" panose="020F0502020204030204"/>
@@ -11560,7 +11860,7 @@
     </p:bg>
     <p:spTree>
       <p:nvGrpSpPr>
-        <p:cNvPr id="44" name="Shape 44"/>
+        <p:cNvPr id="1" name="Shape 44"/>
         <p:cNvGrpSpPr/>
         <p:nvPr/>
       </p:nvGrpSpPr>
@@ -11575,7 +11875,9 @@
       <p:sp>
         <p:nvSpPr>
           <p:cNvPr id="45" name="Google Shape;45;p6"/>
-          <p:cNvSpPr txBox="1"/>
+          <p:cNvSpPr txBox="1">
+            <a:spLocks noGrp="1"/>
+          </p:cNvSpPr>
           <p:nvPr>
             <p:ph type="ftr" idx="11"/>
           </p:nvPr>
@@ -11702,13 +12004,17 @@
               <a:defRPr/>
             </a:lvl9pPr>
           </a:lstStyle>
-          <a:p/>
+          <a:p>
+            <a:endParaRPr/>
+          </a:p>
         </p:txBody>
       </p:sp>
       <p:sp>
         <p:nvSpPr>
           <p:cNvPr id="46" name="Google Shape;46;p6"/>
-          <p:cNvSpPr txBox="1"/>
+          <p:cNvSpPr txBox="1">
+            <a:spLocks noGrp="1"/>
+          </p:cNvSpPr>
           <p:nvPr>
             <p:ph type="dt" idx="10"/>
           </p:nvPr>
@@ -11835,13 +12141,17 @@
               <a:defRPr/>
             </a:lvl9pPr>
           </a:lstStyle>
-          <a:p/>
+          <a:p>
+            <a:endParaRPr/>
+          </a:p>
         </p:txBody>
       </p:sp>
       <p:sp>
         <p:nvSpPr>
           <p:cNvPr id="47" name="Google Shape;47;p6"/>
-          <p:cNvSpPr txBox="1"/>
+          <p:cNvSpPr txBox="1">
+            <a:spLocks noGrp="1"/>
+          </p:cNvSpPr>
           <p:nvPr>
             <p:ph type="sldNum" idx="12"/>
           </p:nvPr>
@@ -11976,6 +12286,7 @@
             </a:pPr>
             <a:fld id="{00000000-1234-1234-1234-123412341234}" type="slidenum">
               <a:rPr lang="en-US"/>
+              <a:t>‹#›</a:t>
             </a:fld>
             <a:endParaRPr sz="1800">
               <a:latin typeface="Calibri" panose="020F0502020204030204"/>
@@ -11995,11 +12306,11 @@
 </file>
 
 <file path=ppt/slideLayouts/slideLayout6.xml><?xml version="1.0" encoding="utf-8"?>
-<p:sldLayout xmlns:a="http://schemas.openxmlformats.org/drawingml/2006/main" xmlns:r="http://schemas.openxmlformats.org/officeDocument/2006/relationships" xmlns:p="http://schemas.openxmlformats.org/presentationml/2006/main" type="title" matchingName="Title slide">
+<p:sldLayout xmlns:a="http://schemas.openxmlformats.org/drawingml/2006/main" xmlns:r="http://schemas.openxmlformats.org/officeDocument/2006/relationships" xmlns:p="http://schemas.openxmlformats.org/presentationml/2006/main" matchingName="Title slide" type="title">
   <p:cSld name="TITLE">
     <p:spTree>
       <p:nvGrpSpPr>
-        <p:cNvPr id="53" name="Shape 53"/>
+        <p:cNvPr id="1" name="Shape 53"/>
         <p:cNvGrpSpPr/>
         <p:nvPr/>
       </p:nvGrpSpPr>
@@ -12200,7 +12511,9 @@
       <p:sp>
         <p:nvSpPr>
           <p:cNvPr id="62" name="Google Shape;62;p8"/>
-          <p:cNvSpPr txBox="1"/>
+          <p:cNvSpPr txBox="1">
+            <a:spLocks noGrp="1"/>
+          </p:cNvSpPr>
           <p:nvPr>
             <p:ph type="ctrTitle"/>
           </p:nvPr>
@@ -12350,13 +12663,17 @@
               <a:defRPr sz="5400"/>
             </a:lvl9pPr>
           </a:lstStyle>
-          <a:p/>
+          <a:p>
+            <a:endParaRPr/>
+          </a:p>
         </p:txBody>
       </p:sp>
       <p:sp>
         <p:nvSpPr>
           <p:cNvPr id="63" name="Google Shape;63;p8"/>
-          <p:cNvSpPr txBox="1"/>
+          <p:cNvSpPr txBox="1">
+            <a:spLocks noGrp="1"/>
+          </p:cNvSpPr>
           <p:nvPr>
             <p:ph type="subTitle" idx="1"/>
           </p:nvPr>
@@ -12506,13 +12823,17 @@
               <a:defRPr sz="2400"/>
             </a:lvl9pPr>
           </a:lstStyle>
-          <a:p/>
+          <a:p>
+            <a:endParaRPr/>
+          </a:p>
         </p:txBody>
       </p:sp>
       <p:sp>
         <p:nvSpPr>
           <p:cNvPr id="64" name="Google Shape;64;p8"/>
-          <p:cNvSpPr txBox="1"/>
+          <p:cNvSpPr txBox="1">
+            <a:spLocks noGrp="1"/>
+          </p:cNvSpPr>
           <p:nvPr>
             <p:ph type="sldNum" idx="12"/>
           </p:nvPr>
@@ -12782,6 +13103,7 @@
             </a:pPr>
             <a:fld id="{00000000-1234-1234-1234-123412341234}" type="slidenum">
               <a:rPr lang="en-US"/>
+              <a:t>‹#›</a:t>
             </a:fld>
             <a:endParaRPr lang="en-US"/>
           </a:p>
@@ -12823,11 +13145,11 @@
 </file>
 
 <file path=ppt/slideLayouts/slideLayout7.xml><?xml version="1.0" encoding="utf-8"?>
-<p:sldLayout xmlns:a="http://schemas.openxmlformats.org/drawingml/2006/main" xmlns:r="http://schemas.openxmlformats.org/officeDocument/2006/relationships" xmlns:p="http://schemas.openxmlformats.org/presentationml/2006/main" type="tx" matchingName="Title and body">
+<p:sldLayout xmlns:a="http://schemas.openxmlformats.org/drawingml/2006/main" xmlns:r="http://schemas.openxmlformats.org/officeDocument/2006/relationships" xmlns:p="http://schemas.openxmlformats.org/presentationml/2006/main" matchingName="Title and body" type="tx">
   <p:cSld name="TITLE_AND_BODY">
     <p:spTree>
       <p:nvGrpSpPr>
-        <p:cNvPr id="66" name="Shape 66"/>
+        <p:cNvPr id="1" name="Shape 66"/>
         <p:cNvGrpSpPr/>
         <p:nvPr/>
       </p:nvGrpSpPr>
@@ -12898,7 +13220,9 @@
       <p:sp>
         <p:nvSpPr>
           <p:cNvPr id="68" name="Google Shape;68;p9"/>
-          <p:cNvSpPr txBox="1"/>
+          <p:cNvSpPr txBox="1">
+            <a:spLocks noGrp="1"/>
+          </p:cNvSpPr>
           <p:nvPr>
             <p:ph type="title"/>
           </p:nvPr>
@@ -13048,13 +13372,17 @@
               <a:defRPr/>
             </a:lvl9pPr>
           </a:lstStyle>
-          <a:p/>
+          <a:p>
+            <a:endParaRPr/>
+          </a:p>
         </p:txBody>
       </p:sp>
       <p:sp>
         <p:nvSpPr>
           <p:cNvPr id="69" name="Google Shape;69;p9"/>
-          <p:cNvSpPr txBox="1"/>
+          <p:cNvSpPr txBox="1">
+            <a:spLocks noGrp="1"/>
+          </p:cNvSpPr>
           <p:nvPr>
             <p:ph type="body" idx="1"/>
           </p:nvPr>
@@ -13204,13 +13532,17 @@
               <a:defRPr/>
             </a:lvl9pPr>
           </a:lstStyle>
-          <a:p/>
+          <a:p>
+            <a:endParaRPr/>
+          </a:p>
         </p:txBody>
       </p:sp>
       <p:sp>
         <p:nvSpPr>
           <p:cNvPr id="70" name="Google Shape;70;p9"/>
-          <p:cNvSpPr txBox="1"/>
+          <p:cNvSpPr txBox="1">
+            <a:spLocks noGrp="1"/>
+          </p:cNvSpPr>
           <p:nvPr>
             <p:ph type="sldNum" idx="12"/>
           </p:nvPr>
@@ -13480,6 +13812,7 @@
             </a:pPr>
             <a:fld id="{00000000-1234-1234-1234-123412341234}" type="slidenum">
               <a:rPr lang="en-US"/>
+              <a:t>‹#›</a:t>
             </a:fld>
             <a:endParaRPr lang="en-US"/>
           </a:p>
@@ -13521,11 +13854,11 @@
 </file>
 
 <file path=ppt/slideLayouts/slideLayout8.xml><?xml version="1.0" encoding="utf-8"?>
-<p:sldLayout xmlns:a="http://schemas.openxmlformats.org/drawingml/2006/main" xmlns:r="http://schemas.openxmlformats.org/officeDocument/2006/relationships" xmlns:p="http://schemas.openxmlformats.org/presentationml/2006/main" type="secHead" matchingName="Section header">
+<p:sldLayout xmlns:a="http://schemas.openxmlformats.org/drawingml/2006/main" xmlns:r="http://schemas.openxmlformats.org/officeDocument/2006/relationships" xmlns:p="http://schemas.openxmlformats.org/presentationml/2006/main" matchingName="Section header" type="secHead">
   <p:cSld name="SECTION_HEADER">
     <p:spTree>
       <p:nvGrpSpPr>
-        <p:cNvPr id="72" name="Shape 72"/>
+        <p:cNvPr id="1" name="Shape 72"/>
         <p:cNvGrpSpPr/>
         <p:nvPr/>
       </p:nvGrpSpPr>
@@ -13596,7 +13929,9 @@
       <p:sp>
         <p:nvSpPr>
           <p:cNvPr id="74" name="Google Shape;74;p10"/>
-          <p:cNvSpPr txBox="1"/>
+          <p:cNvSpPr txBox="1">
+            <a:spLocks noGrp="1"/>
+          </p:cNvSpPr>
           <p:nvPr>
             <p:ph type="title"/>
           </p:nvPr>
@@ -13746,13 +14081,17 @@
               <a:defRPr/>
             </a:lvl9pPr>
           </a:lstStyle>
-          <a:p/>
+          <a:p>
+            <a:endParaRPr/>
+          </a:p>
         </p:txBody>
       </p:sp>
       <p:sp>
         <p:nvSpPr>
           <p:cNvPr id="75" name="Google Shape;75;p10"/>
-          <p:cNvSpPr txBox="1"/>
+          <p:cNvSpPr txBox="1">
+            <a:spLocks noGrp="1"/>
+          </p:cNvSpPr>
           <p:nvPr>
             <p:ph type="sldNum" idx="12"/>
           </p:nvPr>
@@ -14022,6 +14361,7 @@
             </a:pPr>
             <a:fld id="{00000000-1234-1234-1234-123412341234}" type="slidenum">
               <a:rPr lang="en-US"/>
+              <a:t>‹#›</a:t>
             </a:fld>
             <a:endParaRPr lang="en-US"/>
           </a:p>
@@ -14063,11 +14403,11 @@
 </file>
 
 <file path=ppt/slideLayouts/slideLayout9.xml><?xml version="1.0" encoding="utf-8"?>
-<p:sldLayout xmlns:a="http://schemas.openxmlformats.org/drawingml/2006/main" xmlns:r="http://schemas.openxmlformats.org/officeDocument/2006/relationships" xmlns:p="http://schemas.openxmlformats.org/presentationml/2006/main" type="twoColTx" matchingName="Go 夜读（中浅蓝）">
+<p:sldLayout xmlns:a="http://schemas.openxmlformats.org/drawingml/2006/main" xmlns:r="http://schemas.openxmlformats.org/officeDocument/2006/relationships" xmlns:p="http://schemas.openxmlformats.org/presentationml/2006/main" matchingName="Go 夜读（中浅蓝）" type="twoColTx">
   <p:cSld name="TITLE_AND_TWO_COLUMNS">
     <p:spTree>
       <p:nvGrpSpPr>
-        <p:cNvPr id="77" name="Shape 77"/>
+        <p:cNvPr id="1" name="Shape 77"/>
         <p:cNvGrpSpPr/>
         <p:nvPr/>
       </p:nvGrpSpPr>
@@ -14082,7 +14422,9 @@
       <p:sp>
         <p:nvSpPr>
           <p:cNvPr id="78" name="Google Shape;78;p11"/>
-          <p:cNvSpPr txBox="1"/>
+          <p:cNvSpPr txBox="1">
+            <a:spLocks noGrp="1"/>
+          </p:cNvSpPr>
           <p:nvPr>
             <p:ph type="title"/>
           </p:nvPr>
@@ -14232,13 +14574,17 @@
               <a:defRPr/>
             </a:lvl9pPr>
           </a:lstStyle>
-          <a:p/>
+          <a:p>
+            <a:endParaRPr/>
+          </a:p>
         </p:txBody>
       </p:sp>
       <p:sp>
         <p:nvSpPr>
           <p:cNvPr id="79" name="Google Shape;79;p11"/>
-          <p:cNvSpPr txBox="1"/>
+          <p:cNvSpPr txBox="1">
+            <a:spLocks noGrp="1"/>
+          </p:cNvSpPr>
           <p:nvPr>
             <p:ph type="body" idx="1"/>
           </p:nvPr>
@@ -14388,13 +14734,17 @@
               <a:defRPr sz="1200"/>
             </a:lvl9pPr>
           </a:lstStyle>
-          <a:p/>
+          <a:p>
+            <a:endParaRPr/>
+          </a:p>
         </p:txBody>
       </p:sp>
       <p:sp>
         <p:nvSpPr>
           <p:cNvPr id="80" name="Google Shape;80;p11"/>
-          <p:cNvSpPr txBox="1"/>
+          <p:cNvSpPr txBox="1">
+            <a:spLocks noGrp="1"/>
+          </p:cNvSpPr>
           <p:nvPr>
             <p:ph type="body" idx="2"/>
           </p:nvPr>
@@ -14544,13 +14894,17 @@
               <a:defRPr sz="1200"/>
             </a:lvl9pPr>
           </a:lstStyle>
-          <a:p/>
+          <a:p>
+            <a:endParaRPr/>
+          </a:p>
         </p:txBody>
       </p:sp>
       <p:sp>
         <p:nvSpPr>
           <p:cNvPr id="81" name="Google Shape;81;p11"/>
-          <p:cNvSpPr txBox="1"/>
+          <p:cNvSpPr txBox="1">
+            <a:spLocks noGrp="1"/>
+          </p:cNvSpPr>
           <p:nvPr>
             <p:ph type="sldNum" idx="12"/>
           </p:nvPr>
@@ -14820,6 +15174,7 @@
             </a:pPr>
             <a:fld id="{00000000-1234-1234-1234-123412341234}" type="slidenum">
               <a:rPr lang="en-US"/>
+              <a:t>‹#›</a:t>
             </a:fld>
             <a:endParaRPr lang="en-US"/>
           </a:p>
@@ -14873,7 +15228,7 @@
     </p:bg>
     <p:spTree>
       <p:nvGrpSpPr>
-        <p:cNvPr id="9" name="Shape 9"/>
+        <p:cNvPr id="1" name="Shape 9"/>
         <p:cNvGrpSpPr/>
         <p:nvPr/>
       </p:nvGrpSpPr>
@@ -14954,7 +15309,9 @@
       <p:sp>
         <p:nvSpPr>
           <p:cNvPr id="11" name="Google Shape;11;p1"/>
-          <p:cNvSpPr txBox="1"/>
+          <p:cNvSpPr txBox="1">
+            <a:spLocks noGrp="1"/>
+          </p:cNvSpPr>
           <p:nvPr>
             <p:ph type="title"/>
           </p:nvPr>
@@ -15085,13 +15442,17 @@
               <a:defRPr sz="1800"/>
             </a:lvl9pPr>
           </a:lstStyle>
-          <a:p/>
+          <a:p>
+            <a:endParaRPr/>
+          </a:p>
         </p:txBody>
       </p:sp>
       <p:sp>
         <p:nvSpPr>
           <p:cNvPr id="12" name="Google Shape;12;p1"/>
-          <p:cNvSpPr txBox="1"/>
+          <p:cNvSpPr txBox="1">
+            <a:spLocks noGrp="1"/>
+          </p:cNvSpPr>
           <p:nvPr>
             <p:ph type="body" idx="1"/>
           </p:nvPr>
@@ -15262,13 +15623,17 @@
               </a:defRPr>
             </a:lvl9pPr>
           </a:lstStyle>
-          <a:p/>
+          <a:p>
+            <a:endParaRPr/>
+          </a:p>
         </p:txBody>
       </p:sp>
       <p:sp>
         <p:nvSpPr>
           <p:cNvPr id="13" name="Google Shape;13;p1"/>
-          <p:cNvSpPr txBox="1"/>
+          <p:cNvSpPr txBox="1">
+            <a:spLocks noGrp="1"/>
+          </p:cNvSpPr>
           <p:nvPr>
             <p:ph type="ftr" idx="11"/>
           </p:nvPr>
@@ -15463,13 +15828,17 @@
               </a:defRPr>
             </a:lvl9pPr>
           </a:lstStyle>
-          <a:p/>
+          <a:p>
+            <a:endParaRPr/>
+          </a:p>
         </p:txBody>
       </p:sp>
       <p:sp>
         <p:nvSpPr>
           <p:cNvPr id="14" name="Google Shape;14;p1"/>
-          <p:cNvSpPr txBox="1"/>
+          <p:cNvSpPr txBox="1">
+            <a:spLocks noGrp="1"/>
+          </p:cNvSpPr>
           <p:nvPr>
             <p:ph type="dt" idx="10"/>
           </p:nvPr>
@@ -15664,13 +16033,17 @@
               </a:defRPr>
             </a:lvl9pPr>
           </a:lstStyle>
-          <a:p/>
+          <a:p>
+            <a:endParaRPr/>
+          </a:p>
         </p:txBody>
       </p:sp>
       <p:sp>
         <p:nvSpPr>
           <p:cNvPr id="15" name="Google Shape;15;p1"/>
-          <p:cNvSpPr txBox="1"/>
+          <p:cNvSpPr txBox="1">
+            <a:spLocks noGrp="1"/>
+          </p:cNvSpPr>
           <p:nvPr>
             <p:ph type="sldNum" idx="12"/>
           </p:nvPr>
@@ -15841,6 +16214,7 @@
             </a:pPr>
             <a:fld id="{00000000-1234-1234-1234-123412341234}" type="slidenum">
               <a:rPr lang="en-US"/>
+              <a:t>‹#›</a:t>
             </a:fld>
             <a:endParaRPr b="0" u="none"/>
           </a:p>
@@ -16562,7 +16936,7 @@
     </p:bg>
     <p:spTree>
       <p:nvGrpSpPr>
-        <p:cNvPr id="48" name="Shape 48"/>
+        <p:cNvPr id="1" name="Shape 48"/>
         <p:cNvGrpSpPr/>
         <p:nvPr/>
       </p:nvGrpSpPr>
@@ -16577,7 +16951,9 @@
       <p:sp>
         <p:nvSpPr>
           <p:cNvPr id="49" name="Google Shape;49;p7"/>
-          <p:cNvSpPr txBox="1"/>
+          <p:cNvSpPr txBox="1">
+            <a:spLocks noGrp="1"/>
+          </p:cNvSpPr>
           <p:nvPr>
             <p:ph type="title"/>
           </p:nvPr>
@@ -16835,13 +17211,17 @@
               </a:defRPr>
             </a:lvl9pPr>
           </a:lstStyle>
-          <a:p/>
+          <a:p>
+            <a:endParaRPr/>
+          </a:p>
         </p:txBody>
       </p:sp>
       <p:sp>
         <p:nvSpPr>
           <p:cNvPr id="50" name="Google Shape;50;p7"/>
-          <p:cNvSpPr txBox="1"/>
+          <p:cNvSpPr txBox="1">
+            <a:spLocks noGrp="1"/>
+          </p:cNvSpPr>
           <p:nvPr>
             <p:ph type="body" idx="1"/>
           </p:nvPr>
@@ -17099,13 +17479,17 @@
               </a:defRPr>
             </a:lvl9pPr>
           </a:lstStyle>
-          <a:p/>
+          <a:p>
+            <a:endParaRPr/>
+          </a:p>
         </p:txBody>
       </p:sp>
       <p:sp>
         <p:nvSpPr>
           <p:cNvPr id="51" name="Google Shape;51;p7"/>
-          <p:cNvSpPr txBox="1"/>
+          <p:cNvSpPr txBox="1">
+            <a:spLocks noGrp="1"/>
+          </p:cNvSpPr>
           <p:nvPr>
             <p:ph type="sldNum" idx="12"/>
           </p:nvPr>
@@ -17375,6 +17759,7 @@
             </a:pPr>
             <a:fld id="{00000000-1234-1234-1234-123412341234}" type="slidenum">
               <a:rPr lang="en-US"/>
+              <a:t>‹#›</a:t>
             </a:fld>
             <a:endParaRPr lang="en-US"/>
           </a:p>
@@ -17387,7 +17772,7 @@
           <p:nvPr/>
         </p:nvPicPr>
         <p:blipFill rotWithShape="1">
-          <a:blip r:embed="rId10"/>
+          <a:blip r:embed="rId11"/>
           <a:srcRect/>
           <a:stretch>
             <a:fillRect/>
@@ -18119,7 +18504,7 @@
   <p:cSld>
     <p:spTree>
       <p:nvGrpSpPr>
-        <p:cNvPr id="110" name="Shape 110"/>
+        <p:cNvPr id="1" name="Shape 110"/>
         <p:cNvGrpSpPr/>
         <p:nvPr/>
       </p:nvGrpSpPr>
@@ -18134,7 +18519,9 @@
       <p:sp>
         <p:nvSpPr>
           <p:cNvPr id="111" name="Google Shape;111;p17"/>
-          <p:cNvSpPr txBox="1"/>
+          <p:cNvSpPr txBox="1">
+            <a:spLocks noGrp="1"/>
+          </p:cNvSpPr>
           <p:nvPr>
             <p:ph type="ctrTitle"/>
           </p:nvPr>
@@ -18179,14 +18566,15 @@
               <a:rPr lang="en-US" sz="4400"/>
               <a:t>框架设计</a:t>
             </a:r>
-            <a:endParaRPr lang="en-US" sz="4400"/>
           </a:p>
         </p:txBody>
       </p:sp>
       <p:sp>
         <p:nvSpPr>
           <p:cNvPr id="112" name="Google Shape;112;p17"/>
-          <p:cNvSpPr txBox="1"/>
+          <p:cNvSpPr txBox="1">
+            <a:spLocks noGrp="1"/>
+          </p:cNvSpPr>
           <p:nvPr>
             <p:ph type="subTitle" idx="1"/>
           </p:nvPr>
@@ -18227,7 +18615,6 @@
               <a:rPr lang="en-US"/>
               <a:t>Printfcoder</a:t>
             </a:r>
-            <a:endParaRPr lang="en-US"/>
           </a:p>
           <a:p>
             <a:pPr marL="0" lvl="0" indent="0" algn="ctr" rtl="0">
@@ -18247,14 +18634,15 @@
               <a:rPr lang="en-US"/>
               <a:t>2019-10-10</a:t>
             </a:r>
-            <a:endParaRPr lang="en-US"/>
           </a:p>
         </p:txBody>
       </p:sp>
       <p:sp>
         <p:nvSpPr>
           <p:cNvPr id="113" name="Google Shape;113;p17"/>
-          <p:cNvSpPr txBox="1"/>
+          <p:cNvSpPr txBox="1">
+            <a:spLocks noGrp="1"/>
+          </p:cNvSpPr>
           <p:nvPr>
             <p:ph type="sldNum" idx="12"/>
           </p:nvPr>
@@ -18293,6 +18681,7 @@
             </a:pPr>
             <a:fld id="{00000000-1234-1234-1234-123412341234}" type="slidenum">
               <a:rPr lang="en-US"/>
+              <a:t>1</a:t>
             </a:fld>
             <a:endParaRPr lang="en-US"/>
           </a:p>
@@ -18311,7 +18700,7 @@
   <p:cSld>
     <p:spTree>
       <p:nvGrpSpPr>
-        <p:cNvPr id="218" name="Shape 218"/>
+        <p:cNvPr id="1" name="Shape 218"/>
         <p:cNvGrpSpPr/>
         <p:nvPr/>
       </p:nvGrpSpPr>
@@ -18326,7 +18715,9 @@
       <p:sp>
         <p:nvSpPr>
           <p:cNvPr id="219" name="Google Shape;219;p26"/>
-          <p:cNvSpPr txBox="1"/>
+          <p:cNvSpPr txBox="1">
+            <a:spLocks noGrp="1"/>
+          </p:cNvSpPr>
           <p:nvPr>
             <p:ph type="sldNum" idx="12"/>
           </p:nvPr>
@@ -18365,6 +18756,7 @@
             </a:pPr>
             <a:fld id="{00000000-1234-1234-1234-123412341234}" type="slidenum">
               <a:rPr lang="en-US"/>
+              <a:t>10</a:t>
             </a:fld>
             <a:endParaRPr lang="en-US"/>
           </a:p>
@@ -18373,7 +18765,9 @@
       <p:sp>
         <p:nvSpPr>
           <p:cNvPr id="220" name="Google Shape;220;p26"/>
-          <p:cNvSpPr txBox="1"/>
+          <p:cNvSpPr txBox="1">
+            <a:spLocks noGrp="1"/>
+          </p:cNvSpPr>
           <p:nvPr>
             <p:ph type="title"/>
           </p:nvPr>
@@ -18414,7 +18808,6 @@
               <a:rPr lang="en-US"/>
               <a:t>Micro Web</a:t>
             </a:r>
-            <a:endParaRPr lang="en-US"/>
           </a:p>
         </p:txBody>
       </p:sp>
@@ -18620,15 +19013,6 @@
               </a:rPr>
               <a:t>Micro</a:t>
             </a:r>
-            <a:endParaRPr lang="en-US" sz="1400" b="1" i="0" u="none" strike="noStrike" cap="none">
-              <a:solidFill>
-                <a:schemeClr val="lt1"/>
-              </a:solidFill>
-              <a:latin typeface="Arial" panose="020B0604020202020204"/>
-              <a:ea typeface="Arial" panose="020B0604020202020204"/>
-              <a:cs typeface="Arial" panose="020B0604020202020204"/>
-              <a:sym typeface="Arial" panose="020B0604020202020204"/>
-            </a:endParaRPr>
           </a:p>
           <a:p>
             <a:pPr marL="0" marR="0" lvl="0" indent="0" algn="ctr" rtl="0">
@@ -18655,15 +19039,6 @@
               </a:rPr>
               <a:t>Web</a:t>
             </a:r>
-            <a:endParaRPr lang="en-US" sz="1400" b="1" i="0" u="none" strike="noStrike" cap="none">
-              <a:solidFill>
-                <a:schemeClr val="lt1"/>
-              </a:solidFill>
-              <a:latin typeface="Arial" panose="020B0604020202020204"/>
-              <a:ea typeface="Arial" panose="020B0604020202020204"/>
-              <a:cs typeface="Arial" panose="020B0604020202020204"/>
-              <a:sym typeface="Arial" panose="020B0604020202020204"/>
-            </a:endParaRPr>
           </a:p>
         </p:txBody>
       </p:sp>
@@ -18759,15 +19134,6 @@
               </a:rPr>
               <a:t>API</a:t>
             </a:r>
-            <a:endParaRPr lang="en-US" sz="1050" b="0" i="0" u="none" strike="noStrike" cap="none">
-              <a:solidFill>
-                <a:schemeClr val="lt1"/>
-              </a:solidFill>
-              <a:latin typeface="Arial" panose="020B0604020202020204"/>
-              <a:ea typeface="Arial" panose="020B0604020202020204"/>
-              <a:cs typeface="Arial" panose="020B0604020202020204"/>
-              <a:sym typeface="Arial" panose="020B0604020202020204"/>
-            </a:endParaRPr>
           </a:p>
         </p:txBody>
       </p:sp>
@@ -18828,15 +19194,6 @@
               </a:rPr>
               <a:t>Order</a:t>
             </a:r>
-            <a:endParaRPr lang="en-US" sz="1050" b="0" i="0" u="none" strike="noStrike" cap="none">
-              <a:solidFill>
-                <a:schemeClr val="lt1"/>
-              </a:solidFill>
-              <a:latin typeface="Arial" panose="020B0604020202020204"/>
-              <a:ea typeface="Arial" panose="020B0604020202020204"/>
-              <a:cs typeface="Arial" panose="020B0604020202020204"/>
-              <a:sym typeface="Arial" panose="020B0604020202020204"/>
-            </a:endParaRPr>
           </a:p>
           <a:p>
             <a:pPr marL="0" marR="0" lvl="0" indent="0" algn="ctr" rtl="0">
@@ -18863,15 +19220,6 @@
               </a:rPr>
               <a:t>Web</a:t>
             </a:r>
-            <a:endParaRPr lang="en-US" sz="1050" b="0" i="0" u="none" strike="noStrike" cap="none">
-              <a:solidFill>
-                <a:schemeClr val="lt1"/>
-              </a:solidFill>
-              <a:latin typeface="Arial" panose="020B0604020202020204"/>
-              <a:ea typeface="Arial" panose="020B0604020202020204"/>
-              <a:cs typeface="Arial" panose="020B0604020202020204"/>
-              <a:sym typeface="Arial" panose="020B0604020202020204"/>
-            </a:endParaRPr>
           </a:p>
         </p:txBody>
       </p:sp>
@@ -18967,15 +19315,6 @@
               </a:rPr>
               <a:t>SRV</a:t>
             </a:r>
-            <a:endParaRPr lang="en-US" sz="1050" b="0" i="0" u="none" strike="noStrike" cap="none">
-              <a:solidFill>
-                <a:schemeClr val="lt1"/>
-              </a:solidFill>
-              <a:latin typeface="Arial" panose="020B0604020202020204"/>
-              <a:ea typeface="Arial" panose="020B0604020202020204"/>
-              <a:cs typeface="Arial" panose="020B0604020202020204"/>
-              <a:sym typeface="Arial" panose="020B0604020202020204"/>
-            </a:endParaRPr>
           </a:p>
         </p:txBody>
       </p:sp>
@@ -19036,15 +19375,6 @@
               </a:rPr>
               <a:t>Order</a:t>
             </a:r>
-            <a:endParaRPr lang="en-US" sz="1050" b="0" i="0" u="none" strike="noStrike" cap="none">
-              <a:solidFill>
-                <a:schemeClr val="lt1"/>
-              </a:solidFill>
-              <a:latin typeface="Arial" panose="020B0604020202020204"/>
-              <a:ea typeface="Arial" panose="020B0604020202020204"/>
-              <a:cs typeface="Arial" panose="020B0604020202020204"/>
-              <a:sym typeface="Arial" panose="020B0604020202020204"/>
-            </a:endParaRPr>
           </a:p>
           <a:p>
             <a:pPr marL="0" marR="0" lvl="0" indent="0" algn="ctr" rtl="0">
@@ -19071,15 +19401,6 @@
               </a:rPr>
               <a:t>SRV</a:t>
             </a:r>
-            <a:endParaRPr lang="en-US" sz="1050" b="0" i="0" u="none" strike="noStrike" cap="none">
-              <a:solidFill>
-                <a:schemeClr val="lt1"/>
-              </a:solidFill>
-              <a:latin typeface="Arial" panose="020B0604020202020204"/>
-              <a:ea typeface="Arial" panose="020B0604020202020204"/>
-              <a:cs typeface="Arial" panose="020B0604020202020204"/>
-              <a:sym typeface="Arial" panose="020B0604020202020204"/>
-            </a:endParaRPr>
           </a:p>
         </p:txBody>
       </p:sp>
@@ -19287,15 +19608,6 @@
               </a:rPr>
               <a:t>Dashboard</a:t>
             </a:r>
-            <a:endParaRPr lang="en-US" sz="1050" b="0" i="0" u="none" strike="noStrike" cap="none">
-              <a:solidFill>
-                <a:schemeClr val="lt1"/>
-              </a:solidFill>
-              <a:latin typeface="Arial" panose="020B0604020202020204"/>
-              <a:ea typeface="Arial" panose="020B0604020202020204"/>
-              <a:cs typeface="Arial" panose="020B0604020202020204"/>
-              <a:sym typeface="Arial" panose="020B0604020202020204"/>
-            </a:endParaRPr>
           </a:p>
         </p:txBody>
       </p:sp>
@@ -19356,15 +19668,6 @@
               </a:rPr>
               <a:t>Proxy</a:t>
             </a:r>
-            <a:endParaRPr lang="en-US" sz="1050" b="0" i="0" u="none" strike="noStrike" cap="none">
-              <a:solidFill>
-                <a:schemeClr val="lt1"/>
-              </a:solidFill>
-              <a:latin typeface="Arial" panose="020B0604020202020204"/>
-              <a:ea typeface="Arial" panose="020B0604020202020204"/>
-              <a:cs typeface="Arial" panose="020B0604020202020204"/>
-              <a:sym typeface="Arial" panose="020B0604020202020204"/>
-            </a:endParaRPr>
           </a:p>
         </p:txBody>
       </p:sp>
@@ -19503,7 +19806,7 @@
   <p:cSld>
     <p:spTree>
       <p:nvGrpSpPr>
-        <p:cNvPr id="240" name="Shape 240"/>
+        <p:cNvPr id="1" name="Shape 240"/>
         <p:cNvGrpSpPr/>
         <p:nvPr/>
       </p:nvGrpSpPr>
@@ -19518,7 +19821,9 @@
       <p:sp>
         <p:nvSpPr>
           <p:cNvPr id="241" name="Google Shape;241;p27"/>
-          <p:cNvSpPr txBox="1"/>
+          <p:cNvSpPr txBox="1">
+            <a:spLocks noGrp="1"/>
+          </p:cNvSpPr>
           <p:nvPr>
             <p:ph type="sldNum" idx="12"/>
           </p:nvPr>
@@ -19557,6 +19862,7 @@
             </a:pPr>
             <a:fld id="{00000000-1234-1234-1234-123412341234}" type="slidenum">
               <a:rPr lang="en-US"/>
+              <a:t>11</a:t>
             </a:fld>
             <a:endParaRPr lang="en-US"/>
           </a:p>
@@ -19565,7 +19871,9 @@
       <p:sp>
         <p:nvSpPr>
           <p:cNvPr id="242" name="Google Shape;242;p27"/>
-          <p:cNvSpPr txBox="1"/>
+          <p:cNvSpPr txBox="1">
+            <a:spLocks noGrp="1"/>
+          </p:cNvSpPr>
           <p:nvPr>
             <p:ph type="title"/>
           </p:nvPr>
@@ -19606,7 +19914,6 @@
               <a:rPr lang="en-US"/>
               <a:t>Micro Proxy</a:t>
             </a:r>
-            <a:endParaRPr lang="en-US"/>
           </a:p>
         </p:txBody>
       </p:sp>
@@ -19874,15 +20181,6 @@
               </a:rPr>
               <a:t>Service</a:t>
             </a:r>
-            <a:endParaRPr lang="en-US" sz="1050" b="0" i="0" u="none" strike="noStrike" cap="none">
-              <a:solidFill>
-                <a:schemeClr val="lt1"/>
-              </a:solidFill>
-              <a:latin typeface="Arial" panose="020B0604020202020204"/>
-              <a:ea typeface="Arial" panose="020B0604020202020204"/>
-              <a:cs typeface="Arial" panose="020B0604020202020204"/>
-              <a:sym typeface="Arial" panose="020B0604020202020204"/>
-            </a:endParaRPr>
           </a:p>
           <a:p>
             <a:pPr marL="0" marR="0" lvl="0" indent="0" algn="ctr" rtl="0">
@@ -19909,15 +20207,6 @@
               </a:rPr>
               <a:t>A</a:t>
             </a:r>
-            <a:endParaRPr lang="en-US" sz="1050" b="0" i="0" u="none" strike="noStrike" cap="none">
-              <a:solidFill>
-                <a:schemeClr val="lt1"/>
-              </a:solidFill>
-              <a:latin typeface="Arial" panose="020B0604020202020204"/>
-              <a:ea typeface="Arial" panose="020B0604020202020204"/>
-              <a:cs typeface="Arial" panose="020B0604020202020204"/>
-              <a:sym typeface="Arial" panose="020B0604020202020204"/>
-            </a:endParaRPr>
           </a:p>
         </p:txBody>
       </p:sp>
@@ -19978,15 +20267,6 @@
               </a:rPr>
               <a:t>Micro</a:t>
             </a:r>
-            <a:endParaRPr lang="en-US" sz="1050" b="0" i="0" u="none" strike="noStrike" cap="none">
-              <a:solidFill>
-                <a:schemeClr val="lt1"/>
-              </a:solidFill>
-              <a:latin typeface="Arial" panose="020B0604020202020204"/>
-              <a:ea typeface="Arial" panose="020B0604020202020204"/>
-              <a:cs typeface="Arial" panose="020B0604020202020204"/>
-              <a:sym typeface="Arial" panose="020B0604020202020204"/>
-            </a:endParaRPr>
           </a:p>
           <a:p>
             <a:pPr marL="0" marR="0" lvl="0" indent="0" algn="ctr" rtl="0">
@@ -20013,15 +20293,6 @@
               </a:rPr>
               <a:t>Proxy</a:t>
             </a:r>
-            <a:endParaRPr lang="en-US" sz="1050" b="0" i="0" u="none" strike="noStrike" cap="none">
-              <a:solidFill>
-                <a:schemeClr val="lt1"/>
-              </a:solidFill>
-              <a:latin typeface="Arial" panose="020B0604020202020204"/>
-              <a:ea typeface="Arial" panose="020B0604020202020204"/>
-              <a:cs typeface="Arial" panose="020B0604020202020204"/>
-              <a:sym typeface="Arial" panose="020B0604020202020204"/>
-            </a:endParaRPr>
           </a:p>
         </p:txBody>
       </p:sp>
@@ -20082,15 +20353,6 @@
               </a:rPr>
               <a:t>Service</a:t>
             </a:r>
-            <a:endParaRPr lang="en-US" sz="1050" b="0" i="0" u="none" strike="noStrike" cap="none">
-              <a:solidFill>
-                <a:schemeClr val="lt1"/>
-              </a:solidFill>
-              <a:latin typeface="Arial" panose="020B0604020202020204"/>
-              <a:ea typeface="Arial" panose="020B0604020202020204"/>
-              <a:cs typeface="Arial" panose="020B0604020202020204"/>
-              <a:sym typeface="Arial" panose="020B0604020202020204"/>
-            </a:endParaRPr>
           </a:p>
           <a:p>
             <a:pPr marL="0" marR="0" lvl="0" indent="0" algn="ctr" rtl="0">
@@ -20117,15 +20379,6 @@
               </a:rPr>
               <a:t>B</a:t>
             </a:r>
-            <a:endParaRPr lang="en-US" sz="1050" b="0" i="0" u="none" strike="noStrike" cap="none">
-              <a:solidFill>
-                <a:schemeClr val="lt1"/>
-              </a:solidFill>
-              <a:latin typeface="Arial" panose="020B0604020202020204"/>
-              <a:ea typeface="Arial" panose="020B0604020202020204"/>
-              <a:cs typeface="Arial" panose="020B0604020202020204"/>
-              <a:sym typeface="Arial" panose="020B0604020202020204"/>
-            </a:endParaRPr>
           </a:p>
         </p:txBody>
       </p:sp>
@@ -20186,15 +20439,6 @@
               </a:rPr>
               <a:t>Registry</a:t>
             </a:r>
-            <a:endParaRPr lang="en-US" sz="1050" b="0" i="0" u="none" strike="noStrike" cap="none">
-              <a:solidFill>
-                <a:schemeClr val="lt1"/>
-              </a:solidFill>
-              <a:latin typeface="Arial" panose="020B0604020202020204"/>
-              <a:ea typeface="Arial" panose="020B0604020202020204"/>
-              <a:cs typeface="Arial" panose="020B0604020202020204"/>
-              <a:sym typeface="Arial" panose="020B0604020202020204"/>
-            </a:endParaRPr>
           </a:p>
         </p:txBody>
       </p:sp>
@@ -20333,15 +20577,6 @@
               </a:rPr>
               <a:t>1. Call</a:t>
             </a:r>
-            <a:endParaRPr lang="en-US" sz="1400" b="0" i="0" u="none" strike="noStrike" cap="none">
-              <a:solidFill>
-                <a:srgbClr val="000000"/>
-              </a:solidFill>
-              <a:latin typeface="Arial" panose="020B0604020202020204"/>
-              <a:ea typeface="Arial" panose="020B0604020202020204"/>
-              <a:cs typeface="Arial" panose="020B0604020202020204"/>
-              <a:sym typeface="Arial" panose="020B0604020202020204"/>
-            </a:endParaRPr>
           </a:p>
           <a:p>
             <a:pPr marL="0" marR="0" lvl="0" indent="0" algn="l" rtl="0">
@@ -20429,15 +20664,6 @@
               </a:rPr>
               <a:t>3. Call</a:t>
             </a:r>
-            <a:endParaRPr lang="en-US" sz="1400" b="0" i="0" u="none" strike="noStrike" cap="none">
-              <a:solidFill>
-                <a:srgbClr val="000000"/>
-              </a:solidFill>
-              <a:latin typeface="Arial" panose="020B0604020202020204"/>
-              <a:ea typeface="Arial" panose="020B0604020202020204"/>
-              <a:cs typeface="Arial" panose="020B0604020202020204"/>
-              <a:sym typeface="Arial" panose="020B0604020202020204"/>
-            </a:endParaRPr>
           </a:p>
           <a:p>
             <a:pPr marL="0" marR="0" lvl="0" indent="0" algn="l" rtl="0">
@@ -20525,15 +20751,6 @@
               </a:rPr>
               <a:t>2. Get</a:t>
             </a:r>
-            <a:endParaRPr lang="en-US" sz="1400" b="0" i="0" u="none" strike="noStrike" cap="none">
-              <a:solidFill>
-                <a:srgbClr val="000000"/>
-              </a:solidFill>
-              <a:latin typeface="Arial" panose="020B0604020202020204"/>
-              <a:ea typeface="Arial" panose="020B0604020202020204"/>
-              <a:cs typeface="Arial" panose="020B0604020202020204"/>
-              <a:sym typeface="Arial" panose="020B0604020202020204"/>
-            </a:endParaRPr>
           </a:p>
           <a:p>
             <a:pPr marL="0" marR="0" lvl="0" indent="0" algn="l" rtl="0">
@@ -20585,7 +20802,7 @@
   <p:cSld>
     <p:spTree>
       <p:nvGrpSpPr>
-        <p:cNvPr id="259" name="Shape 259"/>
+        <p:cNvPr id="1" name="Shape 259"/>
         <p:cNvGrpSpPr/>
         <p:nvPr/>
       </p:nvGrpSpPr>
@@ -20600,7 +20817,9 @@
       <p:sp>
         <p:nvSpPr>
           <p:cNvPr id="260" name="Google Shape;260;p28"/>
-          <p:cNvSpPr txBox="1"/>
+          <p:cNvSpPr txBox="1">
+            <a:spLocks noGrp="1"/>
+          </p:cNvSpPr>
           <p:nvPr>
             <p:ph type="title"/>
           </p:nvPr>
@@ -20641,14 +20860,15 @@
               <a:rPr lang="en-US"/>
               <a:t>Micro CLI</a:t>
             </a:r>
-            <a:endParaRPr lang="en-US"/>
           </a:p>
         </p:txBody>
       </p:sp>
       <p:sp>
         <p:nvSpPr>
           <p:cNvPr id="261" name="Google Shape;261;p28"/>
-          <p:cNvSpPr txBox="1"/>
+          <p:cNvSpPr txBox="1">
+            <a:spLocks noGrp="1"/>
+          </p:cNvSpPr>
           <p:nvPr>
             <p:ph type="sldNum" idx="12"/>
           </p:nvPr>
@@ -20687,6 +20907,7 @@
             </a:pPr>
             <a:fld id="{00000000-1234-1234-1234-123412341234}" type="slidenum">
               <a:rPr lang="en-US"/>
+              <a:t>12</a:t>
             </a:fld>
             <a:endParaRPr lang="en-US"/>
           </a:p>
@@ -20888,7 +21109,7 @@
   <p:cSld>
     <p:spTree>
       <p:nvGrpSpPr>
-        <p:cNvPr id="268" name="Shape 268"/>
+        <p:cNvPr id="1" name="Shape 268"/>
         <p:cNvGrpSpPr/>
         <p:nvPr/>
       </p:nvGrpSpPr>
@@ -20903,7 +21124,9 @@
       <p:sp>
         <p:nvSpPr>
           <p:cNvPr id="269" name="Google Shape;269;p29"/>
-          <p:cNvSpPr txBox="1"/>
+          <p:cNvSpPr txBox="1">
+            <a:spLocks noGrp="1"/>
+          </p:cNvSpPr>
           <p:nvPr>
             <p:ph type="title"/>
           </p:nvPr>
@@ -20944,14 +21167,15 @@
               <a:rPr lang="en-US"/>
               <a:t>Micro Bot</a:t>
             </a:r>
-            <a:endParaRPr lang="en-US"/>
           </a:p>
         </p:txBody>
       </p:sp>
       <p:sp>
         <p:nvSpPr>
           <p:cNvPr id="270" name="Google Shape;270;p29"/>
-          <p:cNvSpPr txBox="1"/>
+          <p:cNvSpPr txBox="1">
+            <a:spLocks noGrp="1"/>
+          </p:cNvSpPr>
           <p:nvPr>
             <p:ph type="sldNum" idx="12"/>
           </p:nvPr>
@@ -20990,6 +21214,7 @@
             </a:pPr>
             <a:fld id="{00000000-1234-1234-1234-123412341234}" type="slidenum">
               <a:rPr lang="en-US"/>
+              <a:t>13</a:t>
             </a:fld>
             <a:endParaRPr lang="en-US"/>
           </a:p>
@@ -21063,7 +21288,7 @@
           <p:nvPr/>
         </p:nvPicPr>
         <p:blipFill rotWithShape="1">
-          <a:blip r:embed="rId1"/>
+          <a:blip r:embed="rId3"/>
           <a:srcRect/>
           <a:stretch>
             <a:fillRect/>
@@ -21218,7 +21443,7 @@
   <p:cSld>
     <p:spTree>
       <p:nvGrpSpPr>
-        <p:cNvPr id="278" name="Shape 278"/>
+        <p:cNvPr id="1" name="Shape 278"/>
         <p:cNvGrpSpPr/>
         <p:nvPr/>
       </p:nvGrpSpPr>
@@ -21233,7 +21458,9 @@
       <p:sp>
         <p:nvSpPr>
           <p:cNvPr id="279" name="Google Shape;279;p30"/>
-          <p:cNvSpPr txBox="1"/>
+          <p:cNvSpPr txBox="1">
+            <a:spLocks noGrp="1"/>
+          </p:cNvSpPr>
           <p:nvPr>
             <p:ph type="title"/>
           </p:nvPr>
@@ -21274,14 +21501,15 @@
               <a:rPr lang="en-US"/>
               <a:t>Go-Micro 框架</a:t>
             </a:r>
-            <a:endParaRPr lang="en-US"/>
           </a:p>
         </p:txBody>
       </p:sp>
       <p:sp>
         <p:nvSpPr>
           <p:cNvPr id="280" name="Google Shape;280;p30"/>
-          <p:cNvSpPr txBox="1"/>
+          <p:cNvSpPr txBox="1">
+            <a:spLocks noGrp="1"/>
+          </p:cNvSpPr>
           <p:nvPr>
             <p:ph type="sldNum" idx="12"/>
           </p:nvPr>
@@ -21320,6 +21548,7 @@
             </a:pPr>
             <a:fld id="{00000000-1234-1234-1234-123412341234}" type="slidenum">
               <a:rPr lang="en-US"/>
+              <a:t>14</a:t>
             </a:fld>
             <a:endParaRPr lang="en-US"/>
           </a:p>
@@ -21338,7 +21567,7 @@
   <p:cSld>
     <p:spTree>
       <p:nvGrpSpPr>
-        <p:cNvPr id="284" name="Shape 284"/>
+        <p:cNvPr id="1" name="Shape 284"/>
         <p:cNvGrpSpPr/>
         <p:nvPr/>
       </p:nvGrpSpPr>
@@ -21353,7 +21582,9 @@
       <p:sp>
         <p:nvSpPr>
           <p:cNvPr id="285" name="Google Shape;285;p31"/>
-          <p:cNvSpPr txBox="1"/>
+          <p:cNvSpPr txBox="1">
+            <a:spLocks noGrp="1"/>
+          </p:cNvSpPr>
           <p:nvPr>
             <p:ph type="title"/>
           </p:nvPr>
@@ -21394,14 +21625,15 @@
               <a:rPr lang="en-US"/>
               <a:t>Go-micro 框架模块 </a:t>
             </a:r>
-            <a:endParaRPr lang="en-US"/>
           </a:p>
         </p:txBody>
       </p:sp>
       <p:sp>
         <p:nvSpPr>
           <p:cNvPr id="286" name="Google Shape;286;p31"/>
-          <p:cNvSpPr txBox="1"/>
+          <p:cNvSpPr txBox="1">
+            <a:spLocks noGrp="1"/>
+          </p:cNvSpPr>
           <p:nvPr>
             <p:ph type="sldNum" idx="12"/>
           </p:nvPr>
@@ -21440,6 +21672,7 @@
             </a:pPr>
             <a:fld id="{00000000-1234-1234-1234-123412341234}" type="slidenum">
               <a:rPr lang="en-US"/>
+              <a:t>15</a:t>
             </a:fld>
             <a:endParaRPr lang="en-US"/>
           </a:p>
@@ -21530,15 +21763,6 @@
               </a:rPr>
               <a:t>Server</a:t>
             </a:r>
-            <a:endParaRPr lang="en-US" sz="1400" b="0" i="0" u="none" strike="noStrike" cap="none">
-              <a:solidFill>
-                <a:srgbClr val="FF0000"/>
-              </a:solidFill>
-              <a:latin typeface="Courier New" panose="02070309020205020404"/>
-              <a:ea typeface="Courier New" panose="02070309020205020404"/>
-              <a:cs typeface="Courier New" panose="02070309020205020404"/>
-              <a:sym typeface="Courier New" panose="02070309020205020404"/>
-            </a:endParaRPr>
           </a:p>
         </p:txBody>
       </p:sp>
@@ -22766,7 +22990,7 @@
   <p:cSld>
     <p:spTree>
       <p:nvGrpSpPr>
-        <p:cNvPr id="308" name="Shape 308"/>
+        <p:cNvPr id="1" name="Shape 308"/>
         <p:cNvGrpSpPr/>
         <p:nvPr/>
       </p:nvGrpSpPr>
@@ -22781,7 +23005,9 @@
       <p:sp>
         <p:nvSpPr>
           <p:cNvPr id="309" name="Google Shape;309;p32"/>
-          <p:cNvSpPr txBox="1"/>
+          <p:cNvSpPr txBox="1">
+            <a:spLocks noGrp="1"/>
+          </p:cNvSpPr>
           <p:nvPr>
             <p:ph type="title"/>
           </p:nvPr>
@@ -22822,14 +23048,15 @@
               <a:rPr lang="en-US"/>
               <a:t>Go-micro 基础组件调用关系 </a:t>
             </a:r>
-            <a:endParaRPr lang="en-US"/>
           </a:p>
         </p:txBody>
       </p:sp>
       <p:sp>
         <p:nvSpPr>
           <p:cNvPr id="310" name="Google Shape;310;p32"/>
-          <p:cNvSpPr txBox="1"/>
+          <p:cNvSpPr txBox="1">
+            <a:spLocks noGrp="1"/>
+          </p:cNvSpPr>
           <p:nvPr>
             <p:ph type="sldNum" idx="12"/>
           </p:nvPr>
@@ -22868,6 +23095,7 @@
             </a:pPr>
             <a:fld id="{00000000-1234-1234-1234-123412341234}" type="slidenum">
               <a:rPr lang="en-US"/>
+              <a:t>16</a:t>
             </a:fld>
             <a:endParaRPr lang="en-US"/>
           </a:p>
@@ -22930,15 +23158,6 @@
               </a:rPr>
               <a:t>Client</a:t>
             </a:r>
-            <a:endParaRPr lang="en-US" sz="1350" b="0" i="0" u="none" strike="noStrike" cap="none">
-              <a:solidFill>
-                <a:schemeClr val="lt1"/>
-              </a:solidFill>
-              <a:latin typeface="Arial" panose="020B0604020202020204"/>
-              <a:ea typeface="Arial" panose="020B0604020202020204"/>
-              <a:cs typeface="Arial" panose="020B0604020202020204"/>
-              <a:sym typeface="Arial" panose="020B0604020202020204"/>
-            </a:endParaRPr>
           </a:p>
         </p:txBody>
       </p:sp>
@@ -22999,15 +23218,6 @@
               </a:rPr>
               <a:t>Service</a:t>
             </a:r>
-            <a:endParaRPr lang="en-US" sz="1350" b="0" i="0" u="none" strike="noStrike" cap="none">
-              <a:solidFill>
-                <a:schemeClr val="lt1"/>
-              </a:solidFill>
-              <a:latin typeface="Arial" panose="020B0604020202020204"/>
-              <a:ea typeface="Arial" panose="020B0604020202020204"/>
-              <a:cs typeface="Arial" panose="020B0604020202020204"/>
-              <a:sym typeface="Arial" panose="020B0604020202020204"/>
-            </a:endParaRPr>
           </a:p>
         </p:txBody>
       </p:sp>
@@ -23068,15 +23278,6 @@
               </a:rPr>
               <a:t>Broker</a:t>
             </a:r>
-            <a:endParaRPr lang="en-US" sz="1350" b="0" i="0" u="none" strike="noStrike" cap="none">
-              <a:solidFill>
-                <a:schemeClr val="lt1"/>
-              </a:solidFill>
-              <a:latin typeface="Arial" panose="020B0604020202020204"/>
-              <a:ea typeface="Arial" panose="020B0604020202020204"/>
-              <a:cs typeface="Arial" panose="020B0604020202020204"/>
-              <a:sym typeface="Arial" panose="020B0604020202020204"/>
-            </a:endParaRPr>
           </a:p>
         </p:txBody>
       </p:sp>
@@ -23137,15 +23338,6 @@
               </a:rPr>
               <a:t>Server</a:t>
             </a:r>
-            <a:endParaRPr lang="en-US" sz="1350" b="0" i="0" u="none" strike="noStrike" cap="none">
-              <a:solidFill>
-                <a:schemeClr val="lt1"/>
-              </a:solidFill>
-              <a:latin typeface="Arial" panose="020B0604020202020204"/>
-              <a:ea typeface="Arial" panose="020B0604020202020204"/>
-              <a:cs typeface="Arial" panose="020B0604020202020204"/>
-              <a:sym typeface="Arial" panose="020B0604020202020204"/>
-            </a:endParaRPr>
           </a:p>
         </p:txBody>
       </p:sp>
@@ -23298,15 +23490,6 @@
               </a:rPr>
               <a:t>Consul</a:t>
             </a:r>
-            <a:endParaRPr lang="en-US" sz="1350" b="0" i="0" u="none" strike="noStrike" cap="none">
-              <a:solidFill>
-                <a:schemeClr val="lt1"/>
-              </a:solidFill>
-              <a:latin typeface="Arial" panose="020B0604020202020204"/>
-              <a:ea typeface="Arial" panose="020B0604020202020204"/>
-              <a:cs typeface="Arial" panose="020B0604020202020204"/>
-              <a:sym typeface="Arial" panose="020B0604020202020204"/>
-            </a:endParaRPr>
           </a:p>
         </p:txBody>
       </p:sp>
@@ -23390,15 +23573,6 @@
               </a:rPr>
               <a:t>register</a:t>
             </a:r>
-            <a:endParaRPr lang="en-US" sz="1350" b="0" i="0" u="none" strike="noStrike" cap="none">
-              <a:solidFill>
-                <a:srgbClr val="000000"/>
-              </a:solidFill>
-              <a:latin typeface="Arial" panose="020B0604020202020204"/>
-              <a:ea typeface="Arial" panose="020B0604020202020204"/>
-              <a:cs typeface="Arial" panose="020B0604020202020204"/>
-              <a:sym typeface="Arial" panose="020B0604020202020204"/>
-            </a:endParaRPr>
           </a:p>
         </p:txBody>
       </p:sp>
@@ -23551,15 +23725,6 @@
               </a:rPr>
               <a:t>Transport</a:t>
             </a:r>
-            <a:endParaRPr lang="en-US" sz="1000" b="0" i="0" u="none" strike="noStrike" cap="none">
-              <a:solidFill>
-                <a:schemeClr val="lt1"/>
-              </a:solidFill>
-              <a:latin typeface="Arial" panose="020B0604020202020204"/>
-              <a:ea typeface="Arial" panose="020B0604020202020204"/>
-              <a:cs typeface="Arial" panose="020B0604020202020204"/>
-              <a:sym typeface="Arial" panose="020B0604020202020204"/>
-            </a:endParaRPr>
           </a:p>
         </p:txBody>
       </p:sp>
@@ -23612,15 +23777,6 @@
               </a:rPr>
               <a:t>2.call</a:t>
             </a:r>
-            <a:endParaRPr lang="en-US" sz="900" b="0" i="0" u="none" strike="noStrike" cap="none">
-              <a:solidFill>
-                <a:srgbClr val="000000"/>
-              </a:solidFill>
-              <a:latin typeface="Arial" panose="020B0604020202020204"/>
-              <a:ea typeface="Arial" panose="020B0604020202020204"/>
-              <a:cs typeface="Arial" panose="020B0604020202020204"/>
-              <a:sym typeface="Arial" panose="020B0604020202020204"/>
-            </a:endParaRPr>
           </a:p>
         </p:txBody>
       </p:sp>
@@ -23633,7 +23789,7 @@
         <p:spPr>
           <a:xfrm>
             <a:off x="5027708" y="2799988"/>
-            <a:ext cx="539145" cy="230832"/>
+            <a:ext cx="625637" cy="230832"/>
           </a:xfrm>
           <a:prstGeom prst="rect">
             <a:avLst/>
@@ -23856,15 +24012,6 @@
               </a:rPr>
               <a:t>sub</a:t>
             </a:r>
-            <a:endParaRPr lang="en-US" sz="1350" b="0" i="0" u="none" strike="noStrike" cap="none">
-              <a:solidFill>
-                <a:srgbClr val="000000"/>
-              </a:solidFill>
-              <a:latin typeface="Arial" panose="020B0604020202020204"/>
-              <a:ea typeface="Arial" panose="020B0604020202020204"/>
-              <a:cs typeface="Arial" panose="020B0604020202020204"/>
-              <a:sym typeface="Arial" panose="020B0604020202020204"/>
-            </a:endParaRPr>
           </a:p>
         </p:txBody>
       </p:sp>
@@ -24454,15 +24601,6 @@
               </a:rPr>
               <a:t>NATs</a:t>
             </a:r>
-            <a:endParaRPr lang="en-US" sz="1350" b="0" i="0" u="none" strike="noStrike" cap="none">
-              <a:solidFill>
-                <a:schemeClr val="lt1"/>
-              </a:solidFill>
-              <a:latin typeface="Arial" panose="020B0604020202020204"/>
-              <a:ea typeface="Arial" panose="020B0604020202020204"/>
-              <a:cs typeface="Arial" panose="020B0604020202020204"/>
-              <a:sym typeface="Arial" panose="020B0604020202020204"/>
-            </a:endParaRPr>
           </a:p>
         </p:txBody>
       </p:sp>
@@ -24552,15 +24690,6 @@
               </a:rPr>
               <a:t>Broker</a:t>
             </a:r>
-            <a:endParaRPr lang="en-US" sz="1350" b="0" i="0" u="none" strike="noStrike" cap="none">
-              <a:solidFill>
-                <a:schemeClr val="lt1"/>
-              </a:solidFill>
-              <a:latin typeface="Arial" panose="020B0604020202020204"/>
-              <a:ea typeface="Arial" panose="020B0604020202020204"/>
-              <a:cs typeface="Arial" panose="020B0604020202020204"/>
-              <a:sym typeface="Arial" panose="020B0604020202020204"/>
-            </a:endParaRPr>
           </a:p>
         </p:txBody>
       </p:sp>
@@ -24651,15 +24780,6 @@
               </a:rPr>
               <a:t>Transport</a:t>
             </a:r>
-            <a:endParaRPr lang="en-US" sz="1000" b="0" i="0" u="none" strike="noStrike" cap="none">
-              <a:solidFill>
-                <a:schemeClr val="lt1"/>
-              </a:solidFill>
-              <a:latin typeface="Arial" panose="020B0604020202020204"/>
-              <a:ea typeface="Arial" panose="020B0604020202020204"/>
-              <a:cs typeface="Arial" panose="020B0604020202020204"/>
-              <a:sym typeface="Arial" panose="020B0604020202020204"/>
-            </a:endParaRPr>
           </a:p>
         </p:txBody>
       </p:sp>
@@ -24774,15 +24894,6 @@
               </a:rPr>
               <a:t>2. get</a:t>
             </a:r>
-            <a:endParaRPr lang="en-US" sz="900" b="0" i="0" u="none" strike="noStrike" cap="none">
-              <a:solidFill>
-                <a:srgbClr val="000000"/>
-              </a:solidFill>
-              <a:latin typeface="Arial" panose="020B0604020202020204"/>
-              <a:ea typeface="Arial" panose="020B0604020202020204"/>
-              <a:cs typeface="Arial" panose="020B0604020202020204"/>
-              <a:sym typeface="Arial" panose="020B0604020202020204"/>
-            </a:endParaRPr>
           </a:p>
         </p:txBody>
       </p:sp>
@@ -25332,7 +25443,7 @@
   <p:cSld>
     <p:spTree>
       <p:nvGrpSpPr>
-        <p:cNvPr id="359" name="Shape 359"/>
+        <p:cNvPr id="1" name="Shape 359"/>
         <p:cNvGrpSpPr/>
         <p:nvPr/>
       </p:nvGrpSpPr>
@@ -25347,7 +25458,9 @@
       <p:sp>
         <p:nvSpPr>
           <p:cNvPr id="360" name="Google Shape;360;p33"/>
-          <p:cNvSpPr txBox="1"/>
+          <p:cNvSpPr txBox="1">
+            <a:spLocks noGrp="1"/>
+          </p:cNvSpPr>
           <p:nvPr>
             <p:ph type="title"/>
           </p:nvPr>
@@ -25408,7 +25521,9 @@
       <p:sp>
         <p:nvSpPr>
           <p:cNvPr id="361" name="Google Shape;361;p33"/>
-          <p:cNvSpPr txBox="1"/>
+          <p:cNvSpPr txBox="1">
+            <a:spLocks noGrp="1"/>
+          </p:cNvSpPr>
           <p:nvPr>
             <p:ph type="sldNum" idx="12"/>
           </p:nvPr>
@@ -25447,6 +25562,7 @@
             </a:pPr>
             <a:fld id="{00000000-1234-1234-1234-123412341234}" type="slidenum">
               <a:rPr lang="en-US"/>
+              <a:t>17</a:t>
             </a:fld>
             <a:endParaRPr lang="en-US"/>
           </a:p>
@@ -25511,15 +25627,6 @@
               </a:rPr>
               <a:t>Configuration</a:t>
             </a:r>
-            <a:endParaRPr lang="en-US" sz="800" b="1" i="0" u="none" strike="noStrike" cap="none">
-              <a:solidFill>
-                <a:schemeClr val="lt1"/>
-              </a:solidFill>
-              <a:latin typeface="Arial" panose="020B0604020202020204"/>
-              <a:ea typeface="Arial" panose="020B0604020202020204"/>
-              <a:cs typeface="Arial" panose="020B0604020202020204"/>
-              <a:sym typeface="Arial" panose="020B0604020202020204"/>
-            </a:endParaRPr>
           </a:p>
         </p:txBody>
       </p:sp>
@@ -25642,15 +25749,6 @@
               </a:rPr>
               <a:t>File</a:t>
             </a:r>
-            <a:endParaRPr lang="en-US" sz="1200" b="1" i="0" u="none" strike="noStrike" cap="none">
-              <a:solidFill>
-                <a:schemeClr val="lt1"/>
-              </a:solidFill>
-              <a:latin typeface="Arial" panose="020B0604020202020204"/>
-              <a:ea typeface="Arial" panose="020B0604020202020204"/>
-              <a:cs typeface="Arial" panose="020B0604020202020204"/>
-              <a:sym typeface="Arial" panose="020B0604020202020204"/>
-            </a:endParaRPr>
           </a:p>
         </p:txBody>
       </p:sp>
@@ -25784,15 +25882,6 @@
               </a:rPr>
               <a:t>gRPC</a:t>
             </a:r>
-            <a:endParaRPr lang="en-US" sz="1200" b="1" i="0" u="none" strike="noStrike" cap="none">
-              <a:solidFill>
-                <a:schemeClr val="lt1"/>
-              </a:solidFill>
-              <a:latin typeface="Arial" panose="020B0604020202020204"/>
-              <a:ea typeface="Arial" panose="020B0604020202020204"/>
-              <a:cs typeface="Arial" panose="020B0604020202020204"/>
-              <a:sym typeface="Arial" panose="020B0604020202020204"/>
-            </a:endParaRPr>
           </a:p>
         </p:txBody>
       </p:sp>
@@ -25855,15 +25944,6 @@
               </a:rPr>
               <a:t>Sync</a:t>
             </a:r>
-            <a:endParaRPr lang="en-US" sz="1200" b="1" i="0" u="none" strike="noStrike" cap="none">
-              <a:solidFill>
-                <a:schemeClr val="lt1"/>
-              </a:solidFill>
-              <a:latin typeface="Arial" panose="020B0604020202020204"/>
-              <a:ea typeface="Arial" panose="020B0604020202020204"/>
-              <a:cs typeface="Arial" panose="020B0604020202020204"/>
-              <a:sym typeface="Arial" panose="020B0604020202020204"/>
-            </a:endParaRPr>
           </a:p>
         </p:txBody>
       </p:sp>
@@ -25983,15 +26063,6 @@
               </a:rPr>
               <a:t>Data</a:t>
             </a:r>
-            <a:endParaRPr lang="en-US" sz="1200" b="1" i="0" u="none" strike="noStrike" cap="none">
-              <a:solidFill>
-                <a:schemeClr val="lt1"/>
-              </a:solidFill>
-              <a:latin typeface="Arial" panose="020B0604020202020204"/>
-              <a:ea typeface="Arial" panose="020B0604020202020204"/>
-              <a:cs typeface="Arial" panose="020B0604020202020204"/>
-              <a:sym typeface="Arial" panose="020B0604020202020204"/>
-            </a:endParaRPr>
           </a:p>
         </p:txBody>
       </p:sp>
@@ -26237,15 +26308,6 @@
               </a:rPr>
               <a:t>Monitor</a:t>
             </a:r>
-            <a:endParaRPr lang="en-US" sz="1200" b="1" i="0" u="none" strike="noStrike" cap="none">
-              <a:solidFill>
-                <a:schemeClr val="lt1"/>
-              </a:solidFill>
-              <a:latin typeface="Arial" panose="020B0604020202020204"/>
-              <a:ea typeface="Arial" panose="020B0604020202020204"/>
-              <a:cs typeface="Arial" panose="020B0604020202020204"/>
-              <a:sym typeface="Arial" panose="020B0604020202020204"/>
-            </a:endParaRPr>
           </a:p>
         </p:txBody>
       </p:sp>
@@ -26428,15 +26490,6 @@
               </a:rPr>
               <a:t>Router</a:t>
             </a:r>
-            <a:endParaRPr lang="en-US" sz="1200" b="1" i="0" u="none" strike="noStrike" cap="none">
-              <a:solidFill>
-                <a:schemeClr val="lt1"/>
-              </a:solidFill>
-              <a:latin typeface="Arial" panose="020B0604020202020204"/>
-              <a:ea typeface="Arial" panose="020B0604020202020204"/>
-              <a:cs typeface="Arial" panose="020B0604020202020204"/>
-              <a:sym typeface="Arial" panose="020B0604020202020204"/>
-            </a:endParaRPr>
           </a:p>
         </p:txBody>
       </p:sp>
@@ -26682,15 +26735,6 @@
               </a:rPr>
               <a:t>Runtime</a:t>
             </a:r>
-            <a:endParaRPr lang="en-US" sz="1200" b="1" i="0" u="none" strike="noStrike" cap="none">
-              <a:solidFill>
-                <a:schemeClr val="lt1"/>
-              </a:solidFill>
-              <a:latin typeface="Arial" panose="020B0604020202020204"/>
-              <a:ea typeface="Arial" panose="020B0604020202020204"/>
-              <a:cs typeface="Arial" panose="020B0604020202020204"/>
-              <a:sym typeface="Arial" panose="020B0604020202020204"/>
-            </a:endParaRPr>
           </a:p>
         </p:txBody>
       </p:sp>
@@ -26946,15 +26990,6 @@
               </a:rPr>
               <a:t>Network</a:t>
             </a:r>
-            <a:endParaRPr lang="en-US" sz="1200" b="1" i="0" u="none" strike="noStrike" cap="none">
-              <a:solidFill>
-                <a:schemeClr val="lt1"/>
-              </a:solidFill>
-              <a:latin typeface="Arial" panose="020B0604020202020204"/>
-              <a:ea typeface="Arial" panose="020B0604020202020204"/>
-              <a:cs typeface="Arial" panose="020B0604020202020204"/>
-              <a:sym typeface="Arial" panose="020B0604020202020204"/>
-            </a:endParaRPr>
           </a:p>
         </p:txBody>
       </p:sp>
@@ -27078,15 +27113,6 @@
               </a:rPr>
               <a:t>Agent</a:t>
             </a:r>
-            <a:endParaRPr lang="en-US" sz="1200" b="1" i="0" u="none" strike="noStrike" cap="none">
-              <a:solidFill>
-                <a:schemeClr val="lt1"/>
-              </a:solidFill>
-              <a:latin typeface="Arial" panose="020B0604020202020204"/>
-              <a:ea typeface="Arial" panose="020B0604020202020204"/>
-              <a:cs typeface="Arial" panose="020B0604020202020204"/>
-              <a:sym typeface="Arial" panose="020B0604020202020204"/>
-            </a:endParaRPr>
           </a:p>
         </p:txBody>
       </p:sp>
@@ -27160,7 +27186,7 @@
         <p:spPr>
           <a:xfrm>
             <a:off x="3548993" y="1275028"/>
-            <a:ext cx="525565" cy="508959"/>
+            <a:ext cx="677209" cy="508959"/>
           </a:xfrm>
           <a:prstGeom prst="roundRect">
             <a:avLst>
@@ -27210,15 +27236,6 @@
               </a:rPr>
               <a:t>Web</a:t>
             </a:r>
-            <a:endParaRPr lang="en-US" sz="1200" b="1" i="0" u="none" strike="noStrike" cap="none">
-              <a:solidFill>
-                <a:schemeClr val="lt1"/>
-              </a:solidFill>
-              <a:latin typeface="Arial" panose="020B0604020202020204"/>
-              <a:ea typeface="Arial" panose="020B0604020202020204"/>
-              <a:cs typeface="Arial" panose="020B0604020202020204"/>
-              <a:sym typeface="Arial" panose="020B0604020202020204"/>
-            </a:endParaRPr>
           </a:p>
         </p:txBody>
       </p:sp>
@@ -27230,8 +27247,8 @@
         </p:nvSpPr>
         <p:spPr>
           <a:xfrm>
-            <a:off x="3514031" y="1825750"/>
-            <a:ext cx="686406" cy="246221"/>
+            <a:off x="3556902" y="1832280"/>
+            <a:ext cx="736179" cy="246221"/>
           </a:xfrm>
           <a:prstGeom prst="rect">
             <a:avLst/>
@@ -27342,15 +27359,6 @@
               </a:rPr>
               <a:t>Proxy</a:t>
             </a:r>
-            <a:endParaRPr lang="en-US" sz="1200" b="1" i="0" u="none" strike="noStrike" cap="none">
-              <a:solidFill>
-                <a:schemeClr val="lt1"/>
-              </a:solidFill>
-              <a:latin typeface="Arial" panose="020B0604020202020204"/>
-              <a:ea typeface="Arial" panose="020B0604020202020204"/>
-              <a:cs typeface="Arial" panose="020B0604020202020204"/>
-              <a:sym typeface="Arial" panose="020B0604020202020204"/>
-            </a:endParaRPr>
           </a:p>
         </p:txBody>
       </p:sp>
@@ -27489,7 +27497,7 @@
   <p:cSld>
     <p:spTree>
       <p:nvGrpSpPr>
-        <p:cNvPr id="396" name="Shape 396"/>
+        <p:cNvPr id="1" name="Shape 396"/>
         <p:cNvGrpSpPr/>
         <p:nvPr/>
       </p:nvGrpSpPr>
@@ -27504,7 +27512,9 @@
       <p:sp>
         <p:nvSpPr>
           <p:cNvPr id="397" name="Google Shape;397;p34"/>
-          <p:cNvSpPr txBox="1"/>
+          <p:cNvSpPr txBox="1">
+            <a:spLocks noGrp="1"/>
+          </p:cNvSpPr>
           <p:nvPr>
             <p:ph type="title"/>
           </p:nvPr>
@@ -27545,14 +27555,15 @@
               <a:rPr lang="en-US"/>
               <a:t>Broker 异步消息组件</a:t>
             </a:r>
-            <a:endParaRPr lang="en-US"/>
           </a:p>
         </p:txBody>
       </p:sp>
       <p:sp>
         <p:nvSpPr>
           <p:cNvPr id="398" name="Google Shape;398;p34"/>
-          <p:cNvSpPr txBox="1"/>
+          <p:cNvSpPr txBox="1">
+            <a:spLocks noGrp="1"/>
+          </p:cNvSpPr>
           <p:nvPr>
             <p:ph type="sldNum" idx="12"/>
           </p:nvPr>
@@ -27591,6 +27602,7 @@
             </a:pPr>
             <a:fld id="{00000000-1234-1234-1234-123412341234}" type="slidenum">
               <a:rPr lang="en-US"/>
+              <a:t>18</a:t>
             </a:fld>
             <a:endParaRPr lang="en-US"/>
           </a:p>
@@ -29156,7 +29168,7 @@
   <p:cSld>
     <p:spTree>
       <p:nvGrpSpPr>
-        <p:cNvPr id="427" name="Shape 427"/>
+        <p:cNvPr id="1" name="Shape 427"/>
         <p:cNvGrpSpPr/>
         <p:nvPr/>
       </p:nvGrpSpPr>
@@ -29171,7 +29183,9 @@
       <p:sp>
         <p:nvSpPr>
           <p:cNvPr id="428" name="Google Shape;428;p35"/>
-          <p:cNvSpPr txBox="1"/>
+          <p:cNvSpPr txBox="1">
+            <a:spLocks noGrp="1"/>
+          </p:cNvSpPr>
           <p:nvPr>
             <p:ph type="sldNum" idx="12"/>
           </p:nvPr>
@@ -29210,6 +29224,7 @@
             </a:pPr>
             <a:fld id="{00000000-1234-1234-1234-123412341234}" type="slidenum">
               <a:rPr lang="en-US"/>
+              <a:t>19</a:t>
             </a:fld>
             <a:endParaRPr lang="en-US"/>
           </a:p>
@@ -29218,7 +29233,9 @@
       <p:sp>
         <p:nvSpPr>
           <p:cNvPr id="429" name="Google Shape;429;p35"/>
-          <p:cNvSpPr txBox="1"/>
+          <p:cNvSpPr txBox="1">
+            <a:spLocks noGrp="1"/>
+          </p:cNvSpPr>
           <p:nvPr>
             <p:ph type="title"/>
           </p:nvPr>
@@ -29259,7 +29276,6 @@
               <a:rPr lang="en-US"/>
               <a:t>Registry 注册组件</a:t>
             </a:r>
-            <a:endParaRPr lang="en-US"/>
           </a:p>
         </p:txBody>
       </p:sp>
@@ -29312,15 +29328,6 @@
               </a:rPr>
               <a:t>服务发现</a:t>
             </a:r>
-            <a:endParaRPr lang="en-US" sz="1400" b="1" i="0" u="none" strike="noStrike" cap="none">
-              <a:solidFill>
-                <a:schemeClr val="accent1"/>
-              </a:solidFill>
-              <a:latin typeface="PT Sans Narrow" panose="020B0506020203020204"/>
-              <a:ea typeface="PT Sans Narrow" panose="020B0506020203020204"/>
-              <a:cs typeface="PT Sans Narrow" panose="020B0506020203020204"/>
-              <a:sym typeface="PT Sans Narrow" panose="020B0506020203020204"/>
-            </a:endParaRPr>
           </a:p>
         </p:txBody>
       </p:sp>
@@ -29511,15 +29518,6 @@
               </a:rPr>
               <a:t>}</a:t>
             </a:r>
-            <a:endParaRPr lang="en-US" sz="1400" b="0" i="0" u="none" strike="noStrike" cap="none">
-              <a:solidFill>
-                <a:srgbClr val="7F7F7F"/>
-              </a:solidFill>
-              <a:latin typeface="Arial" panose="020B0604020202020204"/>
-              <a:ea typeface="Arial" panose="020B0604020202020204"/>
-              <a:cs typeface="Arial" panose="020B0604020202020204"/>
-              <a:sym typeface="Arial" panose="020B0604020202020204"/>
-            </a:endParaRPr>
           </a:p>
         </p:txBody>
       </p:sp>
@@ -30072,8 +30070,8 @@
         </p:nvSpPr>
         <p:spPr>
           <a:xfrm>
-            <a:off x="4859976" y="2911790"/>
-            <a:ext cx="1131272" cy="338554"/>
+            <a:off x="4674051" y="2911790"/>
+            <a:ext cx="1317197" cy="338554"/>
           </a:xfrm>
           <a:prstGeom prst="rect">
             <a:avLst/>
@@ -30133,8 +30131,8 @@
         </p:nvSpPr>
         <p:spPr>
           <a:xfrm>
-            <a:off x="7010400" y="2108516"/>
-            <a:ext cx="857864" cy="338554"/>
+            <a:off x="7010399" y="2108516"/>
+            <a:ext cx="1030941" cy="338554"/>
           </a:xfrm>
           <a:prstGeom prst="rect">
             <a:avLst/>
@@ -30223,8 +30221,8 @@
         </p:nvSpPr>
         <p:spPr>
           <a:xfrm>
-            <a:off x="6723713" y="3826403"/>
-            <a:ext cx="1045094" cy="646331"/>
+            <a:off x="6723712" y="3826403"/>
+            <a:ext cx="1238291" cy="646331"/>
           </a:xfrm>
           <a:prstGeom prst="rect">
             <a:avLst/>
@@ -30270,15 +30268,6 @@
               </a:rPr>
               <a:t>Service B</a:t>
             </a:r>
-            <a:endParaRPr lang="en-US" sz="1200" b="0" i="0" u="none" strike="noStrike" cap="none">
-              <a:solidFill>
-                <a:srgbClr val="000000"/>
-              </a:solidFill>
-              <a:latin typeface="Arial" panose="020B0604020202020204"/>
-              <a:ea typeface="Arial" panose="020B0604020202020204"/>
-              <a:cs typeface="Arial" panose="020B0604020202020204"/>
-              <a:sym typeface="Arial" panose="020B0604020202020204"/>
-            </a:endParaRPr>
           </a:p>
           <a:p>
             <a:pPr marL="0" marR="0" lvl="0" indent="0" algn="l" rtl="0">
@@ -30305,15 +30294,6 @@
               </a:rPr>
               <a:t>Version 1.0.0</a:t>
             </a:r>
-            <a:endParaRPr lang="en-US" sz="1200" b="0" i="0" u="none" strike="noStrike" cap="none">
-              <a:solidFill>
-                <a:srgbClr val="000000"/>
-              </a:solidFill>
-              <a:latin typeface="Arial" panose="020B0604020202020204"/>
-              <a:ea typeface="Arial" panose="020B0604020202020204"/>
-              <a:cs typeface="Arial" panose="020B0604020202020204"/>
-              <a:sym typeface="Arial" panose="020B0604020202020204"/>
-            </a:endParaRPr>
           </a:p>
           <a:p>
             <a:pPr marL="0" marR="0" lvl="0" indent="0" algn="l" rtl="0">
@@ -30436,7 +30416,7 @@
   <p:cSld>
     <p:spTree>
       <p:nvGrpSpPr>
-        <p:cNvPr id="117" name="Shape 117"/>
+        <p:cNvPr id="1" name="Shape 117"/>
         <p:cNvGrpSpPr/>
         <p:nvPr/>
       </p:nvGrpSpPr>
@@ -30451,7 +30431,9 @@
       <p:sp>
         <p:nvSpPr>
           <p:cNvPr id="118" name="Google Shape;118;p18"/>
-          <p:cNvSpPr txBox="1"/>
+          <p:cNvSpPr txBox="1">
+            <a:spLocks noGrp="1"/>
+          </p:cNvSpPr>
           <p:nvPr>
             <p:ph type="title"/>
           </p:nvPr>
@@ -30492,14 +30474,15 @@
               <a:rPr lang="en-US"/>
               <a:t>个人背景</a:t>
             </a:r>
-            <a:endParaRPr lang="en-US"/>
           </a:p>
         </p:txBody>
       </p:sp>
       <p:sp>
         <p:nvSpPr>
           <p:cNvPr id="119" name="Google Shape;119;p18"/>
-          <p:cNvSpPr txBox="1"/>
+          <p:cNvSpPr txBox="1">
+            <a:spLocks noGrp="1"/>
+          </p:cNvSpPr>
           <p:nvPr>
             <p:ph type="sldNum" idx="12"/>
           </p:nvPr>
@@ -30538,6 +30521,7 @@
             </a:pPr>
             <a:fld id="{00000000-1234-1234-1234-123412341234}" type="slidenum">
               <a:rPr lang="en-US"/>
+              <a:t>2</a:t>
             </a:fld>
             <a:endParaRPr lang="en-US"/>
           </a:p>
@@ -30746,15 +30730,6 @@
               </a:rPr>
               <a:t>KLOOK</a:t>
             </a:r>
-            <a:endParaRPr lang="en-US" sz="1800" b="0" i="0" u="none" strike="noStrike" cap="none">
-              <a:solidFill>
-                <a:srgbClr val="424242"/>
-              </a:solidFill>
-              <a:latin typeface="Courier New" panose="02070309020205020404"/>
-              <a:ea typeface="Courier New" panose="02070309020205020404"/>
-              <a:cs typeface="Courier New" panose="02070309020205020404"/>
-              <a:sym typeface="Courier New" panose="02070309020205020404"/>
-            </a:endParaRPr>
           </a:p>
           <a:p>
             <a:pPr marL="12700" marR="5080" lvl="0" indent="0" algn="l" rtl="0">
@@ -30896,7 +30871,7 @@
           <p:nvPr/>
         </p:nvPicPr>
         <p:blipFill rotWithShape="1">
-          <a:blip r:embed="rId1"/>
+          <a:blip r:embed="rId3"/>
           <a:srcRect/>
           <a:stretch>
             <a:fillRect/>
@@ -30923,7 +30898,7 @@
           <p:nvPr/>
         </p:nvPicPr>
         <p:blipFill rotWithShape="1">
-          <a:blip r:embed="rId2"/>
+          <a:blip r:embed="rId4"/>
           <a:srcRect/>
           <a:stretch>
             <a:fillRect/>
@@ -30950,7 +30925,7 @@
           <p:nvPr/>
         </p:nvPicPr>
         <p:blipFill rotWithShape="1">
-          <a:blip r:embed="rId3"/>
+          <a:blip r:embed="rId5"/>
           <a:srcRect/>
           <a:stretch>
             <a:fillRect/>
@@ -30977,7 +30952,7 @@
           <p:nvPr/>
         </p:nvPicPr>
         <p:blipFill rotWithShape="1">
-          <a:blip r:embed="rId4"/>
+          <a:blip r:embed="rId6"/>
           <a:srcRect/>
           <a:stretch>
             <a:fillRect/>
@@ -31132,7 +31107,7 @@
   <p:cSld>
     <p:spTree>
       <p:nvGrpSpPr>
-        <p:cNvPr id="449" name="Shape 449"/>
+        <p:cNvPr id="1" name="Shape 449"/>
         <p:cNvGrpSpPr/>
         <p:nvPr/>
       </p:nvGrpSpPr>
@@ -31147,7 +31122,9 @@
       <p:sp>
         <p:nvSpPr>
           <p:cNvPr id="450" name="Google Shape;450;p36"/>
-          <p:cNvSpPr txBox="1"/>
+          <p:cNvSpPr txBox="1">
+            <a:spLocks noGrp="1"/>
+          </p:cNvSpPr>
           <p:nvPr>
             <p:ph type="title"/>
           </p:nvPr>
@@ -31188,14 +31165,15 @@
               <a:rPr lang="en-US"/>
               <a:t>Registry 注册类型</a:t>
             </a:r>
-            <a:endParaRPr lang="en-US"/>
           </a:p>
         </p:txBody>
       </p:sp>
       <p:sp>
         <p:nvSpPr>
           <p:cNvPr id="451" name="Google Shape;451;p36"/>
-          <p:cNvSpPr txBox="1"/>
+          <p:cNvSpPr txBox="1">
+            <a:spLocks noGrp="1"/>
+          </p:cNvSpPr>
           <p:nvPr>
             <p:ph type="sldNum" idx="12"/>
           </p:nvPr>
@@ -31234,6 +31212,7 @@
             </a:pPr>
             <a:fld id="{00000000-1234-1234-1234-123412341234}" type="slidenum">
               <a:rPr lang="en-US"/>
+              <a:t>20</a:t>
             </a:fld>
             <a:endParaRPr lang="en-US"/>
           </a:p>
@@ -31309,15 +31288,6 @@
               </a:rPr>
               <a:t>Consul、Zookeeper、Eureka</a:t>
             </a:r>
-            <a:endParaRPr lang="en-US" sz="1400" b="0" i="0" u="none" strike="noStrike" cap="none">
-              <a:solidFill>
-                <a:srgbClr val="000000"/>
-              </a:solidFill>
-              <a:latin typeface="Arial" panose="020B0604020202020204"/>
-              <a:ea typeface="Arial" panose="020B0604020202020204"/>
-              <a:cs typeface="Arial" panose="020B0604020202020204"/>
-              <a:sym typeface="Arial" panose="020B0604020202020204"/>
-            </a:endParaRPr>
           </a:p>
           <a:p>
             <a:pPr marL="342900" marR="0" lvl="0" indent="-342900" algn="l" rtl="0">
@@ -31349,15 +31319,6 @@
               </a:rPr>
               <a:t>基于网络广播，如mDNS、Gossip</a:t>
             </a:r>
-            <a:endParaRPr lang="en-US" sz="1400" b="0" i="0" u="none" strike="noStrike" cap="none">
-              <a:solidFill>
-                <a:srgbClr val="000000"/>
-              </a:solidFill>
-              <a:latin typeface="Arial" panose="020B0604020202020204"/>
-              <a:ea typeface="Arial" panose="020B0604020202020204"/>
-              <a:cs typeface="Arial" panose="020B0604020202020204"/>
-              <a:sym typeface="Arial" panose="020B0604020202020204"/>
-            </a:endParaRPr>
           </a:p>
           <a:p>
             <a:pPr marL="342900" marR="0" lvl="0" indent="-342900" algn="l" rtl="0">
@@ -31414,7 +31375,7 @@
   <p:cSld>
     <p:spTree>
       <p:nvGrpSpPr>
-        <p:cNvPr id="456" name="Shape 456"/>
+        <p:cNvPr id="1" name="Shape 456"/>
         <p:cNvGrpSpPr/>
         <p:nvPr/>
       </p:nvGrpSpPr>
@@ -31429,7 +31390,9 @@
       <p:sp>
         <p:nvSpPr>
           <p:cNvPr id="457" name="Google Shape;457;p37"/>
-          <p:cNvSpPr txBox="1"/>
+          <p:cNvSpPr txBox="1">
+            <a:spLocks noGrp="1"/>
+          </p:cNvSpPr>
           <p:nvPr>
             <p:ph type="title"/>
           </p:nvPr>
@@ -31490,7 +31453,9 @@
       <p:sp>
         <p:nvSpPr>
           <p:cNvPr id="458" name="Google Shape;458;p37"/>
-          <p:cNvSpPr txBox="1"/>
+          <p:cNvSpPr txBox="1">
+            <a:spLocks noGrp="1"/>
+          </p:cNvSpPr>
           <p:nvPr>
             <p:ph type="sldNum" idx="12"/>
           </p:nvPr>
@@ -31529,6 +31494,7 @@
             </a:pPr>
             <a:fld id="{00000000-1234-1234-1234-123412341234}" type="slidenum">
               <a:rPr lang="en-US"/>
+              <a:t>21</a:t>
             </a:fld>
             <a:endParaRPr lang="en-US"/>
           </a:p>
@@ -31583,15 +31549,6 @@
               </a:rPr>
               <a:t>通用型注册中心</a:t>
             </a:r>
-            <a:endParaRPr lang="en-US" sz="1400" b="1" i="0" u="none" strike="noStrike" cap="none">
-              <a:solidFill>
-                <a:schemeClr val="accent1"/>
-              </a:solidFill>
-              <a:latin typeface="PT Sans Narrow" panose="020B0506020203020204"/>
-              <a:ea typeface="PT Sans Narrow" panose="020B0506020203020204"/>
-              <a:cs typeface="PT Sans Narrow" panose="020B0506020203020204"/>
-              <a:sym typeface="PT Sans Narrow" panose="020B0506020203020204"/>
-            </a:endParaRPr>
           </a:p>
         </p:txBody>
       </p:sp>
@@ -31602,7 +31559,7 @@
           <p:nvPr/>
         </p:nvPicPr>
         <p:blipFill rotWithShape="1">
-          <a:blip r:embed="rId1"/>
+          <a:blip r:embed="rId3"/>
           <a:srcRect/>
           <a:stretch>
             <a:fillRect/>
@@ -31629,7 +31586,7 @@
           <p:nvPr/>
         </p:nvPicPr>
         <p:blipFill rotWithShape="1">
-          <a:blip r:embed="rId2"/>
+          <a:blip r:embed="rId4"/>
           <a:srcRect/>
           <a:stretch>
             <a:fillRect/>
@@ -31656,7 +31613,7 @@
           <p:nvPr/>
         </p:nvPicPr>
         <p:blipFill rotWithShape="1">
-          <a:blip r:embed="rId2"/>
+          <a:blip r:embed="rId4"/>
           <a:srcRect/>
           <a:stretch>
             <a:fillRect/>
@@ -31683,7 +31640,7 @@
           <p:nvPr/>
         </p:nvPicPr>
         <p:blipFill rotWithShape="1">
-          <a:blip r:embed="rId2"/>
+          <a:blip r:embed="rId4"/>
           <a:srcRect/>
           <a:stretch>
             <a:fillRect/>
@@ -31752,15 +31709,6 @@
               </a:rPr>
               <a:t>A</a:t>
             </a:r>
-            <a:endParaRPr lang="en-US" sz="1400" b="0" i="0" u="none" strike="noStrike" cap="none">
-              <a:solidFill>
-                <a:srgbClr val="000000"/>
-              </a:solidFill>
-              <a:latin typeface="Arial" panose="020B0604020202020204"/>
-              <a:ea typeface="Arial" panose="020B0604020202020204"/>
-              <a:cs typeface="Arial" panose="020B0604020202020204"/>
-              <a:sym typeface="Arial" panose="020B0604020202020204"/>
-            </a:endParaRPr>
           </a:p>
         </p:txBody>
       </p:sp>
@@ -31813,15 +31761,6 @@
               </a:rPr>
               <a:t>B</a:t>
             </a:r>
-            <a:endParaRPr lang="en-US" sz="1400" b="0" i="0" u="none" strike="noStrike" cap="none">
-              <a:solidFill>
-                <a:srgbClr val="000000"/>
-              </a:solidFill>
-              <a:latin typeface="Arial" panose="020B0604020202020204"/>
-              <a:ea typeface="Arial" panose="020B0604020202020204"/>
-              <a:cs typeface="Arial" panose="020B0604020202020204"/>
-              <a:sym typeface="Arial" panose="020B0604020202020204"/>
-            </a:endParaRPr>
           </a:p>
         </p:txBody>
       </p:sp>
@@ -31874,15 +31813,6 @@
               </a:rPr>
               <a:t>C</a:t>
             </a:r>
-            <a:endParaRPr lang="en-US" sz="1400" b="0" i="0" u="none" strike="noStrike" cap="none">
-              <a:solidFill>
-                <a:srgbClr val="000000"/>
-              </a:solidFill>
-              <a:latin typeface="Arial" panose="020B0604020202020204"/>
-              <a:ea typeface="Arial" panose="020B0604020202020204"/>
-              <a:cs typeface="Arial" panose="020B0604020202020204"/>
-              <a:sym typeface="Arial" panose="020B0604020202020204"/>
-            </a:endParaRPr>
           </a:p>
         </p:txBody>
       </p:sp>
@@ -32133,7 +32063,7 @@
         <p:spPr>
           <a:xfrm>
             <a:off x="468980" y="1345018"/>
-            <a:ext cx="623889" cy="261610"/>
+            <a:ext cx="761431" cy="261610"/>
           </a:xfrm>
           <a:prstGeom prst="rect">
             <a:avLst/>
@@ -32260,15 +32190,6 @@
               </a:rPr>
               <a:t>query</a:t>
             </a:r>
-            <a:endParaRPr lang="en-US" sz="1100" b="0" i="0" u="none" strike="noStrike" cap="none">
-              <a:solidFill>
-                <a:srgbClr val="000000"/>
-              </a:solidFill>
-              <a:latin typeface="Arial" panose="020B0604020202020204"/>
-              <a:ea typeface="Arial" panose="020B0604020202020204"/>
-              <a:cs typeface="Arial" panose="020B0604020202020204"/>
-              <a:sym typeface="Arial" panose="020B0604020202020204"/>
-            </a:endParaRPr>
           </a:p>
         </p:txBody>
       </p:sp>
@@ -32466,15 +32387,6 @@
               </a:rPr>
               <a:t>name: A</a:t>
             </a:r>
-            <a:endParaRPr lang="en-US" sz="1050" b="0" i="0" u="none" strike="noStrike" cap="none">
-              <a:solidFill>
-                <a:srgbClr val="000000"/>
-              </a:solidFill>
-              <a:latin typeface="Arial" panose="020B0604020202020204"/>
-              <a:ea typeface="Arial" panose="020B0604020202020204"/>
-              <a:cs typeface="Arial" panose="020B0604020202020204"/>
-              <a:sym typeface="Arial" panose="020B0604020202020204"/>
-            </a:endParaRPr>
           </a:p>
           <a:p>
             <a:pPr marL="0" marR="0" lvl="0" indent="0" algn="l" rtl="0">
@@ -32513,15 +32425,6 @@
               </a:rPr>
               <a:t>192.168.1.2:8080</a:t>
             </a:r>
-            <a:endParaRPr lang="en-US" sz="900" b="0" i="0" u="none" strike="noStrike" cap="none">
-              <a:solidFill>
-                <a:srgbClr val="000000"/>
-              </a:solidFill>
-              <a:latin typeface="Arial" panose="020B0604020202020204"/>
-              <a:ea typeface="Arial" panose="020B0604020202020204"/>
-              <a:cs typeface="Arial" panose="020B0604020202020204"/>
-              <a:sym typeface="Arial" panose="020B0604020202020204"/>
-            </a:endParaRPr>
           </a:p>
           <a:p>
             <a:pPr marL="0" marR="0" lvl="0" indent="0" algn="l" rtl="0">
@@ -32826,15 +32729,6 @@
               </a:rPr>
               <a:t>name: B</a:t>
             </a:r>
-            <a:endParaRPr lang="en-US" sz="1050" b="0" i="0" u="none" strike="noStrike" cap="none">
-              <a:solidFill>
-                <a:srgbClr val="000000"/>
-              </a:solidFill>
-              <a:latin typeface="Arial" panose="020B0604020202020204"/>
-              <a:ea typeface="Arial" panose="020B0604020202020204"/>
-              <a:cs typeface="Arial" panose="020B0604020202020204"/>
-              <a:sym typeface="Arial" panose="020B0604020202020204"/>
-            </a:endParaRPr>
           </a:p>
           <a:p>
             <a:pPr marL="0" marR="0" lvl="0" indent="0" algn="l" rtl="0">
@@ -32873,15 +32767,6 @@
               </a:rPr>
               <a:t>192.168.1.3:8081</a:t>
             </a:r>
-            <a:endParaRPr lang="en-US" sz="900" b="0" i="0" u="none" strike="noStrike" cap="none">
-              <a:solidFill>
-                <a:srgbClr val="000000"/>
-              </a:solidFill>
-              <a:latin typeface="Arial" panose="020B0604020202020204"/>
-              <a:ea typeface="Arial" panose="020B0604020202020204"/>
-              <a:cs typeface="Arial" panose="020B0604020202020204"/>
-              <a:sym typeface="Arial" panose="020B0604020202020204"/>
-            </a:endParaRPr>
           </a:p>
           <a:p>
             <a:pPr marL="0" marR="0" lvl="0" indent="0" algn="l" rtl="0">
@@ -33004,15 +32889,6 @@
               </a:rPr>
               <a:t>name: A</a:t>
             </a:r>
-            <a:endParaRPr lang="en-US" sz="1050" b="0" i="0" u="none" strike="noStrike" cap="none">
-              <a:solidFill>
-                <a:srgbClr val="000000"/>
-              </a:solidFill>
-              <a:latin typeface="Arial" panose="020B0604020202020204"/>
-              <a:ea typeface="Arial" panose="020B0604020202020204"/>
-              <a:cs typeface="Arial" panose="020B0604020202020204"/>
-              <a:sym typeface="Arial" panose="020B0604020202020204"/>
-            </a:endParaRPr>
           </a:p>
           <a:p>
             <a:pPr marL="0" marR="0" lvl="0" indent="0" algn="l" rtl="0">
@@ -33051,15 +32927,6 @@
               </a:rPr>
               <a:t>192.168.1.2:8080</a:t>
             </a:r>
-            <a:endParaRPr lang="en-US" sz="900" b="0" i="0" u="none" strike="noStrike" cap="none">
-              <a:solidFill>
-                <a:srgbClr val="000000"/>
-              </a:solidFill>
-              <a:latin typeface="Arial" panose="020B0604020202020204"/>
-              <a:ea typeface="Arial" panose="020B0604020202020204"/>
-              <a:cs typeface="Arial" panose="020B0604020202020204"/>
-              <a:sym typeface="Arial" panose="020B0604020202020204"/>
-            </a:endParaRPr>
           </a:p>
           <a:p>
             <a:pPr marL="0" marR="0" lvl="0" indent="0" algn="l" rtl="0">
@@ -33146,7 +33013,7 @@
   <p:cSld>
     <p:spTree>
       <p:nvGrpSpPr>
-        <p:cNvPr id="486" name="Shape 486"/>
+        <p:cNvPr id="1" name="Shape 486"/>
         <p:cNvGrpSpPr/>
         <p:nvPr/>
       </p:nvGrpSpPr>
@@ -33161,7 +33028,9 @@
       <p:sp>
         <p:nvSpPr>
           <p:cNvPr id="487" name="Google Shape;487;p38"/>
-          <p:cNvSpPr txBox="1"/>
+          <p:cNvSpPr txBox="1">
+            <a:spLocks noGrp="1"/>
+          </p:cNvSpPr>
           <p:nvPr>
             <p:ph type="sldNum" idx="12"/>
           </p:nvPr>
@@ -33200,6 +33069,7 @@
             </a:pPr>
             <a:fld id="{00000000-1234-1234-1234-123412341234}" type="slidenum">
               <a:rPr lang="en-US"/>
+              <a:t>22</a:t>
             </a:fld>
             <a:endParaRPr lang="en-US"/>
           </a:p>
@@ -33208,7 +33078,9 @@
       <p:sp>
         <p:nvSpPr>
           <p:cNvPr id="488" name="Google Shape;488;p38"/>
-          <p:cNvSpPr txBox="1"/>
+          <p:cNvSpPr txBox="1">
+            <a:spLocks noGrp="1"/>
+          </p:cNvSpPr>
           <p:nvPr>
             <p:ph type="title"/>
           </p:nvPr>
@@ -33395,7 +33267,7 @@
           <p:nvPr/>
         </p:nvPicPr>
         <p:blipFill rotWithShape="1">
-          <a:blip r:embed="rId1"/>
+          <a:blip r:embed="rId3"/>
           <a:srcRect/>
           <a:stretch>
             <a:fillRect/>
@@ -33464,15 +33336,6 @@
               </a:rPr>
               <a:t>1. Who is service A</a:t>
             </a:r>
-            <a:endParaRPr lang="en-US" sz="1000" b="0" i="1" u="none" strike="noStrike" cap="none">
-              <a:solidFill>
-                <a:srgbClr val="000000"/>
-              </a:solidFill>
-              <a:latin typeface="Arial" panose="020B0604020202020204"/>
-              <a:ea typeface="Arial" panose="020B0604020202020204"/>
-              <a:cs typeface="Arial" panose="020B0604020202020204"/>
-              <a:sym typeface="Arial" panose="020B0604020202020204"/>
-            </a:endParaRPr>
           </a:p>
         </p:txBody>
       </p:sp>
@@ -33483,7 +33346,7 @@
           <p:nvPr/>
         </p:nvPicPr>
         <p:blipFill rotWithShape="1">
-          <a:blip r:embed="rId2"/>
+          <a:blip r:embed="rId4"/>
           <a:srcRect/>
           <a:stretch>
             <a:fillRect/>
@@ -33510,7 +33373,7 @@
           <p:nvPr/>
         </p:nvPicPr>
         <p:blipFill rotWithShape="1">
-          <a:blip r:embed="rId2"/>
+          <a:blip r:embed="rId4"/>
           <a:srcRect/>
           <a:stretch>
             <a:fillRect/>
@@ -33537,7 +33400,7 @@
           <p:nvPr/>
         </p:nvPicPr>
         <p:blipFill rotWithShape="1">
-          <a:blip r:embed="rId2"/>
+          <a:blip r:embed="rId4"/>
           <a:srcRect/>
           <a:stretch>
             <a:fillRect/>
@@ -33606,15 +33469,6 @@
               </a:rPr>
               <a:t>A</a:t>
             </a:r>
-            <a:endParaRPr lang="en-US" sz="1400" b="0" i="0" u="none" strike="noStrike" cap="none">
-              <a:solidFill>
-                <a:srgbClr val="000000"/>
-              </a:solidFill>
-              <a:latin typeface="Arial" panose="020B0604020202020204"/>
-              <a:ea typeface="Arial" panose="020B0604020202020204"/>
-              <a:cs typeface="Arial" panose="020B0604020202020204"/>
-              <a:sym typeface="Arial" panose="020B0604020202020204"/>
-            </a:endParaRPr>
           </a:p>
         </p:txBody>
       </p:sp>
@@ -33667,15 +33521,6 @@
               </a:rPr>
               <a:t>B</a:t>
             </a:r>
-            <a:endParaRPr lang="en-US" sz="1400" b="0" i="0" u="none" strike="noStrike" cap="none">
-              <a:solidFill>
-                <a:srgbClr val="000000"/>
-              </a:solidFill>
-              <a:latin typeface="Arial" panose="020B0604020202020204"/>
-              <a:ea typeface="Arial" panose="020B0604020202020204"/>
-              <a:cs typeface="Arial" panose="020B0604020202020204"/>
-              <a:sym typeface="Arial" panose="020B0604020202020204"/>
-            </a:endParaRPr>
           </a:p>
         </p:txBody>
       </p:sp>
@@ -33728,15 +33573,6 @@
               </a:rPr>
               <a:t>C</a:t>
             </a:r>
-            <a:endParaRPr lang="en-US" sz="1400" b="0" i="0" u="none" strike="noStrike" cap="none">
-              <a:solidFill>
-                <a:srgbClr val="000000"/>
-              </a:solidFill>
-              <a:latin typeface="Arial" panose="020B0604020202020204"/>
-              <a:ea typeface="Arial" panose="020B0604020202020204"/>
-              <a:cs typeface="Arial" panose="020B0604020202020204"/>
-              <a:sym typeface="Arial" panose="020B0604020202020204"/>
-            </a:endParaRPr>
           </a:p>
         </p:txBody>
       </p:sp>
@@ -33868,7 +33704,7 @@
           <p:nvPr/>
         </p:nvPicPr>
         <p:blipFill rotWithShape="1">
-          <a:blip r:embed="rId3"/>
+          <a:blip r:embed="rId5"/>
           <a:srcRect/>
           <a:stretch>
             <a:fillRect/>
@@ -33985,7 +33821,7 @@
           <p:nvPr/>
         </p:nvPicPr>
         <p:blipFill rotWithShape="1">
-          <a:blip r:embed="rId4"/>
+          <a:blip r:embed="rId6"/>
           <a:srcRect/>
           <a:stretch>
             <a:fillRect/>
@@ -34044,7 +33880,7 @@
           <p:nvPr/>
         </p:nvPicPr>
         <p:blipFill rotWithShape="1">
-          <a:blip r:embed="rId5"/>
+          <a:blip r:embed="rId7"/>
           <a:srcRect/>
           <a:stretch>
             <a:fillRect/>
@@ -34172,15 +34008,6 @@
               </a:rPr>
               <a:t>3. Update A is at 192.168.1.2:8080</a:t>
             </a:r>
-            <a:endParaRPr lang="en-US" sz="1000" b="0" i="1" u="none" strike="noStrike" cap="none">
-              <a:solidFill>
-                <a:srgbClr val="000000"/>
-              </a:solidFill>
-              <a:latin typeface="Arial" panose="020B0604020202020204"/>
-              <a:ea typeface="Arial" panose="020B0604020202020204"/>
-              <a:cs typeface="Arial" panose="020B0604020202020204"/>
-              <a:sym typeface="Arial" panose="020B0604020202020204"/>
-            </a:endParaRPr>
           </a:p>
         </p:txBody>
       </p:sp>
@@ -34191,7 +34018,7 @@
           <p:nvPr/>
         </p:nvPicPr>
         <p:blipFill rotWithShape="1">
-          <a:blip r:embed="rId6"/>
+          <a:blip r:embed="rId8"/>
           <a:srcRect/>
           <a:stretch>
             <a:fillRect/>
@@ -34218,7 +34045,7 @@
           <p:nvPr/>
         </p:nvPicPr>
         <p:blipFill rotWithShape="1">
-          <a:blip r:embed="rId6"/>
+          <a:blip r:embed="rId8"/>
           <a:srcRect/>
           <a:stretch>
             <a:fillRect/>
@@ -34360,15 +34187,6 @@
               </a:rPr>
               <a:t>2. Hey! I am A</a:t>
             </a:r>
-            <a:endParaRPr lang="en-US" sz="1000" b="0" i="1" u="none" strike="noStrike" cap="none">
-              <a:solidFill>
-                <a:srgbClr val="000000"/>
-              </a:solidFill>
-              <a:latin typeface="Arial" panose="020B0604020202020204"/>
-              <a:ea typeface="Arial" panose="020B0604020202020204"/>
-              <a:cs typeface="Arial" panose="020B0604020202020204"/>
-              <a:sym typeface="Arial" panose="020B0604020202020204"/>
-            </a:endParaRPr>
           </a:p>
           <a:p>
             <a:pPr marL="0" marR="0" lvl="0" indent="0" algn="l" rtl="0">
@@ -34395,15 +34213,6 @@
               </a:rPr>
               <a:t>My Addr is at 192.168.1.2:8080</a:t>
             </a:r>
-            <a:endParaRPr lang="en-US" sz="1000" b="0" i="1" u="none" strike="noStrike" cap="none">
-              <a:solidFill>
-                <a:srgbClr val="000000"/>
-              </a:solidFill>
-              <a:latin typeface="Arial" panose="020B0604020202020204"/>
-              <a:ea typeface="Arial" panose="020B0604020202020204"/>
-              <a:cs typeface="Arial" panose="020B0604020202020204"/>
-              <a:sym typeface="Arial" panose="020B0604020202020204"/>
-            </a:endParaRPr>
           </a:p>
         </p:txBody>
       </p:sp>
@@ -34456,15 +34265,6 @@
               </a:rPr>
               <a:t>3. Update A is at 192.168.1.2:8080</a:t>
             </a:r>
-            <a:endParaRPr lang="en-US" sz="1000" b="0" i="1" u="none" strike="noStrike" cap="none">
-              <a:solidFill>
-                <a:srgbClr val="000000"/>
-              </a:solidFill>
-              <a:latin typeface="Arial" panose="020B0604020202020204"/>
-              <a:ea typeface="Arial" panose="020B0604020202020204"/>
-              <a:cs typeface="Arial" panose="020B0604020202020204"/>
-              <a:sym typeface="Arial" panose="020B0604020202020204"/>
-            </a:endParaRPr>
           </a:p>
         </p:txBody>
       </p:sp>
@@ -34517,15 +34317,6 @@
               </a:rPr>
               <a:t>3. Update A is at 192.168.1.2:8080</a:t>
             </a:r>
-            <a:endParaRPr lang="en-US" sz="1000" b="0" i="1" u="none" strike="noStrike" cap="none">
-              <a:solidFill>
-                <a:srgbClr val="000000"/>
-              </a:solidFill>
-              <a:latin typeface="Arial" panose="020B0604020202020204"/>
-              <a:ea typeface="Arial" panose="020B0604020202020204"/>
-              <a:cs typeface="Arial" panose="020B0604020202020204"/>
-              <a:sym typeface="Arial" panose="020B0604020202020204"/>
-            </a:endParaRPr>
           </a:p>
         </p:txBody>
       </p:sp>
@@ -34716,7 +34507,7 @@
   <p:cSld>
     <p:spTree>
       <p:nvGrpSpPr>
-        <p:cNvPr id="525" name="Shape 525"/>
+        <p:cNvPr id="1" name="Shape 525"/>
         <p:cNvGrpSpPr/>
         <p:nvPr/>
       </p:nvGrpSpPr>
@@ -34731,7 +34522,9 @@
       <p:sp>
         <p:nvSpPr>
           <p:cNvPr id="526" name="Google Shape;526;p39"/>
-          <p:cNvSpPr txBox="1"/>
+          <p:cNvSpPr txBox="1">
+            <a:spLocks noGrp="1"/>
+          </p:cNvSpPr>
           <p:nvPr>
             <p:ph type="sldNum" idx="12"/>
           </p:nvPr>
@@ -34770,6 +34563,7 @@
             </a:pPr>
             <a:fld id="{00000000-1234-1234-1234-123412341234}" type="slidenum">
               <a:rPr lang="en-US"/>
+              <a:t>23</a:t>
             </a:fld>
             <a:endParaRPr lang="en-US"/>
           </a:p>
@@ -34778,7 +34572,9 @@
       <p:sp>
         <p:nvSpPr>
           <p:cNvPr id="527" name="Google Shape;527;p39"/>
-          <p:cNvSpPr txBox="1"/>
+          <p:cNvSpPr txBox="1">
+            <a:spLocks noGrp="1"/>
+          </p:cNvSpPr>
           <p:nvPr>
             <p:ph type="title"/>
           </p:nvPr>
@@ -35094,15 +34890,6 @@
               </a:rPr>
               <a:t>Query</a:t>
             </a:r>
-            <a:endParaRPr lang="en-US" sz="1100" b="0" i="0" u="none" strike="noStrike" cap="none">
-              <a:solidFill>
-                <a:srgbClr val="000000"/>
-              </a:solidFill>
-              <a:latin typeface="Arial" panose="020B0604020202020204"/>
-              <a:ea typeface="Arial" panose="020B0604020202020204"/>
-              <a:cs typeface="Arial" panose="020B0604020202020204"/>
-              <a:sym typeface="Arial" panose="020B0604020202020204"/>
-            </a:endParaRPr>
           </a:p>
         </p:txBody>
       </p:sp>
@@ -35139,7 +34926,7 @@
           <p:nvPr/>
         </p:nvPicPr>
         <p:blipFill rotWithShape="1">
-          <a:blip r:embed="rId1"/>
+          <a:blip r:embed="rId3"/>
           <a:srcRect/>
           <a:stretch>
             <a:fillRect/>
@@ -35294,15 +35081,6 @@
               </a:rPr>
               <a:t>Sub</a:t>
             </a:r>
-            <a:endParaRPr lang="en-US" sz="1100" b="0" i="0" u="none" strike="noStrike" cap="none">
-              <a:solidFill>
-                <a:srgbClr val="7030A0"/>
-              </a:solidFill>
-              <a:latin typeface="Arial" panose="020B0604020202020204"/>
-              <a:ea typeface="Arial" panose="020B0604020202020204"/>
-              <a:cs typeface="Arial" panose="020B0604020202020204"/>
-              <a:sym typeface="Arial" panose="020B0604020202020204"/>
-            </a:endParaRPr>
           </a:p>
           <a:p>
             <a:pPr marL="0" marR="0" lvl="0" indent="0" algn="l" rtl="0">
@@ -35341,15 +35119,6 @@
               </a:rPr>
               <a:t>query</a:t>
             </a:r>
-            <a:endParaRPr lang="en-US" sz="1100" b="0" i="0" u="none" strike="noStrike" cap="none">
-              <a:solidFill>
-                <a:srgbClr val="30BE47"/>
-              </a:solidFill>
-              <a:latin typeface="Arial" panose="020B0604020202020204"/>
-              <a:ea typeface="Arial" panose="020B0604020202020204"/>
-              <a:cs typeface="Arial" panose="020B0604020202020204"/>
-              <a:sym typeface="Arial" panose="020B0604020202020204"/>
-            </a:endParaRPr>
           </a:p>
         </p:txBody>
       </p:sp>
@@ -35594,15 +35363,6 @@
               </a:rPr>
               <a:t>Listen</a:t>
             </a:r>
-            <a:endParaRPr lang="en-US" sz="900" b="0" i="0" u="none" strike="noStrike" cap="none">
-              <a:solidFill>
-                <a:schemeClr val="lt1"/>
-              </a:solidFill>
-              <a:latin typeface="Arial" panose="020B0604020202020204"/>
-              <a:ea typeface="Arial" panose="020B0604020202020204"/>
-              <a:cs typeface="Arial" panose="020B0604020202020204"/>
-              <a:sym typeface="Arial" panose="020B0604020202020204"/>
-            </a:endParaRPr>
           </a:p>
         </p:txBody>
       </p:sp>
@@ -35655,15 +35415,6 @@
               </a:rPr>
               <a:t>Service A</a:t>
             </a:r>
-            <a:endParaRPr lang="en-US" sz="1400" b="0" i="0" u="none" strike="noStrike" cap="none">
-              <a:solidFill>
-                <a:srgbClr val="000000"/>
-              </a:solidFill>
-              <a:latin typeface="Arial" panose="020B0604020202020204"/>
-              <a:ea typeface="Arial" panose="020B0604020202020204"/>
-              <a:cs typeface="Arial" panose="020B0604020202020204"/>
-              <a:sym typeface="Arial" panose="020B0604020202020204"/>
-            </a:endParaRPr>
           </a:p>
         </p:txBody>
       </p:sp>
@@ -35758,15 +35509,6 @@
               </a:rPr>
               <a:t>to Addr-B</a:t>
             </a:r>
-            <a:endParaRPr lang="en-US" sz="1100" b="0" i="0" u="none" strike="noStrike" cap="none">
-              <a:solidFill>
-                <a:srgbClr val="342E22"/>
-              </a:solidFill>
-              <a:latin typeface="Arial" panose="020B0604020202020204"/>
-              <a:ea typeface="Arial" panose="020B0604020202020204"/>
-              <a:cs typeface="Arial" panose="020B0604020202020204"/>
-              <a:sym typeface="Arial" panose="020B0604020202020204"/>
-            </a:endParaRPr>
           </a:p>
           <a:p>
             <a:pPr marL="0" marR="0" lvl="0" indent="0" algn="l" rtl="0">
@@ -35793,15 +35535,6 @@
               </a:rPr>
               <a:t>addr: 192.168.1.2:8080</a:t>
             </a:r>
-            <a:endParaRPr lang="en-US" sz="900" b="0" i="0" u="none" strike="noStrike" cap="none">
-              <a:solidFill>
-                <a:srgbClr val="000000"/>
-              </a:solidFill>
-              <a:latin typeface="Arial" panose="020B0604020202020204"/>
-              <a:ea typeface="Arial" panose="020B0604020202020204"/>
-              <a:cs typeface="Arial" panose="020B0604020202020204"/>
-              <a:sym typeface="Arial" panose="020B0604020202020204"/>
-            </a:endParaRPr>
           </a:p>
         </p:txBody>
       </p:sp>
@@ -35911,15 +35644,6 @@
               </a:rPr>
               <a:t>Service B</a:t>
             </a:r>
-            <a:endParaRPr lang="en-US" sz="1400" b="0" i="0" u="none" strike="noStrike" cap="none">
-              <a:solidFill>
-                <a:srgbClr val="000000"/>
-              </a:solidFill>
-              <a:latin typeface="Arial" panose="020B0604020202020204"/>
-              <a:ea typeface="Arial" panose="020B0604020202020204"/>
-              <a:cs typeface="Arial" panose="020B0604020202020204"/>
-              <a:sym typeface="Arial" panose="020B0604020202020204"/>
-            </a:endParaRPr>
           </a:p>
         </p:txBody>
       </p:sp>
@@ -35972,15 +35696,6 @@
               </a:rPr>
               <a:t>Pub</a:t>
             </a:r>
-            <a:endParaRPr lang="en-US" sz="1100" b="0" i="0" u="none" strike="noStrike" cap="none">
-              <a:solidFill>
-                <a:srgbClr val="00B0F0"/>
-              </a:solidFill>
-              <a:latin typeface="Arial" panose="020B0604020202020204"/>
-              <a:ea typeface="Arial" panose="020B0604020202020204"/>
-              <a:cs typeface="Arial" panose="020B0604020202020204"/>
-              <a:sym typeface="Arial" panose="020B0604020202020204"/>
-            </a:endParaRPr>
           </a:p>
           <a:p>
             <a:pPr marL="0" marR="0" lvl="0" indent="0" algn="l" rtl="0">
@@ -36007,15 +35722,6 @@
               </a:rPr>
               <a:t>Service: service A</a:t>
             </a:r>
-            <a:endParaRPr lang="en-US" sz="900" b="0" i="0" u="none" strike="noStrike" cap="none">
-              <a:solidFill>
-                <a:srgbClr val="000000"/>
-              </a:solidFill>
-              <a:latin typeface="Arial" panose="020B0604020202020204"/>
-              <a:ea typeface="Arial" panose="020B0604020202020204"/>
-              <a:cs typeface="Arial" panose="020B0604020202020204"/>
-              <a:sym typeface="Arial" panose="020B0604020202020204"/>
-            </a:endParaRPr>
           </a:p>
           <a:p>
             <a:pPr marL="0" marR="0" lvl="0" indent="0" algn="l" rtl="0">
@@ -36312,15 +36018,6 @@
               </a:rPr>
               <a:t>Query</a:t>
             </a:r>
-            <a:endParaRPr lang="en-US" sz="900" b="0" i="0" u="none" strike="noStrike" cap="none">
-              <a:solidFill>
-                <a:schemeClr val="lt1"/>
-              </a:solidFill>
-              <a:latin typeface="Arial" panose="020B0604020202020204"/>
-              <a:ea typeface="Arial" panose="020B0604020202020204"/>
-              <a:cs typeface="Arial" panose="020B0604020202020204"/>
-              <a:sym typeface="Arial" panose="020B0604020202020204"/>
-            </a:endParaRPr>
           </a:p>
         </p:txBody>
       </p:sp>
@@ -36402,15 +36099,6 @@
               </a:rPr>
               <a:t>Pub</a:t>
             </a:r>
-            <a:endParaRPr lang="en-US" sz="1100" b="0" i="0" u="none" strike="noStrike" cap="none">
-              <a:solidFill>
-                <a:srgbClr val="00B0F0"/>
-              </a:solidFill>
-              <a:latin typeface="Arial" panose="020B0604020202020204"/>
-              <a:ea typeface="Arial" panose="020B0604020202020204"/>
-              <a:cs typeface="Arial" panose="020B0604020202020204"/>
-              <a:sym typeface="Arial" panose="020B0604020202020204"/>
-            </a:endParaRPr>
           </a:p>
           <a:p>
             <a:pPr marL="0" marR="0" lvl="0" indent="0" algn="l" rtl="0">
@@ -36437,15 +36125,6 @@
               </a:rPr>
               <a:t>ServiceA: 192.168.1.2:8080</a:t>
             </a:r>
-            <a:endParaRPr lang="en-US" sz="900" b="0" i="0" u="none" strike="noStrike" cap="none">
-              <a:solidFill>
-                <a:srgbClr val="000000"/>
-              </a:solidFill>
-              <a:latin typeface="Arial" panose="020B0604020202020204"/>
-              <a:ea typeface="Arial" panose="020B0604020202020204"/>
-              <a:cs typeface="Arial" panose="020B0604020202020204"/>
-              <a:sym typeface="Arial" panose="020B0604020202020204"/>
-            </a:endParaRPr>
           </a:p>
         </p:txBody>
       </p:sp>
@@ -36529,7 +36208,7 @@
   <p:cSld>
     <p:spTree>
       <p:nvGrpSpPr>
-        <p:cNvPr id="558" name="Shape 558"/>
+        <p:cNvPr id="1" name="Shape 558"/>
         <p:cNvGrpSpPr/>
         <p:nvPr/>
       </p:nvGrpSpPr>
@@ -36544,7 +36223,9 @@
       <p:sp>
         <p:nvSpPr>
           <p:cNvPr id="559" name="Google Shape;559;p40"/>
-          <p:cNvSpPr txBox="1"/>
+          <p:cNvSpPr txBox="1">
+            <a:spLocks noGrp="1"/>
+          </p:cNvSpPr>
           <p:nvPr>
             <p:ph type="sldNum" idx="12"/>
           </p:nvPr>
@@ -36583,6 +36264,7 @@
             </a:pPr>
             <a:fld id="{00000000-1234-1234-1234-123412341234}" type="slidenum">
               <a:rPr lang="en-US"/>
+              <a:t>24</a:t>
             </a:fld>
             <a:endParaRPr lang="en-US"/>
           </a:p>
@@ -36591,7 +36273,9 @@
       <p:sp>
         <p:nvSpPr>
           <p:cNvPr id="560" name="Google Shape;560;p40"/>
-          <p:cNvSpPr txBox="1"/>
+          <p:cNvSpPr txBox="1">
+            <a:spLocks noGrp="1"/>
+          </p:cNvSpPr>
           <p:nvPr>
             <p:ph type="title"/>
           </p:nvPr>
@@ -36698,15 +36382,6 @@
               </a:rPr>
               <a:t>支持的注册方式</a:t>
             </a:r>
-            <a:endParaRPr lang="en-US" sz="1400" b="1" i="0" u="none" strike="noStrike" cap="none">
-              <a:solidFill>
-                <a:schemeClr val="accent1"/>
-              </a:solidFill>
-              <a:latin typeface="PT Sans Narrow" panose="020B0506020203020204"/>
-              <a:ea typeface="PT Sans Narrow" panose="020B0506020203020204"/>
-              <a:cs typeface="PT Sans Narrow" panose="020B0506020203020204"/>
-              <a:sym typeface="PT Sans Narrow" panose="020B0506020203020204"/>
-            </a:endParaRPr>
           </a:p>
         </p:txBody>
       </p:sp>
@@ -36804,15 +36479,6 @@
               </a:rPr>
               <a:t>Consul</a:t>
             </a:r>
-            <a:endParaRPr lang="en-US" sz="1400" b="0" i="0" u="none" strike="noStrike" cap="none">
-              <a:solidFill>
-                <a:srgbClr val="000000"/>
-              </a:solidFill>
-              <a:latin typeface="Arial" panose="020B0604020202020204"/>
-              <a:ea typeface="Arial" panose="020B0604020202020204"/>
-              <a:cs typeface="Arial" panose="020B0604020202020204"/>
-              <a:sym typeface="Arial" panose="020B0604020202020204"/>
-            </a:endParaRPr>
           </a:p>
           <a:p>
             <a:pPr marL="342900" marR="0" lvl="0" indent="-342900" algn="l" rtl="0">
@@ -36844,15 +36510,6 @@
               </a:rPr>
               <a:t>Zookeeper</a:t>
             </a:r>
-            <a:endParaRPr lang="en-US" sz="1400" b="0" i="0" u="none" strike="noStrike" cap="none">
-              <a:solidFill>
-                <a:srgbClr val="000000"/>
-              </a:solidFill>
-              <a:latin typeface="Arial" panose="020B0604020202020204"/>
-              <a:ea typeface="Arial" panose="020B0604020202020204"/>
-              <a:cs typeface="Arial" panose="020B0604020202020204"/>
-              <a:sym typeface="Arial" panose="020B0604020202020204"/>
-            </a:endParaRPr>
           </a:p>
           <a:p>
             <a:pPr marL="342900" marR="0" lvl="0" indent="-342900" algn="l" rtl="0">
@@ -36884,15 +36541,6 @@
               </a:rPr>
               <a:t>NATs</a:t>
             </a:r>
-            <a:endParaRPr lang="en-US" sz="1400" b="0" i="0" u="none" strike="noStrike" cap="none">
-              <a:solidFill>
-                <a:srgbClr val="000000"/>
-              </a:solidFill>
-              <a:latin typeface="Arial" panose="020B0604020202020204"/>
-              <a:ea typeface="Arial" panose="020B0604020202020204"/>
-              <a:cs typeface="Arial" panose="020B0604020202020204"/>
-              <a:sym typeface="Arial" panose="020B0604020202020204"/>
-            </a:endParaRPr>
           </a:p>
           <a:p>
             <a:pPr marL="342900" marR="0" lvl="0" indent="-342900" algn="l" rtl="0">
@@ -36924,15 +36572,6 @@
               </a:rPr>
               <a:t>Etcd/v3</a:t>
             </a:r>
-            <a:endParaRPr lang="en-US" sz="1400" b="0" i="0" u="none" strike="noStrike" cap="none">
-              <a:solidFill>
-                <a:srgbClr val="000000"/>
-              </a:solidFill>
-              <a:latin typeface="Arial" panose="020B0604020202020204"/>
-              <a:ea typeface="Arial" panose="020B0604020202020204"/>
-              <a:cs typeface="Arial" panose="020B0604020202020204"/>
-              <a:sym typeface="Arial" panose="020B0604020202020204"/>
-            </a:endParaRPr>
           </a:p>
           <a:p>
             <a:pPr marL="342900" marR="0" lvl="0" indent="-342900" algn="l" rtl="0">
@@ -36964,55 +36603,6 @@
               </a:rPr>
               <a:t>Eureka</a:t>
             </a:r>
-            <a:endParaRPr lang="en-US" sz="1400" b="0" i="0" u="none" strike="noStrike" cap="none">
-              <a:solidFill>
-                <a:srgbClr val="000000"/>
-              </a:solidFill>
-              <a:latin typeface="Arial" panose="020B0604020202020204"/>
-              <a:ea typeface="Arial" panose="020B0604020202020204"/>
-              <a:cs typeface="Arial" panose="020B0604020202020204"/>
-              <a:sym typeface="Arial" panose="020B0604020202020204"/>
-            </a:endParaRPr>
-          </a:p>
-          <a:p>
-            <a:pPr marL="342900" marR="0" lvl="0" indent="-342900" algn="l" rtl="0">
-              <a:lnSpc>
-                <a:spcPct val="100000"/>
-              </a:lnSpc>
-              <a:spcBef>
-                <a:spcPts val="0"/>
-              </a:spcBef>
-              <a:spcAft>
-                <a:spcPts val="0"/>
-              </a:spcAft>
-              <a:buClr>
-                <a:srgbClr val="000000"/>
-              </a:buClr>
-              <a:buSzPts val="1400"/>
-              <a:buFont typeface="Arial" panose="020B0604020202020204"/>
-              <a:buAutoNum type="arabicPeriod"/>
-            </a:pPr>
-            <a:r>
-              <a:rPr lang="en-US" sz="1400" b="0" i="0" u="none" strike="noStrike" cap="none">
-                <a:solidFill>
-                  <a:srgbClr val="000000"/>
-                </a:solidFill>
-                <a:latin typeface="Arial" panose="020B0604020202020204"/>
-                <a:ea typeface="Arial" panose="020B0604020202020204"/>
-                <a:cs typeface="Arial" panose="020B0604020202020204"/>
-                <a:sym typeface="Arial" panose="020B0604020202020204"/>
-              </a:rPr>
-              <a:t>Eureka</a:t>
-            </a:r>
-            <a:endParaRPr lang="en-US" sz="1400" b="0" i="0" u="none" strike="noStrike" cap="none">
-              <a:solidFill>
-                <a:srgbClr val="000000"/>
-              </a:solidFill>
-              <a:latin typeface="Arial" panose="020B0604020202020204"/>
-              <a:ea typeface="Arial" panose="020B0604020202020204"/>
-              <a:cs typeface="Arial" panose="020B0604020202020204"/>
-              <a:sym typeface="Arial" panose="020B0604020202020204"/>
-            </a:endParaRPr>
           </a:p>
           <a:p>
             <a:pPr marL="342900" marR="0" lvl="0" indent="-342900" algn="l" rtl="0">
@@ -37044,15 +36634,6 @@
               </a:rPr>
               <a:t>k8s</a:t>
             </a:r>
-            <a:endParaRPr lang="en-US" sz="1400" b="0" i="0" u="none" strike="noStrike" cap="none">
-              <a:solidFill>
-                <a:srgbClr val="000000"/>
-              </a:solidFill>
-              <a:latin typeface="Arial" panose="020B0604020202020204"/>
-              <a:ea typeface="Arial" panose="020B0604020202020204"/>
-              <a:cs typeface="Arial" panose="020B0604020202020204"/>
-              <a:sym typeface="Arial" panose="020B0604020202020204"/>
-            </a:endParaRPr>
           </a:p>
           <a:p>
             <a:pPr marL="342900" marR="0" lvl="0" indent="-254000" algn="l" rtl="0">
@@ -37097,7 +36678,7 @@
   <p:cSld>
     <p:spTree>
       <p:nvGrpSpPr>
-        <p:cNvPr id="566" name="Shape 566"/>
+        <p:cNvPr id="1" name="Shape 566"/>
         <p:cNvGrpSpPr/>
         <p:nvPr/>
       </p:nvGrpSpPr>
@@ -37112,7 +36693,9 @@
       <p:sp>
         <p:nvSpPr>
           <p:cNvPr id="567" name="Google Shape;567;p41"/>
-          <p:cNvSpPr txBox="1"/>
+          <p:cNvSpPr txBox="1">
+            <a:spLocks noGrp="1"/>
+          </p:cNvSpPr>
           <p:nvPr>
             <p:ph type="sldNum" idx="12"/>
           </p:nvPr>
@@ -37151,6 +36734,7 @@
             </a:pPr>
             <a:fld id="{00000000-1234-1234-1234-123412341234}" type="slidenum">
               <a:rPr lang="en-US"/>
+              <a:t>25</a:t>
             </a:fld>
             <a:endParaRPr lang="en-US"/>
           </a:p>
@@ -37159,7 +36743,9 @@
       <p:sp>
         <p:nvSpPr>
           <p:cNvPr id="568" name="Google Shape;568;p41"/>
-          <p:cNvSpPr txBox="1"/>
+          <p:cNvSpPr txBox="1">
+            <a:spLocks noGrp="1"/>
+          </p:cNvSpPr>
           <p:nvPr>
             <p:ph type="title"/>
           </p:nvPr>
@@ -37256,15 +36842,6 @@
               </a:rPr>
               <a:t>支持的注册方式</a:t>
             </a:r>
-            <a:endParaRPr lang="en-US" sz="1400" b="1" i="0" u="none" strike="noStrike" cap="none">
-              <a:solidFill>
-                <a:schemeClr val="accent1"/>
-              </a:solidFill>
-              <a:latin typeface="PT Sans Narrow" panose="020B0506020203020204"/>
-              <a:ea typeface="PT Sans Narrow" panose="020B0506020203020204"/>
-              <a:cs typeface="PT Sans Narrow" panose="020B0506020203020204"/>
-              <a:sym typeface="PT Sans Narrow" panose="020B0506020203020204"/>
-            </a:endParaRPr>
           </a:p>
         </p:txBody>
       </p:sp>
@@ -37325,15 +36902,6 @@
               </a:rPr>
               <a:t>Client</a:t>
             </a:r>
-            <a:endParaRPr lang="en-US" sz="1350" b="0" i="0" u="none" strike="noStrike" cap="none">
-              <a:solidFill>
-                <a:schemeClr val="lt1"/>
-              </a:solidFill>
-              <a:latin typeface="Arial" panose="020B0604020202020204"/>
-              <a:ea typeface="Arial" panose="020B0604020202020204"/>
-              <a:cs typeface="Arial" panose="020B0604020202020204"/>
-              <a:sym typeface="Arial" panose="020B0604020202020204"/>
-            </a:endParaRPr>
           </a:p>
         </p:txBody>
       </p:sp>
@@ -37463,15 +37031,6 @@
               </a:rPr>
               <a:t>Registry</a:t>
             </a:r>
-            <a:endParaRPr lang="en-US" sz="1200" b="0" i="0" u="none" strike="noStrike" cap="none">
-              <a:solidFill>
-                <a:schemeClr val="lt1"/>
-              </a:solidFill>
-              <a:latin typeface="Arial" panose="020B0604020202020204"/>
-              <a:ea typeface="Arial" panose="020B0604020202020204"/>
-              <a:cs typeface="Arial" panose="020B0604020202020204"/>
-              <a:sym typeface="Arial" panose="020B0604020202020204"/>
-            </a:endParaRPr>
           </a:p>
         </p:txBody>
       </p:sp>
@@ -37532,15 +37091,6 @@
               </a:rPr>
               <a:t>Client</a:t>
             </a:r>
-            <a:endParaRPr lang="en-US" sz="1350" b="0" i="0" u="none" strike="noStrike" cap="none">
-              <a:solidFill>
-                <a:schemeClr val="lt1"/>
-              </a:solidFill>
-              <a:latin typeface="Arial" panose="020B0604020202020204"/>
-              <a:ea typeface="Arial" panose="020B0604020202020204"/>
-              <a:cs typeface="Arial" panose="020B0604020202020204"/>
-              <a:sym typeface="Arial" panose="020B0604020202020204"/>
-            </a:endParaRPr>
           </a:p>
         </p:txBody>
       </p:sp>
@@ -37662,15 +37212,6 @@
               </a:rPr>
               <a:t>Client</a:t>
             </a:r>
-            <a:endParaRPr lang="en-US" sz="1350" b="0" i="0" u="none" strike="noStrike" cap="none">
-              <a:solidFill>
-                <a:schemeClr val="lt1"/>
-              </a:solidFill>
-              <a:latin typeface="Arial" panose="020B0604020202020204"/>
-              <a:ea typeface="Arial" panose="020B0604020202020204"/>
-              <a:cs typeface="Arial" panose="020B0604020202020204"/>
-              <a:sym typeface="Arial" panose="020B0604020202020204"/>
-            </a:endParaRPr>
           </a:p>
         </p:txBody>
       </p:sp>
@@ -37774,8 +37315,8 @@
         </p:nvSpPr>
         <p:spPr>
           <a:xfrm>
-            <a:off x="3622517" y="2556752"/>
-            <a:ext cx="752129" cy="253916"/>
+            <a:off x="3504251" y="2556752"/>
+            <a:ext cx="870396" cy="253916"/>
           </a:xfrm>
           <a:prstGeom prst="rect">
             <a:avLst/>
@@ -38037,15 +37578,6 @@
               </a:rPr>
               <a:t>Client</a:t>
             </a:r>
-            <a:endParaRPr lang="en-US" sz="1350" b="0" i="0" u="none" strike="noStrike" cap="none">
-              <a:solidFill>
-                <a:schemeClr val="lt1"/>
-              </a:solidFill>
-              <a:latin typeface="Arial" panose="020B0604020202020204"/>
-              <a:ea typeface="Arial" panose="020B0604020202020204"/>
-              <a:cs typeface="Arial" panose="020B0604020202020204"/>
-              <a:sym typeface="Arial" panose="020B0604020202020204"/>
-            </a:endParaRPr>
           </a:p>
         </p:txBody>
       </p:sp>
@@ -38228,15 +37760,6 @@
               </a:rPr>
               <a:t>Client</a:t>
             </a:r>
-            <a:endParaRPr lang="en-US" sz="1350" b="0" i="0" u="none" strike="noStrike" cap="none">
-              <a:solidFill>
-                <a:schemeClr val="lt1"/>
-              </a:solidFill>
-              <a:latin typeface="Arial" panose="020B0604020202020204"/>
-              <a:ea typeface="Arial" panose="020B0604020202020204"/>
-              <a:cs typeface="Arial" panose="020B0604020202020204"/>
-              <a:sym typeface="Arial" panose="020B0604020202020204"/>
-            </a:endParaRPr>
           </a:p>
         </p:txBody>
       </p:sp>
@@ -38403,7 +37926,7 @@
         <p:spPr>
           <a:xfrm>
             <a:off x="5687542" y="1618332"/>
-            <a:ext cx="873957" cy="253916"/>
+            <a:ext cx="1023808" cy="253916"/>
           </a:xfrm>
           <a:prstGeom prst="rect">
             <a:avLst/>
@@ -38824,7 +38347,7 @@
   <p:cSld>
     <p:spTree>
       <p:nvGrpSpPr>
-        <p:cNvPr id="600" name="Shape 600"/>
+        <p:cNvPr id="1" name="Shape 600"/>
         <p:cNvGrpSpPr/>
         <p:nvPr/>
       </p:nvGrpSpPr>
@@ -38839,7 +38362,9 @@
       <p:sp>
         <p:nvSpPr>
           <p:cNvPr id="601" name="Google Shape;601;p42"/>
-          <p:cNvSpPr txBox="1"/>
+          <p:cNvSpPr txBox="1">
+            <a:spLocks noGrp="1"/>
+          </p:cNvSpPr>
           <p:nvPr>
             <p:ph type="title"/>
           </p:nvPr>
@@ -38880,14 +38405,15 @@
               <a:rPr lang="en-US"/>
               <a:t>Transport 同步请求组件</a:t>
             </a:r>
-            <a:endParaRPr lang="en-US"/>
           </a:p>
         </p:txBody>
       </p:sp>
       <p:sp>
         <p:nvSpPr>
           <p:cNvPr id="602" name="Google Shape;602;p42"/>
-          <p:cNvSpPr txBox="1"/>
+          <p:cNvSpPr txBox="1">
+            <a:spLocks noGrp="1"/>
+          </p:cNvSpPr>
           <p:nvPr>
             <p:ph type="sldNum" idx="12"/>
           </p:nvPr>
@@ -38926,6 +38452,7 @@
             </a:pPr>
             <a:fld id="{00000000-1234-1234-1234-123412341234}" type="slidenum">
               <a:rPr lang="en-US"/>
+              <a:t>26</a:t>
             </a:fld>
             <a:endParaRPr lang="en-US"/>
           </a:p>
@@ -38938,7 +38465,7 @@
           <p:nvPr/>
         </p:nvPicPr>
         <p:blipFill rotWithShape="1">
-          <a:blip r:embed="rId1"/>
+          <a:blip r:embed="rId3"/>
           <a:srcRect/>
           <a:stretch>
             <a:fillRect/>
@@ -39076,15 +38603,6 @@
               </a:rPr>
               <a:t>}</a:t>
             </a:r>
-            <a:endParaRPr lang="en-US" sz="1400" b="0" i="0" u="none" strike="noStrike" cap="none">
-              <a:solidFill>
-                <a:srgbClr val="7F7F7F"/>
-              </a:solidFill>
-              <a:latin typeface="Arial" panose="020B0604020202020204"/>
-              <a:ea typeface="Arial" panose="020B0604020202020204"/>
-              <a:cs typeface="Arial" panose="020B0604020202020204"/>
-              <a:sym typeface="Arial" panose="020B0604020202020204"/>
-            </a:endParaRPr>
           </a:p>
         </p:txBody>
       </p:sp>
@@ -39162,7 +38680,7 @@
   <p:cSld>
     <p:spTree>
       <p:nvGrpSpPr>
-        <p:cNvPr id="609" name="Shape 609"/>
+        <p:cNvPr id="1" name="Shape 609"/>
         <p:cNvGrpSpPr/>
         <p:nvPr/>
       </p:nvGrpSpPr>
@@ -39177,7 +38695,9 @@
       <p:sp>
         <p:nvSpPr>
           <p:cNvPr id="610" name="Google Shape;610;p43"/>
-          <p:cNvSpPr txBox="1"/>
+          <p:cNvSpPr txBox="1">
+            <a:spLocks noGrp="1"/>
+          </p:cNvSpPr>
           <p:nvPr>
             <p:ph type="title"/>
           </p:nvPr>
@@ -39218,14 +38738,15 @@
               <a:rPr lang="en-US"/>
               <a:t>Transport 同步请求组件</a:t>
             </a:r>
-            <a:endParaRPr lang="en-US"/>
           </a:p>
         </p:txBody>
       </p:sp>
       <p:sp>
         <p:nvSpPr>
           <p:cNvPr id="611" name="Google Shape;611;p43"/>
-          <p:cNvSpPr txBox="1"/>
+          <p:cNvSpPr txBox="1">
+            <a:spLocks noGrp="1"/>
+          </p:cNvSpPr>
           <p:nvPr>
             <p:ph type="sldNum" idx="12"/>
           </p:nvPr>
@@ -39264,6 +38785,7 @@
             </a:pPr>
             <a:fld id="{00000000-1234-1234-1234-123412341234}" type="slidenum">
               <a:rPr lang="en-US"/>
+              <a:t>27</a:t>
             </a:fld>
             <a:endParaRPr lang="en-US"/>
           </a:p>
@@ -39623,15 +39145,6 @@
               </a:rPr>
               <a:t>Handler</a:t>
             </a:r>
-            <a:endParaRPr lang="en-US" sz="1350" b="0" i="0" u="none" strike="noStrike" cap="none">
-              <a:solidFill>
-                <a:schemeClr val="dk1"/>
-              </a:solidFill>
-              <a:latin typeface="Arial" panose="020B0604020202020204"/>
-              <a:ea typeface="Arial" panose="020B0604020202020204"/>
-              <a:cs typeface="Arial" panose="020B0604020202020204"/>
-              <a:sym typeface="Arial" panose="020B0604020202020204"/>
-            </a:endParaRPr>
           </a:p>
         </p:txBody>
       </p:sp>
@@ -40738,15 +40251,6 @@
               </a:rPr>
               <a:t>client =&gt; server</a:t>
             </a:r>
-            <a:endParaRPr lang="en-US" sz="1350" b="0" i="0" u="none" strike="noStrike" cap="none">
-              <a:solidFill>
-                <a:srgbClr val="000000"/>
-              </a:solidFill>
-              <a:latin typeface="Arial" panose="020B0604020202020204"/>
-              <a:ea typeface="Arial" panose="020B0604020202020204"/>
-              <a:cs typeface="Arial" panose="020B0604020202020204"/>
-              <a:sym typeface="Arial" panose="020B0604020202020204"/>
-            </a:endParaRPr>
           </a:p>
           <a:p>
             <a:pPr marL="0" marR="0" lvl="0" indent="0" algn="l" rtl="0">
@@ -41723,7 +41227,7 @@
   <p:cSld>
     <p:spTree>
       <p:nvGrpSpPr>
-        <p:cNvPr id="654" name="Shape 654"/>
+        <p:cNvPr id="1" name="Shape 654"/>
         <p:cNvGrpSpPr/>
         <p:nvPr/>
       </p:nvGrpSpPr>
@@ -41738,7 +41242,9 @@
       <p:sp>
         <p:nvSpPr>
           <p:cNvPr id="655" name="Google Shape;655;p44"/>
-          <p:cNvSpPr txBox="1"/>
+          <p:cNvSpPr txBox="1">
+            <a:spLocks noGrp="1"/>
+          </p:cNvSpPr>
           <p:nvPr>
             <p:ph type="title"/>
           </p:nvPr>
@@ -41779,14 +41285,15 @@
               <a:rPr lang="en-US"/>
               <a:t>Transport 的分类</a:t>
             </a:r>
-            <a:endParaRPr lang="en-US"/>
           </a:p>
         </p:txBody>
       </p:sp>
       <p:sp>
         <p:nvSpPr>
           <p:cNvPr id="656" name="Google Shape;656;p44"/>
-          <p:cNvSpPr txBox="1"/>
+          <p:cNvSpPr txBox="1">
+            <a:spLocks noGrp="1"/>
+          </p:cNvSpPr>
           <p:nvPr>
             <p:ph type="sldNum" idx="12"/>
           </p:nvPr>
@@ -41825,6 +41332,7 @@
             </a:pPr>
             <a:fld id="{00000000-1234-1234-1234-123412341234}" type="slidenum">
               <a:rPr lang="en-US"/>
+              <a:t>28</a:t>
             </a:fld>
             <a:endParaRPr lang="en-US"/>
           </a:p>
@@ -41837,7 +41345,7 @@
           <p:nvPr/>
         </p:nvPicPr>
         <p:blipFill rotWithShape="1">
-          <a:blip r:embed="rId1"/>
+          <a:blip r:embed="rId3"/>
           <a:srcRect/>
           <a:stretch>
             <a:fillRect/>
@@ -41870,7 +41378,7 @@
   <p:cSld>
     <p:spTree>
       <p:nvGrpSpPr>
-        <p:cNvPr id="661" name="Shape 661"/>
+        <p:cNvPr id="1" name="Shape 661"/>
         <p:cNvGrpSpPr/>
         <p:nvPr/>
       </p:nvGrpSpPr>
@@ -41885,7 +41393,9 @@
       <p:sp>
         <p:nvSpPr>
           <p:cNvPr id="662" name="Google Shape;662;p45"/>
-          <p:cNvSpPr txBox="1"/>
+          <p:cNvSpPr txBox="1">
+            <a:spLocks noGrp="1"/>
+          </p:cNvSpPr>
           <p:nvPr>
             <p:ph type="title"/>
           </p:nvPr>
@@ -41926,14 +41436,15 @@
               <a:rPr lang="en-US"/>
               <a:t>组件插件化</a:t>
             </a:r>
-            <a:endParaRPr lang="en-US"/>
           </a:p>
         </p:txBody>
       </p:sp>
       <p:sp>
         <p:nvSpPr>
           <p:cNvPr id="663" name="Google Shape;663;p45"/>
-          <p:cNvSpPr txBox="1"/>
+          <p:cNvSpPr txBox="1">
+            <a:spLocks noGrp="1"/>
+          </p:cNvSpPr>
           <p:nvPr>
             <p:ph type="sldNum" idx="12"/>
           </p:nvPr>
@@ -41972,6 +41483,7 @@
             </a:pPr>
             <a:fld id="{00000000-1234-1234-1234-123412341234}" type="slidenum">
               <a:rPr lang="en-US"/>
+              <a:t>29</a:t>
             </a:fld>
             <a:endParaRPr lang="en-US"/>
           </a:p>
@@ -41990,7 +41502,7 @@
   <p:cSld>
     <p:spTree>
       <p:nvGrpSpPr>
-        <p:cNvPr id="132" name="Shape 132"/>
+        <p:cNvPr id="1" name="Shape 132"/>
         <p:cNvGrpSpPr/>
         <p:nvPr/>
       </p:nvGrpSpPr>
@@ -42005,7 +41517,9 @@
       <p:sp>
         <p:nvSpPr>
           <p:cNvPr id="133" name="Google Shape;133;p19"/>
-          <p:cNvSpPr txBox="1"/>
+          <p:cNvSpPr txBox="1">
+            <a:spLocks noGrp="1"/>
+          </p:cNvSpPr>
           <p:nvPr>
             <p:ph type="title"/>
           </p:nvPr>
@@ -42046,14 +41560,15 @@
               <a:rPr lang="en-US"/>
               <a:t>主题</a:t>
             </a:r>
-            <a:endParaRPr lang="en-US"/>
           </a:p>
         </p:txBody>
       </p:sp>
       <p:sp>
         <p:nvSpPr>
           <p:cNvPr id="134" name="Google Shape;134;p19"/>
-          <p:cNvSpPr txBox="1"/>
+          <p:cNvSpPr txBox="1">
+            <a:spLocks noGrp="1"/>
+          </p:cNvSpPr>
           <p:nvPr>
             <p:ph type="sldNum" idx="12"/>
           </p:nvPr>
@@ -42092,6 +41607,7 @@
             </a:pPr>
             <a:fld id="{00000000-1234-1234-1234-123412341234}" type="slidenum">
               <a:rPr lang="en-US"/>
+              <a:t>3</a:t>
             </a:fld>
             <a:endParaRPr lang="en-US"/>
           </a:p>
@@ -42311,15 +41827,6 @@
               </a:rPr>
               <a:t>问答与下期</a:t>
             </a:r>
-            <a:endParaRPr lang="en-US" sz="1400" b="0" i="0" u="none" strike="noStrike" cap="none">
-              <a:solidFill>
-                <a:srgbClr val="424242"/>
-              </a:solidFill>
-              <a:latin typeface="Courier New" panose="02070309020205020404"/>
-              <a:ea typeface="Courier New" panose="02070309020205020404"/>
-              <a:cs typeface="Courier New" panose="02070309020205020404"/>
-              <a:sym typeface="Courier New" panose="02070309020205020404"/>
-            </a:endParaRPr>
           </a:p>
         </p:txBody>
       </p:sp>
@@ -42336,7 +41843,7 @@
   <p:cSld>
     <p:spTree>
       <p:nvGrpSpPr>
-        <p:cNvPr id="667" name="Shape 667"/>
+        <p:cNvPr id="1" name="Shape 667"/>
         <p:cNvGrpSpPr/>
         <p:nvPr/>
       </p:nvGrpSpPr>
@@ -42351,7 +41858,9 @@
       <p:sp>
         <p:nvSpPr>
           <p:cNvPr id="668" name="Google Shape;668;p46"/>
-          <p:cNvSpPr txBox="1"/>
+          <p:cNvSpPr txBox="1">
+            <a:spLocks noGrp="1"/>
+          </p:cNvSpPr>
           <p:nvPr>
             <p:ph type="title"/>
           </p:nvPr>
@@ -42392,14 +41901,15 @@
               <a:rPr lang="en-US"/>
               <a:t>回顾框架</a:t>
             </a:r>
-            <a:endParaRPr lang="en-US"/>
           </a:p>
         </p:txBody>
       </p:sp>
       <p:sp>
         <p:nvSpPr>
           <p:cNvPr id="669" name="Google Shape;669;p46"/>
-          <p:cNvSpPr txBox="1"/>
+          <p:cNvSpPr txBox="1">
+            <a:spLocks noGrp="1"/>
+          </p:cNvSpPr>
           <p:nvPr>
             <p:ph type="sldNum" idx="12"/>
           </p:nvPr>
@@ -42438,6 +41948,7 @@
             </a:pPr>
             <a:fld id="{00000000-1234-1234-1234-123412341234}" type="slidenum">
               <a:rPr lang="en-US"/>
+              <a:t>30</a:t>
             </a:fld>
             <a:endParaRPr lang="en-US"/>
           </a:p>
@@ -43071,7 +42582,7 @@
   <p:cSld>
     <p:spTree>
       <p:nvGrpSpPr>
-        <p:cNvPr id="682" name="Shape 682"/>
+        <p:cNvPr id="1" name="Shape 682"/>
         <p:cNvGrpSpPr/>
         <p:nvPr/>
       </p:nvGrpSpPr>
@@ -43086,7 +42597,9 @@
       <p:sp>
         <p:nvSpPr>
           <p:cNvPr id="683" name="Google Shape;683;p47"/>
-          <p:cNvSpPr txBox="1"/>
+          <p:cNvSpPr txBox="1">
+            <a:spLocks noGrp="1"/>
+          </p:cNvSpPr>
           <p:nvPr>
             <p:ph type="title"/>
           </p:nvPr>
@@ -43147,7 +42660,9 @@
       <p:sp>
         <p:nvSpPr>
           <p:cNvPr id="684" name="Google Shape;684;p47"/>
-          <p:cNvSpPr txBox="1"/>
+          <p:cNvSpPr txBox="1">
+            <a:spLocks noGrp="1"/>
+          </p:cNvSpPr>
           <p:nvPr>
             <p:ph type="sldNum" idx="12"/>
           </p:nvPr>
@@ -43186,6 +42701,7 @@
             </a:pPr>
             <a:fld id="{00000000-1234-1234-1234-123412341234}" type="slidenum">
               <a:rPr lang="en-US"/>
+              <a:t>31</a:t>
             </a:fld>
             <a:endParaRPr lang="en-US"/>
           </a:p>
@@ -43285,15 +42801,6 @@
               </a:rPr>
               <a:t>Registry注册使用MDNS</a:t>
             </a:r>
-            <a:endParaRPr lang="en-US" sz="1350" b="0" i="0" u="none" strike="noStrike" cap="none">
-              <a:solidFill>
-                <a:srgbClr val="000000"/>
-              </a:solidFill>
-              <a:latin typeface="Arial" panose="020B0604020202020204"/>
-              <a:ea typeface="Arial" panose="020B0604020202020204"/>
-              <a:cs typeface="Arial" panose="020B0604020202020204"/>
-              <a:sym typeface="Arial" panose="020B0604020202020204"/>
-            </a:endParaRPr>
           </a:p>
           <a:p>
             <a:pPr marL="342900" marR="0" lvl="0" indent="-342900" algn="l" rtl="0">
@@ -43325,15 +42832,6 @@
               </a:rPr>
               <a:t>异步消息使用HttpBroker</a:t>
             </a:r>
-            <a:endParaRPr lang="en-US" sz="1350" b="0" i="0" u="none" strike="noStrike" cap="none">
-              <a:solidFill>
-                <a:srgbClr val="000000"/>
-              </a:solidFill>
-              <a:latin typeface="Arial" panose="020B0604020202020204"/>
-              <a:ea typeface="Arial" panose="020B0604020202020204"/>
-              <a:cs typeface="Arial" panose="020B0604020202020204"/>
-              <a:sym typeface="Arial" panose="020B0604020202020204"/>
-            </a:endParaRPr>
           </a:p>
         </p:txBody>
       </p:sp>
@@ -43431,15 +42929,6 @@
               </a:rPr>
               <a:t>注册中心使用Consul</a:t>
             </a:r>
-            <a:endParaRPr lang="en-US" sz="1350" b="0" i="0" u="none" strike="noStrike" cap="none">
-              <a:solidFill>
-                <a:srgbClr val="000000"/>
-              </a:solidFill>
-              <a:latin typeface="Arial" panose="020B0604020202020204"/>
-              <a:ea typeface="Arial" panose="020B0604020202020204"/>
-              <a:cs typeface="Arial" panose="020B0604020202020204"/>
-              <a:sym typeface="Arial" panose="020B0604020202020204"/>
-            </a:endParaRPr>
           </a:p>
           <a:p>
             <a:pPr marL="342900" marR="0" lvl="0" indent="-342900" algn="l" rtl="0">
@@ -43471,15 +42960,6 @@
               </a:rPr>
               <a:t>异步消息使用RabbitMQ</a:t>
             </a:r>
-            <a:endParaRPr lang="en-US" sz="1350" b="0" i="0" u="none" strike="noStrike" cap="none">
-              <a:solidFill>
-                <a:srgbClr val="000000"/>
-              </a:solidFill>
-              <a:latin typeface="Arial" panose="020B0604020202020204"/>
-              <a:ea typeface="Arial" panose="020B0604020202020204"/>
-              <a:cs typeface="Arial" panose="020B0604020202020204"/>
-              <a:sym typeface="Arial" panose="020B0604020202020204"/>
-            </a:endParaRPr>
           </a:p>
           <a:p>
             <a:pPr marL="342900" marR="0" lvl="0" indent="-257175" algn="l" rtl="0">
@@ -43682,15 +43162,6 @@
               </a:rPr>
               <a:t>service := micro.NewService()</a:t>
             </a:r>
-            <a:endParaRPr lang="en-US" sz="1400" b="0" i="0" u="none" strike="noStrike" cap="none">
-              <a:solidFill>
-                <a:srgbClr val="000000"/>
-              </a:solidFill>
-              <a:latin typeface="Arial" panose="020B0604020202020204"/>
-              <a:ea typeface="Arial" panose="020B0604020202020204"/>
-              <a:cs typeface="Arial" panose="020B0604020202020204"/>
-              <a:sym typeface="Arial" panose="020B0604020202020204"/>
-            </a:endParaRPr>
           </a:p>
         </p:txBody>
       </p:sp>
@@ -43871,15 +43342,6 @@
               </a:rPr>
               <a:t>Registry</a:t>
             </a:r>
-            <a:endParaRPr lang="en-US" sz="1400" b="0" i="0" u="none" strike="noStrike" cap="none">
-              <a:solidFill>
-                <a:srgbClr val="FF0000"/>
-              </a:solidFill>
-              <a:latin typeface="Arial" panose="020B0604020202020204"/>
-              <a:ea typeface="Arial" panose="020B0604020202020204"/>
-              <a:cs typeface="Arial" panose="020B0604020202020204"/>
-              <a:sym typeface="Arial" panose="020B0604020202020204"/>
-            </a:endParaRPr>
           </a:p>
         </p:txBody>
       </p:sp>
@@ -43938,15 +43400,6 @@
               </a:rPr>
               <a:t>Broker</a:t>
             </a:r>
-            <a:endParaRPr lang="en-US" sz="1400" b="0" i="0" u="none" strike="noStrike" cap="none">
-              <a:solidFill>
-                <a:srgbClr val="0070C0"/>
-              </a:solidFill>
-              <a:latin typeface="Arial" panose="020B0604020202020204"/>
-              <a:ea typeface="Arial" panose="020B0604020202020204"/>
-              <a:cs typeface="Arial" panose="020B0604020202020204"/>
-              <a:sym typeface="Arial" panose="020B0604020202020204"/>
-            </a:endParaRPr>
           </a:p>
         </p:txBody>
       </p:sp>
@@ -44184,15 +43637,6 @@
               </a:rPr>
               <a:t>)</a:t>
             </a:r>
-            <a:endParaRPr lang="en-US" sz="1200" b="0" i="0" u="none" strike="noStrike" cap="none">
-              <a:solidFill>
-                <a:srgbClr val="000000"/>
-              </a:solidFill>
-              <a:latin typeface="Arial" panose="020B0604020202020204"/>
-              <a:ea typeface="Arial" panose="020B0604020202020204"/>
-              <a:cs typeface="Arial" panose="020B0604020202020204"/>
-              <a:sym typeface="Arial" panose="020B0604020202020204"/>
-            </a:endParaRPr>
           </a:p>
         </p:txBody>
       </p:sp>
@@ -44209,7 +43653,7 @@
   <p:cSld>
     <p:spTree>
       <p:nvGrpSpPr>
-        <p:cNvPr id="698" name="Shape 698"/>
+        <p:cNvPr id="1" name="Shape 698"/>
         <p:cNvGrpSpPr/>
         <p:nvPr/>
       </p:nvGrpSpPr>
@@ -44224,7 +43668,9 @@
       <p:sp>
         <p:nvSpPr>
           <p:cNvPr id="699" name="Google Shape;699;p48"/>
-          <p:cNvSpPr txBox="1"/>
+          <p:cNvSpPr txBox="1">
+            <a:spLocks noGrp="1"/>
+          </p:cNvSpPr>
           <p:nvPr>
             <p:ph type="title"/>
           </p:nvPr>
@@ -44285,7 +43731,9 @@
       <p:sp>
         <p:nvSpPr>
           <p:cNvPr id="700" name="Google Shape;700;p48"/>
-          <p:cNvSpPr txBox="1"/>
+          <p:cNvSpPr txBox="1">
+            <a:spLocks noGrp="1"/>
+          </p:cNvSpPr>
           <p:nvPr>
             <p:ph type="body" idx="1"/>
           </p:nvPr>
@@ -44326,14 +43774,15 @@
               <a:rPr lang="en-US"/>
               <a:t>为每个组件强定义了接口</a:t>
             </a:r>
-            <a:endParaRPr lang="en-US"/>
           </a:p>
         </p:txBody>
       </p:sp>
       <p:sp>
         <p:nvSpPr>
           <p:cNvPr id="701" name="Google Shape;701;p48"/>
-          <p:cNvSpPr txBox="1"/>
+          <p:cNvSpPr txBox="1">
+            <a:spLocks noGrp="1"/>
+          </p:cNvSpPr>
           <p:nvPr>
             <p:ph type="sldNum" idx="12"/>
           </p:nvPr>
@@ -44372,6 +43821,7 @@
             </a:pPr>
             <a:fld id="{00000000-1234-1234-1234-123412341234}" type="slidenum">
               <a:rPr lang="en-US"/>
+              <a:t>32</a:t>
             </a:fld>
             <a:endParaRPr lang="en-US"/>
           </a:p>
@@ -44380,60 +43830,6 @@
       <p:pic>
         <p:nvPicPr>
           <p:cNvPr id="702" name="Google Shape;702;p48"/>
-          <p:cNvPicPr preferRelativeResize="0"/>
-          <p:nvPr/>
-        </p:nvPicPr>
-        <p:blipFill rotWithShape="1">
-          <a:blip r:embed="rId1"/>
-          <a:srcRect/>
-          <a:stretch>
-            <a:fillRect/>
-          </a:stretch>
-        </p:blipFill>
-        <p:spPr>
-          <a:xfrm>
-            <a:off x="442333" y="3341357"/>
-            <a:ext cx="1465997" cy="1465997"/>
-          </a:xfrm>
-          <a:prstGeom prst="rect">
-            <a:avLst/>
-          </a:prstGeom>
-          <a:noFill/>
-          <a:ln>
-            <a:noFill/>
-          </a:ln>
-        </p:spPr>
-      </p:pic>
-      <p:pic>
-        <p:nvPicPr>
-          <p:cNvPr id="703" name="Google Shape;703;p48"/>
-          <p:cNvPicPr preferRelativeResize="0"/>
-          <p:nvPr/>
-        </p:nvPicPr>
-        <p:blipFill rotWithShape="1">
-          <a:blip r:embed="rId2"/>
-          <a:srcRect/>
-          <a:stretch>
-            <a:fillRect/>
-          </a:stretch>
-        </p:blipFill>
-        <p:spPr>
-          <a:xfrm>
-            <a:off x="2897756" y="2398144"/>
-            <a:ext cx="3348488" cy="1181819"/>
-          </a:xfrm>
-          <a:prstGeom prst="rect">
-            <a:avLst/>
-          </a:prstGeom>
-          <a:noFill/>
-          <a:ln>
-            <a:noFill/>
-          </a:ln>
-        </p:spPr>
-      </p:pic>
-      <p:pic>
-        <p:nvPicPr>
-          <p:cNvPr id="704" name="Google Shape;704;p48"/>
           <p:cNvPicPr preferRelativeResize="0"/>
           <p:nvPr/>
         </p:nvPicPr>
@@ -44446,8 +43842,8 @@
         </p:blipFill>
         <p:spPr>
           <a:xfrm>
-            <a:off x="442333" y="1852832"/>
-            <a:ext cx="1431969" cy="1291725"/>
+            <a:off x="442333" y="3341357"/>
+            <a:ext cx="1465997" cy="1465997"/>
           </a:xfrm>
           <a:prstGeom prst="rect">
             <a:avLst/>
@@ -44460,7 +43856,7 @@
       </p:pic>
       <p:pic>
         <p:nvPicPr>
-          <p:cNvPr id="705" name="Google Shape;705;p48"/>
+          <p:cNvPr id="703" name="Google Shape;703;p48"/>
           <p:cNvPicPr preferRelativeResize="0"/>
           <p:nvPr/>
         </p:nvPicPr>
@@ -44473,8 +43869,8 @@
         </p:blipFill>
         <p:spPr>
           <a:xfrm>
-            <a:off x="6771735" y="1547562"/>
-            <a:ext cx="1160253" cy="1256941"/>
+            <a:off x="2897756" y="2398144"/>
+            <a:ext cx="3348488" cy="1181819"/>
           </a:xfrm>
           <a:prstGeom prst="rect">
             <a:avLst/>
@@ -44487,7 +43883,7 @@
       </p:pic>
       <p:pic>
         <p:nvPicPr>
-          <p:cNvPr id="706" name="Google Shape;706;p48"/>
+          <p:cNvPr id="704" name="Google Shape;704;p48"/>
           <p:cNvPicPr preferRelativeResize="0"/>
           <p:nvPr/>
         </p:nvPicPr>
@@ -44500,8 +43896,8 @@
         </p:blipFill>
         <p:spPr>
           <a:xfrm>
-            <a:off x="3792504" y="966513"/>
-            <a:ext cx="1856240" cy="1119756"/>
+            <a:off x="442333" y="1852832"/>
+            <a:ext cx="1431969" cy="1291725"/>
           </a:xfrm>
           <a:prstGeom prst="rect">
             <a:avLst/>
@@ -44514,7 +43910,7 @@
       </p:pic>
       <p:pic>
         <p:nvPicPr>
-          <p:cNvPr id="707" name="Google Shape;707;p48"/>
+          <p:cNvPr id="705" name="Google Shape;705;p48"/>
           <p:cNvPicPr preferRelativeResize="0"/>
           <p:nvPr/>
         </p:nvPicPr>
@@ -44527,8 +43923,8 @@
         </p:blipFill>
         <p:spPr>
           <a:xfrm>
-            <a:off x="2469907" y="3676376"/>
-            <a:ext cx="1420243" cy="1303038"/>
+            <a:off x="6771735" y="1547562"/>
+            <a:ext cx="1160253" cy="1256941"/>
           </a:xfrm>
           <a:prstGeom prst="rect">
             <a:avLst/>
@@ -44541,7 +43937,7 @@
       </p:pic>
       <p:pic>
         <p:nvPicPr>
-          <p:cNvPr id="708" name="Google Shape;708;p48"/>
+          <p:cNvPr id="706" name="Google Shape;706;p48"/>
           <p:cNvPicPr preferRelativeResize="0"/>
           <p:nvPr/>
         </p:nvPicPr>
@@ -44554,6 +43950,60 @@
         </p:blipFill>
         <p:spPr>
           <a:xfrm>
+            <a:off x="3792504" y="966513"/>
+            <a:ext cx="1856240" cy="1119756"/>
+          </a:xfrm>
+          <a:prstGeom prst="rect">
+            <a:avLst/>
+          </a:prstGeom>
+          <a:noFill/>
+          <a:ln>
+            <a:noFill/>
+          </a:ln>
+        </p:spPr>
+      </p:pic>
+      <p:pic>
+        <p:nvPicPr>
+          <p:cNvPr id="707" name="Google Shape;707;p48"/>
+          <p:cNvPicPr preferRelativeResize="0"/>
+          <p:nvPr/>
+        </p:nvPicPr>
+        <p:blipFill rotWithShape="1">
+          <a:blip r:embed="rId8"/>
+          <a:srcRect/>
+          <a:stretch>
+            <a:fillRect/>
+          </a:stretch>
+        </p:blipFill>
+        <p:spPr>
+          <a:xfrm>
+            <a:off x="2469907" y="3676376"/>
+            <a:ext cx="1420243" cy="1303038"/>
+          </a:xfrm>
+          <a:prstGeom prst="rect">
+            <a:avLst/>
+          </a:prstGeom>
+          <a:noFill/>
+          <a:ln>
+            <a:noFill/>
+          </a:ln>
+        </p:spPr>
+      </p:pic>
+      <p:pic>
+        <p:nvPicPr>
+          <p:cNvPr id="708" name="Google Shape;708;p48"/>
+          <p:cNvPicPr preferRelativeResize="0"/>
+          <p:nvPr/>
+        </p:nvPicPr>
+        <p:blipFill rotWithShape="1">
+          <a:blip r:embed="rId9"/>
+          <a:srcRect/>
+          <a:stretch>
+            <a:fillRect/>
+          </a:stretch>
+        </p:blipFill>
+        <p:spPr>
+          <a:xfrm>
             <a:off x="4720624" y="3684768"/>
             <a:ext cx="1780994" cy="1286253"/>
           </a:xfrm>
@@ -44573,7 +44023,7 @@
           <p:nvPr/>
         </p:nvPicPr>
         <p:blipFill rotWithShape="1">
-          <a:blip r:embed="rId8"/>
+          <a:blip r:embed="rId10"/>
           <a:srcRect/>
           <a:stretch>
             <a:fillRect/>
@@ -44800,7 +44250,7 @@
   <p:cSld>
     <p:spTree>
       <p:nvGrpSpPr>
-        <p:cNvPr id="720" name="Shape 720"/>
+        <p:cNvPr id="1" name="Shape 720"/>
         <p:cNvGrpSpPr/>
         <p:nvPr/>
       </p:nvGrpSpPr>
@@ -44815,7 +44265,9 @@
       <p:sp>
         <p:nvSpPr>
           <p:cNvPr id="721" name="Google Shape;721;p49"/>
-          <p:cNvSpPr txBox="1"/>
+          <p:cNvSpPr txBox="1">
+            <a:spLocks noGrp="1"/>
+          </p:cNvSpPr>
           <p:nvPr>
             <p:ph type="title"/>
           </p:nvPr>
@@ -44856,14 +44308,15 @@
               <a:rPr lang="en-US"/>
               <a:t>谢谢大家</a:t>
             </a:r>
-            <a:endParaRPr lang="en-US"/>
           </a:p>
         </p:txBody>
       </p:sp>
       <p:sp>
         <p:nvSpPr>
           <p:cNvPr id="722" name="Google Shape;722;p49"/>
-          <p:cNvSpPr txBox="1"/>
+          <p:cNvSpPr txBox="1">
+            <a:spLocks noGrp="1"/>
+          </p:cNvSpPr>
           <p:nvPr>
             <p:ph type="sldNum" idx="12"/>
           </p:nvPr>
@@ -44902,6 +44355,7 @@
             </a:pPr>
             <a:fld id="{00000000-1234-1234-1234-123412341234}" type="slidenum">
               <a:rPr lang="en-US"/>
+              <a:t>33</a:t>
             </a:fld>
             <a:endParaRPr lang="en-US"/>
           </a:p>
@@ -44953,7 +44407,7 @@
                 <a:ea typeface="Courier New" panose="02070309020205020404"/>
                 <a:cs typeface="Courier New" panose="02070309020205020404"/>
                 <a:sym typeface="Courier New" panose="02070309020205020404"/>
-                <a:hlinkClick r:id="rId1"/>
+                <a:hlinkClick r:id="rId3"/>
               </a:rPr>
               <a:t>micro.mu</a:t>
             </a:r>
@@ -45159,7 +44613,7 @@
           <p:nvPr/>
         </p:nvPicPr>
         <p:blipFill rotWithShape="1">
-          <a:blip r:embed="rId2"/>
+          <a:blip r:embed="rId4"/>
           <a:srcRect/>
           <a:stretch>
             <a:fillRect/>
@@ -45286,7 +44740,7 @@
                 <a:ea typeface="Courier New" panose="02070309020205020404"/>
                 <a:cs typeface="Courier New" panose="02070309020205020404"/>
                 <a:sym typeface="Courier New" panose="02070309020205020404"/>
-                <a:hlinkClick r:id="rId3"/>
+                <a:hlinkClick r:id="rId5"/>
               </a:rPr>
               <a:t>Micro</a:t>
             </a:r>
@@ -45322,7 +44776,7 @@
                 <a:ea typeface="Courier New" panose="02070309020205020404"/>
                 <a:cs typeface="Courier New" panose="02070309020205020404"/>
                 <a:sym typeface="Courier New" panose="02070309020205020404"/>
-                <a:hlinkClick r:id="rId4"/>
+                <a:hlinkClick r:id="rId6"/>
               </a:rPr>
               <a:t>Micro中国站</a:t>
             </a:r>
@@ -45374,7 +44828,7 @@
   <p:cSld>
     <p:spTree>
       <p:nvGrpSpPr>
-        <p:cNvPr id="139" name="Shape 139"/>
+        <p:cNvPr id="1" name="Shape 139"/>
         <p:cNvGrpSpPr/>
         <p:nvPr/>
       </p:nvGrpSpPr>
@@ -45389,7 +44843,9 @@
       <p:sp>
         <p:nvSpPr>
           <p:cNvPr id="140" name="Google Shape;140;p20"/>
-          <p:cNvSpPr txBox="1"/>
+          <p:cNvSpPr txBox="1">
+            <a:spLocks noGrp="1"/>
+          </p:cNvSpPr>
           <p:nvPr>
             <p:ph type="title"/>
           </p:nvPr>
@@ -45430,14 +44886,15 @@
               <a:rPr lang="en-US"/>
               <a:t>什么是Micro</a:t>
             </a:r>
-            <a:endParaRPr lang="en-US"/>
           </a:p>
         </p:txBody>
       </p:sp>
       <p:sp>
         <p:nvSpPr>
           <p:cNvPr id="141" name="Google Shape;141;p20"/>
-          <p:cNvSpPr txBox="1"/>
+          <p:cNvSpPr txBox="1">
+            <a:spLocks noGrp="1"/>
+          </p:cNvSpPr>
           <p:nvPr>
             <p:ph type="sldNum" idx="12"/>
           </p:nvPr>
@@ -45476,6 +44933,7 @@
             </a:pPr>
             <a:fld id="{00000000-1234-1234-1234-123412341234}" type="slidenum">
               <a:rPr lang="en-US"/>
+              <a:t>4</a:t>
             </a:fld>
             <a:endParaRPr lang="en-US"/>
           </a:p>
@@ -45494,7 +44952,7 @@
   <p:cSld>
     <p:spTree>
       <p:nvGrpSpPr>
-        <p:cNvPr id="145" name="Shape 145"/>
+        <p:cNvPr id="1" name="Shape 145"/>
         <p:cNvGrpSpPr/>
         <p:nvPr/>
       </p:nvGrpSpPr>
@@ -45509,7 +44967,9 @@
       <p:sp>
         <p:nvSpPr>
           <p:cNvPr id="146" name="Google Shape;146;p21"/>
-          <p:cNvSpPr txBox="1"/>
+          <p:cNvSpPr txBox="1">
+            <a:spLocks noGrp="1"/>
+          </p:cNvSpPr>
           <p:nvPr>
             <p:ph type="title"/>
           </p:nvPr>
@@ -45550,14 +45010,15 @@
               <a:rPr lang="en-US"/>
               <a:t>Micro包含了很多东西</a:t>
             </a:r>
-            <a:endParaRPr lang="en-US"/>
           </a:p>
         </p:txBody>
       </p:sp>
       <p:sp>
         <p:nvSpPr>
           <p:cNvPr id="147" name="Google Shape;147;p21"/>
-          <p:cNvSpPr txBox="1"/>
+          <p:cNvSpPr txBox="1">
+            <a:spLocks noGrp="1"/>
+          </p:cNvSpPr>
           <p:nvPr>
             <p:ph type="sldNum" idx="12"/>
           </p:nvPr>
@@ -45596,6 +45057,7 @@
             </a:pPr>
             <a:fld id="{00000000-1234-1234-1234-123412341234}" type="slidenum">
               <a:rPr lang="en-US"/>
+              <a:t>5</a:t>
             </a:fld>
             <a:endParaRPr lang="en-US"/>
           </a:p>
@@ -45604,7 +45066,9 @@
       <p:sp>
         <p:nvSpPr>
           <p:cNvPr id="148" name="Google Shape;148;p21"/>
-          <p:cNvSpPr txBox="1"/>
+          <p:cNvSpPr txBox="1">
+            <a:spLocks noGrp="1"/>
+          </p:cNvSpPr>
           <p:nvPr>
             <p:ph type="body" idx="1"/>
           </p:nvPr>
@@ -45653,15 +45117,6 @@
               </a:rPr>
               <a:t>框架与工具集：Go-Micro（库）、Micro（运行时工具集）</a:t>
             </a:r>
-            <a:endParaRPr lang="en-US">
-              <a:solidFill>
-                <a:srgbClr val="424242"/>
-              </a:solidFill>
-              <a:latin typeface="Courier New" panose="02070309020205020404"/>
-              <a:ea typeface="Courier New" panose="02070309020205020404"/>
-              <a:cs typeface="Courier New" panose="02070309020205020404"/>
-              <a:sym typeface="Courier New" panose="02070309020205020404"/>
-            </a:endParaRPr>
           </a:p>
           <a:p>
             <a:pPr marL="12700" lvl="0" indent="-12700" algn="l" rtl="0">
@@ -45725,15 +45180,6 @@
               </a:rPr>
               <a:t>生态系统、平台PasS</a:t>
             </a:r>
-            <a:endParaRPr lang="en-US">
-              <a:solidFill>
-                <a:srgbClr val="424242"/>
-              </a:solidFill>
-              <a:latin typeface="Courier New" panose="02070309020205020404"/>
-              <a:ea typeface="Courier New" panose="02070309020205020404"/>
-              <a:cs typeface="Courier New" panose="02070309020205020404"/>
-              <a:sym typeface="Courier New" panose="02070309020205020404"/>
-            </a:endParaRPr>
           </a:p>
           <a:p>
             <a:pPr marL="12700" lvl="0" indent="-12700" algn="l" rtl="0">
@@ -45782,6 +45228,12 @@
               <a:buSzPts val="1800"/>
               <a:buNone/>
             </a:pPr>
+            <a:endParaRPr>
+              <a:latin typeface="Courier New" panose="02070309020205020404"/>
+              <a:ea typeface="Courier New" panose="02070309020205020404"/>
+              <a:cs typeface="Courier New" panose="02070309020205020404"/>
+              <a:sym typeface="Courier New" panose="02070309020205020404"/>
+            </a:endParaRPr>
           </a:p>
         </p:txBody>
       </p:sp>
@@ -45834,15 +45286,6 @@
               </a:rPr>
               <a:t>框架与工具集：Go-Micro、Micro</a:t>
             </a:r>
-            <a:endParaRPr lang="en-US" sz="1400" b="0" i="0" u="none" strike="noStrike" cap="none">
-              <a:solidFill>
-                <a:srgbClr val="FF0000"/>
-              </a:solidFill>
-              <a:latin typeface="Courier New" panose="02070309020205020404"/>
-              <a:ea typeface="Courier New" panose="02070309020205020404"/>
-              <a:cs typeface="Courier New" panose="02070309020205020404"/>
-              <a:sym typeface="Courier New" panose="02070309020205020404"/>
-            </a:endParaRPr>
           </a:p>
         </p:txBody>
       </p:sp>
@@ -45859,7 +45302,7 @@
   <p:cSld>
     <p:spTree>
       <p:nvGrpSpPr>
-        <p:cNvPr id="153" name="Shape 153"/>
+        <p:cNvPr id="1" name="Shape 153"/>
         <p:cNvGrpSpPr/>
         <p:nvPr/>
       </p:nvGrpSpPr>
@@ -45874,7 +45317,9 @@
       <p:sp>
         <p:nvSpPr>
           <p:cNvPr id="154" name="Google Shape;154;p22"/>
-          <p:cNvSpPr txBox="1"/>
+          <p:cNvSpPr txBox="1">
+            <a:spLocks noGrp="1"/>
+          </p:cNvSpPr>
           <p:nvPr>
             <p:ph type="title"/>
           </p:nvPr>
@@ -45915,14 +45360,15 @@
               <a:rPr lang="en-US"/>
               <a:t>Micro 服务架构</a:t>
             </a:r>
-            <a:endParaRPr lang="en-US"/>
           </a:p>
         </p:txBody>
       </p:sp>
       <p:sp>
         <p:nvSpPr>
           <p:cNvPr id="155" name="Google Shape;155;p22"/>
-          <p:cNvSpPr txBox="1"/>
+          <p:cNvSpPr txBox="1">
+            <a:spLocks noGrp="1"/>
+          </p:cNvSpPr>
           <p:nvPr>
             <p:ph type="sldNum" idx="12"/>
           </p:nvPr>
@@ -45961,6 +45407,7 @@
             </a:pPr>
             <a:fld id="{00000000-1234-1234-1234-123412341234}" type="slidenum">
               <a:rPr lang="en-US"/>
+              <a:t>6</a:t>
             </a:fld>
             <a:endParaRPr lang="en-US"/>
           </a:p>
@@ -45973,7 +45420,7 @@
           <p:nvPr/>
         </p:nvPicPr>
         <p:blipFill rotWithShape="1">
-          <a:blip r:embed="rId1"/>
+          <a:blip r:embed="rId3"/>
           <a:srcRect/>
           <a:stretch>
             <a:fillRect/>
@@ -46007,7 +45454,7 @@
         </p:nvGraphicFramePr>
         <p:xfrm>
           <a:off x="384724" y="1581613"/>
-          <a:ext cx="3000000" cy="3000000"/>
+          <a:ext cx="2905325" cy="772080"/>
         </p:xfrm>
         <a:graphic>
           <a:graphicData uri="http://schemas.openxmlformats.org/drawingml/2006/table">
@@ -46017,8 +45464,20 @@
                 <a:tableStyleId>{511F3E37-3EBE-4CA1-B6B8-8D39E2F365ED}</a:tableStyleId>
               </a:tblPr>
               <a:tblGrid>
-                <a:gridCol w="1000325"/>
-                <a:gridCol w="1905000"/>
+                <a:gridCol w="1000325">
+                  <a:extLst>
+                    <a:ext uri="{9D8B030D-6E8A-4147-A177-3AD203B41FA5}">
+                      <a16:colId xmlns:a16="http://schemas.microsoft.com/office/drawing/2014/main" val="20000"/>
+                    </a:ext>
+                  </a:extLst>
+                </a:gridCol>
+                <a:gridCol w="1905000">
+                  <a:extLst>
+                    <a:ext uri="{9D8B030D-6E8A-4147-A177-3AD203B41FA5}">
+                      <a16:colId xmlns:a16="http://schemas.microsoft.com/office/drawing/2014/main" val="20001"/>
+                    </a:ext>
+                  </a:extLst>
+                </a:gridCol>
               </a:tblGrid>
               <a:tr h="345350">
                 <a:tc>
@@ -46081,6 +45540,11 @@
                     </a:solidFill>
                   </a:tcPr>
                 </a:tc>
+                <a:extLst>
+                  <a:ext uri="{0D108BD9-81ED-4DB2-BD59-A6C34878D82A}">
+                    <a16:rowId xmlns:a16="http://schemas.microsoft.com/office/drawing/2014/main" val="10000"/>
+                  </a:ext>
+                </a:extLst>
               </a:tr>
               <a:tr h="416175">
                 <a:tc>
@@ -46112,15 +45576,6 @@
                         </a:rPr>
                         <a:t>Micro</a:t>
                       </a:r>
-                      <a:endParaRPr lang="en-US" sz="1400" b="1" i="0" u="none" strike="noStrike" cap="none">
-                        <a:solidFill>
-                          <a:schemeClr val="lt1"/>
-                        </a:solidFill>
-                        <a:latin typeface="Arial" panose="020B0604020202020204"/>
-                        <a:ea typeface="Arial" panose="020B0604020202020204"/>
-                        <a:cs typeface="Arial" panose="020B0604020202020204"/>
-                        <a:sym typeface="Arial" panose="020B0604020202020204"/>
-                      </a:endParaRPr>
                     </a:p>
                   </a:txBody>
                   <a:tcPr marL="91450" marR="91450" marT="45725" marB="45725">
@@ -46159,6 +45614,11 @@
                     </a:solidFill>
                   </a:tcPr>
                 </a:tc>
+                <a:extLst>
+                  <a:ext uri="{0D108BD9-81ED-4DB2-BD59-A6C34878D82A}">
+                    <a16:rowId xmlns:a16="http://schemas.microsoft.com/office/drawing/2014/main" val="10001"/>
+                  </a:ext>
+                </a:extLst>
               </a:tr>
             </a:tbl>
           </a:graphicData>
@@ -46477,7 +45937,7 @@
   <p:cSld>
     <p:spTree>
       <p:nvGrpSpPr>
-        <p:cNvPr id="168" name="Shape 168"/>
+        <p:cNvPr id="1" name="Shape 168"/>
         <p:cNvGrpSpPr/>
         <p:nvPr/>
       </p:nvGrpSpPr>
@@ -46492,7 +45952,9 @@
       <p:sp>
         <p:nvSpPr>
           <p:cNvPr id="169" name="Google Shape;169;p23"/>
-          <p:cNvSpPr txBox="1"/>
+          <p:cNvSpPr txBox="1">
+            <a:spLocks noGrp="1"/>
+          </p:cNvSpPr>
           <p:nvPr>
             <p:ph type="title"/>
           </p:nvPr>
@@ -46525,14 +45987,15 @@
               <a:rPr lang="en-US"/>
               <a:t>Micro 工具集组件</a:t>
             </a:r>
-            <a:endParaRPr lang="en-US"/>
           </a:p>
         </p:txBody>
       </p:sp>
       <p:sp>
         <p:nvSpPr>
           <p:cNvPr id="170" name="Google Shape;170;p23"/>
-          <p:cNvSpPr txBox="1"/>
+          <p:cNvSpPr txBox="1">
+            <a:spLocks noGrp="1"/>
+          </p:cNvSpPr>
           <p:nvPr>
             <p:ph type="body" idx="1"/>
           </p:nvPr>
@@ -46566,7 +46029,6 @@
               <a:rPr lang="en-US"/>
               <a:t>API</a:t>
             </a:r>
-            <a:endParaRPr lang="en-US"/>
           </a:p>
           <a:p>
             <a:pPr marL="457200" lvl="0" indent="-342900" algn="l" rtl="0">
@@ -46583,7 +46045,6 @@
               <a:rPr lang="en-US"/>
               <a:t>Web</a:t>
             </a:r>
-            <a:endParaRPr lang="en-US"/>
           </a:p>
           <a:p>
             <a:pPr marL="457200" lvl="0" indent="-342900" algn="l" rtl="0">
@@ -46600,7 +46061,6 @@
               <a:rPr lang="en-US"/>
               <a:t>Proxy</a:t>
             </a:r>
-            <a:endParaRPr lang="en-US"/>
           </a:p>
           <a:p>
             <a:pPr marL="457200" lvl="0" indent="-342900" algn="l" rtl="0">
@@ -46617,7 +46077,6 @@
               <a:rPr lang="en-US"/>
               <a:t>CLI</a:t>
             </a:r>
-            <a:endParaRPr lang="en-US"/>
           </a:p>
           <a:p>
             <a:pPr marL="457200" lvl="0" indent="-342900" algn="l" rtl="0">
@@ -46634,7 +46093,6 @@
               <a:rPr lang="en-US"/>
               <a:t>Bot</a:t>
             </a:r>
-            <a:endParaRPr lang="en-US"/>
           </a:p>
         </p:txBody>
       </p:sp>
@@ -46651,7 +46109,7 @@
   <p:cSld>
     <p:spTree>
       <p:nvGrpSpPr>
-        <p:cNvPr id="174" name="Shape 174"/>
+        <p:cNvPr id="1" name="Shape 174"/>
         <p:cNvGrpSpPr/>
         <p:nvPr/>
       </p:nvGrpSpPr>
@@ -46666,7 +46124,9 @@
       <p:sp>
         <p:nvSpPr>
           <p:cNvPr id="175" name="Google Shape;175;p24"/>
-          <p:cNvSpPr txBox="1"/>
+          <p:cNvSpPr txBox="1">
+            <a:spLocks noGrp="1"/>
+          </p:cNvSpPr>
           <p:nvPr>
             <p:ph type="title"/>
           </p:nvPr>
@@ -46707,14 +46167,15 @@
               <a:rPr lang="en-US"/>
               <a:t>Micro API</a:t>
             </a:r>
-            <a:endParaRPr lang="en-US"/>
           </a:p>
         </p:txBody>
       </p:sp>
       <p:sp>
         <p:nvSpPr>
           <p:cNvPr id="176" name="Google Shape;176;p24"/>
-          <p:cNvSpPr txBox="1"/>
+          <p:cNvSpPr txBox="1">
+            <a:spLocks noGrp="1"/>
+          </p:cNvSpPr>
           <p:nvPr>
             <p:ph type="sldNum" idx="12"/>
           </p:nvPr>
@@ -46753,6 +46214,7 @@
             </a:pPr>
             <a:fld id="{00000000-1234-1234-1234-123412341234}" type="slidenum">
               <a:rPr lang="en-US"/>
+              <a:t>8</a:t>
             </a:fld>
             <a:endParaRPr lang="en-US"/>
           </a:p>
@@ -46937,15 +46399,6 @@
               </a:rPr>
               <a:t>Micro</a:t>
             </a:r>
-            <a:endParaRPr lang="en-US" sz="1050" b="0" i="0" u="none" strike="noStrike" cap="none">
-              <a:solidFill>
-                <a:schemeClr val="lt1"/>
-              </a:solidFill>
-              <a:latin typeface="Arial" panose="020B0604020202020204"/>
-              <a:ea typeface="Arial" panose="020B0604020202020204"/>
-              <a:cs typeface="Arial" panose="020B0604020202020204"/>
-              <a:sym typeface="Arial" panose="020B0604020202020204"/>
-            </a:endParaRPr>
           </a:p>
           <a:p>
             <a:pPr marL="0" marR="0" lvl="0" indent="0" algn="ctr" rtl="0">
@@ -46972,15 +46425,6 @@
               </a:rPr>
               <a:t>API</a:t>
             </a:r>
-            <a:endParaRPr lang="en-US" sz="1050" b="0" i="0" u="none" strike="noStrike" cap="none">
-              <a:solidFill>
-                <a:schemeClr val="lt1"/>
-              </a:solidFill>
-              <a:latin typeface="Arial" panose="020B0604020202020204"/>
-              <a:ea typeface="Arial" panose="020B0604020202020204"/>
-              <a:cs typeface="Arial" panose="020B0604020202020204"/>
-              <a:sym typeface="Arial" panose="020B0604020202020204"/>
-            </a:endParaRPr>
           </a:p>
         </p:txBody>
       </p:sp>
@@ -47076,15 +46520,6 @@
               </a:rPr>
               <a:t>API</a:t>
             </a:r>
-            <a:endParaRPr lang="en-US" sz="1050" b="0" i="0" u="none" strike="noStrike" cap="none">
-              <a:solidFill>
-                <a:schemeClr val="lt1"/>
-              </a:solidFill>
-              <a:latin typeface="Arial" panose="020B0604020202020204"/>
-              <a:ea typeface="Arial" panose="020B0604020202020204"/>
-              <a:cs typeface="Arial" panose="020B0604020202020204"/>
-              <a:sym typeface="Arial" panose="020B0604020202020204"/>
-            </a:endParaRPr>
           </a:p>
         </p:txBody>
       </p:sp>
@@ -47145,15 +46580,6 @@
               </a:rPr>
               <a:t>Order</a:t>
             </a:r>
-            <a:endParaRPr lang="en-US" sz="1050" b="0" i="0" u="none" strike="noStrike" cap="none">
-              <a:solidFill>
-                <a:schemeClr val="lt1"/>
-              </a:solidFill>
-              <a:latin typeface="Arial" panose="020B0604020202020204"/>
-              <a:ea typeface="Arial" panose="020B0604020202020204"/>
-              <a:cs typeface="Arial" panose="020B0604020202020204"/>
-              <a:sym typeface="Arial" panose="020B0604020202020204"/>
-            </a:endParaRPr>
           </a:p>
           <a:p>
             <a:pPr marL="0" marR="0" lvl="0" indent="0" algn="ctr" rtl="0">
@@ -47180,15 +46606,6 @@
               </a:rPr>
               <a:t>API</a:t>
             </a:r>
-            <a:endParaRPr lang="en-US" sz="1050" b="0" i="0" u="none" strike="noStrike" cap="none">
-              <a:solidFill>
-                <a:schemeClr val="lt1"/>
-              </a:solidFill>
-              <a:latin typeface="Arial" panose="020B0604020202020204"/>
-              <a:ea typeface="Arial" panose="020B0604020202020204"/>
-              <a:cs typeface="Arial" panose="020B0604020202020204"/>
-              <a:sym typeface="Arial" panose="020B0604020202020204"/>
-            </a:endParaRPr>
           </a:p>
         </p:txBody>
       </p:sp>
@@ -47249,15 +46666,6 @@
               </a:rPr>
               <a:t>Message</a:t>
             </a:r>
-            <a:endParaRPr lang="en-US" sz="1050" b="0" i="0" u="none" strike="noStrike" cap="none">
-              <a:solidFill>
-                <a:schemeClr val="lt1"/>
-              </a:solidFill>
-              <a:latin typeface="Arial" panose="020B0604020202020204"/>
-              <a:ea typeface="Arial" panose="020B0604020202020204"/>
-              <a:cs typeface="Arial" panose="020B0604020202020204"/>
-              <a:sym typeface="Arial" panose="020B0604020202020204"/>
-            </a:endParaRPr>
           </a:p>
           <a:p>
             <a:pPr marL="0" marR="0" lvl="0" indent="0" algn="ctr" rtl="0">
@@ -47284,15 +46692,6 @@
               </a:rPr>
               <a:t>API</a:t>
             </a:r>
-            <a:endParaRPr lang="en-US" sz="1050" b="0" i="0" u="none" strike="noStrike" cap="none">
-              <a:solidFill>
-                <a:schemeClr val="lt1"/>
-              </a:solidFill>
-              <a:latin typeface="Arial" panose="020B0604020202020204"/>
-              <a:ea typeface="Arial" panose="020B0604020202020204"/>
-              <a:cs typeface="Arial" panose="020B0604020202020204"/>
-              <a:sym typeface="Arial" panose="020B0604020202020204"/>
-            </a:endParaRPr>
           </a:p>
         </p:txBody>
       </p:sp>
@@ -47388,15 +46787,6 @@
               </a:rPr>
               <a:t>SRV</a:t>
             </a:r>
-            <a:endParaRPr lang="en-US" sz="1050" b="0" i="0" u="none" strike="noStrike" cap="none">
-              <a:solidFill>
-                <a:schemeClr val="lt1"/>
-              </a:solidFill>
-              <a:latin typeface="Arial" panose="020B0604020202020204"/>
-              <a:ea typeface="Arial" panose="020B0604020202020204"/>
-              <a:cs typeface="Arial" panose="020B0604020202020204"/>
-              <a:sym typeface="Arial" panose="020B0604020202020204"/>
-            </a:endParaRPr>
           </a:p>
         </p:txBody>
       </p:sp>
@@ -47457,15 +46847,6 @@
               </a:rPr>
               <a:t>Order</a:t>
             </a:r>
-            <a:endParaRPr lang="en-US" sz="1050" b="0" i="0" u="none" strike="noStrike" cap="none">
-              <a:solidFill>
-                <a:schemeClr val="lt1"/>
-              </a:solidFill>
-              <a:latin typeface="Arial" panose="020B0604020202020204"/>
-              <a:ea typeface="Arial" panose="020B0604020202020204"/>
-              <a:cs typeface="Arial" panose="020B0604020202020204"/>
-              <a:sym typeface="Arial" panose="020B0604020202020204"/>
-            </a:endParaRPr>
           </a:p>
           <a:p>
             <a:pPr marL="0" marR="0" lvl="0" indent="0" algn="ctr" rtl="0">
@@ -47492,15 +46873,6 @@
               </a:rPr>
               <a:t>SRV</a:t>
             </a:r>
-            <a:endParaRPr lang="en-US" sz="1050" b="0" i="0" u="none" strike="noStrike" cap="none">
-              <a:solidFill>
-                <a:schemeClr val="lt1"/>
-              </a:solidFill>
-              <a:latin typeface="Arial" panose="020B0604020202020204"/>
-              <a:ea typeface="Arial" panose="020B0604020202020204"/>
-              <a:cs typeface="Arial" panose="020B0604020202020204"/>
-              <a:sym typeface="Arial" panose="020B0604020202020204"/>
-            </a:endParaRPr>
           </a:p>
         </p:txBody>
       </p:sp>
@@ -47561,15 +46933,6 @@
               </a:rPr>
               <a:t>Message</a:t>
             </a:r>
-            <a:endParaRPr lang="en-US" sz="1050" b="0" i="0" u="none" strike="noStrike" cap="none">
-              <a:solidFill>
-                <a:schemeClr val="lt1"/>
-              </a:solidFill>
-              <a:latin typeface="Arial" panose="020B0604020202020204"/>
-              <a:ea typeface="Arial" panose="020B0604020202020204"/>
-              <a:cs typeface="Arial" panose="020B0604020202020204"/>
-              <a:sym typeface="Arial" panose="020B0604020202020204"/>
-            </a:endParaRPr>
           </a:p>
           <a:p>
             <a:pPr marL="0" marR="0" lvl="0" indent="0" algn="ctr" rtl="0">
@@ -47596,15 +46959,6 @@
               </a:rPr>
               <a:t>SRV</a:t>
             </a:r>
-            <a:endParaRPr lang="en-US" sz="1050" b="0" i="0" u="none" strike="noStrike" cap="none">
-              <a:solidFill>
-                <a:schemeClr val="lt1"/>
-              </a:solidFill>
-              <a:latin typeface="Arial" panose="020B0604020202020204"/>
-              <a:ea typeface="Arial" panose="020B0604020202020204"/>
-              <a:cs typeface="Arial" panose="020B0604020202020204"/>
-              <a:sym typeface="Arial" panose="020B0604020202020204"/>
-            </a:endParaRPr>
           </a:p>
         </p:txBody>
       </p:sp>
@@ -47874,15 +47228,6 @@
               </a:rPr>
               <a:t>泛式 RPC</a:t>
             </a:r>
-            <a:endParaRPr lang="en-US" sz="1100" b="0" i="0" u="none" strike="noStrike" cap="none">
-              <a:solidFill>
-                <a:srgbClr val="000000"/>
-              </a:solidFill>
-              <a:latin typeface="Arial" panose="020B0604020202020204"/>
-              <a:ea typeface="Arial" panose="020B0604020202020204"/>
-              <a:cs typeface="Arial" panose="020B0604020202020204"/>
-              <a:sym typeface="Arial" panose="020B0604020202020204"/>
-            </a:endParaRPr>
           </a:p>
         </p:txBody>
       </p:sp>
@@ -47935,15 +47280,6 @@
               </a:rPr>
               <a:t>RPC</a:t>
             </a:r>
-            <a:endParaRPr lang="en-US" sz="1400" b="0" i="0" u="none" strike="noStrike" cap="none">
-              <a:solidFill>
-                <a:srgbClr val="000000"/>
-              </a:solidFill>
-              <a:latin typeface="Arial" panose="020B0604020202020204"/>
-              <a:ea typeface="Arial" panose="020B0604020202020204"/>
-              <a:cs typeface="Arial" panose="020B0604020202020204"/>
-              <a:sym typeface="Arial" panose="020B0604020202020204"/>
-            </a:endParaRPr>
           </a:p>
         </p:txBody>
       </p:sp>
@@ -47996,15 +47332,6 @@
               </a:rPr>
               <a:t>RPC</a:t>
             </a:r>
-            <a:endParaRPr lang="en-US" sz="1400" b="0" i="0" u="none" strike="noStrike" cap="none">
-              <a:solidFill>
-                <a:srgbClr val="000000"/>
-              </a:solidFill>
-              <a:latin typeface="Arial" panose="020B0604020202020204"/>
-              <a:ea typeface="Arial" panose="020B0604020202020204"/>
-              <a:cs typeface="Arial" panose="020B0604020202020204"/>
-              <a:sym typeface="Arial" panose="020B0604020202020204"/>
-            </a:endParaRPr>
           </a:p>
         </p:txBody>
       </p:sp>
@@ -48276,15 +47603,6 @@
               </a:rPr>
               <a:t>Get Order</a:t>
             </a:r>
-            <a:endParaRPr lang="en-US" sz="1000" b="0" i="0" u="none" strike="noStrike" cap="none">
-              <a:solidFill>
-                <a:srgbClr val="000000"/>
-              </a:solidFill>
-              <a:latin typeface="Arial" panose="020B0604020202020204"/>
-              <a:ea typeface="Arial" panose="020B0604020202020204"/>
-              <a:cs typeface="Arial" panose="020B0604020202020204"/>
-              <a:sym typeface="Arial" panose="020B0604020202020204"/>
-            </a:endParaRPr>
           </a:p>
         </p:txBody>
       </p:sp>
@@ -48845,7 +48163,7 @@
   <p:cSld>
     <p:spTree>
       <p:nvGrpSpPr>
-        <p:cNvPr id="209" name="Shape 209"/>
+        <p:cNvPr id="1" name="Shape 209"/>
         <p:cNvGrpSpPr/>
         <p:nvPr/>
       </p:nvGrpSpPr>
@@ -48860,7 +48178,9 @@
       <p:sp>
         <p:nvSpPr>
           <p:cNvPr id="210" name="Google Shape;210;p25"/>
-          <p:cNvSpPr txBox="1"/>
+          <p:cNvSpPr txBox="1">
+            <a:spLocks noGrp="1"/>
+          </p:cNvSpPr>
           <p:nvPr>
             <p:ph type="sldNum" idx="12"/>
           </p:nvPr>
@@ -48899,6 +48219,7 @@
             </a:pPr>
             <a:fld id="{00000000-1234-1234-1234-123412341234}" type="slidenum">
               <a:rPr lang="en-US"/>
+              <a:t>9</a:t>
             </a:fld>
             <a:endParaRPr lang="en-US"/>
           </a:p>
@@ -48907,7 +48228,9 @@
       <p:sp>
         <p:nvSpPr>
           <p:cNvPr id="211" name="Google Shape;211;p25"/>
-          <p:cNvSpPr txBox="1"/>
+          <p:cNvSpPr txBox="1">
+            <a:spLocks noGrp="1"/>
+          </p:cNvSpPr>
           <p:nvPr>
             <p:ph type="title"/>
           </p:nvPr>
@@ -48948,7 +48271,6 @@
               <a:rPr lang="en-US"/>
               <a:t>Micro API</a:t>
             </a:r>
-            <a:endParaRPr lang="en-US"/>
           </a:p>
         </p:txBody>
       </p:sp>
@@ -49020,7 +48342,7 @@
           <p:nvPr/>
         </p:nvPicPr>
         <p:blipFill rotWithShape="1">
-          <a:blip r:embed="rId1"/>
+          <a:blip r:embed="rId3"/>
           <a:srcRect/>
           <a:stretch>
             <a:fillRect/>
@@ -49098,7 +48420,7 @@
                 <a:ea typeface="Arial" panose="020B0604020202020204"/>
                 <a:cs typeface="Arial" panose="020B0604020202020204"/>
                 <a:sym typeface="Arial" panose="020B0604020202020204"/>
-                <a:hlinkClick r:id="rId2"/>
+                <a:hlinkClick r:id="rId4"/>
               </a:rPr>
               <a:t>Micro API</a:t>
             </a:r>
